--- a/OMS DevOps Process Using Openshift Features.pptx
+++ b/OMS DevOps Process Using Openshift Features.pptx
@@ -5,25 +5,26 @@
     <p:sldMasterId id="2147483774" r:id="rId1"/>
   </p:sldMasterIdLst>
   <p:notesMasterIdLst>
-    <p:notesMasterId r:id="rId18"/>
+    <p:notesMasterId r:id="rId19"/>
   </p:notesMasterIdLst>
   <p:sldIdLst>
     <p:sldId id="256" r:id="rId2"/>
-    <p:sldId id="345" r:id="rId3"/>
-    <p:sldId id="349" r:id="rId4"/>
+    <p:sldId id="354" r:id="rId3"/>
+    <p:sldId id="353" r:id="rId4"/>
     <p:sldId id="260" r:id="rId5"/>
     <p:sldId id="262" r:id="rId6"/>
     <p:sldId id="263" r:id="rId7"/>
     <p:sldId id="264" r:id="rId8"/>
     <p:sldId id="265" r:id="rId9"/>
-    <p:sldId id="261" r:id="rId10"/>
-    <p:sldId id="350" r:id="rId11"/>
-    <p:sldId id="342" r:id="rId12"/>
-    <p:sldId id="346" r:id="rId13"/>
-    <p:sldId id="348" r:id="rId14"/>
-    <p:sldId id="347" r:id="rId15"/>
-    <p:sldId id="351" r:id="rId16"/>
-    <p:sldId id="352" r:id="rId17"/>
+    <p:sldId id="356" r:id="rId10"/>
+    <p:sldId id="261" r:id="rId11"/>
+    <p:sldId id="355" r:id="rId12"/>
+    <p:sldId id="342" r:id="rId13"/>
+    <p:sldId id="346" r:id="rId14"/>
+    <p:sldId id="348" r:id="rId15"/>
+    <p:sldId id="347" r:id="rId16"/>
+    <p:sldId id="351" r:id="rId17"/>
+    <p:sldId id="352" r:id="rId18"/>
   </p:sldIdLst>
   <p:sldSz cx="12192000" cy="6858000"/>
   <p:notesSz cx="6858000" cy="9144000"/>
@@ -133,6 +134,2582 @@
 </p:presentation>
 </file>
 
+<file path=ppt/diagrams/colors1.xml><?xml version="1.0" encoding="utf-8"?>
+<dgm:colorsDef xmlns:dgm="http://schemas.openxmlformats.org/drawingml/2006/diagram" xmlns:a="http://schemas.openxmlformats.org/drawingml/2006/main" uniqueId="urn:microsoft.com/office/officeart/2018/5/colors/Iconchunking_neutralicon_accent4_2">
+  <dgm:title val=""/>
+  <dgm:desc val=""/>
+  <dgm:catLst>
+    <dgm:cat type="accent4" pri="14200"/>
+  </dgm:catLst>
+  <dgm:styleLbl name="node0">
+    <dgm:fillClrLst meth="repeat">
+      <a:schemeClr val="accent4"/>
+    </dgm:fillClrLst>
+    <dgm:linClrLst meth="repeat">
+      <a:schemeClr val="lt1"/>
+    </dgm:linClrLst>
+    <dgm:effectClrLst/>
+    <dgm:txLinClrLst/>
+    <dgm:txFillClrLst/>
+    <dgm:txEffectClrLst/>
+  </dgm:styleLbl>
+  <dgm:styleLbl name="node1">
+    <dgm:fillClrLst meth="repeat">
+      <a:schemeClr val="bg1"/>
+    </dgm:fillClrLst>
+    <dgm:linClrLst meth="repeat">
+      <a:schemeClr val="lt1">
+        <a:alpha val="0"/>
+      </a:schemeClr>
+    </dgm:linClrLst>
+    <dgm:effectClrLst/>
+    <dgm:txLinClrLst/>
+    <dgm:txFillClrLst meth="repeat">
+      <a:schemeClr val="dk1"/>
+    </dgm:txFillClrLst>
+    <dgm:txEffectClrLst/>
+  </dgm:styleLbl>
+  <dgm:styleLbl name="alignNode1">
+    <dgm:fillClrLst meth="repeat">
+      <a:schemeClr val="accent4"/>
+    </dgm:fillClrLst>
+    <dgm:linClrLst meth="repeat">
+      <a:schemeClr val="accent4"/>
+    </dgm:linClrLst>
+    <dgm:effectClrLst/>
+    <dgm:txLinClrLst/>
+    <dgm:txFillClrLst/>
+    <dgm:txEffectClrLst/>
+  </dgm:styleLbl>
+  <dgm:styleLbl name="lnNode1">
+    <dgm:fillClrLst meth="repeat">
+      <a:schemeClr val="accent4"/>
+    </dgm:fillClrLst>
+    <dgm:linClrLst meth="repeat">
+      <a:schemeClr val="lt1"/>
+    </dgm:linClrLst>
+    <dgm:effectClrLst/>
+    <dgm:txLinClrLst/>
+    <dgm:txFillClrLst/>
+    <dgm:txEffectClrLst/>
+  </dgm:styleLbl>
+  <dgm:styleLbl name="vennNode1">
+    <dgm:fillClrLst meth="repeat">
+      <a:schemeClr val="accent4">
+        <a:alpha val="50000"/>
+      </a:schemeClr>
+    </dgm:fillClrLst>
+    <dgm:linClrLst meth="repeat">
+      <a:schemeClr val="lt1"/>
+    </dgm:linClrLst>
+    <dgm:effectClrLst/>
+    <dgm:txLinClrLst/>
+    <dgm:txFillClrLst/>
+    <dgm:txEffectClrLst/>
+  </dgm:styleLbl>
+  <dgm:styleLbl name="node2">
+    <dgm:fillClrLst meth="repeat">
+      <a:schemeClr val="accent4"/>
+    </dgm:fillClrLst>
+    <dgm:linClrLst meth="repeat">
+      <a:schemeClr val="lt1"/>
+    </dgm:linClrLst>
+    <dgm:effectClrLst/>
+    <dgm:txLinClrLst/>
+    <dgm:txFillClrLst/>
+    <dgm:txEffectClrLst/>
+  </dgm:styleLbl>
+  <dgm:styleLbl name="node3">
+    <dgm:fillClrLst meth="repeat">
+      <a:schemeClr val="accent4"/>
+    </dgm:fillClrLst>
+    <dgm:linClrLst meth="repeat">
+      <a:schemeClr val="lt1"/>
+    </dgm:linClrLst>
+    <dgm:effectClrLst/>
+    <dgm:txLinClrLst/>
+    <dgm:txFillClrLst/>
+    <dgm:txEffectClrLst/>
+  </dgm:styleLbl>
+  <dgm:styleLbl name="node4">
+    <dgm:fillClrLst meth="repeat">
+      <a:schemeClr val="accent4"/>
+    </dgm:fillClrLst>
+    <dgm:linClrLst meth="repeat">
+      <a:schemeClr val="lt1"/>
+    </dgm:linClrLst>
+    <dgm:effectClrLst/>
+    <dgm:txLinClrLst/>
+    <dgm:txFillClrLst/>
+    <dgm:txEffectClrLst/>
+  </dgm:styleLbl>
+  <dgm:styleLbl name="fgImgPlace1">
+    <dgm:fillClrLst meth="repeat">
+      <a:schemeClr val="accent4">
+        <a:tint val="50000"/>
+      </a:schemeClr>
+    </dgm:fillClrLst>
+    <dgm:linClrLst meth="repeat">
+      <a:schemeClr val="lt1"/>
+    </dgm:linClrLst>
+    <dgm:effectClrLst/>
+    <dgm:txLinClrLst/>
+    <dgm:txFillClrLst meth="repeat">
+      <a:schemeClr val="lt1"/>
+    </dgm:txFillClrLst>
+    <dgm:txEffectClrLst/>
+  </dgm:styleLbl>
+  <dgm:styleLbl name="alignImgPlace1">
+    <dgm:fillClrLst meth="repeat">
+      <a:schemeClr val="accent4">
+        <a:tint val="50000"/>
+      </a:schemeClr>
+    </dgm:fillClrLst>
+    <dgm:linClrLst meth="repeat">
+      <a:schemeClr val="lt1"/>
+    </dgm:linClrLst>
+    <dgm:effectClrLst/>
+    <dgm:txLinClrLst/>
+    <dgm:txFillClrLst meth="repeat">
+      <a:schemeClr val="lt1"/>
+    </dgm:txFillClrLst>
+    <dgm:txEffectClrLst/>
+  </dgm:styleLbl>
+  <dgm:styleLbl name="bgImgPlace1">
+    <dgm:fillClrLst meth="repeat">
+      <a:schemeClr val="accent4">
+        <a:tint val="50000"/>
+      </a:schemeClr>
+    </dgm:fillClrLst>
+    <dgm:linClrLst meth="repeat">
+      <a:schemeClr val="lt1"/>
+    </dgm:linClrLst>
+    <dgm:effectClrLst/>
+    <dgm:txLinClrLst/>
+    <dgm:txFillClrLst meth="repeat">
+      <a:schemeClr val="lt1"/>
+    </dgm:txFillClrLst>
+    <dgm:txEffectClrLst/>
+  </dgm:styleLbl>
+  <dgm:styleLbl name="sibTrans2D1">
+    <dgm:fillClrLst meth="repeat">
+      <a:schemeClr val="accent4">
+        <a:tint val="60000"/>
+      </a:schemeClr>
+    </dgm:fillClrLst>
+    <dgm:linClrLst meth="repeat">
+      <a:schemeClr val="accent4">
+        <a:tint val="60000"/>
+      </a:schemeClr>
+    </dgm:linClrLst>
+    <dgm:effectClrLst/>
+    <dgm:txLinClrLst/>
+    <dgm:txFillClrLst/>
+    <dgm:txEffectClrLst/>
+  </dgm:styleLbl>
+  <dgm:styleLbl name="fgSibTrans2D1">
+    <dgm:fillClrLst meth="repeat">
+      <a:schemeClr val="accent4">
+        <a:tint val="60000"/>
+      </a:schemeClr>
+    </dgm:fillClrLst>
+    <dgm:linClrLst meth="repeat">
+      <a:schemeClr val="accent4">
+        <a:tint val="60000"/>
+      </a:schemeClr>
+    </dgm:linClrLst>
+    <dgm:effectClrLst/>
+    <dgm:txLinClrLst/>
+    <dgm:txFillClrLst/>
+    <dgm:txEffectClrLst/>
+  </dgm:styleLbl>
+  <dgm:styleLbl name="bgSibTrans2D1">
+    <dgm:fillClrLst meth="repeat">
+      <a:schemeClr val="accent4">
+        <a:tint val="60000"/>
+      </a:schemeClr>
+    </dgm:fillClrLst>
+    <dgm:linClrLst meth="repeat">
+      <a:schemeClr val="accent4">
+        <a:tint val="60000"/>
+      </a:schemeClr>
+    </dgm:linClrLst>
+    <dgm:effectClrLst/>
+    <dgm:txLinClrLst/>
+    <dgm:txFillClrLst/>
+    <dgm:txEffectClrLst/>
+  </dgm:styleLbl>
+  <dgm:styleLbl name="sibTrans1D1">
+    <dgm:fillClrLst meth="repeat">
+      <a:schemeClr val="accent4"/>
+    </dgm:fillClrLst>
+    <dgm:linClrLst meth="repeat">
+      <a:schemeClr val="accent4"/>
+    </dgm:linClrLst>
+    <dgm:effectClrLst/>
+    <dgm:txLinClrLst/>
+    <dgm:txFillClrLst meth="repeat">
+      <a:schemeClr val="tx1"/>
+    </dgm:txFillClrLst>
+    <dgm:txEffectClrLst/>
+  </dgm:styleLbl>
+  <dgm:styleLbl name="callout">
+    <dgm:fillClrLst meth="repeat">
+      <a:schemeClr val="accent4"/>
+    </dgm:fillClrLst>
+    <dgm:linClrLst meth="repeat">
+      <a:schemeClr val="accent4">
+        <a:tint val="50000"/>
+      </a:schemeClr>
+    </dgm:linClrLst>
+    <dgm:effectClrLst/>
+    <dgm:txLinClrLst/>
+    <dgm:txFillClrLst meth="repeat">
+      <a:schemeClr val="tx1"/>
+    </dgm:txFillClrLst>
+    <dgm:txEffectClrLst/>
+  </dgm:styleLbl>
+  <dgm:styleLbl name="asst0">
+    <dgm:fillClrLst meth="repeat">
+      <a:schemeClr val="accent4"/>
+    </dgm:fillClrLst>
+    <dgm:linClrLst meth="repeat">
+      <a:schemeClr val="lt1"/>
+    </dgm:linClrLst>
+    <dgm:effectClrLst/>
+    <dgm:txLinClrLst/>
+    <dgm:txFillClrLst/>
+    <dgm:txEffectClrLst/>
+  </dgm:styleLbl>
+  <dgm:styleLbl name="asst1">
+    <dgm:fillClrLst meth="repeat">
+      <a:schemeClr val="accent4"/>
+    </dgm:fillClrLst>
+    <dgm:linClrLst meth="repeat">
+      <a:schemeClr val="lt1"/>
+    </dgm:linClrLst>
+    <dgm:effectClrLst/>
+    <dgm:txLinClrLst/>
+    <dgm:txFillClrLst/>
+    <dgm:txEffectClrLst/>
+  </dgm:styleLbl>
+  <dgm:styleLbl name="asst2">
+    <dgm:fillClrLst meth="repeat">
+      <a:schemeClr val="accent4"/>
+    </dgm:fillClrLst>
+    <dgm:linClrLst meth="repeat">
+      <a:schemeClr val="lt1"/>
+    </dgm:linClrLst>
+    <dgm:effectClrLst/>
+    <dgm:txLinClrLst/>
+    <dgm:txFillClrLst/>
+    <dgm:txEffectClrLst/>
+  </dgm:styleLbl>
+  <dgm:styleLbl name="asst3">
+    <dgm:fillClrLst meth="repeat">
+      <a:schemeClr val="accent4"/>
+    </dgm:fillClrLst>
+    <dgm:linClrLst meth="repeat">
+      <a:schemeClr val="lt1"/>
+    </dgm:linClrLst>
+    <dgm:effectClrLst/>
+    <dgm:txLinClrLst/>
+    <dgm:txFillClrLst/>
+    <dgm:txEffectClrLst/>
+  </dgm:styleLbl>
+  <dgm:styleLbl name="asst4">
+    <dgm:fillClrLst meth="repeat">
+      <a:schemeClr val="accent4"/>
+    </dgm:fillClrLst>
+    <dgm:linClrLst meth="repeat">
+      <a:schemeClr val="lt1"/>
+    </dgm:linClrLst>
+    <dgm:effectClrLst/>
+    <dgm:txLinClrLst/>
+    <dgm:txFillClrLst/>
+    <dgm:txEffectClrLst/>
+  </dgm:styleLbl>
+  <dgm:styleLbl name="parChTrans2D1">
+    <dgm:fillClrLst meth="repeat">
+      <a:schemeClr val="accent4">
+        <a:tint val="60000"/>
+      </a:schemeClr>
+    </dgm:fillClrLst>
+    <dgm:linClrLst meth="repeat">
+      <a:schemeClr val="accent4">
+        <a:tint val="60000"/>
+      </a:schemeClr>
+    </dgm:linClrLst>
+    <dgm:effectClrLst/>
+    <dgm:txLinClrLst/>
+    <dgm:txFillClrLst meth="repeat">
+      <a:schemeClr val="lt1"/>
+    </dgm:txFillClrLst>
+    <dgm:txEffectClrLst/>
+  </dgm:styleLbl>
+  <dgm:styleLbl name="parChTrans2D2">
+    <dgm:fillClrLst meth="repeat">
+      <a:schemeClr val="accent4"/>
+    </dgm:fillClrLst>
+    <dgm:linClrLst meth="repeat">
+      <a:schemeClr val="accent4"/>
+    </dgm:linClrLst>
+    <dgm:effectClrLst/>
+    <dgm:txLinClrLst/>
+    <dgm:txFillClrLst meth="repeat">
+      <a:schemeClr val="lt1"/>
+    </dgm:txFillClrLst>
+    <dgm:txEffectClrLst/>
+  </dgm:styleLbl>
+  <dgm:styleLbl name="parChTrans2D3">
+    <dgm:fillClrLst meth="repeat">
+      <a:schemeClr val="accent4"/>
+    </dgm:fillClrLst>
+    <dgm:linClrLst meth="repeat">
+      <a:schemeClr val="accent4"/>
+    </dgm:linClrLst>
+    <dgm:effectClrLst/>
+    <dgm:txLinClrLst/>
+    <dgm:txFillClrLst meth="repeat">
+      <a:schemeClr val="lt1"/>
+    </dgm:txFillClrLst>
+    <dgm:txEffectClrLst/>
+  </dgm:styleLbl>
+  <dgm:styleLbl name="parChTrans2D4">
+    <dgm:fillClrLst meth="repeat">
+      <a:schemeClr val="accent4"/>
+    </dgm:fillClrLst>
+    <dgm:linClrLst meth="repeat">
+      <a:schemeClr val="accent4"/>
+    </dgm:linClrLst>
+    <dgm:effectClrLst/>
+    <dgm:txLinClrLst/>
+    <dgm:txFillClrLst meth="repeat">
+      <a:schemeClr val="lt1"/>
+    </dgm:txFillClrLst>
+    <dgm:txEffectClrLst/>
+  </dgm:styleLbl>
+  <dgm:styleLbl name="parChTrans1D1">
+    <dgm:fillClrLst meth="repeat">
+      <a:schemeClr val="accent4"/>
+    </dgm:fillClrLst>
+    <dgm:linClrLst meth="repeat">
+      <a:schemeClr val="accent4">
+        <a:shade val="60000"/>
+      </a:schemeClr>
+    </dgm:linClrLst>
+    <dgm:effectClrLst/>
+    <dgm:txLinClrLst/>
+    <dgm:txFillClrLst meth="repeat">
+      <a:schemeClr val="tx1"/>
+    </dgm:txFillClrLst>
+    <dgm:txEffectClrLst/>
+  </dgm:styleLbl>
+  <dgm:styleLbl name="parChTrans1D2">
+    <dgm:fillClrLst meth="repeat">
+      <a:schemeClr val="accent4"/>
+    </dgm:fillClrLst>
+    <dgm:linClrLst meth="repeat">
+      <a:schemeClr val="accent4">
+        <a:shade val="60000"/>
+      </a:schemeClr>
+    </dgm:linClrLst>
+    <dgm:effectClrLst/>
+    <dgm:txLinClrLst/>
+    <dgm:txFillClrLst meth="repeat">
+      <a:schemeClr val="tx1"/>
+    </dgm:txFillClrLst>
+    <dgm:txEffectClrLst/>
+  </dgm:styleLbl>
+  <dgm:styleLbl name="parChTrans1D3">
+    <dgm:fillClrLst meth="repeat">
+      <a:schemeClr val="accent4"/>
+    </dgm:fillClrLst>
+    <dgm:linClrLst meth="repeat">
+      <a:schemeClr val="accent4">
+        <a:shade val="80000"/>
+      </a:schemeClr>
+    </dgm:linClrLst>
+    <dgm:effectClrLst/>
+    <dgm:txLinClrLst/>
+    <dgm:txFillClrLst meth="repeat">
+      <a:schemeClr val="tx1"/>
+    </dgm:txFillClrLst>
+    <dgm:txEffectClrLst/>
+  </dgm:styleLbl>
+  <dgm:styleLbl name="parChTrans1D4">
+    <dgm:fillClrLst meth="repeat">
+      <a:schemeClr val="accent4"/>
+    </dgm:fillClrLst>
+    <dgm:linClrLst meth="repeat">
+      <a:schemeClr val="accent4">
+        <a:shade val="80000"/>
+      </a:schemeClr>
+    </dgm:linClrLst>
+    <dgm:effectClrLst/>
+    <dgm:txLinClrLst/>
+    <dgm:txFillClrLst meth="repeat">
+      <a:schemeClr val="tx1"/>
+    </dgm:txFillClrLst>
+    <dgm:txEffectClrLst/>
+  </dgm:styleLbl>
+  <dgm:styleLbl name="fgAcc1">
+    <dgm:fillClrLst meth="repeat">
+      <a:schemeClr val="lt1">
+        <a:alpha val="90000"/>
+      </a:schemeClr>
+    </dgm:fillClrLst>
+    <dgm:linClrLst meth="repeat">
+      <a:schemeClr val="accent4"/>
+    </dgm:linClrLst>
+    <dgm:effectClrLst/>
+    <dgm:txLinClrLst/>
+    <dgm:txFillClrLst meth="repeat">
+      <a:schemeClr val="dk1"/>
+    </dgm:txFillClrLst>
+    <dgm:txEffectClrLst/>
+  </dgm:styleLbl>
+  <dgm:styleLbl name="conFgAcc1">
+    <dgm:fillClrLst meth="repeat">
+      <a:schemeClr val="lt1">
+        <a:alpha val="90000"/>
+      </a:schemeClr>
+    </dgm:fillClrLst>
+    <dgm:linClrLst meth="repeat">
+      <a:schemeClr val="accent4"/>
+    </dgm:linClrLst>
+    <dgm:effectClrLst/>
+    <dgm:txLinClrLst/>
+    <dgm:txFillClrLst meth="repeat">
+      <a:schemeClr val="dk1"/>
+    </dgm:txFillClrLst>
+    <dgm:txEffectClrLst/>
+  </dgm:styleLbl>
+  <dgm:styleLbl name="alignAcc1">
+    <dgm:fillClrLst meth="repeat">
+      <a:schemeClr val="lt1">
+        <a:alpha val="90000"/>
+      </a:schemeClr>
+    </dgm:fillClrLst>
+    <dgm:linClrLst meth="repeat">
+      <a:schemeClr val="accent4"/>
+    </dgm:linClrLst>
+    <dgm:effectClrLst/>
+    <dgm:txLinClrLst/>
+    <dgm:txFillClrLst meth="repeat">
+      <a:schemeClr val="dk1"/>
+    </dgm:txFillClrLst>
+    <dgm:txEffectClrLst/>
+  </dgm:styleLbl>
+  <dgm:styleLbl name="trAlignAcc1">
+    <dgm:fillClrLst meth="repeat">
+      <a:schemeClr val="lt1">
+        <a:alpha val="40000"/>
+      </a:schemeClr>
+    </dgm:fillClrLst>
+    <dgm:linClrLst meth="repeat">
+      <a:schemeClr val="accent4"/>
+    </dgm:linClrLst>
+    <dgm:effectClrLst/>
+    <dgm:txLinClrLst/>
+    <dgm:txFillClrLst meth="repeat">
+      <a:schemeClr val="dk1"/>
+    </dgm:txFillClrLst>
+    <dgm:txEffectClrLst/>
+  </dgm:styleLbl>
+  <dgm:styleLbl name="bgAcc1">
+    <dgm:fillClrLst meth="repeat">
+      <a:schemeClr val="lt1">
+        <a:alpha val="90000"/>
+      </a:schemeClr>
+    </dgm:fillClrLst>
+    <dgm:linClrLst meth="repeat">
+      <a:schemeClr val="accent4"/>
+    </dgm:linClrLst>
+    <dgm:effectClrLst/>
+    <dgm:txLinClrLst/>
+    <dgm:txFillClrLst meth="repeat">
+      <a:schemeClr val="dk1"/>
+    </dgm:txFillClrLst>
+    <dgm:txEffectClrLst/>
+  </dgm:styleLbl>
+  <dgm:styleLbl name="solidFgAcc1">
+    <dgm:fillClrLst meth="repeat">
+      <a:schemeClr val="lt1"/>
+    </dgm:fillClrLst>
+    <dgm:linClrLst meth="repeat">
+      <a:schemeClr val="accent4"/>
+    </dgm:linClrLst>
+    <dgm:effectClrLst/>
+    <dgm:txLinClrLst/>
+    <dgm:txFillClrLst meth="repeat">
+      <a:schemeClr val="dk1"/>
+    </dgm:txFillClrLst>
+    <dgm:txEffectClrLst/>
+  </dgm:styleLbl>
+  <dgm:styleLbl name="solidAlignAcc1">
+    <dgm:fillClrLst meth="repeat">
+      <a:schemeClr val="lt1"/>
+    </dgm:fillClrLst>
+    <dgm:linClrLst meth="repeat">
+      <a:schemeClr val="accent4"/>
+    </dgm:linClrLst>
+    <dgm:effectClrLst/>
+    <dgm:txLinClrLst/>
+    <dgm:txFillClrLst meth="repeat">
+      <a:schemeClr val="dk1"/>
+    </dgm:txFillClrLst>
+    <dgm:txEffectClrLst/>
+  </dgm:styleLbl>
+  <dgm:styleLbl name="solidBgAcc1">
+    <dgm:fillClrLst meth="repeat">
+      <a:schemeClr val="lt1"/>
+    </dgm:fillClrLst>
+    <dgm:linClrLst meth="repeat">
+      <a:schemeClr val="accent4"/>
+    </dgm:linClrLst>
+    <dgm:effectClrLst/>
+    <dgm:txLinClrLst/>
+    <dgm:txFillClrLst meth="repeat">
+      <a:schemeClr val="dk1"/>
+    </dgm:txFillClrLst>
+    <dgm:txEffectClrLst/>
+  </dgm:styleLbl>
+  <dgm:styleLbl name="fgAccFollowNode1">
+    <dgm:fillClrLst meth="repeat">
+      <a:schemeClr val="accent4">
+        <a:alpha val="90000"/>
+        <a:tint val="40000"/>
+      </a:schemeClr>
+    </dgm:fillClrLst>
+    <dgm:linClrLst meth="repeat">
+      <a:schemeClr val="accent4">
+        <a:alpha val="90000"/>
+        <a:tint val="40000"/>
+      </a:schemeClr>
+    </dgm:linClrLst>
+    <dgm:effectClrLst/>
+    <dgm:txLinClrLst/>
+    <dgm:txFillClrLst meth="repeat">
+      <a:schemeClr val="dk1"/>
+    </dgm:txFillClrLst>
+    <dgm:txEffectClrLst/>
+  </dgm:styleLbl>
+  <dgm:styleLbl name="alignAccFollowNode1">
+    <dgm:fillClrLst meth="repeat">
+      <a:schemeClr val="accent4">
+        <a:alpha val="90000"/>
+        <a:tint val="40000"/>
+      </a:schemeClr>
+    </dgm:fillClrLst>
+    <dgm:linClrLst meth="repeat">
+      <a:schemeClr val="accent4">
+        <a:alpha val="90000"/>
+        <a:tint val="40000"/>
+      </a:schemeClr>
+    </dgm:linClrLst>
+    <dgm:effectClrLst/>
+    <dgm:txLinClrLst/>
+    <dgm:txFillClrLst meth="repeat">
+      <a:schemeClr val="dk1"/>
+    </dgm:txFillClrLst>
+    <dgm:txEffectClrLst/>
+  </dgm:styleLbl>
+  <dgm:styleLbl name="bgAccFollowNode1">
+    <dgm:fillClrLst meth="repeat">
+      <a:schemeClr val="accent4">
+        <a:alpha val="90000"/>
+        <a:tint val="40000"/>
+      </a:schemeClr>
+    </dgm:fillClrLst>
+    <dgm:linClrLst meth="repeat">
+      <a:schemeClr val="accent4">
+        <a:alpha val="90000"/>
+        <a:tint val="40000"/>
+      </a:schemeClr>
+    </dgm:linClrLst>
+    <dgm:effectClrLst/>
+    <dgm:txLinClrLst/>
+    <dgm:txFillClrLst meth="repeat">
+      <a:schemeClr val="dk1"/>
+    </dgm:txFillClrLst>
+    <dgm:txEffectClrLst/>
+  </dgm:styleLbl>
+  <dgm:styleLbl name="fgAcc0">
+    <dgm:fillClrLst meth="repeat">
+      <a:schemeClr val="lt1">
+        <a:alpha val="90000"/>
+      </a:schemeClr>
+    </dgm:fillClrLst>
+    <dgm:linClrLst meth="repeat">
+      <a:schemeClr val="accent4"/>
+    </dgm:linClrLst>
+    <dgm:effectClrLst/>
+    <dgm:txLinClrLst/>
+    <dgm:txFillClrLst meth="repeat">
+      <a:schemeClr val="dk1"/>
+    </dgm:txFillClrLst>
+    <dgm:txEffectClrLst/>
+  </dgm:styleLbl>
+  <dgm:styleLbl name="fgAcc2">
+    <dgm:fillClrLst meth="repeat">
+      <a:schemeClr val="lt1">
+        <a:alpha val="90000"/>
+      </a:schemeClr>
+    </dgm:fillClrLst>
+    <dgm:linClrLst meth="repeat">
+      <a:schemeClr val="accent4"/>
+    </dgm:linClrLst>
+    <dgm:effectClrLst/>
+    <dgm:txLinClrLst/>
+    <dgm:txFillClrLst meth="repeat">
+      <a:schemeClr val="dk1"/>
+    </dgm:txFillClrLst>
+    <dgm:txEffectClrLst/>
+  </dgm:styleLbl>
+  <dgm:styleLbl name="fgAcc3">
+    <dgm:fillClrLst meth="repeat">
+      <a:schemeClr val="lt1">
+        <a:alpha val="90000"/>
+      </a:schemeClr>
+    </dgm:fillClrLst>
+    <dgm:linClrLst meth="repeat">
+      <a:schemeClr val="accent4"/>
+    </dgm:linClrLst>
+    <dgm:effectClrLst/>
+    <dgm:txLinClrLst/>
+    <dgm:txFillClrLst meth="repeat">
+      <a:schemeClr val="dk1"/>
+    </dgm:txFillClrLst>
+    <dgm:txEffectClrLst/>
+  </dgm:styleLbl>
+  <dgm:styleLbl name="fgAcc4">
+    <dgm:fillClrLst meth="repeat">
+      <a:schemeClr val="lt1">
+        <a:alpha val="90000"/>
+      </a:schemeClr>
+    </dgm:fillClrLst>
+    <dgm:linClrLst meth="repeat">
+      <a:schemeClr val="accent4"/>
+    </dgm:linClrLst>
+    <dgm:effectClrLst/>
+    <dgm:txLinClrLst/>
+    <dgm:txFillClrLst meth="repeat">
+      <a:schemeClr val="dk1"/>
+    </dgm:txFillClrLst>
+    <dgm:txEffectClrLst/>
+  </dgm:styleLbl>
+  <dgm:styleLbl name="bgShp">
+    <dgm:fillClrLst meth="repeat">
+      <a:schemeClr val="accent4"/>
+    </dgm:fillClrLst>
+    <dgm:linClrLst meth="repeat">
+      <a:schemeClr val="lt1">
+        <a:alpha val="0"/>
+      </a:schemeClr>
+    </dgm:linClrLst>
+    <dgm:effectClrLst/>
+    <dgm:txLinClrLst/>
+    <dgm:txFillClrLst/>
+    <dgm:txEffectClrLst/>
+  </dgm:styleLbl>
+  <dgm:styleLbl name="dkBgShp">
+    <dgm:fillClrLst meth="repeat">
+      <a:schemeClr val="accent4">
+        <a:shade val="80000"/>
+      </a:schemeClr>
+    </dgm:fillClrLst>
+    <dgm:linClrLst meth="repeat">
+      <a:schemeClr val="accent4"/>
+    </dgm:linClrLst>
+    <dgm:effectClrLst/>
+    <dgm:txLinClrLst/>
+    <dgm:txFillClrLst meth="repeat">
+      <a:schemeClr val="lt1"/>
+    </dgm:txFillClrLst>
+    <dgm:txEffectClrLst/>
+  </dgm:styleLbl>
+  <dgm:styleLbl name="trBgShp">
+    <dgm:fillClrLst meth="repeat">
+      <a:schemeClr val="accent4">
+        <a:tint val="50000"/>
+        <a:alpha val="40000"/>
+      </a:schemeClr>
+    </dgm:fillClrLst>
+    <dgm:linClrLst meth="repeat">
+      <a:schemeClr val="accent4"/>
+    </dgm:linClrLst>
+    <dgm:effectClrLst/>
+    <dgm:txLinClrLst/>
+    <dgm:txFillClrLst meth="repeat">
+      <a:schemeClr val="lt1"/>
+    </dgm:txFillClrLst>
+    <dgm:txEffectClrLst/>
+  </dgm:styleLbl>
+  <dgm:styleLbl name="fgShp">
+    <dgm:fillClrLst meth="repeat">
+      <a:schemeClr val="accent4">
+        <a:tint val="60000"/>
+      </a:schemeClr>
+    </dgm:fillClrLst>
+    <dgm:linClrLst meth="repeat">
+      <a:schemeClr val="lt1"/>
+    </dgm:linClrLst>
+    <dgm:effectClrLst/>
+    <dgm:txLinClrLst/>
+    <dgm:txFillClrLst meth="repeat">
+      <a:schemeClr val="dk1"/>
+    </dgm:txFillClrLst>
+    <dgm:txEffectClrLst/>
+  </dgm:styleLbl>
+  <dgm:styleLbl name="revTx">
+    <dgm:fillClrLst meth="repeat">
+      <a:schemeClr val="lt1">
+        <a:alpha val="0"/>
+      </a:schemeClr>
+    </dgm:fillClrLst>
+    <dgm:linClrLst meth="repeat">
+      <a:schemeClr val="dk1">
+        <a:alpha val="0"/>
+      </a:schemeClr>
+    </dgm:linClrLst>
+    <dgm:effectClrLst/>
+    <dgm:txLinClrLst/>
+    <dgm:txFillClrLst meth="repeat">
+      <a:schemeClr val="tx1"/>
+    </dgm:txFillClrLst>
+    <dgm:txEffectClrLst/>
+  </dgm:styleLbl>
+</dgm:colorsDef>
+</file>
+
+<file path=ppt/diagrams/data1.xml><?xml version="1.0" encoding="utf-8"?>
+<dgm:dataModel xmlns:dgm="http://schemas.openxmlformats.org/drawingml/2006/diagram" xmlns:a="http://schemas.openxmlformats.org/drawingml/2006/main">
+  <dgm:ptLst>
+    <dgm:pt modelId="{81487067-A494-4781-9ED9-755FB213D76B}" type="doc">
+      <dgm:prSet loTypeId="urn:microsoft.com/office/officeart/2018/5/layout/IconCircleLabelList" loCatId="icon" qsTypeId="urn:microsoft.com/office/officeart/2005/8/quickstyle/simple1" qsCatId="simple" csTypeId="urn:microsoft.com/office/officeart/2018/5/colors/Iconchunking_neutralicon_accent4_2" csCatId="accent4" phldr="1"/>
+      <dgm:spPr/>
+      <dgm:t>
+        <a:bodyPr/>
+        <a:lstStyle/>
+        <a:p>
+          <a:endParaRPr lang="en-US"/>
+        </a:p>
+      </dgm:t>
+    </dgm:pt>
+    <dgm:pt modelId="{71320A79-2535-4276-AEDD-D160FDD4B0A2}">
+      <dgm:prSet/>
+      <dgm:spPr/>
+      <dgm:t>
+        <a:bodyPr/>
+        <a:lstStyle/>
+        <a:p>
+          <a:pPr>
+            <a:lnSpc>
+              <a:spcPct val="100000"/>
+            </a:lnSpc>
+            <a:defRPr cap="all"/>
+          </a:pPr>
+          <a:r>
+            <a:rPr lang="en-US" dirty="0"/>
+            <a:t>Envisioned </a:t>
+          </a:r>
+          <a:r>
+            <a:rPr lang="en-US" dirty="0" err="1"/>
+            <a:t>DevOp</a:t>
+          </a:r>
+          <a:r>
+            <a:rPr lang="en-US" dirty="0"/>
+            <a:t> process </a:t>
+          </a:r>
+        </a:p>
+      </dgm:t>
+    </dgm:pt>
+    <dgm:pt modelId="{6D17F39F-79CD-49A0-9552-1635560F3E0B}" type="parTrans" cxnId="{48F6B897-046C-4B21-8FD6-E4C9F04EA05E}">
+      <dgm:prSet/>
+      <dgm:spPr/>
+      <dgm:t>
+        <a:bodyPr/>
+        <a:lstStyle/>
+        <a:p>
+          <a:endParaRPr lang="en-US"/>
+        </a:p>
+      </dgm:t>
+    </dgm:pt>
+    <dgm:pt modelId="{D085E662-06F4-421C-8A6F-616A794DA090}" type="sibTrans" cxnId="{48F6B897-046C-4B21-8FD6-E4C9F04EA05E}">
+      <dgm:prSet/>
+      <dgm:spPr/>
+      <dgm:t>
+        <a:bodyPr/>
+        <a:lstStyle/>
+        <a:p>
+          <a:endParaRPr lang="en-US"/>
+        </a:p>
+      </dgm:t>
+    </dgm:pt>
+    <dgm:pt modelId="{215AD40B-2F5A-4A9C-929F-3E2B2D5FF88C}">
+      <dgm:prSet/>
+      <dgm:spPr/>
+      <dgm:t>
+        <a:bodyPr/>
+        <a:lstStyle/>
+        <a:p>
+          <a:pPr>
+            <a:lnSpc>
+              <a:spcPct val="100000"/>
+            </a:lnSpc>
+            <a:defRPr cap="all"/>
+          </a:pPr>
+          <a:r>
+            <a:rPr lang="en-US" dirty="0"/>
+            <a:t>Implementation Strategies</a:t>
+          </a:r>
+        </a:p>
+      </dgm:t>
+    </dgm:pt>
+    <dgm:pt modelId="{B03E6923-C334-437E-A819-99FD3230F985}" type="parTrans" cxnId="{00686784-4AC1-45CF-BAC6-B6258AAA1B72}">
+      <dgm:prSet/>
+      <dgm:spPr/>
+      <dgm:t>
+        <a:bodyPr/>
+        <a:lstStyle/>
+        <a:p>
+          <a:endParaRPr lang="en-US"/>
+        </a:p>
+      </dgm:t>
+    </dgm:pt>
+    <dgm:pt modelId="{2EEEB651-C244-43C4-BE80-81BB9CFCA021}" type="sibTrans" cxnId="{00686784-4AC1-45CF-BAC6-B6258AAA1B72}">
+      <dgm:prSet/>
+      <dgm:spPr/>
+      <dgm:t>
+        <a:bodyPr/>
+        <a:lstStyle/>
+        <a:p>
+          <a:endParaRPr lang="en-US"/>
+        </a:p>
+      </dgm:t>
+    </dgm:pt>
+    <dgm:pt modelId="{D2C43855-3374-4FDD-B455-D6D42F839FF1}" type="pres">
+      <dgm:prSet presAssocID="{81487067-A494-4781-9ED9-755FB213D76B}" presName="root" presStyleCnt="0">
+        <dgm:presLayoutVars>
+          <dgm:dir/>
+          <dgm:resizeHandles val="exact"/>
+        </dgm:presLayoutVars>
+      </dgm:prSet>
+      <dgm:spPr/>
+    </dgm:pt>
+    <dgm:pt modelId="{76A273FE-A324-4721-80EF-53BDD96C44D8}" type="pres">
+      <dgm:prSet presAssocID="{71320A79-2535-4276-AEDD-D160FDD4B0A2}" presName="compNode" presStyleCnt="0"/>
+      <dgm:spPr/>
+    </dgm:pt>
+    <dgm:pt modelId="{4CC100D7-9B1E-4010-AE6A-D8CB0A4B7585}" type="pres">
+      <dgm:prSet presAssocID="{71320A79-2535-4276-AEDD-D160FDD4B0A2}" presName="iconBgRect" presStyleLbl="bgShp" presStyleIdx="0" presStyleCnt="2"/>
+      <dgm:spPr/>
+    </dgm:pt>
+    <dgm:pt modelId="{3CC26CD1-7D32-416D-96FA-BE92FA0ADC57}" type="pres">
+      <dgm:prSet presAssocID="{71320A79-2535-4276-AEDD-D160FDD4B0A2}" presName="iconRect" presStyleLbl="node1" presStyleIdx="0" presStyleCnt="2"/>
+      <dgm:spPr>
+        <a:blipFill rotWithShape="1">
+          <a:blip xmlns:r="http://schemas.openxmlformats.org/officeDocument/2006/relationships" r:embed="rId1">
+            <a:extLst>
+              <a:ext uri="{28A0092B-C50C-407E-A947-70E740481C1C}">
+                <a14:useLocalDpi xmlns:a14="http://schemas.microsoft.com/office/drawing/2010/main" val="0"/>
+              </a:ext>
+              <a:ext uri="{96DAC541-7B7A-43D3-8B79-37D633B846F1}">
+                <asvg:svgBlip xmlns:asvg="http://schemas.microsoft.com/office/drawing/2016/SVG/main" r:embed="rId2"/>
+              </a:ext>
+            </a:extLst>
+          </a:blip>
+          <a:srcRect/>
+          <a:stretch>
+            <a:fillRect/>
+          </a:stretch>
+        </a:blipFill>
+      </dgm:spPr>
+      <dgm:extLst>
+        <a:ext uri="{E40237B7-FDA0-4F09-8148-C483321AD2D9}">
+          <dgm14:cNvPr xmlns:dgm14="http://schemas.microsoft.com/office/drawing/2010/diagram" id="0" name="" descr="Branching Diagram"/>
+        </a:ext>
+      </dgm:extLst>
+    </dgm:pt>
+    <dgm:pt modelId="{6A83D9CE-E815-41A4-9E7D-0A7AAA41060D}" type="pres">
+      <dgm:prSet presAssocID="{71320A79-2535-4276-AEDD-D160FDD4B0A2}" presName="spaceRect" presStyleCnt="0"/>
+      <dgm:spPr/>
+    </dgm:pt>
+    <dgm:pt modelId="{FEF25918-636C-4A96-BFEF-86605363E796}" type="pres">
+      <dgm:prSet presAssocID="{71320A79-2535-4276-AEDD-D160FDD4B0A2}" presName="textRect" presStyleLbl="revTx" presStyleIdx="0" presStyleCnt="2">
+        <dgm:presLayoutVars>
+          <dgm:chMax val="1"/>
+          <dgm:chPref val="1"/>
+        </dgm:presLayoutVars>
+      </dgm:prSet>
+      <dgm:spPr/>
+    </dgm:pt>
+    <dgm:pt modelId="{21BDD50D-7A0A-4589-BE7C-7475C51DDF16}" type="pres">
+      <dgm:prSet presAssocID="{D085E662-06F4-421C-8A6F-616A794DA090}" presName="sibTrans" presStyleCnt="0"/>
+      <dgm:spPr/>
+    </dgm:pt>
+    <dgm:pt modelId="{DB8696E4-B922-41CC-8E3F-DB3DF66CE816}" type="pres">
+      <dgm:prSet presAssocID="{215AD40B-2F5A-4A9C-929F-3E2B2D5FF88C}" presName="compNode" presStyleCnt="0"/>
+      <dgm:spPr/>
+    </dgm:pt>
+    <dgm:pt modelId="{4BFC5B57-38F2-407F-B9B2-228C1B819E38}" type="pres">
+      <dgm:prSet presAssocID="{215AD40B-2F5A-4A9C-929F-3E2B2D5FF88C}" presName="iconBgRect" presStyleLbl="bgShp" presStyleIdx="1" presStyleCnt="2"/>
+      <dgm:spPr/>
+    </dgm:pt>
+    <dgm:pt modelId="{61D6C7D9-61D6-46B8-A110-E92570F83E91}" type="pres">
+      <dgm:prSet presAssocID="{215AD40B-2F5A-4A9C-929F-3E2B2D5FF88C}" presName="iconRect" presStyleLbl="node1" presStyleIdx="1" presStyleCnt="2"/>
+      <dgm:spPr>
+        <a:blipFill rotWithShape="1">
+          <a:blip xmlns:r="http://schemas.openxmlformats.org/officeDocument/2006/relationships" r:embed="rId3">
+            <a:extLst>
+              <a:ext uri="{28A0092B-C50C-407E-A947-70E740481C1C}">
+                <a14:useLocalDpi xmlns:a14="http://schemas.microsoft.com/office/drawing/2010/main" val="0"/>
+              </a:ext>
+              <a:ext uri="{96DAC541-7B7A-43D3-8B79-37D633B846F1}">
+                <asvg:svgBlip xmlns:asvg="http://schemas.microsoft.com/office/drawing/2016/SVG/main" r:embed="rId4"/>
+              </a:ext>
+            </a:extLst>
+          </a:blip>
+          <a:srcRect/>
+          <a:stretch>
+            <a:fillRect/>
+          </a:stretch>
+        </a:blipFill>
+      </dgm:spPr>
+      <dgm:extLst>
+        <a:ext uri="{E40237B7-FDA0-4F09-8148-C483321AD2D9}">
+          <dgm14:cNvPr xmlns:dgm14="http://schemas.microsoft.com/office/drawing/2010/diagram" id="0" name="" descr="Playbook"/>
+        </a:ext>
+      </dgm:extLst>
+    </dgm:pt>
+    <dgm:pt modelId="{7198913E-CAB2-477C-BFCF-3010365D94C6}" type="pres">
+      <dgm:prSet presAssocID="{215AD40B-2F5A-4A9C-929F-3E2B2D5FF88C}" presName="spaceRect" presStyleCnt="0"/>
+      <dgm:spPr/>
+    </dgm:pt>
+    <dgm:pt modelId="{D93A4468-CBAC-4FAC-B00A-AEA33200997C}" type="pres">
+      <dgm:prSet presAssocID="{215AD40B-2F5A-4A9C-929F-3E2B2D5FF88C}" presName="textRect" presStyleLbl="revTx" presStyleIdx="1" presStyleCnt="2">
+        <dgm:presLayoutVars>
+          <dgm:chMax val="1"/>
+          <dgm:chPref val="1"/>
+        </dgm:presLayoutVars>
+      </dgm:prSet>
+      <dgm:spPr/>
+    </dgm:pt>
+  </dgm:ptLst>
+  <dgm:cxnLst>
+    <dgm:cxn modelId="{62663003-B7CC-49A4-914A-2C890D63631E}" type="presOf" srcId="{215AD40B-2F5A-4A9C-929F-3E2B2D5FF88C}" destId="{D93A4468-CBAC-4FAC-B00A-AEA33200997C}" srcOrd="0" destOrd="0" presId="urn:microsoft.com/office/officeart/2018/5/layout/IconCircleLabelList"/>
+    <dgm:cxn modelId="{E978571E-C2C2-4FAD-B1FD-4649D3288994}" type="presOf" srcId="{81487067-A494-4781-9ED9-755FB213D76B}" destId="{D2C43855-3374-4FDD-B455-D6D42F839FF1}" srcOrd="0" destOrd="0" presId="urn:microsoft.com/office/officeart/2018/5/layout/IconCircleLabelList"/>
+    <dgm:cxn modelId="{D8DFCC3E-C187-44D1-8733-141EE63BBA70}" type="presOf" srcId="{71320A79-2535-4276-AEDD-D160FDD4B0A2}" destId="{FEF25918-636C-4A96-BFEF-86605363E796}" srcOrd="0" destOrd="0" presId="urn:microsoft.com/office/officeart/2018/5/layout/IconCircleLabelList"/>
+    <dgm:cxn modelId="{00686784-4AC1-45CF-BAC6-B6258AAA1B72}" srcId="{81487067-A494-4781-9ED9-755FB213D76B}" destId="{215AD40B-2F5A-4A9C-929F-3E2B2D5FF88C}" srcOrd="1" destOrd="0" parTransId="{B03E6923-C334-437E-A819-99FD3230F985}" sibTransId="{2EEEB651-C244-43C4-BE80-81BB9CFCA021}"/>
+    <dgm:cxn modelId="{48F6B897-046C-4B21-8FD6-E4C9F04EA05E}" srcId="{81487067-A494-4781-9ED9-755FB213D76B}" destId="{71320A79-2535-4276-AEDD-D160FDD4B0A2}" srcOrd="0" destOrd="0" parTransId="{6D17F39F-79CD-49A0-9552-1635560F3E0B}" sibTransId="{D085E662-06F4-421C-8A6F-616A794DA090}"/>
+    <dgm:cxn modelId="{46F5501F-B94A-4C3A-9AB3-6C922233AA89}" type="presParOf" srcId="{D2C43855-3374-4FDD-B455-D6D42F839FF1}" destId="{76A273FE-A324-4721-80EF-53BDD96C44D8}" srcOrd="0" destOrd="0" presId="urn:microsoft.com/office/officeart/2018/5/layout/IconCircleLabelList"/>
+    <dgm:cxn modelId="{943E8334-E912-4307-B5BC-2E2108D4D079}" type="presParOf" srcId="{76A273FE-A324-4721-80EF-53BDD96C44D8}" destId="{4CC100D7-9B1E-4010-AE6A-D8CB0A4B7585}" srcOrd="0" destOrd="0" presId="urn:microsoft.com/office/officeart/2018/5/layout/IconCircleLabelList"/>
+    <dgm:cxn modelId="{2827A073-5A3B-4120-B6DD-F01245408966}" type="presParOf" srcId="{76A273FE-A324-4721-80EF-53BDD96C44D8}" destId="{3CC26CD1-7D32-416D-96FA-BE92FA0ADC57}" srcOrd="1" destOrd="0" presId="urn:microsoft.com/office/officeart/2018/5/layout/IconCircleLabelList"/>
+    <dgm:cxn modelId="{10AA53D9-03F8-4383-90D2-39811B65F0E0}" type="presParOf" srcId="{76A273FE-A324-4721-80EF-53BDD96C44D8}" destId="{6A83D9CE-E815-41A4-9E7D-0A7AAA41060D}" srcOrd="2" destOrd="0" presId="urn:microsoft.com/office/officeart/2018/5/layout/IconCircleLabelList"/>
+    <dgm:cxn modelId="{ED27B4AE-A416-4102-AED9-7BC829CFF59A}" type="presParOf" srcId="{76A273FE-A324-4721-80EF-53BDD96C44D8}" destId="{FEF25918-636C-4A96-BFEF-86605363E796}" srcOrd="3" destOrd="0" presId="urn:microsoft.com/office/officeart/2018/5/layout/IconCircleLabelList"/>
+    <dgm:cxn modelId="{1A20F4A1-26C5-4E57-BA41-C69690EC941B}" type="presParOf" srcId="{D2C43855-3374-4FDD-B455-D6D42F839FF1}" destId="{21BDD50D-7A0A-4589-BE7C-7475C51DDF16}" srcOrd="1" destOrd="0" presId="urn:microsoft.com/office/officeart/2018/5/layout/IconCircleLabelList"/>
+    <dgm:cxn modelId="{4A66139D-1536-4D47-B366-5807FFC43603}" type="presParOf" srcId="{D2C43855-3374-4FDD-B455-D6D42F839FF1}" destId="{DB8696E4-B922-41CC-8E3F-DB3DF66CE816}" srcOrd="2" destOrd="0" presId="urn:microsoft.com/office/officeart/2018/5/layout/IconCircleLabelList"/>
+    <dgm:cxn modelId="{93D8338F-16CD-41A3-8825-FA826F5C5BF2}" type="presParOf" srcId="{DB8696E4-B922-41CC-8E3F-DB3DF66CE816}" destId="{4BFC5B57-38F2-407F-B9B2-228C1B819E38}" srcOrd="0" destOrd="0" presId="urn:microsoft.com/office/officeart/2018/5/layout/IconCircleLabelList"/>
+    <dgm:cxn modelId="{C724CED7-3F07-493A-9497-C819B9D152FD}" type="presParOf" srcId="{DB8696E4-B922-41CC-8E3F-DB3DF66CE816}" destId="{61D6C7D9-61D6-46B8-A110-E92570F83E91}" srcOrd="1" destOrd="0" presId="urn:microsoft.com/office/officeart/2018/5/layout/IconCircleLabelList"/>
+    <dgm:cxn modelId="{86B0C1E1-66AC-4905-8C9D-ECE46240ED5F}" type="presParOf" srcId="{DB8696E4-B922-41CC-8E3F-DB3DF66CE816}" destId="{7198913E-CAB2-477C-BFCF-3010365D94C6}" srcOrd="2" destOrd="0" presId="urn:microsoft.com/office/officeart/2018/5/layout/IconCircleLabelList"/>
+    <dgm:cxn modelId="{22F0AE54-B4F0-46FB-963A-B436FD92774F}" type="presParOf" srcId="{DB8696E4-B922-41CC-8E3F-DB3DF66CE816}" destId="{D93A4468-CBAC-4FAC-B00A-AEA33200997C}" srcOrd="3" destOrd="0" presId="urn:microsoft.com/office/officeart/2018/5/layout/IconCircleLabelList"/>
+  </dgm:cxnLst>
+  <dgm:bg/>
+  <dgm:whole/>
+  <dgm:extLst>
+    <a:ext uri="http://schemas.microsoft.com/office/drawing/2008/diagram">
+      <dsp:dataModelExt xmlns:dsp="http://schemas.microsoft.com/office/drawing/2008/diagram" relId="rId6" minVer="http://schemas.openxmlformats.org/drawingml/2006/diagram"/>
+    </a:ext>
+  </dgm:extLst>
+</dgm:dataModel>
+</file>
+
+<file path=ppt/diagrams/drawing1.xml><?xml version="1.0" encoding="utf-8"?>
+<dsp:drawing xmlns:dgm="http://schemas.openxmlformats.org/drawingml/2006/diagram" xmlns:dsp="http://schemas.microsoft.com/office/drawing/2008/diagram" xmlns:a="http://schemas.openxmlformats.org/drawingml/2006/main">
+  <dsp:spTree>
+    <dsp:nvGrpSpPr>
+      <dsp:cNvPr id="0" name=""/>
+      <dsp:cNvGrpSpPr/>
+    </dsp:nvGrpSpPr>
+    <dsp:grpSpPr/>
+    <dsp:sp modelId="{4CC100D7-9B1E-4010-AE6A-D8CB0A4B7585}">
+      <dsp:nvSpPr>
+        <dsp:cNvPr id="0" name=""/>
+        <dsp:cNvSpPr/>
+      </dsp:nvSpPr>
+      <dsp:spPr>
+        <a:xfrm>
+          <a:off x="596036" y="1390212"/>
+          <a:ext cx="1818562" cy="1818562"/>
+        </a:xfrm>
+        <a:prstGeom prst="ellipse">
+          <a:avLst/>
+        </a:prstGeom>
+        <a:solidFill>
+          <a:schemeClr val="accent4">
+            <a:hueOff val="0"/>
+            <a:satOff val="0"/>
+            <a:lumOff val="0"/>
+            <a:alphaOff val="0"/>
+          </a:schemeClr>
+        </a:solidFill>
+        <a:ln>
+          <a:noFill/>
+        </a:ln>
+        <a:effectLst/>
+      </dsp:spPr>
+      <dsp:style>
+        <a:lnRef idx="0">
+          <a:scrgbClr r="0" g="0" b="0"/>
+        </a:lnRef>
+        <a:fillRef idx="1">
+          <a:scrgbClr r="0" g="0" b="0"/>
+        </a:fillRef>
+        <a:effectRef idx="0">
+          <a:scrgbClr r="0" g="0" b="0"/>
+        </a:effectRef>
+        <a:fontRef idx="minor"/>
+      </dsp:style>
+    </dsp:sp>
+    <dsp:sp modelId="{3CC26CD1-7D32-416D-96FA-BE92FA0ADC57}">
+      <dsp:nvSpPr>
+        <dsp:cNvPr id="0" name=""/>
+        <dsp:cNvSpPr/>
+      </dsp:nvSpPr>
+      <dsp:spPr>
+        <a:xfrm>
+          <a:off x="983598" y="1777775"/>
+          <a:ext cx="1043437" cy="1043437"/>
+        </a:xfrm>
+        <a:prstGeom prst="rect">
+          <a:avLst/>
+        </a:prstGeom>
+        <a:blipFill rotWithShape="1">
+          <a:blip xmlns:r="http://schemas.openxmlformats.org/officeDocument/2006/relationships" r:embed="rId1">
+            <a:extLst>
+              <a:ext uri="{28A0092B-C50C-407E-A947-70E740481C1C}">
+                <a14:useLocalDpi xmlns:a14="http://schemas.microsoft.com/office/drawing/2010/main" val="0"/>
+              </a:ext>
+              <a:ext uri="{96DAC541-7B7A-43D3-8B79-37D633B846F1}">
+                <asvg:svgBlip xmlns:asvg="http://schemas.microsoft.com/office/drawing/2016/SVG/main" r:embed="rId2"/>
+              </a:ext>
+            </a:extLst>
+          </a:blip>
+          <a:srcRect/>
+          <a:stretch>
+            <a:fillRect/>
+          </a:stretch>
+        </a:blipFill>
+        <a:ln w="19050" cap="flat" cmpd="sng" algn="ctr">
+          <a:solidFill>
+            <a:schemeClr val="lt1">
+              <a:alpha val="0"/>
+              <a:hueOff val="0"/>
+              <a:satOff val="0"/>
+              <a:lumOff val="0"/>
+              <a:alphaOff val="0"/>
+            </a:schemeClr>
+          </a:solidFill>
+          <a:prstDash val="solid"/>
+        </a:ln>
+        <a:effectLst/>
+      </dsp:spPr>
+      <dsp:style>
+        <a:lnRef idx="2">
+          <a:scrgbClr r="0" g="0" b="0"/>
+        </a:lnRef>
+        <a:fillRef idx="1">
+          <a:scrgbClr r="0" g="0" b="0"/>
+        </a:fillRef>
+        <a:effectRef idx="0">
+          <a:scrgbClr r="0" g="0" b="0"/>
+        </a:effectRef>
+        <a:fontRef idx="minor">
+          <a:schemeClr val="lt1"/>
+        </a:fontRef>
+      </dsp:style>
+    </dsp:sp>
+    <dsp:sp modelId="{FEF25918-636C-4A96-BFEF-86605363E796}">
+      <dsp:nvSpPr>
+        <dsp:cNvPr id="0" name=""/>
+        <dsp:cNvSpPr/>
+      </dsp:nvSpPr>
+      <dsp:spPr>
+        <a:xfrm>
+          <a:off x="14692" y="3775213"/>
+          <a:ext cx="2981250" cy="720000"/>
+        </a:xfrm>
+        <a:prstGeom prst="rect">
+          <a:avLst/>
+        </a:prstGeom>
+        <a:noFill/>
+        <a:ln>
+          <a:noFill/>
+        </a:ln>
+        <a:effectLst/>
+      </dsp:spPr>
+      <dsp:style>
+        <a:lnRef idx="0">
+          <a:scrgbClr r="0" g="0" b="0"/>
+        </a:lnRef>
+        <a:fillRef idx="0">
+          <a:scrgbClr r="0" g="0" b="0"/>
+        </a:fillRef>
+        <a:effectRef idx="0">
+          <a:scrgbClr r="0" g="0" b="0"/>
+        </a:effectRef>
+        <a:fontRef idx="minor"/>
+      </dsp:style>
+      <dsp:txBody>
+        <a:bodyPr spcFirstLastPara="0" vert="horz" wrap="square" lIns="0" tIns="0" rIns="0" bIns="0" numCol="1" spcCol="1270" anchor="t" anchorCtr="0">
+          <a:noAutofit/>
+        </a:bodyPr>
+        <a:lstStyle/>
+        <a:p>
+          <a:pPr marL="0" lvl="0" indent="0" algn="ctr" defTabSz="1022350">
+            <a:lnSpc>
+              <a:spcPct val="100000"/>
+            </a:lnSpc>
+            <a:spcBef>
+              <a:spcPct val="0"/>
+            </a:spcBef>
+            <a:spcAft>
+              <a:spcPct val="35000"/>
+            </a:spcAft>
+            <a:buNone/>
+            <a:defRPr cap="all"/>
+          </a:pPr>
+          <a:r>
+            <a:rPr lang="en-US" sz="2300" kern="1200" dirty="0"/>
+            <a:t>Envisioned </a:t>
+          </a:r>
+          <a:r>
+            <a:rPr lang="en-US" sz="2300" kern="1200" dirty="0" err="1"/>
+            <a:t>DevOp</a:t>
+          </a:r>
+          <a:r>
+            <a:rPr lang="en-US" sz="2300" kern="1200" dirty="0"/>
+            <a:t> process </a:t>
+          </a:r>
+        </a:p>
+      </dsp:txBody>
+      <dsp:txXfrm>
+        <a:off x="14692" y="3775213"/>
+        <a:ext cx="2981250" cy="720000"/>
+      </dsp:txXfrm>
+    </dsp:sp>
+    <dsp:sp modelId="{4BFC5B57-38F2-407F-B9B2-228C1B819E38}">
+      <dsp:nvSpPr>
+        <dsp:cNvPr id="0" name=""/>
+        <dsp:cNvSpPr/>
+      </dsp:nvSpPr>
+      <dsp:spPr>
+        <a:xfrm>
+          <a:off x="4099005" y="1390212"/>
+          <a:ext cx="1818562" cy="1818562"/>
+        </a:xfrm>
+        <a:prstGeom prst="ellipse">
+          <a:avLst/>
+        </a:prstGeom>
+        <a:solidFill>
+          <a:schemeClr val="accent4">
+            <a:hueOff val="0"/>
+            <a:satOff val="0"/>
+            <a:lumOff val="0"/>
+            <a:alphaOff val="0"/>
+          </a:schemeClr>
+        </a:solidFill>
+        <a:ln>
+          <a:noFill/>
+        </a:ln>
+        <a:effectLst/>
+      </dsp:spPr>
+      <dsp:style>
+        <a:lnRef idx="0">
+          <a:scrgbClr r="0" g="0" b="0"/>
+        </a:lnRef>
+        <a:fillRef idx="1">
+          <a:scrgbClr r="0" g="0" b="0"/>
+        </a:fillRef>
+        <a:effectRef idx="0">
+          <a:scrgbClr r="0" g="0" b="0"/>
+        </a:effectRef>
+        <a:fontRef idx="minor"/>
+      </dsp:style>
+    </dsp:sp>
+    <dsp:sp modelId="{61D6C7D9-61D6-46B8-A110-E92570F83E91}">
+      <dsp:nvSpPr>
+        <dsp:cNvPr id="0" name=""/>
+        <dsp:cNvSpPr/>
+      </dsp:nvSpPr>
+      <dsp:spPr>
+        <a:xfrm>
+          <a:off x="4486567" y="1777775"/>
+          <a:ext cx="1043437" cy="1043437"/>
+        </a:xfrm>
+        <a:prstGeom prst="rect">
+          <a:avLst/>
+        </a:prstGeom>
+        <a:blipFill rotWithShape="1">
+          <a:blip xmlns:r="http://schemas.openxmlformats.org/officeDocument/2006/relationships" r:embed="rId3">
+            <a:extLst>
+              <a:ext uri="{28A0092B-C50C-407E-A947-70E740481C1C}">
+                <a14:useLocalDpi xmlns:a14="http://schemas.microsoft.com/office/drawing/2010/main" val="0"/>
+              </a:ext>
+              <a:ext uri="{96DAC541-7B7A-43D3-8B79-37D633B846F1}">
+                <asvg:svgBlip xmlns:asvg="http://schemas.microsoft.com/office/drawing/2016/SVG/main" r:embed="rId4"/>
+              </a:ext>
+            </a:extLst>
+          </a:blip>
+          <a:srcRect/>
+          <a:stretch>
+            <a:fillRect/>
+          </a:stretch>
+        </a:blipFill>
+        <a:ln w="19050" cap="flat" cmpd="sng" algn="ctr">
+          <a:solidFill>
+            <a:schemeClr val="lt1">
+              <a:alpha val="0"/>
+              <a:hueOff val="0"/>
+              <a:satOff val="0"/>
+              <a:lumOff val="0"/>
+              <a:alphaOff val="0"/>
+            </a:schemeClr>
+          </a:solidFill>
+          <a:prstDash val="solid"/>
+        </a:ln>
+        <a:effectLst/>
+      </dsp:spPr>
+      <dsp:style>
+        <a:lnRef idx="2">
+          <a:scrgbClr r="0" g="0" b="0"/>
+        </a:lnRef>
+        <a:fillRef idx="1">
+          <a:scrgbClr r="0" g="0" b="0"/>
+        </a:fillRef>
+        <a:effectRef idx="0">
+          <a:scrgbClr r="0" g="0" b="0"/>
+        </a:effectRef>
+        <a:fontRef idx="minor">
+          <a:schemeClr val="lt1"/>
+        </a:fontRef>
+      </dsp:style>
+    </dsp:sp>
+    <dsp:sp modelId="{D93A4468-CBAC-4FAC-B00A-AEA33200997C}">
+      <dsp:nvSpPr>
+        <dsp:cNvPr id="0" name=""/>
+        <dsp:cNvSpPr/>
+      </dsp:nvSpPr>
+      <dsp:spPr>
+        <a:xfrm>
+          <a:off x="3517661" y="3775213"/>
+          <a:ext cx="2981250" cy="720000"/>
+        </a:xfrm>
+        <a:prstGeom prst="rect">
+          <a:avLst/>
+        </a:prstGeom>
+        <a:noFill/>
+        <a:ln>
+          <a:noFill/>
+        </a:ln>
+        <a:effectLst/>
+      </dsp:spPr>
+      <dsp:style>
+        <a:lnRef idx="0">
+          <a:scrgbClr r="0" g="0" b="0"/>
+        </a:lnRef>
+        <a:fillRef idx="0">
+          <a:scrgbClr r="0" g="0" b="0"/>
+        </a:fillRef>
+        <a:effectRef idx="0">
+          <a:scrgbClr r="0" g="0" b="0"/>
+        </a:effectRef>
+        <a:fontRef idx="minor"/>
+      </dsp:style>
+      <dsp:txBody>
+        <a:bodyPr spcFirstLastPara="0" vert="horz" wrap="square" lIns="0" tIns="0" rIns="0" bIns="0" numCol="1" spcCol="1270" anchor="t" anchorCtr="0">
+          <a:noAutofit/>
+        </a:bodyPr>
+        <a:lstStyle/>
+        <a:p>
+          <a:pPr marL="0" lvl="0" indent="0" algn="ctr" defTabSz="1022350">
+            <a:lnSpc>
+              <a:spcPct val="100000"/>
+            </a:lnSpc>
+            <a:spcBef>
+              <a:spcPct val="0"/>
+            </a:spcBef>
+            <a:spcAft>
+              <a:spcPct val="35000"/>
+            </a:spcAft>
+            <a:buNone/>
+            <a:defRPr cap="all"/>
+          </a:pPr>
+          <a:r>
+            <a:rPr lang="en-US" sz="2300" kern="1200" dirty="0"/>
+            <a:t>Implementation Strategies</a:t>
+          </a:r>
+        </a:p>
+      </dsp:txBody>
+      <dsp:txXfrm>
+        <a:off x="3517661" y="3775213"/>
+        <a:ext cx="2981250" cy="720000"/>
+      </dsp:txXfrm>
+    </dsp:sp>
+  </dsp:spTree>
+</dsp:drawing>
+</file>
+
+<file path=ppt/diagrams/layout1.xml><?xml version="1.0" encoding="utf-8"?>
+<dgm:layoutDef xmlns:dgm="http://schemas.openxmlformats.org/drawingml/2006/diagram" xmlns:a="http://schemas.openxmlformats.org/drawingml/2006/main" uniqueId="urn:microsoft.com/office/officeart/2018/5/layout/IconCircleLabelList">
+  <dgm:title val="Icon Circle Label List"/>
+  <dgm:desc val="Use to show non-sequential or grouped chunks of information accompanied by a related visuals. Works best with icons or small pictures with short text captions."/>
+  <dgm:catLst>
+    <dgm:cat type="icon" pri="500"/>
+  </dgm:catLst>
+  <dgm:sampData useDef="1">
+    <dgm:dataModel>
+      <dgm:ptLst/>
+      <dgm:bg/>
+      <dgm:whole/>
+    </dgm:dataModel>
+  </dgm:sampData>
+  <dgm:styleData useDef="1">
+    <dgm:dataModel>
+      <dgm:ptLst/>
+      <dgm:bg/>
+      <dgm:whole/>
+    </dgm:dataModel>
+  </dgm:styleData>
+  <dgm:clrData useDef="1">
+    <dgm:dataModel>
+      <dgm:ptLst/>
+      <dgm:bg/>
+      <dgm:whole/>
+    </dgm:dataModel>
+  </dgm:clrData>
+  <dgm:layoutNode name="root">
+    <dgm:varLst>
+      <dgm:dir/>
+      <dgm:resizeHandles val="exact"/>
+    </dgm:varLst>
+    <dgm:choose name="Name0">
+      <dgm:if name="Name1" axis="self" func="var" arg="dir" op="equ" val="norm">
+        <dgm:alg type="snake">
+          <dgm:param type="grDir" val="tL"/>
+          <dgm:param type="flowDir" val="row"/>
+          <dgm:param type="contDir" val="sameDir"/>
+          <dgm:param type="off" val="ctr"/>
+          <dgm:param type="vertAlign" val="mid"/>
+          <dgm:param type="horzAlign" val="ctr"/>
+        </dgm:alg>
+      </dgm:if>
+      <dgm:else name="Name2">
+        <dgm:alg type="snake">
+          <dgm:param type="grDir" val="tR"/>
+          <dgm:param type="flowDir" val="row"/>
+          <dgm:param type="contDir" val="sameDir"/>
+          <dgm:param type="off" val="ctr"/>
+          <dgm:param type="vertAlign" val="mid"/>
+          <dgm:param type="horzAlign" val="ctr"/>
+        </dgm:alg>
+      </dgm:else>
+    </dgm:choose>
+    <dgm:shape xmlns:r="http://schemas.openxmlformats.org/officeDocument/2006/relationships" r:blip="">
+      <dgm:adjLst/>
+    </dgm:shape>
+    <dgm:presOf/>
+    <dgm:choose name="Name3">
+      <dgm:if name="Name4" axis="ch" ptType="node" func="cnt" op="lte" val="2">
+        <dgm:constrLst>
+          <dgm:constr type="h" for="ch" forName="compNode" refType="h" fact="0.4"/>
+          <dgm:constr type="w" for="ch" forName="compNode" val="100"/>
+          <dgm:constr type="w" for="ch" forName="sibTrans" refType="w" refFor="ch" refForName="compNode" fact="0.175"/>
+          <dgm:constr type="sp" refType="w" refFor="ch" refForName="compNode" op="equ" fact="0.25"/>
+          <dgm:constr type="primFontSz" for="des" ptType="node" op="equ" val="44"/>
+          <dgm:constr type="h" for="des" forName="compNode" op="equ"/>
+          <dgm:constr type="h" for="des" forName="textRect" op="equ"/>
+        </dgm:constrLst>
+      </dgm:if>
+      <dgm:if name="Name5" axis="ch" ptType="node" func="cnt" op="lte" val="3">
+        <dgm:constrLst>
+          <dgm:constr type="h" for="ch" forName="compNode" refType="h" fact="0.4"/>
+          <dgm:constr type="w" for="ch" forName="compNode" val="100"/>
+          <dgm:constr type="w" for="ch" forName="sibTrans" refType="w" refFor="ch" refForName="compNode" fact="0.175"/>
+          <dgm:constr type="sp" refType="w" refFor="ch" refForName="compNode" op="equ" fact="0.25"/>
+          <dgm:constr type="primFontSz" for="des" ptType="node" op="equ" val="40"/>
+          <dgm:constr type="h" for="des" forName="compNode" op="equ"/>
+          <dgm:constr type="h" for="des" forName="textRect" op="equ"/>
+        </dgm:constrLst>
+      </dgm:if>
+      <dgm:if name="Name6" axis="ch" ptType="node" func="cnt" op="lte" val="4">
+        <dgm:constrLst>
+          <dgm:constr type="h" for="ch" forName="compNode" refType="h" fact="0.4"/>
+          <dgm:constr type="w" for="ch" forName="compNode" refType="w"/>
+          <dgm:constr type="w" for="ch" forName="sibTrans" refType="w" refFor="ch" refForName="compNode" fact="0.175"/>
+          <dgm:constr type="sp" refType="w" refFor="ch" refForName="compNode" op="equ" fact="0.25"/>
+          <dgm:constr type="primFontSz" for="des" ptType="node" op="equ" val="32"/>
+          <dgm:constr type="h" for="des" forName="compNode" op="equ"/>
+          <dgm:constr type="h" for="des" forName="textRect" op="equ"/>
+        </dgm:constrLst>
+      </dgm:if>
+      <dgm:else name="Name7">
+        <dgm:constrLst>
+          <dgm:constr type="h" for="ch" forName="compNode" refType="h" fact="0.4"/>
+          <dgm:constr type="w" for="ch" forName="compNode" refType="w"/>
+          <dgm:constr type="w" for="ch" forName="sibTrans" refType="w" refFor="ch" refForName="compNode" fact="0.175"/>
+          <dgm:constr type="sp" refType="w" refFor="ch" refForName="compNode" op="equ" fact="0.25"/>
+          <dgm:constr type="primFontSz" for="des" ptType="node" op="equ" val="24"/>
+          <dgm:constr type="h" for="des" forName="compNode" op="equ"/>
+          <dgm:constr type="h" for="des" forName="textRect" op="equ"/>
+        </dgm:constrLst>
+      </dgm:else>
+    </dgm:choose>
+    <dgm:ruleLst>
+      <dgm:rule type="w" for="ch" forName="compNode" val="50" fact="NaN" max="NaN"/>
+    </dgm:ruleLst>
+    <dgm:forEach name="Name8" axis="ch" ptType="node">
+      <dgm:layoutNode name="compNode">
+        <dgm:alg type="composite"/>
+        <dgm:shape xmlns:r="http://schemas.openxmlformats.org/officeDocument/2006/relationships" r:blip="">
+          <dgm:adjLst/>
+        </dgm:shape>
+        <dgm:presOf axis="self"/>
+        <dgm:constrLst>
+          <dgm:constr type="w" for="ch" forName="iconBgRect" refType="w" fact="0.61"/>
+          <dgm:constr type="h" for="ch" forName="iconBgRect" refType="w" refFor="ch" refForName="iconBgRect"/>
+          <dgm:constr type="t" for="ch" forName="iconBgRect"/>
+          <dgm:constr type="ctrX" for="ch" forName="iconBgRect" refType="w" fact="0.5"/>
+          <dgm:constr type="w" for="ch" forName="iconRect" refType="w" fact="0.35"/>
+          <dgm:constr type="h" for="ch" forName="iconRect" refType="w" refFor="ch" refForName="iconRect"/>
+          <dgm:constr type="ctrX" for="ch" forName="iconRect" refType="ctrX" refFor="ch" refForName="iconBgRect"/>
+          <dgm:constr type="ctrY" for="ch" forName="iconRect" refType="ctrY" refFor="ch" refForName="iconBgRect"/>
+          <dgm:constr type="h" for="ch" forName="spaceRect" refType="w" fact="0.19"/>
+          <dgm:constr type="w" for="ch" forName="spaceRect" refType="w"/>
+          <dgm:constr type="l" for="ch" forName="spaceRect"/>
+          <dgm:constr type="t" for="ch" forName="spaceRect" refType="b" refFor="ch" refForName="iconBgRect"/>
+          <dgm:constr type="h" for="ch" forName="textRect" val="20"/>
+          <dgm:constr type="w" for="ch" forName="textRect" refType="w"/>
+          <dgm:constr type="l" for="ch" forName="textRect"/>
+          <dgm:constr type="t" for="ch" forName="textRect" refType="b" refFor="ch" refForName="spaceRect"/>
+        </dgm:constrLst>
+        <dgm:ruleLst>
+          <dgm:rule type="h" val="INF" fact="NaN" max="NaN"/>
+        </dgm:ruleLst>
+        <dgm:layoutNode name="iconBgRect" styleLbl="bgShp">
+          <dgm:alg type="sp"/>
+          <dgm:shape xmlns:r="http://schemas.openxmlformats.org/officeDocument/2006/relationships" type="ellipse" r:blip="">
+            <dgm:adjLst/>
+          </dgm:shape>
+          <dgm:presOf/>
+          <dgm:constrLst/>
+          <dgm:ruleLst/>
+        </dgm:layoutNode>
+        <dgm:layoutNode name="iconRect" styleLbl="node1">
+          <dgm:alg type="sp"/>
+          <dgm:shape xmlns:r="http://schemas.openxmlformats.org/officeDocument/2006/relationships" type="rect" r:blip="" blipPhldr="1">
+            <dgm:adjLst/>
+          </dgm:shape>
+          <dgm:presOf/>
+          <dgm:constrLst/>
+          <dgm:ruleLst/>
+        </dgm:layoutNode>
+        <dgm:layoutNode name="spaceRect">
+          <dgm:alg type="sp"/>
+          <dgm:shape xmlns:r="http://schemas.openxmlformats.org/officeDocument/2006/relationships" r:blip="">
+            <dgm:adjLst/>
+          </dgm:shape>
+          <dgm:presOf/>
+          <dgm:constrLst/>
+          <dgm:ruleLst/>
+        </dgm:layoutNode>
+        <dgm:layoutNode name="textRect" styleLbl="revTx">
+          <dgm:varLst>
+            <dgm:chMax val="1"/>
+            <dgm:chPref val="1"/>
+          </dgm:varLst>
+          <dgm:alg type="tx">
+            <dgm:param type="txAnchorVert" val="t"/>
+          </dgm:alg>
+          <dgm:shape xmlns:r="http://schemas.openxmlformats.org/officeDocument/2006/relationships" type="rect" r:blip="">
+            <dgm:adjLst/>
+          </dgm:shape>
+          <dgm:presOf axis="self" ptType="node"/>
+          <dgm:constrLst>
+            <dgm:constr type="lMarg"/>
+            <dgm:constr type="rMarg"/>
+            <dgm:constr type="tMarg"/>
+            <dgm:constr type="bMarg"/>
+          </dgm:constrLst>
+          <dgm:ruleLst>
+            <dgm:rule type="primFontSz" val="11" fact="NaN" max="NaN"/>
+            <dgm:rule type="h" val="INF" fact="NaN" max="NaN"/>
+          </dgm:ruleLst>
+        </dgm:layoutNode>
+      </dgm:layoutNode>
+      <dgm:forEach name="Name9" axis="followSib" ptType="sibTrans" cnt="1">
+        <dgm:layoutNode name="sibTrans">
+          <dgm:alg type="sp"/>
+          <dgm:shape xmlns:r="http://schemas.openxmlformats.org/officeDocument/2006/relationships" r:blip="">
+            <dgm:adjLst/>
+          </dgm:shape>
+          <dgm:presOf axis="self"/>
+          <dgm:constrLst/>
+          <dgm:ruleLst/>
+        </dgm:layoutNode>
+      </dgm:forEach>
+    </dgm:forEach>
+  </dgm:layoutNode>
+  <dgm:extLst>
+    <a:ext uri="{68A01E43-0DF5-4B5B-8FA6-DAF915123BFB}">
+      <dgm1612:lstStyle xmlns:dgm1612="http://schemas.microsoft.com/office/drawing/2016/12/diagram">
+        <a:lvl1pPr>
+          <a:lnSpc>
+            <a:spcPct val="100000"/>
+          </a:lnSpc>
+          <a:defRPr cap="all"/>
+        </a:lvl1pPr>
+      </dgm1612:lstStyle>
+    </a:ext>
+  </dgm:extLst>
+</dgm:layoutDef>
+</file>
+
+<file path=ppt/diagrams/quickStyle1.xml><?xml version="1.0" encoding="utf-8"?>
+<dgm:styleDef xmlns:dgm="http://schemas.openxmlformats.org/drawingml/2006/diagram" xmlns:a="http://schemas.openxmlformats.org/drawingml/2006/main" uniqueId="urn:microsoft.com/office/officeart/2005/8/quickstyle/simple1">
+  <dgm:title val=""/>
+  <dgm:desc val=""/>
+  <dgm:catLst>
+    <dgm:cat type="simple" pri="10100"/>
+  </dgm:catLst>
+  <dgm:scene3d>
+    <a:camera prst="orthographicFront"/>
+    <a:lightRig rig="threePt" dir="t"/>
+  </dgm:scene3d>
+  <dgm:styleLbl name="node0">
+    <dgm:scene3d>
+      <a:camera prst="orthographicFront"/>
+      <a:lightRig rig="threePt" dir="t"/>
+    </dgm:scene3d>
+    <dgm:sp3d/>
+    <dgm:txPr/>
+    <dgm:style>
+      <a:lnRef idx="2">
+        <a:scrgbClr r="0" g="0" b="0"/>
+      </a:lnRef>
+      <a:fillRef idx="1">
+        <a:scrgbClr r="0" g="0" b="0"/>
+      </a:fillRef>
+      <a:effectRef idx="0">
+        <a:scrgbClr r="0" g="0" b="0"/>
+      </a:effectRef>
+      <a:fontRef idx="minor">
+        <a:schemeClr val="lt1"/>
+      </a:fontRef>
+    </dgm:style>
+  </dgm:styleLbl>
+  <dgm:styleLbl name="lnNode1">
+    <dgm:scene3d>
+      <a:camera prst="orthographicFront"/>
+      <a:lightRig rig="threePt" dir="t"/>
+    </dgm:scene3d>
+    <dgm:sp3d/>
+    <dgm:txPr/>
+    <dgm:style>
+      <a:lnRef idx="2">
+        <a:scrgbClr r="0" g="0" b="0"/>
+      </a:lnRef>
+      <a:fillRef idx="1">
+        <a:scrgbClr r="0" g="0" b="0"/>
+      </a:fillRef>
+      <a:effectRef idx="0">
+        <a:scrgbClr r="0" g="0" b="0"/>
+      </a:effectRef>
+      <a:fontRef idx="minor">
+        <a:schemeClr val="lt1"/>
+      </a:fontRef>
+    </dgm:style>
+  </dgm:styleLbl>
+  <dgm:styleLbl name="vennNode1">
+    <dgm:scene3d>
+      <a:camera prst="orthographicFront"/>
+      <a:lightRig rig="threePt" dir="t"/>
+    </dgm:scene3d>
+    <dgm:sp3d/>
+    <dgm:txPr/>
+    <dgm:style>
+      <a:lnRef idx="2">
+        <a:scrgbClr r="0" g="0" b="0"/>
+      </a:lnRef>
+      <a:fillRef idx="1">
+        <a:scrgbClr r="0" g="0" b="0"/>
+      </a:fillRef>
+      <a:effectRef idx="0">
+        <a:scrgbClr r="0" g="0" b="0"/>
+      </a:effectRef>
+      <a:fontRef idx="minor">
+        <a:schemeClr val="tx1"/>
+      </a:fontRef>
+    </dgm:style>
+  </dgm:styleLbl>
+  <dgm:styleLbl name="alignNode1">
+    <dgm:scene3d>
+      <a:camera prst="orthographicFront"/>
+      <a:lightRig rig="threePt" dir="t"/>
+    </dgm:scene3d>
+    <dgm:sp3d/>
+    <dgm:txPr/>
+    <dgm:style>
+      <a:lnRef idx="2">
+        <a:scrgbClr r="0" g="0" b="0"/>
+      </a:lnRef>
+      <a:fillRef idx="1">
+        <a:scrgbClr r="0" g="0" b="0"/>
+      </a:fillRef>
+      <a:effectRef idx="0">
+        <a:scrgbClr r="0" g="0" b="0"/>
+      </a:effectRef>
+      <a:fontRef idx="minor">
+        <a:schemeClr val="lt1"/>
+      </a:fontRef>
+    </dgm:style>
+  </dgm:styleLbl>
+  <dgm:styleLbl name="node1">
+    <dgm:scene3d>
+      <a:camera prst="orthographicFront"/>
+      <a:lightRig rig="threePt" dir="t"/>
+    </dgm:scene3d>
+    <dgm:sp3d/>
+    <dgm:txPr/>
+    <dgm:style>
+      <a:lnRef idx="2">
+        <a:scrgbClr r="0" g="0" b="0"/>
+      </a:lnRef>
+      <a:fillRef idx="1">
+        <a:scrgbClr r="0" g="0" b="0"/>
+      </a:fillRef>
+      <a:effectRef idx="0">
+        <a:scrgbClr r="0" g="0" b="0"/>
+      </a:effectRef>
+      <a:fontRef idx="minor">
+        <a:schemeClr val="lt1"/>
+      </a:fontRef>
+    </dgm:style>
+  </dgm:styleLbl>
+  <dgm:styleLbl name="node2">
+    <dgm:scene3d>
+      <a:camera prst="orthographicFront"/>
+      <a:lightRig rig="threePt" dir="t"/>
+    </dgm:scene3d>
+    <dgm:sp3d/>
+    <dgm:txPr/>
+    <dgm:style>
+      <a:lnRef idx="2">
+        <a:scrgbClr r="0" g="0" b="0"/>
+      </a:lnRef>
+      <a:fillRef idx="1">
+        <a:scrgbClr r="0" g="0" b="0"/>
+      </a:fillRef>
+      <a:effectRef idx="0">
+        <a:scrgbClr r="0" g="0" b="0"/>
+      </a:effectRef>
+      <a:fontRef idx="minor">
+        <a:schemeClr val="lt1"/>
+      </a:fontRef>
+    </dgm:style>
+  </dgm:styleLbl>
+  <dgm:styleLbl name="node3">
+    <dgm:scene3d>
+      <a:camera prst="orthographicFront"/>
+      <a:lightRig rig="threePt" dir="t"/>
+    </dgm:scene3d>
+    <dgm:sp3d/>
+    <dgm:txPr/>
+    <dgm:style>
+      <a:lnRef idx="2">
+        <a:scrgbClr r="0" g="0" b="0"/>
+      </a:lnRef>
+      <a:fillRef idx="1">
+        <a:scrgbClr r="0" g="0" b="0"/>
+      </a:fillRef>
+      <a:effectRef idx="0">
+        <a:scrgbClr r="0" g="0" b="0"/>
+      </a:effectRef>
+      <a:fontRef idx="minor">
+        <a:schemeClr val="lt1"/>
+      </a:fontRef>
+    </dgm:style>
+  </dgm:styleLbl>
+  <dgm:styleLbl name="node4">
+    <dgm:scene3d>
+      <a:camera prst="orthographicFront"/>
+      <a:lightRig rig="threePt" dir="t"/>
+    </dgm:scene3d>
+    <dgm:sp3d/>
+    <dgm:txPr/>
+    <dgm:style>
+      <a:lnRef idx="2">
+        <a:scrgbClr r="0" g="0" b="0"/>
+      </a:lnRef>
+      <a:fillRef idx="1">
+        <a:scrgbClr r="0" g="0" b="0"/>
+      </a:fillRef>
+      <a:effectRef idx="0">
+        <a:scrgbClr r="0" g="0" b="0"/>
+      </a:effectRef>
+      <a:fontRef idx="minor">
+        <a:schemeClr val="lt1"/>
+      </a:fontRef>
+    </dgm:style>
+  </dgm:styleLbl>
+  <dgm:styleLbl name="fgImgPlace1">
+    <dgm:scene3d>
+      <a:camera prst="orthographicFront"/>
+      <a:lightRig rig="threePt" dir="t"/>
+    </dgm:scene3d>
+    <dgm:sp3d/>
+    <dgm:txPr/>
+    <dgm:style>
+      <a:lnRef idx="2">
+        <a:scrgbClr r="0" g="0" b="0"/>
+      </a:lnRef>
+      <a:fillRef idx="1">
+        <a:scrgbClr r="0" g="0" b="0"/>
+      </a:fillRef>
+      <a:effectRef idx="0">
+        <a:scrgbClr r="0" g="0" b="0"/>
+      </a:effectRef>
+      <a:fontRef idx="minor"/>
+    </dgm:style>
+  </dgm:styleLbl>
+  <dgm:styleLbl name="alignImgPlace1">
+    <dgm:scene3d>
+      <a:camera prst="orthographicFront"/>
+      <a:lightRig rig="threePt" dir="t"/>
+    </dgm:scene3d>
+    <dgm:sp3d/>
+    <dgm:txPr/>
+    <dgm:style>
+      <a:lnRef idx="2">
+        <a:scrgbClr r="0" g="0" b="0"/>
+      </a:lnRef>
+      <a:fillRef idx="1">
+        <a:scrgbClr r="0" g="0" b="0"/>
+      </a:fillRef>
+      <a:effectRef idx="0">
+        <a:scrgbClr r="0" g="0" b="0"/>
+      </a:effectRef>
+      <a:fontRef idx="minor"/>
+    </dgm:style>
+  </dgm:styleLbl>
+  <dgm:styleLbl name="bgImgPlace1">
+    <dgm:scene3d>
+      <a:camera prst="orthographicFront"/>
+      <a:lightRig rig="threePt" dir="t"/>
+    </dgm:scene3d>
+    <dgm:sp3d/>
+    <dgm:txPr/>
+    <dgm:style>
+      <a:lnRef idx="2">
+        <a:scrgbClr r="0" g="0" b="0"/>
+      </a:lnRef>
+      <a:fillRef idx="1">
+        <a:scrgbClr r="0" g="0" b="0"/>
+      </a:fillRef>
+      <a:effectRef idx="0">
+        <a:scrgbClr r="0" g="0" b="0"/>
+      </a:effectRef>
+      <a:fontRef idx="minor"/>
+    </dgm:style>
+  </dgm:styleLbl>
+  <dgm:styleLbl name="sibTrans2D1">
+    <dgm:scene3d>
+      <a:camera prst="orthographicFront"/>
+      <a:lightRig rig="threePt" dir="t"/>
+    </dgm:scene3d>
+    <dgm:sp3d/>
+    <dgm:txPr/>
+    <dgm:style>
+      <a:lnRef idx="0">
+        <a:scrgbClr r="0" g="0" b="0"/>
+      </a:lnRef>
+      <a:fillRef idx="1">
+        <a:scrgbClr r="0" g="0" b="0"/>
+      </a:fillRef>
+      <a:effectRef idx="0">
+        <a:scrgbClr r="0" g="0" b="0"/>
+      </a:effectRef>
+      <a:fontRef idx="minor">
+        <a:schemeClr val="lt1"/>
+      </a:fontRef>
+    </dgm:style>
+  </dgm:styleLbl>
+  <dgm:styleLbl name="fgSibTrans2D1">
+    <dgm:scene3d>
+      <a:camera prst="orthographicFront"/>
+      <a:lightRig rig="threePt" dir="t"/>
+    </dgm:scene3d>
+    <dgm:sp3d/>
+    <dgm:txPr/>
+    <dgm:style>
+      <a:lnRef idx="0">
+        <a:scrgbClr r="0" g="0" b="0"/>
+      </a:lnRef>
+      <a:fillRef idx="1">
+        <a:scrgbClr r="0" g="0" b="0"/>
+      </a:fillRef>
+      <a:effectRef idx="0">
+        <a:scrgbClr r="0" g="0" b="0"/>
+      </a:effectRef>
+      <a:fontRef idx="minor">
+        <a:schemeClr val="lt1"/>
+      </a:fontRef>
+    </dgm:style>
+  </dgm:styleLbl>
+  <dgm:styleLbl name="bgSibTrans2D1">
+    <dgm:scene3d>
+      <a:camera prst="orthographicFront"/>
+      <a:lightRig rig="threePt" dir="t"/>
+    </dgm:scene3d>
+    <dgm:sp3d/>
+    <dgm:txPr/>
+    <dgm:style>
+      <a:lnRef idx="0">
+        <a:scrgbClr r="0" g="0" b="0"/>
+      </a:lnRef>
+      <a:fillRef idx="1">
+        <a:scrgbClr r="0" g="0" b="0"/>
+      </a:fillRef>
+      <a:effectRef idx="0">
+        <a:scrgbClr r="0" g="0" b="0"/>
+      </a:effectRef>
+      <a:fontRef idx="minor">
+        <a:schemeClr val="lt1"/>
+      </a:fontRef>
+    </dgm:style>
+  </dgm:styleLbl>
+  <dgm:styleLbl name="sibTrans1D1">
+    <dgm:scene3d>
+      <a:camera prst="orthographicFront"/>
+      <a:lightRig rig="threePt" dir="t"/>
+    </dgm:scene3d>
+    <dgm:sp3d/>
+    <dgm:txPr/>
+    <dgm:style>
+      <a:lnRef idx="1">
+        <a:scrgbClr r="0" g="0" b="0"/>
+      </a:lnRef>
+      <a:fillRef idx="0">
+        <a:scrgbClr r="0" g="0" b="0"/>
+      </a:fillRef>
+      <a:effectRef idx="0">
+        <a:scrgbClr r="0" g="0" b="0"/>
+      </a:effectRef>
+      <a:fontRef idx="minor"/>
+    </dgm:style>
+  </dgm:styleLbl>
+  <dgm:styleLbl name="callout">
+    <dgm:scene3d>
+      <a:camera prst="orthographicFront"/>
+      <a:lightRig rig="threePt" dir="t"/>
+    </dgm:scene3d>
+    <dgm:sp3d/>
+    <dgm:txPr/>
+    <dgm:style>
+      <a:lnRef idx="2">
+        <a:scrgbClr r="0" g="0" b="0"/>
+      </a:lnRef>
+      <a:fillRef idx="1">
+        <a:scrgbClr r="0" g="0" b="0"/>
+      </a:fillRef>
+      <a:effectRef idx="0">
+        <a:scrgbClr r="0" g="0" b="0"/>
+      </a:effectRef>
+      <a:fontRef idx="minor"/>
+    </dgm:style>
+  </dgm:styleLbl>
+  <dgm:styleLbl name="asst0">
+    <dgm:scene3d>
+      <a:camera prst="orthographicFront"/>
+      <a:lightRig rig="threePt" dir="t"/>
+    </dgm:scene3d>
+    <dgm:sp3d/>
+    <dgm:txPr/>
+    <dgm:style>
+      <a:lnRef idx="2">
+        <a:scrgbClr r="0" g="0" b="0"/>
+      </a:lnRef>
+      <a:fillRef idx="1">
+        <a:scrgbClr r="0" g="0" b="0"/>
+      </a:fillRef>
+      <a:effectRef idx="0">
+        <a:scrgbClr r="0" g="0" b="0"/>
+      </a:effectRef>
+      <a:fontRef idx="minor">
+        <a:schemeClr val="lt1"/>
+      </a:fontRef>
+    </dgm:style>
+  </dgm:styleLbl>
+  <dgm:styleLbl name="asst1">
+    <dgm:scene3d>
+      <a:camera prst="orthographicFront"/>
+      <a:lightRig rig="threePt" dir="t"/>
+    </dgm:scene3d>
+    <dgm:sp3d/>
+    <dgm:txPr/>
+    <dgm:style>
+      <a:lnRef idx="2">
+        <a:scrgbClr r="0" g="0" b="0"/>
+      </a:lnRef>
+      <a:fillRef idx="1">
+        <a:scrgbClr r="0" g="0" b="0"/>
+      </a:fillRef>
+      <a:effectRef idx="0">
+        <a:scrgbClr r="0" g="0" b="0"/>
+      </a:effectRef>
+      <a:fontRef idx="minor">
+        <a:schemeClr val="lt1"/>
+      </a:fontRef>
+    </dgm:style>
+  </dgm:styleLbl>
+  <dgm:styleLbl name="asst2">
+    <dgm:scene3d>
+      <a:camera prst="orthographicFront"/>
+      <a:lightRig rig="threePt" dir="t"/>
+    </dgm:scene3d>
+    <dgm:sp3d/>
+    <dgm:txPr/>
+    <dgm:style>
+      <a:lnRef idx="2">
+        <a:scrgbClr r="0" g="0" b="0"/>
+      </a:lnRef>
+      <a:fillRef idx="1">
+        <a:scrgbClr r="0" g="0" b="0"/>
+      </a:fillRef>
+      <a:effectRef idx="0">
+        <a:scrgbClr r="0" g="0" b="0"/>
+      </a:effectRef>
+      <a:fontRef idx="minor">
+        <a:schemeClr val="lt1"/>
+      </a:fontRef>
+    </dgm:style>
+  </dgm:styleLbl>
+  <dgm:styleLbl name="asst3">
+    <dgm:scene3d>
+      <a:camera prst="orthographicFront"/>
+      <a:lightRig rig="threePt" dir="t"/>
+    </dgm:scene3d>
+    <dgm:sp3d/>
+    <dgm:txPr/>
+    <dgm:style>
+      <a:lnRef idx="2">
+        <a:scrgbClr r="0" g="0" b="0"/>
+      </a:lnRef>
+      <a:fillRef idx="1">
+        <a:scrgbClr r="0" g="0" b="0"/>
+      </a:fillRef>
+      <a:effectRef idx="0">
+        <a:scrgbClr r="0" g="0" b="0"/>
+      </a:effectRef>
+      <a:fontRef idx="minor">
+        <a:schemeClr val="lt1"/>
+      </a:fontRef>
+    </dgm:style>
+  </dgm:styleLbl>
+  <dgm:styleLbl name="asst4">
+    <dgm:scene3d>
+      <a:camera prst="orthographicFront"/>
+      <a:lightRig rig="threePt" dir="t"/>
+    </dgm:scene3d>
+    <dgm:sp3d/>
+    <dgm:txPr/>
+    <dgm:style>
+      <a:lnRef idx="2">
+        <a:scrgbClr r="0" g="0" b="0"/>
+      </a:lnRef>
+      <a:fillRef idx="1">
+        <a:scrgbClr r="0" g="0" b="0"/>
+      </a:fillRef>
+      <a:effectRef idx="0">
+        <a:scrgbClr r="0" g="0" b="0"/>
+      </a:effectRef>
+      <a:fontRef idx="minor">
+        <a:schemeClr val="lt1"/>
+      </a:fontRef>
+    </dgm:style>
+  </dgm:styleLbl>
+  <dgm:styleLbl name="parChTrans2D1">
+    <dgm:scene3d>
+      <a:camera prst="orthographicFront"/>
+      <a:lightRig rig="threePt" dir="t"/>
+    </dgm:scene3d>
+    <dgm:sp3d/>
+    <dgm:txPr/>
+    <dgm:style>
+      <a:lnRef idx="2">
+        <a:scrgbClr r="0" g="0" b="0"/>
+      </a:lnRef>
+      <a:fillRef idx="1">
+        <a:scrgbClr r="0" g="0" b="0"/>
+      </a:fillRef>
+      <a:effectRef idx="0">
+        <a:scrgbClr r="0" g="0" b="0"/>
+      </a:effectRef>
+      <a:fontRef idx="minor">
+        <a:schemeClr val="lt1"/>
+      </a:fontRef>
+    </dgm:style>
+  </dgm:styleLbl>
+  <dgm:styleLbl name="parChTrans2D2">
+    <dgm:scene3d>
+      <a:camera prst="orthographicFront"/>
+      <a:lightRig rig="threePt" dir="t"/>
+    </dgm:scene3d>
+    <dgm:sp3d/>
+    <dgm:txPr/>
+    <dgm:style>
+      <a:lnRef idx="2">
+        <a:scrgbClr r="0" g="0" b="0"/>
+      </a:lnRef>
+      <a:fillRef idx="1">
+        <a:scrgbClr r="0" g="0" b="0"/>
+      </a:fillRef>
+      <a:effectRef idx="0">
+        <a:scrgbClr r="0" g="0" b="0"/>
+      </a:effectRef>
+      <a:fontRef idx="minor">
+        <a:schemeClr val="lt1"/>
+      </a:fontRef>
+    </dgm:style>
+  </dgm:styleLbl>
+  <dgm:styleLbl name="parChTrans2D3">
+    <dgm:scene3d>
+      <a:camera prst="orthographicFront"/>
+      <a:lightRig rig="threePt" dir="t"/>
+    </dgm:scene3d>
+    <dgm:sp3d/>
+    <dgm:txPr/>
+    <dgm:style>
+      <a:lnRef idx="2">
+        <a:scrgbClr r="0" g="0" b="0"/>
+      </a:lnRef>
+      <a:fillRef idx="1">
+        <a:scrgbClr r="0" g="0" b="0"/>
+      </a:fillRef>
+      <a:effectRef idx="0">
+        <a:scrgbClr r="0" g="0" b="0"/>
+      </a:effectRef>
+      <a:fontRef idx="minor">
+        <a:schemeClr val="lt1"/>
+      </a:fontRef>
+    </dgm:style>
+  </dgm:styleLbl>
+  <dgm:styleLbl name="parChTrans2D4">
+    <dgm:scene3d>
+      <a:camera prst="orthographicFront"/>
+      <a:lightRig rig="threePt" dir="t"/>
+    </dgm:scene3d>
+    <dgm:sp3d/>
+    <dgm:txPr/>
+    <dgm:style>
+      <a:lnRef idx="2">
+        <a:scrgbClr r="0" g="0" b="0"/>
+      </a:lnRef>
+      <a:fillRef idx="1">
+        <a:scrgbClr r="0" g="0" b="0"/>
+      </a:fillRef>
+      <a:effectRef idx="0">
+        <a:scrgbClr r="0" g="0" b="0"/>
+      </a:effectRef>
+      <a:fontRef idx="minor">
+        <a:schemeClr val="lt1"/>
+      </a:fontRef>
+    </dgm:style>
+  </dgm:styleLbl>
+  <dgm:styleLbl name="parChTrans1D1">
+    <dgm:scene3d>
+      <a:camera prst="orthographicFront"/>
+      <a:lightRig rig="threePt" dir="t"/>
+    </dgm:scene3d>
+    <dgm:sp3d/>
+    <dgm:txPr/>
+    <dgm:style>
+      <a:lnRef idx="2">
+        <a:scrgbClr r="0" g="0" b="0"/>
+      </a:lnRef>
+      <a:fillRef idx="0">
+        <a:scrgbClr r="0" g="0" b="0"/>
+      </a:fillRef>
+      <a:effectRef idx="0">
+        <a:scrgbClr r="0" g="0" b="0"/>
+      </a:effectRef>
+      <a:fontRef idx="minor"/>
+    </dgm:style>
+  </dgm:styleLbl>
+  <dgm:styleLbl name="parChTrans1D2">
+    <dgm:scene3d>
+      <a:camera prst="orthographicFront"/>
+      <a:lightRig rig="threePt" dir="t"/>
+    </dgm:scene3d>
+    <dgm:sp3d/>
+    <dgm:txPr/>
+    <dgm:style>
+      <a:lnRef idx="2">
+        <a:scrgbClr r="0" g="0" b="0"/>
+      </a:lnRef>
+      <a:fillRef idx="0">
+        <a:scrgbClr r="0" g="0" b="0"/>
+      </a:fillRef>
+      <a:effectRef idx="0">
+        <a:scrgbClr r="0" g="0" b="0"/>
+      </a:effectRef>
+      <a:fontRef idx="minor"/>
+    </dgm:style>
+  </dgm:styleLbl>
+  <dgm:styleLbl name="parChTrans1D3">
+    <dgm:scene3d>
+      <a:camera prst="orthographicFront"/>
+      <a:lightRig rig="threePt" dir="t"/>
+    </dgm:scene3d>
+    <dgm:sp3d/>
+    <dgm:txPr/>
+    <dgm:style>
+      <a:lnRef idx="2">
+        <a:scrgbClr r="0" g="0" b="0"/>
+      </a:lnRef>
+      <a:fillRef idx="0">
+        <a:scrgbClr r="0" g="0" b="0"/>
+      </a:fillRef>
+      <a:effectRef idx="0">
+        <a:scrgbClr r="0" g="0" b="0"/>
+      </a:effectRef>
+      <a:fontRef idx="minor"/>
+    </dgm:style>
+  </dgm:styleLbl>
+  <dgm:styleLbl name="parChTrans1D4">
+    <dgm:scene3d>
+      <a:camera prst="orthographicFront"/>
+      <a:lightRig rig="threePt" dir="t"/>
+    </dgm:scene3d>
+    <dgm:sp3d/>
+    <dgm:txPr/>
+    <dgm:style>
+      <a:lnRef idx="2">
+        <a:scrgbClr r="0" g="0" b="0"/>
+      </a:lnRef>
+      <a:fillRef idx="0">
+        <a:scrgbClr r="0" g="0" b="0"/>
+      </a:fillRef>
+      <a:effectRef idx="0">
+        <a:scrgbClr r="0" g="0" b="0"/>
+      </a:effectRef>
+      <a:fontRef idx="minor"/>
+    </dgm:style>
+  </dgm:styleLbl>
+  <dgm:styleLbl name="fgAcc1">
+    <dgm:scene3d>
+      <a:camera prst="orthographicFront"/>
+      <a:lightRig rig="threePt" dir="t"/>
+    </dgm:scene3d>
+    <dgm:sp3d/>
+    <dgm:txPr/>
+    <dgm:style>
+      <a:lnRef idx="2">
+        <a:scrgbClr r="0" g="0" b="0"/>
+      </a:lnRef>
+      <a:fillRef idx="1">
+        <a:scrgbClr r="0" g="0" b="0"/>
+      </a:fillRef>
+      <a:effectRef idx="0">
+        <a:scrgbClr r="0" g="0" b="0"/>
+      </a:effectRef>
+      <a:fontRef idx="minor"/>
+    </dgm:style>
+  </dgm:styleLbl>
+  <dgm:styleLbl name="conFgAcc1">
+    <dgm:scene3d>
+      <a:camera prst="orthographicFront"/>
+      <a:lightRig rig="threePt" dir="t"/>
+    </dgm:scene3d>
+    <dgm:sp3d/>
+    <dgm:txPr/>
+    <dgm:style>
+      <a:lnRef idx="2">
+        <a:scrgbClr r="0" g="0" b="0"/>
+      </a:lnRef>
+      <a:fillRef idx="1">
+        <a:scrgbClr r="0" g="0" b="0"/>
+      </a:fillRef>
+      <a:effectRef idx="0">
+        <a:scrgbClr r="0" g="0" b="0"/>
+      </a:effectRef>
+      <a:fontRef idx="minor"/>
+    </dgm:style>
+  </dgm:styleLbl>
+  <dgm:styleLbl name="alignAcc1">
+    <dgm:scene3d>
+      <a:camera prst="orthographicFront"/>
+      <a:lightRig rig="threePt" dir="t"/>
+    </dgm:scene3d>
+    <dgm:sp3d/>
+    <dgm:txPr/>
+    <dgm:style>
+      <a:lnRef idx="2">
+        <a:scrgbClr r="0" g="0" b="0"/>
+      </a:lnRef>
+      <a:fillRef idx="1">
+        <a:scrgbClr r="0" g="0" b="0"/>
+      </a:fillRef>
+      <a:effectRef idx="0">
+        <a:scrgbClr r="0" g="0" b="0"/>
+      </a:effectRef>
+      <a:fontRef idx="minor"/>
+    </dgm:style>
+  </dgm:styleLbl>
+  <dgm:styleLbl name="trAlignAcc1">
+    <dgm:scene3d>
+      <a:camera prst="orthographicFront"/>
+      <a:lightRig rig="threePt" dir="t"/>
+    </dgm:scene3d>
+    <dgm:sp3d/>
+    <dgm:txPr/>
+    <dgm:style>
+      <a:lnRef idx="1">
+        <a:scrgbClr r="0" g="0" b="0"/>
+      </a:lnRef>
+      <a:fillRef idx="1">
+        <a:scrgbClr r="0" g="0" b="0"/>
+      </a:fillRef>
+      <a:effectRef idx="0">
+        <a:scrgbClr r="0" g="0" b="0"/>
+      </a:effectRef>
+      <a:fontRef idx="minor"/>
+    </dgm:style>
+  </dgm:styleLbl>
+  <dgm:styleLbl name="bgAcc1">
+    <dgm:scene3d>
+      <a:camera prst="orthographicFront"/>
+      <a:lightRig rig="threePt" dir="t"/>
+    </dgm:scene3d>
+    <dgm:sp3d/>
+    <dgm:txPr/>
+    <dgm:style>
+      <a:lnRef idx="2">
+        <a:scrgbClr r="0" g="0" b="0"/>
+      </a:lnRef>
+      <a:fillRef idx="1">
+        <a:scrgbClr r="0" g="0" b="0"/>
+      </a:fillRef>
+      <a:effectRef idx="0">
+        <a:scrgbClr r="0" g="0" b="0"/>
+      </a:effectRef>
+      <a:fontRef idx="minor"/>
+    </dgm:style>
+  </dgm:styleLbl>
+  <dgm:styleLbl name="solidFgAcc1">
+    <dgm:scene3d>
+      <a:camera prst="orthographicFront"/>
+      <a:lightRig rig="threePt" dir="t"/>
+    </dgm:scene3d>
+    <dgm:sp3d/>
+    <dgm:txPr/>
+    <dgm:style>
+      <a:lnRef idx="2">
+        <a:scrgbClr r="0" g="0" b="0"/>
+      </a:lnRef>
+      <a:fillRef idx="1">
+        <a:scrgbClr r="0" g="0" b="0"/>
+      </a:fillRef>
+      <a:effectRef idx="0">
+        <a:scrgbClr r="0" g="0" b="0"/>
+      </a:effectRef>
+      <a:fontRef idx="minor"/>
+    </dgm:style>
+  </dgm:styleLbl>
+  <dgm:styleLbl name="solidAlignAcc1">
+    <dgm:scene3d>
+      <a:camera prst="orthographicFront"/>
+      <a:lightRig rig="threePt" dir="t"/>
+    </dgm:scene3d>
+    <dgm:sp3d/>
+    <dgm:txPr/>
+    <dgm:style>
+      <a:lnRef idx="2">
+        <a:scrgbClr r="0" g="0" b="0"/>
+      </a:lnRef>
+      <a:fillRef idx="1">
+        <a:scrgbClr r="0" g="0" b="0"/>
+      </a:fillRef>
+      <a:effectRef idx="0">
+        <a:scrgbClr r="0" g="0" b="0"/>
+      </a:effectRef>
+      <a:fontRef idx="minor"/>
+    </dgm:style>
+  </dgm:styleLbl>
+  <dgm:styleLbl name="solidBgAcc1">
+    <dgm:scene3d>
+      <a:camera prst="orthographicFront"/>
+      <a:lightRig rig="threePt" dir="t"/>
+    </dgm:scene3d>
+    <dgm:sp3d/>
+    <dgm:txPr/>
+    <dgm:style>
+      <a:lnRef idx="2">
+        <a:scrgbClr r="0" g="0" b="0"/>
+      </a:lnRef>
+      <a:fillRef idx="1">
+        <a:scrgbClr r="0" g="0" b="0"/>
+      </a:fillRef>
+      <a:effectRef idx="0">
+        <a:scrgbClr r="0" g="0" b="0"/>
+      </a:effectRef>
+      <a:fontRef idx="minor"/>
+    </dgm:style>
+  </dgm:styleLbl>
+  <dgm:styleLbl name="fgAccFollowNode1">
+    <dgm:scene3d>
+      <a:camera prst="orthographicFront"/>
+      <a:lightRig rig="threePt" dir="t"/>
+    </dgm:scene3d>
+    <dgm:sp3d/>
+    <dgm:txPr/>
+    <dgm:style>
+      <a:lnRef idx="2">
+        <a:scrgbClr r="0" g="0" b="0"/>
+      </a:lnRef>
+      <a:fillRef idx="1">
+        <a:scrgbClr r="0" g="0" b="0"/>
+      </a:fillRef>
+      <a:effectRef idx="0">
+        <a:scrgbClr r="0" g="0" b="0"/>
+      </a:effectRef>
+      <a:fontRef idx="minor"/>
+    </dgm:style>
+  </dgm:styleLbl>
+  <dgm:styleLbl name="alignAccFollowNode1">
+    <dgm:scene3d>
+      <a:camera prst="orthographicFront"/>
+      <a:lightRig rig="threePt" dir="t"/>
+    </dgm:scene3d>
+    <dgm:sp3d/>
+    <dgm:txPr/>
+    <dgm:style>
+      <a:lnRef idx="2">
+        <a:scrgbClr r="0" g="0" b="0"/>
+      </a:lnRef>
+      <a:fillRef idx="1">
+        <a:scrgbClr r="0" g="0" b="0"/>
+      </a:fillRef>
+      <a:effectRef idx="0">
+        <a:scrgbClr r="0" g="0" b="0"/>
+      </a:effectRef>
+      <a:fontRef idx="minor"/>
+    </dgm:style>
+  </dgm:styleLbl>
+  <dgm:styleLbl name="bgAccFollowNode1">
+    <dgm:scene3d>
+      <a:camera prst="orthographicFront"/>
+      <a:lightRig rig="threePt" dir="t"/>
+    </dgm:scene3d>
+    <dgm:sp3d/>
+    <dgm:txPr/>
+    <dgm:style>
+      <a:lnRef idx="2">
+        <a:scrgbClr r="0" g="0" b="0"/>
+      </a:lnRef>
+      <a:fillRef idx="1">
+        <a:scrgbClr r="0" g="0" b="0"/>
+      </a:fillRef>
+      <a:effectRef idx="0">
+        <a:scrgbClr r="0" g="0" b="0"/>
+      </a:effectRef>
+      <a:fontRef idx="minor"/>
+    </dgm:style>
+  </dgm:styleLbl>
+  <dgm:styleLbl name="fgAcc0">
+    <dgm:scene3d>
+      <a:camera prst="orthographicFront"/>
+      <a:lightRig rig="threePt" dir="t"/>
+    </dgm:scene3d>
+    <dgm:sp3d/>
+    <dgm:txPr/>
+    <dgm:style>
+      <a:lnRef idx="2">
+        <a:scrgbClr r="0" g="0" b="0"/>
+      </a:lnRef>
+      <a:fillRef idx="1">
+        <a:scrgbClr r="0" g="0" b="0"/>
+      </a:fillRef>
+      <a:effectRef idx="0">
+        <a:scrgbClr r="0" g="0" b="0"/>
+      </a:effectRef>
+      <a:fontRef idx="minor"/>
+    </dgm:style>
+  </dgm:styleLbl>
+  <dgm:styleLbl name="fgAcc2">
+    <dgm:scene3d>
+      <a:camera prst="orthographicFront"/>
+      <a:lightRig rig="threePt" dir="t"/>
+    </dgm:scene3d>
+    <dgm:sp3d/>
+    <dgm:txPr/>
+    <dgm:style>
+      <a:lnRef idx="2">
+        <a:scrgbClr r="0" g="0" b="0"/>
+      </a:lnRef>
+      <a:fillRef idx="1">
+        <a:scrgbClr r="0" g="0" b="0"/>
+      </a:fillRef>
+      <a:effectRef idx="0">
+        <a:scrgbClr r="0" g="0" b="0"/>
+      </a:effectRef>
+      <a:fontRef idx="minor"/>
+    </dgm:style>
+  </dgm:styleLbl>
+  <dgm:styleLbl name="fgAcc3">
+    <dgm:scene3d>
+      <a:camera prst="orthographicFront"/>
+      <a:lightRig rig="threePt" dir="t"/>
+    </dgm:scene3d>
+    <dgm:sp3d/>
+    <dgm:txPr/>
+    <dgm:style>
+      <a:lnRef idx="2">
+        <a:scrgbClr r="0" g="0" b="0"/>
+      </a:lnRef>
+      <a:fillRef idx="1">
+        <a:scrgbClr r="0" g="0" b="0"/>
+      </a:fillRef>
+      <a:effectRef idx="0">
+        <a:scrgbClr r="0" g="0" b="0"/>
+      </a:effectRef>
+      <a:fontRef idx="minor"/>
+    </dgm:style>
+  </dgm:styleLbl>
+  <dgm:styleLbl name="fgAcc4">
+    <dgm:scene3d>
+      <a:camera prst="orthographicFront"/>
+      <a:lightRig rig="threePt" dir="t"/>
+    </dgm:scene3d>
+    <dgm:sp3d/>
+    <dgm:txPr/>
+    <dgm:style>
+      <a:lnRef idx="2">
+        <a:scrgbClr r="0" g="0" b="0"/>
+      </a:lnRef>
+      <a:fillRef idx="1">
+        <a:scrgbClr r="0" g="0" b="0"/>
+      </a:fillRef>
+      <a:effectRef idx="0">
+        <a:scrgbClr r="0" g="0" b="0"/>
+      </a:effectRef>
+      <a:fontRef idx="minor"/>
+    </dgm:style>
+  </dgm:styleLbl>
+  <dgm:styleLbl name="bgShp">
+    <dgm:scene3d>
+      <a:camera prst="orthographicFront"/>
+      <a:lightRig rig="threePt" dir="t"/>
+    </dgm:scene3d>
+    <dgm:sp3d/>
+    <dgm:txPr/>
+    <dgm:style>
+      <a:lnRef idx="0">
+        <a:scrgbClr r="0" g="0" b="0"/>
+      </a:lnRef>
+      <a:fillRef idx="1">
+        <a:scrgbClr r="0" g="0" b="0"/>
+      </a:fillRef>
+      <a:effectRef idx="0">
+        <a:scrgbClr r="0" g="0" b="0"/>
+      </a:effectRef>
+      <a:fontRef idx="minor"/>
+    </dgm:style>
+  </dgm:styleLbl>
+  <dgm:styleLbl name="dkBgShp">
+    <dgm:scene3d>
+      <a:camera prst="orthographicFront"/>
+      <a:lightRig rig="threePt" dir="t"/>
+    </dgm:scene3d>
+    <dgm:sp3d/>
+    <dgm:txPr/>
+    <dgm:style>
+      <a:lnRef idx="0">
+        <a:scrgbClr r="0" g="0" b="0"/>
+      </a:lnRef>
+      <a:fillRef idx="1">
+        <a:scrgbClr r="0" g="0" b="0"/>
+      </a:fillRef>
+      <a:effectRef idx="0">
+        <a:scrgbClr r="0" g="0" b="0"/>
+      </a:effectRef>
+      <a:fontRef idx="minor"/>
+    </dgm:style>
+  </dgm:styleLbl>
+  <dgm:styleLbl name="trBgShp">
+    <dgm:scene3d>
+      <a:camera prst="orthographicFront"/>
+      <a:lightRig rig="threePt" dir="t"/>
+    </dgm:scene3d>
+    <dgm:sp3d/>
+    <dgm:txPr/>
+    <dgm:style>
+      <a:lnRef idx="0">
+        <a:scrgbClr r="0" g="0" b="0"/>
+      </a:lnRef>
+      <a:fillRef idx="1">
+        <a:scrgbClr r="0" g="0" b="0"/>
+      </a:fillRef>
+      <a:effectRef idx="0">
+        <a:scrgbClr r="0" g="0" b="0"/>
+      </a:effectRef>
+      <a:fontRef idx="minor"/>
+    </dgm:style>
+  </dgm:styleLbl>
+  <dgm:styleLbl name="fgShp">
+    <dgm:scene3d>
+      <a:camera prst="orthographicFront"/>
+      <a:lightRig rig="threePt" dir="t"/>
+    </dgm:scene3d>
+    <dgm:sp3d/>
+    <dgm:txPr/>
+    <dgm:style>
+      <a:lnRef idx="2">
+        <a:scrgbClr r="0" g="0" b="0"/>
+      </a:lnRef>
+      <a:fillRef idx="1">
+        <a:scrgbClr r="0" g="0" b="0"/>
+      </a:fillRef>
+      <a:effectRef idx="0">
+        <a:scrgbClr r="0" g="0" b="0"/>
+      </a:effectRef>
+      <a:fontRef idx="minor"/>
+    </dgm:style>
+  </dgm:styleLbl>
+  <dgm:styleLbl name="revTx">
+    <dgm:scene3d>
+      <a:camera prst="orthographicFront"/>
+      <a:lightRig rig="threePt" dir="t"/>
+    </dgm:scene3d>
+    <dgm:sp3d/>
+    <dgm:txPr/>
+    <dgm:style>
+      <a:lnRef idx="0">
+        <a:scrgbClr r="0" g="0" b="0"/>
+      </a:lnRef>
+      <a:fillRef idx="0">
+        <a:scrgbClr r="0" g="0" b="0"/>
+      </a:fillRef>
+      <a:effectRef idx="0">
+        <a:scrgbClr r="0" g="0" b="0"/>
+      </a:effectRef>
+      <a:fontRef idx="minor"/>
+    </dgm:style>
+  </dgm:styleLbl>
+</dgm:styleDef>
+</file>
+
 <file path=ppt/notesMasters/notesMaster1.xml><?xml version="1.0" encoding="utf-8"?>
 <p:notesMaster xmlns:a="http://schemas.openxmlformats.org/drawingml/2006/main" xmlns:r="http://schemas.openxmlformats.org/officeDocument/2006/relationships" xmlns:p="http://schemas.openxmlformats.org/presentationml/2006/main">
   <p:cSld>
@@ -215,7 +2792,7 @@
           <a:p>
             <a:fld id="{421F6B50-8E66-47CB-A2B6-8042DD6B6A79}" type="datetimeFigureOut">
               <a:rPr lang="en-US" smtClean="0"/>
-              <a:t>8/28/2019</a:t>
+              <a:t>8/29/2019</a:t>
             </a:fld>
             <a:endParaRPr lang="en-US"/>
           </a:p>
@@ -547,7 +3124,7 @@
           <a:p>
             <a:fld id="{70282327-5762-4196-9AE9-5C88396B63E6}" type="slidenum">
               <a:rPr lang="en-IN" smtClean="0"/>
-              <a:t>11</a:t>
+              <a:t>12</a:t>
             </a:fld>
             <a:endParaRPr lang="en-IN"/>
           </a:p>
@@ -697,7 +3274,7 @@
           <a:p>
             <a:fld id="{BD7B1233-555D-48FA-9E44-77CCB64FCC03}" type="datetimeFigureOut">
               <a:rPr lang="en-US" smtClean="0"/>
-              <a:t>8/28/2019</a:t>
+              <a:t>8/29/2019</a:t>
             </a:fld>
             <a:endParaRPr lang="en-US"/>
           </a:p>
@@ -872,7 +3449,7 @@
           <a:p>
             <a:fld id="{BD7B1233-555D-48FA-9E44-77CCB64FCC03}" type="datetimeFigureOut">
               <a:rPr lang="en-US" smtClean="0"/>
-              <a:t>8/28/2019</a:t>
+              <a:t>8/29/2019</a:t>
             </a:fld>
             <a:endParaRPr lang="en-US"/>
           </a:p>
@@ -1052,7 +3629,7 @@
           <a:p>
             <a:fld id="{BD7B1233-555D-48FA-9E44-77CCB64FCC03}" type="datetimeFigureOut">
               <a:rPr lang="en-US" smtClean="0"/>
-              <a:t>8/28/2019</a:t>
+              <a:t>8/29/2019</a:t>
             </a:fld>
             <a:endParaRPr lang="en-US"/>
           </a:p>
@@ -1227,7 +3804,7 @@
           <a:p>
             <a:fld id="{BD7B1233-555D-48FA-9E44-77CCB64FCC03}" type="datetimeFigureOut">
               <a:rPr lang="en-US" smtClean="0"/>
-              <a:t>8/28/2019</a:t>
+              <a:t>8/29/2019</a:t>
             </a:fld>
             <a:endParaRPr lang="en-US"/>
           </a:p>
@@ -1473,7 +4050,7 @@
           <a:p>
             <a:fld id="{BD7B1233-555D-48FA-9E44-77CCB64FCC03}" type="datetimeFigureOut">
               <a:rPr lang="en-US" smtClean="0"/>
-              <a:t>8/28/2019</a:t>
+              <a:t>8/29/2019</a:t>
             </a:fld>
             <a:endParaRPr lang="en-US"/>
           </a:p>
@@ -1710,7 +4287,7 @@
           <a:p>
             <a:fld id="{BD7B1233-555D-48FA-9E44-77CCB64FCC03}" type="datetimeFigureOut">
               <a:rPr lang="en-US" smtClean="0"/>
-              <a:t>8/28/2019</a:t>
+              <a:t>8/29/2019</a:t>
             </a:fld>
             <a:endParaRPr lang="en-US"/>
           </a:p>
@@ -2077,7 +4654,7 @@
           <a:p>
             <a:fld id="{BD7B1233-555D-48FA-9E44-77CCB64FCC03}" type="datetimeFigureOut">
               <a:rPr lang="en-US" smtClean="0"/>
-              <a:t>8/28/2019</a:t>
+              <a:t>8/29/2019</a:t>
             </a:fld>
             <a:endParaRPr lang="en-US"/>
           </a:p>
@@ -2206,7 +4783,7 @@
           <a:p>
             <a:fld id="{BD7B1233-555D-48FA-9E44-77CCB64FCC03}" type="datetimeFigureOut">
               <a:rPr lang="en-US" smtClean="0"/>
-              <a:t>8/28/2019</a:t>
+              <a:t>8/29/2019</a:t>
             </a:fld>
             <a:endParaRPr lang="en-US"/>
           </a:p>
@@ -2301,7 +4878,7 @@
           <a:p>
             <a:fld id="{BD7B1233-555D-48FA-9E44-77CCB64FCC03}" type="datetimeFigureOut">
               <a:rPr lang="en-US" smtClean="0"/>
-              <a:t>8/28/2019</a:t>
+              <a:t>8/29/2019</a:t>
             </a:fld>
             <a:endParaRPr lang="en-US"/>
           </a:p>
@@ -2578,7 +5155,7 @@
           <a:p>
             <a:fld id="{BD7B1233-555D-48FA-9E44-77CCB64FCC03}" type="datetimeFigureOut">
               <a:rPr lang="en-US" smtClean="0"/>
-              <a:t>8/28/2019</a:t>
+              <a:t>8/29/2019</a:t>
             </a:fld>
             <a:endParaRPr lang="en-US"/>
           </a:p>
@@ -2835,7 +5412,7 @@
           <a:p>
             <a:fld id="{BD7B1233-555D-48FA-9E44-77CCB64FCC03}" type="datetimeFigureOut">
               <a:rPr lang="en-US" smtClean="0"/>
-              <a:t>8/28/2019</a:t>
+              <a:t>8/29/2019</a:t>
             </a:fld>
             <a:endParaRPr lang="en-US"/>
           </a:p>
@@ -3048,7 +5625,7 @@
           <a:p>
             <a:fld id="{BD7B1233-555D-48FA-9E44-77CCB64FCC03}" type="datetimeFigureOut">
               <a:rPr lang="en-US" smtClean="0"/>
-              <a:t>8/28/2019</a:t>
+              <a:t>8/29/2019</a:t>
             </a:fld>
             <a:endParaRPr lang="en-US"/>
           </a:p>
@@ -3579,15 +6156,33 @@
         </p:spPr>
         <p:txBody>
           <a:bodyPr anchor="ctr">
-            <a:normAutofit/>
+            <a:normAutofit fontScale="90000"/>
           </a:bodyPr>
           <a:lstStyle/>
           <a:p>
             <a:pPr algn="r"/>
             <a:r>
               <a:rPr lang="en-US" dirty="0"/>
-              <a:t>OMS CICD - Proposed</a:t>
-            </a:r>
+              <a:t>OMS v10 CICD</a:t>
+            </a:r>
+            <a:br>
+              <a:rPr lang="en-US" dirty="0"/>
+            </a:br>
+            <a:r>
+              <a:rPr lang="en-US" dirty="0"/>
+              <a:t>Reference Process*</a:t>
+            </a:r>
+            <a:br>
+              <a:rPr lang="en-US" sz="3100" i="1" dirty="0"/>
+            </a:br>
+            <a:br>
+              <a:rPr lang="en-US" sz="3100" i="1" dirty="0"/>
+            </a:br>
+            <a:r>
+              <a:rPr lang="en-US" sz="3100" i="1" dirty="0"/>
+              <a:t>*Proposed</a:t>
+            </a:r>
+            <a:endParaRPr lang="en-US" sz="4000" i="1" dirty="0"/>
           </a:p>
         </p:txBody>
       </p:sp>
@@ -4106,208 +6701,139 @@
       </p:grpSpPr>
       <p:sp>
         <p:nvSpPr>
-          <p:cNvPr id="14" name="Subtitle 2">
+          <p:cNvPr id="2" name="Title 1">
             <a:extLst>
               <a:ext uri="{FF2B5EF4-FFF2-40B4-BE49-F238E27FC236}">
-                <a16:creationId xmlns:a16="http://schemas.microsoft.com/office/drawing/2014/main" id="{19C9A025-D051-4490-B302-322C35897B7D}"/>
+                <a16:creationId xmlns:a16="http://schemas.microsoft.com/office/drawing/2014/main" id="{DFB02394-9405-43A4-BB6A-AF72622BBE2E}"/>
               </a:ext>
             </a:extLst>
           </p:cNvPr>
-          <p:cNvSpPr txBox="1">
-            <a:spLocks/>
+          <p:cNvSpPr>
+            <a:spLocks noGrp="1"/>
           </p:cNvSpPr>
+          <p:nvPr>
+            <p:ph type="title"/>
+          </p:nvPr>
+        </p:nvSpPr>
+        <p:spPr/>
+        <p:txBody>
+          <a:bodyPr/>
+          <a:lstStyle/>
+          <a:p>
+            <a:r>
+              <a:rPr lang="en-US" dirty="0"/>
+              <a:t>Assumptions and Pre-Requisites</a:t>
+            </a:r>
+          </a:p>
+        </p:txBody>
+      </p:sp>
+      <p:sp>
+        <p:nvSpPr>
+          <p:cNvPr id="3" name="TextBox 2">
+            <a:extLst>
+              <a:ext uri="{FF2B5EF4-FFF2-40B4-BE49-F238E27FC236}">
+                <a16:creationId xmlns:a16="http://schemas.microsoft.com/office/drawing/2014/main" id="{DF32ECA3-056B-4FAD-9B5D-16BD89F20C35}"/>
+              </a:ext>
+            </a:extLst>
+          </p:cNvPr>
+          <p:cNvSpPr txBox="1"/>
           <p:nvPr/>
         </p:nvSpPr>
         <p:spPr>
           <a:xfrm>
-            <a:off x="424116" y="1853167"/>
-            <a:ext cx="10104801" cy="2212805"/>
+            <a:off x="704641" y="1117264"/>
+            <a:ext cx="10827451" cy="4524315"/>
           </a:xfrm>
           <a:prstGeom prst="rect">
             <a:avLst/>
           </a:prstGeom>
+          <a:noFill/>
         </p:spPr>
         <p:txBody>
-          <a:bodyPr vert="horz" lIns="91440" tIns="45720" rIns="91440" bIns="45720" rtlCol="0" anchor="ctr">
-            <a:normAutofit/>
+          <a:bodyPr wrap="square" rtlCol="0">
+            <a:spAutoFit/>
           </a:bodyPr>
-          <a:lstStyle>
-            <a:lvl1pPr marL="0" indent="0" algn="ctr" defTabSz="914400" rtl="0" eaLnBrk="1" latinLnBrk="0" hangingPunct="1">
-              <a:lnSpc>
-                <a:spcPct val="90000"/>
-              </a:lnSpc>
-              <a:spcBef>
-                <a:spcPts val="1000"/>
-              </a:spcBef>
-              <a:buFont typeface="Arial" panose="020B0604020202020204" pitchFamily="34" charset="0"/>
-              <a:buNone/>
-              <a:defRPr sz="2400" kern="1200">
-                <a:solidFill>
-                  <a:schemeClr val="tx1"/>
-                </a:solidFill>
-                <a:latin typeface="+mn-lt"/>
-                <a:ea typeface="+mn-ea"/>
-                <a:cs typeface="+mn-cs"/>
-              </a:defRPr>
-            </a:lvl1pPr>
-            <a:lvl2pPr marL="457200" indent="0" algn="ctr" defTabSz="914400" rtl="0" eaLnBrk="1" latinLnBrk="0" hangingPunct="1">
-              <a:lnSpc>
-                <a:spcPct val="90000"/>
-              </a:lnSpc>
-              <a:spcBef>
-                <a:spcPts val="500"/>
-              </a:spcBef>
-              <a:buFont typeface="Arial" panose="020B0604020202020204" pitchFamily="34" charset="0"/>
-              <a:buNone/>
-              <a:defRPr sz="2000" kern="1200">
-                <a:solidFill>
-                  <a:schemeClr val="tx1"/>
-                </a:solidFill>
-                <a:latin typeface="+mn-lt"/>
-                <a:ea typeface="+mn-ea"/>
-                <a:cs typeface="+mn-cs"/>
-              </a:defRPr>
-            </a:lvl2pPr>
-            <a:lvl3pPr marL="914400" indent="0" algn="ctr" defTabSz="914400" rtl="0" eaLnBrk="1" latinLnBrk="0" hangingPunct="1">
-              <a:lnSpc>
-                <a:spcPct val="90000"/>
-              </a:lnSpc>
-              <a:spcBef>
-                <a:spcPts val="500"/>
-              </a:spcBef>
-              <a:buFont typeface="Arial" panose="020B0604020202020204" pitchFamily="34" charset="0"/>
-              <a:buNone/>
-              <a:defRPr sz="1800" kern="1200">
-                <a:solidFill>
-                  <a:schemeClr val="tx1"/>
-                </a:solidFill>
-                <a:latin typeface="+mn-lt"/>
-                <a:ea typeface="+mn-ea"/>
-                <a:cs typeface="+mn-cs"/>
-              </a:defRPr>
-            </a:lvl3pPr>
-            <a:lvl4pPr marL="1371600" indent="0" algn="ctr" defTabSz="914400" rtl="0" eaLnBrk="1" latinLnBrk="0" hangingPunct="1">
-              <a:lnSpc>
-                <a:spcPct val="90000"/>
-              </a:lnSpc>
-              <a:spcBef>
-                <a:spcPts val="500"/>
-              </a:spcBef>
-              <a:buFont typeface="Arial" panose="020B0604020202020204" pitchFamily="34" charset="0"/>
-              <a:buNone/>
-              <a:defRPr sz="1600" kern="1200">
-                <a:solidFill>
-                  <a:schemeClr val="tx1"/>
-                </a:solidFill>
-                <a:latin typeface="+mn-lt"/>
-                <a:ea typeface="+mn-ea"/>
-                <a:cs typeface="+mn-cs"/>
-              </a:defRPr>
-            </a:lvl4pPr>
-            <a:lvl5pPr marL="1828800" indent="0" algn="ctr" defTabSz="914400" rtl="0" eaLnBrk="1" latinLnBrk="0" hangingPunct="1">
-              <a:lnSpc>
-                <a:spcPct val="90000"/>
-              </a:lnSpc>
-              <a:spcBef>
-                <a:spcPts val="500"/>
-              </a:spcBef>
-              <a:buFont typeface="Arial" panose="020B0604020202020204" pitchFamily="34" charset="0"/>
-              <a:buNone/>
-              <a:defRPr sz="1600" kern="1200">
-                <a:solidFill>
-                  <a:schemeClr val="tx1"/>
-                </a:solidFill>
-                <a:latin typeface="+mn-lt"/>
-                <a:ea typeface="+mn-ea"/>
-                <a:cs typeface="+mn-cs"/>
-              </a:defRPr>
-            </a:lvl5pPr>
-            <a:lvl6pPr marL="2286000" indent="0" algn="ctr" defTabSz="914400" rtl="0" eaLnBrk="1" latinLnBrk="0" hangingPunct="1">
-              <a:lnSpc>
-                <a:spcPct val="90000"/>
-              </a:lnSpc>
-              <a:spcBef>
-                <a:spcPts val="500"/>
-              </a:spcBef>
-              <a:buFont typeface="Arial" panose="020B0604020202020204" pitchFamily="34" charset="0"/>
-              <a:buNone/>
-              <a:defRPr sz="1600" kern="1200">
-                <a:solidFill>
-                  <a:schemeClr val="tx1"/>
-                </a:solidFill>
-                <a:latin typeface="+mn-lt"/>
-                <a:ea typeface="+mn-ea"/>
-                <a:cs typeface="+mn-cs"/>
-              </a:defRPr>
-            </a:lvl6pPr>
-            <a:lvl7pPr marL="2743200" indent="0" algn="ctr" defTabSz="914400" rtl="0" eaLnBrk="1" latinLnBrk="0" hangingPunct="1">
-              <a:lnSpc>
-                <a:spcPct val="90000"/>
-              </a:lnSpc>
-              <a:spcBef>
-                <a:spcPts val="500"/>
-              </a:spcBef>
-              <a:buFont typeface="Arial" panose="020B0604020202020204" pitchFamily="34" charset="0"/>
-              <a:buNone/>
-              <a:defRPr sz="1600" kern="1200">
-                <a:solidFill>
-                  <a:schemeClr val="tx1"/>
-                </a:solidFill>
-                <a:latin typeface="+mn-lt"/>
-                <a:ea typeface="+mn-ea"/>
-                <a:cs typeface="+mn-cs"/>
-              </a:defRPr>
-            </a:lvl7pPr>
-            <a:lvl8pPr marL="3200400" indent="0" algn="ctr" defTabSz="914400" rtl="0" eaLnBrk="1" latinLnBrk="0" hangingPunct="1">
-              <a:lnSpc>
-                <a:spcPct val="90000"/>
-              </a:lnSpc>
-              <a:spcBef>
-                <a:spcPts val="500"/>
-              </a:spcBef>
-              <a:buFont typeface="Arial" panose="020B0604020202020204" pitchFamily="34" charset="0"/>
-              <a:buNone/>
-              <a:defRPr sz="1600" kern="1200">
-                <a:solidFill>
-                  <a:schemeClr val="tx1"/>
-                </a:solidFill>
-                <a:latin typeface="+mn-lt"/>
-                <a:ea typeface="+mn-ea"/>
-                <a:cs typeface="+mn-cs"/>
-              </a:defRPr>
-            </a:lvl8pPr>
-            <a:lvl9pPr marL="3657600" indent="0" algn="ctr" defTabSz="914400" rtl="0" eaLnBrk="1" latinLnBrk="0" hangingPunct="1">
-              <a:lnSpc>
-                <a:spcPct val="90000"/>
-              </a:lnSpc>
-              <a:spcBef>
-                <a:spcPts val="500"/>
-              </a:spcBef>
-              <a:buFont typeface="Arial" panose="020B0604020202020204" pitchFamily="34" charset="0"/>
-              <a:buNone/>
-              <a:defRPr sz="1600" kern="1200">
-                <a:solidFill>
-                  <a:schemeClr val="tx1"/>
-                </a:solidFill>
-                <a:latin typeface="+mn-lt"/>
-                <a:ea typeface="+mn-ea"/>
-                <a:cs typeface="+mn-cs"/>
-              </a:defRPr>
-            </a:lvl9pPr>
-          </a:lstStyle>
-          <a:p>
-            <a:pPr algn="l"/>
-            <a:r>
-              <a:rPr lang="en-US" sz="2800" dirty="0"/>
-              <a:t>IBM Sterling OMS v10 CICD  - Strategies to implement in Redhat OpenShift</a:t>
-            </a:r>
+          <a:lstStyle/>
+          <a:p>
+            <a:r>
+              <a:rPr lang="en-US" sz="2400" dirty="0"/>
+              <a:t>Assumptions:</a:t>
+            </a:r>
+          </a:p>
+          <a:p>
+            <a:pPr marL="285750" indent="-285750">
+              <a:buFontTx/>
+              <a:buChar char="-"/>
+            </a:pPr>
+            <a:r>
+              <a:rPr lang="en-US" sz="2400" dirty="0"/>
+              <a:t>Client has license for Multi-schema</a:t>
+            </a:r>
+          </a:p>
+          <a:p>
+            <a:pPr marL="285750" indent="-285750">
+              <a:buFontTx/>
+              <a:buChar char="-"/>
+            </a:pPr>
+            <a:r>
+              <a:rPr lang="en-US" sz="2400" dirty="0"/>
+              <a:t>It is possible for a Multi-schema setup with individual configuration schemas while sharing non-config schemas (meta, statistics, master, transaction)</a:t>
+            </a:r>
+          </a:p>
+          <a:p>
+            <a:endParaRPr lang="en-US" sz="2400" dirty="0"/>
+          </a:p>
+          <a:p>
+            <a:r>
+              <a:rPr lang="en-US" sz="2400" dirty="0"/>
+              <a:t>Product Features Required:</a:t>
+            </a:r>
+          </a:p>
+          <a:p>
+            <a:pPr marL="285750" indent="-285750">
+              <a:buFontTx/>
+              <a:buChar char="-"/>
+            </a:pPr>
+            <a:r>
+              <a:rPr lang="en-US" sz="2400" dirty="0"/>
+              <a:t>Multi-schema support</a:t>
+            </a:r>
+          </a:p>
+          <a:p>
+            <a:endParaRPr lang="en-US" sz="2400" dirty="0"/>
+          </a:p>
+          <a:p>
+            <a:r>
+              <a:rPr lang="en-US" sz="2400" dirty="0"/>
+              <a:t>Product Enhancement:</a:t>
+            </a:r>
+          </a:p>
+          <a:p>
+            <a:pPr marL="285750" indent="-285750">
+              <a:buFontTx/>
+              <a:buChar char="-"/>
+            </a:pPr>
+            <a:r>
+              <a:rPr lang="en-US" sz="2400" dirty="0"/>
+              <a:t>Configuration inheritance</a:t>
+            </a:r>
+          </a:p>
+          <a:p>
+            <a:pPr marL="285750" indent="-285750">
+              <a:buFontTx/>
+              <a:buChar char="-"/>
+            </a:pPr>
+            <a:endParaRPr lang="en-US" sz="2400" dirty="0"/>
+          </a:p>
+          <a:p>
+            <a:endParaRPr lang="en-US" sz="2400" dirty="0"/>
           </a:p>
         </p:txBody>
       </p:sp>
     </p:spTree>
     <p:extLst>
       <p:ext uri="{BB962C8B-B14F-4D97-AF65-F5344CB8AC3E}">
-        <p14:creationId xmlns:p14="http://schemas.microsoft.com/office/powerpoint/2010/main" val="777035053"/>
+        <p14:creationId xmlns:p14="http://schemas.microsoft.com/office/powerpoint/2010/main" val="413529376"/>
       </p:ext>
     </p:extLst>
   </p:cSld>
@@ -4318,6 +6844,309 @@
 </file>
 
 <file path=ppt/slides/slide11.xml><?xml version="1.0" encoding="utf-8"?>
+<p:sld xmlns:a="http://schemas.openxmlformats.org/drawingml/2006/main" xmlns:r="http://schemas.openxmlformats.org/officeDocument/2006/relationships" xmlns:p="http://schemas.openxmlformats.org/presentationml/2006/main">
+  <p:cSld>
+    <p:bg>
+      <p:bgPr>
+        <a:solidFill>
+          <a:schemeClr val="bg1"/>
+        </a:solidFill>
+        <a:effectLst/>
+      </p:bgPr>
+    </p:bg>
+    <p:spTree>
+      <p:nvGrpSpPr>
+        <p:cNvPr id="1" name=""/>
+        <p:cNvGrpSpPr/>
+        <p:nvPr/>
+      </p:nvGrpSpPr>
+      <p:grpSpPr>
+        <a:xfrm>
+          <a:off x="0" y="0"/>
+          <a:ext cx="0" cy="0"/>
+          <a:chOff x="0" y="0"/>
+          <a:chExt cx="0" cy="0"/>
+        </a:xfrm>
+      </p:grpSpPr>
+      <p:sp>
+        <p:nvSpPr>
+          <p:cNvPr id="2" name="Title 1">
+            <a:extLst>
+              <a:ext uri="{FF2B5EF4-FFF2-40B4-BE49-F238E27FC236}">
+                <a16:creationId xmlns:a16="http://schemas.microsoft.com/office/drawing/2014/main" id="{84263A08-B359-4C08-A673-AB4462BD7596}"/>
+              </a:ext>
+            </a:extLst>
+          </p:cNvPr>
+          <p:cNvSpPr>
+            <a:spLocks noGrp="1"/>
+          </p:cNvSpPr>
+          <p:nvPr>
+            <p:ph type="title"/>
+          </p:nvPr>
+        </p:nvSpPr>
+        <p:spPr>
+          <a:xfrm>
+            <a:off x="6413111" y="640081"/>
+            <a:ext cx="5138808" cy="3352473"/>
+          </a:xfrm>
+          <a:noFill/>
+        </p:spPr>
+        <p:txBody>
+          <a:bodyPr vert="horz" lIns="91440" tIns="45720" rIns="91440" bIns="45720" rtlCol="0" anchor="b">
+            <a:normAutofit/>
+          </a:bodyPr>
+          <a:lstStyle/>
+          <a:p>
+            <a:pPr algn="ctr"/>
+            <a:r>
+              <a:rPr lang="en-US" kern="1200">
+                <a:solidFill>
+                  <a:schemeClr val="tx1"/>
+                </a:solidFill>
+                <a:latin typeface="+mj-lt"/>
+                <a:ea typeface="+mj-ea"/>
+                <a:cs typeface="+mj-cs"/>
+              </a:rPr>
+              <a:t>IBM Sterling OMS v10 CICD</a:t>
+            </a:r>
+          </a:p>
+        </p:txBody>
+      </p:sp>
+      <p:sp>
+        <p:nvSpPr>
+          <p:cNvPr id="3" name="Text Placeholder 2">
+            <a:extLst>
+              <a:ext uri="{FF2B5EF4-FFF2-40B4-BE49-F238E27FC236}">
+                <a16:creationId xmlns:a16="http://schemas.microsoft.com/office/drawing/2014/main" id="{6052F65D-0F72-471F-99F3-84DD1E8F7B16}"/>
+              </a:ext>
+            </a:extLst>
+          </p:cNvPr>
+          <p:cNvSpPr>
+            <a:spLocks noGrp="1"/>
+          </p:cNvSpPr>
+          <p:nvPr>
+            <p:ph type="body" idx="1"/>
+          </p:nvPr>
+        </p:nvSpPr>
+        <p:spPr>
+          <a:xfrm>
+            <a:off x="6413110" y="4157147"/>
+            <a:ext cx="5138809" cy="2060774"/>
+          </a:xfrm>
+          <a:noFill/>
+        </p:spPr>
+        <p:txBody>
+          <a:bodyPr vert="horz" lIns="91440" tIns="45720" rIns="91440" bIns="45720" rtlCol="0">
+            <a:normAutofit/>
+          </a:bodyPr>
+          <a:lstStyle/>
+          <a:p>
+            <a:pPr algn="ctr"/>
+            <a:r>
+              <a:rPr lang="en-US" kern="1200">
+                <a:solidFill>
+                  <a:schemeClr val="tx1"/>
+                </a:solidFill>
+                <a:latin typeface="+mn-lt"/>
+                <a:ea typeface="+mn-ea"/>
+                <a:cs typeface="+mn-cs"/>
+              </a:rPr>
+              <a:t>Implementation Strategy on Red Hat OpenShift</a:t>
+            </a:r>
+          </a:p>
+        </p:txBody>
+      </p:sp>
+      <p:sp>
+        <p:nvSpPr>
+          <p:cNvPr id="10" name="Rectangle 9">
+            <a:extLst>
+              <a:ext uri="{FF2B5EF4-FFF2-40B4-BE49-F238E27FC236}">
+                <a16:creationId xmlns:a16="http://schemas.microsoft.com/office/drawing/2014/main" id="{4913D8DA-B72B-46FB-9E5D-656A0EB0A476}"/>
+              </a:ext>
+              <a:ext uri="{C183D7F6-B498-43B3-948B-1728B52AA6E4}">
+                <adec:decorative xmlns:adec="http://schemas.microsoft.com/office/drawing/2017/decorative" val="1"/>
+              </a:ext>
+            </a:extLst>
+          </p:cNvPr>
+          <p:cNvSpPr>
+            <a:spLocks noGrp="1" noRot="1" noChangeAspect="1" noMove="1" noResize="1" noEditPoints="1" noAdjustHandles="1" noChangeArrowheads="1" noChangeShapeType="1" noTextEdit="1"/>
+          </p:cNvSpPr>
+          <p:nvPr>
+            <p:extLst>
+              <p:ext uri="{386F3935-93C4-4BCD-93E2-E3B085C9AB24}">
+                <p16:designElem xmlns:p16="http://schemas.microsoft.com/office/powerpoint/2015/main" val="1"/>
+              </p:ext>
+            </p:extLst>
+          </p:nvPr>
+        </p:nvSpPr>
+        <p:spPr>
+          <a:xfrm>
+            <a:off x="-2" y="-1"/>
+            <a:ext cx="6107584" cy="6861717"/>
+          </a:xfrm>
+          <a:prstGeom prst="rect">
+            <a:avLst/>
+          </a:prstGeom>
+          <a:solidFill>
+            <a:srgbClr val="C8CACA"/>
+          </a:solidFill>
+          <a:ln>
+            <a:noFill/>
+          </a:ln>
+        </p:spPr>
+        <p:style>
+          <a:lnRef idx="2">
+            <a:schemeClr val="accent1">
+              <a:shade val="50000"/>
+            </a:schemeClr>
+          </a:lnRef>
+          <a:fillRef idx="1">
+            <a:schemeClr val="accent1"/>
+          </a:fillRef>
+          <a:effectRef idx="0">
+            <a:schemeClr val="accent1"/>
+          </a:effectRef>
+          <a:fontRef idx="minor">
+            <a:schemeClr val="lt1"/>
+          </a:fontRef>
+        </p:style>
+        <p:txBody>
+          <a:bodyPr rtlCol="0" anchor="ctr"/>
+          <a:lstStyle/>
+          <a:p>
+            <a:pPr algn="ctr"/>
+            <a:endParaRPr lang="en-US"/>
+          </a:p>
+        </p:txBody>
+      </p:sp>
+      <p:sp>
+        <p:nvSpPr>
+          <p:cNvPr id="12" name="Rounded Rectangle 26">
+            <a:extLst>
+              <a:ext uri="{FF2B5EF4-FFF2-40B4-BE49-F238E27FC236}">
+                <a16:creationId xmlns:a16="http://schemas.microsoft.com/office/drawing/2014/main" id="{63CDDC8E-3FD0-4545-A664-7661835B4586}"/>
+              </a:ext>
+              <a:ext uri="{C183D7F6-B498-43B3-948B-1728B52AA6E4}">
+                <adec:decorative xmlns:adec="http://schemas.microsoft.com/office/drawing/2017/decorative" val="1"/>
+              </a:ext>
+            </a:extLst>
+          </p:cNvPr>
+          <p:cNvSpPr>
+            <a:spLocks noGrp="1" noRot="1" noChangeAspect="1" noMove="1" noResize="1" noEditPoints="1" noAdjustHandles="1" noChangeArrowheads="1" noChangeShapeType="1" noTextEdit="1"/>
+          </p:cNvSpPr>
+          <p:nvPr>
+            <p:extLst>
+              <p:ext uri="{386F3935-93C4-4BCD-93E2-E3B085C9AB24}">
+                <p16:designElem xmlns:p16="http://schemas.microsoft.com/office/powerpoint/2015/main" val="1"/>
+              </p:ext>
+            </p:extLst>
+          </p:nvPr>
+        </p:nvSpPr>
+        <p:spPr>
+          <a:xfrm>
+            <a:off x="646745" y="640080"/>
+            <a:ext cx="4809175" cy="5577818"/>
+          </a:xfrm>
+          <a:prstGeom prst="roundRect">
+            <a:avLst>
+              <a:gd name="adj" fmla="val 0"/>
+            </a:avLst>
+          </a:prstGeom>
+          <a:solidFill>
+            <a:srgbClr val="FFFFFF"/>
+          </a:solidFill>
+          <a:ln w="9525">
+            <a:solidFill>
+              <a:srgbClr val="C8CACA"/>
+            </a:solidFill>
+          </a:ln>
+          <a:effectLst>
+            <a:outerShdw blurRad="57150" dist="19050" dir="5400000" algn="t" rotWithShape="0">
+              <a:prstClr val="black">
+                <a:alpha val="63000"/>
+              </a:prstClr>
+            </a:outerShdw>
+          </a:effectLst>
+        </p:spPr>
+        <p:style>
+          <a:lnRef idx="2">
+            <a:schemeClr val="accent1">
+              <a:shade val="50000"/>
+            </a:schemeClr>
+          </a:lnRef>
+          <a:fillRef idx="1">
+            <a:schemeClr val="accent1"/>
+          </a:fillRef>
+          <a:effectRef idx="0">
+            <a:schemeClr val="accent1"/>
+          </a:effectRef>
+          <a:fontRef idx="minor">
+            <a:schemeClr val="lt1"/>
+          </a:fontRef>
+        </p:style>
+        <p:txBody>
+          <a:bodyPr rtlCol="0" anchor="ctr"/>
+          <a:lstStyle/>
+          <a:p>
+            <a:pPr algn="ctr"/>
+            <a:endParaRPr lang="en-US"/>
+          </a:p>
+        </p:txBody>
+      </p:sp>
+      <p:pic>
+        <p:nvPicPr>
+          <p:cNvPr id="7" name="Graphic 6" descr="TouchScreen">
+            <a:extLst>
+              <a:ext uri="{FF2B5EF4-FFF2-40B4-BE49-F238E27FC236}">
+                <a16:creationId xmlns:a16="http://schemas.microsoft.com/office/drawing/2014/main" id="{DE6AE0D6-BD08-453F-BA04-ADEE64EDFE8D}"/>
+              </a:ext>
+            </a:extLst>
+          </p:cNvPr>
+          <p:cNvPicPr>
+            <a:picLocks noChangeAspect="1"/>
+          </p:cNvPicPr>
+          <p:nvPr/>
+        </p:nvPicPr>
+        <p:blipFill>
+          <a:blip r:embed="rId2">
+            <a:extLst>
+              <a:ext uri="{28A0092B-C50C-407E-A947-70E740481C1C}">
+                <a14:useLocalDpi xmlns:a14="http://schemas.microsoft.com/office/drawing/2010/main" val="0"/>
+              </a:ext>
+              <a:ext uri="{96DAC541-7B7A-43D3-8B79-37D633B846F1}">
+                <asvg:svgBlip xmlns:asvg="http://schemas.microsoft.com/office/drawing/2016/SVG/main" r:embed="rId3"/>
+              </a:ext>
+            </a:extLst>
+          </a:blip>
+          <a:stretch>
+            <a:fillRect/>
+          </a:stretch>
+        </p:blipFill>
+        <p:spPr>
+          <a:xfrm>
+            <a:off x="966500" y="1344157"/>
+            <a:ext cx="4169664" cy="4169664"/>
+          </a:xfrm>
+          <a:prstGeom prst="rect">
+            <a:avLst/>
+          </a:prstGeom>
+          <a:effectLst/>
+        </p:spPr>
+      </p:pic>
+    </p:spTree>
+    <p:extLst>
+      <p:ext uri="{BB962C8B-B14F-4D97-AF65-F5344CB8AC3E}">
+        <p14:creationId xmlns:p14="http://schemas.microsoft.com/office/powerpoint/2010/main" val="2458208281"/>
+      </p:ext>
+    </p:extLst>
+  </p:cSld>
+  <p:clrMapOvr>
+    <a:masterClrMapping/>
+  </p:clrMapOvr>
+</p:sld>
+</file>
+
+<file path=ppt/slides/slide12.xml><?xml version="1.0" encoding="utf-8"?>
 <p:sld xmlns:a="http://schemas.openxmlformats.org/drawingml/2006/main" xmlns:r="http://schemas.openxmlformats.org/officeDocument/2006/relationships" xmlns:p="http://schemas.openxmlformats.org/presentationml/2006/main">
   <p:cSld>
     <p:spTree>
@@ -10232,7 +13061,7 @@
 </p:sld>
 </file>
 
-<file path=ppt/slides/slide12.xml><?xml version="1.0" encoding="utf-8"?>
+<file path=ppt/slides/slide13.xml><?xml version="1.0" encoding="utf-8"?>
 <p:sld xmlns:a="http://schemas.openxmlformats.org/drawingml/2006/main" xmlns:r="http://schemas.openxmlformats.org/officeDocument/2006/relationships" xmlns:p="http://schemas.openxmlformats.org/presentationml/2006/main">
   <p:cSld>
     <p:spTree>
@@ -10546,7 +13375,7 @@
 </p:sld>
 </file>
 
-<file path=ppt/slides/slide13.xml><?xml version="1.0" encoding="utf-8"?>
+<file path=ppt/slides/slide14.xml><?xml version="1.0" encoding="utf-8"?>
 <p:sld xmlns:a="http://schemas.openxmlformats.org/drawingml/2006/main" xmlns:r="http://schemas.openxmlformats.org/officeDocument/2006/relationships" xmlns:p="http://schemas.openxmlformats.org/presentationml/2006/main">
   <p:cSld>
     <p:spTree>
@@ -10896,7 +13725,7 @@
 </p:sld>
 </file>
 
-<file path=ppt/slides/slide14.xml><?xml version="1.0" encoding="utf-8"?>
+<file path=ppt/slides/slide15.xml><?xml version="1.0" encoding="utf-8"?>
 <p:sld xmlns:a="http://schemas.openxmlformats.org/drawingml/2006/main" xmlns:r="http://schemas.openxmlformats.org/officeDocument/2006/relationships" xmlns:p="http://schemas.openxmlformats.org/presentationml/2006/main">
   <p:cSld>
     <p:spTree>
@@ -11256,235 +14085,6 @@
     <p:extLst>
       <p:ext uri="{BB962C8B-B14F-4D97-AF65-F5344CB8AC3E}">
         <p14:creationId xmlns:p14="http://schemas.microsoft.com/office/powerpoint/2010/main" val="3827294075"/>
-      </p:ext>
-    </p:extLst>
-  </p:cSld>
-  <p:clrMapOvr>
-    <a:masterClrMapping/>
-  </p:clrMapOvr>
-</p:sld>
-</file>
-
-<file path=ppt/slides/slide15.xml><?xml version="1.0" encoding="utf-8"?>
-<p:sld xmlns:a="http://schemas.openxmlformats.org/drawingml/2006/main" xmlns:r="http://schemas.openxmlformats.org/officeDocument/2006/relationships" xmlns:p="http://schemas.openxmlformats.org/presentationml/2006/main">
-  <p:cSld>
-    <p:spTree>
-      <p:nvGrpSpPr>
-        <p:cNvPr id="1" name=""/>
-        <p:cNvGrpSpPr/>
-        <p:nvPr/>
-      </p:nvGrpSpPr>
-      <p:grpSpPr>
-        <a:xfrm>
-          <a:off x="0" y="0"/>
-          <a:ext cx="0" cy="0"/>
-          <a:chOff x="0" y="0"/>
-          <a:chExt cx="0" cy="0"/>
-        </a:xfrm>
-      </p:grpSpPr>
-      <p:sp>
-        <p:nvSpPr>
-          <p:cNvPr id="14" name="Subtitle 2">
-            <a:extLst>
-              <a:ext uri="{FF2B5EF4-FFF2-40B4-BE49-F238E27FC236}">
-                <a16:creationId xmlns:a16="http://schemas.microsoft.com/office/drawing/2014/main" id="{19C9A025-D051-4490-B302-322C35897B7D}"/>
-              </a:ext>
-            </a:extLst>
-          </p:cNvPr>
-          <p:cNvSpPr txBox="1">
-            <a:spLocks/>
-          </p:cNvSpPr>
-          <p:nvPr/>
-        </p:nvSpPr>
-        <p:spPr>
-          <a:xfrm>
-            <a:off x="424116" y="1853167"/>
-            <a:ext cx="10104801" cy="2212805"/>
-          </a:xfrm>
-          <a:prstGeom prst="rect">
-            <a:avLst/>
-          </a:prstGeom>
-        </p:spPr>
-        <p:txBody>
-          <a:bodyPr vert="horz" lIns="91440" tIns="45720" rIns="91440" bIns="45720" rtlCol="0" anchor="ctr">
-            <a:normAutofit/>
-          </a:bodyPr>
-          <a:lstStyle>
-            <a:lvl1pPr marL="0" indent="0" algn="ctr" defTabSz="914400" rtl="0" eaLnBrk="1" latinLnBrk="0" hangingPunct="1">
-              <a:lnSpc>
-                <a:spcPct val="90000"/>
-              </a:lnSpc>
-              <a:spcBef>
-                <a:spcPts val="1000"/>
-              </a:spcBef>
-              <a:buFont typeface="Arial" panose="020B0604020202020204" pitchFamily="34" charset="0"/>
-              <a:buNone/>
-              <a:defRPr sz="2400" kern="1200">
-                <a:solidFill>
-                  <a:schemeClr val="tx1"/>
-                </a:solidFill>
-                <a:latin typeface="+mn-lt"/>
-                <a:ea typeface="+mn-ea"/>
-                <a:cs typeface="+mn-cs"/>
-              </a:defRPr>
-            </a:lvl1pPr>
-            <a:lvl2pPr marL="457200" indent="0" algn="ctr" defTabSz="914400" rtl="0" eaLnBrk="1" latinLnBrk="0" hangingPunct="1">
-              <a:lnSpc>
-                <a:spcPct val="90000"/>
-              </a:lnSpc>
-              <a:spcBef>
-                <a:spcPts val="500"/>
-              </a:spcBef>
-              <a:buFont typeface="Arial" panose="020B0604020202020204" pitchFamily="34" charset="0"/>
-              <a:buNone/>
-              <a:defRPr sz="2000" kern="1200">
-                <a:solidFill>
-                  <a:schemeClr val="tx1"/>
-                </a:solidFill>
-                <a:latin typeface="+mn-lt"/>
-                <a:ea typeface="+mn-ea"/>
-                <a:cs typeface="+mn-cs"/>
-              </a:defRPr>
-            </a:lvl2pPr>
-            <a:lvl3pPr marL="914400" indent="0" algn="ctr" defTabSz="914400" rtl="0" eaLnBrk="1" latinLnBrk="0" hangingPunct="1">
-              <a:lnSpc>
-                <a:spcPct val="90000"/>
-              </a:lnSpc>
-              <a:spcBef>
-                <a:spcPts val="500"/>
-              </a:spcBef>
-              <a:buFont typeface="Arial" panose="020B0604020202020204" pitchFamily="34" charset="0"/>
-              <a:buNone/>
-              <a:defRPr sz="1800" kern="1200">
-                <a:solidFill>
-                  <a:schemeClr val="tx1"/>
-                </a:solidFill>
-                <a:latin typeface="+mn-lt"/>
-                <a:ea typeface="+mn-ea"/>
-                <a:cs typeface="+mn-cs"/>
-              </a:defRPr>
-            </a:lvl3pPr>
-            <a:lvl4pPr marL="1371600" indent="0" algn="ctr" defTabSz="914400" rtl="0" eaLnBrk="1" latinLnBrk="0" hangingPunct="1">
-              <a:lnSpc>
-                <a:spcPct val="90000"/>
-              </a:lnSpc>
-              <a:spcBef>
-                <a:spcPts val="500"/>
-              </a:spcBef>
-              <a:buFont typeface="Arial" panose="020B0604020202020204" pitchFamily="34" charset="0"/>
-              <a:buNone/>
-              <a:defRPr sz="1600" kern="1200">
-                <a:solidFill>
-                  <a:schemeClr val="tx1"/>
-                </a:solidFill>
-                <a:latin typeface="+mn-lt"/>
-                <a:ea typeface="+mn-ea"/>
-                <a:cs typeface="+mn-cs"/>
-              </a:defRPr>
-            </a:lvl4pPr>
-            <a:lvl5pPr marL="1828800" indent="0" algn="ctr" defTabSz="914400" rtl="0" eaLnBrk="1" latinLnBrk="0" hangingPunct="1">
-              <a:lnSpc>
-                <a:spcPct val="90000"/>
-              </a:lnSpc>
-              <a:spcBef>
-                <a:spcPts val="500"/>
-              </a:spcBef>
-              <a:buFont typeface="Arial" panose="020B0604020202020204" pitchFamily="34" charset="0"/>
-              <a:buNone/>
-              <a:defRPr sz="1600" kern="1200">
-                <a:solidFill>
-                  <a:schemeClr val="tx1"/>
-                </a:solidFill>
-                <a:latin typeface="+mn-lt"/>
-                <a:ea typeface="+mn-ea"/>
-                <a:cs typeface="+mn-cs"/>
-              </a:defRPr>
-            </a:lvl5pPr>
-            <a:lvl6pPr marL="2286000" indent="0" algn="ctr" defTabSz="914400" rtl="0" eaLnBrk="1" latinLnBrk="0" hangingPunct="1">
-              <a:lnSpc>
-                <a:spcPct val="90000"/>
-              </a:lnSpc>
-              <a:spcBef>
-                <a:spcPts val="500"/>
-              </a:spcBef>
-              <a:buFont typeface="Arial" panose="020B0604020202020204" pitchFamily="34" charset="0"/>
-              <a:buNone/>
-              <a:defRPr sz="1600" kern="1200">
-                <a:solidFill>
-                  <a:schemeClr val="tx1"/>
-                </a:solidFill>
-                <a:latin typeface="+mn-lt"/>
-                <a:ea typeface="+mn-ea"/>
-                <a:cs typeface="+mn-cs"/>
-              </a:defRPr>
-            </a:lvl6pPr>
-            <a:lvl7pPr marL="2743200" indent="0" algn="ctr" defTabSz="914400" rtl="0" eaLnBrk="1" latinLnBrk="0" hangingPunct="1">
-              <a:lnSpc>
-                <a:spcPct val="90000"/>
-              </a:lnSpc>
-              <a:spcBef>
-                <a:spcPts val="500"/>
-              </a:spcBef>
-              <a:buFont typeface="Arial" panose="020B0604020202020204" pitchFamily="34" charset="0"/>
-              <a:buNone/>
-              <a:defRPr sz="1600" kern="1200">
-                <a:solidFill>
-                  <a:schemeClr val="tx1"/>
-                </a:solidFill>
-                <a:latin typeface="+mn-lt"/>
-                <a:ea typeface="+mn-ea"/>
-                <a:cs typeface="+mn-cs"/>
-              </a:defRPr>
-            </a:lvl7pPr>
-            <a:lvl8pPr marL="3200400" indent="0" algn="ctr" defTabSz="914400" rtl="0" eaLnBrk="1" latinLnBrk="0" hangingPunct="1">
-              <a:lnSpc>
-                <a:spcPct val="90000"/>
-              </a:lnSpc>
-              <a:spcBef>
-                <a:spcPts val="500"/>
-              </a:spcBef>
-              <a:buFont typeface="Arial" panose="020B0604020202020204" pitchFamily="34" charset="0"/>
-              <a:buNone/>
-              <a:defRPr sz="1600" kern="1200">
-                <a:solidFill>
-                  <a:schemeClr val="tx1"/>
-                </a:solidFill>
-                <a:latin typeface="+mn-lt"/>
-                <a:ea typeface="+mn-ea"/>
-                <a:cs typeface="+mn-cs"/>
-              </a:defRPr>
-            </a:lvl8pPr>
-            <a:lvl9pPr marL="3657600" indent="0" algn="ctr" defTabSz="914400" rtl="0" eaLnBrk="1" latinLnBrk="0" hangingPunct="1">
-              <a:lnSpc>
-                <a:spcPct val="90000"/>
-              </a:lnSpc>
-              <a:spcBef>
-                <a:spcPts val="500"/>
-              </a:spcBef>
-              <a:buFont typeface="Arial" panose="020B0604020202020204" pitchFamily="34" charset="0"/>
-              <a:buNone/>
-              <a:defRPr sz="1600" kern="1200">
-                <a:solidFill>
-                  <a:schemeClr val="tx1"/>
-                </a:solidFill>
-                <a:latin typeface="+mn-lt"/>
-                <a:ea typeface="+mn-ea"/>
-                <a:cs typeface="+mn-cs"/>
-              </a:defRPr>
-            </a:lvl9pPr>
-          </a:lstStyle>
-          <a:p>
-            <a:r>
-              <a:rPr lang="en-US" sz="3600" dirty="0"/>
-              <a:t>Questions</a:t>
-            </a:r>
-          </a:p>
-        </p:txBody>
-      </p:sp>
-    </p:spTree>
-    <p:extLst>
-      <p:ext uri="{BB962C8B-B14F-4D97-AF65-F5344CB8AC3E}">
-        <p14:creationId xmlns:p14="http://schemas.microsoft.com/office/powerpoint/2010/main" val="986072912"/>
       </p:ext>
     </p:extLst>
   </p:cSld>
@@ -11705,7 +14305,7 @@
           <a:p>
             <a:r>
               <a:rPr lang="en-US" sz="3600" dirty="0"/>
-              <a:t>Thank You</a:t>
+              <a:t>Questions</a:t>
             </a:r>
           </a:p>
         </p:txBody>
@@ -11713,7 +14313,7 @@
     </p:spTree>
     <p:extLst>
       <p:ext uri="{BB962C8B-B14F-4D97-AF65-F5344CB8AC3E}">
-        <p14:creationId xmlns:p14="http://schemas.microsoft.com/office/powerpoint/2010/main" val="25881944"/>
+        <p14:creationId xmlns:p14="http://schemas.microsoft.com/office/powerpoint/2010/main" val="986072912"/>
       </p:ext>
     </p:extLst>
   </p:cSld>
@@ -11723,306 +14323,7 @@
 </p:sld>
 </file>
 
-<file path=ppt/slides/slide2.xml><?xml version="1.0" encoding="utf-8"?>
-<p:sld xmlns:a="http://schemas.openxmlformats.org/drawingml/2006/main" xmlns:r="http://schemas.openxmlformats.org/officeDocument/2006/relationships" xmlns:p="http://schemas.openxmlformats.org/presentationml/2006/main">
-  <p:cSld>
-    <p:spTree>
-      <p:nvGrpSpPr>
-        <p:cNvPr id="1" name=""/>
-        <p:cNvGrpSpPr/>
-        <p:nvPr/>
-      </p:nvGrpSpPr>
-      <p:grpSpPr>
-        <a:xfrm>
-          <a:off x="0" y="0"/>
-          <a:ext cx="0" cy="0"/>
-          <a:chOff x="0" y="0"/>
-          <a:chExt cx="0" cy="0"/>
-        </a:xfrm>
-      </p:grpSpPr>
-      <p:sp>
-        <p:nvSpPr>
-          <p:cNvPr id="5" name="Subtitle 4">
-            <a:extLst>
-              <a:ext uri="{FF2B5EF4-FFF2-40B4-BE49-F238E27FC236}">
-                <a16:creationId xmlns:a16="http://schemas.microsoft.com/office/drawing/2014/main" id="{34F51111-1354-4450-BC98-F2D6EF4A248E}"/>
-              </a:ext>
-            </a:extLst>
-          </p:cNvPr>
-          <p:cNvSpPr>
-            <a:spLocks noGrp="1"/>
-          </p:cNvSpPr>
-          <p:nvPr>
-            <p:ph type="subTitle" idx="1"/>
-          </p:nvPr>
-        </p:nvSpPr>
-        <p:spPr>
-          <a:xfrm>
-            <a:off x="511946" y="459343"/>
-            <a:ext cx="9144000" cy="1094249"/>
-          </a:xfrm>
-        </p:spPr>
-        <p:txBody>
-          <a:bodyPr/>
-          <a:lstStyle/>
-          <a:p>
-            <a:pPr algn="l"/>
-            <a:r>
-              <a:rPr lang="en-US" sz="3200" dirty="0">
-                <a:latin typeface="+mj-lt"/>
-                <a:ea typeface="+mj-ea"/>
-                <a:cs typeface="+mj-cs"/>
-              </a:rPr>
-              <a:t>Agenda Topics</a:t>
-            </a:r>
-          </a:p>
-          <a:p>
-            <a:pPr algn="l"/>
-            <a:endParaRPr lang="en-US" dirty="0"/>
-          </a:p>
-        </p:txBody>
-      </p:sp>
-      <p:sp>
-        <p:nvSpPr>
-          <p:cNvPr id="14" name="Subtitle 2">
-            <a:extLst>
-              <a:ext uri="{FF2B5EF4-FFF2-40B4-BE49-F238E27FC236}">
-                <a16:creationId xmlns:a16="http://schemas.microsoft.com/office/drawing/2014/main" id="{19C9A025-D051-4490-B302-322C35897B7D}"/>
-              </a:ext>
-            </a:extLst>
-          </p:cNvPr>
-          <p:cNvSpPr txBox="1">
-            <a:spLocks/>
-          </p:cNvSpPr>
-          <p:nvPr/>
-        </p:nvSpPr>
-        <p:spPr>
-          <a:xfrm>
-            <a:off x="424116" y="1853167"/>
-            <a:ext cx="10104801" cy="2212805"/>
-          </a:xfrm>
-          <a:prstGeom prst="rect">
-            <a:avLst/>
-          </a:prstGeom>
-        </p:spPr>
-        <p:txBody>
-          <a:bodyPr vert="horz" lIns="91440" tIns="45720" rIns="91440" bIns="45720" rtlCol="0" anchor="ctr">
-            <a:normAutofit fontScale="92500" lnSpcReduction="10000"/>
-          </a:bodyPr>
-          <a:lstStyle>
-            <a:lvl1pPr marL="0" indent="0" algn="ctr" defTabSz="914400" rtl="0" eaLnBrk="1" latinLnBrk="0" hangingPunct="1">
-              <a:lnSpc>
-                <a:spcPct val="90000"/>
-              </a:lnSpc>
-              <a:spcBef>
-                <a:spcPts val="1000"/>
-              </a:spcBef>
-              <a:buFont typeface="Arial" panose="020B0604020202020204" pitchFamily="34" charset="0"/>
-              <a:buNone/>
-              <a:defRPr sz="2400" kern="1200">
-                <a:solidFill>
-                  <a:schemeClr val="tx1"/>
-                </a:solidFill>
-                <a:latin typeface="+mn-lt"/>
-                <a:ea typeface="+mn-ea"/>
-                <a:cs typeface="+mn-cs"/>
-              </a:defRPr>
-            </a:lvl1pPr>
-            <a:lvl2pPr marL="457200" indent="0" algn="ctr" defTabSz="914400" rtl="0" eaLnBrk="1" latinLnBrk="0" hangingPunct="1">
-              <a:lnSpc>
-                <a:spcPct val="90000"/>
-              </a:lnSpc>
-              <a:spcBef>
-                <a:spcPts val="500"/>
-              </a:spcBef>
-              <a:buFont typeface="Arial" panose="020B0604020202020204" pitchFamily="34" charset="0"/>
-              <a:buNone/>
-              <a:defRPr sz="2000" kern="1200">
-                <a:solidFill>
-                  <a:schemeClr val="tx1"/>
-                </a:solidFill>
-                <a:latin typeface="+mn-lt"/>
-                <a:ea typeface="+mn-ea"/>
-                <a:cs typeface="+mn-cs"/>
-              </a:defRPr>
-            </a:lvl2pPr>
-            <a:lvl3pPr marL="914400" indent="0" algn="ctr" defTabSz="914400" rtl="0" eaLnBrk="1" latinLnBrk="0" hangingPunct="1">
-              <a:lnSpc>
-                <a:spcPct val="90000"/>
-              </a:lnSpc>
-              <a:spcBef>
-                <a:spcPts val="500"/>
-              </a:spcBef>
-              <a:buFont typeface="Arial" panose="020B0604020202020204" pitchFamily="34" charset="0"/>
-              <a:buNone/>
-              <a:defRPr sz="1800" kern="1200">
-                <a:solidFill>
-                  <a:schemeClr val="tx1"/>
-                </a:solidFill>
-                <a:latin typeface="+mn-lt"/>
-                <a:ea typeface="+mn-ea"/>
-                <a:cs typeface="+mn-cs"/>
-              </a:defRPr>
-            </a:lvl3pPr>
-            <a:lvl4pPr marL="1371600" indent="0" algn="ctr" defTabSz="914400" rtl="0" eaLnBrk="1" latinLnBrk="0" hangingPunct="1">
-              <a:lnSpc>
-                <a:spcPct val="90000"/>
-              </a:lnSpc>
-              <a:spcBef>
-                <a:spcPts val="500"/>
-              </a:spcBef>
-              <a:buFont typeface="Arial" panose="020B0604020202020204" pitchFamily="34" charset="0"/>
-              <a:buNone/>
-              <a:defRPr sz="1600" kern="1200">
-                <a:solidFill>
-                  <a:schemeClr val="tx1"/>
-                </a:solidFill>
-                <a:latin typeface="+mn-lt"/>
-                <a:ea typeface="+mn-ea"/>
-                <a:cs typeface="+mn-cs"/>
-              </a:defRPr>
-            </a:lvl4pPr>
-            <a:lvl5pPr marL="1828800" indent="0" algn="ctr" defTabSz="914400" rtl="0" eaLnBrk="1" latinLnBrk="0" hangingPunct="1">
-              <a:lnSpc>
-                <a:spcPct val="90000"/>
-              </a:lnSpc>
-              <a:spcBef>
-                <a:spcPts val="500"/>
-              </a:spcBef>
-              <a:buFont typeface="Arial" panose="020B0604020202020204" pitchFamily="34" charset="0"/>
-              <a:buNone/>
-              <a:defRPr sz="1600" kern="1200">
-                <a:solidFill>
-                  <a:schemeClr val="tx1"/>
-                </a:solidFill>
-                <a:latin typeface="+mn-lt"/>
-                <a:ea typeface="+mn-ea"/>
-                <a:cs typeface="+mn-cs"/>
-              </a:defRPr>
-            </a:lvl5pPr>
-            <a:lvl6pPr marL="2286000" indent="0" algn="ctr" defTabSz="914400" rtl="0" eaLnBrk="1" latinLnBrk="0" hangingPunct="1">
-              <a:lnSpc>
-                <a:spcPct val="90000"/>
-              </a:lnSpc>
-              <a:spcBef>
-                <a:spcPts val="500"/>
-              </a:spcBef>
-              <a:buFont typeface="Arial" panose="020B0604020202020204" pitchFamily="34" charset="0"/>
-              <a:buNone/>
-              <a:defRPr sz="1600" kern="1200">
-                <a:solidFill>
-                  <a:schemeClr val="tx1"/>
-                </a:solidFill>
-                <a:latin typeface="+mn-lt"/>
-                <a:ea typeface="+mn-ea"/>
-                <a:cs typeface="+mn-cs"/>
-              </a:defRPr>
-            </a:lvl6pPr>
-            <a:lvl7pPr marL="2743200" indent="0" algn="ctr" defTabSz="914400" rtl="0" eaLnBrk="1" latinLnBrk="0" hangingPunct="1">
-              <a:lnSpc>
-                <a:spcPct val="90000"/>
-              </a:lnSpc>
-              <a:spcBef>
-                <a:spcPts val="500"/>
-              </a:spcBef>
-              <a:buFont typeface="Arial" panose="020B0604020202020204" pitchFamily="34" charset="0"/>
-              <a:buNone/>
-              <a:defRPr sz="1600" kern="1200">
-                <a:solidFill>
-                  <a:schemeClr val="tx1"/>
-                </a:solidFill>
-                <a:latin typeface="+mn-lt"/>
-                <a:ea typeface="+mn-ea"/>
-                <a:cs typeface="+mn-cs"/>
-              </a:defRPr>
-            </a:lvl7pPr>
-            <a:lvl8pPr marL="3200400" indent="0" algn="ctr" defTabSz="914400" rtl="0" eaLnBrk="1" latinLnBrk="0" hangingPunct="1">
-              <a:lnSpc>
-                <a:spcPct val="90000"/>
-              </a:lnSpc>
-              <a:spcBef>
-                <a:spcPts val="500"/>
-              </a:spcBef>
-              <a:buFont typeface="Arial" panose="020B0604020202020204" pitchFamily="34" charset="0"/>
-              <a:buNone/>
-              <a:defRPr sz="1600" kern="1200">
-                <a:solidFill>
-                  <a:schemeClr val="tx1"/>
-                </a:solidFill>
-                <a:latin typeface="+mn-lt"/>
-                <a:ea typeface="+mn-ea"/>
-                <a:cs typeface="+mn-cs"/>
-              </a:defRPr>
-            </a:lvl8pPr>
-            <a:lvl9pPr marL="3657600" indent="0" algn="ctr" defTabSz="914400" rtl="0" eaLnBrk="1" latinLnBrk="0" hangingPunct="1">
-              <a:lnSpc>
-                <a:spcPct val="90000"/>
-              </a:lnSpc>
-              <a:spcBef>
-                <a:spcPts val="500"/>
-              </a:spcBef>
-              <a:buFont typeface="Arial" panose="020B0604020202020204" pitchFamily="34" charset="0"/>
-              <a:buNone/>
-              <a:defRPr sz="1600" kern="1200">
-                <a:solidFill>
-                  <a:schemeClr val="tx1"/>
-                </a:solidFill>
-                <a:latin typeface="+mn-lt"/>
-                <a:ea typeface="+mn-ea"/>
-                <a:cs typeface="+mn-cs"/>
-              </a:defRPr>
-            </a:lvl9pPr>
-          </a:lstStyle>
-          <a:p>
-            <a:pPr marL="342900" indent="-342900" algn="l">
-              <a:buFont typeface="Arial" panose="020B0604020202020204" pitchFamily="34" charset="0"/>
-              <a:buChar char="•"/>
-            </a:pPr>
-            <a:r>
-              <a:rPr lang="en-US" sz="3200" dirty="0"/>
-              <a:t>IBM Sterling OMS v10 CICD – Runtime deployment landscape on Redhat OpenShift</a:t>
-            </a:r>
-          </a:p>
-          <a:p>
-            <a:pPr marL="342900" indent="-342900" algn="l">
-              <a:buFont typeface="Arial" panose="020B0604020202020204" pitchFamily="34" charset="0"/>
-              <a:buChar char="•"/>
-            </a:pPr>
-            <a:endParaRPr lang="en-US" sz="3200" dirty="0"/>
-          </a:p>
-          <a:p>
-            <a:pPr marL="342900" indent="-342900" algn="l">
-              <a:buFont typeface="Arial" panose="020B0604020202020204" pitchFamily="34" charset="0"/>
-              <a:buChar char="•"/>
-            </a:pPr>
-            <a:r>
-              <a:rPr lang="en-US" sz="3200" dirty="0"/>
-              <a:t>IBM Sterling OMS v10 CICD  - Strategies to implement in Redhat OpenShift</a:t>
-            </a:r>
-          </a:p>
-          <a:p>
-            <a:pPr marL="342900" indent="-342900" algn="l">
-              <a:buFont typeface="Arial" panose="020B0604020202020204" pitchFamily="34" charset="0"/>
-              <a:buChar char="•"/>
-            </a:pPr>
-            <a:endParaRPr lang="en-US" dirty="0"/>
-          </a:p>
-        </p:txBody>
-      </p:sp>
-    </p:spTree>
-    <p:extLst>
-      <p:ext uri="{BB962C8B-B14F-4D97-AF65-F5344CB8AC3E}">
-        <p14:creationId xmlns:p14="http://schemas.microsoft.com/office/powerpoint/2010/main" val="1424575613"/>
-      </p:ext>
-    </p:extLst>
-  </p:cSld>
-  <p:clrMapOvr>
-    <a:masterClrMapping/>
-  </p:clrMapOvr>
-</p:sld>
-</file>
-
-<file path=ppt/slides/slide3.xml><?xml version="1.0" encoding="utf-8"?>
+<file path=ppt/slides/slide17.xml><?xml version="1.0" encoding="utf-8"?>
 <p:sld xmlns:a="http://schemas.openxmlformats.org/drawingml/2006/main" xmlns:r="http://schemas.openxmlformats.org/officeDocument/2006/relationships" xmlns:p="http://schemas.openxmlformats.org/presentationml/2006/main">
   <p:cSld>
     <p:spTree>
@@ -12231,10 +14532,9 @@
             </a:lvl9pPr>
           </a:lstStyle>
           <a:p>
-            <a:pPr algn="l"/>
-            <a:r>
-              <a:rPr lang="en-US" sz="3200" dirty="0"/>
-              <a:t>IBM Sterling OMS v10 CICD – Runtime deployment landscape on Redhat OpenShift</a:t>
+            <a:r>
+              <a:rPr lang="en-US" sz="3600" dirty="0"/>
+              <a:t>Thank You</a:t>
             </a:r>
           </a:p>
         </p:txBody>
@@ -12242,12 +14542,1184 @@
     </p:spTree>
     <p:extLst>
       <p:ext uri="{BB962C8B-B14F-4D97-AF65-F5344CB8AC3E}">
-        <p14:creationId xmlns:p14="http://schemas.microsoft.com/office/powerpoint/2010/main" val="2738325595"/>
+        <p14:creationId xmlns:p14="http://schemas.microsoft.com/office/powerpoint/2010/main" val="25881944"/>
       </p:ext>
     </p:extLst>
   </p:cSld>
   <p:clrMapOvr>
     <a:masterClrMapping/>
+  </p:clrMapOvr>
+</p:sld>
+</file>
+
+<file path=ppt/slides/slide2.xml><?xml version="1.0" encoding="utf-8"?>
+<p:sld xmlns:a="http://schemas.openxmlformats.org/drawingml/2006/main" xmlns:r="http://schemas.openxmlformats.org/officeDocument/2006/relationships" xmlns:p="http://schemas.openxmlformats.org/presentationml/2006/main">
+  <p:cSld>
+    <p:bg>
+      <p:bgPr>
+        <a:solidFill>
+          <a:schemeClr val="bg1"/>
+        </a:solidFill>
+        <a:effectLst/>
+      </p:bgPr>
+    </p:bg>
+    <p:spTree>
+      <p:nvGrpSpPr>
+        <p:cNvPr id="1" name=""/>
+        <p:cNvGrpSpPr/>
+        <p:nvPr/>
+      </p:nvGrpSpPr>
+      <p:grpSpPr>
+        <a:xfrm>
+          <a:off x="0" y="0"/>
+          <a:ext cx="0" cy="0"/>
+          <a:chOff x="0" y="0"/>
+          <a:chExt cx="0" cy="0"/>
+        </a:xfrm>
+      </p:grpSpPr>
+      <p:sp>
+        <p:nvSpPr>
+          <p:cNvPr id="17" name="Freeform: Shape 16">
+            <a:extLst>
+              <a:ext uri="{FF2B5EF4-FFF2-40B4-BE49-F238E27FC236}">
+                <a16:creationId xmlns:a16="http://schemas.microsoft.com/office/drawing/2014/main" id="{46C2E80F-49A6-4372-B103-219D417A55ED}"/>
+              </a:ext>
+              <a:ext uri="{C183D7F6-B498-43B3-948B-1728B52AA6E4}">
+                <adec:decorative xmlns:adec="http://schemas.microsoft.com/office/drawing/2017/decorative" val="1"/>
+              </a:ext>
+            </a:extLst>
+          </p:cNvPr>
+          <p:cNvSpPr>
+            <a:spLocks noGrp="1" noRot="1" noChangeAspect="1" noMove="1" noResize="1" noEditPoints="1" noAdjustHandles="1" noChangeArrowheads="1" noChangeShapeType="1" noTextEdit="1"/>
+          </p:cNvSpPr>
+          <p:nvPr>
+            <p:extLst>
+              <p:ext uri="{386F3935-93C4-4BCD-93E2-E3B085C9AB24}">
+                <p16:designElem xmlns:p16="http://schemas.microsoft.com/office/powerpoint/2015/main" val="1"/>
+              </p:ext>
+            </p:extLst>
+          </p:nvPr>
+        </p:nvSpPr>
+        <p:spPr>
+          <a:xfrm>
+            <a:off x="484096" y="470925"/>
+            <a:ext cx="4381009" cy="5892104"/>
+          </a:xfrm>
+          <a:custGeom>
+            <a:avLst/>
+            <a:gdLst>
+              <a:gd name="connsiteX0" fmla="*/ 0 w 4381009"/>
+              <a:gd name="connsiteY0" fmla="*/ 0 h 5892104"/>
+              <a:gd name="connsiteX1" fmla="*/ 4157628 w 4381009"/>
+              <a:gd name="connsiteY1" fmla="*/ 0 h 5892104"/>
+              <a:gd name="connsiteX2" fmla="*/ 4169302 w 4381009"/>
+              <a:gd name="connsiteY2" fmla="*/ 68659 h 5892104"/>
+              <a:gd name="connsiteX3" fmla="*/ 4191571 w 4381009"/>
+              <a:gd name="connsiteY3" fmla="*/ 205472 h 5892104"/>
+              <a:gd name="connsiteX4" fmla="*/ 4213368 w 4381009"/>
+              <a:gd name="connsiteY4" fmla="*/ 342890 h 5892104"/>
+              <a:gd name="connsiteX5" fmla="*/ 4232030 w 4381009"/>
+              <a:gd name="connsiteY5" fmla="*/ 480913 h 5892104"/>
+              <a:gd name="connsiteX6" fmla="*/ 4250848 w 4381009"/>
+              <a:gd name="connsiteY6" fmla="*/ 618332 h 5892104"/>
+              <a:gd name="connsiteX7" fmla="*/ 4268412 w 4381009"/>
+              <a:gd name="connsiteY7" fmla="*/ 756355 h 5892104"/>
+              <a:gd name="connsiteX8" fmla="*/ 4283467 w 4381009"/>
+              <a:gd name="connsiteY8" fmla="*/ 892563 h 5892104"/>
+              <a:gd name="connsiteX9" fmla="*/ 4297737 w 4381009"/>
+              <a:gd name="connsiteY9" fmla="*/ 1030587 h 5892104"/>
+              <a:gd name="connsiteX10" fmla="*/ 4310754 w 4381009"/>
+              <a:gd name="connsiteY10" fmla="*/ 1168005 h 5892104"/>
+              <a:gd name="connsiteX11" fmla="*/ 4322045 w 4381009"/>
+              <a:gd name="connsiteY11" fmla="*/ 1303002 h 5892104"/>
+              <a:gd name="connsiteX12" fmla="*/ 4333336 w 4381009"/>
+              <a:gd name="connsiteY12" fmla="*/ 1439815 h 5892104"/>
+              <a:gd name="connsiteX13" fmla="*/ 4342745 w 4381009"/>
+              <a:gd name="connsiteY13" fmla="*/ 1574812 h 5892104"/>
+              <a:gd name="connsiteX14" fmla="*/ 4350115 w 4381009"/>
+              <a:gd name="connsiteY14" fmla="*/ 1709808 h 5892104"/>
+              <a:gd name="connsiteX15" fmla="*/ 4357799 w 4381009"/>
+              <a:gd name="connsiteY15" fmla="*/ 1844200 h 5892104"/>
+              <a:gd name="connsiteX16" fmla="*/ 4364229 w 4381009"/>
+              <a:gd name="connsiteY16" fmla="*/ 1977381 h 5892104"/>
+              <a:gd name="connsiteX17" fmla="*/ 4368777 w 4381009"/>
+              <a:gd name="connsiteY17" fmla="*/ 2109351 h 5892104"/>
+              <a:gd name="connsiteX18" fmla="*/ 4372697 w 4381009"/>
+              <a:gd name="connsiteY18" fmla="*/ 2241321 h 5892104"/>
+              <a:gd name="connsiteX19" fmla="*/ 4376461 w 4381009"/>
+              <a:gd name="connsiteY19" fmla="*/ 2372080 h 5892104"/>
+              <a:gd name="connsiteX20" fmla="*/ 4378186 w 4381009"/>
+              <a:gd name="connsiteY20" fmla="*/ 2501023 h 5892104"/>
+              <a:gd name="connsiteX21" fmla="*/ 4380068 w 4381009"/>
+              <a:gd name="connsiteY21" fmla="*/ 2629966 h 5892104"/>
+              <a:gd name="connsiteX22" fmla="*/ 4381009 w 4381009"/>
+              <a:gd name="connsiteY22" fmla="*/ 2757093 h 5892104"/>
+              <a:gd name="connsiteX23" fmla="*/ 4380068 w 4381009"/>
+              <a:gd name="connsiteY23" fmla="*/ 2883010 h 5892104"/>
+              <a:gd name="connsiteX24" fmla="*/ 4380068 w 4381009"/>
+              <a:gd name="connsiteY24" fmla="*/ 3007715 h 5892104"/>
+              <a:gd name="connsiteX25" fmla="*/ 4378186 w 4381009"/>
+              <a:gd name="connsiteY25" fmla="*/ 3131210 h 5892104"/>
+              <a:gd name="connsiteX26" fmla="*/ 4375363 w 4381009"/>
+              <a:gd name="connsiteY26" fmla="*/ 3252283 h 5892104"/>
+              <a:gd name="connsiteX27" fmla="*/ 4372697 w 4381009"/>
+              <a:gd name="connsiteY27" fmla="*/ 3372146 h 5892104"/>
+              <a:gd name="connsiteX28" fmla="*/ 4369718 w 4381009"/>
+              <a:gd name="connsiteY28" fmla="*/ 3489587 h 5892104"/>
+              <a:gd name="connsiteX29" fmla="*/ 4365170 w 4381009"/>
+              <a:gd name="connsiteY29" fmla="*/ 3606423 h 5892104"/>
+              <a:gd name="connsiteX30" fmla="*/ 4360309 w 4381009"/>
+              <a:gd name="connsiteY30" fmla="*/ 3721443 h 5892104"/>
+              <a:gd name="connsiteX31" fmla="*/ 4355918 w 4381009"/>
+              <a:gd name="connsiteY31" fmla="*/ 3834041 h 5892104"/>
+              <a:gd name="connsiteX32" fmla="*/ 4343529 w 4381009"/>
+              <a:gd name="connsiteY32" fmla="*/ 4053789 h 5892104"/>
+              <a:gd name="connsiteX33" fmla="*/ 4330356 w 4381009"/>
+              <a:gd name="connsiteY33" fmla="*/ 4264457 h 5892104"/>
+              <a:gd name="connsiteX34" fmla="*/ 4316556 w 4381009"/>
+              <a:gd name="connsiteY34" fmla="*/ 4466650 h 5892104"/>
+              <a:gd name="connsiteX35" fmla="*/ 4301344 w 4381009"/>
+              <a:gd name="connsiteY35" fmla="*/ 4657946 h 5892104"/>
+              <a:gd name="connsiteX36" fmla="*/ 4285506 w 4381009"/>
+              <a:gd name="connsiteY36" fmla="*/ 4840767 h 5892104"/>
+              <a:gd name="connsiteX37" fmla="*/ 4268412 w 4381009"/>
+              <a:gd name="connsiteY37" fmla="*/ 5010269 h 5892104"/>
+              <a:gd name="connsiteX38" fmla="*/ 4251633 w 4381009"/>
+              <a:gd name="connsiteY38" fmla="*/ 5169481 h 5892104"/>
+              <a:gd name="connsiteX39" fmla="*/ 4234853 w 4381009"/>
+              <a:gd name="connsiteY39" fmla="*/ 5315980 h 5892104"/>
+              <a:gd name="connsiteX40" fmla="*/ 4219014 w 4381009"/>
+              <a:gd name="connsiteY40" fmla="*/ 5450371 h 5892104"/>
+              <a:gd name="connsiteX41" fmla="*/ 4203959 w 4381009"/>
+              <a:gd name="connsiteY41" fmla="*/ 5569628 h 5892104"/>
+              <a:gd name="connsiteX42" fmla="*/ 4189689 w 4381009"/>
+              <a:gd name="connsiteY42" fmla="*/ 5677384 h 5892104"/>
+              <a:gd name="connsiteX43" fmla="*/ 4177770 w 4381009"/>
+              <a:gd name="connsiteY43" fmla="*/ 5768189 h 5892104"/>
+              <a:gd name="connsiteX44" fmla="*/ 4166479 w 4381009"/>
+              <a:gd name="connsiteY44" fmla="*/ 5844465 h 5892104"/>
+              <a:gd name="connsiteX45" fmla="*/ 4159132 w 4381009"/>
+              <a:gd name="connsiteY45" fmla="*/ 5892104 h 5892104"/>
+              <a:gd name="connsiteX46" fmla="*/ 0 w 4381009"/>
+              <a:gd name="connsiteY46" fmla="*/ 5892104 h 5892104"/>
+            </a:gdLst>
+            <a:ahLst/>
+            <a:cxnLst>
+              <a:cxn ang="0">
+                <a:pos x="connsiteX0" y="connsiteY0"/>
+              </a:cxn>
+              <a:cxn ang="0">
+                <a:pos x="connsiteX1" y="connsiteY1"/>
+              </a:cxn>
+              <a:cxn ang="0">
+                <a:pos x="connsiteX2" y="connsiteY2"/>
+              </a:cxn>
+              <a:cxn ang="0">
+                <a:pos x="connsiteX3" y="connsiteY3"/>
+              </a:cxn>
+              <a:cxn ang="0">
+                <a:pos x="connsiteX4" y="connsiteY4"/>
+              </a:cxn>
+              <a:cxn ang="0">
+                <a:pos x="connsiteX5" y="connsiteY5"/>
+              </a:cxn>
+              <a:cxn ang="0">
+                <a:pos x="connsiteX6" y="connsiteY6"/>
+              </a:cxn>
+              <a:cxn ang="0">
+                <a:pos x="connsiteX7" y="connsiteY7"/>
+              </a:cxn>
+              <a:cxn ang="0">
+                <a:pos x="connsiteX8" y="connsiteY8"/>
+              </a:cxn>
+              <a:cxn ang="0">
+                <a:pos x="connsiteX9" y="connsiteY9"/>
+              </a:cxn>
+              <a:cxn ang="0">
+                <a:pos x="connsiteX10" y="connsiteY10"/>
+              </a:cxn>
+              <a:cxn ang="0">
+                <a:pos x="connsiteX11" y="connsiteY11"/>
+              </a:cxn>
+              <a:cxn ang="0">
+                <a:pos x="connsiteX12" y="connsiteY12"/>
+              </a:cxn>
+              <a:cxn ang="0">
+                <a:pos x="connsiteX13" y="connsiteY13"/>
+              </a:cxn>
+              <a:cxn ang="0">
+                <a:pos x="connsiteX14" y="connsiteY14"/>
+              </a:cxn>
+              <a:cxn ang="0">
+                <a:pos x="connsiteX15" y="connsiteY15"/>
+              </a:cxn>
+              <a:cxn ang="0">
+                <a:pos x="connsiteX16" y="connsiteY16"/>
+              </a:cxn>
+              <a:cxn ang="0">
+                <a:pos x="connsiteX17" y="connsiteY17"/>
+              </a:cxn>
+              <a:cxn ang="0">
+                <a:pos x="connsiteX18" y="connsiteY18"/>
+              </a:cxn>
+              <a:cxn ang="0">
+                <a:pos x="connsiteX19" y="connsiteY19"/>
+              </a:cxn>
+              <a:cxn ang="0">
+                <a:pos x="connsiteX20" y="connsiteY20"/>
+              </a:cxn>
+              <a:cxn ang="0">
+                <a:pos x="connsiteX21" y="connsiteY21"/>
+              </a:cxn>
+              <a:cxn ang="0">
+                <a:pos x="connsiteX22" y="connsiteY22"/>
+              </a:cxn>
+              <a:cxn ang="0">
+                <a:pos x="connsiteX23" y="connsiteY23"/>
+              </a:cxn>
+              <a:cxn ang="0">
+                <a:pos x="connsiteX24" y="connsiteY24"/>
+              </a:cxn>
+              <a:cxn ang="0">
+                <a:pos x="connsiteX25" y="connsiteY25"/>
+              </a:cxn>
+              <a:cxn ang="0">
+                <a:pos x="connsiteX26" y="connsiteY26"/>
+              </a:cxn>
+              <a:cxn ang="0">
+                <a:pos x="connsiteX27" y="connsiteY27"/>
+              </a:cxn>
+              <a:cxn ang="0">
+                <a:pos x="connsiteX28" y="connsiteY28"/>
+              </a:cxn>
+              <a:cxn ang="0">
+                <a:pos x="connsiteX29" y="connsiteY29"/>
+              </a:cxn>
+              <a:cxn ang="0">
+                <a:pos x="connsiteX30" y="connsiteY30"/>
+              </a:cxn>
+              <a:cxn ang="0">
+                <a:pos x="connsiteX31" y="connsiteY31"/>
+              </a:cxn>
+              <a:cxn ang="0">
+                <a:pos x="connsiteX32" y="connsiteY32"/>
+              </a:cxn>
+              <a:cxn ang="0">
+                <a:pos x="connsiteX33" y="connsiteY33"/>
+              </a:cxn>
+              <a:cxn ang="0">
+                <a:pos x="connsiteX34" y="connsiteY34"/>
+              </a:cxn>
+              <a:cxn ang="0">
+                <a:pos x="connsiteX35" y="connsiteY35"/>
+              </a:cxn>
+              <a:cxn ang="0">
+                <a:pos x="connsiteX36" y="connsiteY36"/>
+              </a:cxn>
+              <a:cxn ang="0">
+                <a:pos x="connsiteX37" y="connsiteY37"/>
+              </a:cxn>
+              <a:cxn ang="0">
+                <a:pos x="connsiteX38" y="connsiteY38"/>
+              </a:cxn>
+              <a:cxn ang="0">
+                <a:pos x="connsiteX39" y="connsiteY39"/>
+              </a:cxn>
+              <a:cxn ang="0">
+                <a:pos x="connsiteX40" y="connsiteY40"/>
+              </a:cxn>
+              <a:cxn ang="0">
+                <a:pos x="connsiteX41" y="connsiteY41"/>
+              </a:cxn>
+              <a:cxn ang="0">
+                <a:pos x="connsiteX42" y="connsiteY42"/>
+              </a:cxn>
+              <a:cxn ang="0">
+                <a:pos x="connsiteX43" y="connsiteY43"/>
+              </a:cxn>
+              <a:cxn ang="0">
+                <a:pos x="connsiteX44" y="connsiteY44"/>
+              </a:cxn>
+              <a:cxn ang="0">
+                <a:pos x="connsiteX45" y="connsiteY45"/>
+              </a:cxn>
+              <a:cxn ang="0">
+                <a:pos x="connsiteX46" y="connsiteY46"/>
+              </a:cxn>
+            </a:cxnLst>
+            <a:rect l="l" t="t" r="r" b="b"/>
+            <a:pathLst>
+              <a:path w="4381009" h="5892104">
+                <a:moveTo>
+                  <a:pt x="0" y="0"/>
+                </a:moveTo>
+                <a:lnTo>
+                  <a:pt x="4157628" y="0"/>
+                </a:lnTo>
+                <a:lnTo>
+                  <a:pt x="4169302" y="68659"/>
+                </a:lnTo>
+                <a:lnTo>
+                  <a:pt x="4191571" y="205472"/>
+                </a:lnTo>
+                <a:lnTo>
+                  <a:pt x="4213368" y="342890"/>
+                </a:lnTo>
+                <a:lnTo>
+                  <a:pt x="4232030" y="480913"/>
+                </a:lnTo>
+                <a:lnTo>
+                  <a:pt x="4250848" y="618332"/>
+                </a:lnTo>
+                <a:lnTo>
+                  <a:pt x="4268412" y="756355"/>
+                </a:lnTo>
+                <a:lnTo>
+                  <a:pt x="4283467" y="892563"/>
+                </a:lnTo>
+                <a:lnTo>
+                  <a:pt x="4297737" y="1030587"/>
+                </a:lnTo>
+                <a:lnTo>
+                  <a:pt x="4310754" y="1168005"/>
+                </a:lnTo>
+                <a:lnTo>
+                  <a:pt x="4322045" y="1303002"/>
+                </a:lnTo>
+                <a:lnTo>
+                  <a:pt x="4333336" y="1439815"/>
+                </a:lnTo>
+                <a:lnTo>
+                  <a:pt x="4342745" y="1574812"/>
+                </a:lnTo>
+                <a:lnTo>
+                  <a:pt x="4350115" y="1709808"/>
+                </a:lnTo>
+                <a:lnTo>
+                  <a:pt x="4357799" y="1844200"/>
+                </a:lnTo>
+                <a:lnTo>
+                  <a:pt x="4364229" y="1977381"/>
+                </a:lnTo>
+                <a:lnTo>
+                  <a:pt x="4368777" y="2109351"/>
+                </a:lnTo>
+                <a:lnTo>
+                  <a:pt x="4372697" y="2241321"/>
+                </a:lnTo>
+                <a:lnTo>
+                  <a:pt x="4376461" y="2372080"/>
+                </a:lnTo>
+                <a:lnTo>
+                  <a:pt x="4378186" y="2501023"/>
+                </a:lnTo>
+                <a:lnTo>
+                  <a:pt x="4380068" y="2629966"/>
+                </a:lnTo>
+                <a:lnTo>
+                  <a:pt x="4381009" y="2757093"/>
+                </a:lnTo>
+                <a:lnTo>
+                  <a:pt x="4380068" y="2883010"/>
+                </a:lnTo>
+                <a:lnTo>
+                  <a:pt x="4380068" y="3007715"/>
+                </a:lnTo>
+                <a:lnTo>
+                  <a:pt x="4378186" y="3131210"/>
+                </a:lnTo>
+                <a:lnTo>
+                  <a:pt x="4375363" y="3252283"/>
+                </a:lnTo>
+                <a:lnTo>
+                  <a:pt x="4372697" y="3372146"/>
+                </a:lnTo>
+                <a:lnTo>
+                  <a:pt x="4369718" y="3489587"/>
+                </a:lnTo>
+                <a:lnTo>
+                  <a:pt x="4365170" y="3606423"/>
+                </a:lnTo>
+                <a:lnTo>
+                  <a:pt x="4360309" y="3721443"/>
+                </a:lnTo>
+                <a:lnTo>
+                  <a:pt x="4355918" y="3834041"/>
+                </a:lnTo>
+                <a:lnTo>
+                  <a:pt x="4343529" y="4053789"/>
+                </a:lnTo>
+                <a:lnTo>
+                  <a:pt x="4330356" y="4264457"/>
+                </a:lnTo>
+                <a:lnTo>
+                  <a:pt x="4316556" y="4466650"/>
+                </a:lnTo>
+                <a:lnTo>
+                  <a:pt x="4301344" y="4657946"/>
+                </a:lnTo>
+                <a:lnTo>
+                  <a:pt x="4285506" y="4840767"/>
+                </a:lnTo>
+                <a:lnTo>
+                  <a:pt x="4268412" y="5010269"/>
+                </a:lnTo>
+                <a:lnTo>
+                  <a:pt x="4251633" y="5169481"/>
+                </a:lnTo>
+                <a:lnTo>
+                  <a:pt x="4234853" y="5315980"/>
+                </a:lnTo>
+                <a:lnTo>
+                  <a:pt x="4219014" y="5450371"/>
+                </a:lnTo>
+                <a:lnTo>
+                  <a:pt x="4203959" y="5569628"/>
+                </a:lnTo>
+                <a:lnTo>
+                  <a:pt x="4189689" y="5677384"/>
+                </a:lnTo>
+                <a:lnTo>
+                  <a:pt x="4177770" y="5768189"/>
+                </a:lnTo>
+                <a:lnTo>
+                  <a:pt x="4166479" y="5844465"/>
+                </a:lnTo>
+                <a:lnTo>
+                  <a:pt x="4159132" y="5892104"/>
+                </a:lnTo>
+                <a:lnTo>
+                  <a:pt x="0" y="5892104"/>
+                </a:lnTo>
+                <a:close/>
+              </a:path>
+            </a:pathLst>
+          </a:custGeom>
+          <a:solidFill>
+            <a:srgbClr val="404040"/>
+          </a:solidFill>
+          <a:ln>
+            <a:noFill/>
+          </a:ln>
+        </p:spPr>
+        <p:style>
+          <a:lnRef idx="2">
+            <a:schemeClr val="accent1">
+              <a:shade val="50000"/>
+            </a:schemeClr>
+          </a:lnRef>
+          <a:fillRef idx="1">
+            <a:schemeClr val="accent1"/>
+          </a:fillRef>
+          <a:effectRef idx="0">
+            <a:schemeClr val="accent1"/>
+          </a:effectRef>
+          <a:fontRef idx="minor">
+            <a:schemeClr val="lt1"/>
+          </a:fontRef>
+        </p:style>
+        <p:txBody>
+          <a:bodyPr wrap="square" rtlCol="0" anchor="ctr">
+            <a:noAutofit/>
+          </a:bodyPr>
+          <a:lstStyle/>
+          <a:p>
+            <a:pPr marL="0" marR="0" lvl="0" indent="0" algn="ctr" defTabSz="457200" rtl="0" eaLnBrk="1" fontAlgn="auto" latinLnBrk="0" hangingPunct="1">
+              <a:lnSpc>
+                <a:spcPct val="100000"/>
+              </a:lnSpc>
+              <a:spcBef>
+                <a:spcPts val="0"/>
+              </a:spcBef>
+              <a:spcAft>
+                <a:spcPts val="0"/>
+              </a:spcAft>
+              <a:buClrTx/>
+              <a:buSzTx/>
+              <a:buFontTx/>
+              <a:buNone/>
+              <a:tabLst/>
+              <a:defRPr/>
+            </a:pPr>
+            <a:endParaRPr kumimoji="0" lang="en-US" sz="1800" b="0" i="0" u="none" strike="noStrike" kern="1200" cap="none" spc="0" normalizeH="0" baseline="0" noProof="0">
+              <a:ln>
+                <a:noFill/>
+              </a:ln>
+              <a:solidFill>
+                <a:prstClr val="white"/>
+              </a:solidFill>
+              <a:effectLst/>
+              <a:uLnTx/>
+              <a:uFillTx/>
+              <a:latin typeface="Calibri" panose="020F0502020204030204"/>
+              <a:ea typeface="+mn-ea"/>
+              <a:cs typeface="+mn-cs"/>
+            </a:endParaRPr>
+          </a:p>
+        </p:txBody>
+      </p:sp>
+      <p:sp>
+        <p:nvSpPr>
+          <p:cNvPr id="2" name="Title 1">
+            <a:extLst>
+              <a:ext uri="{FF2B5EF4-FFF2-40B4-BE49-F238E27FC236}">
+                <a16:creationId xmlns:a16="http://schemas.microsoft.com/office/drawing/2014/main" id="{8D191C57-B7E4-4593-93D6-824C5D7E1F6A}"/>
+              </a:ext>
+            </a:extLst>
+          </p:cNvPr>
+          <p:cNvSpPr>
+            <a:spLocks noGrp="1"/>
+          </p:cNvSpPr>
+          <p:nvPr>
+            <p:ph type="title"/>
+          </p:nvPr>
+        </p:nvSpPr>
+        <p:spPr>
+          <a:xfrm>
+            <a:off x="863029" y="1012004"/>
+            <a:ext cx="3416158" cy="4795408"/>
+          </a:xfrm>
+        </p:spPr>
+        <p:txBody>
+          <a:bodyPr>
+            <a:normAutofit/>
+          </a:bodyPr>
+          <a:lstStyle/>
+          <a:p>
+            <a:r>
+              <a:rPr lang="en-US" dirty="0">
+                <a:solidFill>
+                  <a:srgbClr val="FFFFFF"/>
+                </a:solidFill>
+              </a:rPr>
+              <a:t>IBM Sterling OMS v10 CICD on OpenShift</a:t>
+            </a:r>
+            <a:br>
+              <a:rPr lang="en-US" dirty="0">
+                <a:solidFill>
+                  <a:srgbClr val="FFFFFF"/>
+                </a:solidFill>
+              </a:rPr>
+            </a:br>
+            <a:endParaRPr lang="en-US" dirty="0">
+              <a:solidFill>
+                <a:srgbClr val="FFFFFF"/>
+              </a:solidFill>
+            </a:endParaRPr>
+          </a:p>
+        </p:txBody>
+      </p:sp>
+      <p:graphicFrame>
+        <p:nvGraphicFramePr>
+          <p:cNvPr id="12" name="Content Placeholder 2">
+            <a:extLst>
+              <a:ext uri="{FF2B5EF4-FFF2-40B4-BE49-F238E27FC236}">
+                <a16:creationId xmlns:a16="http://schemas.microsoft.com/office/drawing/2014/main" id="{44FA4D4D-2C13-4EE9-B7B5-93801A82497F}"/>
+              </a:ext>
+            </a:extLst>
+          </p:cNvPr>
+          <p:cNvGraphicFramePr>
+            <a:graphicFrameLocks noGrp="1"/>
+          </p:cNvGraphicFramePr>
+          <p:nvPr>
+            <p:ph idx="1"/>
+            <p:extLst>
+              <p:ext uri="{D42A27DB-BD31-4B8C-83A1-F6EECF244321}">
+                <p14:modId xmlns:p14="http://schemas.microsoft.com/office/powerpoint/2010/main" val="3405952505"/>
+              </p:ext>
+            </p:extLst>
+          </p:nvPr>
+        </p:nvGraphicFramePr>
+        <p:xfrm>
+          <a:off x="5194300" y="470924"/>
+          <a:ext cx="6513604" cy="5885426"/>
+        </p:xfrm>
+        <a:graphic>
+          <a:graphicData uri="http://schemas.openxmlformats.org/drawingml/2006/diagram">
+            <dgm:relIds xmlns:dgm="http://schemas.openxmlformats.org/drawingml/2006/diagram" xmlns:r="http://schemas.openxmlformats.org/officeDocument/2006/relationships" r:dm="rId2" r:lo="rId3" r:qs="rId4" r:cs="rId5"/>
+          </a:graphicData>
+        </a:graphic>
+      </p:graphicFrame>
+    </p:spTree>
+    <p:extLst>
+      <p:ext uri="{BB962C8B-B14F-4D97-AF65-F5344CB8AC3E}">
+        <p14:creationId xmlns:p14="http://schemas.microsoft.com/office/powerpoint/2010/main" val="4263042957"/>
+      </p:ext>
+    </p:extLst>
+  </p:cSld>
+  <p:clrMapOvr>
+    <a:masterClrMapping/>
+  </p:clrMapOvr>
+</p:sld>
+</file>
+
+<file path=ppt/slides/slide3.xml><?xml version="1.0" encoding="utf-8"?>
+<p:sld xmlns:a="http://schemas.openxmlformats.org/drawingml/2006/main" xmlns:r="http://schemas.openxmlformats.org/officeDocument/2006/relationships" xmlns:p="http://schemas.openxmlformats.org/presentationml/2006/main">
+  <p:cSld>
+    <p:bg>
+      <p:bgPr>
+        <a:solidFill>
+          <a:schemeClr val="bg1"/>
+        </a:solidFill>
+        <a:effectLst/>
+      </p:bgPr>
+    </p:bg>
+    <p:spTree>
+      <p:nvGrpSpPr>
+        <p:cNvPr id="1" name=""/>
+        <p:cNvGrpSpPr/>
+        <p:nvPr/>
+      </p:nvGrpSpPr>
+      <p:grpSpPr>
+        <a:xfrm>
+          <a:off x="0" y="0"/>
+          <a:ext cx="0" cy="0"/>
+          <a:chOff x="0" y="0"/>
+          <a:chExt cx="0" cy="0"/>
+        </a:xfrm>
+      </p:grpSpPr>
+      <p:sp>
+        <p:nvSpPr>
+          <p:cNvPr id="10" name="Rectangle 9">
+            <a:extLst>
+              <a:ext uri="{FF2B5EF4-FFF2-40B4-BE49-F238E27FC236}">
+                <a16:creationId xmlns:a16="http://schemas.microsoft.com/office/drawing/2014/main" id="{C0B27210-D0CA-4654-B3E3-9ABB4F178EA1}"/>
+              </a:ext>
+              <a:ext uri="{C183D7F6-B498-43B3-948B-1728B52AA6E4}">
+                <adec:decorative xmlns:adec="http://schemas.microsoft.com/office/drawing/2017/decorative" val="1"/>
+              </a:ext>
+            </a:extLst>
+          </p:cNvPr>
+          <p:cNvSpPr>
+            <a:spLocks noGrp="1" noRot="1" noChangeAspect="1" noMove="1" noResize="1" noEditPoints="1" noAdjustHandles="1" noChangeArrowheads="1" noChangeShapeType="1" noTextEdit="1"/>
+          </p:cNvSpPr>
+          <p:nvPr>
+            <p:extLst>
+              <p:ext uri="{386F3935-93C4-4BCD-93E2-E3B085C9AB24}">
+                <p16:designElem xmlns:p16="http://schemas.microsoft.com/office/powerpoint/2015/main" val="1"/>
+              </p:ext>
+            </p:extLst>
+          </p:nvPr>
+        </p:nvSpPr>
+        <p:spPr>
+          <a:xfrm>
+            <a:off x="0" y="0"/>
+            <a:ext cx="12192000" cy="6858000"/>
+          </a:xfrm>
+          <a:prstGeom prst="rect">
+            <a:avLst/>
+          </a:prstGeom>
+          <a:solidFill>
+            <a:schemeClr val="tx1">
+              <a:lumMod val="75000"/>
+              <a:lumOff val="25000"/>
+            </a:schemeClr>
+          </a:solidFill>
+          <a:ln>
+            <a:noFill/>
+          </a:ln>
+        </p:spPr>
+        <p:style>
+          <a:lnRef idx="2">
+            <a:schemeClr val="accent1">
+              <a:shade val="50000"/>
+            </a:schemeClr>
+          </a:lnRef>
+          <a:fillRef idx="1">
+            <a:schemeClr val="accent1"/>
+          </a:fillRef>
+          <a:effectRef idx="0">
+            <a:schemeClr val="accent1"/>
+          </a:effectRef>
+          <a:fontRef idx="minor">
+            <a:schemeClr val="lt1"/>
+          </a:fontRef>
+        </p:style>
+        <p:txBody>
+          <a:bodyPr rtlCol="0" anchor="ctr"/>
+          <a:lstStyle/>
+          <a:p>
+            <a:pPr algn="ctr"/>
+            <a:endParaRPr lang="en-US"/>
+          </a:p>
+        </p:txBody>
+      </p:sp>
+      <p:sp>
+        <p:nvSpPr>
+          <p:cNvPr id="2" name="Title 1">
+            <a:extLst>
+              <a:ext uri="{FF2B5EF4-FFF2-40B4-BE49-F238E27FC236}">
+                <a16:creationId xmlns:a16="http://schemas.microsoft.com/office/drawing/2014/main" id="{62359DBB-64AC-480B-98FF-CB28408FA3F4}"/>
+              </a:ext>
+            </a:extLst>
+          </p:cNvPr>
+          <p:cNvSpPr>
+            <a:spLocks noGrp="1"/>
+          </p:cNvSpPr>
+          <p:nvPr>
+            <p:ph type="ctrTitle"/>
+          </p:nvPr>
+        </p:nvSpPr>
+        <p:spPr>
+          <a:xfrm>
+            <a:off x="6746628" y="1783959"/>
+            <a:ext cx="4645250" cy="2889114"/>
+          </a:xfrm>
+        </p:spPr>
+        <p:txBody>
+          <a:bodyPr anchor="b">
+            <a:normAutofit/>
+          </a:bodyPr>
+          <a:lstStyle/>
+          <a:p>
+            <a:pPr algn="l"/>
+            <a:r>
+              <a:rPr lang="en-US" dirty="0">
+                <a:solidFill>
+                  <a:schemeClr val="bg1"/>
+                </a:solidFill>
+              </a:rPr>
+              <a:t>IBM Sterling OMS v10 CICD</a:t>
+            </a:r>
+          </a:p>
+        </p:txBody>
+      </p:sp>
+      <p:sp>
+        <p:nvSpPr>
+          <p:cNvPr id="3" name="Subtitle 2">
+            <a:extLst>
+              <a:ext uri="{FF2B5EF4-FFF2-40B4-BE49-F238E27FC236}">
+                <a16:creationId xmlns:a16="http://schemas.microsoft.com/office/drawing/2014/main" id="{D612C744-048C-45A6-91BA-421D9AADE521}"/>
+              </a:ext>
+            </a:extLst>
+          </p:cNvPr>
+          <p:cNvSpPr>
+            <a:spLocks noGrp="1"/>
+          </p:cNvSpPr>
+          <p:nvPr>
+            <p:ph type="subTitle" idx="1"/>
+          </p:nvPr>
+        </p:nvSpPr>
+        <p:spPr>
+          <a:xfrm>
+            <a:off x="6746627" y="4750893"/>
+            <a:ext cx="4645250" cy="1147863"/>
+          </a:xfrm>
+        </p:spPr>
+        <p:txBody>
+          <a:bodyPr anchor="t">
+            <a:normAutofit/>
+          </a:bodyPr>
+          <a:lstStyle/>
+          <a:p>
+            <a:pPr algn="l"/>
+            <a:r>
+              <a:rPr lang="en-US" sz="2000" dirty="0">
+                <a:solidFill>
+                  <a:schemeClr val="bg1"/>
+                </a:solidFill>
+              </a:rPr>
+              <a:t>Envisioned </a:t>
+            </a:r>
+            <a:r>
+              <a:rPr lang="en-US" sz="2000" dirty="0" err="1">
+                <a:solidFill>
+                  <a:schemeClr val="bg1"/>
+                </a:solidFill>
+              </a:rPr>
+              <a:t>DevOp</a:t>
+            </a:r>
+            <a:r>
+              <a:rPr lang="en-US" sz="2000" dirty="0">
+                <a:solidFill>
+                  <a:schemeClr val="bg1"/>
+                </a:solidFill>
+              </a:rPr>
+              <a:t> process on Red Hat OpenShift</a:t>
+            </a:r>
+          </a:p>
+        </p:txBody>
+      </p:sp>
+      <p:sp>
+        <p:nvSpPr>
+          <p:cNvPr id="12" name="Freeform: Shape 11">
+            <a:extLst>
+              <a:ext uri="{FF2B5EF4-FFF2-40B4-BE49-F238E27FC236}">
+                <a16:creationId xmlns:a16="http://schemas.microsoft.com/office/drawing/2014/main" id="{1DB7C82F-AB7E-4F0C-B829-FA1B9C415180}"/>
+              </a:ext>
+              <a:ext uri="{C183D7F6-B498-43B3-948B-1728B52AA6E4}">
+                <adec:decorative xmlns:adec="http://schemas.microsoft.com/office/drawing/2017/decorative" val="1"/>
+              </a:ext>
+            </a:extLst>
+          </p:cNvPr>
+          <p:cNvSpPr>
+            <a:spLocks noGrp="1" noRot="1" noChangeAspect="1" noMove="1" noResize="1" noEditPoints="1" noAdjustHandles="1" noChangeArrowheads="1" noChangeShapeType="1" noTextEdit="1"/>
+          </p:cNvSpPr>
+          <p:nvPr>
+            <p:extLst>
+              <p:ext uri="{386F3935-93C4-4BCD-93E2-E3B085C9AB24}">
+                <p16:designElem xmlns:p16="http://schemas.microsoft.com/office/powerpoint/2015/main" val="1"/>
+              </p:ext>
+            </p:extLst>
+          </p:nvPr>
+        </p:nvSpPr>
+        <p:spPr>
+          <a:xfrm flipH="1">
+            <a:off x="0" y="0"/>
+            <a:ext cx="6172782" cy="6858000"/>
+          </a:xfrm>
+          <a:custGeom>
+            <a:avLst/>
+            <a:gdLst>
+              <a:gd name="connsiteX0" fmla="*/ 6172782 w 6172782"/>
+              <a:gd name="connsiteY0" fmla="*/ 0 h 6858000"/>
+              <a:gd name="connsiteX1" fmla="*/ 69075 w 6172782"/>
+              <a:gd name="connsiteY1" fmla="*/ 0 h 6858000"/>
+              <a:gd name="connsiteX2" fmla="*/ 35131 w 6172782"/>
+              <a:gd name="connsiteY2" fmla="*/ 267128 h 6858000"/>
+              <a:gd name="connsiteX3" fmla="*/ 0 w 6172782"/>
+              <a:gd name="connsiteY3" fmla="*/ 962845 h 6858000"/>
+              <a:gd name="connsiteX4" fmla="*/ 3276103 w 6172782"/>
+              <a:gd name="connsiteY4" fmla="*/ 6782205 h 6858000"/>
+              <a:gd name="connsiteX5" fmla="*/ 3407923 w 6172782"/>
+              <a:gd name="connsiteY5" fmla="*/ 6858000 h 6858000"/>
+              <a:gd name="connsiteX6" fmla="*/ 6172782 w 6172782"/>
+              <a:gd name="connsiteY6" fmla="*/ 6858000 h 6858000"/>
+            </a:gdLst>
+            <a:ahLst/>
+            <a:cxnLst>
+              <a:cxn ang="0">
+                <a:pos x="connsiteX0" y="connsiteY0"/>
+              </a:cxn>
+              <a:cxn ang="0">
+                <a:pos x="connsiteX1" y="connsiteY1"/>
+              </a:cxn>
+              <a:cxn ang="0">
+                <a:pos x="connsiteX2" y="connsiteY2"/>
+              </a:cxn>
+              <a:cxn ang="0">
+                <a:pos x="connsiteX3" y="connsiteY3"/>
+              </a:cxn>
+              <a:cxn ang="0">
+                <a:pos x="connsiteX4" y="connsiteY4"/>
+              </a:cxn>
+              <a:cxn ang="0">
+                <a:pos x="connsiteX5" y="connsiteY5"/>
+              </a:cxn>
+              <a:cxn ang="0">
+                <a:pos x="connsiteX6" y="connsiteY6"/>
+              </a:cxn>
+            </a:cxnLst>
+            <a:rect l="l" t="t" r="r" b="b"/>
+            <a:pathLst>
+              <a:path w="6172782" h="6858000">
+                <a:moveTo>
+                  <a:pt x="6172782" y="0"/>
+                </a:moveTo>
+                <a:lnTo>
+                  <a:pt x="69075" y="0"/>
+                </a:lnTo>
+                <a:lnTo>
+                  <a:pt x="35131" y="267128"/>
+                </a:lnTo>
+                <a:cubicBezTo>
+                  <a:pt x="11901" y="495874"/>
+                  <a:pt x="0" y="727970"/>
+                  <a:pt x="0" y="962845"/>
+                </a:cubicBezTo>
+                <a:cubicBezTo>
+                  <a:pt x="0" y="3429034"/>
+                  <a:pt x="1312002" y="5588789"/>
+                  <a:pt x="3276103" y="6782205"/>
+                </a:cubicBezTo>
+                <a:lnTo>
+                  <a:pt x="3407923" y="6858000"/>
+                </a:lnTo>
+                <a:lnTo>
+                  <a:pt x="6172782" y="6858000"/>
+                </a:lnTo>
+                <a:close/>
+              </a:path>
+            </a:pathLst>
+          </a:custGeom>
+          <a:solidFill>
+            <a:schemeClr val="bg1">
+              <a:alpha val="80000"/>
+            </a:schemeClr>
+          </a:solidFill>
+          <a:ln>
+            <a:noFill/>
+          </a:ln>
+        </p:spPr>
+        <p:style>
+          <a:lnRef idx="2">
+            <a:schemeClr val="accent1">
+              <a:shade val="50000"/>
+            </a:schemeClr>
+          </a:lnRef>
+          <a:fillRef idx="1">
+            <a:schemeClr val="accent1"/>
+          </a:fillRef>
+          <a:effectRef idx="0">
+            <a:schemeClr val="accent1"/>
+          </a:effectRef>
+          <a:fontRef idx="minor">
+            <a:schemeClr val="lt1"/>
+          </a:fontRef>
+        </p:style>
+        <p:txBody>
+          <a:bodyPr wrap="square" rtlCol="0" anchor="ctr">
+            <a:noAutofit/>
+          </a:bodyPr>
+          <a:lstStyle/>
+          <a:p>
+            <a:pPr marL="0" marR="0" lvl="0" indent="0" algn="ctr" defTabSz="914400" rtl="0" eaLnBrk="1" fontAlgn="auto" latinLnBrk="0" hangingPunct="1">
+              <a:lnSpc>
+                <a:spcPct val="100000"/>
+              </a:lnSpc>
+              <a:spcBef>
+                <a:spcPts val="0"/>
+              </a:spcBef>
+              <a:spcAft>
+                <a:spcPts val="0"/>
+              </a:spcAft>
+              <a:buClrTx/>
+              <a:buSzTx/>
+              <a:buFontTx/>
+              <a:buNone/>
+              <a:tabLst/>
+              <a:defRPr/>
+            </a:pPr>
+            <a:endParaRPr kumimoji="0" lang="en-US" sz="1800" b="0" i="0" u="none" strike="noStrike" kern="1200" cap="none" spc="0" normalizeH="0" baseline="0" noProof="0">
+              <a:ln>
+                <a:noFill/>
+              </a:ln>
+              <a:solidFill>
+                <a:prstClr val="white"/>
+              </a:solidFill>
+              <a:effectLst/>
+              <a:uLnTx/>
+              <a:uFillTx/>
+              <a:latin typeface="Calibri" panose="020F0502020204030204"/>
+              <a:ea typeface="+mn-ea"/>
+              <a:cs typeface="+mn-cs"/>
+            </a:endParaRPr>
+          </a:p>
+        </p:txBody>
+      </p:sp>
+      <p:sp>
+        <p:nvSpPr>
+          <p:cNvPr id="14" name="Freeform: Shape 13">
+            <a:extLst>
+              <a:ext uri="{FF2B5EF4-FFF2-40B4-BE49-F238E27FC236}">
+                <a16:creationId xmlns:a16="http://schemas.microsoft.com/office/drawing/2014/main" id="{70B66945-4967-4040-926D-DCA44313CDAB}"/>
+              </a:ext>
+              <a:ext uri="{C183D7F6-B498-43B3-948B-1728B52AA6E4}">
+                <adec:decorative xmlns:adec="http://schemas.microsoft.com/office/drawing/2017/decorative" val="1"/>
+              </a:ext>
+            </a:extLst>
+          </p:cNvPr>
+          <p:cNvSpPr>
+            <a:spLocks noGrp="1" noRot="1" noChangeAspect="1" noMove="1" noResize="1" noEditPoints="1" noAdjustHandles="1" noChangeArrowheads="1" noChangeShapeType="1" noTextEdit="1"/>
+          </p:cNvSpPr>
+          <p:nvPr>
+            <p:extLst>
+              <p:ext uri="{386F3935-93C4-4BCD-93E2-E3B085C9AB24}">
+                <p16:designElem xmlns:p16="http://schemas.microsoft.com/office/powerpoint/2015/main" val="1"/>
+              </p:ext>
+            </p:extLst>
+          </p:nvPr>
+        </p:nvSpPr>
+        <p:spPr>
+          <a:xfrm>
+            <a:off x="0" y="0"/>
+            <a:ext cx="6024154" cy="6858000"/>
+          </a:xfrm>
+          <a:custGeom>
+            <a:avLst/>
+            <a:gdLst>
+              <a:gd name="connsiteX0" fmla="*/ 0 w 6024154"/>
+              <a:gd name="connsiteY0" fmla="*/ 0 h 6858000"/>
+              <a:gd name="connsiteX1" fmla="*/ 5953780 w 6024154"/>
+              <a:gd name="connsiteY1" fmla="*/ 0 h 6858000"/>
+              <a:gd name="connsiteX2" fmla="*/ 5989880 w 6024154"/>
+              <a:gd name="connsiteY2" fmla="*/ 284091 h 6858000"/>
+              <a:gd name="connsiteX3" fmla="*/ 6024154 w 6024154"/>
+              <a:gd name="connsiteY3" fmla="*/ 962844 h 6858000"/>
+              <a:gd name="connsiteX4" fmla="*/ 2549934 w 6024154"/>
+              <a:gd name="connsiteY4" fmla="*/ 6800152 h 6858000"/>
+              <a:gd name="connsiteX5" fmla="*/ 2436987 w 6024154"/>
+              <a:gd name="connsiteY5" fmla="*/ 6858000 h 6858000"/>
+              <a:gd name="connsiteX6" fmla="*/ 0 w 6024154"/>
+              <a:gd name="connsiteY6" fmla="*/ 6858000 h 6858000"/>
+            </a:gdLst>
+            <a:ahLst/>
+            <a:cxnLst>
+              <a:cxn ang="0">
+                <a:pos x="connsiteX0" y="connsiteY0"/>
+              </a:cxn>
+              <a:cxn ang="0">
+                <a:pos x="connsiteX1" y="connsiteY1"/>
+              </a:cxn>
+              <a:cxn ang="0">
+                <a:pos x="connsiteX2" y="connsiteY2"/>
+              </a:cxn>
+              <a:cxn ang="0">
+                <a:pos x="connsiteX3" y="connsiteY3"/>
+              </a:cxn>
+              <a:cxn ang="0">
+                <a:pos x="connsiteX4" y="connsiteY4"/>
+              </a:cxn>
+              <a:cxn ang="0">
+                <a:pos x="connsiteX5" y="connsiteY5"/>
+              </a:cxn>
+              <a:cxn ang="0">
+                <a:pos x="connsiteX6" y="connsiteY6"/>
+              </a:cxn>
+            </a:cxnLst>
+            <a:rect l="l" t="t" r="r" b="b"/>
+            <a:pathLst>
+              <a:path w="6024154" h="6858000">
+                <a:moveTo>
+                  <a:pt x="0" y="0"/>
+                </a:moveTo>
+                <a:lnTo>
+                  <a:pt x="5953780" y="0"/>
+                </a:lnTo>
+                <a:lnTo>
+                  <a:pt x="5989880" y="284091"/>
+                </a:lnTo>
+                <a:cubicBezTo>
+                  <a:pt x="6012544" y="507260"/>
+                  <a:pt x="6024154" y="733696"/>
+                  <a:pt x="6024154" y="962844"/>
+                </a:cubicBezTo>
+                <a:cubicBezTo>
+                  <a:pt x="6024154" y="3483472"/>
+                  <a:pt x="4619336" y="5675986"/>
+                  <a:pt x="2549934" y="6800152"/>
+                </a:cubicBezTo>
+                <a:lnTo>
+                  <a:pt x="2436987" y="6858000"/>
+                </a:lnTo>
+                <a:lnTo>
+                  <a:pt x="0" y="6858000"/>
+                </a:lnTo>
+                <a:close/>
+              </a:path>
+            </a:pathLst>
+          </a:custGeom>
+          <a:solidFill>
+            <a:schemeClr val="bg1"/>
+          </a:solidFill>
+          <a:ln>
+            <a:noFill/>
+          </a:ln>
+        </p:spPr>
+        <p:style>
+          <a:lnRef idx="2">
+            <a:schemeClr val="accent1">
+              <a:shade val="50000"/>
+            </a:schemeClr>
+          </a:lnRef>
+          <a:fillRef idx="1">
+            <a:schemeClr val="accent1"/>
+          </a:fillRef>
+          <a:effectRef idx="0">
+            <a:schemeClr val="accent1"/>
+          </a:effectRef>
+          <a:fontRef idx="minor">
+            <a:schemeClr val="lt1"/>
+          </a:fontRef>
+        </p:style>
+        <p:txBody>
+          <a:bodyPr wrap="square" rtlCol="0" anchor="ctr">
+            <a:noAutofit/>
+          </a:bodyPr>
+          <a:lstStyle/>
+          <a:p>
+            <a:pPr marL="0" marR="0" lvl="0" indent="0" algn="ctr" defTabSz="914400" rtl="0" eaLnBrk="1" fontAlgn="auto" latinLnBrk="0" hangingPunct="1">
+              <a:lnSpc>
+                <a:spcPct val="100000"/>
+              </a:lnSpc>
+              <a:spcBef>
+                <a:spcPts val="0"/>
+              </a:spcBef>
+              <a:spcAft>
+                <a:spcPts val="0"/>
+              </a:spcAft>
+              <a:buClrTx/>
+              <a:buSzTx/>
+              <a:buFontTx/>
+              <a:buNone/>
+              <a:tabLst/>
+              <a:defRPr/>
+            </a:pPr>
+            <a:endParaRPr kumimoji="0" lang="en-US" sz="1800" b="0" i="0" u="none" strike="noStrike" kern="1200" cap="none" spc="0" normalizeH="0" baseline="0" noProof="0">
+              <a:ln>
+                <a:noFill/>
+              </a:ln>
+              <a:solidFill>
+                <a:prstClr val="white"/>
+              </a:solidFill>
+              <a:effectLst/>
+              <a:uLnTx/>
+              <a:uFillTx/>
+              <a:latin typeface="Calibri" panose="020F0502020204030204"/>
+              <a:ea typeface="+mn-ea"/>
+              <a:cs typeface="+mn-cs"/>
+            </a:endParaRPr>
+          </a:p>
+        </p:txBody>
+      </p:sp>
+      <p:pic>
+        <p:nvPicPr>
+          <p:cNvPr id="7" name="Graphic 6" descr="VoicemailForward">
+            <a:extLst>
+              <a:ext uri="{FF2B5EF4-FFF2-40B4-BE49-F238E27FC236}">
+                <a16:creationId xmlns:a16="http://schemas.microsoft.com/office/drawing/2014/main" id="{3FB156F2-436F-45BC-BECE-74BF8AD681F8}"/>
+              </a:ext>
+            </a:extLst>
+          </p:cNvPr>
+          <p:cNvPicPr>
+            <a:picLocks noChangeAspect="1"/>
+          </p:cNvPicPr>
+          <p:nvPr/>
+        </p:nvPicPr>
+        <p:blipFill>
+          <a:blip r:embed="rId2">
+            <a:extLst>
+              <a:ext uri="{28A0092B-C50C-407E-A947-70E740481C1C}">
+                <a14:useLocalDpi xmlns:a14="http://schemas.microsoft.com/office/drawing/2010/main" val="0"/>
+              </a:ext>
+              <a:ext uri="{96DAC541-7B7A-43D3-8B79-37D633B846F1}">
+                <asvg:svgBlip xmlns:asvg="http://schemas.microsoft.com/office/drawing/2016/SVG/main" r:embed="rId3"/>
+              </a:ext>
+            </a:extLst>
+          </a:blip>
+          <a:stretch>
+            <a:fillRect/>
+          </a:stretch>
+        </p:blipFill>
+        <p:spPr>
+          <a:xfrm>
+            <a:off x="419382" y="720993"/>
+            <a:ext cx="4047843" cy="4047843"/>
+          </a:xfrm>
+          <a:prstGeom prst="rect">
+            <a:avLst/>
+          </a:prstGeom>
+        </p:spPr>
+      </p:pic>
+    </p:spTree>
+    <p:extLst>
+      <p:ext uri="{BB962C8B-B14F-4D97-AF65-F5344CB8AC3E}">
+        <p14:creationId xmlns:p14="http://schemas.microsoft.com/office/powerpoint/2010/main" val="4053928935"/>
+      </p:ext>
+    </p:extLst>
+  </p:cSld>
+  <p:clrMapOvr>
+    <a:overrideClrMapping bg1="lt1" tx1="dk1" bg2="lt2" tx2="dk2" accent1="accent1" accent2="accent2" accent3="accent3" accent4="accent4" accent5="accent5" accent6="accent6" hlink="hlink" folHlink="folHlink"/>
   </p:clrMapOvr>
 </p:sld>
 </file>
@@ -27848,7 +31320,7 @@
           <p:cNvPr id="2" name="Title 1">
             <a:extLst>
               <a:ext uri="{FF2B5EF4-FFF2-40B4-BE49-F238E27FC236}">
-                <a16:creationId xmlns:a16="http://schemas.microsoft.com/office/drawing/2014/main" id="{DFB02394-9405-43A4-BB6A-AF72622BBE2E}"/>
+                <a16:creationId xmlns:a16="http://schemas.microsoft.com/office/drawing/2014/main" id="{BDFD3F3F-AF75-4C88-A814-75BF3011B88B}"/>
               </a:ext>
             </a:extLst>
           </p:cNvPr>
@@ -27866,17 +31338,973 @@
           <a:p>
             <a:r>
               <a:rPr lang="en-US" dirty="0"/>
-              <a:t>Assumptions and Pre-Requisites</a:t>
+              <a:t>Provide Services As A Service</a:t>
             </a:r>
           </a:p>
         </p:txBody>
       </p:sp>
       <p:sp>
         <p:nvSpPr>
-          <p:cNvPr id="3" name="TextBox 2">
+          <p:cNvPr id="3" name="Rectangle 2">
             <a:extLst>
               <a:ext uri="{FF2B5EF4-FFF2-40B4-BE49-F238E27FC236}">
-                <a16:creationId xmlns:a16="http://schemas.microsoft.com/office/drawing/2014/main" id="{DF32ECA3-056B-4FAD-9B5D-16BD89F20C35}"/>
+                <a16:creationId xmlns:a16="http://schemas.microsoft.com/office/drawing/2014/main" id="{C662BC5F-3B49-4675-8541-ADF98EB865CD}"/>
+              </a:ext>
+            </a:extLst>
+          </p:cNvPr>
+          <p:cNvSpPr/>
+          <p:nvPr/>
+        </p:nvSpPr>
+        <p:spPr>
+          <a:xfrm>
+            <a:off x="3469786" y="965395"/>
+            <a:ext cx="1428983" cy="4826942"/>
+          </a:xfrm>
+          <a:prstGeom prst="rect">
+            <a:avLst/>
+          </a:prstGeom>
+          <a:gradFill flip="none" rotWithShape="1">
+            <a:gsLst>
+              <a:gs pos="0">
+                <a:schemeClr val="accent4">
+                  <a:lumMod val="67000"/>
+                </a:schemeClr>
+              </a:gs>
+              <a:gs pos="48000">
+                <a:schemeClr val="accent4">
+                  <a:lumMod val="97000"/>
+                  <a:lumOff val="3000"/>
+                </a:schemeClr>
+              </a:gs>
+              <a:gs pos="100000">
+                <a:schemeClr val="accent4">
+                  <a:lumMod val="60000"/>
+                  <a:lumOff val="40000"/>
+                </a:schemeClr>
+              </a:gs>
+            </a:gsLst>
+            <a:lin ang="16200000" scaled="1"/>
+            <a:tileRect/>
+          </a:gradFill>
+          <a:ln>
+            <a:noFill/>
+          </a:ln>
+        </p:spPr>
+        <p:style>
+          <a:lnRef idx="0">
+            <a:scrgbClr r="0" g="0" b="0"/>
+          </a:lnRef>
+          <a:fillRef idx="0">
+            <a:scrgbClr r="0" g="0" b="0"/>
+          </a:fillRef>
+          <a:effectRef idx="0">
+            <a:scrgbClr r="0" g="0" b="0"/>
+          </a:effectRef>
+          <a:fontRef idx="minor">
+            <a:schemeClr val="lt1"/>
+          </a:fontRef>
+        </p:style>
+        <p:txBody>
+          <a:bodyPr rtlCol="0" anchor="t"/>
+          <a:lstStyle/>
+          <a:p>
+            <a:pPr algn="ctr"/>
+            <a:r>
+              <a:rPr lang="en-US" dirty="0"/>
+              <a:t>Git</a:t>
+            </a:r>
+          </a:p>
+        </p:txBody>
+      </p:sp>
+      <p:sp>
+        <p:nvSpPr>
+          <p:cNvPr id="5" name="Rectangle 4">
+            <a:extLst>
+              <a:ext uri="{FF2B5EF4-FFF2-40B4-BE49-F238E27FC236}">
+                <a16:creationId xmlns:a16="http://schemas.microsoft.com/office/drawing/2014/main" id="{627E70CB-77C6-4F53-BA98-BBDF3A079C9B}"/>
+              </a:ext>
+            </a:extLst>
+          </p:cNvPr>
+          <p:cNvSpPr/>
+          <p:nvPr/>
+        </p:nvSpPr>
+        <p:spPr>
+          <a:xfrm>
+            <a:off x="1101147" y="959219"/>
+            <a:ext cx="2274765" cy="4513291"/>
+          </a:xfrm>
+          <a:prstGeom prst="rect">
+            <a:avLst/>
+          </a:prstGeom>
+          <a:solidFill>
+            <a:srgbClr val="C00000"/>
+          </a:solidFill>
+        </p:spPr>
+        <p:style>
+          <a:lnRef idx="2">
+            <a:schemeClr val="accent1">
+              <a:shade val="50000"/>
+            </a:schemeClr>
+          </a:lnRef>
+          <a:fillRef idx="1">
+            <a:schemeClr val="accent1"/>
+          </a:fillRef>
+          <a:effectRef idx="0">
+            <a:schemeClr val="accent1"/>
+          </a:effectRef>
+          <a:fontRef idx="minor">
+            <a:schemeClr val="lt1"/>
+          </a:fontRef>
+        </p:style>
+        <p:txBody>
+          <a:bodyPr rtlCol="0" anchor="t"/>
+          <a:lstStyle/>
+          <a:p>
+            <a:pPr algn="ctr"/>
+            <a:r>
+              <a:rPr lang="en-US" dirty="0"/>
+              <a:t>OpenShift Registry</a:t>
+            </a:r>
+          </a:p>
+        </p:txBody>
+      </p:sp>
+      <p:sp>
+        <p:nvSpPr>
+          <p:cNvPr id="9" name="Rectangle 8">
+            <a:extLst>
+              <a:ext uri="{FF2B5EF4-FFF2-40B4-BE49-F238E27FC236}">
+                <a16:creationId xmlns:a16="http://schemas.microsoft.com/office/drawing/2014/main" id="{658D5B1D-6C39-4945-B928-666A7A5708B6}"/>
+              </a:ext>
+            </a:extLst>
+          </p:cNvPr>
+          <p:cNvSpPr/>
+          <p:nvPr/>
+        </p:nvSpPr>
+        <p:spPr>
+          <a:xfrm>
+            <a:off x="5027558" y="959219"/>
+            <a:ext cx="5782054" cy="536217"/>
+          </a:xfrm>
+          <a:prstGeom prst="rect">
+            <a:avLst/>
+          </a:prstGeom>
+          <a:solidFill>
+            <a:srgbClr val="C00000"/>
+          </a:solidFill>
+        </p:spPr>
+        <p:style>
+          <a:lnRef idx="2">
+            <a:schemeClr val="accent1">
+              <a:shade val="50000"/>
+            </a:schemeClr>
+          </a:lnRef>
+          <a:fillRef idx="1">
+            <a:schemeClr val="accent1"/>
+          </a:fillRef>
+          <a:effectRef idx="0">
+            <a:schemeClr val="accent1"/>
+          </a:effectRef>
+          <a:fontRef idx="minor">
+            <a:schemeClr val="lt1"/>
+          </a:fontRef>
+        </p:style>
+        <p:txBody>
+          <a:bodyPr rtlCol="0" anchor="ctr"/>
+          <a:lstStyle/>
+          <a:p>
+            <a:pPr algn="ctr"/>
+            <a:r>
+              <a:rPr lang="en-US" dirty="0"/>
+              <a:t>OpenShift Cluster</a:t>
+            </a:r>
+          </a:p>
+        </p:txBody>
+      </p:sp>
+      <p:sp>
+        <p:nvSpPr>
+          <p:cNvPr id="15" name="Rectangle 14">
+            <a:extLst>
+              <a:ext uri="{FF2B5EF4-FFF2-40B4-BE49-F238E27FC236}">
+                <a16:creationId xmlns:a16="http://schemas.microsoft.com/office/drawing/2014/main" id="{A8C6E649-69D2-49C5-86B9-AB309C90AD84}"/>
+              </a:ext>
+            </a:extLst>
+          </p:cNvPr>
+          <p:cNvSpPr/>
+          <p:nvPr/>
+        </p:nvSpPr>
+        <p:spPr>
+          <a:xfrm>
+            <a:off x="5027558" y="1546068"/>
+            <a:ext cx="5782053" cy="336626"/>
+          </a:xfrm>
+          <a:prstGeom prst="rect">
+            <a:avLst/>
+          </a:prstGeom>
+          <a:solidFill>
+            <a:srgbClr val="002060"/>
+          </a:solidFill>
+        </p:spPr>
+        <p:style>
+          <a:lnRef idx="2">
+            <a:schemeClr val="accent1">
+              <a:shade val="50000"/>
+            </a:schemeClr>
+          </a:lnRef>
+          <a:fillRef idx="1">
+            <a:schemeClr val="accent1"/>
+          </a:fillRef>
+          <a:effectRef idx="0">
+            <a:schemeClr val="accent1"/>
+          </a:effectRef>
+          <a:fontRef idx="minor">
+            <a:schemeClr val="lt1"/>
+          </a:fontRef>
+        </p:style>
+        <p:txBody>
+          <a:bodyPr rtlCol="0" anchor="ctr"/>
+          <a:lstStyle/>
+          <a:p>
+            <a:pPr algn="ctr"/>
+            <a:r>
+              <a:rPr lang="en-US" dirty="0"/>
+              <a:t>IBM Common Service</a:t>
+            </a:r>
+          </a:p>
+        </p:txBody>
+      </p:sp>
+      <p:sp>
+        <p:nvSpPr>
+          <p:cNvPr id="18" name="Rectangle 17">
+            <a:extLst>
+              <a:ext uri="{FF2B5EF4-FFF2-40B4-BE49-F238E27FC236}">
+                <a16:creationId xmlns:a16="http://schemas.microsoft.com/office/drawing/2014/main" id="{0EB48C62-2372-49A1-A36F-FD92B7DFE2FF}"/>
+              </a:ext>
+            </a:extLst>
+          </p:cNvPr>
+          <p:cNvSpPr/>
+          <p:nvPr/>
+        </p:nvSpPr>
+        <p:spPr>
+          <a:xfrm>
+            <a:off x="5253316" y="1947925"/>
+            <a:ext cx="5440681" cy="3439416"/>
+          </a:xfrm>
+          <a:prstGeom prst="rect">
+            <a:avLst/>
+          </a:prstGeom>
+          <a:solidFill>
+            <a:srgbClr val="C00000"/>
+          </a:solidFill>
+        </p:spPr>
+        <p:style>
+          <a:lnRef idx="2">
+            <a:schemeClr val="accent1">
+              <a:shade val="50000"/>
+            </a:schemeClr>
+          </a:lnRef>
+          <a:fillRef idx="1">
+            <a:schemeClr val="accent1"/>
+          </a:fillRef>
+          <a:effectRef idx="0">
+            <a:schemeClr val="accent1"/>
+          </a:effectRef>
+          <a:fontRef idx="minor">
+            <a:schemeClr val="lt1"/>
+          </a:fontRef>
+        </p:style>
+        <p:txBody>
+          <a:bodyPr rtlCol="0" anchor="t"/>
+          <a:lstStyle/>
+          <a:p>
+            <a:pPr algn="ctr"/>
+            <a:r>
+              <a:rPr lang="en-US" dirty="0"/>
+              <a:t>SaaS Environment</a:t>
+            </a:r>
+          </a:p>
+        </p:txBody>
+      </p:sp>
+      <p:sp>
+        <p:nvSpPr>
+          <p:cNvPr id="22" name="Cylinder 21">
+            <a:extLst>
+              <a:ext uri="{FF2B5EF4-FFF2-40B4-BE49-F238E27FC236}">
+                <a16:creationId xmlns:a16="http://schemas.microsoft.com/office/drawing/2014/main" id="{C52CC768-E412-4890-A899-785F066881E1}"/>
+              </a:ext>
+            </a:extLst>
+          </p:cNvPr>
+          <p:cNvSpPr/>
+          <p:nvPr/>
+        </p:nvSpPr>
+        <p:spPr>
+          <a:xfrm>
+            <a:off x="6836033" y="5580218"/>
+            <a:ext cx="914400" cy="504939"/>
+          </a:xfrm>
+          <a:prstGeom prst="can">
+            <a:avLst/>
+          </a:prstGeom>
+          <a:solidFill>
+            <a:schemeClr val="accent6">
+              <a:lumMod val="75000"/>
+            </a:schemeClr>
+          </a:solidFill>
+        </p:spPr>
+        <p:style>
+          <a:lnRef idx="2">
+            <a:schemeClr val="accent1">
+              <a:shade val="50000"/>
+            </a:schemeClr>
+          </a:lnRef>
+          <a:fillRef idx="1">
+            <a:schemeClr val="accent1"/>
+          </a:fillRef>
+          <a:effectRef idx="0">
+            <a:schemeClr val="accent1"/>
+          </a:effectRef>
+          <a:fontRef idx="minor">
+            <a:schemeClr val="lt1"/>
+          </a:fontRef>
+        </p:style>
+        <p:txBody>
+          <a:bodyPr rtlCol="0" anchor="ctr"/>
+          <a:lstStyle/>
+          <a:p>
+            <a:pPr algn="ctr"/>
+            <a:r>
+              <a:rPr lang="en-US" sz="800" dirty="0"/>
+              <a:t>DB2 </a:t>
+            </a:r>
+            <a:r>
+              <a:rPr lang="en-US" sz="800" dirty="0" err="1"/>
+              <a:t>NonConfig</a:t>
+            </a:r>
+            <a:endParaRPr lang="en-US" sz="800" dirty="0"/>
+          </a:p>
+        </p:txBody>
+      </p:sp>
+      <p:sp>
+        <p:nvSpPr>
+          <p:cNvPr id="23" name="Rectangle 22">
+            <a:extLst>
+              <a:ext uri="{FF2B5EF4-FFF2-40B4-BE49-F238E27FC236}">
+                <a16:creationId xmlns:a16="http://schemas.microsoft.com/office/drawing/2014/main" id="{8448B24D-02A4-4D8D-9218-59633BFAF6AB}"/>
+              </a:ext>
+            </a:extLst>
+          </p:cNvPr>
+          <p:cNvSpPr/>
+          <p:nvPr/>
+        </p:nvSpPr>
+        <p:spPr>
+          <a:xfrm>
+            <a:off x="5557862" y="2290182"/>
+            <a:ext cx="4831587" cy="336626"/>
+          </a:xfrm>
+          <a:prstGeom prst="rect">
+            <a:avLst/>
+          </a:prstGeom>
+          <a:solidFill>
+            <a:srgbClr val="002060"/>
+          </a:solidFill>
+        </p:spPr>
+        <p:style>
+          <a:lnRef idx="2">
+            <a:schemeClr val="accent1">
+              <a:shade val="50000"/>
+            </a:schemeClr>
+          </a:lnRef>
+          <a:fillRef idx="1">
+            <a:schemeClr val="accent1"/>
+          </a:fillRef>
+          <a:effectRef idx="0">
+            <a:schemeClr val="accent1"/>
+          </a:effectRef>
+          <a:fontRef idx="minor">
+            <a:schemeClr val="lt1"/>
+          </a:fontRef>
+        </p:style>
+        <p:txBody>
+          <a:bodyPr rtlCol="0" anchor="ctr"/>
+          <a:lstStyle/>
+          <a:p>
+            <a:pPr algn="ctr"/>
+            <a:r>
+              <a:rPr lang="en-US" dirty="0"/>
+              <a:t>Project Setup for OMS</a:t>
+            </a:r>
+          </a:p>
+        </p:txBody>
+      </p:sp>
+      <p:sp>
+        <p:nvSpPr>
+          <p:cNvPr id="24" name="Oval 23">
+            <a:extLst>
+              <a:ext uri="{FF2B5EF4-FFF2-40B4-BE49-F238E27FC236}">
+                <a16:creationId xmlns:a16="http://schemas.microsoft.com/office/drawing/2014/main" id="{20CCDCA1-5DFB-4EC4-96B9-1369FABAE4A6}"/>
+              </a:ext>
+            </a:extLst>
+          </p:cNvPr>
+          <p:cNvSpPr/>
+          <p:nvPr/>
+        </p:nvSpPr>
+        <p:spPr>
+          <a:xfrm>
+            <a:off x="5387789" y="4763082"/>
+            <a:ext cx="914400" cy="504939"/>
+          </a:xfrm>
+          <a:prstGeom prst="ellipse">
+            <a:avLst/>
+          </a:prstGeom>
+          <a:solidFill>
+            <a:schemeClr val="accent6">
+              <a:lumMod val="75000"/>
+            </a:schemeClr>
+          </a:solidFill>
+        </p:spPr>
+        <p:style>
+          <a:lnRef idx="2">
+            <a:schemeClr val="accent1">
+              <a:shade val="50000"/>
+            </a:schemeClr>
+          </a:lnRef>
+          <a:fillRef idx="1">
+            <a:schemeClr val="accent1"/>
+          </a:fillRef>
+          <a:effectRef idx="0">
+            <a:schemeClr val="accent1"/>
+          </a:effectRef>
+          <a:fontRef idx="minor">
+            <a:schemeClr val="lt1"/>
+          </a:fontRef>
+        </p:style>
+        <p:txBody>
+          <a:bodyPr rtlCol="0" anchor="ctr"/>
+          <a:lstStyle/>
+          <a:p>
+            <a:pPr algn="ctr"/>
+            <a:r>
+              <a:rPr lang="en-US" sz="800" dirty="0"/>
+              <a:t>Container</a:t>
+            </a:r>
+          </a:p>
+          <a:p>
+            <a:pPr algn="ctr"/>
+            <a:r>
+              <a:rPr lang="en-US" sz="800" dirty="0"/>
+              <a:t>Build</a:t>
+            </a:r>
+          </a:p>
+          <a:p>
+            <a:pPr algn="ctr"/>
+            <a:r>
+              <a:rPr lang="en-US" sz="800" dirty="0"/>
+              <a:t>Deploy</a:t>
+            </a:r>
+          </a:p>
+        </p:txBody>
+      </p:sp>
+      <p:sp>
+        <p:nvSpPr>
+          <p:cNvPr id="27" name="Flowchart: Direct Access Storage 26">
+            <a:extLst>
+              <a:ext uri="{FF2B5EF4-FFF2-40B4-BE49-F238E27FC236}">
+                <a16:creationId xmlns:a16="http://schemas.microsoft.com/office/drawing/2014/main" id="{00BEB5C7-3E82-496E-A9E5-42E04C2CC432}"/>
+              </a:ext>
+            </a:extLst>
+          </p:cNvPr>
+          <p:cNvSpPr/>
+          <p:nvPr/>
+        </p:nvSpPr>
+        <p:spPr>
+          <a:xfrm>
+            <a:off x="8229603" y="5559628"/>
+            <a:ext cx="914400" cy="504939"/>
+          </a:xfrm>
+          <a:prstGeom prst="flowChartMagneticDrum">
+            <a:avLst/>
+          </a:prstGeom>
+          <a:solidFill>
+            <a:schemeClr val="accent6">
+              <a:lumMod val="75000"/>
+            </a:schemeClr>
+          </a:solidFill>
+        </p:spPr>
+        <p:style>
+          <a:lnRef idx="2">
+            <a:schemeClr val="accent1">
+              <a:shade val="50000"/>
+            </a:schemeClr>
+          </a:lnRef>
+          <a:fillRef idx="1">
+            <a:schemeClr val="accent1"/>
+          </a:fillRef>
+          <a:effectRef idx="0">
+            <a:schemeClr val="accent1"/>
+          </a:effectRef>
+          <a:fontRef idx="minor">
+            <a:schemeClr val="lt1"/>
+          </a:fontRef>
+        </p:style>
+        <p:txBody>
+          <a:bodyPr rtlCol="0" anchor="ctr"/>
+          <a:lstStyle/>
+          <a:p>
+            <a:pPr algn="ctr"/>
+            <a:r>
+              <a:rPr lang="en-US" sz="800" dirty="0"/>
+              <a:t>MQ</a:t>
+            </a:r>
+          </a:p>
+        </p:txBody>
+      </p:sp>
+      <p:sp>
+        <p:nvSpPr>
+          <p:cNvPr id="42" name="Rectangle: Rounded Corners 41">
+            <a:extLst>
+              <a:ext uri="{FF2B5EF4-FFF2-40B4-BE49-F238E27FC236}">
+                <a16:creationId xmlns:a16="http://schemas.microsoft.com/office/drawing/2014/main" id="{90C36B77-720A-4533-8586-534B42688379}"/>
+              </a:ext>
+            </a:extLst>
+          </p:cNvPr>
+          <p:cNvSpPr/>
+          <p:nvPr/>
+        </p:nvSpPr>
+        <p:spPr>
+          <a:xfrm>
+            <a:off x="2318244" y="2158679"/>
+            <a:ext cx="1027032" cy="336626"/>
+          </a:xfrm>
+          <a:prstGeom prst="roundRect">
+            <a:avLst/>
+          </a:prstGeom>
+          <a:gradFill flip="none" rotWithShape="1">
+            <a:gsLst>
+              <a:gs pos="0">
+                <a:schemeClr val="dk1">
+                  <a:lumMod val="67000"/>
+                </a:schemeClr>
+              </a:gs>
+              <a:gs pos="48000">
+                <a:schemeClr val="dk1">
+                  <a:lumMod val="97000"/>
+                  <a:lumOff val="3000"/>
+                </a:schemeClr>
+              </a:gs>
+              <a:gs pos="100000">
+                <a:schemeClr val="dk1">
+                  <a:lumMod val="60000"/>
+                  <a:lumOff val="40000"/>
+                </a:schemeClr>
+              </a:gs>
+            </a:gsLst>
+            <a:lin ang="16200000" scaled="1"/>
+            <a:tileRect/>
+          </a:gradFill>
+          <a:ln>
+            <a:noFill/>
+          </a:ln>
+        </p:spPr>
+        <p:style>
+          <a:lnRef idx="0">
+            <a:scrgbClr r="0" g="0" b="0"/>
+          </a:lnRef>
+          <a:fillRef idx="0">
+            <a:scrgbClr r="0" g="0" b="0"/>
+          </a:fillRef>
+          <a:effectRef idx="0">
+            <a:scrgbClr r="0" g="0" b="0"/>
+          </a:effectRef>
+          <a:fontRef idx="minor">
+            <a:schemeClr val="lt1"/>
+          </a:fontRef>
+        </p:style>
+        <p:txBody>
+          <a:bodyPr rtlCol="0" anchor="ctr"/>
+          <a:lstStyle/>
+          <a:p>
+            <a:pPr algn="ctr"/>
+            <a:r>
+              <a:rPr lang="en-US" sz="900" dirty="0"/>
+              <a:t>Image</a:t>
+            </a:r>
+          </a:p>
+          <a:p>
+            <a:pPr algn="ctr"/>
+            <a:r>
+              <a:rPr lang="en-US" sz="900" dirty="0"/>
+              <a:t>Service A Agent</a:t>
+            </a:r>
+          </a:p>
+        </p:txBody>
+      </p:sp>
+      <p:sp>
+        <p:nvSpPr>
+          <p:cNvPr id="43" name="Rectangle: Rounded Corners 42">
+            <a:extLst>
+              <a:ext uri="{FF2B5EF4-FFF2-40B4-BE49-F238E27FC236}">
+                <a16:creationId xmlns:a16="http://schemas.microsoft.com/office/drawing/2014/main" id="{D908A264-91E7-4657-9E53-ABAD9AF343A2}"/>
+              </a:ext>
+            </a:extLst>
+          </p:cNvPr>
+          <p:cNvSpPr/>
+          <p:nvPr/>
+        </p:nvSpPr>
+        <p:spPr>
+          <a:xfrm>
+            <a:off x="1210499" y="2158679"/>
+            <a:ext cx="1027032" cy="336626"/>
+          </a:xfrm>
+          <a:prstGeom prst="roundRect">
+            <a:avLst/>
+          </a:prstGeom>
+          <a:gradFill flip="none" rotWithShape="1">
+            <a:gsLst>
+              <a:gs pos="0">
+                <a:schemeClr val="dk1">
+                  <a:lumMod val="67000"/>
+                </a:schemeClr>
+              </a:gs>
+              <a:gs pos="48000">
+                <a:schemeClr val="dk1">
+                  <a:lumMod val="97000"/>
+                  <a:lumOff val="3000"/>
+                </a:schemeClr>
+              </a:gs>
+              <a:gs pos="100000">
+                <a:schemeClr val="dk1">
+                  <a:lumMod val="60000"/>
+                  <a:lumOff val="40000"/>
+                </a:schemeClr>
+              </a:gs>
+            </a:gsLst>
+            <a:lin ang="16200000" scaled="1"/>
+            <a:tileRect/>
+          </a:gradFill>
+          <a:ln>
+            <a:noFill/>
+          </a:ln>
+        </p:spPr>
+        <p:style>
+          <a:lnRef idx="0">
+            <a:scrgbClr r="0" g="0" b="0"/>
+          </a:lnRef>
+          <a:fillRef idx="0">
+            <a:scrgbClr r="0" g="0" b="0"/>
+          </a:fillRef>
+          <a:effectRef idx="0">
+            <a:scrgbClr r="0" g="0" b="0"/>
+          </a:effectRef>
+          <a:fontRef idx="minor">
+            <a:schemeClr val="lt1"/>
+          </a:fontRef>
+        </p:style>
+        <p:txBody>
+          <a:bodyPr rtlCol="0" anchor="ctr"/>
+          <a:lstStyle/>
+          <a:p>
+            <a:pPr algn="ctr"/>
+            <a:r>
+              <a:rPr lang="en-US" sz="900" dirty="0"/>
+              <a:t>Image</a:t>
+            </a:r>
+          </a:p>
+          <a:p>
+            <a:pPr algn="ctr"/>
+            <a:r>
+              <a:rPr lang="en-US" sz="900" dirty="0"/>
+              <a:t>Service A App</a:t>
+            </a:r>
+          </a:p>
+        </p:txBody>
+      </p:sp>
+      <p:sp>
+        <p:nvSpPr>
+          <p:cNvPr id="44" name="Rectangle 43">
+            <a:extLst>
+              <a:ext uri="{FF2B5EF4-FFF2-40B4-BE49-F238E27FC236}">
+                <a16:creationId xmlns:a16="http://schemas.microsoft.com/office/drawing/2014/main" id="{E854220E-7334-4E87-ADF8-20447D8793FD}"/>
+              </a:ext>
+            </a:extLst>
+          </p:cNvPr>
+          <p:cNvSpPr/>
+          <p:nvPr/>
+        </p:nvSpPr>
+        <p:spPr>
+          <a:xfrm>
+            <a:off x="3501968" y="1440336"/>
+            <a:ext cx="1364619" cy="974786"/>
+          </a:xfrm>
+          <a:prstGeom prst="rect">
+            <a:avLst/>
+          </a:prstGeom>
+          <a:gradFill flip="none" rotWithShape="1">
+            <a:gsLst>
+              <a:gs pos="0">
+                <a:schemeClr val="accent2">
+                  <a:lumMod val="67000"/>
+                </a:schemeClr>
+              </a:gs>
+              <a:gs pos="48000">
+                <a:schemeClr val="accent2">
+                  <a:lumMod val="97000"/>
+                  <a:lumOff val="3000"/>
+                </a:schemeClr>
+              </a:gs>
+              <a:gs pos="100000">
+                <a:schemeClr val="accent2">
+                  <a:lumMod val="60000"/>
+                  <a:lumOff val="40000"/>
+                </a:schemeClr>
+              </a:gs>
+            </a:gsLst>
+            <a:lin ang="16200000" scaled="1"/>
+            <a:tileRect/>
+          </a:gradFill>
+          <a:ln>
+            <a:noFill/>
+          </a:ln>
+        </p:spPr>
+        <p:style>
+          <a:lnRef idx="0">
+            <a:scrgbClr r="0" g="0" b="0"/>
+          </a:lnRef>
+          <a:fillRef idx="0">
+            <a:scrgbClr r="0" g="0" b="0"/>
+          </a:fillRef>
+          <a:effectRef idx="0">
+            <a:scrgbClr r="0" g="0" b="0"/>
+          </a:effectRef>
+          <a:fontRef idx="minor">
+            <a:schemeClr val="lt1"/>
+          </a:fontRef>
+        </p:style>
+        <p:txBody>
+          <a:bodyPr rtlCol="0" anchor="t"/>
+          <a:lstStyle/>
+          <a:p>
+            <a:pPr algn="ctr"/>
+            <a:r>
+              <a:rPr lang="en-US" dirty="0"/>
+              <a:t>Group</a:t>
+            </a:r>
+          </a:p>
+        </p:txBody>
+      </p:sp>
+      <p:sp>
+        <p:nvSpPr>
+          <p:cNvPr id="45" name="Rectangle: Top Corners One Rounded and One Snipped 44">
+            <a:extLst>
+              <a:ext uri="{FF2B5EF4-FFF2-40B4-BE49-F238E27FC236}">
+                <a16:creationId xmlns:a16="http://schemas.microsoft.com/office/drawing/2014/main" id="{1FA02430-74C9-42CD-979B-269B46A12438}"/>
+              </a:ext>
+            </a:extLst>
+          </p:cNvPr>
+          <p:cNvSpPr/>
+          <p:nvPr/>
+        </p:nvSpPr>
+        <p:spPr>
+          <a:xfrm>
+            <a:off x="3880805" y="1947924"/>
+            <a:ext cx="596347" cy="336627"/>
+          </a:xfrm>
+          <a:prstGeom prst="snipRoundRect">
+            <a:avLst/>
+          </a:prstGeom>
+        </p:spPr>
+        <p:style>
+          <a:lnRef idx="2">
+            <a:schemeClr val="accent1">
+              <a:shade val="50000"/>
+            </a:schemeClr>
+          </a:lnRef>
+          <a:fillRef idx="1">
+            <a:schemeClr val="accent1"/>
+          </a:fillRef>
+          <a:effectRef idx="0">
+            <a:schemeClr val="accent1"/>
+          </a:effectRef>
+          <a:fontRef idx="minor">
+            <a:schemeClr val="lt1"/>
+          </a:fontRef>
+        </p:style>
+        <p:txBody>
+          <a:bodyPr rtlCol="0" anchor="ctr"/>
+          <a:lstStyle/>
+          <a:p>
+            <a:pPr algn="ctr"/>
+            <a:r>
+              <a:rPr lang="en-US" sz="800" dirty="0"/>
+              <a:t>Group Entities</a:t>
+            </a:r>
+          </a:p>
+        </p:txBody>
+      </p:sp>
+      <p:sp>
+        <p:nvSpPr>
+          <p:cNvPr id="25" name="Oval 24">
+            <a:extLst>
+              <a:ext uri="{FF2B5EF4-FFF2-40B4-BE49-F238E27FC236}">
+                <a16:creationId xmlns:a16="http://schemas.microsoft.com/office/drawing/2014/main" id="{11600F30-8475-4B7E-BAAF-8E0714DDCECD}"/>
+              </a:ext>
+            </a:extLst>
+          </p:cNvPr>
+          <p:cNvSpPr/>
+          <p:nvPr/>
+        </p:nvSpPr>
+        <p:spPr>
+          <a:xfrm>
+            <a:off x="6146573" y="2818563"/>
+            <a:ext cx="914400" cy="504939"/>
+          </a:xfrm>
+          <a:prstGeom prst="ellipse">
+            <a:avLst/>
+          </a:prstGeom>
+          <a:gradFill flip="none" rotWithShape="1">
+            <a:gsLst>
+              <a:gs pos="0">
+                <a:schemeClr val="dk1">
+                  <a:lumMod val="67000"/>
+                </a:schemeClr>
+              </a:gs>
+              <a:gs pos="48000">
+                <a:schemeClr val="dk1">
+                  <a:lumMod val="97000"/>
+                  <a:lumOff val="3000"/>
+                </a:schemeClr>
+              </a:gs>
+              <a:gs pos="100000">
+                <a:schemeClr val="dk1">
+                  <a:lumMod val="60000"/>
+                  <a:lumOff val="40000"/>
+                </a:schemeClr>
+              </a:gs>
+            </a:gsLst>
+            <a:lin ang="16200000" scaled="1"/>
+            <a:tileRect/>
+          </a:gradFill>
+          <a:ln>
+            <a:noFill/>
+          </a:ln>
+        </p:spPr>
+        <p:style>
+          <a:lnRef idx="0">
+            <a:scrgbClr r="0" g="0" b="0"/>
+          </a:lnRef>
+          <a:fillRef idx="0">
+            <a:scrgbClr r="0" g="0" b="0"/>
+          </a:fillRef>
+          <a:effectRef idx="0">
+            <a:scrgbClr r="0" g="0" b="0"/>
+          </a:effectRef>
+          <a:fontRef idx="minor">
+            <a:schemeClr val="lt1"/>
+          </a:fontRef>
+        </p:style>
+        <p:txBody>
+          <a:bodyPr rtlCol="0" anchor="ctr"/>
+          <a:lstStyle/>
+          <a:p>
+            <a:pPr algn="ctr"/>
+            <a:r>
+              <a:rPr lang="en-US" sz="900" dirty="0"/>
+              <a:t>Container</a:t>
+            </a:r>
+          </a:p>
+          <a:p>
+            <a:pPr algn="ctr"/>
+            <a:r>
+              <a:rPr lang="en-US" sz="900" dirty="0"/>
+              <a:t>Service A1 App</a:t>
+            </a:r>
+          </a:p>
+        </p:txBody>
+      </p:sp>
+      <p:sp>
+        <p:nvSpPr>
+          <p:cNvPr id="26" name="Oval 25">
+            <a:extLst>
+              <a:ext uri="{FF2B5EF4-FFF2-40B4-BE49-F238E27FC236}">
+                <a16:creationId xmlns:a16="http://schemas.microsoft.com/office/drawing/2014/main" id="{11D941F9-5E80-45C3-A062-FC0F5D88C65E}"/>
+              </a:ext>
+            </a:extLst>
+          </p:cNvPr>
+          <p:cNvSpPr/>
+          <p:nvPr/>
+        </p:nvSpPr>
+        <p:spPr>
+          <a:xfrm>
+            <a:off x="6258765" y="3607180"/>
+            <a:ext cx="914400" cy="504939"/>
+          </a:xfrm>
+          <a:prstGeom prst="ellipse">
+            <a:avLst/>
+          </a:prstGeom>
+          <a:gradFill flip="none" rotWithShape="1">
+            <a:gsLst>
+              <a:gs pos="0">
+                <a:schemeClr val="dk1">
+                  <a:lumMod val="67000"/>
+                </a:schemeClr>
+              </a:gs>
+              <a:gs pos="48000">
+                <a:schemeClr val="dk1">
+                  <a:lumMod val="97000"/>
+                  <a:lumOff val="3000"/>
+                </a:schemeClr>
+              </a:gs>
+              <a:gs pos="100000">
+                <a:schemeClr val="dk1">
+                  <a:lumMod val="60000"/>
+                  <a:lumOff val="40000"/>
+                </a:schemeClr>
+              </a:gs>
+            </a:gsLst>
+            <a:lin ang="16200000" scaled="1"/>
+            <a:tileRect/>
+          </a:gradFill>
+          <a:ln>
+            <a:noFill/>
+          </a:ln>
+        </p:spPr>
+        <p:style>
+          <a:lnRef idx="0">
+            <a:scrgbClr r="0" g="0" b="0"/>
+          </a:lnRef>
+          <a:fillRef idx="0">
+            <a:scrgbClr r="0" g="0" b="0"/>
+          </a:fillRef>
+          <a:effectRef idx="0">
+            <a:scrgbClr r="0" g="0" b="0"/>
+          </a:effectRef>
+          <a:fontRef idx="minor">
+            <a:schemeClr val="lt1"/>
+          </a:fontRef>
+        </p:style>
+        <p:txBody>
+          <a:bodyPr rtlCol="0" anchor="ctr"/>
+          <a:lstStyle/>
+          <a:p>
+            <a:pPr algn="ctr"/>
+            <a:r>
+              <a:rPr lang="en-US" sz="900" dirty="0"/>
+              <a:t>Container</a:t>
+            </a:r>
+          </a:p>
+          <a:p>
+            <a:pPr algn="ctr"/>
+            <a:r>
+              <a:rPr lang="en-US" sz="900" dirty="0"/>
+              <a:t>Service A2 Agent</a:t>
+            </a:r>
+          </a:p>
+        </p:txBody>
+      </p:sp>
+      <p:sp>
+        <p:nvSpPr>
+          <p:cNvPr id="14" name="TextBox 13">
+            <a:extLst>
+              <a:ext uri="{FF2B5EF4-FFF2-40B4-BE49-F238E27FC236}">
+                <a16:creationId xmlns:a16="http://schemas.microsoft.com/office/drawing/2014/main" id="{498BD242-18AD-416D-AF32-866E4748C022}"/>
               </a:ext>
             </a:extLst>
           </p:cNvPr>
@@ -27885,8 +32313,8 @@
         </p:nvSpPr>
         <p:spPr>
           <a:xfrm>
-            <a:off x="704641" y="1117264"/>
-            <a:ext cx="10827451" cy="4524315"/>
+            <a:off x="5989945" y="3225299"/>
+            <a:ext cx="1769587" cy="307777"/>
           </a:xfrm>
           <a:prstGeom prst="rect">
             <a:avLst/>
@@ -27894,96 +32322,2286 @@
           <a:noFill/>
         </p:spPr>
         <p:txBody>
-          <a:bodyPr wrap="square" rtlCol="0">
+          <a:bodyPr wrap="none" rtlCol="0">
             <a:spAutoFit/>
           </a:bodyPr>
           <a:lstStyle/>
           <a:p>
             <a:r>
-              <a:rPr lang="en-US" sz="2400" dirty="0"/>
-              <a:t>Assumptions:</a:t>
-            </a:r>
-          </a:p>
-          <a:p>
-            <a:pPr marL="285750" indent="-285750">
-              <a:buFontTx/>
-              <a:buChar char="-"/>
-            </a:pPr>
-            <a:r>
-              <a:rPr lang="en-US" sz="2400" dirty="0"/>
-              <a:t>Client has license for Multi-schema</a:t>
-            </a:r>
-          </a:p>
-          <a:p>
-            <a:pPr marL="285750" indent="-285750">
-              <a:buFontTx/>
-              <a:buChar char="-"/>
-            </a:pPr>
-            <a:r>
-              <a:rPr lang="en-US" sz="2400" dirty="0"/>
-              <a:t>It is possible for a Multi-schema setup with individual configuration schemas while sharing non-config schemas (meta, statistics, master, transaction)</a:t>
-            </a:r>
-          </a:p>
-          <a:p>
-            <a:endParaRPr lang="en-US" sz="2400" dirty="0"/>
-          </a:p>
-          <a:p>
-            <a:r>
-              <a:rPr lang="en-US" sz="2400" dirty="0"/>
-              <a:t>Product Features Required:</a:t>
-            </a:r>
-          </a:p>
-          <a:p>
-            <a:pPr marL="285750" indent="-285750">
-              <a:buFontTx/>
-              <a:buChar char="-"/>
-            </a:pPr>
-            <a:r>
-              <a:rPr lang="en-US" sz="2400" dirty="0"/>
-              <a:t>Multi-schema support</a:t>
-            </a:r>
-          </a:p>
-          <a:p>
-            <a:endParaRPr lang="en-US" sz="2400" dirty="0"/>
-          </a:p>
-          <a:p>
-            <a:r>
-              <a:rPr lang="en-US" sz="2400" dirty="0"/>
-              <a:t>Product Enhancement:</a:t>
-            </a:r>
-          </a:p>
-          <a:p>
-            <a:pPr marL="285750" indent="-285750">
-              <a:buFontTx/>
-              <a:buChar char="-"/>
-            </a:pPr>
-            <a:r>
-              <a:rPr lang="en-US" sz="2400" dirty="0"/>
-              <a:t>Configuration inheritance</a:t>
-            </a:r>
-          </a:p>
-          <a:p>
-            <a:pPr marL="285750" indent="-285750">
-              <a:buFontTx/>
-              <a:buChar char="-"/>
-            </a:pPr>
-            <a:endParaRPr lang="en-US" sz="2400" dirty="0"/>
-          </a:p>
-          <a:p>
-            <a:endParaRPr lang="en-US" sz="2400" dirty="0"/>
+              <a:rPr lang="en-US" sz="1400" b="1" dirty="0" err="1">
+                <a:solidFill>
+                  <a:srgbClr val="0D0D0D"/>
+                </a:solidFill>
+              </a:rPr>
+              <a:t>findInventory</a:t>
+            </a:r>
+            <a:r>
+              <a:rPr lang="en-US" sz="1400" b="1" dirty="0">
+                <a:solidFill>
+                  <a:srgbClr val="0D0D0D"/>
+                </a:solidFill>
+              </a:rPr>
+              <a:t> Service</a:t>
+            </a:r>
+          </a:p>
+        </p:txBody>
+      </p:sp>
+      <p:sp>
+        <p:nvSpPr>
+          <p:cNvPr id="38" name="Rectangle 37">
+            <a:extLst>
+              <a:ext uri="{FF2B5EF4-FFF2-40B4-BE49-F238E27FC236}">
+                <a16:creationId xmlns:a16="http://schemas.microsoft.com/office/drawing/2014/main" id="{141A9696-2499-43F5-BBC6-533E1CF139E4}"/>
+              </a:ext>
+            </a:extLst>
+          </p:cNvPr>
+          <p:cNvSpPr/>
+          <p:nvPr/>
+        </p:nvSpPr>
+        <p:spPr>
+          <a:xfrm>
+            <a:off x="3501968" y="2570910"/>
+            <a:ext cx="1364619" cy="849579"/>
+          </a:xfrm>
+          <a:prstGeom prst="rect">
+            <a:avLst/>
+          </a:prstGeom>
+          <a:solidFill>
+            <a:schemeClr val="bg1">
+              <a:lumMod val="65000"/>
+              <a:lumOff val="35000"/>
+            </a:schemeClr>
+          </a:solidFill>
+          <a:ln>
+            <a:noFill/>
+          </a:ln>
+        </p:spPr>
+        <p:style>
+          <a:lnRef idx="0">
+            <a:scrgbClr r="0" g="0" b="0"/>
+          </a:lnRef>
+          <a:fillRef idx="0">
+            <a:scrgbClr r="0" g="0" b="0"/>
+          </a:fillRef>
+          <a:effectRef idx="0">
+            <a:scrgbClr r="0" g="0" b="0"/>
+          </a:effectRef>
+          <a:fontRef idx="minor">
+            <a:schemeClr val="lt1"/>
+          </a:fontRef>
+        </p:style>
+        <p:txBody>
+          <a:bodyPr rtlCol="0" anchor="t"/>
+          <a:lstStyle/>
+          <a:p>
+            <a:pPr algn="ctr"/>
+            <a:r>
+              <a:rPr lang="en-US" dirty="0" err="1"/>
+              <a:t>Srvc</a:t>
+            </a:r>
+            <a:r>
+              <a:rPr lang="en-US" dirty="0"/>
+              <a:t> A</a:t>
+            </a:r>
+          </a:p>
+        </p:txBody>
+      </p:sp>
+      <p:sp>
+        <p:nvSpPr>
+          <p:cNvPr id="40" name="Rectangle: Top Corners One Rounded and One Snipped 39">
+            <a:extLst>
+              <a:ext uri="{FF2B5EF4-FFF2-40B4-BE49-F238E27FC236}">
+                <a16:creationId xmlns:a16="http://schemas.microsoft.com/office/drawing/2014/main" id="{342CB059-56E3-416F-A0CE-5EAA544FBDF9}"/>
+              </a:ext>
+            </a:extLst>
+          </p:cNvPr>
+          <p:cNvSpPr/>
+          <p:nvPr/>
+        </p:nvSpPr>
+        <p:spPr>
+          <a:xfrm>
+            <a:off x="3559806" y="2947922"/>
+            <a:ext cx="548640" cy="329184"/>
+          </a:xfrm>
+          <a:prstGeom prst="snipRoundRect">
+            <a:avLst/>
+          </a:prstGeom>
+          <a:ln/>
+        </p:spPr>
+        <p:style>
+          <a:lnRef idx="0">
+            <a:schemeClr val="dk1"/>
+          </a:lnRef>
+          <a:fillRef idx="3">
+            <a:schemeClr val="dk1"/>
+          </a:fillRef>
+          <a:effectRef idx="3">
+            <a:schemeClr val="dk1"/>
+          </a:effectRef>
+          <a:fontRef idx="minor">
+            <a:schemeClr val="lt1"/>
+          </a:fontRef>
+        </p:style>
+        <p:txBody>
+          <a:bodyPr rtlCol="0" anchor="ctr"/>
+          <a:lstStyle/>
+          <a:p>
+            <a:pPr algn="ctr"/>
+            <a:r>
+              <a:rPr lang="en-US" sz="800" dirty="0" err="1"/>
+              <a:t>Srvc</a:t>
+            </a:r>
+            <a:r>
+              <a:rPr lang="en-US" sz="800" dirty="0"/>
+              <a:t> A Code</a:t>
+            </a:r>
+          </a:p>
+        </p:txBody>
+      </p:sp>
+      <p:sp>
+        <p:nvSpPr>
+          <p:cNvPr id="20" name="Rectangle: Top Corners One Rounded and One Snipped 19">
+            <a:extLst>
+              <a:ext uri="{FF2B5EF4-FFF2-40B4-BE49-F238E27FC236}">
+                <a16:creationId xmlns:a16="http://schemas.microsoft.com/office/drawing/2014/main" id="{6A5C490F-E6F7-44C3-8B87-EDE8D1419A49}"/>
+              </a:ext>
+            </a:extLst>
+          </p:cNvPr>
+          <p:cNvSpPr/>
+          <p:nvPr/>
+        </p:nvSpPr>
+        <p:spPr>
+          <a:xfrm>
+            <a:off x="4260312" y="2942563"/>
+            <a:ext cx="548640" cy="329184"/>
+          </a:xfrm>
+          <a:prstGeom prst="snipRoundRect">
+            <a:avLst/>
+          </a:prstGeom>
+          <a:ln/>
+        </p:spPr>
+        <p:style>
+          <a:lnRef idx="0">
+            <a:schemeClr val="dk1"/>
+          </a:lnRef>
+          <a:fillRef idx="3">
+            <a:schemeClr val="dk1"/>
+          </a:fillRef>
+          <a:effectRef idx="3">
+            <a:schemeClr val="dk1"/>
+          </a:effectRef>
+          <a:fontRef idx="minor">
+            <a:schemeClr val="lt1"/>
+          </a:fontRef>
+        </p:style>
+        <p:txBody>
+          <a:bodyPr rtlCol="0" anchor="ctr"/>
+          <a:lstStyle/>
+          <a:p>
+            <a:pPr algn="ctr"/>
+            <a:r>
+              <a:rPr lang="en-US" sz="800" dirty="0" err="1"/>
+              <a:t>Srvc</a:t>
+            </a:r>
+            <a:r>
+              <a:rPr lang="en-US" sz="800" dirty="0"/>
+              <a:t> A CDT</a:t>
+            </a:r>
+          </a:p>
+        </p:txBody>
+      </p:sp>
+      <p:grpSp>
+        <p:nvGrpSpPr>
+          <p:cNvPr id="19" name="Group 18">
+            <a:extLst>
+              <a:ext uri="{FF2B5EF4-FFF2-40B4-BE49-F238E27FC236}">
+                <a16:creationId xmlns:a16="http://schemas.microsoft.com/office/drawing/2014/main" id="{9DAF8ADE-22CB-4F81-9188-C5F5E346A2F1}"/>
+              </a:ext>
+            </a:extLst>
+          </p:cNvPr>
+          <p:cNvGrpSpPr/>
+          <p:nvPr/>
+        </p:nvGrpSpPr>
+        <p:grpSpPr>
+          <a:xfrm>
+            <a:off x="8845712" y="3429000"/>
+            <a:ext cx="1789023" cy="1489330"/>
+            <a:chOff x="8632352" y="4076481"/>
+            <a:chExt cx="1789023" cy="1489330"/>
+          </a:xfrm>
+        </p:grpSpPr>
+        <p:sp>
+          <p:nvSpPr>
+            <p:cNvPr id="51" name="Oval 50">
+              <a:extLst>
+                <a:ext uri="{FF2B5EF4-FFF2-40B4-BE49-F238E27FC236}">
+                  <a16:creationId xmlns:a16="http://schemas.microsoft.com/office/drawing/2014/main" id="{D1BF8DC1-24C0-4FF1-B4B8-C129E587EAA7}"/>
+                </a:ext>
+              </a:extLst>
+            </p:cNvPr>
+            <p:cNvSpPr/>
+            <p:nvPr/>
+          </p:nvSpPr>
+          <p:spPr>
+            <a:xfrm>
+              <a:off x="8632352" y="4700417"/>
+              <a:ext cx="914400" cy="504939"/>
+            </a:xfrm>
+            <a:prstGeom prst="ellipse">
+              <a:avLst/>
+            </a:prstGeom>
+            <a:gradFill flip="none" rotWithShape="1">
+              <a:gsLst>
+                <a:gs pos="0">
+                  <a:schemeClr val="accent5">
+                    <a:lumMod val="67000"/>
+                  </a:schemeClr>
+                </a:gs>
+                <a:gs pos="48000">
+                  <a:schemeClr val="accent5">
+                    <a:lumMod val="97000"/>
+                    <a:lumOff val="3000"/>
+                  </a:schemeClr>
+                </a:gs>
+                <a:gs pos="100000">
+                  <a:schemeClr val="accent5">
+                    <a:lumMod val="60000"/>
+                    <a:lumOff val="40000"/>
+                  </a:schemeClr>
+                </a:gs>
+              </a:gsLst>
+              <a:lin ang="16200000" scaled="1"/>
+              <a:tileRect/>
+            </a:gradFill>
+            <a:ln>
+              <a:noFill/>
+            </a:ln>
+          </p:spPr>
+          <p:style>
+            <a:lnRef idx="0">
+              <a:scrgbClr r="0" g="0" b="0"/>
+            </a:lnRef>
+            <a:fillRef idx="0">
+              <a:scrgbClr r="0" g="0" b="0"/>
+            </a:fillRef>
+            <a:effectRef idx="0">
+              <a:scrgbClr r="0" g="0" b="0"/>
+            </a:effectRef>
+            <a:fontRef idx="minor">
+              <a:schemeClr val="lt1"/>
+            </a:fontRef>
+          </p:style>
+          <p:txBody>
+            <a:bodyPr rtlCol="0" anchor="ctr"/>
+            <a:lstStyle/>
+            <a:p>
+              <a:pPr algn="ctr"/>
+              <a:r>
+                <a:rPr lang="en-US" sz="900" dirty="0"/>
+                <a:t>Container</a:t>
+              </a:r>
+            </a:p>
+            <a:p>
+              <a:pPr algn="ctr"/>
+              <a:r>
+                <a:rPr lang="en-US" sz="900" dirty="0"/>
+                <a:t>Service B1 Config</a:t>
+              </a:r>
+            </a:p>
+          </p:txBody>
+        </p:sp>
+        <p:sp>
+          <p:nvSpPr>
+            <p:cNvPr id="52" name="Oval 51">
+              <a:extLst>
+                <a:ext uri="{FF2B5EF4-FFF2-40B4-BE49-F238E27FC236}">
+                  <a16:creationId xmlns:a16="http://schemas.microsoft.com/office/drawing/2014/main" id="{D37AB39E-33E2-4BD3-9EAF-18BD0A617AC4}"/>
+                </a:ext>
+              </a:extLst>
+            </p:cNvPr>
+            <p:cNvSpPr/>
+            <p:nvPr/>
+          </p:nvSpPr>
+          <p:spPr>
+            <a:xfrm>
+              <a:off x="9506975" y="4416038"/>
+              <a:ext cx="914400" cy="504939"/>
+            </a:xfrm>
+            <a:prstGeom prst="ellipse">
+              <a:avLst/>
+            </a:prstGeom>
+            <a:gradFill flip="none" rotWithShape="1">
+              <a:gsLst>
+                <a:gs pos="0">
+                  <a:schemeClr val="accent5">
+                    <a:lumMod val="67000"/>
+                  </a:schemeClr>
+                </a:gs>
+                <a:gs pos="48000">
+                  <a:schemeClr val="accent5">
+                    <a:lumMod val="97000"/>
+                    <a:lumOff val="3000"/>
+                  </a:schemeClr>
+                </a:gs>
+                <a:gs pos="100000">
+                  <a:schemeClr val="accent5">
+                    <a:lumMod val="60000"/>
+                    <a:lumOff val="40000"/>
+                  </a:schemeClr>
+                </a:gs>
+              </a:gsLst>
+              <a:lin ang="16200000" scaled="1"/>
+              <a:tileRect/>
+            </a:gradFill>
+            <a:ln>
+              <a:noFill/>
+            </a:ln>
+          </p:spPr>
+          <p:style>
+            <a:lnRef idx="0">
+              <a:scrgbClr r="0" g="0" b="0"/>
+            </a:lnRef>
+            <a:fillRef idx="0">
+              <a:scrgbClr r="0" g="0" b="0"/>
+            </a:fillRef>
+            <a:effectRef idx="0">
+              <a:scrgbClr r="0" g="0" b="0"/>
+            </a:effectRef>
+            <a:fontRef idx="minor">
+              <a:schemeClr val="lt1"/>
+            </a:fontRef>
+          </p:style>
+          <p:txBody>
+            <a:bodyPr rtlCol="0" anchor="ctr"/>
+            <a:lstStyle/>
+            <a:p>
+              <a:pPr algn="ctr"/>
+              <a:r>
+                <a:rPr lang="en-US" sz="900" dirty="0"/>
+                <a:t>Container</a:t>
+              </a:r>
+            </a:p>
+            <a:p>
+              <a:pPr algn="ctr"/>
+              <a:r>
+                <a:rPr lang="en-US" sz="900" dirty="0"/>
+                <a:t>Service B1 App</a:t>
+              </a:r>
+            </a:p>
+          </p:txBody>
+        </p:sp>
+        <p:sp>
+          <p:nvSpPr>
+            <p:cNvPr id="53" name="Oval 52">
+              <a:extLst>
+                <a:ext uri="{FF2B5EF4-FFF2-40B4-BE49-F238E27FC236}">
+                  <a16:creationId xmlns:a16="http://schemas.microsoft.com/office/drawing/2014/main" id="{D94A9E0F-B4B8-48B2-8497-89EB568A0264}"/>
+                </a:ext>
+              </a:extLst>
+            </p:cNvPr>
+            <p:cNvSpPr/>
+            <p:nvPr/>
+          </p:nvSpPr>
+          <p:spPr>
+            <a:xfrm>
+              <a:off x="9482575" y="5060872"/>
+              <a:ext cx="914400" cy="504939"/>
+            </a:xfrm>
+            <a:prstGeom prst="ellipse">
+              <a:avLst/>
+            </a:prstGeom>
+            <a:gradFill flip="none" rotWithShape="1">
+              <a:gsLst>
+                <a:gs pos="0">
+                  <a:schemeClr val="accent5">
+                    <a:lumMod val="67000"/>
+                  </a:schemeClr>
+                </a:gs>
+                <a:gs pos="48000">
+                  <a:schemeClr val="accent5">
+                    <a:lumMod val="97000"/>
+                    <a:lumOff val="3000"/>
+                  </a:schemeClr>
+                </a:gs>
+                <a:gs pos="100000">
+                  <a:schemeClr val="accent5">
+                    <a:lumMod val="60000"/>
+                    <a:lumOff val="40000"/>
+                  </a:schemeClr>
+                </a:gs>
+              </a:gsLst>
+              <a:lin ang="16200000" scaled="1"/>
+              <a:tileRect/>
+            </a:gradFill>
+            <a:ln>
+              <a:noFill/>
+            </a:ln>
+          </p:spPr>
+          <p:style>
+            <a:lnRef idx="0">
+              <a:scrgbClr r="0" g="0" b="0"/>
+            </a:lnRef>
+            <a:fillRef idx="0">
+              <a:scrgbClr r="0" g="0" b="0"/>
+            </a:fillRef>
+            <a:effectRef idx="0">
+              <a:scrgbClr r="0" g="0" b="0"/>
+            </a:effectRef>
+            <a:fontRef idx="minor">
+              <a:schemeClr val="lt1"/>
+            </a:fontRef>
+          </p:style>
+          <p:txBody>
+            <a:bodyPr rtlCol="0" anchor="ctr"/>
+            <a:lstStyle/>
+            <a:p>
+              <a:pPr algn="ctr"/>
+              <a:r>
+                <a:rPr lang="en-US" sz="900" dirty="0"/>
+                <a:t>Container</a:t>
+              </a:r>
+            </a:p>
+            <a:p>
+              <a:pPr algn="ctr"/>
+              <a:r>
+                <a:rPr lang="en-US" sz="900" dirty="0"/>
+                <a:t>Service B1 Agent</a:t>
+              </a:r>
+            </a:p>
+          </p:txBody>
+        </p:sp>
+        <p:sp>
+          <p:nvSpPr>
+            <p:cNvPr id="56" name="TextBox 55">
+              <a:extLst>
+                <a:ext uri="{FF2B5EF4-FFF2-40B4-BE49-F238E27FC236}">
+                  <a16:creationId xmlns:a16="http://schemas.microsoft.com/office/drawing/2014/main" id="{C72D7292-D2F9-4D63-84BA-3520DA887065}"/>
+                </a:ext>
+              </a:extLst>
+            </p:cNvPr>
+            <p:cNvSpPr txBox="1"/>
+            <p:nvPr/>
+          </p:nvSpPr>
+          <p:spPr>
+            <a:xfrm>
+              <a:off x="8709663" y="4076481"/>
+              <a:ext cx="1309013" cy="307777"/>
+            </a:xfrm>
+            <a:prstGeom prst="rect">
+              <a:avLst/>
+            </a:prstGeom>
+            <a:noFill/>
+          </p:spPr>
+          <p:txBody>
+            <a:bodyPr wrap="none" rtlCol="0">
+              <a:spAutoFit/>
+            </a:bodyPr>
+            <a:lstStyle/>
+            <a:p>
+              <a:r>
+                <a:rPr lang="en-US" sz="1400" b="1" dirty="0">
+                  <a:solidFill>
+                    <a:schemeClr val="accent5">
+                      <a:lumMod val="40000"/>
+                      <a:lumOff val="60000"/>
+                    </a:schemeClr>
+                  </a:solidFill>
+                </a:rPr>
+                <a:t>Svc B Run Time</a:t>
+              </a:r>
+            </a:p>
+          </p:txBody>
+        </p:sp>
+      </p:grpSp>
+      <p:sp>
+        <p:nvSpPr>
+          <p:cNvPr id="37" name="Rectangle: Rounded Corners 36">
+            <a:extLst>
+              <a:ext uri="{FF2B5EF4-FFF2-40B4-BE49-F238E27FC236}">
+                <a16:creationId xmlns:a16="http://schemas.microsoft.com/office/drawing/2014/main" id="{3D7A8899-CA19-42C0-B751-1EBF8FC43DB8}"/>
+              </a:ext>
+            </a:extLst>
+          </p:cNvPr>
+          <p:cNvSpPr/>
+          <p:nvPr/>
+        </p:nvSpPr>
+        <p:spPr>
+          <a:xfrm>
+            <a:off x="2313965" y="3007213"/>
+            <a:ext cx="1027032" cy="336626"/>
+          </a:xfrm>
+          <a:prstGeom prst="roundRect">
+            <a:avLst/>
+          </a:prstGeom>
+          <a:gradFill flip="none" rotWithShape="1">
+            <a:gsLst>
+              <a:gs pos="0">
+                <a:schemeClr val="accent5">
+                  <a:lumMod val="67000"/>
+                </a:schemeClr>
+              </a:gs>
+              <a:gs pos="48000">
+                <a:schemeClr val="accent5">
+                  <a:lumMod val="97000"/>
+                  <a:lumOff val="3000"/>
+                </a:schemeClr>
+              </a:gs>
+              <a:gs pos="100000">
+                <a:schemeClr val="accent5">
+                  <a:lumMod val="60000"/>
+                  <a:lumOff val="40000"/>
+                </a:schemeClr>
+              </a:gs>
+            </a:gsLst>
+            <a:lin ang="16200000" scaled="1"/>
+            <a:tileRect/>
+          </a:gradFill>
+          <a:ln>
+            <a:noFill/>
+          </a:ln>
+        </p:spPr>
+        <p:style>
+          <a:lnRef idx="0">
+            <a:scrgbClr r="0" g="0" b="0"/>
+          </a:lnRef>
+          <a:fillRef idx="0">
+            <a:scrgbClr r="0" g="0" b="0"/>
+          </a:fillRef>
+          <a:effectRef idx="0">
+            <a:scrgbClr r="0" g="0" b="0"/>
+          </a:effectRef>
+          <a:fontRef idx="minor">
+            <a:schemeClr val="lt1"/>
+          </a:fontRef>
+        </p:style>
+        <p:txBody>
+          <a:bodyPr rtlCol="0" anchor="ctr"/>
+          <a:lstStyle/>
+          <a:p>
+            <a:pPr algn="ctr"/>
+            <a:r>
+              <a:rPr lang="en-US" sz="900" dirty="0"/>
+              <a:t>Image</a:t>
+            </a:r>
+          </a:p>
+          <a:p>
+            <a:pPr algn="ctr"/>
+            <a:r>
+              <a:rPr lang="en-US" sz="900" dirty="0"/>
+              <a:t>Service B Agent</a:t>
+            </a:r>
+          </a:p>
+        </p:txBody>
+      </p:sp>
+      <p:sp>
+        <p:nvSpPr>
+          <p:cNvPr id="39" name="Rectangle: Rounded Corners 38">
+            <a:extLst>
+              <a:ext uri="{FF2B5EF4-FFF2-40B4-BE49-F238E27FC236}">
+                <a16:creationId xmlns:a16="http://schemas.microsoft.com/office/drawing/2014/main" id="{3110D8A0-66A3-4EDF-86DC-45B2A662ED72}"/>
+              </a:ext>
+            </a:extLst>
+          </p:cNvPr>
+          <p:cNvSpPr/>
+          <p:nvPr/>
+        </p:nvSpPr>
+        <p:spPr>
+          <a:xfrm>
+            <a:off x="1192456" y="3004355"/>
+            <a:ext cx="1027032" cy="336626"/>
+          </a:xfrm>
+          <a:prstGeom prst="roundRect">
+            <a:avLst/>
+          </a:prstGeom>
+          <a:gradFill flip="none" rotWithShape="1">
+            <a:gsLst>
+              <a:gs pos="0">
+                <a:schemeClr val="accent5">
+                  <a:lumMod val="67000"/>
+                </a:schemeClr>
+              </a:gs>
+              <a:gs pos="48000">
+                <a:schemeClr val="accent5">
+                  <a:lumMod val="97000"/>
+                  <a:lumOff val="3000"/>
+                </a:schemeClr>
+              </a:gs>
+              <a:gs pos="100000">
+                <a:schemeClr val="accent5">
+                  <a:lumMod val="60000"/>
+                  <a:lumOff val="40000"/>
+                </a:schemeClr>
+              </a:gs>
+            </a:gsLst>
+            <a:lin ang="16200000" scaled="1"/>
+            <a:tileRect/>
+          </a:gradFill>
+          <a:ln>
+            <a:noFill/>
+          </a:ln>
+        </p:spPr>
+        <p:style>
+          <a:lnRef idx="0">
+            <a:scrgbClr r="0" g="0" b="0"/>
+          </a:lnRef>
+          <a:fillRef idx="0">
+            <a:scrgbClr r="0" g="0" b="0"/>
+          </a:fillRef>
+          <a:effectRef idx="0">
+            <a:scrgbClr r="0" g="0" b="0"/>
+          </a:effectRef>
+          <a:fontRef idx="minor">
+            <a:schemeClr val="lt1"/>
+          </a:fontRef>
+        </p:style>
+        <p:txBody>
+          <a:bodyPr rtlCol="0" anchor="ctr"/>
+          <a:lstStyle/>
+          <a:p>
+            <a:pPr algn="ctr"/>
+            <a:r>
+              <a:rPr lang="en-US" sz="900" dirty="0"/>
+              <a:t>Image</a:t>
+            </a:r>
+          </a:p>
+          <a:p>
+            <a:pPr algn="ctr"/>
+            <a:r>
+              <a:rPr lang="en-US" sz="900" dirty="0"/>
+              <a:t>Service B App</a:t>
+            </a:r>
+          </a:p>
+        </p:txBody>
+      </p:sp>
+      <p:sp>
+        <p:nvSpPr>
+          <p:cNvPr id="41" name="Rectangle: Rounded Corners 40">
+            <a:extLst>
+              <a:ext uri="{FF2B5EF4-FFF2-40B4-BE49-F238E27FC236}">
+                <a16:creationId xmlns:a16="http://schemas.microsoft.com/office/drawing/2014/main" id="{637D6075-A634-41DE-9071-8AC8C3AE4498}"/>
+              </a:ext>
+            </a:extLst>
+          </p:cNvPr>
+          <p:cNvSpPr/>
+          <p:nvPr/>
+        </p:nvSpPr>
+        <p:spPr>
+          <a:xfrm>
+            <a:off x="2307062" y="3859650"/>
+            <a:ext cx="1027032" cy="336626"/>
+          </a:xfrm>
+          <a:prstGeom prst="roundRect">
+            <a:avLst/>
+          </a:prstGeom>
+          <a:gradFill flip="none" rotWithShape="1">
+            <a:gsLst>
+              <a:gs pos="0">
+                <a:schemeClr val="accent4">
+                  <a:lumMod val="67000"/>
+                </a:schemeClr>
+              </a:gs>
+              <a:gs pos="48000">
+                <a:schemeClr val="accent4">
+                  <a:lumMod val="97000"/>
+                  <a:lumOff val="3000"/>
+                </a:schemeClr>
+              </a:gs>
+              <a:gs pos="100000">
+                <a:schemeClr val="accent4">
+                  <a:lumMod val="60000"/>
+                  <a:lumOff val="40000"/>
+                </a:schemeClr>
+              </a:gs>
+            </a:gsLst>
+            <a:lin ang="16200000" scaled="1"/>
+            <a:tileRect/>
+          </a:gradFill>
+          <a:ln>
+            <a:noFill/>
+          </a:ln>
+        </p:spPr>
+        <p:style>
+          <a:lnRef idx="0">
+            <a:scrgbClr r="0" g="0" b="0"/>
+          </a:lnRef>
+          <a:fillRef idx="0">
+            <a:scrgbClr r="0" g="0" b="0"/>
+          </a:fillRef>
+          <a:effectRef idx="0">
+            <a:scrgbClr r="0" g="0" b="0"/>
+          </a:effectRef>
+          <a:fontRef idx="minor">
+            <a:schemeClr val="lt1"/>
+          </a:fontRef>
+        </p:style>
+        <p:txBody>
+          <a:bodyPr rtlCol="0" anchor="ctr"/>
+          <a:lstStyle/>
+          <a:p>
+            <a:pPr algn="ctr"/>
+            <a:r>
+              <a:rPr lang="en-US" sz="900" dirty="0"/>
+              <a:t>Image</a:t>
+            </a:r>
+          </a:p>
+          <a:p>
+            <a:pPr algn="ctr"/>
+            <a:r>
+              <a:rPr lang="en-US" sz="900" dirty="0"/>
+              <a:t>Service C Agent</a:t>
+            </a:r>
+          </a:p>
+        </p:txBody>
+      </p:sp>
+      <p:sp>
+        <p:nvSpPr>
+          <p:cNvPr id="47" name="Rectangle: Rounded Corners 46">
+            <a:extLst>
+              <a:ext uri="{FF2B5EF4-FFF2-40B4-BE49-F238E27FC236}">
+                <a16:creationId xmlns:a16="http://schemas.microsoft.com/office/drawing/2014/main" id="{4F4FAB67-A02E-432E-92C8-9DA7E44B15C5}"/>
+              </a:ext>
+            </a:extLst>
+          </p:cNvPr>
+          <p:cNvSpPr/>
+          <p:nvPr/>
+        </p:nvSpPr>
+        <p:spPr>
+          <a:xfrm>
+            <a:off x="1185553" y="3856792"/>
+            <a:ext cx="1027032" cy="336626"/>
+          </a:xfrm>
+          <a:prstGeom prst="roundRect">
+            <a:avLst/>
+          </a:prstGeom>
+          <a:gradFill flip="none" rotWithShape="1">
+            <a:gsLst>
+              <a:gs pos="0">
+                <a:schemeClr val="accent4">
+                  <a:lumMod val="67000"/>
+                </a:schemeClr>
+              </a:gs>
+              <a:gs pos="48000">
+                <a:schemeClr val="accent4">
+                  <a:lumMod val="97000"/>
+                  <a:lumOff val="3000"/>
+                </a:schemeClr>
+              </a:gs>
+              <a:gs pos="100000">
+                <a:schemeClr val="accent4">
+                  <a:lumMod val="60000"/>
+                  <a:lumOff val="40000"/>
+                </a:schemeClr>
+              </a:gs>
+            </a:gsLst>
+            <a:lin ang="16200000" scaled="1"/>
+            <a:tileRect/>
+          </a:gradFill>
+          <a:ln>
+            <a:noFill/>
+          </a:ln>
+        </p:spPr>
+        <p:style>
+          <a:lnRef idx="0">
+            <a:scrgbClr r="0" g="0" b="0"/>
+          </a:lnRef>
+          <a:fillRef idx="0">
+            <a:scrgbClr r="0" g="0" b="0"/>
+          </a:fillRef>
+          <a:effectRef idx="0">
+            <a:scrgbClr r="0" g="0" b="0"/>
+          </a:effectRef>
+          <a:fontRef idx="minor">
+            <a:schemeClr val="lt1"/>
+          </a:fontRef>
+        </p:style>
+        <p:txBody>
+          <a:bodyPr rtlCol="0" anchor="ctr"/>
+          <a:lstStyle/>
+          <a:p>
+            <a:pPr algn="ctr"/>
+            <a:r>
+              <a:rPr lang="en-US" sz="900" dirty="0"/>
+              <a:t>Image</a:t>
+            </a:r>
+          </a:p>
+          <a:p>
+            <a:pPr algn="ctr"/>
+            <a:r>
+              <a:rPr lang="en-US" sz="900" dirty="0"/>
+              <a:t>Service C App</a:t>
+            </a:r>
+          </a:p>
+        </p:txBody>
+      </p:sp>
+      <p:sp>
+        <p:nvSpPr>
+          <p:cNvPr id="48" name="Rectangle 47">
+            <a:extLst>
+              <a:ext uri="{FF2B5EF4-FFF2-40B4-BE49-F238E27FC236}">
+                <a16:creationId xmlns:a16="http://schemas.microsoft.com/office/drawing/2014/main" id="{6B40B687-DFED-4E42-A38F-7C033DBCEB66}"/>
+              </a:ext>
+            </a:extLst>
+          </p:cNvPr>
+          <p:cNvSpPr/>
+          <p:nvPr/>
+        </p:nvSpPr>
+        <p:spPr>
+          <a:xfrm>
+            <a:off x="3501968" y="3674620"/>
+            <a:ext cx="1364619" cy="849579"/>
+          </a:xfrm>
+          <a:prstGeom prst="rect">
+            <a:avLst/>
+          </a:prstGeom>
+          <a:solidFill>
+            <a:schemeClr val="bg1">
+              <a:lumMod val="65000"/>
+              <a:lumOff val="35000"/>
+            </a:schemeClr>
+          </a:solidFill>
+          <a:ln>
+            <a:noFill/>
+          </a:ln>
+        </p:spPr>
+        <p:style>
+          <a:lnRef idx="0">
+            <a:scrgbClr r="0" g="0" b="0"/>
+          </a:lnRef>
+          <a:fillRef idx="0">
+            <a:scrgbClr r="0" g="0" b="0"/>
+          </a:fillRef>
+          <a:effectRef idx="0">
+            <a:scrgbClr r="0" g="0" b="0"/>
+          </a:effectRef>
+          <a:fontRef idx="minor">
+            <a:schemeClr val="lt1"/>
+          </a:fontRef>
+        </p:style>
+        <p:txBody>
+          <a:bodyPr rtlCol="0" anchor="t"/>
+          <a:lstStyle/>
+          <a:p>
+            <a:pPr algn="ctr"/>
+            <a:r>
+              <a:rPr lang="en-US" dirty="0" err="1"/>
+              <a:t>Srvc</a:t>
+            </a:r>
+            <a:r>
+              <a:rPr lang="en-US" dirty="0"/>
+              <a:t> B</a:t>
+            </a:r>
+          </a:p>
+        </p:txBody>
+      </p:sp>
+      <p:sp>
+        <p:nvSpPr>
+          <p:cNvPr id="49" name="Rectangle: Top Corners One Rounded and One Snipped 48">
+            <a:extLst>
+              <a:ext uri="{FF2B5EF4-FFF2-40B4-BE49-F238E27FC236}">
+                <a16:creationId xmlns:a16="http://schemas.microsoft.com/office/drawing/2014/main" id="{CFBECA1E-121E-49CF-9961-F21EBA8505B4}"/>
+              </a:ext>
+            </a:extLst>
+          </p:cNvPr>
+          <p:cNvSpPr/>
+          <p:nvPr/>
+        </p:nvSpPr>
+        <p:spPr>
+          <a:xfrm>
+            <a:off x="3559806" y="4051632"/>
+            <a:ext cx="548640" cy="329184"/>
+          </a:xfrm>
+          <a:prstGeom prst="snipRoundRect">
+            <a:avLst/>
+          </a:prstGeom>
+          <a:gradFill flip="none" rotWithShape="1">
+            <a:gsLst>
+              <a:gs pos="0">
+                <a:schemeClr val="accent5">
+                  <a:lumMod val="67000"/>
+                </a:schemeClr>
+              </a:gs>
+              <a:gs pos="48000">
+                <a:schemeClr val="accent5">
+                  <a:lumMod val="97000"/>
+                  <a:lumOff val="3000"/>
+                </a:schemeClr>
+              </a:gs>
+              <a:gs pos="100000">
+                <a:schemeClr val="accent5">
+                  <a:lumMod val="60000"/>
+                  <a:lumOff val="40000"/>
+                </a:schemeClr>
+              </a:gs>
+            </a:gsLst>
+            <a:lin ang="16200000" scaled="1"/>
+            <a:tileRect/>
+          </a:gradFill>
+          <a:ln>
+            <a:noFill/>
+          </a:ln>
+        </p:spPr>
+        <p:style>
+          <a:lnRef idx="0">
+            <a:scrgbClr r="0" g="0" b="0"/>
+          </a:lnRef>
+          <a:fillRef idx="0">
+            <a:scrgbClr r="0" g="0" b="0"/>
+          </a:fillRef>
+          <a:effectRef idx="0">
+            <a:scrgbClr r="0" g="0" b="0"/>
+          </a:effectRef>
+          <a:fontRef idx="minor">
+            <a:schemeClr val="lt1"/>
+          </a:fontRef>
+        </p:style>
+        <p:txBody>
+          <a:bodyPr rtlCol="0" anchor="ctr"/>
+          <a:lstStyle/>
+          <a:p>
+            <a:pPr algn="ctr"/>
+            <a:r>
+              <a:rPr lang="en-US" sz="900" dirty="0" err="1"/>
+              <a:t>Srvc</a:t>
+            </a:r>
+            <a:r>
+              <a:rPr lang="en-US" sz="900" dirty="0"/>
+              <a:t> B Code</a:t>
+            </a:r>
+          </a:p>
+        </p:txBody>
+      </p:sp>
+      <p:sp>
+        <p:nvSpPr>
+          <p:cNvPr id="54" name="Rectangle: Top Corners One Rounded and One Snipped 53">
+            <a:extLst>
+              <a:ext uri="{FF2B5EF4-FFF2-40B4-BE49-F238E27FC236}">
+                <a16:creationId xmlns:a16="http://schemas.microsoft.com/office/drawing/2014/main" id="{68D26024-EE49-431F-AC95-4BBE4B8B69DD}"/>
+              </a:ext>
+            </a:extLst>
+          </p:cNvPr>
+          <p:cNvSpPr/>
+          <p:nvPr/>
+        </p:nvSpPr>
+        <p:spPr>
+          <a:xfrm>
+            <a:off x="4260312" y="4046273"/>
+            <a:ext cx="548640" cy="329184"/>
+          </a:xfrm>
+          <a:prstGeom prst="snipRoundRect">
+            <a:avLst/>
+          </a:prstGeom>
+          <a:gradFill flip="none" rotWithShape="1">
+            <a:gsLst>
+              <a:gs pos="0">
+                <a:schemeClr val="accent5">
+                  <a:lumMod val="67000"/>
+                </a:schemeClr>
+              </a:gs>
+              <a:gs pos="48000">
+                <a:schemeClr val="accent5">
+                  <a:lumMod val="97000"/>
+                  <a:lumOff val="3000"/>
+                </a:schemeClr>
+              </a:gs>
+              <a:gs pos="100000">
+                <a:schemeClr val="accent5">
+                  <a:lumMod val="60000"/>
+                  <a:lumOff val="40000"/>
+                </a:schemeClr>
+              </a:gs>
+            </a:gsLst>
+            <a:lin ang="16200000" scaled="1"/>
+            <a:tileRect/>
+          </a:gradFill>
+          <a:ln>
+            <a:noFill/>
+          </a:ln>
+        </p:spPr>
+        <p:style>
+          <a:lnRef idx="0">
+            <a:scrgbClr r="0" g="0" b="0"/>
+          </a:lnRef>
+          <a:fillRef idx="0">
+            <a:scrgbClr r="0" g="0" b="0"/>
+          </a:fillRef>
+          <a:effectRef idx="0">
+            <a:scrgbClr r="0" g="0" b="0"/>
+          </a:effectRef>
+          <a:fontRef idx="minor">
+            <a:schemeClr val="lt1"/>
+          </a:fontRef>
+        </p:style>
+        <p:txBody>
+          <a:bodyPr rtlCol="0" anchor="ctr"/>
+          <a:lstStyle/>
+          <a:p>
+            <a:pPr algn="ctr"/>
+            <a:r>
+              <a:rPr lang="en-US" sz="900" dirty="0" err="1"/>
+              <a:t>Srvc</a:t>
+            </a:r>
+            <a:r>
+              <a:rPr lang="en-US" sz="900" dirty="0"/>
+              <a:t> B CDT</a:t>
+            </a:r>
+          </a:p>
+        </p:txBody>
+      </p:sp>
+      <p:sp>
+        <p:nvSpPr>
+          <p:cNvPr id="57" name="Rectangle 56">
+            <a:extLst>
+              <a:ext uri="{FF2B5EF4-FFF2-40B4-BE49-F238E27FC236}">
+                <a16:creationId xmlns:a16="http://schemas.microsoft.com/office/drawing/2014/main" id="{27EE14CD-CC88-4891-8D4D-7E8095AC9696}"/>
+              </a:ext>
+            </a:extLst>
+          </p:cNvPr>
+          <p:cNvSpPr/>
+          <p:nvPr/>
+        </p:nvSpPr>
+        <p:spPr>
+          <a:xfrm>
+            <a:off x="3501968" y="4780405"/>
+            <a:ext cx="1364619" cy="849579"/>
+          </a:xfrm>
+          <a:prstGeom prst="rect">
+            <a:avLst/>
+          </a:prstGeom>
+          <a:solidFill>
+            <a:schemeClr val="bg1">
+              <a:lumMod val="65000"/>
+              <a:lumOff val="35000"/>
+            </a:schemeClr>
+          </a:solidFill>
+          <a:ln>
+            <a:noFill/>
+          </a:ln>
+        </p:spPr>
+        <p:style>
+          <a:lnRef idx="0">
+            <a:scrgbClr r="0" g="0" b="0"/>
+          </a:lnRef>
+          <a:fillRef idx="0">
+            <a:scrgbClr r="0" g="0" b="0"/>
+          </a:fillRef>
+          <a:effectRef idx="0">
+            <a:scrgbClr r="0" g="0" b="0"/>
+          </a:effectRef>
+          <a:fontRef idx="minor">
+            <a:schemeClr val="lt1"/>
+          </a:fontRef>
+        </p:style>
+        <p:txBody>
+          <a:bodyPr rtlCol="0" anchor="t"/>
+          <a:lstStyle/>
+          <a:p>
+            <a:pPr algn="ctr"/>
+            <a:r>
+              <a:rPr lang="en-US" dirty="0" err="1"/>
+              <a:t>Srvc</a:t>
+            </a:r>
+            <a:r>
+              <a:rPr lang="en-US" dirty="0"/>
+              <a:t> C</a:t>
+            </a:r>
+          </a:p>
+        </p:txBody>
+      </p:sp>
+      <p:sp>
+        <p:nvSpPr>
+          <p:cNvPr id="58" name="Rectangle: Top Corners One Rounded and One Snipped 57">
+            <a:extLst>
+              <a:ext uri="{FF2B5EF4-FFF2-40B4-BE49-F238E27FC236}">
+                <a16:creationId xmlns:a16="http://schemas.microsoft.com/office/drawing/2014/main" id="{6AE89C1E-C875-4AA5-945C-7DAA756CA327}"/>
+              </a:ext>
+            </a:extLst>
+          </p:cNvPr>
+          <p:cNvSpPr/>
+          <p:nvPr/>
+        </p:nvSpPr>
+        <p:spPr>
+          <a:xfrm>
+            <a:off x="3559806" y="5157417"/>
+            <a:ext cx="548640" cy="329184"/>
+          </a:xfrm>
+          <a:prstGeom prst="snipRoundRect">
+            <a:avLst/>
+          </a:prstGeom>
+          <a:gradFill flip="none" rotWithShape="1">
+            <a:gsLst>
+              <a:gs pos="0">
+                <a:schemeClr val="accent4">
+                  <a:lumMod val="67000"/>
+                </a:schemeClr>
+              </a:gs>
+              <a:gs pos="48000">
+                <a:schemeClr val="accent4">
+                  <a:lumMod val="97000"/>
+                  <a:lumOff val="3000"/>
+                </a:schemeClr>
+              </a:gs>
+              <a:gs pos="100000">
+                <a:schemeClr val="accent4">
+                  <a:lumMod val="60000"/>
+                  <a:lumOff val="40000"/>
+                </a:schemeClr>
+              </a:gs>
+            </a:gsLst>
+            <a:lin ang="16200000" scaled="1"/>
+            <a:tileRect/>
+          </a:gradFill>
+          <a:ln>
+            <a:noFill/>
+          </a:ln>
+        </p:spPr>
+        <p:style>
+          <a:lnRef idx="0">
+            <a:scrgbClr r="0" g="0" b="0"/>
+          </a:lnRef>
+          <a:fillRef idx="0">
+            <a:scrgbClr r="0" g="0" b="0"/>
+          </a:fillRef>
+          <a:effectRef idx="0">
+            <a:scrgbClr r="0" g="0" b="0"/>
+          </a:effectRef>
+          <a:fontRef idx="minor">
+            <a:schemeClr val="lt1"/>
+          </a:fontRef>
+        </p:style>
+        <p:txBody>
+          <a:bodyPr rtlCol="0" anchor="ctr"/>
+          <a:lstStyle/>
+          <a:p>
+            <a:pPr algn="ctr"/>
+            <a:r>
+              <a:rPr lang="en-US" sz="900" dirty="0" err="1"/>
+              <a:t>Srvc</a:t>
+            </a:r>
+            <a:r>
+              <a:rPr lang="en-US" sz="900" dirty="0"/>
+              <a:t> C Code</a:t>
+            </a:r>
+          </a:p>
+        </p:txBody>
+      </p:sp>
+      <p:sp>
+        <p:nvSpPr>
+          <p:cNvPr id="59" name="Rectangle: Top Corners One Rounded and One Snipped 58">
+            <a:extLst>
+              <a:ext uri="{FF2B5EF4-FFF2-40B4-BE49-F238E27FC236}">
+                <a16:creationId xmlns:a16="http://schemas.microsoft.com/office/drawing/2014/main" id="{55043645-CD2D-4A5A-B2B9-9CDDB5C945F2}"/>
+              </a:ext>
+            </a:extLst>
+          </p:cNvPr>
+          <p:cNvSpPr/>
+          <p:nvPr/>
+        </p:nvSpPr>
+        <p:spPr>
+          <a:xfrm>
+            <a:off x="4260312" y="5152058"/>
+            <a:ext cx="548640" cy="329184"/>
+          </a:xfrm>
+          <a:prstGeom prst="snipRoundRect">
+            <a:avLst/>
+          </a:prstGeom>
+          <a:gradFill flip="none" rotWithShape="1">
+            <a:gsLst>
+              <a:gs pos="0">
+                <a:schemeClr val="accent4">
+                  <a:lumMod val="67000"/>
+                </a:schemeClr>
+              </a:gs>
+              <a:gs pos="48000">
+                <a:schemeClr val="accent4">
+                  <a:lumMod val="97000"/>
+                  <a:lumOff val="3000"/>
+                </a:schemeClr>
+              </a:gs>
+              <a:gs pos="100000">
+                <a:schemeClr val="accent4">
+                  <a:lumMod val="60000"/>
+                  <a:lumOff val="40000"/>
+                </a:schemeClr>
+              </a:gs>
+            </a:gsLst>
+            <a:lin ang="16200000" scaled="1"/>
+            <a:tileRect/>
+          </a:gradFill>
+          <a:ln>
+            <a:noFill/>
+          </a:ln>
+        </p:spPr>
+        <p:style>
+          <a:lnRef idx="0">
+            <a:scrgbClr r="0" g="0" b="0"/>
+          </a:lnRef>
+          <a:fillRef idx="0">
+            <a:scrgbClr r="0" g="0" b="0"/>
+          </a:fillRef>
+          <a:effectRef idx="0">
+            <a:scrgbClr r="0" g="0" b="0"/>
+          </a:effectRef>
+          <a:fontRef idx="minor">
+            <a:schemeClr val="lt1"/>
+          </a:fontRef>
+        </p:style>
+        <p:txBody>
+          <a:bodyPr rtlCol="0" anchor="ctr"/>
+          <a:lstStyle/>
+          <a:p>
+            <a:pPr algn="ctr"/>
+            <a:r>
+              <a:rPr lang="en-US" sz="900" dirty="0" err="1"/>
+              <a:t>Srvc</a:t>
+            </a:r>
+            <a:r>
+              <a:rPr lang="en-US" sz="900" dirty="0"/>
+              <a:t> C CDT</a:t>
+            </a:r>
+          </a:p>
+        </p:txBody>
+      </p:sp>
+      <p:sp>
+        <p:nvSpPr>
+          <p:cNvPr id="60" name="Oval 59">
+            <a:extLst>
+              <a:ext uri="{FF2B5EF4-FFF2-40B4-BE49-F238E27FC236}">
+                <a16:creationId xmlns:a16="http://schemas.microsoft.com/office/drawing/2014/main" id="{4E6A4B33-84EF-4CAC-A434-496E2DD6DFA1}"/>
+              </a:ext>
+            </a:extLst>
+          </p:cNvPr>
+          <p:cNvSpPr/>
+          <p:nvPr/>
+        </p:nvSpPr>
+        <p:spPr>
+          <a:xfrm>
+            <a:off x="5393370" y="3634161"/>
+            <a:ext cx="914400" cy="504939"/>
+          </a:xfrm>
+          <a:prstGeom prst="ellipse">
+            <a:avLst/>
+          </a:prstGeom>
+          <a:gradFill flip="none" rotWithShape="1">
+            <a:gsLst>
+              <a:gs pos="0">
+                <a:schemeClr val="dk1">
+                  <a:lumMod val="67000"/>
+                </a:schemeClr>
+              </a:gs>
+              <a:gs pos="48000">
+                <a:schemeClr val="dk1">
+                  <a:lumMod val="97000"/>
+                  <a:lumOff val="3000"/>
+                </a:schemeClr>
+              </a:gs>
+              <a:gs pos="100000">
+                <a:schemeClr val="dk1">
+                  <a:lumMod val="60000"/>
+                  <a:lumOff val="40000"/>
+                </a:schemeClr>
+              </a:gs>
+            </a:gsLst>
+            <a:lin ang="16200000" scaled="1"/>
+            <a:tileRect/>
+          </a:gradFill>
+          <a:ln>
+            <a:noFill/>
+          </a:ln>
+        </p:spPr>
+        <p:style>
+          <a:lnRef idx="0">
+            <a:scrgbClr r="0" g="0" b="0"/>
+          </a:lnRef>
+          <a:fillRef idx="0">
+            <a:scrgbClr r="0" g="0" b="0"/>
+          </a:fillRef>
+          <a:effectRef idx="0">
+            <a:scrgbClr r="0" g="0" b="0"/>
+          </a:effectRef>
+          <a:fontRef idx="minor">
+            <a:schemeClr val="lt1"/>
+          </a:fontRef>
+        </p:style>
+        <p:txBody>
+          <a:bodyPr rtlCol="0" anchor="ctr"/>
+          <a:lstStyle/>
+          <a:p>
+            <a:pPr algn="ctr"/>
+            <a:r>
+              <a:rPr lang="en-US" sz="900" dirty="0"/>
+              <a:t>Container</a:t>
+            </a:r>
+          </a:p>
+          <a:p>
+            <a:pPr algn="ctr"/>
+            <a:r>
+              <a:rPr lang="en-US" sz="900" dirty="0"/>
+              <a:t>Service A2 Config</a:t>
+            </a:r>
+          </a:p>
+        </p:txBody>
+      </p:sp>
+      <p:sp>
+        <p:nvSpPr>
+          <p:cNvPr id="61" name="TextBox 60">
+            <a:extLst>
+              <a:ext uri="{FF2B5EF4-FFF2-40B4-BE49-F238E27FC236}">
+                <a16:creationId xmlns:a16="http://schemas.microsoft.com/office/drawing/2014/main" id="{62099137-9E48-4475-AA06-9245B80D3A86}"/>
+              </a:ext>
+            </a:extLst>
+          </p:cNvPr>
+          <p:cNvSpPr txBox="1"/>
+          <p:nvPr/>
+        </p:nvSpPr>
+        <p:spPr>
+          <a:xfrm>
+            <a:off x="6009523" y="4054350"/>
+            <a:ext cx="1965731" cy="307777"/>
+          </a:xfrm>
+          <a:prstGeom prst="rect">
+            <a:avLst/>
+          </a:prstGeom>
+          <a:noFill/>
+        </p:spPr>
+        <p:txBody>
+          <a:bodyPr wrap="none" rtlCol="0">
+            <a:spAutoFit/>
+          </a:bodyPr>
+          <a:lstStyle/>
+          <a:p>
+            <a:r>
+              <a:rPr lang="en-US" sz="1400" b="1" dirty="0">
+                <a:solidFill>
+                  <a:srgbClr val="0D0D0D"/>
+                </a:solidFill>
+              </a:rPr>
+              <a:t>Update Inventory Agent</a:t>
+            </a:r>
+          </a:p>
+        </p:txBody>
+      </p:sp>
+      <p:sp>
+        <p:nvSpPr>
+          <p:cNvPr id="62" name="Oval 61">
+            <a:extLst>
+              <a:ext uri="{FF2B5EF4-FFF2-40B4-BE49-F238E27FC236}">
+                <a16:creationId xmlns:a16="http://schemas.microsoft.com/office/drawing/2014/main" id="{FBA96D9A-E941-49A9-8B17-8B5C34002D9E}"/>
+              </a:ext>
+            </a:extLst>
+          </p:cNvPr>
+          <p:cNvSpPr/>
+          <p:nvPr/>
+        </p:nvSpPr>
+        <p:spPr>
+          <a:xfrm>
+            <a:off x="6168348" y="4413586"/>
+            <a:ext cx="914400" cy="504939"/>
+          </a:xfrm>
+          <a:prstGeom prst="ellipse">
+            <a:avLst/>
+          </a:prstGeom>
+          <a:gradFill flip="none" rotWithShape="1">
+            <a:gsLst>
+              <a:gs pos="0">
+                <a:schemeClr val="dk1">
+                  <a:lumMod val="67000"/>
+                </a:schemeClr>
+              </a:gs>
+              <a:gs pos="48000">
+                <a:schemeClr val="dk1">
+                  <a:lumMod val="97000"/>
+                  <a:lumOff val="3000"/>
+                </a:schemeClr>
+              </a:gs>
+              <a:gs pos="100000">
+                <a:schemeClr val="dk1">
+                  <a:lumMod val="60000"/>
+                  <a:lumOff val="40000"/>
+                </a:schemeClr>
+              </a:gs>
+            </a:gsLst>
+            <a:lin ang="16200000" scaled="1"/>
+            <a:tileRect/>
+          </a:gradFill>
+          <a:ln>
+            <a:noFill/>
+          </a:ln>
+        </p:spPr>
+        <p:style>
+          <a:lnRef idx="0">
+            <a:scrgbClr r="0" g="0" b="0"/>
+          </a:lnRef>
+          <a:fillRef idx="0">
+            <a:scrgbClr r="0" g="0" b="0"/>
+          </a:fillRef>
+          <a:effectRef idx="0">
+            <a:scrgbClr r="0" g="0" b="0"/>
+          </a:effectRef>
+          <a:fontRef idx="minor">
+            <a:schemeClr val="lt1"/>
+          </a:fontRef>
+        </p:style>
+        <p:txBody>
+          <a:bodyPr rtlCol="0" anchor="ctr"/>
+          <a:lstStyle/>
+          <a:p>
+            <a:pPr algn="ctr"/>
+            <a:r>
+              <a:rPr lang="en-US" sz="900" dirty="0"/>
+              <a:t>Container</a:t>
+            </a:r>
+          </a:p>
+          <a:p>
+            <a:pPr algn="ctr"/>
+            <a:r>
+              <a:rPr lang="en-US" sz="900" dirty="0"/>
+              <a:t>Service A3 Config</a:t>
+            </a:r>
+          </a:p>
+        </p:txBody>
+      </p:sp>
+      <p:sp>
+        <p:nvSpPr>
+          <p:cNvPr id="63" name="Oval 62">
+            <a:extLst>
+              <a:ext uri="{FF2B5EF4-FFF2-40B4-BE49-F238E27FC236}">
+                <a16:creationId xmlns:a16="http://schemas.microsoft.com/office/drawing/2014/main" id="{0AEA4525-8D27-4FC5-995D-F0C83135EAF6}"/>
+              </a:ext>
+            </a:extLst>
+          </p:cNvPr>
+          <p:cNvSpPr/>
+          <p:nvPr/>
+        </p:nvSpPr>
+        <p:spPr>
+          <a:xfrm>
+            <a:off x="6942142" y="4413585"/>
+            <a:ext cx="914400" cy="504939"/>
+          </a:xfrm>
+          <a:prstGeom prst="ellipse">
+            <a:avLst/>
+          </a:prstGeom>
+          <a:gradFill flip="none" rotWithShape="1">
+            <a:gsLst>
+              <a:gs pos="0">
+                <a:schemeClr val="dk1">
+                  <a:lumMod val="67000"/>
+                </a:schemeClr>
+              </a:gs>
+              <a:gs pos="48000">
+                <a:schemeClr val="dk1">
+                  <a:lumMod val="97000"/>
+                  <a:lumOff val="3000"/>
+                </a:schemeClr>
+              </a:gs>
+              <a:gs pos="100000">
+                <a:schemeClr val="dk1">
+                  <a:lumMod val="60000"/>
+                  <a:lumOff val="40000"/>
+                </a:schemeClr>
+              </a:gs>
+            </a:gsLst>
+            <a:lin ang="16200000" scaled="1"/>
+            <a:tileRect/>
+          </a:gradFill>
+          <a:ln>
+            <a:noFill/>
+          </a:ln>
+        </p:spPr>
+        <p:style>
+          <a:lnRef idx="0">
+            <a:scrgbClr r="0" g="0" b="0"/>
+          </a:lnRef>
+          <a:fillRef idx="0">
+            <a:scrgbClr r="0" g="0" b="0"/>
+          </a:fillRef>
+          <a:effectRef idx="0">
+            <a:scrgbClr r="0" g="0" b="0"/>
+          </a:effectRef>
+          <a:fontRef idx="minor">
+            <a:schemeClr val="lt1"/>
+          </a:fontRef>
+        </p:style>
+        <p:txBody>
+          <a:bodyPr rtlCol="0" anchor="ctr"/>
+          <a:lstStyle/>
+          <a:p>
+            <a:pPr algn="ctr"/>
+            <a:r>
+              <a:rPr lang="en-US" sz="900" dirty="0"/>
+              <a:t>Container</a:t>
+            </a:r>
+          </a:p>
+          <a:p>
+            <a:pPr algn="ctr"/>
+            <a:r>
+              <a:rPr lang="en-US" sz="900" dirty="0"/>
+              <a:t>Service A3 App</a:t>
+            </a:r>
+          </a:p>
+        </p:txBody>
+      </p:sp>
+      <p:sp>
+        <p:nvSpPr>
+          <p:cNvPr id="64" name="TextBox 63">
+            <a:extLst>
+              <a:ext uri="{FF2B5EF4-FFF2-40B4-BE49-F238E27FC236}">
+                <a16:creationId xmlns:a16="http://schemas.microsoft.com/office/drawing/2014/main" id="{0C71E449-68E5-4059-BC8C-DC2DBFC9D037}"/>
+              </a:ext>
+            </a:extLst>
+          </p:cNvPr>
+          <p:cNvSpPr txBox="1"/>
+          <p:nvPr/>
+        </p:nvSpPr>
+        <p:spPr>
+          <a:xfrm>
+            <a:off x="7214492" y="4847537"/>
+            <a:ext cx="1786643" cy="307777"/>
+          </a:xfrm>
+          <a:prstGeom prst="rect">
+            <a:avLst/>
+          </a:prstGeom>
+          <a:noFill/>
+        </p:spPr>
+        <p:txBody>
+          <a:bodyPr wrap="none" rtlCol="0">
+            <a:spAutoFit/>
+          </a:bodyPr>
+          <a:lstStyle/>
+          <a:p>
+            <a:r>
+              <a:rPr lang="en-US" sz="1400" b="1" dirty="0" err="1">
+                <a:solidFill>
+                  <a:srgbClr val="0D0D0D"/>
+                </a:solidFill>
+              </a:rPr>
+              <a:t>reserveOrder</a:t>
+            </a:r>
+            <a:r>
+              <a:rPr lang="en-US" sz="1400" b="1" dirty="0">
+                <a:solidFill>
+                  <a:srgbClr val="0D0D0D"/>
+                </a:solidFill>
+              </a:rPr>
+              <a:t> Service</a:t>
+            </a:r>
+          </a:p>
+        </p:txBody>
+      </p:sp>
+      <p:sp>
+        <p:nvSpPr>
+          <p:cNvPr id="65" name="Rectangle: Rounded Corners 64">
+            <a:extLst>
+              <a:ext uri="{FF2B5EF4-FFF2-40B4-BE49-F238E27FC236}">
+                <a16:creationId xmlns:a16="http://schemas.microsoft.com/office/drawing/2014/main" id="{A2BBA1AE-04A3-436E-BF4B-DC3CC44A6CD7}"/>
+              </a:ext>
+            </a:extLst>
+          </p:cNvPr>
+          <p:cNvSpPr/>
+          <p:nvPr/>
+        </p:nvSpPr>
+        <p:spPr>
+          <a:xfrm>
+            <a:off x="1280030" y="1440336"/>
+            <a:ext cx="1027032" cy="336626"/>
+          </a:xfrm>
+          <a:prstGeom prst="roundRect">
+            <a:avLst/>
+          </a:prstGeom>
+          <a:solidFill>
+            <a:schemeClr val="accent6">
+              <a:lumMod val="75000"/>
+            </a:schemeClr>
+          </a:solidFill>
+        </p:spPr>
+        <p:style>
+          <a:lnRef idx="2">
+            <a:schemeClr val="accent1">
+              <a:shade val="50000"/>
+            </a:schemeClr>
+          </a:lnRef>
+          <a:fillRef idx="1">
+            <a:schemeClr val="accent1"/>
+          </a:fillRef>
+          <a:effectRef idx="0">
+            <a:schemeClr val="accent1"/>
+          </a:effectRef>
+          <a:fontRef idx="minor">
+            <a:schemeClr val="lt1"/>
+          </a:fontRef>
+        </p:style>
+        <p:txBody>
+          <a:bodyPr rtlCol="0" anchor="ctr"/>
+          <a:lstStyle/>
+          <a:p>
+            <a:pPr algn="ctr"/>
+            <a:r>
+              <a:rPr lang="en-US" sz="900" dirty="0"/>
+              <a:t>Image</a:t>
+            </a:r>
+          </a:p>
+          <a:p>
+            <a:pPr algn="ctr"/>
+            <a:r>
+              <a:rPr lang="en-US" sz="900" dirty="0"/>
+              <a:t>DB2</a:t>
+            </a:r>
+          </a:p>
+        </p:txBody>
+      </p:sp>
+      <p:sp>
+        <p:nvSpPr>
+          <p:cNvPr id="34" name="Oval 33">
+            <a:extLst>
+              <a:ext uri="{FF2B5EF4-FFF2-40B4-BE49-F238E27FC236}">
+                <a16:creationId xmlns:a16="http://schemas.microsoft.com/office/drawing/2014/main" id="{E9EA4076-5BC6-455E-B940-C70DACE8AFFD}"/>
+              </a:ext>
+            </a:extLst>
+          </p:cNvPr>
+          <p:cNvSpPr/>
+          <p:nvPr/>
+        </p:nvSpPr>
+        <p:spPr>
+          <a:xfrm>
+            <a:off x="5372779" y="2818564"/>
+            <a:ext cx="914400" cy="504939"/>
+          </a:xfrm>
+          <a:prstGeom prst="ellipse">
+            <a:avLst/>
+          </a:prstGeom>
+          <a:gradFill flip="none" rotWithShape="1">
+            <a:gsLst>
+              <a:gs pos="0">
+                <a:schemeClr val="dk1">
+                  <a:lumMod val="67000"/>
+                </a:schemeClr>
+              </a:gs>
+              <a:gs pos="48000">
+                <a:schemeClr val="dk1">
+                  <a:lumMod val="97000"/>
+                  <a:lumOff val="3000"/>
+                </a:schemeClr>
+              </a:gs>
+              <a:gs pos="100000">
+                <a:schemeClr val="dk1">
+                  <a:lumMod val="60000"/>
+                  <a:lumOff val="40000"/>
+                </a:schemeClr>
+              </a:gs>
+            </a:gsLst>
+            <a:lin ang="16200000" scaled="1"/>
+            <a:tileRect/>
+          </a:gradFill>
+          <a:ln>
+            <a:noFill/>
+          </a:ln>
+        </p:spPr>
+        <p:style>
+          <a:lnRef idx="0">
+            <a:scrgbClr r="0" g="0" b="0"/>
+          </a:lnRef>
+          <a:fillRef idx="0">
+            <a:scrgbClr r="0" g="0" b="0"/>
+          </a:fillRef>
+          <a:effectRef idx="0">
+            <a:scrgbClr r="0" g="0" b="0"/>
+          </a:effectRef>
+          <a:fontRef idx="minor">
+            <a:schemeClr val="lt1"/>
+          </a:fontRef>
+        </p:style>
+        <p:txBody>
+          <a:bodyPr rtlCol="0" anchor="ctr"/>
+          <a:lstStyle/>
+          <a:p>
+            <a:pPr algn="ctr"/>
+            <a:r>
+              <a:rPr lang="en-US" sz="900" dirty="0"/>
+              <a:t>Container</a:t>
+            </a:r>
+          </a:p>
+          <a:p>
+            <a:pPr algn="ctr"/>
+            <a:r>
+              <a:rPr lang="en-US" sz="900" dirty="0"/>
+              <a:t>Service A1 Config</a:t>
+            </a:r>
           </a:p>
         </p:txBody>
       </p:sp>
     </p:spTree>
     <p:extLst>
       <p:ext uri="{BB962C8B-B14F-4D97-AF65-F5344CB8AC3E}">
-        <p14:creationId xmlns:p14="http://schemas.microsoft.com/office/powerpoint/2010/main" val="413529376"/>
+        <p14:creationId xmlns:p14="http://schemas.microsoft.com/office/powerpoint/2010/main" val="3520761437"/>
       </p:ext>
     </p:extLst>
   </p:cSld>
   <p:clrMapOvr>
     <a:masterClrMapping/>
   </p:clrMapOvr>
+  <p:timing>
+    <p:tnLst>
+      <p:par>
+        <p:cTn id="1" dur="indefinite" restart="never" nodeType="tmRoot">
+          <p:childTnLst>
+            <p:seq concurrent="1" nextAc="seek">
+              <p:cTn id="2" dur="indefinite" nodeType="mainSeq">
+                <p:childTnLst>
+                  <p:par>
+                    <p:cTn id="3" fill="hold">
+                      <p:stCondLst>
+                        <p:cond delay="indefinite"/>
+                      </p:stCondLst>
+                      <p:childTnLst>
+                        <p:par>
+                          <p:cTn id="4" fill="hold">
+                            <p:stCondLst>
+                              <p:cond delay="0"/>
+                            </p:stCondLst>
+                            <p:childTnLst>
+                              <p:par>
+                                <p:cTn id="5" presetID="1" presetClass="entr" presetSubtype="0" fill="hold" grpId="1" nodeType="clickEffect">
+                                  <p:stCondLst>
+                                    <p:cond delay="0"/>
+                                  </p:stCondLst>
+                                  <p:childTnLst>
+                                    <p:set>
+                                      <p:cBhvr>
+                                        <p:cTn id="6" dur="1" fill="hold">
+                                          <p:stCondLst>
+                                            <p:cond delay="0"/>
+                                          </p:stCondLst>
+                                        </p:cTn>
+                                        <p:tgtEl>
+                                          <p:spTgt spid="34"/>
+                                        </p:tgtEl>
+                                        <p:attrNameLst>
+                                          <p:attrName>style.visibility</p:attrName>
+                                        </p:attrNameLst>
+                                      </p:cBhvr>
+                                      <p:to>
+                                        <p:strVal val="visible"/>
+                                      </p:to>
+                                    </p:set>
+                                  </p:childTnLst>
+                                </p:cTn>
+                              </p:par>
+                              <p:par>
+                                <p:cTn id="7" presetID="42" presetClass="path" presetSubtype="0" accel="50000" decel="50000" fill="hold" grpId="0" nodeType="withEffect">
+                                  <p:stCondLst>
+                                    <p:cond delay="0"/>
+                                  </p:stCondLst>
+                                  <p:childTnLst>
+                                    <p:animMotion origin="layout" path="M 5E-6 4.81481E-6 L -0.32006 -0.0595 " pathEditMode="relative" rAng="0" ptsTypes="AA">
+                                      <p:cBhvr>
+                                        <p:cTn id="8" dur="2000" spd="-100000" fill="hold"/>
+                                        <p:tgtEl>
+                                          <p:spTgt spid="34"/>
+                                        </p:tgtEl>
+                                        <p:attrNameLst>
+                                          <p:attrName>ppt_x</p:attrName>
+                                          <p:attrName>ppt_y</p:attrName>
+                                        </p:attrNameLst>
+                                      </p:cBhvr>
+                                      <p:rCtr x="-16003" y="-2986"/>
+                                    </p:animMotion>
+                                  </p:childTnLst>
+                                </p:cTn>
+                              </p:par>
+                            </p:childTnLst>
+                          </p:cTn>
+                        </p:par>
+                      </p:childTnLst>
+                    </p:cTn>
+                  </p:par>
+                  <p:par>
+                    <p:cTn id="9" fill="hold">
+                      <p:stCondLst>
+                        <p:cond delay="indefinite"/>
+                      </p:stCondLst>
+                      <p:childTnLst>
+                        <p:par>
+                          <p:cTn id="10" fill="hold">
+                            <p:stCondLst>
+                              <p:cond delay="0"/>
+                            </p:stCondLst>
+                            <p:childTnLst>
+                              <p:par>
+                                <p:cTn id="11" presetID="1" presetClass="entr" presetSubtype="0" fill="hold" grpId="1" nodeType="clickEffect">
+                                  <p:stCondLst>
+                                    <p:cond delay="0"/>
+                                  </p:stCondLst>
+                                  <p:childTnLst>
+                                    <p:set>
+                                      <p:cBhvr>
+                                        <p:cTn id="12" dur="1" fill="hold">
+                                          <p:stCondLst>
+                                            <p:cond delay="0"/>
+                                          </p:stCondLst>
+                                        </p:cTn>
+                                        <p:tgtEl>
+                                          <p:spTgt spid="25"/>
+                                        </p:tgtEl>
+                                        <p:attrNameLst>
+                                          <p:attrName>style.visibility</p:attrName>
+                                        </p:attrNameLst>
+                                      </p:cBhvr>
+                                      <p:to>
+                                        <p:strVal val="visible"/>
+                                      </p:to>
+                                    </p:set>
+                                  </p:childTnLst>
+                                </p:cTn>
+                              </p:par>
+                            </p:childTnLst>
+                          </p:cTn>
+                        </p:par>
+                        <p:par>
+                          <p:cTn id="13" fill="hold">
+                            <p:stCondLst>
+                              <p:cond delay="0"/>
+                            </p:stCondLst>
+                            <p:childTnLst>
+                              <p:par>
+                                <p:cTn id="14" presetID="42" presetClass="path" presetSubtype="0" accel="50000" decel="50000" fill="hold" grpId="0" nodeType="afterEffect">
+                                  <p:stCondLst>
+                                    <p:cond delay="0"/>
+                                  </p:stCondLst>
+                                  <p:childTnLst>
+                                    <p:animMotion origin="layout" path="M 3.33333E-6 -2.59259E-6 L -0.29922 -0.02106 " pathEditMode="relative" rAng="0" ptsTypes="AA">
+                                      <p:cBhvr>
+                                        <p:cTn id="15" dur="2000" spd="-100000" fill="hold"/>
+                                        <p:tgtEl>
+                                          <p:spTgt spid="25"/>
+                                        </p:tgtEl>
+                                        <p:attrNameLst>
+                                          <p:attrName>ppt_x</p:attrName>
+                                          <p:attrName>ppt_y</p:attrName>
+                                        </p:attrNameLst>
+                                      </p:cBhvr>
+                                      <p:rCtr x="-14961" y="-1065"/>
+                                    </p:animMotion>
+                                  </p:childTnLst>
+                                </p:cTn>
+                              </p:par>
+                            </p:childTnLst>
+                          </p:cTn>
+                        </p:par>
+                      </p:childTnLst>
+                    </p:cTn>
+                  </p:par>
+                  <p:par>
+                    <p:cTn id="16" fill="hold">
+                      <p:stCondLst>
+                        <p:cond delay="indefinite"/>
+                      </p:stCondLst>
+                      <p:childTnLst>
+                        <p:par>
+                          <p:cTn id="17" fill="hold">
+                            <p:stCondLst>
+                              <p:cond delay="0"/>
+                            </p:stCondLst>
+                            <p:childTnLst>
+                              <p:par>
+                                <p:cTn id="18" presetID="1" presetClass="entr" presetSubtype="0" fill="hold" grpId="0" nodeType="clickEffect">
+                                  <p:stCondLst>
+                                    <p:cond delay="0"/>
+                                  </p:stCondLst>
+                                  <p:childTnLst>
+                                    <p:set>
+                                      <p:cBhvr>
+                                        <p:cTn id="19" dur="1" fill="hold">
+                                          <p:stCondLst>
+                                            <p:cond delay="0"/>
+                                          </p:stCondLst>
+                                        </p:cTn>
+                                        <p:tgtEl>
+                                          <p:spTgt spid="26"/>
+                                        </p:tgtEl>
+                                        <p:attrNameLst>
+                                          <p:attrName>style.visibility</p:attrName>
+                                        </p:attrNameLst>
+                                      </p:cBhvr>
+                                      <p:to>
+                                        <p:strVal val="visible"/>
+                                      </p:to>
+                                    </p:set>
+                                  </p:childTnLst>
+                                </p:cTn>
+                              </p:par>
+                            </p:childTnLst>
+                          </p:cTn>
+                        </p:par>
+                        <p:par>
+                          <p:cTn id="20" fill="hold">
+                            <p:stCondLst>
+                              <p:cond delay="0"/>
+                            </p:stCondLst>
+                            <p:childTnLst>
+                              <p:par>
+                                <p:cTn id="21" presetID="37" presetClass="path" presetSubtype="0" accel="50000" decel="50000" fill="hold" grpId="1" nodeType="afterEffect">
+                                  <p:stCondLst>
+                                    <p:cond delay="0"/>
+                                  </p:stCondLst>
+                                  <p:childTnLst>
+                                    <p:animMotion origin="layout" path="M -2.29167E-6 3.33333E-6 L -0.07578 0.04467 C -0.0914 0.05532 -0.11471 0.06041 -0.13919 0.05879 C -0.16719 0.05717 -0.18945 0.0493 -0.20469 0.0368 L -0.27786 -0.01713 " pathEditMode="relative" rAng="120000" ptsTypes="AAAAA">
+                                      <p:cBhvr>
+                                        <p:cTn id="22" dur="2000" spd="-100000" fill="hold"/>
+                                        <p:tgtEl>
+                                          <p:spTgt spid="26"/>
+                                        </p:tgtEl>
+                                        <p:attrNameLst>
+                                          <p:attrName>ppt_x</p:attrName>
+                                          <p:attrName>ppt_y</p:attrName>
+                                        </p:attrNameLst>
+                                      </p:cBhvr>
+                                      <p:rCtr x="-13958" y="2500"/>
+                                    </p:animMotion>
+                                  </p:childTnLst>
+                                </p:cTn>
+                              </p:par>
+                            </p:childTnLst>
+                          </p:cTn>
+                        </p:par>
+                      </p:childTnLst>
+                    </p:cTn>
+                  </p:par>
+                  <p:par>
+                    <p:cTn id="23" fill="hold">
+                      <p:stCondLst>
+                        <p:cond delay="indefinite"/>
+                      </p:stCondLst>
+                      <p:childTnLst>
+                        <p:par>
+                          <p:cTn id="24" fill="hold">
+                            <p:stCondLst>
+                              <p:cond delay="0"/>
+                            </p:stCondLst>
+                            <p:childTnLst>
+                              <p:par>
+                                <p:cTn id="25" presetID="2" presetClass="entr" presetSubtype="6" fill="hold" nodeType="clickEffect">
+                                  <p:stCondLst>
+                                    <p:cond delay="0"/>
+                                  </p:stCondLst>
+                                  <p:childTnLst>
+                                    <p:set>
+                                      <p:cBhvr>
+                                        <p:cTn id="26" dur="1" fill="hold">
+                                          <p:stCondLst>
+                                            <p:cond delay="0"/>
+                                          </p:stCondLst>
+                                        </p:cTn>
+                                        <p:tgtEl>
+                                          <p:spTgt spid="19"/>
+                                        </p:tgtEl>
+                                        <p:attrNameLst>
+                                          <p:attrName>style.visibility</p:attrName>
+                                        </p:attrNameLst>
+                                      </p:cBhvr>
+                                      <p:to>
+                                        <p:strVal val="visible"/>
+                                      </p:to>
+                                    </p:set>
+                                    <p:anim calcmode="lin" valueType="num">
+                                      <p:cBhvr additive="base">
+                                        <p:cTn id="27" dur="1000" fill="hold"/>
+                                        <p:tgtEl>
+                                          <p:spTgt spid="19"/>
+                                        </p:tgtEl>
+                                        <p:attrNameLst>
+                                          <p:attrName>ppt_x</p:attrName>
+                                        </p:attrNameLst>
+                                      </p:cBhvr>
+                                      <p:tavLst>
+                                        <p:tav tm="0">
+                                          <p:val>
+                                            <p:strVal val="1+#ppt_w/2"/>
+                                          </p:val>
+                                        </p:tav>
+                                        <p:tav tm="100000">
+                                          <p:val>
+                                            <p:strVal val="#ppt_x"/>
+                                          </p:val>
+                                        </p:tav>
+                                      </p:tavLst>
+                                    </p:anim>
+                                    <p:anim calcmode="lin" valueType="num">
+                                      <p:cBhvr additive="base">
+                                        <p:cTn id="28" dur="1000" fill="hold"/>
+                                        <p:tgtEl>
+                                          <p:spTgt spid="19"/>
+                                        </p:tgtEl>
+                                        <p:attrNameLst>
+                                          <p:attrName>ppt_y</p:attrName>
+                                        </p:attrNameLst>
+                                      </p:cBhvr>
+                                      <p:tavLst>
+                                        <p:tav tm="0">
+                                          <p:val>
+                                            <p:strVal val="1+#ppt_h/2"/>
+                                          </p:val>
+                                        </p:tav>
+                                        <p:tav tm="100000">
+                                          <p:val>
+                                            <p:strVal val="#ppt_y"/>
+                                          </p:val>
+                                        </p:tav>
+                                      </p:tavLst>
+                                    </p:anim>
+                                  </p:childTnLst>
+                                </p:cTn>
+                              </p:par>
+                            </p:childTnLst>
+                          </p:cTn>
+                        </p:par>
+                      </p:childTnLst>
+                    </p:cTn>
+                  </p:par>
+                  <p:par>
+                    <p:cTn id="29" fill="hold">
+                      <p:stCondLst>
+                        <p:cond delay="indefinite"/>
+                      </p:stCondLst>
+                      <p:childTnLst>
+                        <p:par>
+                          <p:cTn id="30" fill="hold">
+                            <p:stCondLst>
+                              <p:cond delay="0"/>
+                            </p:stCondLst>
+                            <p:childTnLst>
+                              <p:par>
+                                <p:cTn id="31" presetID="1" presetClass="entr" presetSubtype="0" fill="hold" grpId="1" nodeType="clickEffect">
+                                  <p:stCondLst>
+                                    <p:cond delay="0"/>
+                                  </p:stCondLst>
+                                  <p:childTnLst>
+                                    <p:set>
+                                      <p:cBhvr>
+                                        <p:cTn id="32" dur="1" fill="hold">
+                                          <p:stCondLst>
+                                            <p:cond delay="0"/>
+                                          </p:stCondLst>
+                                        </p:cTn>
+                                        <p:tgtEl>
+                                          <p:spTgt spid="60"/>
+                                        </p:tgtEl>
+                                        <p:attrNameLst>
+                                          <p:attrName>style.visibility</p:attrName>
+                                        </p:attrNameLst>
+                                      </p:cBhvr>
+                                      <p:to>
+                                        <p:strVal val="visible"/>
+                                      </p:to>
+                                    </p:set>
+                                  </p:childTnLst>
+                                </p:cTn>
+                              </p:par>
+                              <p:par>
+                                <p:cTn id="33" presetID="42" presetClass="path" presetSubtype="0" accel="50000" decel="50000" fill="hold" grpId="0" nodeType="withEffect">
+                                  <p:stCondLst>
+                                    <p:cond delay="0"/>
+                                  </p:stCondLst>
+                                  <p:childTnLst>
+                                    <p:animMotion origin="layout" path="M -3.125E-6 2.59259E-6 L -0.37669 -0.20972 " pathEditMode="relative" rAng="0" ptsTypes="AA">
+                                      <p:cBhvr>
+                                        <p:cTn id="34" dur="2000" spd="-100000" fill="hold"/>
+                                        <p:tgtEl>
+                                          <p:spTgt spid="60"/>
+                                        </p:tgtEl>
+                                        <p:attrNameLst>
+                                          <p:attrName>ppt_x</p:attrName>
+                                          <p:attrName>ppt_y</p:attrName>
+                                        </p:attrNameLst>
+                                      </p:cBhvr>
+                                      <p:rCtr x="-18841" y="-10486"/>
+                                    </p:animMotion>
+                                  </p:childTnLst>
+                                </p:cTn>
+                              </p:par>
+                            </p:childTnLst>
+                          </p:cTn>
+                        </p:par>
+                      </p:childTnLst>
+                    </p:cTn>
+                  </p:par>
+                  <p:par>
+                    <p:cTn id="35" fill="hold">
+                      <p:stCondLst>
+                        <p:cond delay="indefinite"/>
+                      </p:stCondLst>
+                      <p:childTnLst>
+                        <p:par>
+                          <p:cTn id="36" fill="hold">
+                            <p:stCondLst>
+                              <p:cond delay="0"/>
+                            </p:stCondLst>
+                            <p:childTnLst>
+                              <p:par>
+                                <p:cTn id="37" presetID="1" presetClass="entr" presetSubtype="0" fill="hold" grpId="1" nodeType="clickEffect">
+                                  <p:stCondLst>
+                                    <p:cond delay="0"/>
+                                  </p:stCondLst>
+                                  <p:childTnLst>
+                                    <p:set>
+                                      <p:cBhvr>
+                                        <p:cTn id="38" dur="1" fill="hold">
+                                          <p:stCondLst>
+                                            <p:cond delay="0"/>
+                                          </p:stCondLst>
+                                        </p:cTn>
+                                        <p:tgtEl>
+                                          <p:spTgt spid="62"/>
+                                        </p:tgtEl>
+                                        <p:attrNameLst>
+                                          <p:attrName>style.visibility</p:attrName>
+                                        </p:attrNameLst>
+                                      </p:cBhvr>
+                                      <p:to>
+                                        <p:strVal val="visible"/>
+                                      </p:to>
+                                    </p:set>
+                                  </p:childTnLst>
+                                </p:cTn>
+                              </p:par>
+                              <p:par>
+                                <p:cTn id="39" presetID="42" presetClass="path" presetSubtype="0" accel="50000" decel="50000" fill="hold" grpId="0" nodeType="withEffect">
+                                  <p:stCondLst>
+                                    <p:cond delay="0"/>
+                                  </p:stCondLst>
+                                  <p:childTnLst>
+                                    <p:animMotion origin="layout" path="M -3.125E-6 2.59259E-6 L -0.37669 -0.20972 " pathEditMode="relative" rAng="0" ptsTypes="AA">
+                                      <p:cBhvr>
+                                        <p:cTn id="40" dur="2000" spd="-100000" fill="hold"/>
+                                        <p:tgtEl>
+                                          <p:spTgt spid="62"/>
+                                        </p:tgtEl>
+                                        <p:attrNameLst>
+                                          <p:attrName>ppt_x</p:attrName>
+                                          <p:attrName>ppt_y</p:attrName>
+                                        </p:attrNameLst>
+                                      </p:cBhvr>
+                                      <p:rCtr x="-18841" y="-10486"/>
+                                    </p:animMotion>
+                                  </p:childTnLst>
+                                </p:cTn>
+                              </p:par>
+                            </p:childTnLst>
+                          </p:cTn>
+                        </p:par>
+                      </p:childTnLst>
+                    </p:cTn>
+                  </p:par>
+                  <p:par>
+                    <p:cTn id="41" fill="hold">
+                      <p:stCondLst>
+                        <p:cond delay="indefinite"/>
+                      </p:stCondLst>
+                      <p:childTnLst>
+                        <p:par>
+                          <p:cTn id="42" fill="hold">
+                            <p:stCondLst>
+                              <p:cond delay="0"/>
+                            </p:stCondLst>
+                            <p:childTnLst>
+                              <p:par>
+                                <p:cTn id="43" presetID="1" presetClass="entr" presetSubtype="0" fill="hold" grpId="1" nodeType="clickEffect">
+                                  <p:stCondLst>
+                                    <p:cond delay="0"/>
+                                  </p:stCondLst>
+                                  <p:childTnLst>
+                                    <p:set>
+                                      <p:cBhvr>
+                                        <p:cTn id="44" dur="1" fill="hold">
+                                          <p:stCondLst>
+                                            <p:cond delay="0"/>
+                                          </p:stCondLst>
+                                        </p:cTn>
+                                        <p:tgtEl>
+                                          <p:spTgt spid="63"/>
+                                        </p:tgtEl>
+                                        <p:attrNameLst>
+                                          <p:attrName>style.visibility</p:attrName>
+                                        </p:attrNameLst>
+                                      </p:cBhvr>
+                                      <p:to>
+                                        <p:strVal val="visible"/>
+                                      </p:to>
+                                    </p:set>
+                                  </p:childTnLst>
+                                </p:cTn>
+                              </p:par>
+                            </p:childTnLst>
+                          </p:cTn>
+                        </p:par>
+                        <p:par>
+                          <p:cTn id="45" fill="hold">
+                            <p:stCondLst>
+                              <p:cond delay="0"/>
+                            </p:stCondLst>
+                            <p:childTnLst>
+                              <p:par>
+                                <p:cTn id="46" presetID="42" presetClass="path" presetSubtype="0" accel="50000" decel="50000" fill="hold" grpId="0" nodeType="afterEffect">
+                                  <p:stCondLst>
+                                    <p:cond delay="0"/>
+                                  </p:stCondLst>
+                                  <p:childTnLst>
+                                    <p:animMotion origin="layout" path="M 3.33333E-6 -2.59259E-6 L -0.29922 -0.02106 " pathEditMode="relative" rAng="0" ptsTypes="AA">
+                                      <p:cBhvr>
+                                        <p:cTn id="47" dur="2000" spd="-100000" fill="hold"/>
+                                        <p:tgtEl>
+                                          <p:spTgt spid="63"/>
+                                        </p:tgtEl>
+                                        <p:attrNameLst>
+                                          <p:attrName>ppt_x</p:attrName>
+                                          <p:attrName>ppt_y</p:attrName>
+                                        </p:attrNameLst>
+                                      </p:cBhvr>
+                                      <p:rCtr x="-14961" y="-1065"/>
+                                    </p:animMotion>
+                                  </p:childTnLst>
+                                </p:cTn>
+                              </p:par>
+                            </p:childTnLst>
+                          </p:cTn>
+                        </p:par>
+                      </p:childTnLst>
+                    </p:cTn>
+                  </p:par>
+                </p:childTnLst>
+              </p:cTn>
+              <p:prevCondLst>
+                <p:cond evt="onPrev" delay="0">
+                  <p:tgtEl>
+                    <p:sldTgt/>
+                  </p:tgtEl>
+                </p:cond>
+              </p:prevCondLst>
+              <p:nextCondLst>
+                <p:cond evt="onNext" delay="0">
+                  <p:tgtEl>
+                    <p:sldTgt/>
+                  </p:tgtEl>
+                </p:cond>
+              </p:nextCondLst>
+            </p:seq>
+          </p:childTnLst>
+        </p:cTn>
+      </p:par>
+    </p:tnLst>
+    <p:bldLst>
+      <p:bldP spid="25" grpId="0" animBg="1"/>
+      <p:bldP spid="25" grpId="1" animBg="1"/>
+      <p:bldP spid="26" grpId="0" animBg="1"/>
+      <p:bldP spid="26" grpId="1" animBg="1"/>
+      <p:bldP spid="60" grpId="0" animBg="1"/>
+      <p:bldP spid="60" grpId="1" animBg="1"/>
+      <p:bldP spid="62" grpId="0" animBg="1"/>
+      <p:bldP spid="62" grpId="1" animBg="1"/>
+      <p:bldP spid="63" grpId="0" animBg="1"/>
+      <p:bldP spid="63" grpId="1" animBg="1"/>
+      <p:bldP spid="34" grpId="0" animBg="1"/>
+      <p:bldP spid="34" grpId="1" animBg="1"/>
+    </p:bldLst>
+  </p:timing>
 </p:sld>
 </file>
 

--- a/OMS DevOps Process Using Openshift Features.pptx
+++ b/OMS DevOps Process Using Openshift Features.pptx
@@ -1004,7 +1004,11 @@
     </dgm:pt>
     <dgm:pt modelId="{4CC100D7-9B1E-4010-AE6A-D8CB0A4B7585}" type="pres">
       <dgm:prSet presAssocID="{71320A79-2535-4276-AEDD-D160FDD4B0A2}" presName="iconBgRect" presStyleLbl="bgShp" presStyleIdx="0" presStyleCnt="2"/>
-      <dgm:spPr/>
+      <dgm:spPr>
+        <a:solidFill>
+          <a:schemeClr val="accent1"/>
+        </a:solidFill>
+      </dgm:spPr>
     </dgm:pt>
     <dgm:pt modelId="{3CC26CD1-7D32-416D-96FA-BE92FA0ADC57}" type="pres">
       <dgm:prSet presAssocID="{71320A79-2535-4276-AEDD-D160FDD4B0A2}" presName="iconRect" presStyleLbl="node1" presStyleIdx="0" presStyleCnt="2"/>
@@ -1055,7 +1059,11 @@
     </dgm:pt>
     <dgm:pt modelId="{4BFC5B57-38F2-407F-B9B2-228C1B819E38}" type="pres">
       <dgm:prSet presAssocID="{215AD40B-2F5A-4A9C-929F-3E2B2D5FF88C}" presName="iconBgRect" presStyleLbl="bgShp" presStyleIdx="1" presStyleCnt="2"/>
-      <dgm:spPr/>
+      <dgm:spPr>
+        <a:solidFill>
+          <a:schemeClr val="accent1"/>
+        </a:solidFill>
+      </dgm:spPr>
     </dgm:pt>
     <dgm:pt modelId="{61D6C7D9-61D6-46B8-A110-E92570F83E91}" type="pres">
       <dgm:prSet presAssocID="{215AD40B-2F5A-4A9C-929F-3E2B2D5FF88C}" presName="iconRect" presStyleLbl="node1" presStyleIdx="1" presStyleCnt="2"/>
@@ -1121,6 +1129,9 @@
     <a:ext uri="http://schemas.microsoft.com/office/drawing/2008/diagram">
       <dsp:dataModelExt xmlns:dsp="http://schemas.microsoft.com/office/drawing/2008/diagram" relId="rId6" minVer="http://schemas.openxmlformats.org/drawingml/2006/diagram"/>
     </a:ext>
+    <a:ext uri="{C62137D5-CB1D-491B-B009-E17868A290BF}">
+      <dgm14:recolorImg xmlns:dgm14="http://schemas.microsoft.com/office/drawing/2010/diagram" val="1"/>
+    </a:ext>
   </dgm:extLst>
 </dgm:dataModel>
 </file>
@@ -1147,12 +1158,7 @@
           <a:avLst/>
         </a:prstGeom>
         <a:solidFill>
-          <a:schemeClr val="accent4">
-            <a:hueOff val="0"/>
-            <a:satOff val="0"/>
-            <a:lumOff val="0"/>
-            <a:alphaOff val="0"/>
-          </a:schemeClr>
+          <a:schemeClr val="accent1"/>
         </a:solidFill>
         <a:ln>
           <a:noFill/>
@@ -1313,12 +1319,7 @@
           <a:avLst/>
         </a:prstGeom>
         <a:solidFill>
-          <a:schemeClr val="accent4">
-            <a:hueOff val="0"/>
-            <a:satOff val="0"/>
-            <a:lumOff val="0"/>
-            <a:alphaOff val="0"/>
-          </a:schemeClr>
+          <a:schemeClr val="accent1"/>
         </a:solidFill>
         <a:ln>
           <a:noFill/>
@@ -15101,6 +15102,28 @@
                 </a:solidFill>
               </a:rPr>
             </a:br>
+            <a:br>
+              <a:rPr lang="en-US" dirty="0">
+                <a:solidFill>
+                  <a:srgbClr val="FFFFFF"/>
+                </a:solidFill>
+              </a:rPr>
+            </a:br>
+            <a:r>
+              <a:rPr lang="en-US" dirty="0">
+                <a:solidFill>
+                  <a:srgbClr val="FFFFFF"/>
+                </a:solidFill>
+              </a:rPr>
+              <a:t>Agenda</a:t>
+            </a:r>
+            <a:br>
+              <a:rPr lang="en-US" dirty="0">
+                <a:solidFill>
+                  <a:srgbClr val="FFFFFF"/>
+                </a:solidFill>
+              </a:rPr>
+            </a:br>
             <a:endParaRPr lang="en-US" dirty="0">
               <a:solidFill>
                 <a:srgbClr val="FFFFFF"/>
@@ -15125,7 +15148,7 @@
             <p:ph idx="1"/>
             <p:extLst>
               <p:ext uri="{D42A27DB-BD31-4B8C-83A1-F6EECF244321}">
-                <p14:modId xmlns:p14="http://schemas.microsoft.com/office/powerpoint/2010/main" val="3405952505"/>
+                <p14:modId xmlns:p14="http://schemas.microsoft.com/office/powerpoint/2010/main" val="1547015132"/>
               </p:ext>
             </p:extLst>
           </p:nvPr>
@@ -21541,7 +21564,7 @@
             <a:pPr algn="ctr"/>
             <a:r>
               <a:rPr lang="en-US" dirty="0"/>
-              <a:t>RH OS Cluster</a:t>
+              <a:t>OpenShift Cluster</a:t>
             </a:r>
           </a:p>
         </p:txBody>
@@ -26081,67 +26104,6 @@
       </p:sp>
       <p:sp>
         <p:nvSpPr>
-          <p:cNvPr id="4" name="Rectangle 3">
-            <a:extLst>
-              <a:ext uri="{FF2B5EF4-FFF2-40B4-BE49-F238E27FC236}">
-                <a16:creationId xmlns:a16="http://schemas.microsoft.com/office/drawing/2014/main" id="{44BD849C-DAD1-4E1D-AA12-82CAAF521E61}"/>
-              </a:ext>
-            </a:extLst>
-          </p:cNvPr>
-          <p:cNvSpPr/>
-          <p:nvPr/>
-        </p:nvSpPr>
-        <p:spPr>
-          <a:xfrm>
-            <a:off x="6968692" y="3991631"/>
-            <a:ext cx="3303456" cy="1547605"/>
-          </a:xfrm>
-          <a:prstGeom prst="rect">
-            <a:avLst/>
-          </a:prstGeom>
-          <a:noFill/>
-          <a:ln w="38100">
-            <a:solidFill>
-              <a:schemeClr val="bg1">
-                <a:lumMod val="95000"/>
-                <a:lumOff val="5000"/>
-              </a:schemeClr>
-            </a:solidFill>
-            <a:prstDash val="lgDashDot"/>
-          </a:ln>
-        </p:spPr>
-        <p:style>
-          <a:lnRef idx="2">
-            <a:schemeClr val="accent1">
-              <a:shade val="50000"/>
-            </a:schemeClr>
-          </a:lnRef>
-          <a:fillRef idx="1">
-            <a:schemeClr val="accent1"/>
-          </a:fillRef>
-          <a:effectRef idx="0">
-            <a:schemeClr val="accent1"/>
-          </a:effectRef>
-          <a:fontRef idx="minor">
-            <a:schemeClr val="lt1"/>
-          </a:fontRef>
-        </p:style>
-        <p:txBody>
-          <a:bodyPr rtlCol="0" anchor="t"/>
-          <a:lstStyle/>
-          <a:p>
-            <a:r>
-              <a:rPr lang="en-US" sz="1100" dirty="0"/>
-              <a:t>Task A001 Run Time</a:t>
-            </a:r>
-          </a:p>
-          <a:p>
-            <a:endParaRPr lang="en-US" sz="1100" dirty="0"/>
-          </a:p>
-        </p:txBody>
-      </p:sp>
-      <p:sp>
-        <p:nvSpPr>
           <p:cNvPr id="21" name="Oval 20">
             <a:extLst>
               <a:ext uri="{FF2B5EF4-FFF2-40B4-BE49-F238E27FC236}">
@@ -26154,7 +26116,7 @@
         </p:nvSpPr>
         <p:spPr>
           <a:xfrm>
-            <a:off x="7992229" y="3267065"/>
+            <a:off x="7808080" y="3300278"/>
             <a:ext cx="914400" cy="504939"/>
           </a:xfrm>
           <a:prstGeom prst="ellipse">
@@ -26222,7 +26184,7 @@
         </p:nvSpPr>
         <p:spPr>
           <a:xfrm>
-            <a:off x="8735146" y="3311342"/>
+            <a:off x="8735146" y="3300278"/>
             <a:ext cx="914400" cy="504939"/>
           </a:xfrm>
           <a:prstGeom prst="ellipse">
@@ -26340,7 +26302,7 @@
         </p:nvSpPr>
         <p:spPr>
           <a:xfrm>
-            <a:off x="7083750" y="3284229"/>
+            <a:off x="6906044" y="3300278"/>
             <a:ext cx="914400" cy="504939"/>
           </a:xfrm>
           <a:prstGeom prst="ellipse">
@@ -26396,7 +26358,7 @@
         </p:nvSpPr>
         <p:spPr>
           <a:xfrm>
-            <a:off x="5295058" y="3284229"/>
+            <a:off x="5295058" y="3300278"/>
             <a:ext cx="914400" cy="504939"/>
           </a:xfrm>
           <a:prstGeom prst="ellipse">
@@ -26452,7 +26414,7 @@
         </p:nvSpPr>
         <p:spPr>
           <a:xfrm>
-            <a:off x="6189404" y="3284229"/>
+            <a:off x="6016372" y="3300278"/>
             <a:ext cx="914400" cy="504939"/>
           </a:xfrm>
           <a:prstGeom prst="ellipse">
@@ -26508,7 +26470,7 @@
         </p:nvSpPr>
         <p:spPr>
           <a:xfrm>
-            <a:off x="9624819" y="3295047"/>
+            <a:off x="9624819" y="3300278"/>
             <a:ext cx="914400" cy="504939"/>
           </a:xfrm>
           <a:prstGeom prst="ellipse">
@@ -27437,6 +27399,211 @@
           </a:p>
         </p:txBody>
       </p:sp>
+      <p:grpSp>
+        <p:nvGrpSpPr>
+          <p:cNvPr id="13" name="Group 12">
+            <a:extLst>
+              <a:ext uri="{FF2B5EF4-FFF2-40B4-BE49-F238E27FC236}">
+                <a16:creationId xmlns:a16="http://schemas.microsoft.com/office/drawing/2014/main" id="{13AAD292-26FA-4208-AF75-73033ED79BF6}"/>
+              </a:ext>
+            </a:extLst>
+          </p:cNvPr>
+          <p:cNvGrpSpPr/>
+          <p:nvPr/>
+        </p:nvGrpSpPr>
+        <p:grpSpPr>
+          <a:xfrm>
+            <a:off x="6968691" y="3175526"/>
+            <a:ext cx="3570527" cy="2363710"/>
+            <a:chOff x="6968691" y="3175526"/>
+            <a:chExt cx="3570527" cy="2363710"/>
+          </a:xfrm>
+        </p:grpSpPr>
+        <p:sp>
+          <p:nvSpPr>
+            <p:cNvPr id="47" name="Freeform: Shape 46">
+              <a:extLst>
+                <a:ext uri="{FF2B5EF4-FFF2-40B4-BE49-F238E27FC236}">
+                  <a16:creationId xmlns:a16="http://schemas.microsoft.com/office/drawing/2014/main" id="{91E7EC53-53DB-4EAA-8400-011B96751F62}"/>
+                </a:ext>
+              </a:extLst>
+            </p:cNvPr>
+            <p:cNvSpPr/>
+            <p:nvPr/>
+          </p:nvSpPr>
+          <p:spPr>
+            <a:xfrm>
+              <a:off x="6968691" y="3175526"/>
+              <a:ext cx="3570527" cy="2363710"/>
+            </a:xfrm>
+            <a:custGeom>
+              <a:avLst/>
+              <a:gdLst>
+                <a:gd name="connsiteX0" fmla="*/ 1766455 w 3570527"/>
+                <a:gd name="connsiteY0" fmla="*/ 0 h 2363710"/>
+                <a:gd name="connsiteX1" fmla="*/ 3570527 w 3570527"/>
+                <a:gd name="connsiteY1" fmla="*/ 0 h 2363710"/>
+                <a:gd name="connsiteX2" fmla="*/ 3570527 w 3570527"/>
+                <a:gd name="connsiteY2" fmla="*/ 816105 h 2363710"/>
+                <a:gd name="connsiteX3" fmla="*/ 3570527 w 3570527"/>
+                <a:gd name="connsiteY3" fmla="*/ 2360106 h 2363710"/>
+                <a:gd name="connsiteX4" fmla="*/ 3570527 w 3570527"/>
+                <a:gd name="connsiteY4" fmla="*/ 2363710 h 2363710"/>
+                <a:gd name="connsiteX5" fmla="*/ 0 w 3570527"/>
+                <a:gd name="connsiteY5" fmla="*/ 2363710 h 2363710"/>
+                <a:gd name="connsiteX6" fmla="*/ 0 w 3570527"/>
+                <a:gd name="connsiteY6" fmla="*/ 816105 h 2363710"/>
+                <a:gd name="connsiteX7" fmla="*/ 1766455 w 3570527"/>
+                <a:gd name="connsiteY7" fmla="*/ 816105 h 2363710"/>
+              </a:gdLst>
+              <a:ahLst/>
+              <a:cxnLst>
+                <a:cxn ang="0">
+                  <a:pos x="connsiteX0" y="connsiteY0"/>
+                </a:cxn>
+                <a:cxn ang="0">
+                  <a:pos x="connsiteX1" y="connsiteY1"/>
+                </a:cxn>
+                <a:cxn ang="0">
+                  <a:pos x="connsiteX2" y="connsiteY2"/>
+                </a:cxn>
+                <a:cxn ang="0">
+                  <a:pos x="connsiteX3" y="connsiteY3"/>
+                </a:cxn>
+                <a:cxn ang="0">
+                  <a:pos x="connsiteX4" y="connsiteY4"/>
+                </a:cxn>
+                <a:cxn ang="0">
+                  <a:pos x="connsiteX5" y="connsiteY5"/>
+                </a:cxn>
+                <a:cxn ang="0">
+                  <a:pos x="connsiteX6" y="connsiteY6"/>
+                </a:cxn>
+                <a:cxn ang="0">
+                  <a:pos x="connsiteX7" y="connsiteY7"/>
+                </a:cxn>
+              </a:cxnLst>
+              <a:rect l="l" t="t" r="r" b="b"/>
+              <a:pathLst>
+                <a:path w="3570527" h="2363710">
+                  <a:moveTo>
+                    <a:pt x="1766455" y="0"/>
+                  </a:moveTo>
+                  <a:lnTo>
+                    <a:pt x="3570527" y="0"/>
+                  </a:lnTo>
+                  <a:lnTo>
+                    <a:pt x="3570527" y="816105"/>
+                  </a:lnTo>
+                  <a:lnTo>
+                    <a:pt x="3570527" y="2360106"/>
+                  </a:lnTo>
+                  <a:lnTo>
+                    <a:pt x="3570527" y="2363710"/>
+                  </a:lnTo>
+                  <a:lnTo>
+                    <a:pt x="0" y="2363710"/>
+                  </a:lnTo>
+                  <a:lnTo>
+                    <a:pt x="0" y="816105"/>
+                  </a:lnTo>
+                  <a:lnTo>
+                    <a:pt x="1766455" y="816105"/>
+                  </a:lnTo>
+                  <a:close/>
+                </a:path>
+              </a:pathLst>
+            </a:custGeom>
+            <a:noFill/>
+            <a:ln w="38100">
+              <a:solidFill>
+                <a:schemeClr val="bg1">
+                  <a:lumMod val="95000"/>
+                  <a:lumOff val="5000"/>
+                </a:schemeClr>
+              </a:solidFill>
+              <a:prstDash val="lgDashDot"/>
+            </a:ln>
+          </p:spPr>
+          <p:style>
+            <a:lnRef idx="2">
+              <a:schemeClr val="accent1">
+                <a:shade val="50000"/>
+              </a:schemeClr>
+            </a:lnRef>
+            <a:fillRef idx="1">
+              <a:schemeClr val="accent1"/>
+            </a:fillRef>
+            <a:effectRef idx="0">
+              <a:schemeClr val="accent1"/>
+            </a:effectRef>
+            <a:fontRef idx="minor">
+              <a:schemeClr val="lt1"/>
+            </a:fontRef>
+          </p:style>
+          <p:txBody>
+            <a:bodyPr wrap="square" rtlCol="0" anchor="t">
+              <a:noAutofit/>
+            </a:bodyPr>
+            <a:lstStyle/>
+            <a:p>
+              <a:endParaRPr lang="en-US" sz="1100" b="1" dirty="0"/>
+            </a:p>
+          </p:txBody>
+        </p:sp>
+        <p:sp>
+          <p:nvSpPr>
+            <p:cNvPr id="12" name="TextBox 11">
+              <a:extLst>
+                <a:ext uri="{FF2B5EF4-FFF2-40B4-BE49-F238E27FC236}">
+                  <a16:creationId xmlns:a16="http://schemas.microsoft.com/office/drawing/2014/main" id="{4A184C48-4EDF-4C6C-BEAC-4B1B452A7DF7}"/>
+                </a:ext>
+              </a:extLst>
+            </p:cNvPr>
+            <p:cNvSpPr txBox="1"/>
+            <p:nvPr/>
+          </p:nvSpPr>
+          <p:spPr>
+            <a:xfrm>
+              <a:off x="7992229" y="4074499"/>
+              <a:ext cx="1631409" cy="307777"/>
+            </a:xfrm>
+            <a:prstGeom prst="rect">
+              <a:avLst/>
+            </a:prstGeom>
+            <a:noFill/>
+          </p:spPr>
+          <p:txBody>
+            <a:bodyPr wrap="none" rtlCol="0">
+              <a:spAutoFit/>
+            </a:bodyPr>
+            <a:lstStyle/>
+            <a:p>
+              <a:r>
+                <a:rPr lang="en-US" sz="1400" b="1" dirty="0">
+                  <a:solidFill>
+                    <a:schemeClr val="bg1"/>
+                  </a:solidFill>
+                </a:rPr>
+                <a:t>Task A001 </a:t>
+              </a:r>
+              <a:r>
+                <a:rPr lang="en-US" sz="1400" b="1" dirty="0" err="1">
+                  <a:solidFill>
+                    <a:schemeClr val="bg1"/>
+                  </a:solidFill>
+                </a:rPr>
+                <a:t>RunTime</a:t>
+              </a:r>
+              <a:endParaRPr lang="en-US" sz="1400" b="1" dirty="0">
+                <a:solidFill>
+                  <a:schemeClr val="bg1"/>
+                </a:solidFill>
+              </a:endParaRPr>
+            </a:p>
+          </p:txBody>
+        </p:sp>
+      </p:grpSp>
     </p:spTree>
     <p:extLst>
       <p:ext uri="{BB962C8B-B14F-4D97-AF65-F5344CB8AC3E}">
@@ -27669,76 +27836,14 @@
                             </p:stCondLst>
                             <p:childTnLst>
                               <p:par>
-                                <p:cTn id="23" presetID="42" presetClass="path" presetSubtype="0" accel="50000" decel="50000" fill="hold" grpId="0" nodeType="clickEffect">
-                                  <p:stCondLst>
-                                    <p:cond delay="0"/>
-                                  </p:stCondLst>
-                                  <p:childTnLst>
-                                    <p:animMotion origin="layout" path="M 3.75E-6 4.07407E-6 L -0.00938 0.06365 " pathEditMode="relative" rAng="0" ptsTypes="AA">
-                                      <p:cBhvr>
-                                        <p:cTn id="24" dur="2000" fill="hold"/>
-                                        <p:tgtEl>
-                                          <p:spTgt spid="22"/>
-                                        </p:tgtEl>
-                                        <p:attrNameLst>
-                                          <p:attrName>ppt_x</p:attrName>
-                                          <p:attrName>ppt_y</p:attrName>
-                                        </p:attrNameLst>
-                                      </p:cBhvr>
-                                      <p:rCtr x="-469" y="3171"/>
-                                    </p:animMotion>
-                                  </p:childTnLst>
-                                </p:cTn>
-                              </p:par>
-                              <p:par>
-                                <p:cTn id="25" presetID="42" presetClass="path" presetSubtype="0" accel="50000" decel="50000" fill="hold" grpId="0" nodeType="withEffect">
-                                  <p:stCondLst>
-                                    <p:cond delay="0"/>
-                                  </p:stCondLst>
-                                  <p:childTnLst>
-                                    <p:animMotion origin="layout" path="M -3.125E-6 -1.11111E-6 L -0.02187 0.08588 " pathEditMode="relative" rAng="0" ptsTypes="AA">
-                                      <p:cBhvr>
-                                        <p:cTn id="26" dur="2000" fill="hold"/>
-                                        <p:tgtEl>
-                                          <p:spTgt spid="27"/>
-                                        </p:tgtEl>
-                                        <p:attrNameLst>
-                                          <p:attrName>ppt_x</p:attrName>
-                                          <p:attrName>ppt_y</p:attrName>
-                                        </p:attrNameLst>
-                                      </p:cBhvr>
-                                      <p:rCtr x="-1094" y="4282"/>
-                                    </p:animMotion>
-                                  </p:childTnLst>
-                                </p:cTn>
-                              </p:par>
-                            </p:childTnLst>
-                          </p:cTn>
-                        </p:par>
-                      </p:childTnLst>
-                    </p:cTn>
-                  </p:par>
-                  <p:par>
-                    <p:cTn id="27" fill="hold">
-                      <p:stCondLst>
-                        <p:cond delay="indefinite"/>
-                      </p:stCondLst>
-                      <p:childTnLst>
-                        <p:par>
-                          <p:cTn id="28" fill="hold">
-                            <p:stCondLst>
-                              <p:cond delay="0"/>
-                            </p:stCondLst>
-                            <p:childTnLst>
-                              <p:par>
-                                <p:cTn id="29" presetID="42" presetClass="path" presetSubtype="0" accel="50000" decel="50000" autoRev="1" fill="hold" grpId="0" nodeType="clickEffect">
+                                <p:cTn id="23" presetID="42" presetClass="path" presetSubtype="0" accel="50000" decel="50000" autoRev="1" fill="hold" grpId="0" nodeType="clickEffect">
                                   <p:stCondLst>
                                     <p:cond delay="0"/>
                                   </p:stCondLst>
                                   <p:childTnLst>
                                     <p:animMotion origin="layout" path="M -3.33333E-6 1.11111E-6 L 0.35756 0.12361 " pathEditMode="relative" rAng="0" ptsTypes="AA">
                                       <p:cBhvr>
-                                        <p:cTn id="30" dur="2000" fill="hold"/>
+                                        <p:cTn id="24" dur="2000" fill="hold"/>
                                         <p:tgtEl>
                                           <p:spTgt spid="20"/>
                                         </p:tgtEl>
@@ -27759,32 +27864,32 @@
                     </p:cTn>
                   </p:par>
                   <p:par>
-                    <p:cTn id="31" fill="hold">
+                    <p:cTn id="25" fill="hold">
                       <p:stCondLst>
                         <p:cond delay="indefinite"/>
                       </p:stCondLst>
                       <p:childTnLst>
                         <p:par>
-                          <p:cTn id="32" fill="hold">
+                          <p:cTn id="26" fill="hold">
                             <p:stCondLst>
                               <p:cond delay="0"/>
                             </p:stCondLst>
                             <p:childTnLst>
                               <p:par>
-                                <p:cTn id="33" presetID="10" presetClass="entr" presetSubtype="0" fill="hold" grpId="0" nodeType="clickEffect">
+                                <p:cTn id="27" presetID="10" presetClass="entr" presetSubtype="0" fill="hold" nodeType="clickEffect">
                                   <p:stCondLst>
                                     <p:cond delay="0"/>
                                   </p:stCondLst>
                                   <p:childTnLst>
                                     <p:set>
                                       <p:cBhvr>
-                                        <p:cTn id="34" dur="1" fill="hold">
+                                        <p:cTn id="28" dur="1" fill="hold">
                                           <p:stCondLst>
                                             <p:cond delay="0"/>
                                           </p:stCondLst>
                                         </p:cTn>
                                         <p:tgtEl>
-                                          <p:spTgt spid="4"/>
+                                          <p:spTgt spid="13"/>
                                         </p:tgtEl>
                                         <p:attrNameLst>
                                           <p:attrName>style.visibility</p:attrName>
@@ -27796,9 +27901,9 @@
                                     </p:set>
                                     <p:animEffect transition="in" filter="fade">
                                       <p:cBhvr>
-                                        <p:cTn id="35" dur="500"/>
+                                        <p:cTn id="29" dur="1000"/>
                                         <p:tgtEl>
-                                          <p:spTgt spid="4"/>
+                                          <p:spTgt spid="13"/>
                                         </p:tgtEl>
                                       </p:cBhvr>
                                     </p:animEffect>
@@ -27812,26 +27917,26 @@
                     </p:cTn>
                   </p:par>
                   <p:par>
-                    <p:cTn id="36" fill="hold">
+                    <p:cTn id="30" fill="hold">
                       <p:stCondLst>
                         <p:cond delay="indefinite"/>
                       </p:stCondLst>
                       <p:childTnLst>
                         <p:par>
-                          <p:cTn id="37" fill="hold">
+                          <p:cTn id="31" fill="hold">
                             <p:stCondLst>
                               <p:cond delay="0"/>
                             </p:stCondLst>
                             <p:childTnLst>
                               <p:par>
-                                <p:cTn id="38" presetID="10" presetClass="entr" presetSubtype="0" fill="hold" grpId="2" nodeType="clickEffect">
+                                <p:cTn id="32" presetID="10" presetClass="entr" presetSubtype="0" fill="hold" grpId="2" nodeType="clickEffect">
                                   <p:stCondLst>
                                     <p:cond delay="0"/>
                                   </p:stCondLst>
                                   <p:childTnLst>
                                     <p:set>
                                       <p:cBhvr>
-                                        <p:cTn id="39" dur="1" fill="hold">
+                                        <p:cTn id="33" dur="1" fill="hold">
                                           <p:stCondLst>
                                             <p:cond delay="0"/>
                                           </p:stCondLst>
@@ -27849,7 +27954,7 @@
                                     </p:set>
                                     <p:animEffect transition="in" filter="fade">
                                       <p:cBhvr>
-                                        <p:cTn id="40" dur="500"/>
+                                        <p:cTn id="34" dur="500"/>
                                         <p:tgtEl>
                                           <p:spTgt spid="37"/>
                                         </p:tgtEl>
@@ -27862,20 +27967,20 @@
                           </p:cTn>
                         </p:par>
                         <p:par>
-                          <p:cTn id="41" fill="hold">
+                          <p:cTn id="35" fill="hold">
                             <p:stCondLst>
                               <p:cond delay="500"/>
                             </p:stCondLst>
                             <p:childTnLst>
                               <p:par>
-                                <p:cTn id="42" presetID="42" presetClass="path" presetSubtype="0" accel="50000" decel="50000" autoRev="1" fill="hold" grpId="0" nodeType="afterEffect">
+                                <p:cTn id="36" presetID="42" presetClass="path" presetSubtype="0" accel="50000" decel="50000" autoRev="1" fill="hold" grpId="0" nodeType="afterEffect">
                                   <p:stCondLst>
                                     <p:cond delay="0"/>
                                   </p:stCondLst>
                                   <p:childTnLst>
                                     <p:animMotion origin="layout" path="M 2.91667E-6 4.07407E-6 L 0.34323 0.21736 " pathEditMode="relative" rAng="0" ptsTypes="AA">
                                       <p:cBhvr>
-                                        <p:cTn id="43" dur="3000" fill="hold"/>
+                                        <p:cTn id="37" dur="3000" fill="hold"/>
                                         <p:tgtEl>
                                           <p:spTgt spid="37"/>
                                         </p:tgtEl>
@@ -27896,26 +28001,26 @@
                     </p:cTn>
                   </p:par>
                   <p:par>
-                    <p:cTn id="44" fill="hold">
+                    <p:cTn id="38" fill="hold">
                       <p:stCondLst>
                         <p:cond delay="indefinite"/>
                       </p:stCondLst>
                       <p:childTnLst>
                         <p:par>
-                          <p:cTn id="45" fill="hold">
+                          <p:cTn id="39" fill="hold">
                             <p:stCondLst>
                               <p:cond delay="0"/>
                             </p:stCondLst>
                             <p:childTnLst>
                               <p:par>
-                                <p:cTn id="46" presetID="10" presetClass="entr" presetSubtype="0" fill="hold" grpId="0" nodeType="clickEffect">
+                                <p:cTn id="40" presetID="10" presetClass="entr" presetSubtype="0" fill="hold" grpId="0" nodeType="clickEffect">
                                   <p:stCondLst>
                                     <p:cond delay="0"/>
                                   </p:stCondLst>
                                   <p:childTnLst>
                                     <p:set>
                                       <p:cBhvr>
-                                        <p:cTn id="47" dur="1" fill="hold">
+                                        <p:cTn id="41" dur="1" fill="hold">
                                           <p:stCondLst>
                                             <p:cond delay="0"/>
                                           </p:stCondLst>
@@ -27933,7 +28038,7 @@
                                     </p:set>
                                     <p:animEffect transition="in" filter="fade">
                                       <p:cBhvr>
-                                        <p:cTn id="48" dur="500"/>
+                                        <p:cTn id="42" dur="500"/>
                                         <p:tgtEl>
                                           <p:spTgt spid="44"/>
                                         </p:tgtEl>
@@ -27949,26 +28054,26 @@
                     </p:cTn>
                   </p:par>
                   <p:par>
-                    <p:cTn id="49" fill="hold">
+                    <p:cTn id="43" fill="hold">
                       <p:stCondLst>
                         <p:cond delay="indefinite"/>
                       </p:stCondLst>
                       <p:childTnLst>
                         <p:par>
-                          <p:cTn id="50" fill="hold">
+                          <p:cTn id="44" fill="hold">
                             <p:stCondLst>
                               <p:cond delay="0"/>
                             </p:stCondLst>
                             <p:childTnLst>
                               <p:par>
-                                <p:cTn id="51" presetID="1" presetClass="entr" presetSubtype="0" fill="hold" grpId="2" nodeType="clickEffect">
+                                <p:cTn id="45" presetID="1" presetClass="entr" presetSubtype="0" fill="hold" grpId="2" nodeType="clickEffect">
                                   <p:stCondLst>
                                     <p:cond delay="0"/>
                                   </p:stCondLst>
                                   <p:childTnLst>
                                     <p:set>
                                       <p:cBhvr>
-                                        <p:cTn id="52" dur="1" fill="hold">
+                                        <p:cTn id="46" dur="1" fill="hold">
                                           <p:stCondLst>
                                             <p:cond delay="0"/>
                                           </p:stCondLst>
@@ -27991,20 +28096,20 @@
                           </p:cTn>
                         </p:par>
                         <p:par>
-                          <p:cTn id="53" fill="hold">
+                          <p:cTn id="47" fill="hold">
                             <p:stCondLst>
                               <p:cond delay="0"/>
                             </p:stCondLst>
                             <p:childTnLst>
                               <p:par>
-                                <p:cTn id="54" presetID="42" presetClass="path" presetSubtype="0" accel="50000" decel="50000" fill="hold" grpId="1" nodeType="afterEffect">
+                                <p:cTn id="48" presetID="42" presetClass="path" presetSubtype="0" accel="50000" decel="50000" fill="hold" grpId="1" nodeType="afterEffect">
                                   <p:stCondLst>
                                     <p:cond delay="0"/>
                                   </p:stCondLst>
                                   <p:childTnLst>
                                     <p:animMotion origin="layout" path="M 1.875E-6 -2.59259E-6 L 0.3181 0.26667 " pathEditMode="relative" rAng="0" ptsTypes="AA">
                                       <p:cBhvr>
-                                        <p:cTn id="55" dur="2000" spd="-100000" fill="hold"/>
+                                        <p:cTn id="49" dur="2000" spd="-100000" fill="hold"/>
                                         <p:tgtEl>
                                           <p:spTgt spid="39"/>
                                         </p:tgtEl>
@@ -28025,26 +28130,26 @@
                     </p:cTn>
                   </p:par>
                   <p:par>
-                    <p:cTn id="56" fill="hold">
+                    <p:cTn id="50" fill="hold">
                       <p:stCondLst>
                         <p:cond delay="indefinite"/>
                       </p:stCondLst>
                       <p:childTnLst>
                         <p:par>
-                          <p:cTn id="57" fill="hold">
+                          <p:cTn id="51" fill="hold">
                             <p:stCondLst>
                               <p:cond delay="0"/>
                             </p:stCondLst>
                             <p:childTnLst>
                               <p:par>
-                                <p:cTn id="58" presetID="42" presetClass="path" presetSubtype="0" accel="50000" decel="50000" autoRev="1" fill="hold" grpId="3" nodeType="clickEffect">
+                                <p:cTn id="52" presetID="42" presetClass="path" presetSubtype="0" accel="50000" decel="50000" autoRev="1" fill="hold" grpId="3" nodeType="clickEffect">
                                   <p:stCondLst>
                                     <p:cond delay="0"/>
                                   </p:stCondLst>
                                   <p:childTnLst>
                                     <p:animMotion origin="layout" path="M 2.91667E-6 4.07407E-6 L -0.05769 0.03796 " pathEditMode="relative" rAng="0" ptsTypes="AA">
                                       <p:cBhvr>
-                                        <p:cTn id="59" dur="2000" fill="hold"/>
+                                        <p:cTn id="53" dur="2000" fill="hold"/>
                                         <p:tgtEl>
                                           <p:spTgt spid="37"/>
                                         </p:tgtEl>
@@ -28059,14 +28164,14 @@
                                 </p:cTn>
                               </p:par>
                               <p:par>
-                                <p:cTn id="60" presetID="10" presetClass="entr" presetSubtype="0" fill="hold" grpId="0" nodeType="withEffect">
+                                <p:cTn id="54" presetID="10" presetClass="entr" presetSubtype="0" fill="hold" grpId="0" nodeType="withEffect">
                                   <p:stCondLst>
                                     <p:cond delay="1500"/>
                                   </p:stCondLst>
                                   <p:childTnLst>
                                     <p:set>
                                       <p:cBhvr>
-                                        <p:cTn id="61" dur="1" fill="hold">
+                                        <p:cTn id="55" dur="1" fill="hold">
                                           <p:stCondLst>
                                             <p:cond delay="0"/>
                                           </p:stCondLst>
@@ -28084,7 +28189,7 @@
                                     </p:set>
                                     <p:animEffect transition="in" filter="fade">
                                       <p:cBhvr>
-                                        <p:cTn id="62" dur="500"/>
+                                        <p:cTn id="56" dur="500"/>
                                         <p:tgtEl>
                                           <p:spTgt spid="40"/>
                                         </p:tgtEl>
@@ -28100,26 +28205,26 @@
                     </p:cTn>
                   </p:par>
                   <p:par>
-                    <p:cTn id="63" fill="hold">
+                    <p:cTn id="57" fill="hold">
                       <p:stCondLst>
                         <p:cond delay="indefinite"/>
                       </p:stCondLst>
                       <p:childTnLst>
                         <p:par>
-                          <p:cTn id="64" fill="hold">
+                          <p:cTn id="58" fill="hold">
                             <p:stCondLst>
                               <p:cond delay="0"/>
                             </p:stCondLst>
                             <p:childTnLst>
                               <p:par>
-                                <p:cTn id="65" presetID="42" presetClass="path" presetSubtype="0" accel="50000" decel="50000" autoRev="1" fill="hold" grpId="3" nodeType="clickEffect">
+                                <p:cTn id="59" presetID="42" presetClass="path" presetSubtype="0" accel="50000" decel="50000" autoRev="1" fill="hold" grpId="3" nodeType="clickEffect">
                                   <p:stCondLst>
                                     <p:cond delay="0"/>
                                   </p:stCondLst>
                                   <p:childTnLst>
                                     <p:animMotion origin="layout" path="M 1.875E-6 -2.59259E-6 L -0.05925 0.1338 " pathEditMode="relative" rAng="0" ptsTypes="AA">
                                       <p:cBhvr>
-                                        <p:cTn id="66" dur="2000" fill="hold"/>
+                                        <p:cTn id="60" dur="2000" fill="hold"/>
                                         <p:tgtEl>
                                           <p:spTgt spid="39"/>
                                         </p:tgtEl>
@@ -28134,14 +28239,14 @@
                                 </p:cTn>
                               </p:par>
                               <p:par>
-                                <p:cTn id="67" presetID="10" presetClass="entr" presetSubtype="0" fill="hold" grpId="0" nodeType="withEffect">
+                                <p:cTn id="61" presetID="10" presetClass="entr" presetSubtype="0" fill="hold" grpId="0" nodeType="withEffect">
                                   <p:stCondLst>
                                     <p:cond delay="1500"/>
                                   </p:stCondLst>
                                   <p:childTnLst>
                                     <p:set>
                                       <p:cBhvr>
-                                        <p:cTn id="68" dur="1" fill="hold">
+                                        <p:cTn id="62" dur="1" fill="hold">
                                           <p:stCondLst>
                                             <p:cond delay="0"/>
                                           </p:stCondLst>
@@ -28159,7 +28264,7 @@
                                     </p:set>
                                     <p:animEffect transition="in" filter="fade">
                                       <p:cBhvr>
-                                        <p:cTn id="69" dur="500"/>
+                                        <p:cTn id="63" dur="500"/>
                                         <p:tgtEl>
                                           <p:spTgt spid="41"/>
                                         </p:tgtEl>
@@ -28172,20 +28277,20 @@
                           </p:cTn>
                         </p:par>
                         <p:par>
-                          <p:cTn id="70" fill="hold">
+                          <p:cTn id="64" fill="hold">
                             <p:stCondLst>
                               <p:cond delay="4000"/>
                             </p:stCondLst>
                             <p:childTnLst>
                               <p:par>
-                                <p:cTn id="71" presetID="10" presetClass="entr" presetSubtype="0" fill="hold" grpId="0" nodeType="afterEffect">
+                                <p:cTn id="65" presetID="10" presetClass="entr" presetSubtype="0" fill="hold" grpId="0" nodeType="afterEffect">
                                   <p:stCondLst>
                                     <p:cond delay="0"/>
                                   </p:stCondLst>
                                   <p:childTnLst>
                                     <p:set>
                                       <p:cBhvr>
-                                        <p:cTn id="72" dur="1" fill="hold">
+                                        <p:cTn id="66" dur="1" fill="hold">
                                           <p:stCondLst>
                                             <p:cond delay="0"/>
                                           </p:stCondLst>
@@ -28203,7 +28308,7 @@
                                     </p:set>
                                     <p:animEffect transition="in" filter="fade">
                                       <p:cBhvr>
-                                        <p:cTn id="73" dur="500"/>
+                                        <p:cTn id="67" dur="500"/>
                                         <p:tgtEl>
                                           <p:spTgt spid="45"/>
                                         </p:tgtEl>
@@ -28219,26 +28324,26 @@
                     </p:cTn>
                   </p:par>
                   <p:par>
-                    <p:cTn id="74" fill="hold">
+                    <p:cTn id="68" fill="hold">
                       <p:stCondLst>
                         <p:cond delay="indefinite"/>
                       </p:stCondLst>
                       <p:childTnLst>
                         <p:par>
-                          <p:cTn id="75" fill="hold">
+                          <p:cTn id="69" fill="hold">
                             <p:stCondLst>
                               <p:cond delay="0"/>
                             </p:stCondLst>
                             <p:childTnLst>
                               <p:par>
-                                <p:cTn id="76" presetID="10" presetClass="exit" presetSubtype="0" fill="hold" grpId="4" nodeType="clickEffect">
+                                <p:cTn id="70" presetID="10" presetClass="exit" presetSubtype="0" fill="hold" grpId="4" nodeType="clickEffect">
                                   <p:stCondLst>
                                     <p:cond delay="0"/>
                                   </p:stCondLst>
                                   <p:childTnLst>
                                     <p:animEffect transition="out" filter="fade">
                                       <p:cBhvr>
-                                        <p:cTn id="77" dur="2000"/>
+                                        <p:cTn id="71" dur="2000"/>
                                         <p:tgtEl>
                                           <p:spTgt spid="37"/>
                                         </p:tgtEl>
@@ -28246,7 +28351,7 @@
                                     </p:animEffect>
                                     <p:set>
                                       <p:cBhvr>
-                                        <p:cTn id="78" dur="1" fill="hold">
+                                        <p:cTn id="72" dur="1" fill="hold">
                                           <p:stCondLst>
                                             <p:cond delay="1999"/>
                                           </p:stCondLst>
@@ -28266,14 +28371,14 @@
                                 </p:cTn>
                               </p:par>
                               <p:par>
-                                <p:cTn id="79" presetID="10" presetClass="exit" presetSubtype="0" fill="hold" grpId="4" nodeType="withEffect">
+                                <p:cTn id="73" presetID="10" presetClass="exit" presetSubtype="0" fill="hold" grpId="4" nodeType="withEffect">
                                   <p:stCondLst>
                                     <p:cond delay="0"/>
                                   </p:stCondLst>
                                   <p:childTnLst>
                                     <p:animEffect transition="out" filter="fade">
                                       <p:cBhvr>
-                                        <p:cTn id="80" dur="2000"/>
+                                        <p:cTn id="74" dur="2000"/>
                                         <p:tgtEl>
                                           <p:spTgt spid="39"/>
                                         </p:tgtEl>
@@ -28281,7 +28386,7 @@
                                     </p:animEffect>
                                     <p:set>
                                       <p:cBhvr>
-                                        <p:cTn id="81" dur="1" fill="hold">
+                                        <p:cTn id="75" dur="1" fill="hold">
                                           <p:stCondLst>
                                             <p:cond delay="1999"/>
                                           </p:stCondLst>
@@ -28301,14 +28406,14 @@
                                 </p:cTn>
                               </p:par>
                               <p:par>
-                                <p:cTn id="82" presetID="10" presetClass="exit" presetSubtype="0" fill="hold" grpId="0" nodeType="withEffect">
+                                <p:cTn id="76" presetID="10" presetClass="exit" presetSubtype="0" fill="hold" grpId="0" nodeType="withEffect">
                                   <p:stCondLst>
                                     <p:cond delay="0"/>
                                   </p:stCondLst>
                                   <p:childTnLst>
                                     <p:animEffect transition="out" filter="fade">
                                       <p:cBhvr>
-                                        <p:cTn id="83" dur="2000"/>
+                                        <p:cTn id="77" dur="2000"/>
                                         <p:tgtEl>
                                           <p:spTgt spid="33"/>
                                         </p:tgtEl>
@@ -28316,7 +28421,7 @@
                                     </p:animEffect>
                                     <p:set>
                                       <p:cBhvr>
-                                        <p:cTn id="84" dur="1" fill="hold">
+                                        <p:cTn id="78" dur="1" fill="hold">
                                           <p:stCondLst>
                                             <p:cond delay="1999"/>
                                           </p:stCondLst>
@@ -28342,26 +28447,26 @@
                     </p:cTn>
                   </p:par>
                   <p:par>
-                    <p:cTn id="85" fill="hold">
+                    <p:cTn id="79" fill="hold">
                       <p:stCondLst>
                         <p:cond delay="indefinite"/>
                       </p:stCondLst>
                       <p:childTnLst>
                         <p:par>
-                          <p:cTn id="86" fill="hold">
+                          <p:cTn id="80" fill="hold">
                             <p:stCondLst>
                               <p:cond delay="0"/>
                             </p:stCondLst>
                             <p:childTnLst>
                               <p:par>
-                                <p:cTn id="87" presetID="42" presetClass="path" presetSubtype="0" accel="50000" decel="50000" autoRev="1" fill="hold" grpId="1" nodeType="clickEffect">
+                                <p:cTn id="81" presetID="42" presetClass="path" presetSubtype="0" accel="50000" decel="50000" autoRev="1" fill="hold" grpId="1" nodeType="clickEffect">
                                   <p:stCondLst>
                                     <p:cond delay="0"/>
                                   </p:stCondLst>
                                   <p:childTnLst>
                                     <p:animMotion origin="layout" path="M -3.54167E-6 -7.40741E-7 L -0.11523 0.15741 " pathEditMode="relative" rAng="0" ptsTypes="AA">
                                       <p:cBhvr>
-                                        <p:cTn id="88" dur="2000" fill="hold"/>
+                                        <p:cTn id="82" dur="2000" fill="hold"/>
                                         <p:tgtEl>
                                           <p:spTgt spid="40"/>
                                         </p:tgtEl>
@@ -28376,14 +28481,14 @@
                                 </p:cTn>
                               </p:par>
                               <p:par>
-                                <p:cTn id="89" presetID="10" presetClass="entr" presetSubtype="0" fill="hold" grpId="0" nodeType="withEffect">
+                                <p:cTn id="83" presetID="10" presetClass="entr" presetSubtype="0" fill="hold" grpId="0" nodeType="withEffect">
                                   <p:stCondLst>
                                     <p:cond delay="1200"/>
                                   </p:stCondLst>
                                   <p:childTnLst>
                                     <p:set>
                                       <p:cBhvr>
-                                        <p:cTn id="90" dur="1" fill="hold">
+                                        <p:cTn id="84" dur="1" fill="hold">
                                           <p:stCondLst>
                                             <p:cond delay="0"/>
                                           </p:stCondLst>
@@ -28401,7 +28506,7 @@
                                     </p:set>
                                     <p:animEffect transition="in" filter="fade">
                                       <p:cBhvr>
-                                        <p:cTn id="91" dur="1000"/>
+                                        <p:cTn id="85" dur="1000"/>
                                         <p:tgtEl>
                                           <p:spTgt spid="43"/>
                                         </p:tgtEl>
@@ -28411,14 +28516,14 @@
                                 </p:cTn>
                               </p:par>
                               <p:par>
-                                <p:cTn id="92" presetID="10" presetClass="entr" presetSubtype="0" fill="hold" grpId="0" nodeType="withEffect">
+                                <p:cTn id="86" presetID="10" presetClass="entr" presetSubtype="0" fill="hold" grpId="0" nodeType="withEffect">
                                   <p:stCondLst>
                                     <p:cond delay="1200"/>
                                   </p:stCondLst>
                                   <p:childTnLst>
                                     <p:set>
                                       <p:cBhvr>
-                                        <p:cTn id="93" dur="1" fill="hold">
+                                        <p:cTn id="87" dur="1" fill="hold">
                                           <p:stCondLst>
                                             <p:cond delay="0"/>
                                           </p:stCondLst>
@@ -28436,7 +28541,7 @@
                                     </p:set>
                                     <p:animEffect transition="in" filter="fade">
                                       <p:cBhvr>
-                                        <p:cTn id="94" dur="1000"/>
+                                        <p:cTn id="88" dur="1000"/>
                                         <p:tgtEl>
                                           <p:spTgt spid="42"/>
                                         </p:tgtEl>
@@ -28473,9 +28578,6 @@
       </p:par>
     </p:tnLst>
     <p:bldLst>
-      <p:bldP spid="4" grpId="0" animBg="1"/>
-      <p:bldP spid="22" grpId="0" animBg="1"/>
-      <p:bldP spid="27" grpId="0" animBg="1"/>
       <p:bldP spid="33" grpId="0" animBg="1"/>
       <p:bldP spid="34" grpId="0" animBg="1"/>
       <p:bldP spid="34" grpId="1" animBg="1"/>
@@ -28889,7 +28991,7 @@
             <a:pPr algn="ctr"/>
             <a:r>
               <a:rPr lang="en-US" dirty="0"/>
-              <a:t>RH OS Cluster</a:t>
+              <a:t>OpenShift Cluster</a:t>
             </a:r>
           </a:p>
         </p:txBody>
@@ -31586,8 +31688,8 @@
         </p:nvSpPr>
         <p:spPr>
           <a:xfrm>
-            <a:off x="5253316" y="1947925"/>
-            <a:ext cx="5440681" cy="3439416"/>
+            <a:off x="5253316" y="1947924"/>
+            <a:ext cx="5440681" cy="4826942"/>
           </a:xfrm>
           <a:prstGeom prst="rect">
             <a:avLst/>
@@ -31638,7 +31740,7 @@
         </p:nvSpPr>
         <p:spPr>
           <a:xfrm>
-            <a:off x="6836033" y="5580218"/>
+            <a:off x="10973426" y="2743229"/>
             <a:ext cx="914400" cy="504939"/>
           </a:xfrm>
           <a:prstGeom prst="can">
@@ -31737,74 +31839,6 @@
       </p:sp>
       <p:sp>
         <p:nvSpPr>
-          <p:cNvPr id="24" name="Oval 23">
-            <a:extLst>
-              <a:ext uri="{FF2B5EF4-FFF2-40B4-BE49-F238E27FC236}">
-                <a16:creationId xmlns:a16="http://schemas.microsoft.com/office/drawing/2014/main" id="{20CCDCA1-5DFB-4EC4-96B9-1369FABAE4A6}"/>
-              </a:ext>
-            </a:extLst>
-          </p:cNvPr>
-          <p:cNvSpPr/>
-          <p:nvPr/>
-        </p:nvSpPr>
-        <p:spPr>
-          <a:xfrm>
-            <a:off x="5387789" y="4763082"/>
-            <a:ext cx="914400" cy="504939"/>
-          </a:xfrm>
-          <a:prstGeom prst="ellipse">
-            <a:avLst/>
-          </a:prstGeom>
-          <a:solidFill>
-            <a:schemeClr val="accent6">
-              <a:lumMod val="75000"/>
-            </a:schemeClr>
-          </a:solidFill>
-        </p:spPr>
-        <p:style>
-          <a:lnRef idx="2">
-            <a:schemeClr val="accent1">
-              <a:shade val="50000"/>
-            </a:schemeClr>
-          </a:lnRef>
-          <a:fillRef idx="1">
-            <a:schemeClr val="accent1"/>
-          </a:fillRef>
-          <a:effectRef idx="0">
-            <a:schemeClr val="accent1"/>
-          </a:effectRef>
-          <a:fontRef idx="minor">
-            <a:schemeClr val="lt1"/>
-          </a:fontRef>
-        </p:style>
-        <p:txBody>
-          <a:bodyPr rtlCol="0" anchor="ctr"/>
-          <a:lstStyle/>
-          <a:p>
-            <a:pPr algn="ctr"/>
-            <a:r>
-              <a:rPr lang="en-US" sz="800" dirty="0"/>
-              <a:t>Container</a:t>
-            </a:r>
-          </a:p>
-          <a:p>
-            <a:pPr algn="ctr"/>
-            <a:r>
-              <a:rPr lang="en-US" sz="800" dirty="0"/>
-              <a:t>Build</a:t>
-            </a:r>
-          </a:p>
-          <a:p>
-            <a:pPr algn="ctr"/>
-            <a:r>
-              <a:rPr lang="en-US" sz="800" dirty="0"/>
-              <a:t>Deploy</a:t>
-            </a:r>
-          </a:p>
-        </p:txBody>
-      </p:sp>
-      <p:sp>
-        <p:nvSpPr>
           <p:cNvPr id="27" name="Flowchart: Direct Access Storage 26">
             <a:extLst>
               <a:ext uri="{FF2B5EF4-FFF2-40B4-BE49-F238E27FC236}">
@@ -31817,7 +31851,7 @@
         </p:nvSpPr>
         <p:spPr>
           <a:xfrm>
-            <a:off x="8229603" y="5559628"/>
+            <a:off x="10997166" y="3408775"/>
             <a:ext cx="914400" cy="504939"/>
           </a:xfrm>
           <a:prstGeom prst="flowChartMagneticDrum">
@@ -32092,10 +32126,10 @@
       </p:sp>
       <p:sp>
         <p:nvSpPr>
-          <p:cNvPr id="45" name="Rectangle: Top Corners One Rounded and One Snipped 44">
+          <p:cNvPr id="26" name="Oval 25">
             <a:extLst>
               <a:ext uri="{FF2B5EF4-FFF2-40B4-BE49-F238E27FC236}">
-                <a16:creationId xmlns:a16="http://schemas.microsoft.com/office/drawing/2014/main" id="{1FA02430-74C9-42CD-979B-269B46A12438}"/>
+                <a16:creationId xmlns:a16="http://schemas.microsoft.com/office/drawing/2014/main" id="{11D941F9-5E80-45C3-A062-FC0F5D88C65E}"/>
               </a:ext>
             </a:extLst>
           </p:cNvPr>
@@ -32104,56 +32138,7 @@
         </p:nvSpPr>
         <p:spPr>
           <a:xfrm>
-            <a:off x="3880805" y="1947924"/>
-            <a:ext cx="596347" cy="336627"/>
-          </a:xfrm>
-          <a:prstGeom prst="snipRoundRect">
-            <a:avLst/>
-          </a:prstGeom>
-        </p:spPr>
-        <p:style>
-          <a:lnRef idx="2">
-            <a:schemeClr val="accent1">
-              <a:shade val="50000"/>
-            </a:schemeClr>
-          </a:lnRef>
-          <a:fillRef idx="1">
-            <a:schemeClr val="accent1"/>
-          </a:fillRef>
-          <a:effectRef idx="0">
-            <a:schemeClr val="accent1"/>
-          </a:effectRef>
-          <a:fontRef idx="minor">
-            <a:schemeClr val="lt1"/>
-          </a:fontRef>
-        </p:style>
-        <p:txBody>
-          <a:bodyPr rtlCol="0" anchor="ctr"/>
-          <a:lstStyle/>
-          <a:p>
-            <a:pPr algn="ctr"/>
-            <a:r>
-              <a:rPr lang="en-US" sz="800" dirty="0"/>
-              <a:t>Group Entities</a:t>
-            </a:r>
-          </a:p>
-        </p:txBody>
-      </p:sp>
-      <p:sp>
-        <p:nvSpPr>
-          <p:cNvPr id="25" name="Oval 24">
-            <a:extLst>
-              <a:ext uri="{FF2B5EF4-FFF2-40B4-BE49-F238E27FC236}">
-                <a16:creationId xmlns:a16="http://schemas.microsoft.com/office/drawing/2014/main" id="{11600F30-8475-4B7E-BAAF-8E0714DDCECD}"/>
-              </a:ext>
-            </a:extLst>
-          </p:cNvPr>
-          <p:cNvSpPr/>
-          <p:nvPr/>
-        </p:nvSpPr>
-        <p:spPr>
-          <a:xfrm>
-            <a:off x="6146573" y="2818563"/>
+            <a:off x="6586928" y="3592792"/>
             <a:ext cx="914400" cy="504939"/>
           </a:xfrm>
           <a:prstGeom prst="ellipse">
@@ -32214,17 +32199,17 @@
             <a:pPr algn="ctr"/>
             <a:r>
               <a:rPr lang="en-US" sz="900" dirty="0"/>
-              <a:t>Service A1 App</a:t>
+              <a:t>Service A2 Agent</a:t>
             </a:r>
           </a:p>
         </p:txBody>
       </p:sp>
       <p:sp>
         <p:nvSpPr>
-          <p:cNvPr id="26" name="Oval 25">
+          <p:cNvPr id="38" name="Rectangle 37">
             <a:extLst>
               <a:ext uri="{FF2B5EF4-FFF2-40B4-BE49-F238E27FC236}">
-                <a16:creationId xmlns:a16="http://schemas.microsoft.com/office/drawing/2014/main" id="{11D941F9-5E80-45C3-A062-FC0F5D88C65E}"/>
+                <a16:creationId xmlns:a16="http://schemas.microsoft.com/office/drawing/2014/main" id="{141A9696-2499-43F5-BBC6-533E1CF139E4}"/>
               </a:ext>
             </a:extLst>
           </p:cNvPr>
@@ -32233,7 +32218,919 @@
         </p:nvSpPr>
         <p:spPr>
           <a:xfrm>
-            <a:off x="6258765" y="3607180"/>
+            <a:off x="3501968" y="2570910"/>
+            <a:ext cx="1364619" cy="849579"/>
+          </a:xfrm>
+          <a:prstGeom prst="rect">
+            <a:avLst/>
+          </a:prstGeom>
+          <a:solidFill>
+            <a:schemeClr val="bg1">
+              <a:lumMod val="65000"/>
+              <a:lumOff val="35000"/>
+            </a:schemeClr>
+          </a:solidFill>
+          <a:ln>
+            <a:noFill/>
+          </a:ln>
+        </p:spPr>
+        <p:style>
+          <a:lnRef idx="0">
+            <a:scrgbClr r="0" g="0" b="0"/>
+          </a:lnRef>
+          <a:fillRef idx="0">
+            <a:scrgbClr r="0" g="0" b="0"/>
+          </a:fillRef>
+          <a:effectRef idx="0">
+            <a:scrgbClr r="0" g="0" b="0"/>
+          </a:effectRef>
+          <a:fontRef idx="minor">
+            <a:schemeClr val="lt1"/>
+          </a:fontRef>
+        </p:style>
+        <p:txBody>
+          <a:bodyPr rtlCol="0" anchor="t"/>
+          <a:lstStyle/>
+          <a:p>
+            <a:pPr algn="ctr"/>
+            <a:r>
+              <a:rPr lang="en-US" dirty="0" err="1"/>
+              <a:t>Srvc</a:t>
+            </a:r>
+            <a:r>
+              <a:rPr lang="en-US" dirty="0"/>
+              <a:t> A</a:t>
+            </a:r>
+          </a:p>
+        </p:txBody>
+      </p:sp>
+      <p:sp>
+        <p:nvSpPr>
+          <p:cNvPr id="40" name="Rectangle: Top Corners One Rounded and One Snipped 39">
+            <a:extLst>
+              <a:ext uri="{FF2B5EF4-FFF2-40B4-BE49-F238E27FC236}">
+                <a16:creationId xmlns:a16="http://schemas.microsoft.com/office/drawing/2014/main" id="{342CB059-56E3-416F-A0CE-5EAA544FBDF9}"/>
+              </a:ext>
+            </a:extLst>
+          </p:cNvPr>
+          <p:cNvSpPr/>
+          <p:nvPr/>
+        </p:nvSpPr>
+        <p:spPr>
+          <a:xfrm>
+            <a:off x="3559806" y="2947922"/>
+            <a:ext cx="548640" cy="329184"/>
+          </a:xfrm>
+          <a:prstGeom prst="snipRoundRect">
+            <a:avLst/>
+          </a:prstGeom>
+          <a:ln/>
+        </p:spPr>
+        <p:style>
+          <a:lnRef idx="0">
+            <a:schemeClr val="dk1"/>
+          </a:lnRef>
+          <a:fillRef idx="3">
+            <a:schemeClr val="dk1"/>
+          </a:fillRef>
+          <a:effectRef idx="3">
+            <a:schemeClr val="dk1"/>
+          </a:effectRef>
+          <a:fontRef idx="minor">
+            <a:schemeClr val="lt1"/>
+          </a:fontRef>
+        </p:style>
+        <p:txBody>
+          <a:bodyPr rtlCol="0" anchor="ctr"/>
+          <a:lstStyle/>
+          <a:p>
+            <a:pPr algn="ctr"/>
+            <a:r>
+              <a:rPr lang="en-US" sz="800" dirty="0" err="1"/>
+              <a:t>Srvc</a:t>
+            </a:r>
+            <a:r>
+              <a:rPr lang="en-US" sz="800" dirty="0"/>
+              <a:t> A Code</a:t>
+            </a:r>
+          </a:p>
+        </p:txBody>
+      </p:sp>
+      <p:sp>
+        <p:nvSpPr>
+          <p:cNvPr id="20" name="Rectangle: Top Corners One Rounded and One Snipped 19">
+            <a:extLst>
+              <a:ext uri="{FF2B5EF4-FFF2-40B4-BE49-F238E27FC236}">
+                <a16:creationId xmlns:a16="http://schemas.microsoft.com/office/drawing/2014/main" id="{6A5C490F-E6F7-44C3-8B87-EDE8D1419A49}"/>
+              </a:ext>
+            </a:extLst>
+          </p:cNvPr>
+          <p:cNvSpPr/>
+          <p:nvPr/>
+        </p:nvSpPr>
+        <p:spPr>
+          <a:xfrm>
+            <a:off x="4260312" y="2942563"/>
+            <a:ext cx="548640" cy="329184"/>
+          </a:xfrm>
+          <a:prstGeom prst="snipRoundRect">
+            <a:avLst/>
+          </a:prstGeom>
+          <a:ln/>
+        </p:spPr>
+        <p:style>
+          <a:lnRef idx="0">
+            <a:schemeClr val="dk1"/>
+          </a:lnRef>
+          <a:fillRef idx="3">
+            <a:schemeClr val="dk1"/>
+          </a:fillRef>
+          <a:effectRef idx="3">
+            <a:schemeClr val="dk1"/>
+          </a:effectRef>
+          <a:fontRef idx="minor">
+            <a:schemeClr val="lt1"/>
+          </a:fontRef>
+        </p:style>
+        <p:txBody>
+          <a:bodyPr rtlCol="0" anchor="ctr"/>
+          <a:lstStyle/>
+          <a:p>
+            <a:pPr algn="ctr"/>
+            <a:r>
+              <a:rPr lang="en-US" sz="800" dirty="0" err="1"/>
+              <a:t>Srvc</a:t>
+            </a:r>
+            <a:r>
+              <a:rPr lang="en-US" sz="800" dirty="0"/>
+              <a:t> A CDT</a:t>
+            </a:r>
+          </a:p>
+        </p:txBody>
+      </p:sp>
+      <p:sp>
+        <p:nvSpPr>
+          <p:cNvPr id="37" name="Rectangle: Rounded Corners 36">
+            <a:extLst>
+              <a:ext uri="{FF2B5EF4-FFF2-40B4-BE49-F238E27FC236}">
+                <a16:creationId xmlns:a16="http://schemas.microsoft.com/office/drawing/2014/main" id="{3D7A8899-CA19-42C0-B751-1EBF8FC43DB8}"/>
+              </a:ext>
+            </a:extLst>
+          </p:cNvPr>
+          <p:cNvSpPr/>
+          <p:nvPr/>
+        </p:nvSpPr>
+        <p:spPr>
+          <a:xfrm>
+            <a:off x="2313965" y="3007213"/>
+            <a:ext cx="1027032" cy="336626"/>
+          </a:xfrm>
+          <a:prstGeom prst="roundRect">
+            <a:avLst/>
+          </a:prstGeom>
+          <a:gradFill flip="none" rotWithShape="1">
+            <a:gsLst>
+              <a:gs pos="0">
+                <a:schemeClr val="accent5">
+                  <a:lumMod val="67000"/>
+                </a:schemeClr>
+              </a:gs>
+              <a:gs pos="48000">
+                <a:schemeClr val="accent5">
+                  <a:lumMod val="97000"/>
+                  <a:lumOff val="3000"/>
+                </a:schemeClr>
+              </a:gs>
+              <a:gs pos="100000">
+                <a:schemeClr val="accent5">
+                  <a:lumMod val="60000"/>
+                  <a:lumOff val="40000"/>
+                </a:schemeClr>
+              </a:gs>
+            </a:gsLst>
+            <a:lin ang="16200000" scaled="1"/>
+            <a:tileRect/>
+          </a:gradFill>
+          <a:ln>
+            <a:noFill/>
+          </a:ln>
+        </p:spPr>
+        <p:style>
+          <a:lnRef idx="0">
+            <a:scrgbClr r="0" g="0" b="0"/>
+          </a:lnRef>
+          <a:fillRef idx="0">
+            <a:scrgbClr r="0" g="0" b="0"/>
+          </a:fillRef>
+          <a:effectRef idx="0">
+            <a:scrgbClr r="0" g="0" b="0"/>
+          </a:effectRef>
+          <a:fontRef idx="minor">
+            <a:schemeClr val="lt1"/>
+          </a:fontRef>
+        </p:style>
+        <p:txBody>
+          <a:bodyPr rtlCol="0" anchor="ctr"/>
+          <a:lstStyle/>
+          <a:p>
+            <a:pPr algn="ctr"/>
+            <a:r>
+              <a:rPr lang="en-US" sz="900" dirty="0"/>
+              <a:t>Image</a:t>
+            </a:r>
+          </a:p>
+          <a:p>
+            <a:pPr algn="ctr"/>
+            <a:r>
+              <a:rPr lang="en-US" sz="900" dirty="0"/>
+              <a:t>Service B Agent</a:t>
+            </a:r>
+          </a:p>
+        </p:txBody>
+      </p:sp>
+      <p:sp>
+        <p:nvSpPr>
+          <p:cNvPr id="39" name="Rectangle: Rounded Corners 38">
+            <a:extLst>
+              <a:ext uri="{FF2B5EF4-FFF2-40B4-BE49-F238E27FC236}">
+                <a16:creationId xmlns:a16="http://schemas.microsoft.com/office/drawing/2014/main" id="{3110D8A0-66A3-4EDF-86DC-45B2A662ED72}"/>
+              </a:ext>
+            </a:extLst>
+          </p:cNvPr>
+          <p:cNvSpPr/>
+          <p:nvPr/>
+        </p:nvSpPr>
+        <p:spPr>
+          <a:xfrm>
+            <a:off x="1192456" y="3004355"/>
+            <a:ext cx="1027032" cy="336626"/>
+          </a:xfrm>
+          <a:prstGeom prst="roundRect">
+            <a:avLst/>
+          </a:prstGeom>
+          <a:gradFill flip="none" rotWithShape="1">
+            <a:gsLst>
+              <a:gs pos="0">
+                <a:schemeClr val="accent5">
+                  <a:lumMod val="67000"/>
+                </a:schemeClr>
+              </a:gs>
+              <a:gs pos="48000">
+                <a:schemeClr val="accent5">
+                  <a:lumMod val="97000"/>
+                  <a:lumOff val="3000"/>
+                </a:schemeClr>
+              </a:gs>
+              <a:gs pos="100000">
+                <a:schemeClr val="accent5">
+                  <a:lumMod val="60000"/>
+                  <a:lumOff val="40000"/>
+                </a:schemeClr>
+              </a:gs>
+            </a:gsLst>
+            <a:lin ang="16200000" scaled="1"/>
+            <a:tileRect/>
+          </a:gradFill>
+          <a:ln>
+            <a:noFill/>
+          </a:ln>
+        </p:spPr>
+        <p:style>
+          <a:lnRef idx="0">
+            <a:scrgbClr r="0" g="0" b="0"/>
+          </a:lnRef>
+          <a:fillRef idx="0">
+            <a:scrgbClr r="0" g="0" b="0"/>
+          </a:fillRef>
+          <a:effectRef idx="0">
+            <a:scrgbClr r="0" g="0" b="0"/>
+          </a:effectRef>
+          <a:fontRef idx="minor">
+            <a:schemeClr val="lt1"/>
+          </a:fontRef>
+        </p:style>
+        <p:txBody>
+          <a:bodyPr rtlCol="0" anchor="ctr"/>
+          <a:lstStyle/>
+          <a:p>
+            <a:pPr algn="ctr"/>
+            <a:r>
+              <a:rPr lang="en-US" sz="900" dirty="0"/>
+              <a:t>Image</a:t>
+            </a:r>
+          </a:p>
+          <a:p>
+            <a:pPr algn="ctr"/>
+            <a:r>
+              <a:rPr lang="en-US" sz="900" dirty="0"/>
+              <a:t>Service B App</a:t>
+            </a:r>
+          </a:p>
+        </p:txBody>
+      </p:sp>
+      <p:sp>
+        <p:nvSpPr>
+          <p:cNvPr id="41" name="Rectangle: Rounded Corners 40">
+            <a:extLst>
+              <a:ext uri="{FF2B5EF4-FFF2-40B4-BE49-F238E27FC236}">
+                <a16:creationId xmlns:a16="http://schemas.microsoft.com/office/drawing/2014/main" id="{637D6075-A634-41DE-9071-8AC8C3AE4498}"/>
+              </a:ext>
+            </a:extLst>
+          </p:cNvPr>
+          <p:cNvSpPr/>
+          <p:nvPr/>
+        </p:nvSpPr>
+        <p:spPr>
+          <a:xfrm>
+            <a:off x="2307062" y="3859650"/>
+            <a:ext cx="1027032" cy="336626"/>
+          </a:xfrm>
+          <a:prstGeom prst="roundRect">
+            <a:avLst/>
+          </a:prstGeom>
+          <a:gradFill flip="none" rotWithShape="1">
+            <a:gsLst>
+              <a:gs pos="0">
+                <a:schemeClr val="accent4">
+                  <a:lumMod val="67000"/>
+                </a:schemeClr>
+              </a:gs>
+              <a:gs pos="48000">
+                <a:schemeClr val="accent4">
+                  <a:lumMod val="97000"/>
+                  <a:lumOff val="3000"/>
+                </a:schemeClr>
+              </a:gs>
+              <a:gs pos="100000">
+                <a:schemeClr val="accent4">
+                  <a:lumMod val="60000"/>
+                  <a:lumOff val="40000"/>
+                </a:schemeClr>
+              </a:gs>
+            </a:gsLst>
+            <a:lin ang="16200000" scaled="1"/>
+            <a:tileRect/>
+          </a:gradFill>
+          <a:ln>
+            <a:noFill/>
+          </a:ln>
+        </p:spPr>
+        <p:style>
+          <a:lnRef idx="0">
+            <a:scrgbClr r="0" g="0" b="0"/>
+          </a:lnRef>
+          <a:fillRef idx="0">
+            <a:scrgbClr r="0" g="0" b="0"/>
+          </a:fillRef>
+          <a:effectRef idx="0">
+            <a:scrgbClr r="0" g="0" b="0"/>
+          </a:effectRef>
+          <a:fontRef idx="minor">
+            <a:schemeClr val="lt1"/>
+          </a:fontRef>
+        </p:style>
+        <p:txBody>
+          <a:bodyPr rtlCol="0" anchor="ctr"/>
+          <a:lstStyle/>
+          <a:p>
+            <a:pPr algn="ctr"/>
+            <a:r>
+              <a:rPr lang="en-US" sz="900" dirty="0"/>
+              <a:t>Image</a:t>
+            </a:r>
+          </a:p>
+          <a:p>
+            <a:pPr algn="ctr"/>
+            <a:r>
+              <a:rPr lang="en-US" sz="900" dirty="0"/>
+              <a:t>Service C Agent</a:t>
+            </a:r>
+          </a:p>
+        </p:txBody>
+      </p:sp>
+      <p:sp>
+        <p:nvSpPr>
+          <p:cNvPr id="47" name="Rectangle: Rounded Corners 46">
+            <a:extLst>
+              <a:ext uri="{FF2B5EF4-FFF2-40B4-BE49-F238E27FC236}">
+                <a16:creationId xmlns:a16="http://schemas.microsoft.com/office/drawing/2014/main" id="{4F4FAB67-A02E-432E-92C8-9DA7E44B15C5}"/>
+              </a:ext>
+            </a:extLst>
+          </p:cNvPr>
+          <p:cNvSpPr/>
+          <p:nvPr/>
+        </p:nvSpPr>
+        <p:spPr>
+          <a:xfrm>
+            <a:off x="1185553" y="3856792"/>
+            <a:ext cx="1027032" cy="336626"/>
+          </a:xfrm>
+          <a:prstGeom prst="roundRect">
+            <a:avLst/>
+          </a:prstGeom>
+          <a:gradFill flip="none" rotWithShape="1">
+            <a:gsLst>
+              <a:gs pos="0">
+                <a:schemeClr val="accent4">
+                  <a:lumMod val="67000"/>
+                </a:schemeClr>
+              </a:gs>
+              <a:gs pos="48000">
+                <a:schemeClr val="accent4">
+                  <a:lumMod val="97000"/>
+                  <a:lumOff val="3000"/>
+                </a:schemeClr>
+              </a:gs>
+              <a:gs pos="100000">
+                <a:schemeClr val="accent4">
+                  <a:lumMod val="60000"/>
+                  <a:lumOff val="40000"/>
+                </a:schemeClr>
+              </a:gs>
+            </a:gsLst>
+            <a:lin ang="16200000" scaled="1"/>
+            <a:tileRect/>
+          </a:gradFill>
+          <a:ln>
+            <a:noFill/>
+          </a:ln>
+        </p:spPr>
+        <p:style>
+          <a:lnRef idx="0">
+            <a:scrgbClr r="0" g="0" b="0"/>
+          </a:lnRef>
+          <a:fillRef idx="0">
+            <a:scrgbClr r="0" g="0" b="0"/>
+          </a:fillRef>
+          <a:effectRef idx="0">
+            <a:scrgbClr r="0" g="0" b="0"/>
+          </a:effectRef>
+          <a:fontRef idx="minor">
+            <a:schemeClr val="lt1"/>
+          </a:fontRef>
+        </p:style>
+        <p:txBody>
+          <a:bodyPr rtlCol="0" anchor="ctr"/>
+          <a:lstStyle/>
+          <a:p>
+            <a:pPr algn="ctr"/>
+            <a:r>
+              <a:rPr lang="en-US" sz="900" dirty="0"/>
+              <a:t>Image</a:t>
+            </a:r>
+          </a:p>
+          <a:p>
+            <a:pPr algn="ctr"/>
+            <a:r>
+              <a:rPr lang="en-US" sz="900" dirty="0"/>
+              <a:t>Service C App</a:t>
+            </a:r>
+          </a:p>
+        </p:txBody>
+      </p:sp>
+      <p:sp>
+        <p:nvSpPr>
+          <p:cNvPr id="48" name="Rectangle 47">
+            <a:extLst>
+              <a:ext uri="{FF2B5EF4-FFF2-40B4-BE49-F238E27FC236}">
+                <a16:creationId xmlns:a16="http://schemas.microsoft.com/office/drawing/2014/main" id="{6B40B687-DFED-4E42-A38F-7C033DBCEB66}"/>
+              </a:ext>
+            </a:extLst>
+          </p:cNvPr>
+          <p:cNvSpPr/>
+          <p:nvPr/>
+        </p:nvSpPr>
+        <p:spPr>
+          <a:xfrm>
+            <a:off x="3501968" y="3674620"/>
+            <a:ext cx="1364619" cy="849579"/>
+          </a:xfrm>
+          <a:prstGeom prst="rect">
+            <a:avLst/>
+          </a:prstGeom>
+          <a:solidFill>
+            <a:schemeClr val="bg1">
+              <a:lumMod val="65000"/>
+              <a:lumOff val="35000"/>
+            </a:schemeClr>
+          </a:solidFill>
+          <a:ln>
+            <a:noFill/>
+          </a:ln>
+        </p:spPr>
+        <p:style>
+          <a:lnRef idx="0">
+            <a:scrgbClr r="0" g="0" b="0"/>
+          </a:lnRef>
+          <a:fillRef idx="0">
+            <a:scrgbClr r="0" g="0" b="0"/>
+          </a:fillRef>
+          <a:effectRef idx="0">
+            <a:scrgbClr r="0" g="0" b="0"/>
+          </a:effectRef>
+          <a:fontRef idx="minor">
+            <a:schemeClr val="lt1"/>
+          </a:fontRef>
+        </p:style>
+        <p:txBody>
+          <a:bodyPr rtlCol="0" anchor="t"/>
+          <a:lstStyle/>
+          <a:p>
+            <a:pPr algn="ctr"/>
+            <a:r>
+              <a:rPr lang="en-US" dirty="0" err="1"/>
+              <a:t>Srvc</a:t>
+            </a:r>
+            <a:r>
+              <a:rPr lang="en-US" dirty="0"/>
+              <a:t> B</a:t>
+            </a:r>
+          </a:p>
+        </p:txBody>
+      </p:sp>
+      <p:sp>
+        <p:nvSpPr>
+          <p:cNvPr id="49" name="Rectangle: Top Corners One Rounded and One Snipped 48">
+            <a:extLst>
+              <a:ext uri="{FF2B5EF4-FFF2-40B4-BE49-F238E27FC236}">
+                <a16:creationId xmlns:a16="http://schemas.microsoft.com/office/drawing/2014/main" id="{CFBECA1E-121E-49CF-9961-F21EBA8505B4}"/>
+              </a:ext>
+            </a:extLst>
+          </p:cNvPr>
+          <p:cNvSpPr/>
+          <p:nvPr/>
+        </p:nvSpPr>
+        <p:spPr>
+          <a:xfrm>
+            <a:off x="3559806" y="4051632"/>
+            <a:ext cx="548640" cy="329184"/>
+          </a:xfrm>
+          <a:prstGeom prst="snipRoundRect">
+            <a:avLst/>
+          </a:prstGeom>
+          <a:gradFill flip="none" rotWithShape="1">
+            <a:gsLst>
+              <a:gs pos="0">
+                <a:schemeClr val="accent5">
+                  <a:lumMod val="67000"/>
+                </a:schemeClr>
+              </a:gs>
+              <a:gs pos="48000">
+                <a:schemeClr val="accent5">
+                  <a:lumMod val="97000"/>
+                  <a:lumOff val="3000"/>
+                </a:schemeClr>
+              </a:gs>
+              <a:gs pos="100000">
+                <a:schemeClr val="accent5">
+                  <a:lumMod val="60000"/>
+                  <a:lumOff val="40000"/>
+                </a:schemeClr>
+              </a:gs>
+            </a:gsLst>
+            <a:lin ang="16200000" scaled="1"/>
+            <a:tileRect/>
+          </a:gradFill>
+          <a:ln>
+            <a:noFill/>
+          </a:ln>
+        </p:spPr>
+        <p:style>
+          <a:lnRef idx="0">
+            <a:scrgbClr r="0" g="0" b="0"/>
+          </a:lnRef>
+          <a:fillRef idx="0">
+            <a:scrgbClr r="0" g="0" b="0"/>
+          </a:fillRef>
+          <a:effectRef idx="0">
+            <a:scrgbClr r="0" g="0" b="0"/>
+          </a:effectRef>
+          <a:fontRef idx="minor">
+            <a:schemeClr val="lt1"/>
+          </a:fontRef>
+        </p:style>
+        <p:txBody>
+          <a:bodyPr rtlCol="0" anchor="ctr"/>
+          <a:lstStyle/>
+          <a:p>
+            <a:pPr algn="ctr"/>
+            <a:r>
+              <a:rPr lang="en-US" sz="900" dirty="0" err="1"/>
+              <a:t>Srvc</a:t>
+            </a:r>
+            <a:r>
+              <a:rPr lang="en-US" sz="900" dirty="0"/>
+              <a:t> B Code</a:t>
+            </a:r>
+          </a:p>
+        </p:txBody>
+      </p:sp>
+      <p:sp>
+        <p:nvSpPr>
+          <p:cNvPr id="54" name="Rectangle: Top Corners One Rounded and One Snipped 53">
+            <a:extLst>
+              <a:ext uri="{FF2B5EF4-FFF2-40B4-BE49-F238E27FC236}">
+                <a16:creationId xmlns:a16="http://schemas.microsoft.com/office/drawing/2014/main" id="{68D26024-EE49-431F-AC95-4BBE4B8B69DD}"/>
+              </a:ext>
+            </a:extLst>
+          </p:cNvPr>
+          <p:cNvSpPr/>
+          <p:nvPr/>
+        </p:nvSpPr>
+        <p:spPr>
+          <a:xfrm>
+            <a:off x="4260312" y="4046273"/>
+            <a:ext cx="548640" cy="329184"/>
+          </a:xfrm>
+          <a:prstGeom prst="snipRoundRect">
+            <a:avLst/>
+          </a:prstGeom>
+          <a:gradFill flip="none" rotWithShape="1">
+            <a:gsLst>
+              <a:gs pos="0">
+                <a:schemeClr val="accent5">
+                  <a:lumMod val="67000"/>
+                </a:schemeClr>
+              </a:gs>
+              <a:gs pos="48000">
+                <a:schemeClr val="accent5">
+                  <a:lumMod val="97000"/>
+                  <a:lumOff val="3000"/>
+                </a:schemeClr>
+              </a:gs>
+              <a:gs pos="100000">
+                <a:schemeClr val="accent5">
+                  <a:lumMod val="60000"/>
+                  <a:lumOff val="40000"/>
+                </a:schemeClr>
+              </a:gs>
+            </a:gsLst>
+            <a:lin ang="16200000" scaled="1"/>
+            <a:tileRect/>
+          </a:gradFill>
+          <a:ln>
+            <a:noFill/>
+          </a:ln>
+        </p:spPr>
+        <p:style>
+          <a:lnRef idx="0">
+            <a:scrgbClr r="0" g="0" b="0"/>
+          </a:lnRef>
+          <a:fillRef idx="0">
+            <a:scrgbClr r="0" g="0" b="0"/>
+          </a:fillRef>
+          <a:effectRef idx="0">
+            <a:scrgbClr r="0" g="0" b="0"/>
+          </a:effectRef>
+          <a:fontRef idx="minor">
+            <a:schemeClr val="lt1"/>
+          </a:fontRef>
+        </p:style>
+        <p:txBody>
+          <a:bodyPr rtlCol="0" anchor="ctr"/>
+          <a:lstStyle/>
+          <a:p>
+            <a:pPr algn="ctr"/>
+            <a:r>
+              <a:rPr lang="en-US" sz="900" dirty="0" err="1"/>
+              <a:t>Srvc</a:t>
+            </a:r>
+            <a:r>
+              <a:rPr lang="en-US" sz="900" dirty="0"/>
+              <a:t> B CDT</a:t>
+            </a:r>
+          </a:p>
+        </p:txBody>
+      </p:sp>
+      <p:sp>
+        <p:nvSpPr>
+          <p:cNvPr id="57" name="Rectangle 56">
+            <a:extLst>
+              <a:ext uri="{FF2B5EF4-FFF2-40B4-BE49-F238E27FC236}">
+                <a16:creationId xmlns:a16="http://schemas.microsoft.com/office/drawing/2014/main" id="{27EE14CD-CC88-4891-8D4D-7E8095AC9696}"/>
+              </a:ext>
+            </a:extLst>
+          </p:cNvPr>
+          <p:cNvSpPr/>
+          <p:nvPr/>
+        </p:nvSpPr>
+        <p:spPr>
+          <a:xfrm>
+            <a:off x="3501968" y="4780405"/>
+            <a:ext cx="1364619" cy="849579"/>
+          </a:xfrm>
+          <a:prstGeom prst="rect">
+            <a:avLst/>
+          </a:prstGeom>
+          <a:solidFill>
+            <a:schemeClr val="bg1">
+              <a:lumMod val="65000"/>
+              <a:lumOff val="35000"/>
+            </a:schemeClr>
+          </a:solidFill>
+          <a:ln>
+            <a:noFill/>
+          </a:ln>
+        </p:spPr>
+        <p:style>
+          <a:lnRef idx="0">
+            <a:scrgbClr r="0" g="0" b="0"/>
+          </a:lnRef>
+          <a:fillRef idx="0">
+            <a:scrgbClr r="0" g="0" b="0"/>
+          </a:fillRef>
+          <a:effectRef idx="0">
+            <a:scrgbClr r="0" g="0" b="0"/>
+          </a:effectRef>
+          <a:fontRef idx="minor">
+            <a:schemeClr val="lt1"/>
+          </a:fontRef>
+        </p:style>
+        <p:txBody>
+          <a:bodyPr rtlCol="0" anchor="t"/>
+          <a:lstStyle/>
+          <a:p>
+            <a:pPr algn="ctr"/>
+            <a:r>
+              <a:rPr lang="en-US" dirty="0" err="1"/>
+              <a:t>Srvc</a:t>
+            </a:r>
+            <a:r>
+              <a:rPr lang="en-US" dirty="0"/>
+              <a:t> C</a:t>
+            </a:r>
+          </a:p>
+        </p:txBody>
+      </p:sp>
+      <p:sp>
+        <p:nvSpPr>
+          <p:cNvPr id="58" name="Rectangle: Top Corners One Rounded and One Snipped 57">
+            <a:extLst>
+              <a:ext uri="{FF2B5EF4-FFF2-40B4-BE49-F238E27FC236}">
+                <a16:creationId xmlns:a16="http://schemas.microsoft.com/office/drawing/2014/main" id="{6AE89C1E-C875-4AA5-945C-7DAA756CA327}"/>
+              </a:ext>
+            </a:extLst>
+          </p:cNvPr>
+          <p:cNvSpPr/>
+          <p:nvPr/>
+        </p:nvSpPr>
+        <p:spPr>
+          <a:xfrm>
+            <a:off x="3559806" y="5157417"/>
+            <a:ext cx="548640" cy="329184"/>
+          </a:xfrm>
+          <a:prstGeom prst="snipRoundRect">
+            <a:avLst/>
+          </a:prstGeom>
+          <a:gradFill flip="none" rotWithShape="1">
+            <a:gsLst>
+              <a:gs pos="0">
+                <a:schemeClr val="accent4">
+                  <a:lumMod val="67000"/>
+                </a:schemeClr>
+              </a:gs>
+              <a:gs pos="48000">
+                <a:schemeClr val="accent4">
+                  <a:lumMod val="97000"/>
+                  <a:lumOff val="3000"/>
+                </a:schemeClr>
+              </a:gs>
+              <a:gs pos="100000">
+                <a:schemeClr val="accent4">
+                  <a:lumMod val="60000"/>
+                  <a:lumOff val="40000"/>
+                </a:schemeClr>
+              </a:gs>
+            </a:gsLst>
+            <a:lin ang="16200000" scaled="1"/>
+            <a:tileRect/>
+          </a:gradFill>
+          <a:ln>
+            <a:noFill/>
+          </a:ln>
+        </p:spPr>
+        <p:style>
+          <a:lnRef idx="0">
+            <a:scrgbClr r="0" g="0" b="0"/>
+          </a:lnRef>
+          <a:fillRef idx="0">
+            <a:scrgbClr r="0" g="0" b="0"/>
+          </a:fillRef>
+          <a:effectRef idx="0">
+            <a:scrgbClr r="0" g="0" b="0"/>
+          </a:effectRef>
+          <a:fontRef idx="minor">
+            <a:schemeClr val="lt1"/>
+          </a:fontRef>
+        </p:style>
+        <p:txBody>
+          <a:bodyPr rtlCol="0" anchor="ctr"/>
+          <a:lstStyle/>
+          <a:p>
+            <a:pPr algn="ctr"/>
+            <a:r>
+              <a:rPr lang="en-US" sz="900" dirty="0" err="1"/>
+              <a:t>Srvc</a:t>
+            </a:r>
+            <a:r>
+              <a:rPr lang="en-US" sz="900" dirty="0"/>
+              <a:t> C Code</a:t>
+            </a:r>
+          </a:p>
+        </p:txBody>
+      </p:sp>
+      <p:sp>
+        <p:nvSpPr>
+          <p:cNvPr id="59" name="Rectangle: Top Corners One Rounded and One Snipped 58">
+            <a:extLst>
+              <a:ext uri="{FF2B5EF4-FFF2-40B4-BE49-F238E27FC236}">
+                <a16:creationId xmlns:a16="http://schemas.microsoft.com/office/drawing/2014/main" id="{55043645-CD2D-4A5A-B2B9-9CDDB5C945F2}"/>
+              </a:ext>
+            </a:extLst>
+          </p:cNvPr>
+          <p:cNvSpPr/>
+          <p:nvPr/>
+        </p:nvSpPr>
+        <p:spPr>
+          <a:xfrm>
+            <a:off x="4260312" y="5152058"/>
+            <a:ext cx="548640" cy="329184"/>
+          </a:xfrm>
+          <a:prstGeom prst="snipRoundRect">
+            <a:avLst/>
+          </a:prstGeom>
+          <a:gradFill flip="none" rotWithShape="1">
+            <a:gsLst>
+              <a:gs pos="0">
+                <a:schemeClr val="accent4">
+                  <a:lumMod val="67000"/>
+                </a:schemeClr>
+              </a:gs>
+              <a:gs pos="48000">
+                <a:schemeClr val="accent4">
+                  <a:lumMod val="97000"/>
+                  <a:lumOff val="3000"/>
+                </a:schemeClr>
+              </a:gs>
+              <a:gs pos="100000">
+                <a:schemeClr val="accent4">
+                  <a:lumMod val="60000"/>
+                  <a:lumOff val="40000"/>
+                </a:schemeClr>
+              </a:gs>
+            </a:gsLst>
+            <a:lin ang="16200000" scaled="1"/>
+            <a:tileRect/>
+          </a:gradFill>
+          <a:ln>
+            <a:noFill/>
+          </a:ln>
+        </p:spPr>
+        <p:style>
+          <a:lnRef idx="0">
+            <a:scrgbClr r="0" g="0" b="0"/>
+          </a:lnRef>
+          <a:fillRef idx="0">
+            <a:scrgbClr r="0" g="0" b="0"/>
+          </a:fillRef>
+          <a:effectRef idx="0">
+            <a:scrgbClr r="0" g="0" b="0"/>
+          </a:effectRef>
+          <a:fontRef idx="minor">
+            <a:schemeClr val="lt1"/>
+          </a:fontRef>
+        </p:style>
+        <p:txBody>
+          <a:bodyPr rtlCol="0" anchor="ctr"/>
+          <a:lstStyle/>
+          <a:p>
+            <a:pPr algn="ctr"/>
+            <a:r>
+              <a:rPr lang="en-US" sz="900" dirty="0" err="1"/>
+              <a:t>Srvc</a:t>
+            </a:r>
+            <a:r>
+              <a:rPr lang="en-US" sz="900" dirty="0"/>
+              <a:t> C CDT</a:t>
+            </a:r>
+          </a:p>
+        </p:txBody>
+      </p:sp>
+      <p:sp>
+        <p:nvSpPr>
+          <p:cNvPr id="60" name="Oval 59">
+            <a:extLst>
+              <a:ext uri="{FF2B5EF4-FFF2-40B4-BE49-F238E27FC236}">
+                <a16:creationId xmlns:a16="http://schemas.microsoft.com/office/drawing/2014/main" id="{4E6A4B33-84EF-4CAC-A434-496E2DD6DFA1}"/>
+              </a:ext>
+            </a:extLst>
+          </p:cNvPr>
+          <p:cNvSpPr/>
+          <p:nvPr/>
+        </p:nvSpPr>
+        <p:spPr>
+          <a:xfrm>
+            <a:off x="5665516" y="3701996"/>
             <a:ext cx="914400" cy="504939"/>
           </a:xfrm>
           <a:prstGeom prst="ellipse">
@@ -32294,64 +33191,17 @@
             <a:pPr algn="ctr"/>
             <a:r>
               <a:rPr lang="en-US" sz="900" dirty="0"/>
-              <a:t>Service A2 Agent</a:t>
+              <a:t>Service A2 Config</a:t>
             </a:r>
           </a:p>
         </p:txBody>
       </p:sp>
       <p:sp>
         <p:nvSpPr>
-          <p:cNvPr id="14" name="TextBox 13">
+          <p:cNvPr id="65" name="Rectangle: Rounded Corners 64">
             <a:extLst>
               <a:ext uri="{FF2B5EF4-FFF2-40B4-BE49-F238E27FC236}">
-                <a16:creationId xmlns:a16="http://schemas.microsoft.com/office/drawing/2014/main" id="{498BD242-18AD-416D-AF32-866E4748C022}"/>
-              </a:ext>
-            </a:extLst>
-          </p:cNvPr>
-          <p:cNvSpPr txBox="1"/>
-          <p:nvPr/>
-        </p:nvSpPr>
-        <p:spPr>
-          <a:xfrm>
-            <a:off x="5989945" y="3225299"/>
-            <a:ext cx="1769587" cy="307777"/>
-          </a:xfrm>
-          <a:prstGeom prst="rect">
-            <a:avLst/>
-          </a:prstGeom>
-          <a:noFill/>
-        </p:spPr>
-        <p:txBody>
-          <a:bodyPr wrap="none" rtlCol="0">
-            <a:spAutoFit/>
-          </a:bodyPr>
-          <a:lstStyle/>
-          <a:p>
-            <a:r>
-              <a:rPr lang="en-US" sz="1400" b="1" dirty="0" err="1">
-                <a:solidFill>
-                  <a:srgbClr val="0D0D0D"/>
-                </a:solidFill>
-              </a:rPr>
-              <a:t>findInventory</a:t>
-            </a:r>
-            <a:r>
-              <a:rPr lang="en-US" sz="1400" b="1" dirty="0">
-                <a:solidFill>
-                  <a:srgbClr val="0D0D0D"/>
-                </a:solidFill>
-              </a:rPr>
-              <a:t> Service</a:t>
-            </a:r>
-          </a:p>
-        </p:txBody>
-      </p:sp>
-      <p:sp>
-        <p:nvSpPr>
-          <p:cNvPr id="38" name="Rectangle 37">
-            <a:extLst>
-              <a:ext uri="{FF2B5EF4-FFF2-40B4-BE49-F238E27FC236}">
-                <a16:creationId xmlns:a16="http://schemas.microsoft.com/office/drawing/2014/main" id="{141A9696-2499-43F5-BBC6-533E1CF139E4}"/>
+                <a16:creationId xmlns:a16="http://schemas.microsoft.com/office/drawing/2014/main" id="{A2BBA1AE-04A3-436E-BF4B-DC3CC44A6CD7}"/>
               </a:ext>
             </a:extLst>
           </p:cNvPr>
@@ -32360,18 +33210,96 @@
         </p:nvSpPr>
         <p:spPr>
           <a:xfrm>
-            <a:off x="3501968" y="2570910"/>
-            <a:ext cx="1364619" cy="849579"/>
+            <a:off x="1280030" y="1440336"/>
+            <a:ext cx="1027032" cy="336626"/>
           </a:xfrm>
-          <a:prstGeom prst="rect">
+          <a:prstGeom prst="roundRect">
             <a:avLst/>
           </a:prstGeom>
           <a:solidFill>
-            <a:schemeClr val="bg1">
-              <a:lumMod val="65000"/>
-              <a:lumOff val="35000"/>
+            <a:schemeClr val="accent6">
+              <a:lumMod val="75000"/>
             </a:schemeClr>
           </a:solidFill>
+        </p:spPr>
+        <p:style>
+          <a:lnRef idx="2">
+            <a:schemeClr val="accent1">
+              <a:shade val="50000"/>
+            </a:schemeClr>
+          </a:lnRef>
+          <a:fillRef idx="1">
+            <a:schemeClr val="accent1"/>
+          </a:fillRef>
+          <a:effectRef idx="0">
+            <a:schemeClr val="accent1"/>
+          </a:effectRef>
+          <a:fontRef idx="minor">
+            <a:schemeClr val="lt1"/>
+          </a:fontRef>
+        </p:style>
+        <p:txBody>
+          <a:bodyPr rtlCol="0" anchor="ctr"/>
+          <a:lstStyle/>
+          <a:p>
+            <a:pPr algn="ctr"/>
+            <a:r>
+              <a:rPr lang="en-US" sz="900" dirty="0"/>
+              <a:t>Image</a:t>
+            </a:r>
+          </a:p>
+          <a:p>
+            <a:pPr algn="ctr"/>
+            <a:r>
+              <a:rPr lang="en-US" sz="900" dirty="0"/>
+              <a:t>DB2</a:t>
+            </a:r>
+          </a:p>
+        </p:txBody>
+      </p:sp>
+      <p:sp>
+        <p:nvSpPr>
+          <p:cNvPr id="34" name="Oval 33">
+            <a:extLst>
+              <a:ext uri="{FF2B5EF4-FFF2-40B4-BE49-F238E27FC236}">
+                <a16:creationId xmlns:a16="http://schemas.microsoft.com/office/drawing/2014/main" id="{E9EA4076-5BC6-455E-B940-C70DACE8AFFD}"/>
+              </a:ext>
+            </a:extLst>
+          </p:cNvPr>
+          <p:cNvSpPr/>
+          <p:nvPr/>
+        </p:nvSpPr>
+        <p:spPr>
+          <a:xfrm>
+            <a:off x="5647099" y="2818564"/>
+            <a:ext cx="914400" cy="504939"/>
+          </a:xfrm>
+          <a:prstGeom prst="ellipse">
+            <a:avLst/>
+          </a:prstGeom>
+          <a:gradFill flip="none" rotWithShape="1">
+            <a:gsLst>
+              <a:gs pos="0">
+                <a:schemeClr val="dk1">
+                  <a:lumMod val="67000"/>
+                </a:schemeClr>
+              </a:gs>
+              <a:gs pos="48000">
+                <a:schemeClr val="dk1">
+                  <a:lumMod val="97000"/>
+                  <a:lumOff val="3000"/>
+                </a:schemeClr>
+              </a:gs>
+              <a:gs pos="100000">
+                <a:schemeClr val="dk1">
+                  <a:lumMod val="60000"/>
+                  <a:lumOff val="40000"/>
+                </a:schemeClr>
+              </a:gs>
+            </a:gsLst>
+            <a:lin ang="16200000" scaled="1"/>
+            <a:tileRect/>
+          </a:gradFill>
           <a:ln>
             <a:noFill/>
           </a:ln>
@@ -32391,27 +33319,30 @@
           </a:fontRef>
         </p:style>
         <p:txBody>
-          <a:bodyPr rtlCol="0" anchor="t"/>
+          <a:bodyPr rtlCol="0" anchor="ctr"/>
           <a:lstStyle/>
           <a:p>
             <a:pPr algn="ctr"/>
             <a:r>
-              <a:rPr lang="en-US" dirty="0" err="1"/>
-              <a:t>Srvc</a:t>
-            </a:r>
-            <a:r>
-              <a:rPr lang="en-US" dirty="0"/>
-              <a:t> A</a:t>
+              <a:rPr lang="en-US" sz="900" dirty="0"/>
+              <a:t>Container</a:t>
+            </a:r>
+          </a:p>
+          <a:p>
+            <a:pPr algn="ctr"/>
+            <a:r>
+              <a:rPr lang="en-US" sz="900" dirty="0"/>
+              <a:t>Service A1 Config</a:t>
             </a:r>
           </a:p>
         </p:txBody>
       </p:sp>
       <p:sp>
         <p:nvSpPr>
-          <p:cNvPr id="40" name="Rectangle: Top Corners One Rounded and One Snipped 39">
+          <p:cNvPr id="25" name="Oval 24">
             <a:extLst>
               <a:ext uri="{FF2B5EF4-FFF2-40B4-BE49-F238E27FC236}">
-                <a16:creationId xmlns:a16="http://schemas.microsoft.com/office/drawing/2014/main" id="{342CB059-56E3-416F-A0CE-5EAA544FBDF9}"/>
+                <a16:creationId xmlns:a16="http://schemas.microsoft.com/office/drawing/2014/main" id="{11600F30-8475-4B7E-BAAF-8E0714DDCECD}"/>
               </a:ext>
             </a:extLst>
           </p:cNvPr>
@@ -32420,23 +33351,48 @@
         </p:nvSpPr>
         <p:spPr>
           <a:xfrm>
-            <a:off x="3559806" y="2947922"/>
-            <a:ext cx="548640" cy="329184"/>
+            <a:off x="6586928" y="2712193"/>
+            <a:ext cx="914400" cy="504939"/>
           </a:xfrm>
-          <a:prstGeom prst="snipRoundRect">
+          <a:prstGeom prst="ellipse">
             <a:avLst/>
           </a:prstGeom>
-          <a:ln/>
+          <a:gradFill flip="none" rotWithShape="1">
+            <a:gsLst>
+              <a:gs pos="0">
+                <a:schemeClr val="dk1">
+                  <a:lumMod val="67000"/>
+                </a:schemeClr>
+              </a:gs>
+              <a:gs pos="48000">
+                <a:schemeClr val="dk1">
+                  <a:lumMod val="97000"/>
+                  <a:lumOff val="3000"/>
+                </a:schemeClr>
+              </a:gs>
+              <a:gs pos="100000">
+                <a:schemeClr val="dk1">
+                  <a:lumMod val="60000"/>
+                  <a:lumOff val="40000"/>
+                </a:schemeClr>
+              </a:gs>
+            </a:gsLst>
+            <a:lin ang="16200000" scaled="1"/>
+            <a:tileRect/>
+          </a:gradFill>
+          <a:ln>
+            <a:noFill/>
+          </a:ln>
         </p:spPr>
         <p:style>
           <a:lnRef idx="0">
-            <a:schemeClr val="dk1"/>
+            <a:scrgbClr r="0" g="0" b="0"/>
           </a:lnRef>
-          <a:fillRef idx="3">
-            <a:schemeClr val="dk1"/>
+          <a:fillRef idx="0">
+            <a:scrgbClr r="0" g="0" b="0"/>
           </a:fillRef>
-          <a:effectRef idx="3">
-            <a:schemeClr val="dk1"/>
+          <a:effectRef idx="0">
+            <a:scrgbClr r="0" g="0" b="0"/>
           </a:effectRef>
           <a:fontRef idx="minor">
             <a:schemeClr val="lt1"/>
@@ -32448,22 +33404,25 @@
           <a:p>
             <a:pPr algn="ctr"/>
             <a:r>
-              <a:rPr lang="en-US" sz="800" dirty="0" err="1"/>
-              <a:t>Srvc</a:t>
-            </a:r>
-            <a:r>
-              <a:rPr lang="en-US" sz="800" dirty="0"/>
-              <a:t> A Code</a:t>
+              <a:rPr lang="en-US" sz="900" dirty="0"/>
+              <a:t>Container</a:t>
+            </a:r>
+          </a:p>
+          <a:p>
+            <a:pPr algn="ctr"/>
+            <a:r>
+              <a:rPr lang="en-US" sz="900" dirty="0"/>
+              <a:t>Service A1 App</a:t>
             </a:r>
           </a:p>
         </p:txBody>
       </p:sp>
       <p:sp>
         <p:nvSpPr>
-          <p:cNvPr id="20" name="Rectangle: Top Corners One Rounded and One Snipped 19">
+          <p:cNvPr id="66" name="Oval 65">
             <a:extLst>
               <a:ext uri="{FF2B5EF4-FFF2-40B4-BE49-F238E27FC236}">
-                <a16:creationId xmlns:a16="http://schemas.microsoft.com/office/drawing/2014/main" id="{6A5C490F-E6F7-44C3-8B87-EDE8D1419A49}"/>
+                <a16:creationId xmlns:a16="http://schemas.microsoft.com/office/drawing/2014/main" id="{4826FF00-3201-47EE-9585-AE72E20AC7C6}"/>
               </a:ext>
             </a:extLst>
           </p:cNvPr>
@@ -32472,23 +33431,48 @@
         </p:nvSpPr>
         <p:spPr>
           <a:xfrm>
-            <a:off x="4260312" y="2942563"/>
-            <a:ext cx="548640" cy="329184"/>
+            <a:off x="7081465" y="2804034"/>
+            <a:ext cx="914400" cy="504939"/>
           </a:xfrm>
-          <a:prstGeom prst="snipRoundRect">
+          <a:prstGeom prst="ellipse">
             <a:avLst/>
           </a:prstGeom>
-          <a:ln/>
+          <a:gradFill flip="none" rotWithShape="1">
+            <a:gsLst>
+              <a:gs pos="0">
+                <a:schemeClr val="dk1">
+                  <a:lumMod val="67000"/>
+                </a:schemeClr>
+              </a:gs>
+              <a:gs pos="48000">
+                <a:schemeClr val="dk1">
+                  <a:lumMod val="97000"/>
+                  <a:lumOff val="3000"/>
+                </a:schemeClr>
+              </a:gs>
+              <a:gs pos="100000">
+                <a:schemeClr val="dk1">
+                  <a:lumMod val="60000"/>
+                  <a:lumOff val="40000"/>
+                </a:schemeClr>
+              </a:gs>
+            </a:gsLst>
+            <a:lin ang="16200000" scaled="1"/>
+            <a:tileRect/>
+          </a:gradFill>
+          <a:ln>
+            <a:noFill/>
+          </a:ln>
         </p:spPr>
         <p:style>
           <a:lnRef idx="0">
-            <a:schemeClr val="dk1"/>
+            <a:scrgbClr r="0" g="0" b="0"/>
           </a:lnRef>
-          <a:fillRef idx="3">
-            <a:schemeClr val="dk1"/>
+          <a:fillRef idx="0">
+            <a:scrgbClr r="0" g="0" b="0"/>
           </a:fillRef>
-          <a:effectRef idx="3">
-            <a:schemeClr val="dk1"/>
+          <a:effectRef idx="0">
+            <a:scrgbClr r="0" g="0" b="0"/>
           </a:effectRef>
           <a:fontRef idx="minor">
             <a:schemeClr val="lt1"/>
@@ -32500,22 +33484,105 @@
           <a:p>
             <a:pPr algn="ctr"/>
             <a:r>
-              <a:rPr lang="en-US" sz="800" dirty="0" err="1"/>
-              <a:t>Srvc</a:t>
-            </a:r>
-            <a:r>
-              <a:rPr lang="en-US" sz="800" dirty="0"/>
-              <a:t> A CDT</a:t>
+              <a:rPr lang="en-US" sz="900" dirty="0"/>
+              <a:t>Container</a:t>
+            </a:r>
+          </a:p>
+          <a:p>
+            <a:pPr algn="ctr"/>
+            <a:r>
+              <a:rPr lang="en-US" sz="900" dirty="0"/>
+              <a:t>Service A1 App</a:t>
+            </a:r>
+          </a:p>
+        </p:txBody>
+      </p:sp>
+      <p:sp>
+        <p:nvSpPr>
+          <p:cNvPr id="67" name="Oval 66">
+            <a:extLst>
+              <a:ext uri="{FF2B5EF4-FFF2-40B4-BE49-F238E27FC236}">
+                <a16:creationId xmlns:a16="http://schemas.microsoft.com/office/drawing/2014/main" id="{F3B84B9E-730A-4455-8CBC-7484BBE6CBD9}"/>
+              </a:ext>
+            </a:extLst>
+          </p:cNvPr>
+          <p:cNvSpPr/>
+          <p:nvPr/>
+        </p:nvSpPr>
+        <p:spPr>
+          <a:xfrm>
+            <a:off x="7673647" y="2908435"/>
+            <a:ext cx="914400" cy="504939"/>
+          </a:xfrm>
+          <a:prstGeom prst="ellipse">
+            <a:avLst/>
+          </a:prstGeom>
+          <a:gradFill flip="none" rotWithShape="1">
+            <a:gsLst>
+              <a:gs pos="0">
+                <a:schemeClr val="dk1">
+                  <a:lumMod val="67000"/>
+                </a:schemeClr>
+              </a:gs>
+              <a:gs pos="48000">
+                <a:schemeClr val="dk1">
+                  <a:lumMod val="97000"/>
+                  <a:lumOff val="3000"/>
+                </a:schemeClr>
+              </a:gs>
+              <a:gs pos="100000">
+                <a:schemeClr val="dk1">
+                  <a:lumMod val="60000"/>
+                  <a:lumOff val="40000"/>
+                </a:schemeClr>
+              </a:gs>
+            </a:gsLst>
+            <a:lin ang="16200000" scaled="1"/>
+            <a:tileRect/>
+          </a:gradFill>
+          <a:ln>
+            <a:noFill/>
+          </a:ln>
+        </p:spPr>
+        <p:style>
+          <a:lnRef idx="0">
+            <a:scrgbClr r="0" g="0" b="0"/>
+          </a:lnRef>
+          <a:fillRef idx="0">
+            <a:scrgbClr r="0" g="0" b="0"/>
+          </a:fillRef>
+          <a:effectRef idx="0">
+            <a:scrgbClr r="0" g="0" b="0"/>
+          </a:effectRef>
+          <a:fontRef idx="minor">
+            <a:schemeClr val="lt1"/>
+          </a:fontRef>
+        </p:style>
+        <p:txBody>
+          <a:bodyPr rtlCol="0" anchor="ctr"/>
+          <a:lstStyle/>
+          <a:p>
+            <a:pPr algn="ctr"/>
+            <a:r>
+              <a:rPr lang="en-US" sz="900" dirty="0"/>
+              <a:t>Container</a:t>
+            </a:r>
+          </a:p>
+          <a:p>
+            <a:pPr algn="ctr"/>
+            <a:r>
+              <a:rPr lang="en-US" sz="900" dirty="0"/>
+              <a:t>Service A1 App</a:t>
             </a:r>
           </a:p>
         </p:txBody>
       </p:sp>
       <p:grpSp>
         <p:nvGrpSpPr>
-          <p:cNvPr id="19" name="Group 18">
+          <p:cNvPr id="28" name="Group 27">
             <a:extLst>
               <a:ext uri="{FF2B5EF4-FFF2-40B4-BE49-F238E27FC236}">
-                <a16:creationId xmlns:a16="http://schemas.microsoft.com/office/drawing/2014/main" id="{9DAF8ADE-22CB-4F81-9188-C5F5E346A2F1}"/>
+                <a16:creationId xmlns:a16="http://schemas.microsoft.com/office/drawing/2014/main" id="{020B3E40-3612-4830-8360-67B92B6D5CB3}"/>
               </a:ext>
             </a:extLst>
           </p:cNvPr>
@@ -32524,10 +33591,936 @@
         </p:nvGrpSpPr>
         <p:grpSpPr>
           <a:xfrm>
-            <a:off x="8845712" y="3429000"/>
-            <a:ext cx="1789023" cy="1489330"/>
-            <a:chOff x="8632352" y="4076481"/>
-            <a:chExt cx="1789023" cy="1489330"/>
+            <a:off x="5366182" y="2678267"/>
+            <a:ext cx="6658250" cy="1368006"/>
+            <a:chOff x="5366182" y="2678267"/>
+            <a:chExt cx="6658250" cy="1368006"/>
+          </a:xfrm>
+        </p:grpSpPr>
+        <p:sp>
+          <p:nvSpPr>
+            <p:cNvPr id="14" name="TextBox 13">
+              <a:extLst>
+                <a:ext uri="{FF2B5EF4-FFF2-40B4-BE49-F238E27FC236}">
+                  <a16:creationId xmlns:a16="http://schemas.microsoft.com/office/drawing/2014/main" id="{498BD242-18AD-416D-AF32-866E4748C022}"/>
+                </a:ext>
+              </a:extLst>
+            </p:cNvPr>
+            <p:cNvSpPr txBox="1"/>
+            <p:nvPr/>
+          </p:nvSpPr>
+          <p:spPr>
+            <a:xfrm>
+              <a:off x="8646609" y="2850466"/>
+              <a:ext cx="1769587" cy="307777"/>
+            </a:xfrm>
+            <a:prstGeom prst="rect">
+              <a:avLst/>
+            </a:prstGeom>
+            <a:noFill/>
+          </p:spPr>
+          <p:txBody>
+            <a:bodyPr wrap="none" rtlCol="0">
+              <a:spAutoFit/>
+            </a:bodyPr>
+            <a:lstStyle/>
+            <a:p>
+              <a:r>
+                <a:rPr lang="en-US" sz="1400" b="1" dirty="0" err="1"/>
+                <a:t>findInventory</a:t>
+              </a:r>
+              <a:r>
+                <a:rPr lang="en-US" sz="1400" b="1" dirty="0"/>
+                <a:t> Service</a:t>
+              </a:r>
+            </a:p>
+          </p:txBody>
+        </p:sp>
+        <p:sp>
+          <p:nvSpPr>
+            <p:cNvPr id="69" name="Freeform: Shape 68">
+              <a:extLst>
+                <a:ext uri="{FF2B5EF4-FFF2-40B4-BE49-F238E27FC236}">
+                  <a16:creationId xmlns:a16="http://schemas.microsoft.com/office/drawing/2014/main" id="{4781B7B7-5451-40DD-840A-1C0FFB6FBB04}"/>
+                </a:ext>
+              </a:extLst>
+            </p:cNvPr>
+            <p:cNvSpPr/>
+            <p:nvPr/>
+          </p:nvSpPr>
+          <p:spPr>
+            <a:xfrm>
+              <a:off x="5366182" y="2678267"/>
+              <a:ext cx="6658250" cy="1368006"/>
+            </a:xfrm>
+            <a:custGeom>
+              <a:avLst/>
+              <a:gdLst>
+                <a:gd name="connsiteX0" fmla="*/ 0 w 6658250"/>
+                <a:gd name="connsiteY0" fmla="*/ 0 h 1368006"/>
+                <a:gd name="connsiteX1" fmla="*/ 6658250 w 6658250"/>
+                <a:gd name="connsiteY1" fmla="*/ 0 h 1368006"/>
+                <a:gd name="connsiteX2" fmla="*/ 6658250 w 6658250"/>
+                <a:gd name="connsiteY2" fmla="*/ 152400 h 1368006"/>
+                <a:gd name="connsiteX3" fmla="*/ 6658250 w 6658250"/>
+                <a:gd name="connsiteY3" fmla="*/ 818492 h 1368006"/>
+                <a:gd name="connsiteX4" fmla="*/ 6658250 w 6658250"/>
+                <a:gd name="connsiteY4" fmla="*/ 1368006 h 1368006"/>
+                <a:gd name="connsiteX5" fmla="*/ 5386376 w 6658250"/>
+                <a:gd name="connsiteY5" fmla="*/ 1368006 h 1368006"/>
+                <a:gd name="connsiteX6" fmla="*/ 5386376 w 6658250"/>
+                <a:gd name="connsiteY6" fmla="*/ 818492 h 1368006"/>
+                <a:gd name="connsiteX7" fmla="*/ 0 w 6658250"/>
+                <a:gd name="connsiteY7" fmla="*/ 818492 h 1368006"/>
+              </a:gdLst>
+              <a:ahLst/>
+              <a:cxnLst>
+                <a:cxn ang="0">
+                  <a:pos x="connsiteX0" y="connsiteY0"/>
+                </a:cxn>
+                <a:cxn ang="0">
+                  <a:pos x="connsiteX1" y="connsiteY1"/>
+                </a:cxn>
+                <a:cxn ang="0">
+                  <a:pos x="connsiteX2" y="connsiteY2"/>
+                </a:cxn>
+                <a:cxn ang="0">
+                  <a:pos x="connsiteX3" y="connsiteY3"/>
+                </a:cxn>
+                <a:cxn ang="0">
+                  <a:pos x="connsiteX4" y="connsiteY4"/>
+                </a:cxn>
+                <a:cxn ang="0">
+                  <a:pos x="connsiteX5" y="connsiteY5"/>
+                </a:cxn>
+                <a:cxn ang="0">
+                  <a:pos x="connsiteX6" y="connsiteY6"/>
+                </a:cxn>
+                <a:cxn ang="0">
+                  <a:pos x="connsiteX7" y="connsiteY7"/>
+                </a:cxn>
+              </a:cxnLst>
+              <a:rect l="l" t="t" r="r" b="b"/>
+              <a:pathLst>
+                <a:path w="6658250" h="1368006">
+                  <a:moveTo>
+                    <a:pt x="0" y="0"/>
+                  </a:moveTo>
+                  <a:lnTo>
+                    <a:pt x="6658250" y="0"/>
+                  </a:lnTo>
+                  <a:lnTo>
+                    <a:pt x="6658250" y="152400"/>
+                  </a:lnTo>
+                  <a:lnTo>
+                    <a:pt x="6658250" y="818492"/>
+                  </a:lnTo>
+                  <a:lnTo>
+                    <a:pt x="6658250" y="1368006"/>
+                  </a:lnTo>
+                  <a:lnTo>
+                    <a:pt x="5386376" y="1368006"/>
+                  </a:lnTo>
+                  <a:lnTo>
+                    <a:pt x="5386376" y="818492"/>
+                  </a:lnTo>
+                  <a:lnTo>
+                    <a:pt x="0" y="818492"/>
+                  </a:lnTo>
+                  <a:close/>
+                </a:path>
+              </a:pathLst>
+            </a:custGeom>
+            <a:noFill/>
+            <a:ln w="38100">
+              <a:solidFill>
+                <a:schemeClr val="tx1"/>
+              </a:solidFill>
+              <a:prstDash val="lgDashDot"/>
+            </a:ln>
+          </p:spPr>
+          <p:style>
+            <a:lnRef idx="2">
+              <a:schemeClr val="accent1">
+                <a:shade val="50000"/>
+              </a:schemeClr>
+            </a:lnRef>
+            <a:fillRef idx="1">
+              <a:schemeClr val="accent1"/>
+            </a:fillRef>
+            <a:effectRef idx="0">
+              <a:schemeClr val="accent1"/>
+            </a:effectRef>
+            <a:fontRef idx="minor">
+              <a:schemeClr val="lt1"/>
+            </a:fontRef>
+          </p:style>
+          <p:txBody>
+            <a:bodyPr rtlCol="0" anchor="ctr"/>
+            <a:lstStyle/>
+            <a:p>
+              <a:pPr algn="ctr"/>
+              <a:endParaRPr lang="en-US"/>
+            </a:p>
+          </p:txBody>
+        </p:sp>
+      </p:grpSp>
+      <p:sp>
+        <p:nvSpPr>
+          <p:cNvPr id="71" name="Oval 70">
+            <a:extLst>
+              <a:ext uri="{FF2B5EF4-FFF2-40B4-BE49-F238E27FC236}">
+                <a16:creationId xmlns:a16="http://schemas.microsoft.com/office/drawing/2014/main" id="{64EE7049-2CC0-4734-A719-59CBFE51F853}"/>
+              </a:ext>
+            </a:extLst>
+          </p:cNvPr>
+          <p:cNvSpPr/>
+          <p:nvPr/>
+        </p:nvSpPr>
+        <p:spPr>
+          <a:xfrm>
+            <a:off x="7195713" y="3684633"/>
+            <a:ext cx="914400" cy="504939"/>
+          </a:xfrm>
+          <a:prstGeom prst="ellipse">
+            <a:avLst/>
+          </a:prstGeom>
+          <a:gradFill flip="none" rotWithShape="1">
+            <a:gsLst>
+              <a:gs pos="0">
+                <a:schemeClr val="dk1">
+                  <a:lumMod val="67000"/>
+                </a:schemeClr>
+              </a:gs>
+              <a:gs pos="48000">
+                <a:schemeClr val="dk1">
+                  <a:lumMod val="97000"/>
+                  <a:lumOff val="3000"/>
+                </a:schemeClr>
+              </a:gs>
+              <a:gs pos="100000">
+                <a:schemeClr val="dk1">
+                  <a:lumMod val="60000"/>
+                  <a:lumOff val="40000"/>
+                </a:schemeClr>
+              </a:gs>
+            </a:gsLst>
+            <a:lin ang="16200000" scaled="1"/>
+            <a:tileRect/>
+          </a:gradFill>
+          <a:ln>
+            <a:noFill/>
+          </a:ln>
+        </p:spPr>
+        <p:style>
+          <a:lnRef idx="0">
+            <a:scrgbClr r="0" g="0" b="0"/>
+          </a:lnRef>
+          <a:fillRef idx="0">
+            <a:scrgbClr r="0" g="0" b="0"/>
+          </a:fillRef>
+          <a:effectRef idx="0">
+            <a:scrgbClr r="0" g="0" b="0"/>
+          </a:effectRef>
+          <a:fontRef idx="minor">
+            <a:schemeClr val="lt1"/>
+          </a:fontRef>
+        </p:style>
+        <p:txBody>
+          <a:bodyPr rtlCol="0" anchor="ctr"/>
+          <a:lstStyle/>
+          <a:p>
+            <a:pPr algn="ctr"/>
+            <a:r>
+              <a:rPr lang="en-US" sz="900" dirty="0"/>
+              <a:t>Container</a:t>
+            </a:r>
+          </a:p>
+          <a:p>
+            <a:pPr algn="ctr"/>
+            <a:r>
+              <a:rPr lang="en-US" sz="900" dirty="0"/>
+              <a:t>Service A2 Agent</a:t>
+            </a:r>
+          </a:p>
+        </p:txBody>
+      </p:sp>
+      <p:grpSp>
+        <p:nvGrpSpPr>
+          <p:cNvPr id="30" name="Group 29">
+            <a:extLst>
+              <a:ext uri="{FF2B5EF4-FFF2-40B4-BE49-F238E27FC236}">
+                <a16:creationId xmlns:a16="http://schemas.microsoft.com/office/drawing/2014/main" id="{857C26F9-7743-4E45-B188-864C1DB4C94C}"/>
+              </a:ext>
+            </a:extLst>
+          </p:cNvPr>
+          <p:cNvGrpSpPr/>
+          <p:nvPr/>
+        </p:nvGrpSpPr>
+        <p:grpSpPr>
+          <a:xfrm>
+            <a:off x="5387789" y="2678267"/>
+            <a:ext cx="6636643" cy="1645909"/>
+            <a:chOff x="5387789" y="2678267"/>
+            <a:chExt cx="6636643" cy="1645909"/>
+          </a:xfrm>
+        </p:grpSpPr>
+        <p:sp>
+          <p:nvSpPr>
+            <p:cNvPr id="61" name="TextBox 60">
+              <a:extLst>
+                <a:ext uri="{FF2B5EF4-FFF2-40B4-BE49-F238E27FC236}">
+                  <a16:creationId xmlns:a16="http://schemas.microsoft.com/office/drawing/2014/main" id="{62099137-9E48-4475-AA06-9245B80D3A86}"/>
+                </a:ext>
+              </a:extLst>
+            </p:cNvPr>
+            <p:cNvSpPr txBox="1"/>
+            <p:nvPr/>
+          </p:nvSpPr>
+          <p:spPr>
+            <a:xfrm>
+              <a:off x="8423718" y="3805749"/>
+              <a:ext cx="1965731" cy="307777"/>
+            </a:xfrm>
+            <a:prstGeom prst="rect">
+              <a:avLst/>
+            </a:prstGeom>
+            <a:noFill/>
+          </p:spPr>
+          <p:txBody>
+            <a:bodyPr wrap="none" rtlCol="0">
+              <a:spAutoFit/>
+            </a:bodyPr>
+            <a:lstStyle/>
+            <a:p>
+              <a:r>
+                <a:rPr lang="en-US" sz="1400" b="1" dirty="0">
+                  <a:solidFill>
+                    <a:srgbClr val="A6A6A6"/>
+                  </a:solidFill>
+                </a:rPr>
+                <a:t>Update Inventory Agent</a:t>
+              </a:r>
+            </a:p>
+          </p:txBody>
+        </p:sp>
+        <p:sp>
+          <p:nvSpPr>
+            <p:cNvPr id="73" name="Freeform: Shape 72">
+              <a:extLst>
+                <a:ext uri="{FF2B5EF4-FFF2-40B4-BE49-F238E27FC236}">
+                  <a16:creationId xmlns:a16="http://schemas.microsoft.com/office/drawing/2014/main" id="{A0F052C9-81A8-47DB-A875-4B5712301B6C}"/>
+                </a:ext>
+              </a:extLst>
+            </p:cNvPr>
+            <p:cNvSpPr/>
+            <p:nvPr/>
+          </p:nvSpPr>
+          <p:spPr>
+            <a:xfrm>
+              <a:off x="5387789" y="2678267"/>
+              <a:ext cx="6636643" cy="1645909"/>
+            </a:xfrm>
+            <a:custGeom>
+              <a:avLst/>
+              <a:gdLst>
+                <a:gd name="connsiteX0" fmla="*/ 5327815 w 6636643"/>
+                <a:gd name="connsiteY0" fmla="*/ 0 h 1810819"/>
+                <a:gd name="connsiteX1" fmla="*/ 6636643 w 6636643"/>
+                <a:gd name="connsiteY1" fmla="*/ 0 h 1810819"/>
+                <a:gd name="connsiteX2" fmla="*/ 6636643 w 6636643"/>
+                <a:gd name="connsiteY2" fmla="*/ 914525 h 1810819"/>
+                <a:gd name="connsiteX3" fmla="*/ 6636643 w 6636643"/>
+                <a:gd name="connsiteY3" fmla="*/ 1810819 h 1810819"/>
+                <a:gd name="connsiteX4" fmla="*/ 5327815 w 6636643"/>
+                <a:gd name="connsiteY4" fmla="*/ 1810819 h 1810819"/>
+                <a:gd name="connsiteX5" fmla="*/ 0 w 6636643"/>
+                <a:gd name="connsiteY5" fmla="*/ 1810819 h 1810819"/>
+                <a:gd name="connsiteX6" fmla="*/ 0 w 6636643"/>
+                <a:gd name="connsiteY6" fmla="*/ 914525 h 1810819"/>
+                <a:gd name="connsiteX7" fmla="*/ 5327815 w 6636643"/>
+                <a:gd name="connsiteY7" fmla="*/ 914525 h 1810819"/>
+              </a:gdLst>
+              <a:ahLst/>
+              <a:cxnLst>
+                <a:cxn ang="0">
+                  <a:pos x="connsiteX0" y="connsiteY0"/>
+                </a:cxn>
+                <a:cxn ang="0">
+                  <a:pos x="connsiteX1" y="connsiteY1"/>
+                </a:cxn>
+                <a:cxn ang="0">
+                  <a:pos x="connsiteX2" y="connsiteY2"/>
+                </a:cxn>
+                <a:cxn ang="0">
+                  <a:pos x="connsiteX3" y="connsiteY3"/>
+                </a:cxn>
+                <a:cxn ang="0">
+                  <a:pos x="connsiteX4" y="connsiteY4"/>
+                </a:cxn>
+                <a:cxn ang="0">
+                  <a:pos x="connsiteX5" y="connsiteY5"/>
+                </a:cxn>
+                <a:cxn ang="0">
+                  <a:pos x="connsiteX6" y="connsiteY6"/>
+                </a:cxn>
+                <a:cxn ang="0">
+                  <a:pos x="connsiteX7" y="connsiteY7"/>
+                </a:cxn>
+              </a:cxnLst>
+              <a:rect l="l" t="t" r="r" b="b"/>
+              <a:pathLst>
+                <a:path w="6636643" h="1810819">
+                  <a:moveTo>
+                    <a:pt x="5327815" y="0"/>
+                  </a:moveTo>
+                  <a:lnTo>
+                    <a:pt x="6636643" y="0"/>
+                  </a:lnTo>
+                  <a:lnTo>
+                    <a:pt x="6636643" y="914525"/>
+                  </a:lnTo>
+                  <a:lnTo>
+                    <a:pt x="6636643" y="1810819"/>
+                  </a:lnTo>
+                  <a:lnTo>
+                    <a:pt x="5327815" y="1810819"/>
+                  </a:lnTo>
+                  <a:lnTo>
+                    <a:pt x="0" y="1810819"/>
+                  </a:lnTo>
+                  <a:lnTo>
+                    <a:pt x="0" y="914525"/>
+                  </a:lnTo>
+                  <a:lnTo>
+                    <a:pt x="5327815" y="914525"/>
+                  </a:lnTo>
+                  <a:close/>
+                </a:path>
+              </a:pathLst>
+            </a:custGeom>
+            <a:noFill/>
+            <a:ln w="38100">
+              <a:solidFill>
+                <a:schemeClr val="tx1">
+                  <a:lumMod val="65000"/>
+                </a:schemeClr>
+              </a:solidFill>
+              <a:prstDash val="lgDashDot"/>
+            </a:ln>
+          </p:spPr>
+          <p:style>
+            <a:lnRef idx="2">
+              <a:schemeClr val="accent1">
+                <a:shade val="50000"/>
+              </a:schemeClr>
+            </a:lnRef>
+            <a:fillRef idx="1">
+              <a:schemeClr val="accent1"/>
+            </a:fillRef>
+            <a:effectRef idx="0">
+              <a:schemeClr val="accent1"/>
+            </a:effectRef>
+            <a:fontRef idx="minor">
+              <a:schemeClr val="lt1"/>
+            </a:fontRef>
+          </p:style>
+          <p:txBody>
+            <a:bodyPr rtlCol="0" anchor="ctr"/>
+            <a:lstStyle/>
+            <a:p>
+              <a:pPr algn="ctr"/>
+              <a:endParaRPr lang="en-US"/>
+            </a:p>
+          </p:txBody>
+        </p:sp>
+      </p:grpSp>
+      <p:grpSp>
+        <p:nvGrpSpPr>
+          <p:cNvPr id="33" name="Group 32">
+            <a:extLst>
+              <a:ext uri="{FF2B5EF4-FFF2-40B4-BE49-F238E27FC236}">
+                <a16:creationId xmlns:a16="http://schemas.microsoft.com/office/drawing/2014/main" id="{92AE2652-681E-4774-AA01-B39130712295}"/>
+              </a:ext>
+            </a:extLst>
+          </p:cNvPr>
+          <p:cNvGrpSpPr/>
+          <p:nvPr/>
+        </p:nvGrpSpPr>
+        <p:grpSpPr>
+          <a:xfrm>
+            <a:off x="5466079" y="2678267"/>
+            <a:ext cx="6558352" cy="2386825"/>
+            <a:chOff x="5466079" y="2678267"/>
+            <a:chExt cx="6558352" cy="2386825"/>
+          </a:xfrm>
+        </p:grpSpPr>
+        <p:sp>
+          <p:nvSpPr>
+            <p:cNvPr id="62" name="Oval 61">
+              <a:extLst>
+                <a:ext uri="{FF2B5EF4-FFF2-40B4-BE49-F238E27FC236}">
+                  <a16:creationId xmlns:a16="http://schemas.microsoft.com/office/drawing/2014/main" id="{FBA96D9A-E941-49A9-8B17-8B5C34002D9E}"/>
+                </a:ext>
+              </a:extLst>
+            </p:cNvPr>
+            <p:cNvSpPr/>
+            <p:nvPr/>
+          </p:nvSpPr>
+          <p:spPr>
+            <a:xfrm>
+              <a:off x="5672528" y="4487317"/>
+              <a:ext cx="914400" cy="504939"/>
+            </a:xfrm>
+            <a:prstGeom prst="ellipse">
+              <a:avLst/>
+            </a:prstGeom>
+            <a:gradFill flip="none" rotWithShape="1">
+              <a:gsLst>
+                <a:gs pos="0">
+                  <a:schemeClr val="dk1">
+                    <a:lumMod val="67000"/>
+                  </a:schemeClr>
+                </a:gs>
+                <a:gs pos="48000">
+                  <a:schemeClr val="dk1">
+                    <a:lumMod val="97000"/>
+                    <a:lumOff val="3000"/>
+                  </a:schemeClr>
+                </a:gs>
+                <a:gs pos="100000">
+                  <a:schemeClr val="dk1">
+                    <a:lumMod val="60000"/>
+                    <a:lumOff val="40000"/>
+                  </a:schemeClr>
+                </a:gs>
+              </a:gsLst>
+              <a:lin ang="16200000" scaled="1"/>
+              <a:tileRect/>
+            </a:gradFill>
+            <a:ln>
+              <a:noFill/>
+            </a:ln>
+          </p:spPr>
+          <p:style>
+            <a:lnRef idx="0">
+              <a:scrgbClr r="0" g="0" b="0"/>
+            </a:lnRef>
+            <a:fillRef idx="0">
+              <a:scrgbClr r="0" g="0" b="0"/>
+            </a:fillRef>
+            <a:effectRef idx="0">
+              <a:scrgbClr r="0" g="0" b="0"/>
+            </a:effectRef>
+            <a:fontRef idx="minor">
+              <a:schemeClr val="lt1"/>
+            </a:fontRef>
+          </p:style>
+          <p:txBody>
+            <a:bodyPr rtlCol="0" anchor="ctr"/>
+            <a:lstStyle/>
+            <a:p>
+              <a:pPr algn="ctr"/>
+              <a:r>
+                <a:rPr lang="en-US" sz="900" dirty="0"/>
+                <a:t>Container</a:t>
+              </a:r>
+            </a:p>
+            <a:p>
+              <a:pPr algn="ctr"/>
+              <a:r>
+                <a:rPr lang="en-US" sz="900" dirty="0"/>
+                <a:t>Service A3 Config</a:t>
+              </a:r>
+            </a:p>
+          </p:txBody>
+        </p:sp>
+        <p:sp>
+          <p:nvSpPr>
+            <p:cNvPr id="63" name="Oval 62">
+              <a:extLst>
+                <a:ext uri="{FF2B5EF4-FFF2-40B4-BE49-F238E27FC236}">
+                  <a16:creationId xmlns:a16="http://schemas.microsoft.com/office/drawing/2014/main" id="{0AEA4525-8D27-4FC5-995D-F0C83135EAF6}"/>
+                </a:ext>
+              </a:extLst>
+            </p:cNvPr>
+            <p:cNvSpPr/>
+            <p:nvPr/>
+          </p:nvSpPr>
+          <p:spPr>
+            <a:xfrm>
+              <a:off x="6630816" y="4428827"/>
+              <a:ext cx="914400" cy="504939"/>
+            </a:xfrm>
+            <a:prstGeom prst="ellipse">
+              <a:avLst/>
+            </a:prstGeom>
+            <a:gradFill flip="none" rotWithShape="1">
+              <a:gsLst>
+                <a:gs pos="0">
+                  <a:schemeClr val="dk1">
+                    <a:lumMod val="67000"/>
+                  </a:schemeClr>
+                </a:gs>
+                <a:gs pos="48000">
+                  <a:schemeClr val="dk1">
+                    <a:lumMod val="97000"/>
+                    <a:lumOff val="3000"/>
+                  </a:schemeClr>
+                </a:gs>
+                <a:gs pos="100000">
+                  <a:schemeClr val="dk1">
+                    <a:lumMod val="60000"/>
+                    <a:lumOff val="40000"/>
+                  </a:schemeClr>
+                </a:gs>
+              </a:gsLst>
+              <a:lin ang="16200000" scaled="1"/>
+              <a:tileRect/>
+            </a:gradFill>
+            <a:ln>
+              <a:noFill/>
+            </a:ln>
+          </p:spPr>
+          <p:style>
+            <a:lnRef idx="0">
+              <a:scrgbClr r="0" g="0" b="0"/>
+            </a:lnRef>
+            <a:fillRef idx="0">
+              <a:scrgbClr r="0" g="0" b="0"/>
+            </a:fillRef>
+            <a:effectRef idx="0">
+              <a:scrgbClr r="0" g="0" b="0"/>
+            </a:effectRef>
+            <a:fontRef idx="minor">
+              <a:schemeClr val="lt1"/>
+            </a:fontRef>
+          </p:style>
+          <p:txBody>
+            <a:bodyPr rtlCol="0" anchor="ctr"/>
+            <a:lstStyle/>
+            <a:p>
+              <a:pPr algn="ctr"/>
+              <a:r>
+                <a:rPr lang="en-US" sz="900" dirty="0"/>
+                <a:t>Container</a:t>
+              </a:r>
+            </a:p>
+            <a:p>
+              <a:pPr algn="ctr"/>
+              <a:r>
+                <a:rPr lang="en-US" sz="900" dirty="0"/>
+                <a:t>Service A3 App</a:t>
+              </a:r>
+            </a:p>
+          </p:txBody>
+        </p:sp>
+        <p:sp>
+          <p:nvSpPr>
+            <p:cNvPr id="74" name="Oval 73">
+              <a:extLst>
+                <a:ext uri="{FF2B5EF4-FFF2-40B4-BE49-F238E27FC236}">
+                  <a16:creationId xmlns:a16="http://schemas.microsoft.com/office/drawing/2014/main" id="{CDE90F73-EC78-4CFB-A106-F5030F83FB45}"/>
+                </a:ext>
+              </a:extLst>
+            </p:cNvPr>
+            <p:cNvSpPr/>
+            <p:nvPr/>
+          </p:nvSpPr>
+          <p:spPr>
+            <a:xfrm>
+              <a:off x="7367174" y="4499743"/>
+              <a:ext cx="914400" cy="504939"/>
+            </a:xfrm>
+            <a:prstGeom prst="ellipse">
+              <a:avLst/>
+            </a:prstGeom>
+            <a:gradFill flip="none" rotWithShape="1">
+              <a:gsLst>
+                <a:gs pos="0">
+                  <a:schemeClr val="dk1">
+                    <a:lumMod val="67000"/>
+                  </a:schemeClr>
+                </a:gs>
+                <a:gs pos="48000">
+                  <a:schemeClr val="dk1">
+                    <a:lumMod val="97000"/>
+                    <a:lumOff val="3000"/>
+                  </a:schemeClr>
+                </a:gs>
+                <a:gs pos="100000">
+                  <a:schemeClr val="dk1">
+                    <a:lumMod val="60000"/>
+                    <a:lumOff val="40000"/>
+                  </a:schemeClr>
+                </a:gs>
+              </a:gsLst>
+              <a:lin ang="16200000" scaled="1"/>
+              <a:tileRect/>
+            </a:gradFill>
+            <a:ln>
+              <a:noFill/>
+            </a:ln>
+          </p:spPr>
+          <p:style>
+            <a:lnRef idx="0">
+              <a:scrgbClr r="0" g="0" b="0"/>
+            </a:lnRef>
+            <a:fillRef idx="0">
+              <a:scrgbClr r="0" g="0" b="0"/>
+            </a:fillRef>
+            <a:effectRef idx="0">
+              <a:scrgbClr r="0" g="0" b="0"/>
+            </a:effectRef>
+            <a:fontRef idx="minor">
+              <a:schemeClr val="lt1"/>
+            </a:fontRef>
+          </p:style>
+          <p:txBody>
+            <a:bodyPr rtlCol="0" anchor="ctr"/>
+            <a:lstStyle/>
+            <a:p>
+              <a:pPr algn="ctr"/>
+              <a:r>
+                <a:rPr lang="en-US" sz="900" dirty="0"/>
+                <a:t>Container</a:t>
+              </a:r>
+            </a:p>
+            <a:p>
+              <a:pPr algn="ctr"/>
+              <a:r>
+                <a:rPr lang="en-US" sz="900" dirty="0"/>
+                <a:t>Service A3 App</a:t>
+              </a:r>
+            </a:p>
+          </p:txBody>
+        </p:sp>
+        <p:grpSp>
+          <p:nvGrpSpPr>
+            <p:cNvPr id="32" name="Group 31">
+              <a:extLst>
+                <a:ext uri="{FF2B5EF4-FFF2-40B4-BE49-F238E27FC236}">
+                  <a16:creationId xmlns:a16="http://schemas.microsoft.com/office/drawing/2014/main" id="{DABC6D6C-55A4-4535-B5B8-5907D55B46A9}"/>
+                </a:ext>
+              </a:extLst>
+            </p:cNvPr>
+            <p:cNvGrpSpPr/>
+            <p:nvPr/>
+          </p:nvGrpSpPr>
+          <p:grpSpPr>
+            <a:xfrm>
+              <a:off x="5466079" y="2678267"/>
+              <a:ext cx="6558352" cy="2386825"/>
+              <a:chOff x="5466079" y="2678267"/>
+              <a:chExt cx="6558352" cy="2386825"/>
+            </a:xfrm>
+          </p:grpSpPr>
+          <p:sp>
+            <p:nvSpPr>
+              <p:cNvPr id="76" name="Freeform: Shape 75">
+                <a:extLst>
+                  <a:ext uri="{FF2B5EF4-FFF2-40B4-BE49-F238E27FC236}">
+                    <a16:creationId xmlns:a16="http://schemas.microsoft.com/office/drawing/2014/main" id="{72C22EFA-C24B-4F6C-B455-94816C794CAC}"/>
+                  </a:ext>
+                </a:extLst>
+              </p:cNvPr>
+              <p:cNvSpPr/>
+              <p:nvPr/>
+            </p:nvSpPr>
+            <p:spPr>
+              <a:xfrm>
+                <a:off x="5466079" y="2678267"/>
+                <a:ext cx="6558352" cy="2386825"/>
+              </a:xfrm>
+              <a:custGeom>
+                <a:avLst/>
+                <a:gdLst>
+                  <a:gd name="connsiteX0" fmla="*/ 5253670 w 6558352"/>
+                  <a:gd name="connsiteY0" fmla="*/ 0 h 2386825"/>
+                  <a:gd name="connsiteX1" fmla="*/ 6558351 w 6558352"/>
+                  <a:gd name="connsiteY1" fmla="*/ 0 h 2386825"/>
+                  <a:gd name="connsiteX2" fmla="*/ 6558351 w 6558352"/>
+                  <a:gd name="connsiteY2" fmla="*/ 1750560 h 2386825"/>
+                  <a:gd name="connsiteX3" fmla="*/ 6558352 w 6558352"/>
+                  <a:gd name="connsiteY3" fmla="*/ 1750560 h 2386825"/>
+                  <a:gd name="connsiteX4" fmla="*/ 6558352 w 6558352"/>
+                  <a:gd name="connsiteY4" fmla="*/ 2386825 h 2386825"/>
+                  <a:gd name="connsiteX5" fmla="*/ 6558351 w 6558352"/>
+                  <a:gd name="connsiteY5" fmla="*/ 2386825 h 2386825"/>
+                  <a:gd name="connsiteX6" fmla="*/ 5253670 w 6558352"/>
+                  <a:gd name="connsiteY6" fmla="*/ 2386825 h 2386825"/>
+                  <a:gd name="connsiteX7" fmla="*/ 0 w 6558352"/>
+                  <a:gd name="connsiteY7" fmla="*/ 2386825 h 2386825"/>
+                  <a:gd name="connsiteX8" fmla="*/ 0 w 6558352"/>
+                  <a:gd name="connsiteY8" fmla="*/ 1750560 h 2386825"/>
+                  <a:gd name="connsiteX9" fmla="*/ 5253670 w 6558352"/>
+                  <a:gd name="connsiteY9" fmla="*/ 1750560 h 2386825"/>
+                </a:gdLst>
+                <a:ahLst/>
+                <a:cxnLst>
+                  <a:cxn ang="0">
+                    <a:pos x="connsiteX0" y="connsiteY0"/>
+                  </a:cxn>
+                  <a:cxn ang="0">
+                    <a:pos x="connsiteX1" y="connsiteY1"/>
+                  </a:cxn>
+                  <a:cxn ang="0">
+                    <a:pos x="connsiteX2" y="connsiteY2"/>
+                  </a:cxn>
+                  <a:cxn ang="0">
+                    <a:pos x="connsiteX3" y="connsiteY3"/>
+                  </a:cxn>
+                  <a:cxn ang="0">
+                    <a:pos x="connsiteX4" y="connsiteY4"/>
+                  </a:cxn>
+                  <a:cxn ang="0">
+                    <a:pos x="connsiteX5" y="connsiteY5"/>
+                  </a:cxn>
+                  <a:cxn ang="0">
+                    <a:pos x="connsiteX6" y="connsiteY6"/>
+                  </a:cxn>
+                  <a:cxn ang="0">
+                    <a:pos x="connsiteX7" y="connsiteY7"/>
+                  </a:cxn>
+                  <a:cxn ang="0">
+                    <a:pos x="connsiteX8" y="connsiteY8"/>
+                  </a:cxn>
+                  <a:cxn ang="0">
+                    <a:pos x="connsiteX9" y="connsiteY9"/>
+                  </a:cxn>
+                </a:cxnLst>
+                <a:rect l="l" t="t" r="r" b="b"/>
+                <a:pathLst>
+                  <a:path w="6558352" h="2386825">
+                    <a:moveTo>
+                      <a:pt x="5253670" y="0"/>
+                    </a:moveTo>
+                    <a:lnTo>
+                      <a:pt x="6558351" y="0"/>
+                    </a:lnTo>
+                    <a:lnTo>
+                      <a:pt x="6558351" y="1750560"/>
+                    </a:lnTo>
+                    <a:lnTo>
+                      <a:pt x="6558352" y="1750560"/>
+                    </a:lnTo>
+                    <a:lnTo>
+                      <a:pt x="6558352" y="2386825"/>
+                    </a:lnTo>
+                    <a:lnTo>
+                      <a:pt x="6558351" y="2386825"/>
+                    </a:lnTo>
+                    <a:lnTo>
+                      <a:pt x="5253670" y="2386825"/>
+                    </a:lnTo>
+                    <a:lnTo>
+                      <a:pt x="0" y="2386825"/>
+                    </a:lnTo>
+                    <a:lnTo>
+                      <a:pt x="0" y="1750560"/>
+                    </a:lnTo>
+                    <a:lnTo>
+                      <a:pt x="5253670" y="1750560"/>
+                    </a:lnTo>
+                    <a:close/>
+                  </a:path>
+                </a:pathLst>
+              </a:custGeom>
+              <a:noFill/>
+              <a:ln w="38100">
+                <a:solidFill>
+                  <a:schemeClr val="bg1">
+                    <a:lumMod val="50000"/>
+                    <a:lumOff val="50000"/>
+                  </a:schemeClr>
+                </a:solidFill>
+                <a:prstDash val="lgDashDot"/>
+              </a:ln>
+            </p:spPr>
+            <p:style>
+              <a:lnRef idx="2">
+                <a:schemeClr val="accent1">
+                  <a:shade val="50000"/>
+                </a:schemeClr>
+              </a:lnRef>
+              <a:fillRef idx="1">
+                <a:schemeClr val="accent1"/>
+              </a:fillRef>
+              <a:effectRef idx="0">
+                <a:schemeClr val="accent1"/>
+              </a:effectRef>
+              <a:fontRef idx="minor">
+                <a:schemeClr val="lt1"/>
+              </a:fontRef>
+            </p:style>
+            <p:txBody>
+              <a:bodyPr rtlCol="0" anchor="ctr"/>
+              <a:lstStyle/>
+              <a:p>
+                <a:pPr algn="ctr"/>
+                <a:endParaRPr lang="en-US"/>
+              </a:p>
+            </p:txBody>
+          </p:sp>
+          <p:sp>
+            <p:nvSpPr>
+              <p:cNvPr id="77" name="TextBox 76">
+                <a:extLst>
+                  <a:ext uri="{FF2B5EF4-FFF2-40B4-BE49-F238E27FC236}">
+                    <a16:creationId xmlns:a16="http://schemas.microsoft.com/office/drawing/2014/main" id="{227D7017-B55D-4F99-911F-D6951341ACE2}"/>
+                  </a:ext>
+                </a:extLst>
+              </p:cNvPr>
+              <p:cNvSpPr txBox="1"/>
+              <p:nvPr/>
+            </p:nvSpPr>
+            <p:spPr>
+              <a:xfrm>
+                <a:off x="8548536" y="4569770"/>
+                <a:ext cx="1822871" cy="307777"/>
+              </a:xfrm>
+              <a:prstGeom prst="rect">
+                <a:avLst/>
+              </a:prstGeom>
+              <a:noFill/>
+            </p:spPr>
+            <p:txBody>
+              <a:bodyPr wrap="none" rtlCol="0">
+                <a:spAutoFit/>
+              </a:bodyPr>
+              <a:lstStyle/>
+              <a:p>
+                <a:r>
+                  <a:rPr lang="en-US" sz="1400" b="1" dirty="0">
+                    <a:solidFill>
+                      <a:srgbClr val="7F7F7F"/>
+                    </a:solidFill>
+                  </a:rPr>
+                  <a:t>Reserve Order Service</a:t>
+                </a:r>
+              </a:p>
+            </p:txBody>
+          </p:sp>
+        </p:grpSp>
+      </p:grpSp>
+      <p:grpSp>
+        <p:nvGrpSpPr>
+          <p:cNvPr id="87" name="Group 86">
+            <a:extLst>
+              <a:ext uri="{FF2B5EF4-FFF2-40B4-BE49-F238E27FC236}">
+                <a16:creationId xmlns:a16="http://schemas.microsoft.com/office/drawing/2014/main" id="{FBD032AC-AC4E-4288-9FE6-619DE52E1ABD}"/>
+              </a:ext>
+            </a:extLst>
+          </p:cNvPr>
+          <p:cNvGrpSpPr/>
+          <p:nvPr/>
+        </p:nvGrpSpPr>
+        <p:grpSpPr>
+          <a:xfrm>
+            <a:off x="5387788" y="2678268"/>
+            <a:ext cx="6636643" cy="3114069"/>
+            <a:chOff x="5387788" y="2678268"/>
+            <a:chExt cx="6636643" cy="3114069"/>
           </a:xfrm>
         </p:grpSpPr>
         <p:sp>
@@ -32544,7 +34537,7 @@
           </p:nvSpPr>
           <p:spPr>
             <a:xfrm>
-              <a:off x="8632352" y="4700417"/>
+              <a:off x="5525461" y="5200036"/>
               <a:ext cx="914400" cy="504939"/>
             </a:xfrm>
             <a:prstGeom prst="ellipse">
@@ -32624,7 +34617,7 @@
           </p:nvSpPr>
           <p:spPr>
             <a:xfrm>
-              <a:off x="9506975" y="4416038"/>
+              <a:off x="6527469" y="5182425"/>
               <a:ext cx="914400" cy="504939"/>
             </a:xfrm>
             <a:prstGeom prst="ellipse">
@@ -32690,6 +34683,215 @@
             </a:p>
           </p:txBody>
         </p:sp>
+        <p:grpSp>
+          <p:nvGrpSpPr>
+            <p:cNvPr id="36" name="Group 35">
+              <a:extLst>
+                <a:ext uri="{FF2B5EF4-FFF2-40B4-BE49-F238E27FC236}">
+                  <a16:creationId xmlns:a16="http://schemas.microsoft.com/office/drawing/2014/main" id="{176B4A78-5D2F-45D7-B018-D08DA0E7DEA2}"/>
+                </a:ext>
+              </a:extLst>
+            </p:cNvPr>
+            <p:cNvGrpSpPr/>
+            <p:nvPr/>
+          </p:nvGrpSpPr>
+          <p:grpSpPr>
+            <a:xfrm>
+              <a:off x="5387788" y="2678268"/>
+              <a:ext cx="6636643" cy="3114069"/>
+              <a:chOff x="5387788" y="2678268"/>
+              <a:chExt cx="6636643" cy="3114069"/>
+            </a:xfrm>
+          </p:grpSpPr>
+          <p:sp>
+            <p:nvSpPr>
+              <p:cNvPr id="64" name="TextBox 63">
+                <a:extLst>
+                  <a:ext uri="{FF2B5EF4-FFF2-40B4-BE49-F238E27FC236}">
+                    <a16:creationId xmlns:a16="http://schemas.microsoft.com/office/drawing/2014/main" id="{0C71E449-68E5-4059-BC8C-DC2DBFC9D037}"/>
+                  </a:ext>
+                </a:extLst>
+              </p:cNvPr>
+              <p:cNvSpPr txBox="1"/>
+              <p:nvPr/>
+            </p:nvSpPr>
+            <p:spPr>
+              <a:xfrm>
+                <a:off x="8176064" y="5318621"/>
+                <a:ext cx="2283189" cy="307777"/>
+              </a:xfrm>
+              <a:prstGeom prst="rect">
+                <a:avLst/>
+              </a:prstGeom>
+              <a:noFill/>
+            </p:spPr>
+            <p:txBody>
+              <a:bodyPr wrap="none" rtlCol="0">
+                <a:spAutoFit/>
+              </a:bodyPr>
+              <a:lstStyle/>
+              <a:p>
+                <a:r>
+                  <a:rPr lang="en-US" sz="1400" b="1" dirty="0">
+                    <a:solidFill>
+                      <a:srgbClr val="D6644A"/>
+                    </a:solidFill>
+                  </a:rPr>
+                  <a:t>Update Order Status Service</a:t>
+                </a:r>
+              </a:p>
+            </p:txBody>
+          </p:sp>
+          <p:sp>
+            <p:nvSpPr>
+              <p:cNvPr id="86" name="Freeform: Shape 85">
+                <a:extLst>
+                  <a:ext uri="{FF2B5EF4-FFF2-40B4-BE49-F238E27FC236}">
+                    <a16:creationId xmlns:a16="http://schemas.microsoft.com/office/drawing/2014/main" id="{9DC9AC71-89D5-4810-8A36-72F967129662}"/>
+                  </a:ext>
+                </a:extLst>
+              </p:cNvPr>
+              <p:cNvSpPr/>
+              <p:nvPr/>
+            </p:nvSpPr>
+            <p:spPr>
+              <a:xfrm>
+                <a:off x="5387788" y="2678268"/>
+                <a:ext cx="6636643" cy="3114069"/>
+              </a:xfrm>
+              <a:custGeom>
+                <a:avLst/>
+                <a:gdLst>
+                  <a:gd name="connsiteX0" fmla="*/ 5350097 w 6636643"/>
+                  <a:gd name="connsiteY0" fmla="*/ 0 h 3114069"/>
+                  <a:gd name="connsiteX1" fmla="*/ 6636643 w 6636643"/>
+                  <a:gd name="connsiteY1" fmla="*/ 0 h 3114069"/>
+                  <a:gd name="connsiteX2" fmla="*/ 6636643 w 6636643"/>
+                  <a:gd name="connsiteY2" fmla="*/ 2473790 h 3114069"/>
+                  <a:gd name="connsiteX3" fmla="*/ 6636643 w 6636643"/>
+                  <a:gd name="connsiteY3" fmla="*/ 3114069 h 3114069"/>
+                  <a:gd name="connsiteX4" fmla="*/ 5350097 w 6636643"/>
+                  <a:gd name="connsiteY4" fmla="*/ 3114069 h 3114069"/>
+                  <a:gd name="connsiteX5" fmla="*/ 0 w 6636643"/>
+                  <a:gd name="connsiteY5" fmla="*/ 3114069 h 3114069"/>
+                  <a:gd name="connsiteX6" fmla="*/ 0 w 6636643"/>
+                  <a:gd name="connsiteY6" fmla="*/ 2473790 h 3114069"/>
+                  <a:gd name="connsiteX7" fmla="*/ 5350097 w 6636643"/>
+                  <a:gd name="connsiteY7" fmla="*/ 2473790 h 3114069"/>
+                </a:gdLst>
+                <a:ahLst/>
+                <a:cxnLst>
+                  <a:cxn ang="0">
+                    <a:pos x="connsiteX0" y="connsiteY0"/>
+                  </a:cxn>
+                  <a:cxn ang="0">
+                    <a:pos x="connsiteX1" y="connsiteY1"/>
+                  </a:cxn>
+                  <a:cxn ang="0">
+                    <a:pos x="connsiteX2" y="connsiteY2"/>
+                  </a:cxn>
+                  <a:cxn ang="0">
+                    <a:pos x="connsiteX3" y="connsiteY3"/>
+                  </a:cxn>
+                  <a:cxn ang="0">
+                    <a:pos x="connsiteX4" y="connsiteY4"/>
+                  </a:cxn>
+                  <a:cxn ang="0">
+                    <a:pos x="connsiteX5" y="connsiteY5"/>
+                  </a:cxn>
+                  <a:cxn ang="0">
+                    <a:pos x="connsiteX6" y="connsiteY6"/>
+                  </a:cxn>
+                  <a:cxn ang="0">
+                    <a:pos x="connsiteX7" y="connsiteY7"/>
+                  </a:cxn>
+                </a:cxnLst>
+                <a:rect l="l" t="t" r="r" b="b"/>
+                <a:pathLst>
+                  <a:path w="6636643" h="3114069">
+                    <a:moveTo>
+                      <a:pt x="5350097" y="0"/>
+                    </a:moveTo>
+                    <a:lnTo>
+                      <a:pt x="6636643" y="0"/>
+                    </a:lnTo>
+                    <a:lnTo>
+                      <a:pt x="6636643" y="2473790"/>
+                    </a:lnTo>
+                    <a:lnTo>
+                      <a:pt x="6636643" y="3114069"/>
+                    </a:lnTo>
+                    <a:lnTo>
+                      <a:pt x="5350097" y="3114069"/>
+                    </a:lnTo>
+                    <a:lnTo>
+                      <a:pt x="0" y="3114069"/>
+                    </a:lnTo>
+                    <a:lnTo>
+                      <a:pt x="0" y="2473790"/>
+                    </a:lnTo>
+                    <a:lnTo>
+                      <a:pt x="5350097" y="2473790"/>
+                    </a:lnTo>
+                    <a:close/>
+                  </a:path>
+                </a:pathLst>
+              </a:custGeom>
+              <a:noFill/>
+              <a:ln w="38100">
+                <a:solidFill>
+                  <a:srgbClr val="D6644A"/>
+                </a:solidFill>
+                <a:prstDash val="lgDashDot"/>
+              </a:ln>
+            </p:spPr>
+            <p:style>
+              <a:lnRef idx="2">
+                <a:schemeClr val="accent1">
+                  <a:shade val="50000"/>
+                </a:schemeClr>
+              </a:lnRef>
+              <a:fillRef idx="1">
+                <a:schemeClr val="accent1"/>
+              </a:fillRef>
+              <a:effectRef idx="0">
+                <a:schemeClr val="accent1"/>
+              </a:effectRef>
+              <a:fontRef idx="minor">
+                <a:schemeClr val="lt1"/>
+              </a:fontRef>
+            </p:style>
+            <p:txBody>
+              <a:bodyPr rtlCol="0" anchor="ctr"/>
+              <a:lstStyle/>
+              <a:p>
+                <a:pPr algn="ctr"/>
+                <a:endParaRPr lang="en-US"/>
+              </a:p>
+            </p:txBody>
+          </p:sp>
+        </p:grpSp>
+      </p:grpSp>
+      <p:grpSp>
+        <p:nvGrpSpPr>
+          <p:cNvPr id="94" name="Group 93">
+            <a:extLst>
+              <a:ext uri="{FF2B5EF4-FFF2-40B4-BE49-F238E27FC236}">
+                <a16:creationId xmlns:a16="http://schemas.microsoft.com/office/drawing/2014/main" id="{B044E161-B825-4D37-AB96-3B1A90146475}"/>
+              </a:ext>
+            </a:extLst>
+          </p:cNvPr>
+          <p:cNvGrpSpPr/>
+          <p:nvPr/>
+        </p:nvGrpSpPr>
+        <p:grpSpPr>
+          <a:xfrm>
+            <a:off x="5466079" y="2678266"/>
+            <a:ext cx="6558352" cy="3989793"/>
+            <a:chOff x="5466079" y="2678266"/>
+            <a:chExt cx="6558352" cy="3989793"/>
+          </a:xfrm>
+        </p:grpSpPr>
         <p:sp>
           <p:nvSpPr>
             <p:cNvPr id="53" name="Oval 52">
@@ -32704,7 +34906,7 @@
           </p:nvSpPr>
           <p:spPr>
             <a:xfrm>
-              <a:off x="9482575" y="5060872"/>
+              <a:off x="5557862" y="5944902"/>
               <a:ext cx="914400" cy="504939"/>
             </a:xfrm>
             <a:prstGeom prst="ellipse">
@@ -32765,17 +34967,257 @@
               <a:pPr algn="ctr"/>
               <a:r>
                 <a:rPr lang="en-US" sz="900" dirty="0"/>
-                <a:t>Service B1 Agent</a:t>
+                <a:t>Service B2 Config</a:t>
               </a:r>
             </a:p>
           </p:txBody>
         </p:sp>
         <p:sp>
           <p:nvSpPr>
-            <p:cNvPr id="56" name="TextBox 55">
+            <p:cNvPr id="79" name="Oval 78">
               <a:extLst>
                 <a:ext uri="{FF2B5EF4-FFF2-40B4-BE49-F238E27FC236}">
-                  <a16:creationId xmlns:a16="http://schemas.microsoft.com/office/drawing/2014/main" id="{C72D7292-D2F9-4D63-84BA-3520DA887065}"/>
+                  <a16:creationId xmlns:a16="http://schemas.microsoft.com/office/drawing/2014/main" id="{3994A8E5-4378-4621-B6DE-C8CFD7B50A47}"/>
+                </a:ext>
+              </a:extLst>
+            </p:cNvPr>
+            <p:cNvSpPr/>
+            <p:nvPr/>
+          </p:nvSpPr>
+          <p:spPr>
+            <a:xfrm>
+              <a:off x="6508323" y="5871391"/>
+              <a:ext cx="914400" cy="504939"/>
+            </a:xfrm>
+            <a:prstGeom prst="ellipse">
+              <a:avLst/>
+            </a:prstGeom>
+            <a:gradFill flip="none" rotWithShape="1">
+              <a:gsLst>
+                <a:gs pos="0">
+                  <a:schemeClr val="accent5">
+                    <a:lumMod val="67000"/>
+                  </a:schemeClr>
+                </a:gs>
+                <a:gs pos="48000">
+                  <a:schemeClr val="accent5">
+                    <a:lumMod val="97000"/>
+                    <a:lumOff val="3000"/>
+                  </a:schemeClr>
+                </a:gs>
+                <a:gs pos="100000">
+                  <a:schemeClr val="accent5">
+                    <a:lumMod val="60000"/>
+                    <a:lumOff val="40000"/>
+                  </a:schemeClr>
+                </a:gs>
+              </a:gsLst>
+              <a:lin ang="16200000" scaled="1"/>
+              <a:tileRect/>
+            </a:gradFill>
+            <a:ln>
+              <a:noFill/>
+            </a:ln>
+          </p:spPr>
+          <p:style>
+            <a:lnRef idx="0">
+              <a:scrgbClr r="0" g="0" b="0"/>
+            </a:lnRef>
+            <a:fillRef idx="0">
+              <a:scrgbClr r="0" g="0" b="0"/>
+            </a:fillRef>
+            <a:effectRef idx="0">
+              <a:scrgbClr r="0" g="0" b="0"/>
+            </a:effectRef>
+            <a:fontRef idx="minor">
+              <a:schemeClr val="lt1"/>
+            </a:fontRef>
+          </p:style>
+          <p:txBody>
+            <a:bodyPr rtlCol="0" anchor="ctr"/>
+            <a:lstStyle/>
+            <a:p>
+              <a:pPr algn="ctr"/>
+              <a:r>
+                <a:rPr lang="en-US" sz="900" dirty="0"/>
+                <a:t>Container</a:t>
+              </a:r>
+            </a:p>
+            <a:p>
+              <a:pPr algn="ctr"/>
+              <a:r>
+                <a:rPr lang="en-US" sz="900" dirty="0"/>
+                <a:t>Service B2 Agent</a:t>
+              </a:r>
+            </a:p>
+          </p:txBody>
+        </p:sp>
+        <p:sp>
+          <p:nvSpPr>
+            <p:cNvPr id="88" name="Oval 87">
+              <a:extLst>
+                <a:ext uri="{FF2B5EF4-FFF2-40B4-BE49-F238E27FC236}">
+                  <a16:creationId xmlns:a16="http://schemas.microsoft.com/office/drawing/2014/main" id="{4B1517BF-3929-44F6-AA1B-C29FF120E332}"/>
+                </a:ext>
+              </a:extLst>
+            </p:cNvPr>
+            <p:cNvSpPr/>
+            <p:nvPr/>
+          </p:nvSpPr>
+          <p:spPr>
+            <a:xfrm>
+              <a:off x="7173540" y="5976912"/>
+              <a:ext cx="914400" cy="504939"/>
+            </a:xfrm>
+            <a:prstGeom prst="ellipse">
+              <a:avLst/>
+            </a:prstGeom>
+            <a:gradFill flip="none" rotWithShape="1">
+              <a:gsLst>
+                <a:gs pos="0">
+                  <a:schemeClr val="accent5">
+                    <a:lumMod val="67000"/>
+                  </a:schemeClr>
+                </a:gs>
+                <a:gs pos="48000">
+                  <a:schemeClr val="accent5">
+                    <a:lumMod val="97000"/>
+                    <a:lumOff val="3000"/>
+                  </a:schemeClr>
+                </a:gs>
+                <a:gs pos="100000">
+                  <a:schemeClr val="accent5">
+                    <a:lumMod val="60000"/>
+                    <a:lumOff val="40000"/>
+                  </a:schemeClr>
+                </a:gs>
+              </a:gsLst>
+              <a:lin ang="16200000" scaled="1"/>
+              <a:tileRect/>
+            </a:gradFill>
+            <a:ln>
+              <a:noFill/>
+            </a:ln>
+          </p:spPr>
+          <p:style>
+            <a:lnRef idx="0">
+              <a:scrgbClr r="0" g="0" b="0"/>
+            </a:lnRef>
+            <a:fillRef idx="0">
+              <a:scrgbClr r="0" g="0" b="0"/>
+            </a:fillRef>
+            <a:effectRef idx="0">
+              <a:scrgbClr r="0" g="0" b="0"/>
+            </a:effectRef>
+            <a:fontRef idx="minor">
+              <a:schemeClr val="lt1"/>
+            </a:fontRef>
+          </p:style>
+          <p:txBody>
+            <a:bodyPr rtlCol="0" anchor="ctr"/>
+            <a:lstStyle/>
+            <a:p>
+              <a:pPr algn="ctr"/>
+              <a:r>
+                <a:rPr lang="en-US" sz="900" dirty="0"/>
+                <a:t>Container</a:t>
+              </a:r>
+            </a:p>
+            <a:p>
+              <a:pPr algn="ctr"/>
+              <a:r>
+                <a:rPr lang="en-US" sz="900" dirty="0"/>
+                <a:t>Service B2 Agent</a:t>
+              </a:r>
+            </a:p>
+          </p:txBody>
+        </p:sp>
+        <p:sp>
+          <p:nvSpPr>
+            <p:cNvPr id="89" name="Oval 88">
+              <a:extLst>
+                <a:ext uri="{FF2B5EF4-FFF2-40B4-BE49-F238E27FC236}">
+                  <a16:creationId xmlns:a16="http://schemas.microsoft.com/office/drawing/2014/main" id="{BFE9F3BD-BF34-4092-A4C4-CA649D4DFED8}"/>
+                </a:ext>
+              </a:extLst>
+            </p:cNvPr>
+            <p:cNvSpPr/>
+            <p:nvPr/>
+          </p:nvSpPr>
+          <p:spPr>
+            <a:xfrm>
+              <a:off x="7811351" y="6063596"/>
+              <a:ext cx="914400" cy="504939"/>
+            </a:xfrm>
+            <a:prstGeom prst="ellipse">
+              <a:avLst/>
+            </a:prstGeom>
+            <a:gradFill flip="none" rotWithShape="1">
+              <a:gsLst>
+                <a:gs pos="0">
+                  <a:schemeClr val="accent5">
+                    <a:lumMod val="67000"/>
+                  </a:schemeClr>
+                </a:gs>
+                <a:gs pos="48000">
+                  <a:schemeClr val="accent5">
+                    <a:lumMod val="97000"/>
+                    <a:lumOff val="3000"/>
+                  </a:schemeClr>
+                </a:gs>
+                <a:gs pos="100000">
+                  <a:schemeClr val="accent5">
+                    <a:lumMod val="60000"/>
+                    <a:lumOff val="40000"/>
+                  </a:schemeClr>
+                </a:gs>
+              </a:gsLst>
+              <a:lin ang="16200000" scaled="1"/>
+              <a:tileRect/>
+            </a:gradFill>
+            <a:ln>
+              <a:noFill/>
+            </a:ln>
+          </p:spPr>
+          <p:style>
+            <a:lnRef idx="0">
+              <a:scrgbClr r="0" g="0" b="0"/>
+            </a:lnRef>
+            <a:fillRef idx="0">
+              <a:scrgbClr r="0" g="0" b="0"/>
+            </a:fillRef>
+            <a:effectRef idx="0">
+              <a:scrgbClr r="0" g="0" b="0"/>
+            </a:effectRef>
+            <a:fontRef idx="minor">
+              <a:schemeClr val="lt1"/>
+            </a:fontRef>
+          </p:style>
+          <p:txBody>
+            <a:bodyPr rtlCol="0" anchor="ctr"/>
+            <a:lstStyle/>
+            <a:p>
+              <a:pPr algn="ctr"/>
+              <a:r>
+                <a:rPr lang="en-US" sz="900" dirty="0"/>
+                <a:t>Container</a:t>
+              </a:r>
+            </a:p>
+            <a:p>
+              <a:pPr algn="ctr"/>
+              <a:r>
+                <a:rPr lang="en-US" sz="900" dirty="0"/>
+                <a:t>Service B2 Agent</a:t>
+              </a:r>
+            </a:p>
+          </p:txBody>
+        </p:sp>
+        <p:sp>
+          <p:nvSpPr>
+            <p:cNvPr id="90" name="TextBox 89">
+              <a:extLst>
+                <a:ext uri="{FF2B5EF4-FFF2-40B4-BE49-F238E27FC236}">
+                  <a16:creationId xmlns:a16="http://schemas.microsoft.com/office/drawing/2014/main" id="{7410DBED-EC94-4A80-A453-65FDB2F9D5D0}"/>
                 </a:ext>
               </a:extLst>
             </p:cNvPr>
@@ -32784,8 +35226,8 @@
           </p:nvSpPr>
           <p:spPr>
             <a:xfrm>
-              <a:off x="8709663" y="4076481"/>
-              <a:ext cx="1309013" cy="307777"/>
+              <a:off x="8838861" y="6075492"/>
+              <a:ext cx="1810752" cy="307777"/>
             </a:xfrm>
             <a:prstGeom prst="rect">
               <a:avLst/>
@@ -32801,24 +35243,152 @@
               <a:r>
                 <a:rPr lang="en-US" sz="1400" b="1" dirty="0">
                   <a:solidFill>
-                    <a:schemeClr val="accent5">
-                      <a:lumMod val="40000"/>
-                      <a:lumOff val="60000"/>
-                    </a:schemeClr>
+                    <a:srgbClr val="D6644A"/>
                   </a:solidFill>
                 </a:rPr>
-                <a:t>Svc B Run Time</a:t>
+                <a:t>Schedule Order Agent</a:t>
               </a:r>
+            </a:p>
+          </p:txBody>
+        </p:sp>
+        <p:sp>
+          <p:nvSpPr>
+            <p:cNvPr id="93" name="Freeform: Shape 92">
+              <a:extLst>
+                <a:ext uri="{FF2B5EF4-FFF2-40B4-BE49-F238E27FC236}">
+                  <a16:creationId xmlns:a16="http://schemas.microsoft.com/office/drawing/2014/main" id="{BD705519-9C29-454F-8F06-81019505B777}"/>
+                </a:ext>
+              </a:extLst>
+            </p:cNvPr>
+            <p:cNvSpPr/>
+            <p:nvPr/>
+          </p:nvSpPr>
+          <p:spPr>
+            <a:xfrm>
+              <a:off x="5466079" y="2678266"/>
+              <a:ext cx="6558352" cy="3989793"/>
+            </a:xfrm>
+            <a:custGeom>
+              <a:avLst/>
+              <a:gdLst>
+                <a:gd name="connsiteX0" fmla="*/ 5286480 w 6558352"/>
+                <a:gd name="connsiteY0" fmla="*/ 0 h 3989793"/>
+                <a:gd name="connsiteX1" fmla="*/ 6558352 w 6558352"/>
+                <a:gd name="connsiteY1" fmla="*/ 0 h 3989793"/>
+                <a:gd name="connsiteX2" fmla="*/ 6558352 w 6558352"/>
+                <a:gd name="connsiteY2" fmla="*/ 3193125 h 3989793"/>
+                <a:gd name="connsiteX3" fmla="*/ 6558352 w 6558352"/>
+                <a:gd name="connsiteY3" fmla="*/ 3989793 h 3989793"/>
+                <a:gd name="connsiteX4" fmla="*/ 5286480 w 6558352"/>
+                <a:gd name="connsiteY4" fmla="*/ 3989793 h 3989793"/>
+                <a:gd name="connsiteX5" fmla="*/ 0 w 6558352"/>
+                <a:gd name="connsiteY5" fmla="*/ 3989793 h 3989793"/>
+                <a:gd name="connsiteX6" fmla="*/ 0 w 6558352"/>
+                <a:gd name="connsiteY6" fmla="*/ 3193125 h 3989793"/>
+                <a:gd name="connsiteX7" fmla="*/ 5286480 w 6558352"/>
+                <a:gd name="connsiteY7" fmla="*/ 3193125 h 3989793"/>
+              </a:gdLst>
+              <a:ahLst/>
+              <a:cxnLst>
+                <a:cxn ang="0">
+                  <a:pos x="connsiteX0" y="connsiteY0"/>
+                </a:cxn>
+                <a:cxn ang="0">
+                  <a:pos x="connsiteX1" y="connsiteY1"/>
+                </a:cxn>
+                <a:cxn ang="0">
+                  <a:pos x="connsiteX2" y="connsiteY2"/>
+                </a:cxn>
+                <a:cxn ang="0">
+                  <a:pos x="connsiteX3" y="connsiteY3"/>
+                </a:cxn>
+                <a:cxn ang="0">
+                  <a:pos x="connsiteX4" y="connsiteY4"/>
+                </a:cxn>
+                <a:cxn ang="0">
+                  <a:pos x="connsiteX5" y="connsiteY5"/>
+                </a:cxn>
+                <a:cxn ang="0">
+                  <a:pos x="connsiteX6" y="connsiteY6"/>
+                </a:cxn>
+                <a:cxn ang="0">
+                  <a:pos x="connsiteX7" y="connsiteY7"/>
+                </a:cxn>
+              </a:cxnLst>
+              <a:rect l="l" t="t" r="r" b="b"/>
+              <a:pathLst>
+                <a:path w="6558352" h="3989793">
+                  <a:moveTo>
+                    <a:pt x="5286480" y="0"/>
+                  </a:moveTo>
+                  <a:lnTo>
+                    <a:pt x="6558352" y="0"/>
+                  </a:lnTo>
+                  <a:lnTo>
+                    <a:pt x="6558352" y="3193125"/>
+                  </a:lnTo>
+                  <a:lnTo>
+                    <a:pt x="6558352" y="3989793"/>
+                  </a:lnTo>
+                  <a:lnTo>
+                    <a:pt x="5286480" y="3989793"/>
+                  </a:lnTo>
+                  <a:lnTo>
+                    <a:pt x="0" y="3989793"/>
+                  </a:lnTo>
+                  <a:lnTo>
+                    <a:pt x="0" y="3193125"/>
+                  </a:lnTo>
+                  <a:lnTo>
+                    <a:pt x="5286480" y="3193125"/>
+                  </a:lnTo>
+                  <a:close/>
+                </a:path>
+              </a:pathLst>
+            </a:custGeom>
+            <a:noFill/>
+            <a:ln w="38100">
+              <a:solidFill>
+                <a:schemeClr val="accent5">
+                  <a:lumMod val="40000"/>
+                  <a:lumOff val="60000"/>
+                </a:schemeClr>
+              </a:solidFill>
+              <a:prstDash val="lgDashDot"/>
+            </a:ln>
+          </p:spPr>
+          <p:style>
+            <a:lnRef idx="2">
+              <a:schemeClr val="accent1">
+                <a:shade val="50000"/>
+              </a:schemeClr>
+            </a:lnRef>
+            <a:fillRef idx="1">
+              <a:schemeClr val="accent1"/>
+            </a:fillRef>
+            <a:effectRef idx="0">
+              <a:schemeClr val="accent1"/>
+            </a:effectRef>
+            <a:fontRef idx="minor">
+              <a:schemeClr val="lt1"/>
+            </a:fontRef>
+          </p:style>
+          <p:txBody>
+            <a:bodyPr rtlCol="0" anchor="ctr"/>
+            <a:lstStyle/>
+            <a:p>
+              <a:pPr algn="ctr"/>
+              <a:endParaRPr lang="en-US"/>
             </a:p>
           </p:txBody>
         </p:sp>
       </p:grpSp>
       <p:sp>
         <p:nvSpPr>
-          <p:cNvPr id="37" name="Rectangle: Rounded Corners 36">
+          <p:cNvPr id="45" name="Rectangle: Top Corners One Rounded and One Snipped 44">
             <a:extLst>
               <a:ext uri="{FF2B5EF4-FFF2-40B4-BE49-F238E27FC236}">
-                <a16:creationId xmlns:a16="http://schemas.microsoft.com/office/drawing/2014/main" id="{3D7A8899-CA19-42C0-B751-1EBF8FC43DB8}"/>
+                <a16:creationId xmlns:a16="http://schemas.microsoft.com/office/drawing/2014/main" id="{1FA02430-74C9-42CD-979B-269B46A12438}"/>
               </a:ext>
             </a:extLst>
           </p:cNvPr>
@@ -32827,1091 +35397,12 @@
         </p:nvSpPr>
         <p:spPr>
           <a:xfrm>
-            <a:off x="2313965" y="3007213"/>
-            <a:ext cx="1027032" cy="336626"/>
-          </a:xfrm>
-          <a:prstGeom prst="roundRect">
-            <a:avLst/>
-          </a:prstGeom>
-          <a:gradFill flip="none" rotWithShape="1">
-            <a:gsLst>
-              <a:gs pos="0">
-                <a:schemeClr val="accent5">
-                  <a:lumMod val="67000"/>
-                </a:schemeClr>
-              </a:gs>
-              <a:gs pos="48000">
-                <a:schemeClr val="accent5">
-                  <a:lumMod val="97000"/>
-                  <a:lumOff val="3000"/>
-                </a:schemeClr>
-              </a:gs>
-              <a:gs pos="100000">
-                <a:schemeClr val="accent5">
-                  <a:lumMod val="60000"/>
-                  <a:lumOff val="40000"/>
-                </a:schemeClr>
-              </a:gs>
-            </a:gsLst>
-            <a:lin ang="16200000" scaled="1"/>
-            <a:tileRect/>
-          </a:gradFill>
-          <a:ln>
-            <a:noFill/>
-          </a:ln>
-        </p:spPr>
-        <p:style>
-          <a:lnRef idx="0">
-            <a:scrgbClr r="0" g="0" b="0"/>
-          </a:lnRef>
-          <a:fillRef idx="0">
-            <a:scrgbClr r="0" g="0" b="0"/>
-          </a:fillRef>
-          <a:effectRef idx="0">
-            <a:scrgbClr r="0" g="0" b="0"/>
-          </a:effectRef>
-          <a:fontRef idx="minor">
-            <a:schemeClr val="lt1"/>
-          </a:fontRef>
-        </p:style>
-        <p:txBody>
-          <a:bodyPr rtlCol="0" anchor="ctr"/>
-          <a:lstStyle/>
-          <a:p>
-            <a:pPr algn="ctr"/>
-            <a:r>
-              <a:rPr lang="en-US" sz="900" dirty="0"/>
-              <a:t>Image</a:t>
-            </a:r>
-          </a:p>
-          <a:p>
-            <a:pPr algn="ctr"/>
-            <a:r>
-              <a:rPr lang="en-US" sz="900" dirty="0"/>
-              <a:t>Service B Agent</a:t>
-            </a:r>
-          </a:p>
-        </p:txBody>
-      </p:sp>
-      <p:sp>
-        <p:nvSpPr>
-          <p:cNvPr id="39" name="Rectangle: Rounded Corners 38">
-            <a:extLst>
-              <a:ext uri="{FF2B5EF4-FFF2-40B4-BE49-F238E27FC236}">
-                <a16:creationId xmlns:a16="http://schemas.microsoft.com/office/drawing/2014/main" id="{3110D8A0-66A3-4EDF-86DC-45B2A662ED72}"/>
-              </a:ext>
-            </a:extLst>
-          </p:cNvPr>
-          <p:cNvSpPr/>
-          <p:nvPr/>
-        </p:nvSpPr>
-        <p:spPr>
-          <a:xfrm>
-            <a:off x="1192456" y="3004355"/>
-            <a:ext cx="1027032" cy="336626"/>
-          </a:xfrm>
-          <a:prstGeom prst="roundRect">
-            <a:avLst/>
-          </a:prstGeom>
-          <a:gradFill flip="none" rotWithShape="1">
-            <a:gsLst>
-              <a:gs pos="0">
-                <a:schemeClr val="accent5">
-                  <a:lumMod val="67000"/>
-                </a:schemeClr>
-              </a:gs>
-              <a:gs pos="48000">
-                <a:schemeClr val="accent5">
-                  <a:lumMod val="97000"/>
-                  <a:lumOff val="3000"/>
-                </a:schemeClr>
-              </a:gs>
-              <a:gs pos="100000">
-                <a:schemeClr val="accent5">
-                  <a:lumMod val="60000"/>
-                  <a:lumOff val="40000"/>
-                </a:schemeClr>
-              </a:gs>
-            </a:gsLst>
-            <a:lin ang="16200000" scaled="1"/>
-            <a:tileRect/>
-          </a:gradFill>
-          <a:ln>
-            <a:noFill/>
-          </a:ln>
-        </p:spPr>
-        <p:style>
-          <a:lnRef idx="0">
-            <a:scrgbClr r="0" g="0" b="0"/>
-          </a:lnRef>
-          <a:fillRef idx="0">
-            <a:scrgbClr r="0" g="0" b="0"/>
-          </a:fillRef>
-          <a:effectRef idx="0">
-            <a:scrgbClr r="0" g="0" b="0"/>
-          </a:effectRef>
-          <a:fontRef idx="minor">
-            <a:schemeClr val="lt1"/>
-          </a:fontRef>
-        </p:style>
-        <p:txBody>
-          <a:bodyPr rtlCol="0" anchor="ctr"/>
-          <a:lstStyle/>
-          <a:p>
-            <a:pPr algn="ctr"/>
-            <a:r>
-              <a:rPr lang="en-US" sz="900" dirty="0"/>
-              <a:t>Image</a:t>
-            </a:r>
-          </a:p>
-          <a:p>
-            <a:pPr algn="ctr"/>
-            <a:r>
-              <a:rPr lang="en-US" sz="900" dirty="0"/>
-              <a:t>Service B App</a:t>
-            </a:r>
-          </a:p>
-        </p:txBody>
-      </p:sp>
-      <p:sp>
-        <p:nvSpPr>
-          <p:cNvPr id="41" name="Rectangle: Rounded Corners 40">
-            <a:extLst>
-              <a:ext uri="{FF2B5EF4-FFF2-40B4-BE49-F238E27FC236}">
-                <a16:creationId xmlns:a16="http://schemas.microsoft.com/office/drawing/2014/main" id="{637D6075-A634-41DE-9071-8AC8C3AE4498}"/>
-              </a:ext>
-            </a:extLst>
-          </p:cNvPr>
-          <p:cNvSpPr/>
-          <p:nvPr/>
-        </p:nvSpPr>
-        <p:spPr>
-          <a:xfrm>
-            <a:off x="2307062" y="3859650"/>
-            <a:ext cx="1027032" cy="336626"/>
-          </a:xfrm>
-          <a:prstGeom prst="roundRect">
-            <a:avLst/>
-          </a:prstGeom>
-          <a:gradFill flip="none" rotWithShape="1">
-            <a:gsLst>
-              <a:gs pos="0">
-                <a:schemeClr val="accent4">
-                  <a:lumMod val="67000"/>
-                </a:schemeClr>
-              </a:gs>
-              <a:gs pos="48000">
-                <a:schemeClr val="accent4">
-                  <a:lumMod val="97000"/>
-                  <a:lumOff val="3000"/>
-                </a:schemeClr>
-              </a:gs>
-              <a:gs pos="100000">
-                <a:schemeClr val="accent4">
-                  <a:lumMod val="60000"/>
-                  <a:lumOff val="40000"/>
-                </a:schemeClr>
-              </a:gs>
-            </a:gsLst>
-            <a:lin ang="16200000" scaled="1"/>
-            <a:tileRect/>
-          </a:gradFill>
-          <a:ln>
-            <a:noFill/>
-          </a:ln>
-        </p:spPr>
-        <p:style>
-          <a:lnRef idx="0">
-            <a:scrgbClr r="0" g="0" b="0"/>
-          </a:lnRef>
-          <a:fillRef idx="0">
-            <a:scrgbClr r="0" g="0" b="0"/>
-          </a:fillRef>
-          <a:effectRef idx="0">
-            <a:scrgbClr r="0" g="0" b="0"/>
-          </a:effectRef>
-          <a:fontRef idx="minor">
-            <a:schemeClr val="lt1"/>
-          </a:fontRef>
-        </p:style>
-        <p:txBody>
-          <a:bodyPr rtlCol="0" anchor="ctr"/>
-          <a:lstStyle/>
-          <a:p>
-            <a:pPr algn="ctr"/>
-            <a:r>
-              <a:rPr lang="en-US" sz="900" dirty="0"/>
-              <a:t>Image</a:t>
-            </a:r>
-          </a:p>
-          <a:p>
-            <a:pPr algn="ctr"/>
-            <a:r>
-              <a:rPr lang="en-US" sz="900" dirty="0"/>
-              <a:t>Service C Agent</a:t>
-            </a:r>
-          </a:p>
-        </p:txBody>
-      </p:sp>
-      <p:sp>
-        <p:nvSpPr>
-          <p:cNvPr id="47" name="Rectangle: Rounded Corners 46">
-            <a:extLst>
-              <a:ext uri="{FF2B5EF4-FFF2-40B4-BE49-F238E27FC236}">
-                <a16:creationId xmlns:a16="http://schemas.microsoft.com/office/drawing/2014/main" id="{4F4FAB67-A02E-432E-92C8-9DA7E44B15C5}"/>
-              </a:ext>
-            </a:extLst>
-          </p:cNvPr>
-          <p:cNvSpPr/>
-          <p:nvPr/>
-        </p:nvSpPr>
-        <p:spPr>
-          <a:xfrm>
-            <a:off x="1185553" y="3856792"/>
-            <a:ext cx="1027032" cy="336626"/>
-          </a:xfrm>
-          <a:prstGeom prst="roundRect">
-            <a:avLst/>
-          </a:prstGeom>
-          <a:gradFill flip="none" rotWithShape="1">
-            <a:gsLst>
-              <a:gs pos="0">
-                <a:schemeClr val="accent4">
-                  <a:lumMod val="67000"/>
-                </a:schemeClr>
-              </a:gs>
-              <a:gs pos="48000">
-                <a:schemeClr val="accent4">
-                  <a:lumMod val="97000"/>
-                  <a:lumOff val="3000"/>
-                </a:schemeClr>
-              </a:gs>
-              <a:gs pos="100000">
-                <a:schemeClr val="accent4">
-                  <a:lumMod val="60000"/>
-                  <a:lumOff val="40000"/>
-                </a:schemeClr>
-              </a:gs>
-            </a:gsLst>
-            <a:lin ang="16200000" scaled="1"/>
-            <a:tileRect/>
-          </a:gradFill>
-          <a:ln>
-            <a:noFill/>
-          </a:ln>
-        </p:spPr>
-        <p:style>
-          <a:lnRef idx="0">
-            <a:scrgbClr r="0" g="0" b="0"/>
-          </a:lnRef>
-          <a:fillRef idx="0">
-            <a:scrgbClr r="0" g="0" b="0"/>
-          </a:fillRef>
-          <a:effectRef idx="0">
-            <a:scrgbClr r="0" g="0" b="0"/>
-          </a:effectRef>
-          <a:fontRef idx="minor">
-            <a:schemeClr val="lt1"/>
-          </a:fontRef>
-        </p:style>
-        <p:txBody>
-          <a:bodyPr rtlCol="0" anchor="ctr"/>
-          <a:lstStyle/>
-          <a:p>
-            <a:pPr algn="ctr"/>
-            <a:r>
-              <a:rPr lang="en-US" sz="900" dirty="0"/>
-              <a:t>Image</a:t>
-            </a:r>
-          </a:p>
-          <a:p>
-            <a:pPr algn="ctr"/>
-            <a:r>
-              <a:rPr lang="en-US" sz="900" dirty="0"/>
-              <a:t>Service C App</a:t>
-            </a:r>
-          </a:p>
-        </p:txBody>
-      </p:sp>
-      <p:sp>
-        <p:nvSpPr>
-          <p:cNvPr id="48" name="Rectangle 47">
-            <a:extLst>
-              <a:ext uri="{FF2B5EF4-FFF2-40B4-BE49-F238E27FC236}">
-                <a16:creationId xmlns:a16="http://schemas.microsoft.com/office/drawing/2014/main" id="{6B40B687-DFED-4E42-A38F-7C033DBCEB66}"/>
-              </a:ext>
-            </a:extLst>
-          </p:cNvPr>
-          <p:cNvSpPr/>
-          <p:nvPr/>
-        </p:nvSpPr>
-        <p:spPr>
-          <a:xfrm>
-            <a:off x="3501968" y="3674620"/>
-            <a:ext cx="1364619" cy="849579"/>
-          </a:xfrm>
-          <a:prstGeom prst="rect">
-            <a:avLst/>
-          </a:prstGeom>
-          <a:solidFill>
-            <a:schemeClr val="bg1">
-              <a:lumMod val="65000"/>
-              <a:lumOff val="35000"/>
-            </a:schemeClr>
-          </a:solidFill>
-          <a:ln>
-            <a:noFill/>
-          </a:ln>
-        </p:spPr>
-        <p:style>
-          <a:lnRef idx="0">
-            <a:scrgbClr r="0" g="0" b="0"/>
-          </a:lnRef>
-          <a:fillRef idx="0">
-            <a:scrgbClr r="0" g="0" b="0"/>
-          </a:fillRef>
-          <a:effectRef idx="0">
-            <a:scrgbClr r="0" g="0" b="0"/>
-          </a:effectRef>
-          <a:fontRef idx="minor">
-            <a:schemeClr val="lt1"/>
-          </a:fontRef>
-        </p:style>
-        <p:txBody>
-          <a:bodyPr rtlCol="0" anchor="t"/>
-          <a:lstStyle/>
-          <a:p>
-            <a:pPr algn="ctr"/>
-            <a:r>
-              <a:rPr lang="en-US" dirty="0" err="1"/>
-              <a:t>Srvc</a:t>
-            </a:r>
-            <a:r>
-              <a:rPr lang="en-US" dirty="0"/>
-              <a:t> B</a:t>
-            </a:r>
-          </a:p>
-        </p:txBody>
-      </p:sp>
-      <p:sp>
-        <p:nvSpPr>
-          <p:cNvPr id="49" name="Rectangle: Top Corners One Rounded and One Snipped 48">
-            <a:extLst>
-              <a:ext uri="{FF2B5EF4-FFF2-40B4-BE49-F238E27FC236}">
-                <a16:creationId xmlns:a16="http://schemas.microsoft.com/office/drawing/2014/main" id="{CFBECA1E-121E-49CF-9961-F21EBA8505B4}"/>
-              </a:ext>
-            </a:extLst>
-          </p:cNvPr>
-          <p:cNvSpPr/>
-          <p:nvPr/>
-        </p:nvSpPr>
-        <p:spPr>
-          <a:xfrm>
-            <a:off x="3559806" y="4051632"/>
-            <a:ext cx="548640" cy="329184"/>
+            <a:off x="3880805" y="1947924"/>
+            <a:ext cx="596347" cy="336627"/>
           </a:xfrm>
           <a:prstGeom prst="snipRoundRect">
             <a:avLst/>
           </a:prstGeom>
-          <a:gradFill flip="none" rotWithShape="1">
-            <a:gsLst>
-              <a:gs pos="0">
-                <a:schemeClr val="accent5">
-                  <a:lumMod val="67000"/>
-                </a:schemeClr>
-              </a:gs>
-              <a:gs pos="48000">
-                <a:schemeClr val="accent5">
-                  <a:lumMod val="97000"/>
-                  <a:lumOff val="3000"/>
-                </a:schemeClr>
-              </a:gs>
-              <a:gs pos="100000">
-                <a:schemeClr val="accent5">
-                  <a:lumMod val="60000"/>
-                  <a:lumOff val="40000"/>
-                </a:schemeClr>
-              </a:gs>
-            </a:gsLst>
-            <a:lin ang="16200000" scaled="1"/>
-            <a:tileRect/>
-          </a:gradFill>
-          <a:ln>
-            <a:noFill/>
-          </a:ln>
-        </p:spPr>
-        <p:style>
-          <a:lnRef idx="0">
-            <a:scrgbClr r="0" g="0" b="0"/>
-          </a:lnRef>
-          <a:fillRef idx="0">
-            <a:scrgbClr r="0" g="0" b="0"/>
-          </a:fillRef>
-          <a:effectRef idx="0">
-            <a:scrgbClr r="0" g="0" b="0"/>
-          </a:effectRef>
-          <a:fontRef idx="minor">
-            <a:schemeClr val="lt1"/>
-          </a:fontRef>
-        </p:style>
-        <p:txBody>
-          <a:bodyPr rtlCol="0" anchor="ctr"/>
-          <a:lstStyle/>
-          <a:p>
-            <a:pPr algn="ctr"/>
-            <a:r>
-              <a:rPr lang="en-US" sz="900" dirty="0" err="1"/>
-              <a:t>Srvc</a:t>
-            </a:r>
-            <a:r>
-              <a:rPr lang="en-US" sz="900" dirty="0"/>
-              <a:t> B Code</a:t>
-            </a:r>
-          </a:p>
-        </p:txBody>
-      </p:sp>
-      <p:sp>
-        <p:nvSpPr>
-          <p:cNvPr id="54" name="Rectangle: Top Corners One Rounded and One Snipped 53">
-            <a:extLst>
-              <a:ext uri="{FF2B5EF4-FFF2-40B4-BE49-F238E27FC236}">
-                <a16:creationId xmlns:a16="http://schemas.microsoft.com/office/drawing/2014/main" id="{68D26024-EE49-431F-AC95-4BBE4B8B69DD}"/>
-              </a:ext>
-            </a:extLst>
-          </p:cNvPr>
-          <p:cNvSpPr/>
-          <p:nvPr/>
-        </p:nvSpPr>
-        <p:spPr>
-          <a:xfrm>
-            <a:off x="4260312" y="4046273"/>
-            <a:ext cx="548640" cy="329184"/>
-          </a:xfrm>
-          <a:prstGeom prst="snipRoundRect">
-            <a:avLst/>
-          </a:prstGeom>
-          <a:gradFill flip="none" rotWithShape="1">
-            <a:gsLst>
-              <a:gs pos="0">
-                <a:schemeClr val="accent5">
-                  <a:lumMod val="67000"/>
-                </a:schemeClr>
-              </a:gs>
-              <a:gs pos="48000">
-                <a:schemeClr val="accent5">
-                  <a:lumMod val="97000"/>
-                  <a:lumOff val="3000"/>
-                </a:schemeClr>
-              </a:gs>
-              <a:gs pos="100000">
-                <a:schemeClr val="accent5">
-                  <a:lumMod val="60000"/>
-                  <a:lumOff val="40000"/>
-                </a:schemeClr>
-              </a:gs>
-            </a:gsLst>
-            <a:lin ang="16200000" scaled="1"/>
-            <a:tileRect/>
-          </a:gradFill>
-          <a:ln>
-            <a:noFill/>
-          </a:ln>
-        </p:spPr>
-        <p:style>
-          <a:lnRef idx="0">
-            <a:scrgbClr r="0" g="0" b="0"/>
-          </a:lnRef>
-          <a:fillRef idx="0">
-            <a:scrgbClr r="0" g="0" b="0"/>
-          </a:fillRef>
-          <a:effectRef idx="0">
-            <a:scrgbClr r="0" g="0" b="0"/>
-          </a:effectRef>
-          <a:fontRef idx="minor">
-            <a:schemeClr val="lt1"/>
-          </a:fontRef>
-        </p:style>
-        <p:txBody>
-          <a:bodyPr rtlCol="0" anchor="ctr"/>
-          <a:lstStyle/>
-          <a:p>
-            <a:pPr algn="ctr"/>
-            <a:r>
-              <a:rPr lang="en-US" sz="900" dirty="0" err="1"/>
-              <a:t>Srvc</a:t>
-            </a:r>
-            <a:r>
-              <a:rPr lang="en-US" sz="900" dirty="0"/>
-              <a:t> B CDT</a:t>
-            </a:r>
-          </a:p>
-        </p:txBody>
-      </p:sp>
-      <p:sp>
-        <p:nvSpPr>
-          <p:cNvPr id="57" name="Rectangle 56">
-            <a:extLst>
-              <a:ext uri="{FF2B5EF4-FFF2-40B4-BE49-F238E27FC236}">
-                <a16:creationId xmlns:a16="http://schemas.microsoft.com/office/drawing/2014/main" id="{27EE14CD-CC88-4891-8D4D-7E8095AC9696}"/>
-              </a:ext>
-            </a:extLst>
-          </p:cNvPr>
-          <p:cNvSpPr/>
-          <p:nvPr/>
-        </p:nvSpPr>
-        <p:spPr>
-          <a:xfrm>
-            <a:off x="3501968" y="4780405"/>
-            <a:ext cx="1364619" cy="849579"/>
-          </a:xfrm>
-          <a:prstGeom prst="rect">
-            <a:avLst/>
-          </a:prstGeom>
-          <a:solidFill>
-            <a:schemeClr val="bg1">
-              <a:lumMod val="65000"/>
-              <a:lumOff val="35000"/>
-            </a:schemeClr>
-          </a:solidFill>
-          <a:ln>
-            <a:noFill/>
-          </a:ln>
-        </p:spPr>
-        <p:style>
-          <a:lnRef idx="0">
-            <a:scrgbClr r="0" g="0" b="0"/>
-          </a:lnRef>
-          <a:fillRef idx="0">
-            <a:scrgbClr r="0" g="0" b="0"/>
-          </a:fillRef>
-          <a:effectRef idx="0">
-            <a:scrgbClr r="0" g="0" b="0"/>
-          </a:effectRef>
-          <a:fontRef idx="minor">
-            <a:schemeClr val="lt1"/>
-          </a:fontRef>
-        </p:style>
-        <p:txBody>
-          <a:bodyPr rtlCol="0" anchor="t"/>
-          <a:lstStyle/>
-          <a:p>
-            <a:pPr algn="ctr"/>
-            <a:r>
-              <a:rPr lang="en-US" dirty="0" err="1"/>
-              <a:t>Srvc</a:t>
-            </a:r>
-            <a:r>
-              <a:rPr lang="en-US" dirty="0"/>
-              <a:t> C</a:t>
-            </a:r>
-          </a:p>
-        </p:txBody>
-      </p:sp>
-      <p:sp>
-        <p:nvSpPr>
-          <p:cNvPr id="58" name="Rectangle: Top Corners One Rounded and One Snipped 57">
-            <a:extLst>
-              <a:ext uri="{FF2B5EF4-FFF2-40B4-BE49-F238E27FC236}">
-                <a16:creationId xmlns:a16="http://schemas.microsoft.com/office/drawing/2014/main" id="{6AE89C1E-C875-4AA5-945C-7DAA756CA327}"/>
-              </a:ext>
-            </a:extLst>
-          </p:cNvPr>
-          <p:cNvSpPr/>
-          <p:nvPr/>
-        </p:nvSpPr>
-        <p:spPr>
-          <a:xfrm>
-            <a:off x="3559806" y="5157417"/>
-            <a:ext cx="548640" cy="329184"/>
-          </a:xfrm>
-          <a:prstGeom prst="snipRoundRect">
-            <a:avLst/>
-          </a:prstGeom>
-          <a:gradFill flip="none" rotWithShape="1">
-            <a:gsLst>
-              <a:gs pos="0">
-                <a:schemeClr val="accent4">
-                  <a:lumMod val="67000"/>
-                </a:schemeClr>
-              </a:gs>
-              <a:gs pos="48000">
-                <a:schemeClr val="accent4">
-                  <a:lumMod val="97000"/>
-                  <a:lumOff val="3000"/>
-                </a:schemeClr>
-              </a:gs>
-              <a:gs pos="100000">
-                <a:schemeClr val="accent4">
-                  <a:lumMod val="60000"/>
-                  <a:lumOff val="40000"/>
-                </a:schemeClr>
-              </a:gs>
-            </a:gsLst>
-            <a:lin ang="16200000" scaled="1"/>
-            <a:tileRect/>
-          </a:gradFill>
-          <a:ln>
-            <a:noFill/>
-          </a:ln>
-        </p:spPr>
-        <p:style>
-          <a:lnRef idx="0">
-            <a:scrgbClr r="0" g="0" b="0"/>
-          </a:lnRef>
-          <a:fillRef idx="0">
-            <a:scrgbClr r="0" g="0" b="0"/>
-          </a:fillRef>
-          <a:effectRef idx="0">
-            <a:scrgbClr r="0" g="0" b="0"/>
-          </a:effectRef>
-          <a:fontRef idx="minor">
-            <a:schemeClr val="lt1"/>
-          </a:fontRef>
-        </p:style>
-        <p:txBody>
-          <a:bodyPr rtlCol="0" anchor="ctr"/>
-          <a:lstStyle/>
-          <a:p>
-            <a:pPr algn="ctr"/>
-            <a:r>
-              <a:rPr lang="en-US" sz="900" dirty="0" err="1"/>
-              <a:t>Srvc</a:t>
-            </a:r>
-            <a:r>
-              <a:rPr lang="en-US" sz="900" dirty="0"/>
-              <a:t> C Code</a:t>
-            </a:r>
-          </a:p>
-        </p:txBody>
-      </p:sp>
-      <p:sp>
-        <p:nvSpPr>
-          <p:cNvPr id="59" name="Rectangle: Top Corners One Rounded and One Snipped 58">
-            <a:extLst>
-              <a:ext uri="{FF2B5EF4-FFF2-40B4-BE49-F238E27FC236}">
-                <a16:creationId xmlns:a16="http://schemas.microsoft.com/office/drawing/2014/main" id="{55043645-CD2D-4A5A-B2B9-9CDDB5C945F2}"/>
-              </a:ext>
-            </a:extLst>
-          </p:cNvPr>
-          <p:cNvSpPr/>
-          <p:nvPr/>
-        </p:nvSpPr>
-        <p:spPr>
-          <a:xfrm>
-            <a:off x="4260312" y="5152058"/>
-            <a:ext cx="548640" cy="329184"/>
-          </a:xfrm>
-          <a:prstGeom prst="snipRoundRect">
-            <a:avLst/>
-          </a:prstGeom>
-          <a:gradFill flip="none" rotWithShape="1">
-            <a:gsLst>
-              <a:gs pos="0">
-                <a:schemeClr val="accent4">
-                  <a:lumMod val="67000"/>
-                </a:schemeClr>
-              </a:gs>
-              <a:gs pos="48000">
-                <a:schemeClr val="accent4">
-                  <a:lumMod val="97000"/>
-                  <a:lumOff val="3000"/>
-                </a:schemeClr>
-              </a:gs>
-              <a:gs pos="100000">
-                <a:schemeClr val="accent4">
-                  <a:lumMod val="60000"/>
-                  <a:lumOff val="40000"/>
-                </a:schemeClr>
-              </a:gs>
-            </a:gsLst>
-            <a:lin ang="16200000" scaled="1"/>
-            <a:tileRect/>
-          </a:gradFill>
-          <a:ln>
-            <a:noFill/>
-          </a:ln>
-        </p:spPr>
-        <p:style>
-          <a:lnRef idx="0">
-            <a:scrgbClr r="0" g="0" b="0"/>
-          </a:lnRef>
-          <a:fillRef idx="0">
-            <a:scrgbClr r="0" g="0" b="0"/>
-          </a:fillRef>
-          <a:effectRef idx="0">
-            <a:scrgbClr r="0" g="0" b="0"/>
-          </a:effectRef>
-          <a:fontRef idx="minor">
-            <a:schemeClr val="lt1"/>
-          </a:fontRef>
-        </p:style>
-        <p:txBody>
-          <a:bodyPr rtlCol="0" anchor="ctr"/>
-          <a:lstStyle/>
-          <a:p>
-            <a:pPr algn="ctr"/>
-            <a:r>
-              <a:rPr lang="en-US" sz="900" dirty="0" err="1"/>
-              <a:t>Srvc</a:t>
-            </a:r>
-            <a:r>
-              <a:rPr lang="en-US" sz="900" dirty="0"/>
-              <a:t> C CDT</a:t>
-            </a:r>
-          </a:p>
-        </p:txBody>
-      </p:sp>
-      <p:sp>
-        <p:nvSpPr>
-          <p:cNvPr id="60" name="Oval 59">
-            <a:extLst>
-              <a:ext uri="{FF2B5EF4-FFF2-40B4-BE49-F238E27FC236}">
-                <a16:creationId xmlns:a16="http://schemas.microsoft.com/office/drawing/2014/main" id="{4E6A4B33-84EF-4CAC-A434-496E2DD6DFA1}"/>
-              </a:ext>
-            </a:extLst>
-          </p:cNvPr>
-          <p:cNvSpPr/>
-          <p:nvPr/>
-        </p:nvSpPr>
-        <p:spPr>
-          <a:xfrm>
-            <a:off x="5393370" y="3634161"/>
-            <a:ext cx="914400" cy="504939"/>
-          </a:xfrm>
-          <a:prstGeom prst="ellipse">
-            <a:avLst/>
-          </a:prstGeom>
-          <a:gradFill flip="none" rotWithShape="1">
-            <a:gsLst>
-              <a:gs pos="0">
-                <a:schemeClr val="dk1">
-                  <a:lumMod val="67000"/>
-                </a:schemeClr>
-              </a:gs>
-              <a:gs pos="48000">
-                <a:schemeClr val="dk1">
-                  <a:lumMod val="97000"/>
-                  <a:lumOff val="3000"/>
-                </a:schemeClr>
-              </a:gs>
-              <a:gs pos="100000">
-                <a:schemeClr val="dk1">
-                  <a:lumMod val="60000"/>
-                  <a:lumOff val="40000"/>
-                </a:schemeClr>
-              </a:gs>
-            </a:gsLst>
-            <a:lin ang="16200000" scaled="1"/>
-            <a:tileRect/>
-          </a:gradFill>
-          <a:ln>
-            <a:noFill/>
-          </a:ln>
-        </p:spPr>
-        <p:style>
-          <a:lnRef idx="0">
-            <a:scrgbClr r="0" g="0" b="0"/>
-          </a:lnRef>
-          <a:fillRef idx="0">
-            <a:scrgbClr r="0" g="0" b="0"/>
-          </a:fillRef>
-          <a:effectRef idx="0">
-            <a:scrgbClr r="0" g="0" b="0"/>
-          </a:effectRef>
-          <a:fontRef idx="minor">
-            <a:schemeClr val="lt1"/>
-          </a:fontRef>
-        </p:style>
-        <p:txBody>
-          <a:bodyPr rtlCol="0" anchor="ctr"/>
-          <a:lstStyle/>
-          <a:p>
-            <a:pPr algn="ctr"/>
-            <a:r>
-              <a:rPr lang="en-US" sz="900" dirty="0"/>
-              <a:t>Container</a:t>
-            </a:r>
-          </a:p>
-          <a:p>
-            <a:pPr algn="ctr"/>
-            <a:r>
-              <a:rPr lang="en-US" sz="900" dirty="0"/>
-              <a:t>Service A2 Config</a:t>
-            </a:r>
-          </a:p>
-        </p:txBody>
-      </p:sp>
-      <p:sp>
-        <p:nvSpPr>
-          <p:cNvPr id="61" name="TextBox 60">
-            <a:extLst>
-              <a:ext uri="{FF2B5EF4-FFF2-40B4-BE49-F238E27FC236}">
-                <a16:creationId xmlns:a16="http://schemas.microsoft.com/office/drawing/2014/main" id="{62099137-9E48-4475-AA06-9245B80D3A86}"/>
-              </a:ext>
-            </a:extLst>
-          </p:cNvPr>
-          <p:cNvSpPr txBox="1"/>
-          <p:nvPr/>
-        </p:nvSpPr>
-        <p:spPr>
-          <a:xfrm>
-            <a:off x="6009523" y="4054350"/>
-            <a:ext cx="1965731" cy="307777"/>
-          </a:xfrm>
-          <a:prstGeom prst="rect">
-            <a:avLst/>
-          </a:prstGeom>
-          <a:noFill/>
-        </p:spPr>
-        <p:txBody>
-          <a:bodyPr wrap="none" rtlCol="0">
-            <a:spAutoFit/>
-          </a:bodyPr>
-          <a:lstStyle/>
-          <a:p>
-            <a:r>
-              <a:rPr lang="en-US" sz="1400" b="1" dirty="0">
-                <a:solidFill>
-                  <a:srgbClr val="0D0D0D"/>
-                </a:solidFill>
-              </a:rPr>
-              <a:t>Update Inventory Agent</a:t>
-            </a:r>
-          </a:p>
-        </p:txBody>
-      </p:sp>
-      <p:sp>
-        <p:nvSpPr>
-          <p:cNvPr id="62" name="Oval 61">
-            <a:extLst>
-              <a:ext uri="{FF2B5EF4-FFF2-40B4-BE49-F238E27FC236}">
-                <a16:creationId xmlns:a16="http://schemas.microsoft.com/office/drawing/2014/main" id="{FBA96D9A-E941-49A9-8B17-8B5C34002D9E}"/>
-              </a:ext>
-            </a:extLst>
-          </p:cNvPr>
-          <p:cNvSpPr/>
-          <p:nvPr/>
-        </p:nvSpPr>
-        <p:spPr>
-          <a:xfrm>
-            <a:off x="6168348" y="4413586"/>
-            <a:ext cx="914400" cy="504939"/>
-          </a:xfrm>
-          <a:prstGeom prst="ellipse">
-            <a:avLst/>
-          </a:prstGeom>
-          <a:gradFill flip="none" rotWithShape="1">
-            <a:gsLst>
-              <a:gs pos="0">
-                <a:schemeClr val="dk1">
-                  <a:lumMod val="67000"/>
-                </a:schemeClr>
-              </a:gs>
-              <a:gs pos="48000">
-                <a:schemeClr val="dk1">
-                  <a:lumMod val="97000"/>
-                  <a:lumOff val="3000"/>
-                </a:schemeClr>
-              </a:gs>
-              <a:gs pos="100000">
-                <a:schemeClr val="dk1">
-                  <a:lumMod val="60000"/>
-                  <a:lumOff val="40000"/>
-                </a:schemeClr>
-              </a:gs>
-            </a:gsLst>
-            <a:lin ang="16200000" scaled="1"/>
-            <a:tileRect/>
-          </a:gradFill>
-          <a:ln>
-            <a:noFill/>
-          </a:ln>
-        </p:spPr>
-        <p:style>
-          <a:lnRef idx="0">
-            <a:scrgbClr r="0" g="0" b="0"/>
-          </a:lnRef>
-          <a:fillRef idx="0">
-            <a:scrgbClr r="0" g="0" b="0"/>
-          </a:fillRef>
-          <a:effectRef idx="0">
-            <a:scrgbClr r="0" g="0" b="0"/>
-          </a:effectRef>
-          <a:fontRef idx="minor">
-            <a:schemeClr val="lt1"/>
-          </a:fontRef>
-        </p:style>
-        <p:txBody>
-          <a:bodyPr rtlCol="0" anchor="ctr"/>
-          <a:lstStyle/>
-          <a:p>
-            <a:pPr algn="ctr"/>
-            <a:r>
-              <a:rPr lang="en-US" sz="900" dirty="0"/>
-              <a:t>Container</a:t>
-            </a:r>
-          </a:p>
-          <a:p>
-            <a:pPr algn="ctr"/>
-            <a:r>
-              <a:rPr lang="en-US" sz="900" dirty="0"/>
-              <a:t>Service A3 Config</a:t>
-            </a:r>
-          </a:p>
-        </p:txBody>
-      </p:sp>
-      <p:sp>
-        <p:nvSpPr>
-          <p:cNvPr id="63" name="Oval 62">
-            <a:extLst>
-              <a:ext uri="{FF2B5EF4-FFF2-40B4-BE49-F238E27FC236}">
-                <a16:creationId xmlns:a16="http://schemas.microsoft.com/office/drawing/2014/main" id="{0AEA4525-8D27-4FC5-995D-F0C83135EAF6}"/>
-              </a:ext>
-            </a:extLst>
-          </p:cNvPr>
-          <p:cNvSpPr/>
-          <p:nvPr/>
-        </p:nvSpPr>
-        <p:spPr>
-          <a:xfrm>
-            <a:off x="6942142" y="4413585"/>
-            <a:ext cx="914400" cy="504939"/>
-          </a:xfrm>
-          <a:prstGeom prst="ellipse">
-            <a:avLst/>
-          </a:prstGeom>
-          <a:gradFill flip="none" rotWithShape="1">
-            <a:gsLst>
-              <a:gs pos="0">
-                <a:schemeClr val="dk1">
-                  <a:lumMod val="67000"/>
-                </a:schemeClr>
-              </a:gs>
-              <a:gs pos="48000">
-                <a:schemeClr val="dk1">
-                  <a:lumMod val="97000"/>
-                  <a:lumOff val="3000"/>
-                </a:schemeClr>
-              </a:gs>
-              <a:gs pos="100000">
-                <a:schemeClr val="dk1">
-                  <a:lumMod val="60000"/>
-                  <a:lumOff val="40000"/>
-                </a:schemeClr>
-              </a:gs>
-            </a:gsLst>
-            <a:lin ang="16200000" scaled="1"/>
-            <a:tileRect/>
-          </a:gradFill>
-          <a:ln>
-            <a:noFill/>
-          </a:ln>
-        </p:spPr>
-        <p:style>
-          <a:lnRef idx="0">
-            <a:scrgbClr r="0" g="0" b="0"/>
-          </a:lnRef>
-          <a:fillRef idx="0">
-            <a:scrgbClr r="0" g="0" b="0"/>
-          </a:fillRef>
-          <a:effectRef idx="0">
-            <a:scrgbClr r="0" g="0" b="0"/>
-          </a:effectRef>
-          <a:fontRef idx="minor">
-            <a:schemeClr val="lt1"/>
-          </a:fontRef>
-        </p:style>
-        <p:txBody>
-          <a:bodyPr rtlCol="0" anchor="ctr"/>
-          <a:lstStyle/>
-          <a:p>
-            <a:pPr algn="ctr"/>
-            <a:r>
-              <a:rPr lang="en-US" sz="900" dirty="0"/>
-              <a:t>Container</a:t>
-            </a:r>
-          </a:p>
-          <a:p>
-            <a:pPr algn="ctr"/>
-            <a:r>
-              <a:rPr lang="en-US" sz="900" dirty="0"/>
-              <a:t>Service A3 App</a:t>
-            </a:r>
-          </a:p>
-        </p:txBody>
-      </p:sp>
-      <p:sp>
-        <p:nvSpPr>
-          <p:cNvPr id="64" name="TextBox 63">
-            <a:extLst>
-              <a:ext uri="{FF2B5EF4-FFF2-40B4-BE49-F238E27FC236}">
-                <a16:creationId xmlns:a16="http://schemas.microsoft.com/office/drawing/2014/main" id="{0C71E449-68E5-4059-BC8C-DC2DBFC9D037}"/>
-              </a:ext>
-            </a:extLst>
-          </p:cNvPr>
-          <p:cNvSpPr txBox="1"/>
-          <p:nvPr/>
-        </p:nvSpPr>
-        <p:spPr>
-          <a:xfrm>
-            <a:off x="7214492" y="4847537"/>
-            <a:ext cx="1786643" cy="307777"/>
-          </a:xfrm>
-          <a:prstGeom prst="rect">
-            <a:avLst/>
-          </a:prstGeom>
-          <a:noFill/>
-        </p:spPr>
-        <p:txBody>
-          <a:bodyPr wrap="none" rtlCol="0">
-            <a:spAutoFit/>
-          </a:bodyPr>
-          <a:lstStyle/>
-          <a:p>
-            <a:r>
-              <a:rPr lang="en-US" sz="1400" b="1" dirty="0" err="1">
-                <a:solidFill>
-                  <a:srgbClr val="0D0D0D"/>
-                </a:solidFill>
-              </a:rPr>
-              <a:t>reserveOrder</a:t>
-            </a:r>
-            <a:r>
-              <a:rPr lang="en-US" sz="1400" b="1" dirty="0">
-                <a:solidFill>
-                  <a:srgbClr val="0D0D0D"/>
-                </a:solidFill>
-              </a:rPr>
-              <a:t> Service</a:t>
-            </a:r>
-          </a:p>
-        </p:txBody>
-      </p:sp>
-      <p:sp>
-        <p:nvSpPr>
-          <p:cNvPr id="65" name="Rectangle: Rounded Corners 64">
-            <a:extLst>
-              <a:ext uri="{FF2B5EF4-FFF2-40B4-BE49-F238E27FC236}">
-                <a16:creationId xmlns:a16="http://schemas.microsoft.com/office/drawing/2014/main" id="{A2BBA1AE-04A3-436E-BF4B-DC3CC44A6CD7}"/>
-              </a:ext>
-            </a:extLst>
-          </p:cNvPr>
-          <p:cNvSpPr/>
-          <p:nvPr/>
-        </p:nvSpPr>
-        <p:spPr>
-          <a:xfrm>
-            <a:off x="1280030" y="1440336"/>
-            <a:ext cx="1027032" cy="336626"/>
-          </a:xfrm>
-          <a:prstGeom prst="roundRect">
-            <a:avLst/>
-          </a:prstGeom>
-          <a:solidFill>
-            <a:schemeClr val="accent6">
-              <a:lumMod val="75000"/>
-            </a:schemeClr>
-          </a:solidFill>
         </p:spPr>
         <p:style>
           <a:lnRef idx="2">
@@ -33935,95 +35426,8 @@
           <a:p>
             <a:pPr algn="ctr"/>
             <a:r>
-              <a:rPr lang="en-US" sz="900" dirty="0"/>
-              <a:t>Image</a:t>
-            </a:r>
-          </a:p>
-          <a:p>
-            <a:pPr algn="ctr"/>
-            <a:r>
-              <a:rPr lang="en-US" sz="900" dirty="0"/>
-              <a:t>DB2</a:t>
-            </a:r>
-          </a:p>
-        </p:txBody>
-      </p:sp>
-      <p:sp>
-        <p:nvSpPr>
-          <p:cNvPr id="34" name="Oval 33">
-            <a:extLst>
-              <a:ext uri="{FF2B5EF4-FFF2-40B4-BE49-F238E27FC236}">
-                <a16:creationId xmlns:a16="http://schemas.microsoft.com/office/drawing/2014/main" id="{E9EA4076-5BC6-455E-B940-C70DACE8AFFD}"/>
-              </a:ext>
-            </a:extLst>
-          </p:cNvPr>
-          <p:cNvSpPr/>
-          <p:nvPr/>
-        </p:nvSpPr>
-        <p:spPr>
-          <a:xfrm>
-            <a:off x="5372779" y="2818564"/>
-            <a:ext cx="914400" cy="504939"/>
-          </a:xfrm>
-          <a:prstGeom prst="ellipse">
-            <a:avLst/>
-          </a:prstGeom>
-          <a:gradFill flip="none" rotWithShape="1">
-            <a:gsLst>
-              <a:gs pos="0">
-                <a:schemeClr val="dk1">
-                  <a:lumMod val="67000"/>
-                </a:schemeClr>
-              </a:gs>
-              <a:gs pos="48000">
-                <a:schemeClr val="dk1">
-                  <a:lumMod val="97000"/>
-                  <a:lumOff val="3000"/>
-                </a:schemeClr>
-              </a:gs>
-              <a:gs pos="100000">
-                <a:schemeClr val="dk1">
-                  <a:lumMod val="60000"/>
-                  <a:lumOff val="40000"/>
-                </a:schemeClr>
-              </a:gs>
-            </a:gsLst>
-            <a:lin ang="16200000" scaled="1"/>
-            <a:tileRect/>
-          </a:gradFill>
-          <a:ln>
-            <a:noFill/>
-          </a:ln>
-        </p:spPr>
-        <p:style>
-          <a:lnRef idx="0">
-            <a:scrgbClr r="0" g="0" b="0"/>
-          </a:lnRef>
-          <a:fillRef idx="0">
-            <a:scrgbClr r="0" g="0" b="0"/>
-          </a:fillRef>
-          <a:effectRef idx="0">
-            <a:scrgbClr r="0" g="0" b="0"/>
-          </a:effectRef>
-          <a:fontRef idx="minor">
-            <a:schemeClr val="lt1"/>
-          </a:fontRef>
-        </p:style>
-        <p:txBody>
-          <a:bodyPr rtlCol="0" anchor="ctr"/>
-          <a:lstStyle/>
-          <a:p>
-            <a:pPr algn="ctr"/>
-            <a:r>
-              <a:rPr lang="en-US" sz="900" dirty="0"/>
-              <a:t>Container</a:t>
-            </a:r>
-          </a:p>
-          <a:p>
-            <a:pPr algn="ctr"/>
-            <a:r>
-              <a:rPr lang="en-US" sz="900" dirty="0"/>
-              <a:t>Service A1 Config</a:t>
+              <a:rPr lang="en-US" sz="800" dirty="0"/>
+              <a:t>Group Entities</a:t>
             </a:r>
           </a:p>
         </p:txBody>
@@ -34059,14 +35463,177 @@
                             </p:stCondLst>
                             <p:childTnLst>
                               <p:par>
-                                <p:cTn id="5" presetID="1" presetClass="entr" presetSubtype="0" fill="hold" grpId="1" nodeType="clickEffect">
+                                <p:cTn id="5" presetID="10" presetClass="exit" presetSubtype="0" fill="hold" grpId="0" nodeType="clickEffect">
+                                  <p:stCondLst>
+                                    <p:cond delay="0"/>
+                                  </p:stCondLst>
+                                  <p:childTnLst>
+                                    <p:animEffect transition="out" filter="fade">
+                                      <p:cBhvr>
+                                        <p:cTn id="6" dur="2000"/>
+                                        <p:tgtEl>
+                                          <p:spTgt spid="40"/>
+                                        </p:tgtEl>
+                                      </p:cBhvr>
+                                    </p:animEffect>
+                                    <p:set>
+                                      <p:cBhvr>
+                                        <p:cTn id="7" dur="1" fill="hold">
+                                          <p:stCondLst>
+                                            <p:cond delay="1999"/>
+                                          </p:stCondLst>
+                                        </p:cTn>
+                                        <p:tgtEl>
+                                          <p:spTgt spid="40"/>
+                                        </p:tgtEl>
+                                        <p:attrNameLst>
+                                          <p:attrName>style.visibility</p:attrName>
+                                        </p:attrNameLst>
+                                      </p:cBhvr>
+                                      <p:to>
+                                        <p:strVal val="hidden"/>
+                                      </p:to>
+                                    </p:set>
+                                  </p:childTnLst>
+                                </p:cTn>
+                              </p:par>
+                              <p:par>
+                                <p:cTn id="8" presetID="10" presetClass="exit" presetSubtype="0" fill="hold" grpId="0" nodeType="withEffect">
+                                  <p:stCondLst>
+                                    <p:cond delay="0"/>
+                                  </p:stCondLst>
+                                  <p:childTnLst>
+                                    <p:animEffect transition="out" filter="fade">
+                                      <p:cBhvr>
+                                        <p:cTn id="9" dur="2000"/>
+                                        <p:tgtEl>
+                                          <p:spTgt spid="49"/>
+                                        </p:tgtEl>
+                                      </p:cBhvr>
+                                    </p:animEffect>
+                                    <p:set>
+                                      <p:cBhvr>
+                                        <p:cTn id="10" dur="1" fill="hold">
+                                          <p:stCondLst>
+                                            <p:cond delay="1999"/>
+                                          </p:stCondLst>
+                                        </p:cTn>
+                                        <p:tgtEl>
+                                          <p:spTgt spid="49"/>
+                                        </p:tgtEl>
+                                        <p:attrNameLst>
+                                          <p:attrName>style.visibility</p:attrName>
+                                        </p:attrNameLst>
+                                      </p:cBhvr>
+                                      <p:to>
+                                        <p:strVal val="hidden"/>
+                                      </p:to>
+                                    </p:set>
+                                  </p:childTnLst>
+                                </p:cTn>
+                              </p:par>
+                              <p:par>
+                                <p:cTn id="11" presetID="10" presetClass="exit" presetSubtype="0" fill="hold" grpId="0" nodeType="withEffect">
+                                  <p:stCondLst>
+                                    <p:cond delay="0"/>
+                                  </p:stCondLst>
+                                  <p:childTnLst>
+                                    <p:animEffect transition="out" filter="fade">
+                                      <p:cBhvr>
+                                        <p:cTn id="12" dur="2000"/>
+                                        <p:tgtEl>
+                                          <p:spTgt spid="58"/>
+                                        </p:tgtEl>
+                                      </p:cBhvr>
+                                    </p:animEffect>
+                                    <p:set>
+                                      <p:cBhvr>
+                                        <p:cTn id="13" dur="1" fill="hold">
+                                          <p:stCondLst>
+                                            <p:cond delay="1999"/>
+                                          </p:stCondLst>
+                                        </p:cTn>
+                                        <p:tgtEl>
+                                          <p:spTgt spid="58"/>
+                                        </p:tgtEl>
+                                        <p:attrNameLst>
+                                          <p:attrName>style.visibility</p:attrName>
+                                        </p:attrNameLst>
+                                      </p:cBhvr>
+                                      <p:to>
+                                        <p:strVal val="hidden"/>
+                                      </p:to>
+                                    </p:set>
+                                  </p:childTnLst>
+                                </p:cTn>
+                              </p:par>
+                            </p:childTnLst>
+                          </p:cTn>
+                        </p:par>
+                      </p:childTnLst>
+                    </p:cTn>
+                  </p:par>
+                  <p:par>
+                    <p:cTn id="14" fill="hold">
+                      <p:stCondLst>
+                        <p:cond delay="indefinite"/>
+                      </p:stCondLst>
+                      <p:childTnLst>
+                        <p:par>
+                          <p:cTn id="15" fill="hold">
+                            <p:stCondLst>
+                              <p:cond delay="0"/>
+                            </p:stCondLst>
+                            <p:childTnLst>
+                              <p:par>
+                                <p:cTn id="16" presetID="42" presetClass="path" presetSubtype="0" accel="50000" decel="50000" autoRev="1" fill="hold" grpId="0" nodeType="clickEffect">
+                                  <p:stCondLst>
+                                    <p:cond delay="0"/>
+                                  </p:stCondLst>
+                                  <p:childTnLst>
+                                    <p:animMotion origin="layout" path="M 1.66667E-6 -4.81481E-6 L 0.54609 0.10811 " pathEditMode="relative" rAng="0" ptsTypes="AA">
+                                      <p:cBhvr>
+                                        <p:cTn id="17" dur="2000" fill="hold"/>
+                                        <p:tgtEl>
+                                          <p:spTgt spid="45"/>
+                                        </p:tgtEl>
+                                        <p:attrNameLst>
+                                          <p:attrName>ppt_x</p:attrName>
+                                          <p:attrName>ppt_y</p:attrName>
+                                        </p:attrNameLst>
+                                      </p:cBhvr>
+                                      <p:rCtr x="27305" y="5394"/>
+                                    </p:animMotion>
+                                  </p:childTnLst>
+                                </p:cTn>
+                              </p:par>
+                            </p:childTnLst>
+                          </p:cTn>
+                        </p:par>
+                      </p:childTnLst>
+                    </p:cTn>
+                  </p:par>
+                  <p:par>
+                    <p:cTn id="18" fill="hold">
+                      <p:stCondLst>
+                        <p:cond delay="indefinite"/>
+                      </p:stCondLst>
+                      <p:childTnLst>
+                        <p:par>
+                          <p:cTn id="19" fill="hold">
+                            <p:stCondLst>
+                              <p:cond delay="0"/>
+                            </p:stCondLst>
+                            <p:childTnLst>
+                              <p:par>
+                                <p:cTn id="20" presetID="1" presetClass="entr" presetSubtype="0" fill="hold" grpId="1" nodeType="clickEffect">
                                   <p:stCondLst>
                                     <p:cond delay="0"/>
                                   </p:stCondLst>
                                   <p:childTnLst>
                                     <p:set>
                                       <p:cBhvr>
-                                        <p:cTn id="6" dur="1" fill="hold">
+                                        <p:cTn id="21" dur="1" fill="hold">
                                           <p:stCondLst>
                                             <p:cond delay="0"/>
                                           </p:stCondLst>
@@ -34086,14 +35653,14 @@
                                 </p:cTn>
                               </p:par>
                               <p:par>
-                                <p:cTn id="7" presetID="42" presetClass="path" presetSubtype="0" accel="50000" decel="50000" fill="hold" grpId="0" nodeType="withEffect">
+                                <p:cTn id="22" presetID="42" presetClass="path" presetSubtype="0" accel="50000" decel="50000" fill="hold" grpId="0" nodeType="withEffect">
                                   <p:stCondLst>
                                     <p:cond delay="0"/>
                                   </p:stCondLst>
                                   <p:childTnLst>
-                                    <p:animMotion origin="layout" path="M 5E-6 4.81481E-6 L -0.32006 -0.0595 " pathEditMode="relative" rAng="0" ptsTypes="AA">
+                                    <p:animMotion origin="layout" path="M -1.04167E-6 4.81481E-6 L -0.25169 -0.20695 " pathEditMode="relative" rAng="0" ptsTypes="AA">
                                       <p:cBhvr>
-                                        <p:cTn id="8" dur="2000" spd="-100000" fill="hold"/>
+                                        <p:cTn id="23" dur="2000" spd="-100000" fill="hold"/>
                                         <p:tgtEl>
                                           <p:spTgt spid="34"/>
                                         </p:tgtEl>
@@ -34102,7 +35669,7 @@
                                           <p:attrName>ppt_y</p:attrName>
                                         </p:attrNameLst>
                                       </p:cBhvr>
-                                      <p:rCtr x="-16003" y="-2986"/>
+                                      <p:rCtr x="-12591" y="-10347"/>
                                     </p:animMotion>
                                   </p:childTnLst>
                                 </p:cTn>
@@ -34114,26 +35681,66 @@
                     </p:cTn>
                   </p:par>
                   <p:par>
-                    <p:cTn id="9" fill="hold">
+                    <p:cTn id="24" fill="hold">
                       <p:stCondLst>
                         <p:cond delay="indefinite"/>
                       </p:stCondLst>
                       <p:childTnLst>
                         <p:par>
-                          <p:cTn id="10" fill="hold">
+                          <p:cTn id="25" fill="hold">
                             <p:stCondLst>
                               <p:cond delay="0"/>
                             </p:stCondLst>
                             <p:childTnLst>
                               <p:par>
-                                <p:cTn id="11" presetID="1" presetClass="entr" presetSubtype="0" fill="hold" grpId="1" nodeType="clickEffect">
+                                <p:cTn id="26" presetID="42" presetClass="path" presetSubtype="0" accel="50000" decel="50000" autoRev="1" fill="hold" grpId="0" nodeType="clickEffect">
+                                  <p:stCondLst>
+                                    <p:cond delay="0"/>
+                                  </p:stCondLst>
+                                  <p:childTnLst>
+                                    <p:animMotion origin="layout" path="M 5E-6 7.40741E-7 L 0.0892 0.03657 " pathEditMode="relative" rAng="0" ptsTypes="AA">
+                                      <p:cBhvr>
+                                        <p:cTn id="27" dur="2000" fill="hold"/>
+                                        <p:tgtEl>
+                                          <p:spTgt spid="20"/>
+                                        </p:tgtEl>
+                                        <p:attrNameLst>
+                                          <p:attrName>ppt_x</p:attrName>
+                                          <p:attrName>ppt_y</p:attrName>
+                                        </p:attrNameLst>
+                                      </p:cBhvr>
+                                      <p:rCtr x="4453" y="1829"/>
+                                    </p:animMotion>
+                                  </p:childTnLst>
+                                </p:cTn>
+                              </p:par>
+                            </p:childTnLst>
+                          </p:cTn>
+                        </p:par>
+                      </p:childTnLst>
+                    </p:cTn>
+                  </p:par>
+                  <p:par>
+                    <p:cTn id="28" fill="hold">
+                      <p:stCondLst>
+                        <p:cond delay="indefinite"/>
+                      </p:stCondLst>
+                      <p:childTnLst>
+                        <p:par>
+                          <p:cTn id="29" fill="hold">
+                            <p:stCondLst>
+                              <p:cond delay="0"/>
+                            </p:stCondLst>
+                            <p:childTnLst>
+                              <p:par>
+                                <p:cTn id="30" presetID="1" presetClass="entr" presetSubtype="0" fill="hold" grpId="1" nodeType="clickEffect">
                                   <p:stCondLst>
                                     <p:cond delay="0"/>
                                   </p:stCondLst>
                                   <p:childTnLst>
                                     <p:set>
                                       <p:cBhvr>
-                                        <p:cTn id="12" dur="1" fill="hold">
+                                        <p:cTn id="31" dur="1" fill="hold">
                                           <p:stCondLst>
                                             <p:cond delay="0"/>
                                           </p:stCondLst>
@@ -34156,20 +35763,20 @@
                           </p:cTn>
                         </p:par>
                         <p:par>
-                          <p:cTn id="13" fill="hold">
+                          <p:cTn id="32" fill="hold">
                             <p:stCondLst>
                               <p:cond delay="0"/>
                             </p:stCondLst>
                             <p:childTnLst>
                               <p:par>
-                                <p:cTn id="14" presetID="42" presetClass="path" presetSubtype="0" accel="50000" decel="50000" fill="hold" grpId="0" nodeType="afterEffect">
+                                <p:cTn id="33" presetID="42" presetClass="path" presetSubtype="0" accel="50000" decel="50000" fill="hold" grpId="0" nodeType="afterEffect">
                                   <p:stCondLst>
                                     <p:cond delay="0"/>
                                   </p:stCondLst>
                                   <p:childTnLst>
-                                    <p:animMotion origin="layout" path="M 3.33333E-6 -2.59259E-6 L -0.29922 -0.02106 " pathEditMode="relative" rAng="0" ptsTypes="AA">
+                                    <p:animMotion origin="layout" path="M -4.375E-6 4.07407E-6 L -0.42356 -0.0338 " pathEditMode="relative" rAng="0" ptsTypes="AA">
                                       <p:cBhvr>
-                                        <p:cTn id="15" dur="2000" spd="-100000" fill="hold"/>
+                                        <p:cTn id="34" dur="2000" spd="-100000" fill="hold"/>
                                         <p:tgtEl>
                                           <p:spTgt spid="25"/>
                                         </p:tgtEl>
@@ -34178,7 +35785,141 @@
                                           <p:attrName>ppt_y</p:attrName>
                                         </p:attrNameLst>
                                       </p:cBhvr>
-                                      <p:rCtr x="-14961" y="-1065"/>
+                                      <p:rCtr x="-21185" y="-1690"/>
+                                    </p:animMotion>
+                                  </p:childTnLst>
+                                </p:cTn>
+                              </p:par>
+                            </p:childTnLst>
+                          </p:cTn>
+                        </p:par>
+                        <p:par>
+                          <p:cTn id="35" fill="hold">
+                            <p:stCondLst>
+                              <p:cond delay="2000"/>
+                            </p:stCondLst>
+                            <p:childTnLst>
+                              <p:par>
+                                <p:cTn id="36" presetID="1" presetClass="entr" presetSubtype="0" fill="hold" grpId="1" nodeType="afterEffect">
+                                  <p:stCondLst>
+                                    <p:cond delay="0"/>
+                                  </p:stCondLst>
+                                  <p:childTnLst>
+                                    <p:set>
+                                      <p:cBhvr>
+                                        <p:cTn id="37" dur="1" fill="hold">
+                                          <p:stCondLst>
+                                            <p:cond delay="0"/>
+                                          </p:stCondLst>
+                                        </p:cTn>
+                                        <p:tgtEl>
+                                          <p:spTgt spid="66"/>
+                                        </p:tgtEl>
+                                        <p:attrNameLst>
+                                          <p:attrName>style.visibility</p:attrName>
+                                        </p:attrNameLst>
+                                      </p:cBhvr>
+                                      <p:to>
+                                        <p:strVal val="visible"/>
+                                      </p:to>
+                                    </p:set>
+                                  </p:childTnLst>
+                                </p:cTn>
+                              </p:par>
+                            </p:childTnLst>
+                          </p:cTn>
+                        </p:par>
+                        <p:par>
+                          <p:cTn id="38" fill="hold">
+                            <p:stCondLst>
+                              <p:cond delay="2000"/>
+                            </p:stCondLst>
+                            <p:childTnLst>
+                              <p:par>
+                                <p:cTn id="39" presetID="42" presetClass="path" presetSubtype="0" accel="50000" decel="50000" fill="hold" grpId="0" nodeType="afterEffect">
+                                  <p:stCondLst>
+                                    <p:cond delay="0"/>
+                                  </p:stCondLst>
+                                  <p:childTnLst>
+                                    <p:animMotion origin="layout" path="M 6.25E-7 -1.85185E-6 L -0.46003 -0.0456 " pathEditMode="relative" rAng="0" ptsTypes="AA">
+                                      <p:cBhvr>
+                                        <p:cTn id="40" dur="2000" spd="-100000" fill="hold"/>
+                                        <p:tgtEl>
+                                          <p:spTgt spid="66"/>
+                                        </p:tgtEl>
+                                        <p:attrNameLst>
+                                          <p:attrName>ppt_x</p:attrName>
+                                          <p:attrName>ppt_y</p:attrName>
+                                        </p:attrNameLst>
+                                      </p:cBhvr>
+                                      <p:rCtr x="-23008" y="-2292"/>
+                                    </p:animMotion>
+                                  </p:childTnLst>
+                                </p:cTn>
+                              </p:par>
+                            </p:childTnLst>
+                          </p:cTn>
+                        </p:par>
+                        <p:par>
+                          <p:cTn id="41" fill="hold">
+                            <p:stCondLst>
+                              <p:cond delay="4000"/>
+                            </p:stCondLst>
+                            <p:childTnLst>
+                              <p:par>
+                                <p:cTn id="42" presetID="1" presetClass="entr" presetSubtype="0" fill="hold" grpId="1" nodeType="afterEffect">
+                                  <p:stCondLst>
+                                    <p:cond delay="0"/>
+                                  </p:stCondLst>
+                                  <p:childTnLst>
+                                    <p:set>
+                                      <p:cBhvr>
+                                        <p:cTn id="43" dur="1" fill="hold">
+                                          <p:stCondLst>
+                                            <p:cond delay="0"/>
+                                          </p:stCondLst>
+                                        </p:cTn>
+                                        <p:tgtEl>
+                                          <p:spTgt spid="67"/>
+                                        </p:tgtEl>
+                                        <p:attrNameLst>
+                                          <p:attrName>style.visibility</p:attrName>
+                                        </p:attrNameLst>
+                                      </p:cBhvr>
+                                      <p:to>
+                                        <p:strVal val="visible"/>
+                                      </p:to>
+                                    </p:set>
+                                  </p:childTnLst>
+                                </p:cTn>
+                              </p:par>
+                            </p:childTnLst>
+                          </p:cTn>
+                        </p:par>
+                        <p:par>
+                          <p:cTn id="44" fill="hold">
+                            <p:stCondLst>
+                              <p:cond delay="4000"/>
+                            </p:stCondLst>
+                            <p:childTnLst>
+                              <p:par>
+                                <p:cTn id="45" presetID="42" presetClass="path" presetSubtype="0" accel="50000" decel="50000" fill="hold" grpId="0" nodeType="afterEffect">
+                                  <p:stCondLst>
+                                    <p:cond delay="0"/>
+                                  </p:stCondLst>
+                                  <p:childTnLst>
+                                    <p:animMotion origin="layout" path="M 2.91667E-6 3.7037E-7 L -0.5086 -0.0625 " pathEditMode="relative" rAng="0" ptsTypes="AA">
+                                      <p:cBhvr>
+                                        <p:cTn id="46" dur="2000" spd="-100000" fill="hold"/>
+                                        <p:tgtEl>
+                                          <p:spTgt spid="67"/>
+                                        </p:tgtEl>
+                                        <p:attrNameLst>
+                                          <p:attrName>ppt_x</p:attrName>
+                                          <p:attrName>ppt_y</p:attrName>
+                                        </p:attrNameLst>
+                                      </p:cBhvr>
+                                      <p:rCtr x="-25430" y="-3125"/>
                                     </p:animMotion>
                                   </p:childTnLst>
                                 </p:cTn>
@@ -34190,26 +35931,146 @@
                     </p:cTn>
                   </p:par>
                   <p:par>
-                    <p:cTn id="16" fill="hold">
+                    <p:cTn id="47" fill="hold">
                       <p:stCondLst>
                         <p:cond delay="indefinite"/>
                       </p:stCondLst>
                       <p:childTnLst>
                         <p:par>
-                          <p:cTn id="17" fill="hold">
+                          <p:cTn id="48" fill="hold">
                             <p:stCondLst>
                               <p:cond delay="0"/>
                             </p:stCondLst>
                             <p:childTnLst>
                               <p:par>
-                                <p:cTn id="18" presetID="1" presetClass="entr" presetSubtype="0" fill="hold" grpId="0" nodeType="clickEffect">
+                                <p:cTn id="49" presetID="10" presetClass="entr" presetSubtype="0" fill="hold" nodeType="clickEffect">
                                   <p:stCondLst>
                                     <p:cond delay="0"/>
                                   </p:stCondLst>
                                   <p:childTnLst>
                                     <p:set>
                                       <p:cBhvr>
-                                        <p:cTn id="19" dur="1" fill="hold">
+                                        <p:cTn id="50" dur="1" fill="hold">
+                                          <p:stCondLst>
+                                            <p:cond delay="0"/>
+                                          </p:stCondLst>
+                                        </p:cTn>
+                                        <p:tgtEl>
+                                          <p:spTgt spid="28"/>
+                                        </p:tgtEl>
+                                        <p:attrNameLst>
+                                          <p:attrName>style.visibility</p:attrName>
+                                        </p:attrNameLst>
+                                      </p:cBhvr>
+                                      <p:to>
+                                        <p:strVal val="visible"/>
+                                      </p:to>
+                                    </p:set>
+                                    <p:animEffect transition="in" filter="fade">
+                                      <p:cBhvr>
+                                        <p:cTn id="51" dur="500"/>
+                                        <p:tgtEl>
+                                          <p:spTgt spid="28"/>
+                                        </p:tgtEl>
+                                      </p:cBhvr>
+                                    </p:animEffect>
+                                  </p:childTnLst>
+                                </p:cTn>
+                              </p:par>
+                            </p:childTnLst>
+                          </p:cTn>
+                        </p:par>
+                      </p:childTnLst>
+                    </p:cTn>
+                  </p:par>
+                  <p:par>
+                    <p:cTn id="52" fill="hold">
+                      <p:stCondLst>
+                        <p:cond delay="indefinite"/>
+                      </p:stCondLst>
+                      <p:childTnLst>
+                        <p:par>
+                          <p:cTn id="53" fill="hold">
+                            <p:stCondLst>
+                              <p:cond delay="0"/>
+                            </p:stCondLst>
+                            <p:childTnLst>
+                              <p:par>
+                                <p:cTn id="54" presetID="1" presetClass="entr" presetSubtype="0" fill="hold" grpId="1" nodeType="clickEffect">
+                                  <p:stCondLst>
+                                    <p:cond delay="0"/>
+                                  </p:stCondLst>
+                                  <p:childTnLst>
+                                    <p:set>
+                                      <p:cBhvr>
+                                        <p:cTn id="55" dur="1" fill="hold">
+                                          <p:stCondLst>
+                                            <p:cond delay="0"/>
+                                          </p:stCondLst>
+                                        </p:cTn>
+                                        <p:tgtEl>
+                                          <p:spTgt spid="60"/>
+                                        </p:tgtEl>
+                                        <p:attrNameLst>
+                                          <p:attrName>style.visibility</p:attrName>
+                                        </p:attrNameLst>
+                                      </p:cBhvr>
+                                      <p:to>
+                                        <p:strVal val="visible"/>
+                                      </p:to>
+                                    </p:set>
+                                  </p:childTnLst>
+                                </p:cTn>
+                              </p:par>
+                              <p:par>
+                                <p:cTn id="56" presetID="42" presetClass="path" presetSubtype="0" accel="50000" decel="50000" fill="hold" grpId="0" nodeType="withEffect">
+                                  <p:stCondLst>
+                                    <p:cond delay="0"/>
+                                  </p:stCondLst>
+                                  <p:childTnLst>
+                                    <p:animMotion origin="layout" path="M -3.54167E-6 -3.7037E-7 L -0.26445 -0.33125 " pathEditMode="relative" rAng="0" ptsTypes="AA">
+                                      <p:cBhvr>
+                                        <p:cTn id="57" dur="2000" spd="-100000" fill="hold"/>
+                                        <p:tgtEl>
+                                          <p:spTgt spid="60"/>
+                                        </p:tgtEl>
+                                        <p:attrNameLst>
+                                          <p:attrName>ppt_x</p:attrName>
+                                          <p:attrName>ppt_y</p:attrName>
+                                        </p:attrNameLst>
+                                      </p:cBhvr>
+                                      <p:rCtr x="-13229" y="-16574"/>
+                                    </p:animMotion>
+                                  </p:childTnLst>
+                                </p:cTn>
+                              </p:par>
+                            </p:childTnLst>
+                          </p:cTn>
+                        </p:par>
+                      </p:childTnLst>
+                    </p:cTn>
+                  </p:par>
+                  <p:par>
+                    <p:cTn id="58" fill="hold">
+                      <p:stCondLst>
+                        <p:cond delay="indefinite"/>
+                      </p:stCondLst>
+                      <p:childTnLst>
+                        <p:par>
+                          <p:cTn id="59" fill="hold">
+                            <p:stCondLst>
+                              <p:cond delay="0"/>
+                            </p:stCondLst>
+                            <p:childTnLst>
+                              <p:par>
+                                <p:cTn id="60" presetID="1" presetClass="entr" presetSubtype="0" fill="hold" grpId="0" nodeType="clickEffect">
+                                  <p:stCondLst>
+                                    <p:cond delay="0"/>
+                                  </p:stCondLst>
+                                  <p:childTnLst>
+                                    <p:set>
+                                      <p:cBhvr>
+                                        <p:cTn id="61" dur="1" fill="hold">
                                           <p:stCondLst>
                                             <p:cond delay="0"/>
                                           </p:stCondLst>
@@ -34232,20 +36093,20 @@
                           </p:cTn>
                         </p:par>
                         <p:par>
-                          <p:cTn id="20" fill="hold">
+                          <p:cTn id="62" fill="hold">
                             <p:stCondLst>
                               <p:cond delay="0"/>
                             </p:stCondLst>
                             <p:childTnLst>
                               <p:par>
-                                <p:cTn id="21" presetID="37" presetClass="path" presetSubtype="0" accel="50000" decel="50000" fill="hold" grpId="1" nodeType="afterEffect">
+                                <p:cTn id="63" presetID="42" presetClass="path" presetSubtype="0" accel="50000" decel="50000" fill="hold" grpId="1" nodeType="afterEffect">
                                   <p:stCondLst>
                                     <p:cond delay="0"/>
                                   </p:stCondLst>
                                   <p:childTnLst>
-                                    <p:animMotion origin="layout" path="M -2.29167E-6 3.33333E-6 L -0.07578 0.04467 C -0.0914 0.05532 -0.11471 0.06041 -0.13919 0.05879 C -0.16719 0.05717 -0.18945 0.0493 -0.20469 0.0368 L -0.27786 -0.01713 " pathEditMode="relative" rAng="120000" ptsTypes="AAAAA">
+                                    <p:animMotion origin="layout" path="M -4.375E-6 1.85185E-6 L -0.33437 -0.17917 " pathEditMode="relative" rAng="0" ptsTypes="AA">
                                       <p:cBhvr>
-                                        <p:cTn id="22" dur="2000" spd="-100000" fill="hold"/>
+                                        <p:cTn id="64" dur="2000" spd="-100000" fill="hold"/>
                                         <p:tgtEl>
                                           <p:spTgt spid="26"/>
                                         </p:tgtEl>
@@ -34254,7 +36115,7 @@
                                           <p:attrName>ppt_y</p:attrName>
                                         </p:attrNameLst>
                                       </p:cBhvr>
-                                      <p:rCtr x="-13958" y="2500"/>
+                                      <p:rCtr x="-16719" y="-8958"/>
                                     </p:animMotion>
                                   </p:childTnLst>
                                 </p:cTn>
@@ -34266,32 +36127,161 @@
                     </p:cTn>
                   </p:par>
                   <p:par>
-                    <p:cTn id="23" fill="hold">
+                    <p:cTn id="65" fill="hold">
                       <p:stCondLst>
                         <p:cond delay="indefinite"/>
                       </p:stCondLst>
                       <p:childTnLst>
                         <p:par>
-                          <p:cTn id="24" fill="hold">
+                          <p:cTn id="66" fill="hold">
                             <p:stCondLst>
                               <p:cond delay="0"/>
                             </p:stCondLst>
                             <p:childTnLst>
                               <p:par>
-                                <p:cTn id="25" presetID="2" presetClass="entr" presetSubtype="6" fill="hold" nodeType="clickEffect">
+                                <p:cTn id="67" presetID="1" presetClass="entr" presetSubtype="0" fill="hold" grpId="0" nodeType="clickEffect">
                                   <p:stCondLst>
                                     <p:cond delay="0"/>
                                   </p:stCondLst>
                                   <p:childTnLst>
                                     <p:set>
                                       <p:cBhvr>
-                                        <p:cTn id="26" dur="1" fill="hold">
+                                        <p:cTn id="68" dur="1" fill="hold">
                                           <p:stCondLst>
                                             <p:cond delay="0"/>
                                           </p:stCondLst>
                                         </p:cTn>
                                         <p:tgtEl>
-                                          <p:spTgt spid="19"/>
+                                          <p:spTgt spid="71"/>
+                                        </p:tgtEl>
+                                        <p:attrNameLst>
+                                          <p:attrName>style.visibility</p:attrName>
+                                        </p:attrNameLst>
+                                      </p:cBhvr>
+                                      <p:to>
+                                        <p:strVal val="visible"/>
+                                      </p:to>
+                                    </p:set>
+                                  </p:childTnLst>
+                                </p:cTn>
+                              </p:par>
+                            </p:childTnLst>
+                          </p:cTn>
+                        </p:par>
+                        <p:par>
+                          <p:cTn id="69" fill="hold">
+                            <p:stCondLst>
+                              <p:cond delay="0"/>
+                            </p:stCondLst>
+                            <p:childTnLst>
+                              <p:par>
+                                <p:cTn id="70" presetID="42" presetClass="path" presetSubtype="0" accel="50000" decel="50000" fill="hold" grpId="1" nodeType="afterEffect">
+                                  <p:stCondLst>
+                                    <p:cond delay="0"/>
+                                  </p:stCondLst>
+                                  <p:childTnLst>
+                                    <p:animMotion origin="layout" path="M -4.375E-6 -4.07407E-6 L -0.38606 -0.19004 " pathEditMode="relative" rAng="0" ptsTypes="AA">
+                                      <p:cBhvr>
+                                        <p:cTn id="71" dur="2000" spd="-100000" fill="hold"/>
+                                        <p:tgtEl>
+                                          <p:spTgt spid="71"/>
+                                        </p:tgtEl>
+                                        <p:attrNameLst>
+                                          <p:attrName>ppt_x</p:attrName>
+                                          <p:attrName>ppt_y</p:attrName>
+                                        </p:attrNameLst>
+                                      </p:cBhvr>
+                                      <p:rCtr x="-19310" y="-9514"/>
+                                    </p:animMotion>
+                                  </p:childTnLst>
+                                </p:cTn>
+                              </p:par>
+                            </p:childTnLst>
+                          </p:cTn>
+                        </p:par>
+                      </p:childTnLst>
+                    </p:cTn>
+                  </p:par>
+                  <p:par>
+                    <p:cTn id="72" fill="hold">
+                      <p:stCondLst>
+                        <p:cond delay="indefinite"/>
+                      </p:stCondLst>
+                      <p:childTnLst>
+                        <p:par>
+                          <p:cTn id="73" fill="hold">
+                            <p:stCondLst>
+                              <p:cond delay="0"/>
+                            </p:stCondLst>
+                            <p:childTnLst>
+                              <p:par>
+                                <p:cTn id="74" presetID="10" presetClass="entr" presetSubtype="0" fill="hold" nodeType="clickEffect">
+                                  <p:stCondLst>
+                                    <p:cond delay="0"/>
+                                  </p:stCondLst>
+                                  <p:childTnLst>
+                                    <p:set>
+                                      <p:cBhvr>
+                                        <p:cTn id="75" dur="1" fill="hold">
+                                          <p:stCondLst>
+                                            <p:cond delay="0"/>
+                                          </p:stCondLst>
+                                        </p:cTn>
+                                        <p:tgtEl>
+                                          <p:spTgt spid="30"/>
+                                        </p:tgtEl>
+                                        <p:attrNameLst>
+                                          <p:attrName>style.visibility</p:attrName>
+                                        </p:attrNameLst>
+                                      </p:cBhvr>
+                                      <p:to>
+                                        <p:strVal val="visible"/>
+                                      </p:to>
+                                    </p:set>
+                                    <p:animEffect transition="in" filter="fade">
+                                      <p:cBhvr>
+                                        <p:cTn id="76" dur="500"/>
+                                        <p:tgtEl>
+                                          <p:spTgt spid="30"/>
+                                        </p:tgtEl>
+                                      </p:cBhvr>
+                                    </p:animEffect>
+                                  </p:childTnLst>
+                                </p:cTn>
+                              </p:par>
+                            </p:childTnLst>
+                          </p:cTn>
+                        </p:par>
+                      </p:childTnLst>
+                    </p:cTn>
+                  </p:par>
+                  <p:par>
+                    <p:cTn id="77" fill="hold">
+                      <p:stCondLst>
+                        <p:cond delay="indefinite"/>
+                      </p:stCondLst>
+                      <p:childTnLst>
+                        <p:par>
+                          <p:cTn id="78" fill="hold">
+                            <p:stCondLst>
+                              <p:cond delay="0"/>
+                            </p:stCondLst>
+                            <p:childTnLst>
+                              <p:par>
+                                <p:cTn id="79" presetID="2" presetClass="entr" presetSubtype="9" fill="hold" nodeType="clickEffect">
+                                  <p:stCondLst>
+                                    <p:cond delay="0"/>
+                                  </p:stCondLst>
+                                  <p:childTnLst>
+                                    <p:set>
+                                      <p:cBhvr>
+                                        <p:cTn id="80" dur="1" fill="hold">
+                                          <p:stCondLst>
+                                            <p:cond delay="0"/>
+                                          </p:stCondLst>
+                                        </p:cTn>
+                                        <p:tgtEl>
+                                          <p:spTgt spid="33"/>
                                         </p:tgtEl>
                                         <p:attrNameLst>
                                           <p:attrName>style.visibility</p:attrName>
@@ -34303,9 +36293,9 @@
                                     </p:set>
                                     <p:anim calcmode="lin" valueType="num">
                                       <p:cBhvr additive="base">
-                                        <p:cTn id="27" dur="1000" fill="hold"/>
+                                        <p:cTn id="81" dur="1000" fill="hold"/>
                                         <p:tgtEl>
-                                          <p:spTgt spid="19"/>
+                                          <p:spTgt spid="33"/>
                                         </p:tgtEl>
                                         <p:attrNameLst>
                                           <p:attrName>ppt_x</p:attrName>
@@ -34314,7 +36304,7 @@
                                       <p:tavLst>
                                         <p:tav tm="0">
                                           <p:val>
-                                            <p:strVal val="1+#ppt_w/2"/>
+                                            <p:strVal val="0-#ppt_w/2"/>
                                           </p:val>
                                         </p:tav>
                                         <p:tav tm="100000">
@@ -34326,9 +36316,9 @@
                                     </p:anim>
                                     <p:anim calcmode="lin" valueType="num">
                                       <p:cBhvr additive="base">
-                                        <p:cTn id="28" dur="1000" fill="hold"/>
+                                        <p:cTn id="82" dur="1000" fill="hold"/>
                                         <p:tgtEl>
-                                          <p:spTgt spid="19"/>
+                                          <p:spTgt spid="33"/>
                                         </p:tgtEl>
                                         <p:attrNameLst>
                                           <p:attrName>ppt_y</p:attrName>
@@ -34337,7 +36327,7 @@
                                       <p:tavLst>
                                         <p:tav tm="0">
                                           <p:val>
-                                            <p:strVal val="1+#ppt_h/2"/>
+                                            <p:strVal val="0-#ppt_h/2"/>
                                           </p:val>
                                         </p:tav>
                                         <p:tav tm="100000">
@@ -34357,62 +36347,35 @@
                     </p:cTn>
                   </p:par>
                   <p:par>
-                    <p:cTn id="29" fill="hold">
+                    <p:cTn id="83" fill="hold">
                       <p:stCondLst>
                         <p:cond delay="indefinite"/>
                       </p:stCondLst>
                       <p:childTnLst>
                         <p:par>
-                          <p:cTn id="30" fill="hold">
+                          <p:cTn id="84" fill="hold">
                             <p:stCondLst>
                               <p:cond delay="0"/>
                             </p:stCondLst>
                             <p:childTnLst>
                               <p:par>
-                                <p:cTn id="31" presetID="1" presetClass="entr" presetSubtype="0" fill="hold" grpId="1" nodeType="clickEffect">
+                                <p:cTn id="85" presetID="42" presetClass="path" presetSubtype="0" accel="50000" decel="50000" autoRev="1" fill="hold" grpId="1" nodeType="clickEffect">
                                   <p:stCondLst>
                                     <p:cond delay="0"/>
                                   </p:stCondLst>
                                   <p:childTnLst>
-                                    <p:set>
+                                    <p:animMotion origin="layout" path="M 1.66667E-6 -4.81481E-6 L 0.57982 0.0794 " pathEditMode="relative" rAng="0" ptsTypes="AA">
                                       <p:cBhvr>
-                                        <p:cTn id="32" dur="1" fill="hold">
-                                          <p:stCondLst>
-                                            <p:cond delay="0"/>
-                                          </p:stCondLst>
-                                        </p:cTn>
+                                        <p:cTn id="86" dur="2000" fill="hold"/>
                                         <p:tgtEl>
-                                          <p:spTgt spid="60"/>
-                                        </p:tgtEl>
-                                        <p:attrNameLst>
-                                          <p:attrName>style.visibility</p:attrName>
-                                        </p:attrNameLst>
-                                      </p:cBhvr>
-                                      <p:to>
-                                        <p:strVal val="visible"/>
-                                      </p:to>
-                                    </p:set>
-                                  </p:childTnLst>
-                                </p:cTn>
-                              </p:par>
-                              <p:par>
-                                <p:cTn id="33" presetID="42" presetClass="path" presetSubtype="0" accel="50000" decel="50000" fill="hold" grpId="0" nodeType="withEffect">
-                                  <p:stCondLst>
-                                    <p:cond delay="0"/>
-                                  </p:stCondLst>
-                                  <p:childTnLst>
-                                    <p:animMotion origin="layout" path="M -3.125E-6 2.59259E-6 L -0.37669 -0.20972 " pathEditMode="relative" rAng="0" ptsTypes="AA">
-                                      <p:cBhvr>
-                                        <p:cTn id="34" dur="2000" spd="-100000" fill="hold"/>
-                                        <p:tgtEl>
-                                          <p:spTgt spid="60"/>
+                                          <p:spTgt spid="45"/>
                                         </p:tgtEl>
                                         <p:attrNameLst>
                                           <p:attrName>ppt_x</p:attrName>
                                           <p:attrName>ppt_y</p:attrName>
                                         </p:attrNameLst>
                                       </p:cBhvr>
-                                      <p:rCtr x="-18841" y="-10486"/>
+                                      <p:rCtr x="28984" y="3958"/>
                                     </p:animMotion>
                                   </p:childTnLst>
                                 </p:cTn>
@@ -34424,32 +36387,32 @@
                     </p:cTn>
                   </p:par>
                   <p:par>
-                    <p:cTn id="35" fill="hold">
+                    <p:cTn id="87" fill="hold">
                       <p:stCondLst>
                         <p:cond delay="indefinite"/>
                       </p:stCondLst>
                       <p:childTnLst>
                         <p:par>
-                          <p:cTn id="36" fill="hold">
+                          <p:cTn id="88" fill="hold">
                             <p:stCondLst>
                               <p:cond delay="0"/>
                             </p:stCondLst>
                             <p:childTnLst>
                               <p:par>
-                                <p:cTn id="37" presetID="1" presetClass="entr" presetSubtype="0" fill="hold" grpId="1" nodeType="clickEffect">
+                                <p:cTn id="89" presetID="2" presetClass="entr" presetSubtype="8" fill="hold" nodeType="clickEffect">
                                   <p:stCondLst>
                                     <p:cond delay="0"/>
                                   </p:stCondLst>
                                   <p:childTnLst>
                                     <p:set>
                                       <p:cBhvr>
-                                        <p:cTn id="38" dur="1" fill="hold">
+                                        <p:cTn id="90" dur="1" fill="hold">
                                           <p:stCondLst>
                                             <p:cond delay="0"/>
                                           </p:stCondLst>
                                         </p:cTn>
                                         <p:tgtEl>
-                                          <p:spTgt spid="62"/>
+                                          <p:spTgt spid="87"/>
                                         </p:tgtEl>
                                         <p:attrNameLst>
                                           <p:attrName>style.visibility</p:attrName>
@@ -34459,28 +36422,52 @@
                                         <p:strVal val="visible"/>
                                       </p:to>
                                     </p:set>
-                                  </p:childTnLst>
-                                </p:cTn>
-                              </p:par>
-                              <p:par>
-                                <p:cTn id="39" presetID="42" presetClass="path" presetSubtype="0" accel="50000" decel="50000" fill="hold" grpId="0" nodeType="withEffect">
-                                  <p:stCondLst>
-                                    <p:cond delay="0"/>
-                                  </p:stCondLst>
-                                  <p:childTnLst>
-                                    <p:animMotion origin="layout" path="M -3.125E-6 2.59259E-6 L -0.37669 -0.20972 " pathEditMode="relative" rAng="0" ptsTypes="AA">
-                                      <p:cBhvr>
-                                        <p:cTn id="40" dur="2000" spd="-100000" fill="hold"/>
+                                    <p:anim calcmode="lin" valueType="num">
+                                      <p:cBhvr additive="base">
+                                        <p:cTn id="91" dur="1000" fill="hold"/>
                                         <p:tgtEl>
-                                          <p:spTgt spid="62"/>
+                                          <p:spTgt spid="87"/>
                                         </p:tgtEl>
                                         <p:attrNameLst>
                                           <p:attrName>ppt_x</p:attrName>
+                                        </p:attrNameLst>
+                                      </p:cBhvr>
+                                      <p:tavLst>
+                                        <p:tav tm="0">
+                                          <p:val>
+                                            <p:strVal val="0-#ppt_w/2"/>
+                                          </p:val>
+                                        </p:tav>
+                                        <p:tav tm="100000">
+                                          <p:val>
+                                            <p:strVal val="#ppt_x"/>
+                                          </p:val>
+                                        </p:tav>
+                                      </p:tavLst>
+                                    </p:anim>
+                                    <p:anim calcmode="lin" valueType="num">
+                                      <p:cBhvr additive="base">
+                                        <p:cTn id="92" dur="1000" fill="hold"/>
+                                        <p:tgtEl>
+                                          <p:spTgt spid="87"/>
+                                        </p:tgtEl>
+                                        <p:attrNameLst>
                                           <p:attrName>ppt_y</p:attrName>
                                         </p:attrNameLst>
                                       </p:cBhvr>
-                                      <p:rCtr x="-18841" y="-10486"/>
-                                    </p:animMotion>
+                                      <p:tavLst>
+                                        <p:tav tm="0">
+                                          <p:val>
+                                            <p:strVal val="#ppt_y"/>
+                                          </p:val>
+                                        </p:tav>
+                                        <p:tav tm="100000">
+                                          <p:val>
+                                            <p:strVal val="#ppt_y"/>
+                                          </p:val>
+                                        </p:tav>
+                                      </p:tavLst>
+                                    </p:anim>
                                   </p:childTnLst>
                                 </p:cTn>
                               </p:par>
@@ -34491,32 +36478,32 @@
                     </p:cTn>
                   </p:par>
                   <p:par>
-                    <p:cTn id="41" fill="hold">
+                    <p:cTn id="93" fill="hold">
                       <p:stCondLst>
                         <p:cond delay="indefinite"/>
                       </p:stCondLst>
                       <p:childTnLst>
                         <p:par>
-                          <p:cTn id="42" fill="hold">
+                          <p:cTn id="94" fill="hold">
                             <p:stCondLst>
                               <p:cond delay="0"/>
                             </p:stCondLst>
                             <p:childTnLst>
                               <p:par>
-                                <p:cTn id="43" presetID="1" presetClass="entr" presetSubtype="0" fill="hold" grpId="1" nodeType="clickEffect">
+                                <p:cTn id="95" presetID="2" presetClass="entr" presetSubtype="8" fill="hold" nodeType="clickEffect">
                                   <p:stCondLst>
                                     <p:cond delay="0"/>
                                   </p:stCondLst>
                                   <p:childTnLst>
                                     <p:set>
                                       <p:cBhvr>
-                                        <p:cTn id="44" dur="1" fill="hold">
+                                        <p:cTn id="96" dur="1" fill="hold">
                                           <p:stCondLst>
                                             <p:cond delay="0"/>
                                           </p:stCondLst>
                                         </p:cTn>
                                         <p:tgtEl>
-                                          <p:spTgt spid="63"/>
+                                          <p:spTgt spid="94"/>
                                         </p:tgtEl>
                                         <p:attrNameLst>
                                           <p:attrName>style.visibility</p:attrName>
@@ -34526,37 +36513,52 @@
                                         <p:strVal val="visible"/>
                                       </p:to>
                                     </p:set>
-                                  </p:childTnLst>
-                                </p:cTn>
-                              </p:par>
-                            </p:childTnLst>
-                          </p:cTn>
-                        </p:par>
-                        <p:par>
-                          <p:cTn id="45" fill="hold">
-                            <p:stCondLst>
-                              <p:cond delay="0"/>
-                            </p:stCondLst>
-                            <p:childTnLst>
-                              <p:par>
-                                <p:cTn id="46" presetID="42" presetClass="path" presetSubtype="0" accel="50000" decel="50000" fill="hold" grpId="0" nodeType="afterEffect">
-                                  <p:stCondLst>
-                                    <p:cond delay="0"/>
-                                  </p:stCondLst>
-                                  <p:childTnLst>
-                                    <p:animMotion origin="layout" path="M 3.33333E-6 -2.59259E-6 L -0.29922 -0.02106 " pathEditMode="relative" rAng="0" ptsTypes="AA">
-                                      <p:cBhvr>
-                                        <p:cTn id="47" dur="2000" spd="-100000" fill="hold"/>
+                                    <p:anim calcmode="lin" valueType="num">
+                                      <p:cBhvr additive="base">
+                                        <p:cTn id="97" dur="1000" fill="hold"/>
                                         <p:tgtEl>
-                                          <p:spTgt spid="63"/>
+                                          <p:spTgt spid="94"/>
                                         </p:tgtEl>
                                         <p:attrNameLst>
                                           <p:attrName>ppt_x</p:attrName>
+                                        </p:attrNameLst>
+                                      </p:cBhvr>
+                                      <p:tavLst>
+                                        <p:tav tm="0">
+                                          <p:val>
+                                            <p:strVal val="0-#ppt_w/2"/>
+                                          </p:val>
+                                        </p:tav>
+                                        <p:tav tm="100000">
+                                          <p:val>
+                                            <p:strVal val="#ppt_x"/>
+                                          </p:val>
+                                        </p:tav>
+                                      </p:tavLst>
+                                    </p:anim>
+                                    <p:anim calcmode="lin" valueType="num">
+                                      <p:cBhvr additive="base">
+                                        <p:cTn id="98" dur="1000" fill="hold"/>
+                                        <p:tgtEl>
+                                          <p:spTgt spid="94"/>
+                                        </p:tgtEl>
+                                        <p:attrNameLst>
                                           <p:attrName>ppt_y</p:attrName>
                                         </p:attrNameLst>
                                       </p:cBhvr>
-                                      <p:rCtr x="-14961" y="-1065"/>
-                                    </p:animMotion>
+                                      <p:tavLst>
+                                        <p:tav tm="0">
+                                          <p:val>
+                                            <p:strVal val="#ppt_y"/>
+                                          </p:val>
+                                        </p:tav>
+                                        <p:tav tm="100000">
+                                          <p:val>
+                                            <p:strVal val="#ppt_y"/>
+                                          </p:val>
+                                        </p:tav>
+                                      </p:tavLst>
+                                    </p:anim>
                                   </p:childTnLst>
                                 </p:cTn>
                               </p:par>
@@ -34588,18 +36590,26 @@
       </p:par>
     </p:tnLst>
     <p:bldLst>
+      <p:bldP spid="26" grpId="0" animBg="1"/>
+      <p:bldP spid="26" grpId="1" animBg="1"/>
+      <p:bldP spid="40" grpId="0" animBg="1"/>
+      <p:bldP spid="20" grpId="0" animBg="1"/>
+      <p:bldP spid="49" grpId="0" animBg="1"/>
+      <p:bldP spid="58" grpId="0" animBg="1"/>
+      <p:bldP spid="60" grpId="0" animBg="1"/>
+      <p:bldP spid="60" grpId="1" animBg="1"/>
+      <p:bldP spid="34" grpId="0" animBg="1"/>
+      <p:bldP spid="34" grpId="1" animBg="1"/>
       <p:bldP spid="25" grpId="0" animBg="1"/>
       <p:bldP spid="25" grpId="1" animBg="1"/>
-      <p:bldP spid="26" grpId="0" animBg="1"/>
-      <p:bldP spid="26" grpId="1" animBg="1"/>
-      <p:bldP spid="60" grpId="0" animBg="1"/>
-      <p:bldP spid="60" grpId="1" animBg="1"/>
-      <p:bldP spid="62" grpId="0" animBg="1"/>
-      <p:bldP spid="62" grpId="1" animBg="1"/>
-      <p:bldP spid="63" grpId="0" animBg="1"/>
-      <p:bldP spid="63" grpId="1" animBg="1"/>
-      <p:bldP spid="34" grpId="0" animBg="1"/>
-      <p:bldP spid="34" grpId="1" animBg="1"/>
+      <p:bldP spid="66" grpId="0" animBg="1"/>
+      <p:bldP spid="66" grpId="1" animBg="1"/>
+      <p:bldP spid="67" grpId="0" animBg="1"/>
+      <p:bldP spid="67" grpId="1" animBg="1"/>
+      <p:bldP spid="71" grpId="0" animBg="1"/>
+      <p:bldP spid="71" grpId="1" animBg="1"/>
+      <p:bldP spid="45" grpId="0" animBg="1"/>
+      <p:bldP spid="45" grpId="1" animBg="1"/>
     </p:bldLst>
   </p:timing>
 </p:sld>

--- a/OMS DevOps Process Using Openshift Features.pptx
+++ b/OMS DevOps Process Using Openshift Features.pptx
@@ -21023,7 +21023,7 @@
         <p:spPr>
           <a:xfrm>
             <a:off x="431263" y="1063998"/>
-            <a:ext cx="10827451" cy="4524315"/>
+            <a:ext cx="10827451" cy="4893647"/>
           </a:xfrm>
           <a:prstGeom prst="rect">
             <a:avLst/>
@@ -21091,6 +21091,13 @@
             <a:r>
               <a:rPr lang="en-US" sz="2400" i="1" dirty="0"/>
               <a:t>Call center application, Store application, BOPIS implementation etc.</a:t>
+            </a:r>
+          </a:p>
+          <a:p>
+            <a:pPr lvl="1"/>
+            <a:r>
+              <a:rPr lang="en-US" sz="2400" i="1" dirty="0"/>
+              <a:t>Shared Services</a:t>
             </a:r>
           </a:p>
           <a:p>

--- a/OMS DevOps Process Using Openshift Features.pptx
+++ b/OMS DevOps Process Using Openshift Features.pptx
@@ -5,27 +5,28 @@
     <p:sldMasterId id="2147483774" r:id="rId1"/>
   </p:sldMasterIdLst>
   <p:notesMasterIdLst>
-    <p:notesMasterId r:id="rId20"/>
+    <p:notesMasterId r:id="rId21"/>
   </p:notesMasterIdLst>
   <p:sldIdLst>
     <p:sldId id="256" r:id="rId2"/>
     <p:sldId id="354" r:id="rId3"/>
     <p:sldId id="353" r:id="rId4"/>
     <p:sldId id="358" r:id="rId5"/>
-    <p:sldId id="357" r:id="rId6"/>
-    <p:sldId id="262" r:id="rId7"/>
-    <p:sldId id="263" r:id="rId8"/>
-    <p:sldId id="264" r:id="rId9"/>
-    <p:sldId id="265" r:id="rId10"/>
-    <p:sldId id="356" r:id="rId11"/>
-    <p:sldId id="261" r:id="rId12"/>
-    <p:sldId id="355" r:id="rId13"/>
-    <p:sldId id="342" r:id="rId14"/>
-    <p:sldId id="346" r:id="rId15"/>
-    <p:sldId id="348" r:id="rId16"/>
-    <p:sldId id="347" r:id="rId17"/>
-    <p:sldId id="351" r:id="rId18"/>
-    <p:sldId id="352" r:id="rId19"/>
+    <p:sldId id="359" r:id="rId6"/>
+    <p:sldId id="357" r:id="rId7"/>
+    <p:sldId id="262" r:id="rId8"/>
+    <p:sldId id="263" r:id="rId9"/>
+    <p:sldId id="264" r:id="rId10"/>
+    <p:sldId id="265" r:id="rId11"/>
+    <p:sldId id="356" r:id="rId12"/>
+    <p:sldId id="261" r:id="rId13"/>
+    <p:sldId id="355" r:id="rId14"/>
+    <p:sldId id="342" r:id="rId15"/>
+    <p:sldId id="346" r:id="rId16"/>
+    <p:sldId id="348" r:id="rId17"/>
+    <p:sldId id="347" r:id="rId18"/>
+    <p:sldId id="351" r:id="rId19"/>
+    <p:sldId id="352" r:id="rId20"/>
   </p:sldIdLst>
   <p:sldSz cx="12192000" cy="6858000"/>
   <p:notesSz cx="6858000" cy="9144000"/>
@@ -2794,7 +2795,7 @@
           <a:p>
             <a:fld id="{421F6B50-8E66-47CB-A2B6-8042DD6B6A79}" type="datetimeFigureOut">
               <a:rPr lang="en-US" smtClean="0"/>
-              <a:t>8/30/2019</a:t>
+              <a:t>10/22/2019</a:t>
             </a:fld>
             <a:endParaRPr lang="en-US"/>
           </a:p>
@@ -3126,7 +3127,7 @@
           <a:p>
             <a:fld id="{70282327-5762-4196-9AE9-5C88396B63E6}" type="slidenum">
               <a:rPr lang="en-IN" smtClean="0"/>
-              <a:t>13</a:t>
+              <a:t>14</a:t>
             </a:fld>
             <a:endParaRPr lang="en-IN"/>
           </a:p>
@@ -3276,7 +3277,7 @@
           <a:p>
             <a:fld id="{BD7B1233-555D-48FA-9E44-77CCB64FCC03}" type="datetimeFigureOut">
               <a:rPr lang="en-US" smtClean="0"/>
-              <a:t>8/30/2019</a:t>
+              <a:t>10/22/2019</a:t>
             </a:fld>
             <a:endParaRPr lang="en-US"/>
           </a:p>
@@ -3451,7 +3452,7 @@
           <a:p>
             <a:fld id="{BD7B1233-555D-48FA-9E44-77CCB64FCC03}" type="datetimeFigureOut">
               <a:rPr lang="en-US" smtClean="0"/>
-              <a:t>8/30/2019</a:t>
+              <a:t>10/22/2019</a:t>
             </a:fld>
             <a:endParaRPr lang="en-US"/>
           </a:p>
@@ -3631,7 +3632,7 @@
           <a:p>
             <a:fld id="{BD7B1233-555D-48FA-9E44-77CCB64FCC03}" type="datetimeFigureOut">
               <a:rPr lang="en-US" smtClean="0"/>
-              <a:t>8/30/2019</a:t>
+              <a:t>10/22/2019</a:t>
             </a:fld>
             <a:endParaRPr lang="en-US"/>
           </a:p>
@@ -3806,7 +3807,7 @@
           <a:p>
             <a:fld id="{BD7B1233-555D-48FA-9E44-77CCB64FCC03}" type="datetimeFigureOut">
               <a:rPr lang="en-US" smtClean="0"/>
-              <a:t>8/30/2019</a:t>
+              <a:t>10/22/2019</a:t>
             </a:fld>
             <a:endParaRPr lang="en-US"/>
           </a:p>
@@ -4052,7 +4053,7 @@
           <a:p>
             <a:fld id="{BD7B1233-555D-48FA-9E44-77CCB64FCC03}" type="datetimeFigureOut">
               <a:rPr lang="en-US" smtClean="0"/>
-              <a:t>8/30/2019</a:t>
+              <a:t>10/22/2019</a:t>
             </a:fld>
             <a:endParaRPr lang="en-US"/>
           </a:p>
@@ -4289,7 +4290,7 @@
           <a:p>
             <a:fld id="{BD7B1233-555D-48FA-9E44-77CCB64FCC03}" type="datetimeFigureOut">
               <a:rPr lang="en-US" smtClean="0"/>
-              <a:t>8/30/2019</a:t>
+              <a:t>10/22/2019</a:t>
             </a:fld>
             <a:endParaRPr lang="en-US"/>
           </a:p>
@@ -4656,7 +4657,7 @@
           <a:p>
             <a:fld id="{BD7B1233-555D-48FA-9E44-77CCB64FCC03}" type="datetimeFigureOut">
               <a:rPr lang="en-US" smtClean="0"/>
-              <a:t>8/30/2019</a:t>
+              <a:t>10/22/2019</a:t>
             </a:fld>
             <a:endParaRPr lang="en-US"/>
           </a:p>
@@ -4785,7 +4786,7 @@
           <a:p>
             <a:fld id="{BD7B1233-555D-48FA-9E44-77CCB64FCC03}" type="datetimeFigureOut">
               <a:rPr lang="en-US" smtClean="0"/>
-              <a:t>8/30/2019</a:t>
+              <a:t>10/22/2019</a:t>
             </a:fld>
             <a:endParaRPr lang="en-US"/>
           </a:p>
@@ -4880,7 +4881,7 @@
           <a:p>
             <a:fld id="{BD7B1233-555D-48FA-9E44-77CCB64FCC03}" type="datetimeFigureOut">
               <a:rPr lang="en-US" smtClean="0"/>
-              <a:t>8/30/2019</a:t>
+              <a:t>10/22/2019</a:t>
             </a:fld>
             <a:endParaRPr lang="en-US"/>
           </a:p>
@@ -5157,7 +5158,7 @@
           <a:p>
             <a:fld id="{BD7B1233-555D-48FA-9E44-77CCB64FCC03}" type="datetimeFigureOut">
               <a:rPr lang="en-US" smtClean="0"/>
-              <a:t>8/30/2019</a:t>
+              <a:t>10/22/2019</a:t>
             </a:fld>
             <a:endParaRPr lang="en-US"/>
           </a:p>
@@ -5414,7 +5415,7 @@
           <a:p>
             <a:fld id="{BD7B1233-555D-48FA-9E44-77CCB64FCC03}" type="datetimeFigureOut">
               <a:rPr lang="en-US" smtClean="0"/>
-              <a:t>8/30/2019</a:t>
+              <a:t>10/22/2019</a:t>
             </a:fld>
             <a:endParaRPr lang="en-US"/>
           </a:p>
@@ -5627,7 +5628,7 @@
           <a:p>
             <a:fld id="{BD7B1233-555D-48FA-9E44-77CCB64FCC03}" type="datetimeFigureOut">
               <a:rPr lang="en-US" smtClean="0"/>
-              <a:t>8/30/2019</a:t>
+              <a:t>10/22/2019</a:t>
             </a:fld>
             <a:endParaRPr lang="en-US"/>
           </a:p>
@@ -6685,6 +6686,2800 @@
 </file>
 
 <file path=ppt/slides/slide10.xml><?xml version="1.0" encoding="utf-8"?>
+<p:sld xmlns:a="http://schemas.openxmlformats.org/drawingml/2006/main" xmlns:r="http://schemas.openxmlformats.org/officeDocument/2006/relationships" xmlns:p="http://schemas.openxmlformats.org/presentationml/2006/main">
+  <p:cSld>
+    <p:spTree>
+      <p:nvGrpSpPr>
+        <p:cNvPr id="1" name=""/>
+        <p:cNvGrpSpPr/>
+        <p:nvPr/>
+      </p:nvGrpSpPr>
+      <p:grpSpPr>
+        <a:xfrm>
+          <a:off x="0" y="0"/>
+          <a:ext cx="0" cy="0"/>
+          <a:chOff x="0" y="0"/>
+          <a:chExt cx="0" cy="0"/>
+        </a:xfrm>
+      </p:grpSpPr>
+      <p:sp>
+        <p:nvSpPr>
+          <p:cNvPr id="2" name="Title 1">
+            <a:extLst>
+              <a:ext uri="{FF2B5EF4-FFF2-40B4-BE49-F238E27FC236}">
+                <a16:creationId xmlns:a16="http://schemas.microsoft.com/office/drawing/2014/main" id="{BDFD3F3F-AF75-4C88-A814-75BF3011B88B}"/>
+              </a:ext>
+            </a:extLst>
+          </p:cNvPr>
+          <p:cNvSpPr>
+            <a:spLocks noGrp="1"/>
+          </p:cNvSpPr>
+          <p:nvPr>
+            <p:ph type="title"/>
+          </p:nvPr>
+        </p:nvSpPr>
+        <p:spPr/>
+        <p:txBody>
+          <a:bodyPr/>
+          <a:lstStyle/>
+          <a:p>
+            <a:r>
+              <a:rPr lang="en-US" dirty="0"/>
+              <a:t>Validate Service A in Group Environment</a:t>
+            </a:r>
+          </a:p>
+        </p:txBody>
+      </p:sp>
+      <p:sp>
+        <p:nvSpPr>
+          <p:cNvPr id="3" name="Rectangle 2">
+            <a:extLst>
+              <a:ext uri="{FF2B5EF4-FFF2-40B4-BE49-F238E27FC236}">
+                <a16:creationId xmlns:a16="http://schemas.microsoft.com/office/drawing/2014/main" id="{C662BC5F-3B49-4675-8541-ADF98EB865CD}"/>
+              </a:ext>
+            </a:extLst>
+          </p:cNvPr>
+          <p:cNvSpPr/>
+          <p:nvPr/>
+        </p:nvSpPr>
+        <p:spPr>
+          <a:xfrm>
+            <a:off x="3469786" y="965395"/>
+            <a:ext cx="1428983" cy="4826942"/>
+          </a:xfrm>
+          <a:prstGeom prst="rect">
+            <a:avLst/>
+          </a:prstGeom>
+          <a:gradFill flip="none" rotWithShape="1">
+            <a:gsLst>
+              <a:gs pos="0">
+                <a:schemeClr val="accent4">
+                  <a:lumMod val="67000"/>
+                </a:schemeClr>
+              </a:gs>
+              <a:gs pos="48000">
+                <a:schemeClr val="accent4">
+                  <a:lumMod val="97000"/>
+                  <a:lumOff val="3000"/>
+                </a:schemeClr>
+              </a:gs>
+              <a:gs pos="100000">
+                <a:schemeClr val="accent4">
+                  <a:lumMod val="60000"/>
+                  <a:lumOff val="40000"/>
+                </a:schemeClr>
+              </a:gs>
+            </a:gsLst>
+            <a:lin ang="16200000" scaled="1"/>
+            <a:tileRect/>
+          </a:gradFill>
+          <a:ln>
+            <a:noFill/>
+          </a:ln>
+        </p:spPr>
+        <p:style>
+          <a:lnRef idx="0">
+            <a:scrgbClr r="0" g="0" b="0"/>
+          </a:lnRef>
+          <a:fillRef idx="0">
+            <a:scrgbClr r="0" g="0" b="0"/>
+          </a:fillRef>
+          <a:effectRef idx="0">
+            <a:scrgbClr r="0" g="0" b="0"/>
+          </a:effectRef>
+          <a:fontRef idx="minor">
+            <a:schemeClr val="lt1"/>
+          </a:fontRef>
+        </p:style>
+        <p:txBody>
+          <a:bodyPr rtlCol="0" anchor="t"/>
+          <a:lstStyle/>
+          <a:p>
+            <a:pPr algn="ctr"/>
+            <a:r>
+              <a:rPr lang="en-US" dirty="0"/>
+              <a:t>Git</a:t>
+            </a:r>
+          </a:p>
+        </p:txBody>
+      </p:sp>
+      <p:sp>
+        <p:nvSpPr>
+          <p:cNvPr id="5" name="Rectangle 4">
+            <a:extLst>
+              <a:ext uri="{FF2B5EF4-FFF2-40B4-BE49-F238E27FC236}">
+                <a16:creationId xmlns:a16="http://schemas.microsoft.com/office/drawing/2014/main" id="{627E70CB-77C6-4F53-BA98-BBDF3A079C9B}"/>
+              </a:ext>
+            </a:extLst>
+          </p:cNvPr>
+          <p:cNvSpPr/>
+          <p:nvPr/>
+        </p:nvSpPr>
+        <p:spPr>
+          <a:xfrm>
+            <a:off x="1101147" y="959219"/>
+            <a:ext cx="2274765" cy="4513291"/>
+          </a:xfrm>
+          <a:prstGeom prst="rect">
+            <a:avLst/>
+          </a:prstGeom>
+          <a:solidFill>
+            <a:srgbClr val="C00000"/>
+          </a:solidFill>
+        </p:spPr>
+        <p:style>
+          <a:lnRef idx="2">
+            <a:schemeClr val="accent1">
+              <a:shade val="50000"/>
+            </a:schemeClr>
+          </a:lnRef>
+          <a:fillRef idx="1">
+            <a:schemeClr val="accent1"/>
+          </a:fillRef>
+          <a:effectRef idx="0">
+            <a:schemeClr val="accent1"/>
+          </a:effectRef>
+          <a:fontRef idx="minor">
+            <a:schemeClr val="lt1"/>
+          </a:fontRef>
+        </p:style>
+        <p:txBody>
+          <a:bodyPr rtlCol="0" anchor="t"/>
+          <a:lstStyle/>
+          <a:p>
+            <a:pPr algn="ctr"/>
+            <a:r>
+              <a:rPr lang="en-US" dirty="0"/>
+              <a:t>OpenShift Registry</a:t>
+            </a:r>
+          </a:p>
+        </p:txBody>
+      </p:sp>
+      <p:sp>
+        <p:nvSpPr>
+          <p:cNvPr id="6" name="Rectangle: Rounded Corners 5">
+            <a:extLst>
+              <a:ext uri="{FF2B5EF4-FFF2-40B4-BE49-F238E27FC236}">
+                <a16:creationId xmlns:a16="http://schemas.microsoft.com/office/drawing/2014/main" id="{E7A8A31C-4E1C-4DA7-81CF-9C8F57A31607}"/>
+              </a:ext>
+            </a:extLst>
+          </p:cNvPr>
+          <p:cNvSpPr/>
+          <p:nvPr/>
+        </p:nvSpPr>
+        <p:spPr>
+          <a:xfrm>
+            <a:off x="1380692" y="2551066"/>
+            <a:ext cx="1027032" cy="336626"/>
+          </a:xfrm>
+          <a:prstGeom prst="roundRect">
+            <a:avLst/>
+          </a:prstGeom>
+        </p:spPr>
+        <p:style>
+          <a:lnRef idx="2">
+            <a:schemeClr val="accent1">
+              <a:shade val="50000"/>
+            </a:schemeClr>
+          </a:lnRef>
+          <a:fillRef idx="1">
+            <a:schemeClr val="accent1"/>
+          </a:fillRef>
+          <a:effectRef idx="0">
+            <a:schemeClr val="accent1"/>
+          </a:effectRef>
+          <a:fontRef idx="minor">
+            <a:schemeClr val="lt1"/>
+          </a:fontRef>
+        </p:style>
+        <p:txBody>
+          <a:bodyPr rtlCol="0" anchor="ctr"/>
+          <a:lstStyle/>
+          <a:p>
+            <a:pPr algn="ctr"/>
+            <a:r>
+              <a:rPr lang="en-US" sz="900" dirty="0"/>
+              <a:t>Image</a:t>
+            </a:r>
+          </a:p>
+          <a:p>
+            <a:pPr algn="ctr"/>
+            <a:r>
+              <a:rPr lang="en-US" sz="900" dirty="0"/>
+              <a:t>OOB Agent</a:t>
+            </a:r>
+          </a:p>
+        </p:txBody>
+      </p:sp>
+      <p:sp>
+        <p:nvSpPr>
+          <p:cNvPr id="7" name="Rectangle: Rounded Corners 6">
+            <a:extLst>
+              <a:ext uri="{FF2B5EF4-FFF2-40B4-BE49-F238E27FC236}">
+                <a16:creationId xmlns:a16="http://schemas.microsoft.com/office/drawing/2014/main" id="{77DCA46F-ADFC-432B-BA5F-A776601F7021}"/>
+              </a:ext>
+            </a:extLst>
+          </p:cNvPr>
+          <p:cNvSpPr/>
+          <p:nvPr/>
+        </p:nvSpPr>
+        <p:spPr>
+          <a:xfrm>
+            <a:off x="1380692" y="2094919"/>
+            <a:ext cx="1027032" cy="336626"/>
+          </a:xfrm>
+          <a:prstGeom prst="roundRect">
+            <a:avLst/>
+          </a:prstGeom>
+        </p:spPr>
+        <p:style>
+          <a:lnRef idx="2">
+            <a:schemeClr val="accent1">
+              <a:shade val="50000"/>
+            </a:schemeClr>
+          </a:lnRef>
+          <a:fillRef idx="1">
+            <a:schemeClr val="accent1"/>
+          </a:fillRef>
+          <a:effectRef idx="0">
+            <a:schemeClr val="accent1"/>
+          </a:effectRef>
+          <a:fontRef idx="minor">
+            <a:schemeClr val="lt1"/>
+          </a:fontRef>
+        </p:style>
+        <p:txBody>
+          <a:bodyPr rtlCol="0" anchor="ctr"/>
+          <a:lstStyle/>
+          <a:p>
+            <a:pPr algn="ctr"/>
+            <a:r>
+              <a:rPr lang="en-US" sz="900" dirty="0"/>
+              <a:t>Image</a:t>
+            </a:r>
+          </a:p>
+          <a:p>
+            <a:pPr algn="ctr"/>
+            <a:r>
+              <a:rPr lang="en-US" sz="900" dirty="0"/>
+              <a:t>OOB App</a:t>
+            </a:r>
+          </a:p>
+        </p:txBody>
+      </p:sp>
+      <p:sp>
+        <p:nvSpPr>
+          <p:cNvPr id="8" name="Rectangle: Rounded Corners 7">
+            <a:extLst>
+              <a:ext uri="{FF2B5EF4-FFF2-40B4-BE49-F238E27FC236}">
+                <a16:creationId xmlns:a16="http://schemas.microsoft.com/office/drawing/2014/main" id="{3410811C-7345-4FA0-9C97-C8703953AF99}"/>
+              </a:ext>
+            </a:extLst>
+          </p:cNvPr>
+          <p:cNvSpPr/>
+          <p:nvPr/>
+        </p:nvSpPr>
+        <p:spPr>
+          <a:xfrm>
+            <a:off x="1380692" y="1638772"/>
+            <a:ext cx="1027032" cy="336626"/>
+          </a:xfrm>
+          <a:prstGeom prst="roundRect">
+            <a:avLst/>
+          </a:prstGeom>
+        </p:spPr>
+        <p:style>
+          <a:lnRef idx="2">
+            <a:schemeClr val="accent1">
+              <a:shade val="50000"/>
+            </a:schemeClr>
+          </a:lnRef>
+          <a:fillRef idx="1">
+            <a:schemeClr val="accent1"/>
+          </a:fillRef>
+          <a:effectRef idx="0">
+            <a:schemeClr val="accent1"/>
+          </a:effectRef>
+          <a:fontRef idx="minor">
+            <a:schemeClr val="lt1"/>
+          </a:fontRef>
+        </p:style>
+        <p:txBody>
+          <a:bodyPr rtlCol="0" anchor="ctr"/>
+          <a:lstStyle/>
+          <a:p>
+            <a:pPr algn="ctr"/>
+            <a:r>
+              <a:rPr lang="en-US" sz="900" dirty="0"/>
+              <a:t>Image</a:t>
+            </a:r>
+          </a:p>
+          <a:p>
+            <a:pPr algn="ctr"/>
+            <a:r>
+              <a:rPr lang="en-US" sz="900" dirty="0"/>
+              <a:t>OOB Foundation</a:t>
+            </a:r>
+          </a:p>
+        </p:txBody>
+      </p:sp>
+      <p:sp>
+        <p:nvSpPr>
+          <p:cNvPr id="9" name="Rectangle 8">
+            <a:extLst>
+              <a:ext uri="{FF2B5EF4-FFF2-40B4-BE49-F238E27FC236}">
+                <a16:creationId xmlns:a16="http://schemas.microsoft.com/office/drawing/2014/main" id="{658D5B1D-6C39-4945-B928-666A7A5708B6}"/>
+              </a:ext>
+            </a:extLst>
+          </p:cNvPr>
+          <p:cNvSpPr/>
+          <p:nvPr/>
+        </p:nvSpPr>
+        <p:spPr>
+          <a:xfrm>
+            <a:off x="5027558" y="959219"/>
+            <a:ext cx="5782054" cy="1086606"/>
+          </a:xfrm>
+          <a:prstGeom prst="rect">
+            <a:avLst/>
+          </a:prstGeom>
+          <a:solidFill>
+            <a:srgbClr val="C00000"/>
+          </a:solidFill>
+        </p:spPr>
+        <p:style>
+          <a:lnRef idx="2">
+            <a:schemeClr val="accent1">
+              <a:shade val="50000"/>
+            </a:schemeClr>
+          </a:lnRef>
+          <a:fillRef idx="1">
+            <a:schemeClr val="accent1"/>
+          </a:fillRef>
+          <a:effectRef idx="0">
+            <a:schemeClr val="accent1"/>
+          </a:effectRef>
+          <a:fontRef idx="minor">
+            <a:schemeClr val="lt1"/>
+          </a:fontRef>
+        </p:style>
+        <p:txBody>
+          <a:bodyPr rtlCol="0" anchor="ctr"/>
+          <a:lstStyle/>
+          <a:p>
+            <a:pPr algn="ctr"/>
+            <a:r>
+              <a:rPr lang="en-US" dirty="0"/>
+              <a:t>OpenShift Cluster</a:t>
+            </a:r>
+          </a:p>
+        </p:txBody>
+      </p:sp>
+      <p:sp>
+        <p:nvSpPr>
+          <p:cNvPr id="10" name="Rectangle: Rounded Corners 9">
+            <a:extLst>
+              <a:ext uri="{FF2B5EF4-FFF2-40B4-BE49-F238E27FC236}">
+                <a16:creationId xmlns:a16="http://schemas.microsoft.com/office/drawing/2014/main" id="{580CA604-6520-41AF-A104-ACDA0D0B5EB9}"/>
+              </a:ext>
+            </a:extLst>
+          </p:cNvPr>
+          <p:cNvSpPr/>
+          <p:nvPr/>
+        </p:nvSpPr>
+        <p:spPr>
+          <a:xfrm>
+            <a:off x="1380692" y="3463360"/>
+            <a:ext cx="1027032" cy="336626"/>
+          </a:xfrm>
+          <a:prstGeom prst="roundRect">
+            <a:avLst/>
+          </a:prstGeom>
+          <a:solidFill>
+            <a:schemeClr val="accent6">
+              <a:lumMod val="75000"/>
+            </a:schemeClr>
+          </a:solidFill>
+        </p:spPr>
+        <p:style>
+          <a:lnRef idx="2">
+            <a:schemeClr val="accent1">
+              <a:shade val="50000"/>
+            </a:schemeClr>
+          </a:lnRef>
+          <a:fillRef idx="1">
+            <a:schemeClr val="accent1"/>
+          </a:fillRef>
+          <a:effectRef idx="0">
+            <a:schemeClr val="accent1"/>
+          </a:effectRef>
+          <a:fontRef idx="minor">
+            <a:schemeClr val="lt1"/>
+          </a:fontRef>
+        </p:style>
+        <p:txBody>
+          <a:bodyPr rtlCol="0" anchor="ctr"/>
+          <a:lstStyle/>
+          <a:p>
+            <a:pPr algn="ctr"/>
+            <a:r>
+              <a:rPr lang="en-US" sz="900" dirty="0"/>
+              <a:t>Image</a:t>
+            </a:r>
+          </a:p>
+          <a:p>
+            <a:pPr algn="ctr"/>
+            <a:r>
+              <a:rPr lang="en-US" sz="900" dirty="0"/>
+              <a:t>ActiveMQ</a:t>
+            </a:r>
+          </a:p>
+        </p:txBody>
+      </p:sp>
+      <p:sp>
+        <p:nvSpPr>
+          <p:cNvPr id="11" name="Rectangle: Rounded Corners 10">
+            <a:extLst>
+              <a:ext uri="{FF2B5EF4-FFF2-40B4-BE49-F238E27FC236}">
+                <a16:creationId xmlns:a16="http://schemas.microsoft.com/office/drawing/2014/main" id="{56EDDB0E-90C2-4A2C-B53A-1F5952038C40}"/>
+              </a:ext>
+            </a:extLst>
+          </p:cNvPr>
+          <p:cNvSpPr/>
+          <p:nvPr/>
+        </p:nvSpPr>
+        <p:spPr>
+          <a:xfrm>
+            <a:off x="1380692" y="3007213"/>
+            <a:ext cx="1027032" cy="336626"/>
+          </a:xfrm>
+          <a:prstGeom prst="roundRect">
+            <a:avLst/>
+          </a:prstGeom>
+          <a:solidFill>
+            <a:schemeClr val="accent6">
+              <a:lumMod val="75000"/>
+            </a:schemeClr>
+          </a:solidFill>
+        </p:spPr>
+        <p:style>
+          <a:lnRef idx="2">
+            <a:schemeClr val="accent1">
+              <a:shade val="50000"/>
+            </a:schemeClr>
+          </a:lnRef>
+          <a:fillRef idx="1">
+            <a:schemeClr val="accent1"/>
+          </a:fillRef>
+          <a:effectRef idx="0">
+            <a:schemeClr val="accent1"/>
+          </a:effectRef>
+          <a:fontRef idx="minor">
+            <a:schemeClr val="lt1"/>
+          </a:fontRef>
+        </p:style>
+        <p:txBody>
+          <a:bodyPr rtlCol="0" anchor="ctr"/>
+          <a:lstStyle/>
+          <a:p>
+            <a:pPr algn="ctr"/>
+            <a:r>
+              <a:rPr lang="en-US" sz="900" dirty="0"/>
+              <a:t>Image</a:t>
+            </a:r>
+          </a:p>
+          <a:p>
+            <a:pPr algn="ctr"/>
+            <a:r>
+              <a:rPr lang="en-US" sz="900" dirty="0"/>
+              <a:t>DB2</a:t>
+            </a:r>
+          </a:p>
+        </p:txBody>
+      </p:sp>
+      <p:sp>
+        <p:nvSpPr>
+          <p:cNvPr id="15" name="Rectangle 14">
+            <a:extLst>
+              <a:ext uri="{FF2B5EF4-FFF2-40B4-BE49-F238E27FC236}">
+                <a16:creationId xmlns:a16="http://schemas.microsoft.com/office/drawing/2014/main" id="{A8C6E649-69D2-49C5-86B9-AB309C90AD84}"/>
+              </a:ext>
+            </a:extLst>
+          </p:cNvPr>
+          <p:cNvSpPr/>
+          <p:nvPr/>
+        </p:nvSpPr>
+        <p:spPr>
+          <a:xfrm>
+            <a:off x="5027557" y="2078496"/>
+            <a:ext cx="5782053" cy="336626"/>
+          </a:xfrm>
+          <a:prstGeom prst="rect">
+            <a:avLst/>
+          </a:prstGeom>
+          <a:solidFill>
+            <a:srgbClr val="002060"/>
+          </a:solidFill>
+        </p:spPr>
+        <p:style>
+          <a:lnRef idx="2">
+            <a:schemeClr val="accent1">
+              <a:shade val="50000"/>
+            </a:schemeClr>
+          </a:lnRef>
+          <a:fillRef idx="1">
+            <a:schemeClr val="accent1"/>
+          </a:fillRef>
+          <a:effectRef idx="0">
+            <a:schemeClr val="accent1"/>
+          </a:effectRef>
+          <a:fontRef idx="minor">
+            <a:schemeClr val="lt1"/>
+          </a:fontRef>
+        </p:style>
+        <p:txBody>
+          <a:bodyPr rtlCol="0" anchor="ctr"/>
+          <a:lstStyle/>
+          <a:p>
+            <a:pPr algn="ctr"/>
+            <a:r>
+              <a:rPr lang="en-US" dirty="0"/>
+              <a:t>IBM Common Service</a:t>
+            </a:r>
+          </a:p>
+        </p:txBody>
+      </p:sp>
+      <p:sp>
+        <p:nvSpPr>
+          <p:cNvPr id="18" name="Rectangle 17">
+            <a:extLst>
+              <a:ext uri="{FF2B5EF4-FFF2-40B4-BE49-F238E27FC236}">
+                <a16:creationId xmlns:a16="http://schemas.microsoft.com/office/drawing/2014/main" id="{0EB48C62-2372-49A1-A36F-FD92B7DFE2FF}"/>
+              </a:ext>
+            </a:extLst>
+          </p:cNvPr>
+          <p:cNvSpPr/>
+          <p:nvPr/>
+        </p:nvSpPr>
+        <p:spPr>
+          <a:xfrm>
+            <a:off x="5253316" y="2478941"/>
+            <a:ext cx="5440681" cy="3317915"/>
+          </a:xfrm>
+          <a:prstGeom prst="rect">
+            <a:avLst/>
+          </a:prstGeom>
+          <a:solidFill>
+            <a:srgbClr val="C00000"/>
+          </a:solidFill>
+        </p:spPr>
+        <p:style>
+          <a:lnRef idx="2">
+            <a:schemeClr val="accent1">
+              <a:shade val="50000"/>
+            </a:schemeClr>
+          </a:lnRef>
+          <a:fillRef idx="1">
+            <a:schemeClr val="accent1"/>
+          </a:fillRef>
+          <a:effectRef idx="0">
+            <a:schemeClr val="accent1"/>
+          </a:effectRef>
+          <a:fontRef idx="minor">
+            <a:schemeClr val="lt1"/>
+          </a:fontRef>
+        </p:style>
+        <p:txBody>
+          <a:bodyPr rtlCol="0" anchor="t"/>
+          <a:lstStyle/>
+          <a:p>
+            <a:pPr algn="ctr"/>
+            <a:r>
+              <a:rPr lang="en-US" dirty="0"/>
+              <a:t>Group Environment</a:t>
+            </a:r>
+          </a:p>
+        </p:txBody>
+      </p:sp>
+      <p:sp>
+        <p:nvSpPr>
+          <p:cNvPr id="22" name="Oval 21">
+            <a:extLst>
+              <a:ext uri="{FF2B5EF4-FFF2-40B4-BE49-F238E27FC236}">
+                <a16:creationId xmlns:a16="http://schemas.microsoft.com/office/drawing/2014/main" id="{C52CC768-E412-4890-A899-785F066881E1}"/>
+              </a:ext>
+            </a:extLst>
+          </p:cNvPr>
+          <p:cNvSpPr/>
+          <p:nvPr/>
+        </p:nvSpPr>
+        <p:spPr>
+          <a:xfrm>
+            <a:off x="7455393" y="3253244"/>
+            <a:ext cx="914400" cy="504939"/>
+          </a:xfrm>
+          <a:prstGeom prst="ellipse">
+            <a:avLst/>
+          </a:prstGeom>
+          <a:solidFill>
+            <a:schemeClr val="accent6">
+              <a:lumMod val="75000"/>
+            </a:schemeClr>
+          </a:solidFill>
+        </p:spPr>
+        <p:style>
+          <a:lnRef idx="2">
+            <a:schemeClr val="accent1">
+              <a:shade val="50000"/>
+            </a:schemeClr>
+          </a:lnRef>
+          <a:fillRef idx="1">
+            <a:schemeClr val="accent1"/>
+          </a:fillRef>
+          <a:effectRef idx="0">
+            <a:schemeClr val="accent1"/>
+          </a:effectRef>
+          <a:fontRef idx="minor">
+            <a:schemeClr val="lt1"/>
+          </a:fontRef>
+        </p:style>
+        <p:txBody>
+          <a:bodyPr rtlCol="0" anchor="ctr"/>
+          <a:lstStyle/>
+          <a:p>
+            <a:pPr algn="ctr"/>
+            <a:r>
+              <a:rPr lang="en-US" sz="800" dirty="0"/>
+              <a:t>Container</a:t>
+            </a:r>
+          </a:p>
+          <a:p>
+            <a:pPr algn="ctr"/>
+            <a:r>
+              <a:rPr lang="en-US" sz="800" dirty="0"/>
+              <a:t>DB2 </a:t>
+            </a:r>
+            <a:r>
+              <a:rPr lang="en-US" sz="800" dirty="0" err="1"/>
+              <a:t>NonConfig</a:t>
+            </a:r>
+            <a:endParaRPr lang="en-US" sz="800" dirty="0"/>
+          </a:p>
+        </p:txBody>
+      </p:sp>
+      <p:sp>
+        <p:nvSpPr>
+          <p:cNvPr id="23" name="Rectangle 22">
+            <a:extLst>
+              <a:ext uri="{FF2B5EF4-FFF2-40B4-BE49-F238E27FC236}">
+                <a16:creationId xmlns:a16="http://schemas.microsoft.com/office/drawing/2014/main" id="{8448B24D-02A4-4D8D-9218-59633BFAF6AB}"/>
+              </a:ext>
+            </a:extLst>
+          </p:cNvPr>
+          <p:cNvSpPr/>
+          <p:nvPr/>
+        </p:nvSpPr>
+        <p:spPr>
+          <a:xfrm>
+            <a:off x="5576436" y="2838900"/>
+            <a:ext cx="4831587" cy="336626"/>
+          </a:xfrm>
+          <a:prstGeom prst="rect">
+            <a:avLst/>
+          </a:prstGeom>
+          <a:solidFill>
+            <a:srgbClr val="002060"/>
+          </a:solidFill>
+        </p:spPr>
+        <p:style>
+          <a:lnRef idx="2">
+            <a:schemeClr val="accent1">
+              <a:shade val="50000"/>
+            </a:schemeClr>
+          </a:lnRef>
+          <a:fillRef idx="1">
+            <a:schemeClr val="accent1"/>
+          </a:fillRef>
+          <a:effectRef idx="0">
+            <a:schemeClr val="accent1"/>
+          </a:effectRef>
+          <a:fontRef idx="minor">
+            <a:schemeClr val="lt1"/>
+          </a:fontRef>
+        </p:style>
+        <p:txBody>
+          <a:bodyPr rtlCol="0" anchor="ctr"/>
+          <a:lstStyle/>
+          <a:p>
+            <a:pPr algn="ctr"/>
+            <a:r>
+              <a:rPr lang="en-US" dirty="0"/>
+              <a:t>Project Setup for OMS</a:t>
+            </a:r>
+          </a:p>
+        </p:txBody>
+      </p:sp>
+      <p:sp>
+        <p:nvSpPr>
+          <p:cNvPr id="24" name="Oval 23">
+            <a:extLst>
+              <a:ext uri="{FF2B5EF4-FFF2-40B4-BE49-F238E27FC236}">
+                <a16:creationId xmlns:a16="http://schemas.microsoft.com/office/drawing/2014/main" id="{20CCDCA1-5DFB-4EC4-96B9-1369FABAE4A6}"/>
+              </a:ext>
+            </a:extLst>
+          </p:cNvPr>
+          <p:cNvSpPr/>
+          <p:nvPr/>
+        </p:nvSpPr>
+        <p:spPr>
+          <a:xfrm>
+            <a:off x="6451616" y="3264891"/>
+            <a:ext cx="914400" cy="504939"/>
+          </a:xfrm>
+          <a:prstGeom prst="ellipse">
+            <a:avLst/>
+          </a:prstGeom>
+        </p:spPr>
+        <p:style>
+          <a:lnRef idx="2">
+            <a:schemeClr val="accent1">
+              <a:shade val="50000"/>
+            </a:schemeClr>
+          </a:lnRef>
+          <a:fillRef idx="1">
+            <a:schemeClr val="accent1"/>
+          </a:fillRef>
+          <a:effectRef idx="0">
+            <a:schemeClr val="accent1"/>
+          </a:effectRef>
+          <a:fontRef idx="minor">
+            <a:schemeClr val="lt1"/>
+          </a:fontRef>
+        </p:style>
+        <p:txBody>
+          <a:bodyPr rtlCol="0" anchor="ctr"/>
+          <a:lstStyle/>
+          <a:p>
+            <a:pPr algn="ctr"/>
+            <a:r>
+              <a:rPr lang="en-US" sz="800" dirty="0"/>
+              <a:t>Container</a:t>
+            </a:r>
+          </a:p>
+          <a:p>
+            <a:pPr algn="ctr"/>
+            <a:r>
+              <a:rPr lang="en-US" sz="800" dirty="0"/>
+              <a:t>Foundation</a:t>
+            </a:r>
+          </a:p>
+        </p:txBody>
+      </p:sp>
+      <p:sp>
+        <p:nvSpPr>
+          <p:cNvPr id="27" name="Oval 26">
+            <a:extLst>
+              <a:ext uri="{FF2B5EF4-FFF2-40B4-BE49-F238E27FC236}">
+                <a16:creationId xmlns:a16="http://schemas.microsoft.com/office/drawing/2014/main" id="{00BEB5C7-3E82-496E-A9E5-42E04C2CC432}"/>
+              </a:ext>
+            </a:extLst>
+          </p:cNvPr>
+          <p:cNvSpPr/>
+          <p:nvPr/>
+        </p:nvSpPr>
+        <p:spPr>
+          <a:xfrm>
+            <a:off x="8459170" y="3239345"/>
+            <a:ext cx="914400" cy="504939"/>
+          </a:xfrm>
+          <a:prstGeom prst="ellipse">
+            <a:avLst/>
+          </a:prstGeom>
+          <a:solidFill>
+            <a:schemeClr val="accent6">
+              <a:lumMod val="75000"/>
+            </a:schemeClr>
+          </a:solidFill>
+        </p:spPr>
+        <p:style>
+          <a:lnRef idx="2">
+            <a:schemeClr val="accent1">
+              <a:shade val="50000"/>
+            </a:schemeClr>
+          </a:lnRef>
+          <a:fillRef idx="1">
+            <a:schemeClr val="accent1"/>
+          </a:fillRef>
+          <a:effectRef idx="0">
+            <a:schemeClr val="accent1"/>
+          </a:effectRef>
+          <a:fontRef idx="minor">
+            <a:schemeClr val="lt1"/>
+          </a:fontRef>
+        </p:style>
+        <p:txBody>
+          <a:bodyPr rtlCol="0" anchor="ctr"/>
+          <a:lstStyle/>
+          <a:p>
+            <a:pPr algn="ctr"/>
+            <a:r>
+              <a:rPr lang="en-US" sz="800" dirty="0"/>
+              <a:t>Container</a:t>
+            </a:r>
+          </a:p>
+          <a:p>
+            <a:pPr algn="ctr"/>
+            <a:r>
+              <a:rPr lang="en-US" sz="800" dirty="0"/>
+              <a:t>ActiveMQ</a:t>
+            </a:r>
+          </a:p>
+        </p:txBody>
+      </p:sp>
+      <p:sp>
+        <p:nvSpPr>
+          <p:cNvPr id="38" name="Rectangle 37">
+            <a:extLst>
+              <a:ext uri="{FF2B5EF4-FFF2-40B4-BE49-F238E27FC236}">
+                <a16:creationId xmlns:a16="http://schemas.microsoft.com/office/drawing/2014/main" id="{141A9696-2499-43F5-BBC6-533E1CF139E4}"/>
+              </a:ext>
+            </a:extLst>
+          </p:cNvPr>
+          <p:cNvSpPr/>
+          <p:nvPr/>
+        </p:nvSpPr>
+        <p:spPr>
+          <a:xfrm>
+            <a:off x="3493626" y="3007213"/>
+            <a:ext cx="1364619" cy="2528418"/>
+          </a:xfrm>
+          <a:prstGeom prst="rect">
+            <a:avLst/>
+          </a:prstGeom>
+          <a:gradFill flip="none" rotWithShape="1">
+            <a:gsLst>
+              <a:gs pos="0">
+                <a:schemeClr val="dk1">
+                  <a:lumMod val="67000"/>
+                </a:schemeClr>
+              </a:gs>
+              <a:gs pos="48000">
+                <a:schemeClr val="dk1">
+                  <a:lumMod val="97000"/>
+                  <a:lumOff val="3000"/>
+                </a:schemeClr>
+              </a:gs>
+              <a:gs pos="100000">
+                <a:schemeClr val="dk1">
+                  <a:lumMod val="60000"/>
+                  <a:lumOff val="40000"/>
+                </a:schemeClr>
+              </a:gs>
+            </a:gsLst>
+            <a:lin ang="16200000" scaled="1"/>
+            <a:tileRect/>
+          </a:gradFill>
+          <a:ln>
+            <a:noFill/>
+          </a:ln>
+        </p:spPr>
+        <p:style>
+          <a:lnRef idx="0">
+            <a:scrgbClr r="0" g="0" b="0"/>
+          </a:lnRef>
+          <a:fillRef idx="0">
+            <a:scrgbClr r="0" g="0" b="0"/>
+          </a:fillRef>
+          <a:effectRef idx="0">
+            <a:scrgbClr r="0" g="0" b="0"/>
+          </a:effectRef>
+          <a:fontRef idx="minor">
+            <a:schemeClr val="lt1"/>
+          </a:fontRef>
+        </p:style>
+        <p:txBody>
+          <a:bodyPr rtlCol="0" anchor="t"/>
+          <a:lstStyle/>
+          <a:p>
+            <a:pPr algn="ctr"/>
+            <a:r>
+              <a:rPr lang="en-US" dirty="0" err="1"/>
+              <a:t>Srvc</a:t>
+            </a:r>
+            <a:r>
+              <a:rPr lang="en-US" dirty="0"/>
+              <a:t> A</a:t>
+            </a:r>
+          </a:p>
+        </p:txBody>
+      </p:sp>
+      <p:sp>
+        <p:nvSpPr>
+          <p:cNvPr id="34" name="Oval 33">
+            <a:extLst>
+              <a:ext uri="{FF2B5EF4-FFF2-40B4-BE49-F238E27FC236}">
+                <a16:creationId xmlns:a16="http://schemas.microsoft.com/office/drawing/2014/main" id="{E9EA4076-5BC6-455E-B940-C70DACE8AFFD}"/>
+              </a:ext>
+            </a:extLst>
+          </p:cNvPr>
+          <p:cNvSpPr/>
+          <p:nvPr/>
+        </p:nvSpPr>
+        <p:spPr>
+          <a:xfrm>
+            <a:off x="6806163" y="4384258"/>
+            <a:ext cx="914400" cy="504939"/>
+          </a:xfrm>
+          <a:prstGeom prst="ellipse">
+            <a:avLst/>
+          </a:prstGeom>
+          <a:gradFill flip="none" rotWithShape="1">
+            <a:gsLst>
+              <a:gs pos="0">
+                <a:schemeClr val="dk1">
+                  <a:lumMod val="67000"/>
+                </a:schemeClr>
+              </a:gs>
+              <a:gs pos="48000">
+                <a:schemeClr val="dk1">
+                  <a:lumMod val="97000"/>
+                  <a:lumOff val="3000"/>
+                </a:schemeClr>
+              </a:gs>
+              <a:gs pos="100000">
+                <a:schemeClr val="dk1">
+                  <a:lumMod val="60000"/>
+                  <a:lumOff val="40000"/>
+                </a:schemeClr>
+              </a:gs>
+            </a:gsLst>
+            <a:lin ang="16200000" scaled="1"/>
+            <a:tileRect/>
+          </a:gradFill>
+          <a:ln>
+            <a:noFill/>
+          </a:ln>
+        </p:spPr>
+        <p:style>
+          <a:lnRef idx="0">
+            <a:scrgbClr r="0" g="0" b="0"/>
+          </a:lnRef>
+          <a:fillRef idx="0">
+            <a:scrgbClr r="0" g="0" b="0"/>
+          </a:fillRef>
+          <a:effectRef idx="0">
+            <a:scrgbClr r="0" g="0" b="0"/>
+          </a:effectRef>
+          <a:fontRef idx="minor">
+            <a:schemeClr val="lt1"/>
+          </a:fontRef>
+        </p:style>
+        <p:txBody>
+          <a:bodyPr rtlCol="0" anchor="ctr"/>
+          <a:lstStyle/>
+          <a:p>
+            <a:pPr algn="ctr"/>
+            <a:r>
+              <a:rPr lang="en-US" sz="900" dirty="0"/>
+              <a:t>Container</a:t>
+            </a:r>
+          </a:p>
+          <a:p>
+            <a:pPr algn="ctr"/>
+            <a:r>
+              <a:rPr lang="en-US" sz="900" dirty="0"/>
+              <a:t>Service A Config</a:t>
+            </a:r>
+          </a:p>
+        </p:txBody>
+      </p:sp>
+      <p:sp>
+        <p:nvSpPr>
+          <p:cNvPr id="42" name="Rectangle: Rounded Corners 41">
+            <a:extLst>
+              <a:ext uri="{FF2B5EF4-FFF2-40B4-BE49-F238E27FC236}">
+                <a16:creationId xmlns:a16="http://schemas.microsoft.com/office/drawing/2014/main" id="{90C36B77-720A-4533-8586-534B42688379}"/>
+              </a:ext>
+            </a:extLst>
+          </p:cNvPr>
+          <p:cNvSpPr/>
+          <p:nvPr/>
+        </p:nvSpPr>
+        <p:spPr>
+          <a:xfrm>
+            <a:off x="1372475" y="4426456"/>
+            <a:ext cx="1027032" cy="336626"/>
+          </a:xfrm>
+          <a:prstGeom prst="roundRect">
+            <a:avLst/>
+          </a:prstGeom>
+          <a:gradFill flip="none" rotWithShape="1">
+            <a:gsLst>
+              <a:gs pos="0">
+                <a:schemeClr val="dk1">
+                  <a:lumMod val="67000"/>
+                </a:schemeClr>
+              </a:gs>
+              <a:gs pos="48000">
+                <a:schemeClr val="dk1">
+                  <a:lumMod val="97000"/>
+                  <a:lumOff val="3000"/>
+                </a:schemeClr>
+              </a:gs>
+              <a:gs pos="100000">
+                <a:schemeClr val="dk1">
+                  <a:lumMod val="60000"/>
+                  <a:lumOff val="40000"/>
+                </a:schemeClr>
+              </a:gs>
+            </a:gsLst>
+            <a:lin ang="16200000" scaled="1"/>
+            <a:tileRect/>
+          </a:gradFill>
+          <a:ln>
+            <a:noFill/>
+          </a:ln>
+        </p:spPr>
+        <p:style>
+          <a:lnRef idx="0">
+            <a:scrgbClr r="0" g="0" b="0"/>
+          </a:lnRef>
+          <a:fillRef idx="0">
+            <a:scrgbClr r="0" g="0" b="0"/>
+          </a:fillRef>
+          <a:effectRef idx="0">
+            <a:scrgbClr r="0" g="0" b="0"/>
+          </a:effectRef>
+          <a:fontRef idx="minor">
+            <a:schemeClr val="lt1"/>
+          </a:fontRef>
+        </p:style>
+        <p:txBody>
+          <a:bodyPr rtlCol="0" anchor="ctr"/>
+          <a:lstStyle/>
+          <a:p>
+            <a:pPr algn="ctr"/>
+            <a:r>
+              <a:rPr lang="en-US" sz="900" dirty="0"/>
+              <a:t>Image</a:t>
+            </a:r>
+          </a:p>
+          <a:p>
+            <a:pPr algn="ctr"/>
+            <a:r>
+              <a:rPr lang="en-US" sz="900" dirty="0"/>
+              <a:t>Service A Agent</a:t>
+            </a:r>
+          </a:p>
+        </p:txBody>
+      </p:sp>
+      <p:sp>
+        <p:nvSpPr>
+          <p:cNvPr id="43" name="Rectangle: Rounded Corners 42">
+            <a:extLst>
+              <a:ext uri="{FF2B5EF4-FFF2-40B4-BE49-F238E27FC236}">
+                <a16:creationId xmlns:a16="http://schemas.microsoft.com/office/drawing/2014/main" id="{D908A264-91E7-4657-9E53-ABAD9AF343A2}"/>
+              </a:ext>
+            </a:extLst>
+          </p:cNvPr>
+          <p:cNvSpPr/>
+          <p:nvPr/>
+        </p:nvSpPr>
+        <p:spPr>
+          <a:xfrm>
+            <a:off x="1372475" y="3970309"/>
+            <a:ext cx="1027032" cy="336626"/>
+          </a:xfrm>
+          <a:prstGeom prst="roundRect">
+            <a:avLst/>
+          </a:prstGeom>
+          <a:gradFill flip="none" rotWithShape="1">
+            <a:gsLst>
+              <a:gs pos="0">
+                <a:schemeClr val="dk1">
+                  <a:lumMod val="67000"/>
+                </a:schemeClr>
+              </a:gs>
+              <a:gs pos="48000">
+                <a:schemeClr val="dk1">
+                  <a:lumMod val="97000"/>
+                  <a:lumOff val="3000"/>
+                </a:schemeClr>
+              </a:gs>
+              <a:gs pos="100000">
+                <a:schemeClr val="dk1">
+                  <a:lumMod val="60000"/>
+                  <a:lumOff val="40000"/>
+                </a:schemeClr>
+              </a:gs>
+            </a:gsLst>
+            <a:lin ang="16200000" scaled="1"/>
+            <a:tileRect/>
+          </a:gradFill>
+          <a:ln>
+            <a:noFill/>
+          </a:ln>
+        </p:spPr>
+        <p:style>
+          <a:lnRef idx="0">
+            <a:scrgbClr r="0" g="0" b="0"/>
+          </a:lnRef>
+          <a:fillRef idx="0">
+            <a:scrgbClr r="0" g="0" b="0"/>
+          </a:fillRef>
+          <a:effectRef idx="0">
+            <a:scrgbClr r="0" g="0" b="0"/>
+          </a:effectRef>
+          <a:fontRef idx="minor">
+            <a:schemeClr val="lt1"/>
+          </a:fontRef>
+        </p:style>
+        <p:txBody>
+          <a:bodyPr rtlCol="0" anchor="ctr"/>
+          <a:lstStyle/>
+          <a:p>
+            <a:pPr algn="ctr"/>
+            <a:r>
+              <a:rPr lang="en-US" sz="900" dirty="0"/>
+              <a:t>Image</a:t>
+            </a:r>
+          </a:p>
+          <a:p>
+            <a:pPr algn="ctr"/>
+            <a:r>
+              <a:rPr lang="en-US" sz="900" dirty="0"/>
+              <a:t>Service A App</a:t>
+            </a:r>
+          </a:p>
+        </p:txBody>
+      </p:sp>
+      <p:sp>
+        <p:nvSpPr>
+          <p:cNvPr id="44" name="Rectangle 43">
+            <a:extLst>
+              <a:ext uri="{FF2B5EF4-FFF2-40B4-BE49-F238E27FC236}">
+                <a16:creationId xmlns:a16="http://schemas.microsoft.com/office/drawing/2014/main" id="{E854220E-7334-4E87-ADF8-20447D8793FD}"/>
+              </a:ext>
+            </a:extLst>
+          </p:cNvPr>
+          <p:cNvSpPr/>
+          <p:nvPr/>
+        </p:nvSpPr>
+        <p:spPr>
+          <a:xfrm>
+            <a:off x="3498924" y="1440336"/>
+            <a:ext cx="1364619" cy="1398564"/>
+          </a:xfrm>
+          <a:prstGeom prst="rect">
+            <a:avLst/>
+          </a:prstGeom>
+          <a:gradFill flip="none" rotWithShape="1">
+            <a:gsLst>
+              <a:gs pos="0">
+                <a:schemeClr val="accent2">
+                  <a:lumMod val="67000"/>
+                </a:schemeClr>
+              </a:gs>
+              <a:gs pos="48000">
+                <a:schemeClr val="accent2">
+                  <a:lumMod val="97000"/>
+                  <a:lumOff val="3000"/>
+                </a:schemeClr>
+              </a:gs>
+              <a:gs pos="100000">
+                <a:schemeClr val="accent2">
+                  <a:lumMod val="60000"/>
+                  <a:lumOff val="40000"/>
+                </a:schemeClr>
+              </a:gs>
+            </a:gsLst>
+            <a:lin ang="16200000" scaled="1"/>
+            <a:tileRect/>
+          </a:gradFill>
+          <a:ln>
+            <a:noFill/>
+          </a:ln>
+        </p:spPr>
+        <p:style>
+          <a:lnRef idx="0">
+            <a:scrgbClr r="0" g="0" b="0"/>
+          </a:lnRef>
+          <a:fillRef idx="0">
+            <a:scrgbClr r="0" g="0" b="0"/>
+          </a:fillRef>
+          <a:effectRef idx="0">
+            <a:scrgbClr r="0" g="0" b="0"/>
+          </a:effectRef>
+          <a:fontRef idx="minor">
+            <a:schemeClr val="lt1"/>
+          </a:fontRef>
+        </p:style>
+        <p:txBody>
+          <a:bodyPr rtlCol="0" anchor="t"/>
+          <a:lstStyle/>
+          <a:p>
+            <a:pPr algn="ctr"/>
+            <a:r>
+              <a:rPr lang="en-US" dirty="0"/>
+              <a:t>Group</a:t>
+            </a:r>
+          </a:p>
+        </p:txBody>
+      </p:sp>
+      <p:sp>
+        <p:nvSpPr>
+          <p:cNvPr id="45" name="Rectangle: Top Corners One Rounded and One Snipped 44">
+            <a:extLst>
+              <a:ext uri="{FF2B5EF4-FFF2-40B4-BE49-F238E27FC236}">
+                <a16:creationId xmlns:a16="http://schemas.microsoft.com/office/drawing/2014/main" id="{1FA02430-74C9-42CD-979B-269B46A12438}"/>
+              </a:ext>
+            </a:extLst>
+          </p:cNvPr>
+          <p:cNvSpPr/>
+          <p:nvPr/>
+        </p:nvSpPr>
+        <p:spPr>
+          <a:xfrm>
+            <a:off x="3867985" y="2045825"/>
+            <a:ext cx="596347" cy="336627"/>
+          </a:xfrm>
+          <a:prstGeom prst="snipRoundRect">
+            <a:avLst/>
+          </a:prstGeom>
+        </p:spPr>
+        <p:style>
+          <a:lnRef idx="2">
+            <a:schemeClr val="accent1">
+              <a:shade val="50000"/>
+            </a:schemeClr>
+          </a:lnRef>
+          <a:fillRef idx="1">
+            <a:schemeClr val="accent1"/>
+          </a:fillRef>
+          <a:effectRef idx="0">
+            <a:schemeClr val="accent1"/>
+          </a:effectRef>
+          <a:fontRef idx="minor">
+            <a:schemeClr val="lt1"/>
+          </a:fontRef>
+        </p:style>
+        <p:txBody>
+          <a:bodyPr rtlCol="0" anchor="ctr"/>
+          <a:lstStyle/>
+          <a:p>
+            <a:pPr algn="ctr"/>
+            <a:r>
+              <a:rPr lang="en-US" sz="800" dirty="0"/>
+              <a:t>Group Entities</a:t>
+            </a:r>
+          </a:p>
+        </p:txBody>
+      </p:sp>
+      <p:sp>
+        <p:nvSpPr>
+          <p:cNvPr id="25" name="Oval 24">
+            <a:extLst>
+              <a:ext uri="{FF2B5EF4-FFF2-40B4-BE49-F238E27FC236}">
+                <a16:creationId xmlns:a16="http://schemas.microsoft.com/office/drawing/2014/main" id="{11600F30-8475-4B7E-BAAF-8E0714DDCECD}"/>
+              </a:ext>
+            </a:extLst>
+          </p:cNvPr>
+          <p:cNvSpPr/>
+          <p:nvPr/>
+        </p:nvSpPr>
+        <p:spPr>
+          <a:xfrm>
+            <a:off x="5994416" y="4067970"/>
+            <a:ext cx="914400" cy="504939"/>
+          </a:xfrm>
+          <a:prstGeom prst="ellipse">
+            <a:avLst/>
+          </a:prstGeom>
+          <a:gradFill flip="none" rotWithShape="1">
+            <a:gsLst>
+              <a:gs pos="0">
+                <a:schemeClr val="dk1">
+                  <a:lumMod val="67000"/>
+                </a:schemeClr>
+              </a:gs>
+              <a:gs pos="48000">
+                <a:schemeClr val="dk1">
+                  <a:lumMod val="97000"/>
+                  <a:lumOff val="3000"/>
+                </a:schemeClr>
+              </a:gs>
+              <a:gs pos="100000">
+                <a:schemeClr val="dk1">
+                  <a:lumMod val="60000"/>
+                  <a:lumOff val="40000"/>
+                </a:schemeClr>
+              </a:gs>
+            </a:gsLst>
+            <a:lin ang="16200000" scaled="1"/>
+            <a:tileRect/>
+          </a:gradFill>
+          <a:ln>
+            <a:noFill/>
+          </a:ln>
+        </p:spPr>
+        <p:style>
+          <a:lnRef idx="0">
+            <a:scrgbClr r="0" g="0" b="0"/>
+          </a:lnRef>
+          <a:fillRef idx="0">
+            <a:scrgbClr r="0" g="0" b="0"/>
+          </a:fillRef>
+          <a:effectRef idx="0">
+            <a:scrgbClr r="0" g="0" b="0"/>
+          </a:effectRef>
+          <a:fontRef idx="minor">
+            <a:schemeClr val="lt1"/>
+          </a:fontRef>
+        </p:style>
+        <p:txBody>
+          <a:bodyPr rtlCol="0" anchor="ctr"/>
+          <a:lstStyle/>
+          <a:p>
+            <a:pPr algn="ctr"/>
+            <a:r>
+              <a:rPr lang="en-US" sz="900" dirty="0"/>
+              <a:t>Container</a:t>
+            </a:r>
+          </a:p>
+          <a:p>
+            <a:pPr algn="ctr"/>
+            <a:r>
+              <a:rPr lang="en-US" sz="900" dirty="0"/>
+              <a:t>Service A App</a:t>
+            </a:r>
+          </a:p>
+        </p:txBody>
+      </p:sp>
+      <p:sp>
+        <p:nvSpPr>
+          <p:cNvPr id="26" name="Oval 25">
+            <a:extLst>
+              <a:ext uri="{FF2B5EF4-FFF2-40B4-BE49-F238E27FC236}">
+                <a16:creationId xmlns:a16="http://schemas.microsoft.com/office/drawing/2014/main" id="{11D941F9-5E80-45C3-A062-FC0F5D88C65E}"/>
+              </a:ext>
+            </a:extLst>
+          </p:cNvPr>
+          <p:cNvSpPr/>
+          <p:nvPr/>
+        </p:nvSpPr>
+        <p:spPr>
+          <a:xfrm>
+            <a:off x="5994416" y="4713703"/>
+            <a:ext cx="914400" cy="504939"/>
+          </a:xfrm>
+          <a:prstGeom prst="ellipse">
+            <a:avLst/>
+          </a:prstGeom>
+          <a:gradFill flip="none" rotWithShape="1">
+            <a:gsLst>
+              <a:gs pos="0">
+                <a:schemeClr val="dk1">
+                  <a:lumMod val="67000"/>
+                </a:schemeClr>
+              </a:gs>
+              <a:gs pos="48000">
+                <a:schemeClr val="dk1">
+                  <a:lumMod val="97000"/>
+                  <a:lumOff val="3000"/>
+                </a:schemeClr>
+              </a:gs>
+              <a:gs pos="100000">
+                <a:schemeClr val="dk1">
+                  <a:lumMod val="60000"/>
+                  <a:lumOff val="40000"/>
+                </a:schemeClr>
+              </a:gs>
+            </a:gsLst>
+            <a:lin ang="16200000" scaled="1"/>
+            <a:tileRect/>
+          </a:gradFill>
+          <a:ln>
+            <a:noFill/>
+          </a:ln>
+        </p:spPr>
+        <p:style>
+          <a:lnRef idx="0">
+            <a:scrgbClr r="0" g="0" b="0"/>
+          </a:lnRef>
+          <a:fillRef idx="0">
+            <a:scrgbClr r="0" g="0" b="0"/>
+          </a:fillRef>
+          <a:effectRef idx="0">
+            <a:scrgbClr r="0" g="0" b="0"/>
+          </a:effectRef>
+          <a:fontRef idx="minor">
+            <a:schemeClr val="lt1"/>
+          </a:fontRef>
+        </p:style>
+        <p:txBody>
+          <a:bodyPr rtlCol="0" anchor="ctr"/>
+          <a:lstStyle/>
+          <a:p>
+            <a:pPr algn="ctr"/>
+            <a:r>
+              <a:rPr lang="en-US" sz="900" dirty="0"/>
+              <a:t>Container</a:t>
+            </a:r>
+          </a:p>
+          <a:p>
+            <a:pPr algn="ctr"/>
+            <a:r>
+              <a:rPr lang="en-US" sz="900" dirty="0"/>
+              <a:t>Service A Agent</a:t>
+            </a:r>
+          </a:p>
+        </p:txBody>
+      </p:sp>
+      <p:sp>
+        <p:nvSpPr>
+          <p:cNvPr id="46" name="Rectangle: Top Corners One Rounded and One Snipped 45">
+            <a:extLst>
+              <a:ext uri="{FF2B5EF4-FFF2-40B4-BE49-F238E27FC236}">
+                <a16:creationId xmlns:a16="http://schemas.microsoft.com/office/drawing/2014/main" id="{A0BD90FA-D79C-44A3-82AB-3478C86B6C0E}"/>
+              </a:ext>
+            </a:extLst>
+          </p:cNvPr>
+          <p:cNvSpPr/>
+          <p:nvPr/>
+        </p:nvSpPr>
+        <p:spPr>
+          <a:xfrm>
+            <a:off x="3862836" y="3707412"/>
+            <a:ext cx="548640" cy="329184"/>
+          </a:xfrm>
+          <a:prstGeom prst="snipRoundRect">
+            <a:avLst/>
+          </a:prstGeom>
+          <a:solidFill>
+            <a:schemeClr val="accent3">
+              <a:lumMod val="50000"/>
+            </a:schemeClr>
+          </a:solidFill>
+          <a:ln>
+            <a:noFill/>
+          </a:ln>
+        </p:spPr>
+        <p:style>
+          <a:lnRef idx="0">
+            <a:scrgbClr r="0" g="0" b="0"/>
+          </a:lnRef>
+          <a:fillRef idx="0">
+            <a:scrgbClr r="0" g="0" b="0"/>
+          </a:fillRef>
+          <a:effectRef idx="0">
+            <a:scrgbClr r="0" g="0" b="0"/>
+          </a:effectRef>
+          <a:fontRef idx="minor">
+            <a:schemeClr val="lt1"/>
+          </a:fontRef>
+        </p:style>
+        <p:txBody>
+          <a:bodyPr rtlCol="0" anchor="ctr"/>
+          <a:lstStyle/>
+          <a:p>
+            <a:pPr algn="ctr"/>
+            <a:r>
+              <a:rPr lang="en-US" sz="800" dirty="0"/>
+              <a:t>DB </a:t>
+            </a:r>
+            <a:r>
+              <a:rPr lang="en-US" sz="800" dirty="0" err="1"/>
+              <a:t>Extens</a:t>
+            </a:r>
+            <a:endParaRPr lang="en-US" sz="800" dirty="0"/>
+          </a:p>
+        </p:txBody>
+      </p:sp>
+      <p:sp>
+        <p:nvSpPr>
+          <p:cNvPr id="40" name="Rectangle: Top Corners One Rounded and One Snipped 39">
+            <a:extLst>
+              <a:ext uri="{FF2B5EF4-FFF2-40B4-BE49-F238E27FC236}">
+                <a16:creationId xmlns:a16="http://schemas.microsoft.com/office/drawing/2014/main" id="{342CB059-56E3-416F-A0CE-5EAA544FBDF9}"/>
+              </a:ext>
+            </a:extLst>
+          </p:cNvPr>
+          <p:cNvSpPr/>
+          <p:nvPr/>
+        </p:nvSpPr>
+        <p:spPr>
+          <a:xfrm>
+            <a:off x="3856613" y="3707412"/>
+            <a:ext cx="548640" cy="329184"/>
+          </a:xfrm>
+          <a:prstGeom prst="snipRoundRect">
+            <a:avLst/>
+          </a:prstGeom>
+          <a:solidFill>
+            <a:schemeClr val="accent3">
+              <a:lumMod val="50000"/>
+            </a:schemeClr>
+          </a:solidFill>
+          <a:ln>
+            <a:noFill/>
+          </a:ln>
+        </p:spPr>
+        <p:style>
+          <a:lnRef idx="0">
+            <a:scrgbClr r="0" g="0" b="0"/>
+          </a:lnRef>
+          <a:fillRef idx="0">
+            <a:scrgbClr r="0" g="0" b="0"/>
+          </a:fillRef>
+          <a:effectRef idx="0">
+            <a:scrgbClr r="0" g="0" b="0"/>
+          </a:effectRef>
+          <a:fontRef idx="minor">
+            <a:schemeClr val="lt1"/>
+          </a:fontRef>
+        </p:style>
+        <p:txBody>
+          <a:bodyPr rtlCol="0" anchor="ctr"/>
+          <a:lstStyle/>
+          <a:p>
+            <a:pPr algn="ctr"/>
+            <a:r>
+              <a:rPr lang="en-US" sz="800" dirty="0" err="1"/>
+              <a:t>Srvc</a:t>
+            </a:r>
+            <a:r>
+              <a:rPr lang="en-US" sz="800" dirty="0"/>
+              <a:t> A Code</a:t>
+            </a:r>
+          </a:p>
+        </p:txBody>
+      </p:sp>
+      <p:grpSp>
+        <p:nvGrpSpPr>
+          <p:cNvPr id="16" name="Group 15">
+            <a:extLst>
+              <a:ext uri="{FF2B5EF4-FFF2-40B4-BE49-F238E27FC236}">
+                <a16:creationId xmlns:a16="http://schemas.microsoft.com/office/drawing/2014/main" id="{8B4184E8-51F3-4144-9176-31425F7C4579}"/>
+              </a:ext>
+            </a:extLst>
+          </p:cNvPr>
+          <p:cNvGrpSpPr/>
+          <p:nvPr/>
+        </p:nvGrpSpPr>
+        <p:grpSpPr>
+          <a:xfrm>
+            <a:off x="5511780" y="3239345"/>
+            <a:ext cx="4034972" cy="2262647"/>
+            <a:chOff x="5511780" y="3239345"/>
+            <a:chExt cx="4034972" cy="2262647"/>
+          </a:xfrm>
+        </p:grpSpPr>
+        <p:sp>
+          <p:nvSpPr>
+            <p:cNvPr id="50" name="Freeform: Shape 49">
+              <a:extLst>
+                <a:ext uri="{FF2B5EF4-FFF2-40B4-BE49-F238E27FC236}">
+                  <a16:creationId xmlns:a16="http://schemas.microsoft.com/office/drawing/2014/main" id="{56D8D987-FAE8-4401-8620-B5CE7CF1AD7E}"/>
+                </a:ext>
+              </a:extLst>
+            </p:cNvPr>
+            <p:cNvSpPr/>
+            <p:nvPr/>
+          </p:nvSpPr>
+          <p:spPr>
+            <a:xfrm>
+              <a:off x="5511780" y="3239345"/>
+              <a:ext cx="4034972" cy="2262647"/>
+            </a:xfrm>
+            <a:custGeom>
+              <a:avLst/>
+              <a:gdLst>
+                <a:gd name="connsiteX0" fmla="*/ 1943612 w 4034972"/>
+                <a:gd name="connsiteY0" fmla="*/ 0 h 2262647"/>
+                <a:gd name="connsiteX1" fmla="*/ 3950383 w 4034972"/>
+                <a:gd name="connsiteY1" fmla="*/ 0 h 2262647"/>
+                <a:gd name="connsiteX2" fmla="*/ 3950383 w 4034972"/>
+                <a:gd name="connsiteY2" fmla="*/ 604187 h 2262647"/>
+                <a:gd name="connsiteX3" fmla="*/ 4034972 w 4034972"/>
+                <a:gd name="connsiteY3" fmla="*/ 604187 h 2262647"/>
+                <a:gd name="connsiteX4" fmla="*/ 4034972 w 4034972"/>
+                <a:gd name="connsiteY4" fmla="*/ 696586 h 2262647"/>
+                <a:gd name="connsiteX5" fmla="*/ 2858013 w 4034972"/>
+                <a:gd name="connsiteY5" fmla="*/ 696586 h 2262647"/>
+                <a:gd name="connsiteX6" fmla="*/ 2858013 w 4034972"/>
+                <a:gd name="connsiteY6" fmla="*/ 2262647 h 2262647"/>
+                <a:gd name="connsiteX7" fmla="*/ 0 w 4034972"/>
+                <a:gd name="connsiteY7" fmla="*/ 2262647 h 2262647"/>
+                <a:gd name="connsiteX8" fmla="*/ 0 w 4034972"/>
+                <a:gd name="connsiteY8" fmla="*/ 604187 h 2262647"/>
+                <a:gd name="connsiteX9" fmla="*/ 1943612 w 4034972"/>
+                <a:gd name="connsiteY9" fmla="*/ 604187 h 2262647"/>
+              </a:gdLst>
+              <a:ahLst/>
+              <a:cxnLst>
+                <a:cxn ang="0">
+                  <a:pos x="connsiteX0" y="connsiteY0"/>
+                </a:cxn>
+                <a:cxn ang="0">
+                  <a:pos x="connsiteX1" y="connsiteY1"/>
+                </a:cxn>
+                <a:cxn ang="0">
+                  <a:pos x="connsiteX2" y="connsiteY2"/>
+                </a:cxn>
+                <a:cxn ang="0">
+                  <a:pos x="connsiteX3" y="connsiteY3"/>
+                </a:cxn>
+                <a:cxn ang="0">
+                  <a:pos x="connsiteX4" y="connsiteY4"/>
+                </a:cxn>
+                <a:cxn ang="0">
+                  <a:pos x="connsiteX5" y="connsiteY5"/>
+                </a:cxn>
+                <a:cxn ang="0">
+                  <a:pos x="connsiteX6" y="connsiteY6"/>
+                </a:cxn>
+                <a:cxn ang="0">
+                  <a:pos x="connsiteX7" y="connsiteY7"/>
+                </a:cxn>
+                <a:cxn ang="0">
+                  <a:pos x="connsiteX8" y="connsiteY8"/>
+                </a:cxn>
+                <a:cxn ang="0">
+                  <a:pos x="connsiteX9" y="connsiteY9"/>
+                </a:cxn>
+              </a:cxnLst>
+              <a:rect l="l" t="t" r="r" b="b"/>
+              <a:pathLst>
+                <a:path w="4034972" h="2262647">
+                  <a:moveTo>
+                    <a:pt x="1943612" y="0"/>
+                  </a:moveTo>
+                  <a:lnTo>
+                    <a:pt x="3950383" y="0"/>
+                  </a:lnTo>
+                  <a:lnTo>
+                    <a:pt x="3950383" y="604187"/>
+                  </a:lnTo>
+                  <a:lnTo>
+                    <a:pt x="4034972" y="604187"/>
+                  </a:lnTo>
+                  <a:lnTo>
+                    <a:pt x="4034972" y="696586"/>
+                  </a:lnTo>
+                  <a:lnTo>
+                    <a:pt x="2858013" y="696586"/>
+                  </a:lnTo>
+                  <a:lnTo>
+                    <a:pt x="2858013" y="2262647"/>
+                  </a:lnTo>
+                  <a:lnTo>
+                    <a:pt x="0" y="2262647"/>
+                  </a:lnTo>
+                  <a:lnTo>
+                    <a:pt x="0" y="604187"/>
+                  </a:lnTo>
+                  <a:lnTo>
+                    <a:pt x="1943612" y="604187"/>
+                  </a:lnTo>
+                  <a:close/>
+                </a:path>
+              </a:pathLst>
+            </a:custGeom>
+            <a:noFill/>
+            <a:ln w="38100">
+              <a:solidFill>
+                <a:schemeClr val="bg1">
+                  <a:lumMod val="95000"/>
+                  <a:lumOff val="5000"/>
+                </a:schemeClr>
+              </a:solidFill>
+              <a:prstDash val="lgDashDot"/>
+            </a:ln>
+          </p:spPr>
+          <p:style>
+            <a:lnRef idx="2">
+              <a:schemeClr val="accent1">
+                <a:shade val="50000"/>
+              </a:schemeClr>
+            </a:lnRef>
+            <a:fillRef idx="1">
+              <a:schemeClr val="accent1"/>
+            </a:fillRef>
+            <a:effectRef idx="0">
+              <a:schemeClr val="accent1"/>
+            </a:effectRef>
+            <a:fontRef idx="minor">
+              <a:schemeClr val="lt1"/>
+            </a:fontRef>
+          </p:style>
+          <p:txBody>
+            <a:bodyPr wrap="square" rtlCol="0" anchor="t">
+              <a:noAutofit/>
+            </a:bodyPr>
+            <a:lstStyle/>
+            <a:p>
+              <a:endParaRPr lang="en-US" sz="1100" dirty="0"/>
+            </a:p>
+          </p:txBody>
+        </p:sp>
+        <p:sp>
+          <p:nvSpPr>
+            <p:cNvPr id="14" name="TextBox 13">
+              <a:extLst>
+                <a:ext uri="{FF2B5EF4-FFF2-40B4-BE49-F238E27FC236}">
+                  <a16:creationId xmlns:a16="http://schemas.microsoft.com/office/drawing/2014/main" id="{498BD242-18AD-416D-AF32-866E4748C022}"/>
+                </a:ext>
+              </a:extLst>
+            </p:cNvPr>
+            <p:cNvSpPr txBox="1"/>
+            <p:nvPr/>
+          </p:nvSpPr>
+          <p:spPr>
+            <a:xfrm>
+              <a:off x="6847613" y="4087707"/>
+              <a:ext cx="1317027" cy="307777"/>
+            </a:xfrm>
+            <a:prstGeom prst="rect">
+              <a:avLst/>
+            </a:prstGeom>
+            <a:noFill/>
+          </p:spPr>
+          <p:txBody>
+            <a:bodyPr wrap="none" rtlCol="0">
+              <a:spAutoFit/>
+            </a:bodyPr>
+            <a:lstStyle/>
+            <a:p>
+              <a:r>
+                <a:rPr lang="en-US" sz="1400" b="1" dirty="0">
+                  <a:solidFill>
+                    <a:srgbClr val="0D0D0D"/>
+                  </a:solidFill>
+                </a:rPr>
+                <a:t>Svc A Run Time</a:t>
+              </a:r>
+            </a:p>
+          </p:txBody>
+        </p:sp>
+      </p:grpSp>
+      <p:sp>
+        <p:nvSpPr>
+          <p:cNvPr id="20" name="Rectangle: Top Corners One Rounded and One Snipped 19">
+            <a:extLst>
+              <a:ext uri="{FF2B5EF4-FFF2-40B4-BE49-F238E27FC236}">
+                <a16:creationId xmlns:a16="http://schemas.microsoft.com/office/drawing/2014/main" id="{6A5C490F-E6F7-44C3-8B87-EDE8D1419A49}"/>
+              </a:ext>
+            </a:extLst>
+          </p:cNvPr>
+          <p:cNvSpPr/>
+          <p:nvPr/>
+        </p:nvSpPr>
+        <p:spPr>
+          <a:xfrm>
+            <a:off x="3901853" y="4496765"/>
+            <a:ext cx="548640" cy="329184"/>
+          </a:xfrm>
+          <a:prstGeom prst="snipRoundRect">
+            <a:avLst/>
+          </a:prstGeom>
+          <a:solidFill>
+            <a:schemeClr val="accent3">
+              <a:lumMod val="50000"/>
+            </a:schemeClr>
+          </a:solidFill>
+          <a:ln>
+            <a:noFill/>
+          </a:ln>
+        </p:spPr>
+        <p:style>
+          <a:lnRef idx="0">
+            <a:scrgbClr r="0" g="0" b="0"/>
+          </a:lnRef>
+          <a:fillRef idx="0">
+            <a:scrgbClr r="0" g="0" b="0"/>
+          </a:fillRef>
+          <a:effectRef idx="0">
+            <a:scrgbClr r="0" g="0" b="0"/>
+          </a:effectRef>
+          <a:fontRef idx="minor">
+            <a:schemeClr val="lt1"/>
+          </a:fontRef>
+        </p:style>
+        <p:txBody>
+          <a:bodyPr rtlCol="0" anchor="ctr"/>
+          <a:lstStyle/>
+          <a:p>
+            <a:pPr algn="ctr"/>
+            <a:r>
+              <a:rPr lang="en-US" sz="800" dirty="0"/>
+              <a:t>Svc A CDT</a:t>
+            </a:r>
+          </a:p>
+        </p:txBody>
+      </p:sp>
+      <p:grpSp>
+        <p:nvGrpSpPr>
+          <p:cNvPr id="19" name="Group 18">
+            <a:extLst>
+              <a:ext uri="{FF2B5EF4-FFF2-40B4-BE49-F238E27FC236}">
+                <a16:creationId xmlns:a16="http://schemas.microsoft.com/office/drawing/2014/main" id="{9DAF8ADE-22CB-4F81-9188-C5F5E346A2F1}"/>
+              </a:ext>
+            </a:extLst>
+          </p:cNvPr>
+          <p:cNvGrpSpPr/>
+          <p:nvPr/>
+        </p:nvGrpSpPr>
+        <p:grpSpPr>
+          <a:xfrm>
+            <a:off x="7391452" y="3216427"/>
+            <a:ext cx="3108909" cy="2426991"/>
+            <a:chOff x="7391452" y="3216427"/>
+            <a:chExt cx="3108909" cy="2426991"/>
+          </a:xfrm>
+        </p:grpSpPr>
+        <p:sp>
+          <p:nvSpPr>
+            <p:cNvPr id="51" name="Oval 50">
+              <a:extLst>
+                <a:ext uri="{FF2B5EF4-FFF2-40B4-BE49-F238E27FC236}">
+                  <a16:creationId xmlns:a16="http://schemas.microsoft.com/office/drawing/2014/main" id="{D1BF8DC1-24C0-4FF1-B4B8-C129E587EAA7}"/>
+                </a:ext>
+              </a:extLst>
+            </p:cNvPr>
+            <p:cNvSpPr/>
+            <p:nvPr/>
+          </p:nvSpPr>
+          <p:spPr>
+            <a:xfrm>
+              <a:off x="8632352" y="4700417"/>
+              <a:ext cx="914400" cy="504939"/>
+            </a:xfrm>
+            <a:prstGeom prst="ellipse">
+              <a:avLst/>
+            </a:prstGeom>
+            <a:gradFill flip="none" rotWithShape="1">
+              <a:gsLst>
+                <a:gs pos="0">
+                  <a:schemeClr val="accent5">
+                    <a:lumMod val="67000"/>
+                  </a:schemeClr>
+                </a:gs>
+                <a:gs pos="48000">
+                  <a:schemeClr val="accent5">
+                    <a:lumMod val="97000"/>
+                    <a:lumOff val="3000"/>
+                  </a:schemeClr>
+                </a:gs>
+                <a:gs pos="100000">
+                  <a:schemeClr val="accent5">
+                    <a:lumMod val="60000"/>
+                    <a:lumOff val="40000"/>
+                  </a:schemeClr>
+                </a:gs>
+              </a:gsLst>
+              <a:lin ang="16200000" scaled="1"/>
+              <a:tileRect/>
+            </a:gradFill>
+            <a:ln>
+              <a:noFill/>
+            </a:ln>
+          </p:spPr>
+          <p:style>
+            <a:lnRef idx="0">
+              <a:scrgbClr r="0" g="0" b="0"/>
+            </a:lnRef>
+            <a:fillRef idx="0">
+              <a:scrgbClr r="0" g="0" b="0"/>
+            </a:fillRef>
+            <a:effectRef idx="0">
+              <a:scrgbClr r="0" g="0" b="0"/>
+            </a:effectRef>
+            <a:fontRef idx="minor">
+              <a:schemeClr val="lt1"/>
+            </a:fontRef>
+          </p:style>
+          <p:txBody>
+            <a:bodyPr rtlCol="0" anchor="ctr"/>
+            <a:lstStyle/>
+            <a:p>
+              <a:pPr algn="ctr"/>
+              <a:r>
+                <a:rPr lang="en-US" sz="900" dirty="0"/>
+                <a:t>Container</a:t>
+              </a:r>
+            </a:p>
+            <a:p>
+              <a:pPr algn="ctr"/>
+              <a:r>
+                <a:rPr lang="en-US" sz="900" dirty="0"/>
+                <a:t>Service B Config</a:t>
+              </a:r>
+            </a:p>
+          </p:txBody>
+        </p:sp>
+        <p:sp>
+          <p:nvSpPr>
+            <p:cNvPr id="52" name="Oval 51">
+              <a:extLst>
+                <a:ext uri="{FF2B5EF4-FFF2-40B4-BE49-F238E27FC236}">
+                  <a16:creationId xmlns:a16="http://schemas.microsoft.com/office/drawing/2014/main" id="{D37AB39E-33E2-4BD3-9EAF-18BD0A617AC4}"/>
+                </a:ext>
+              </a:extLst>
+            </p:cNvPr>
+            <p:cNvSpPr/>
+            <p:nvPr/>
+          </p:nvSpPr>
+          <p:spPr>
+            <a:xfrm>
+              <a:off x="9506975" y="4416038"/>
+              <a:ext cx="914400" cy="504939"/>
+            </a:xfrm>
+            <a:prstGeom prst="ellipse">
+              <a:avLst/>
+            </a:prstGeom>
+            <a:gradFill flip="none" rotWithShape="1">
+              <a:gsLst>
+                <a:gs pos="0">
+                  <a:schemeClr val="accent5">
+                    <a:lumMod val="67000"/>
+                  </a:schemeClr>
+                </a:gs>
+                <a:gs pos="48000">
+                  <a:schemeClr val="accent5">
+                    <a:lumMod val="97000"/>
+                    <a:lumOff val="3000"/>
+                  </a:schemeClr>
+                </a:gs>
+                <a:gs pos="100000">
+                  <a:schemeClr val="accent5">
+                    <a:lumMod val="60000"/>
+                    <a:lumOff val="40000"/>
+                  </a:schemeClr>
+                </a:gs>
+              </a:gsLst>
+              <a:lin ang="16200000" scaled="1"/>
+              <a:tileRect/>
+            </a:gradFill>
+            <a:ln>
+              <a:noFill/>
+            </a:ln>
+          </p:spPr>
+          <p:style>
+            <a:lnRef idx="0">
+              <a:scrgbClr r="0" g="0" b="0"/>
+            </a:lnRef>
+            <a:fillRef idx="0">
+              <a:scrgbClr r="0" g="0" b="0"/>
+            </a:fillRef>
+            <a:effectRef idx="0">
+              <a:scrgbClr r="0" g="0" b="0"/>
+            </a:effectRef>
+            <a:fontRef idx="minor">
+              <a:schemeClr val="lt1"/>
+            </a:fontRef>
+          </p:style>
+          <p:txBody>
+            <a:bodyPr rtlCol="0" anchor="ctr"/>
+            <a:lstStyle/>
+            <a:p>
+              <a:pPr algn="ctr"/>
+              <a:r>
+                <a:rPr lang="en-US" sz="900" dirty="0"/>
+                <a:t>Container</a:t>
+              </a:r>
+            </a:p>
+            <a:p>
+              <a:pPr algn="ctr"/>
+              <a:r>
+                <a:rPr lang="en-US" sz="900" dirty="0"/>
+                <a:t>Service B App</a:t>
+              </a:r>
+            </a:p>
+          </p:txBody>
+        </p:sp>
+        <p:sp>
+          <p:nvSpPr>
+            <p:cNvPr id="53" name="Oval 52">
+              <a:extLst>
+                <a:ext uri="{FF2B5EF4-FFF2-40B4-BE49-F238E27FC236}">
+                  <a16:creationId xmlns:a16="http://schemas.microsoft.com/office/drawing/2014/main" id="{D94A9E0F-B4B8-48B2-8497-89EB568A0264}"/>
+                </a:ext>
+              </a:extLst>
+            </p:cNvPr>
+            <p:cNvSpPr/>
+            <p:nvPr/>
+          </p:nvSpPr>
+          <p:spPr>
+            <a:xfrm>
+              <a:off x="9482575" y="5060872"/>
+              <a:ext cx="914400" cy="504939"/>
+            </a:xfrm>
+            <a:prstGeom prst="ellipse">
+              <a:avLst/>
+            </a:prstGeom>
+            <a:gradFill flip="none" rotWithShape="1">
+              <a:gsLst>
+                <a:gs pos="0">
+                  <a:schemeClr val="accent5">
+                    <a:lumMod val="67000"/>
+                  </a:schemeClr>
+                </a:gs>
+                <a:gs pos="48000">
+                  <a:schemeClr val="accent5">
+                    <a:lumMod val="97000"/>
+                    <a:lumOff val="3000"/>
+                  </a:schemeClr>
+                </a:gs>
+                <a:gs pos="100000">
+                  <a:schemeClr val="accent5">
+                    <a:lumMod val="60000"/>
+                    <a:lumOff val="40000"/>
+                  </a:schemeClr>
+                </a:gs>
+              </a:gsLst>
+              <a:lin ang="16200000" scaled="1"/>
+              <a:tileRect/>
+            </a:gradFill>
+            <a:ln>
+              <a:noFill/>
+            </a:ln>
+          </p:spPr>
+          <p:style>
+            <a:lnRef idx="0">
+              <a:scrgbClr r="0" g="0" b="0"/>
+            </a:lnRef>
+            <a:fillRef idx="0">
+              <a:scrgbClr r="0" g="0" b="0"/>
+            </a:fillRef>
+            <a:effectRef idx="0">
+              <a:scrgbClr r="0" g="0" b="0"/>
+            </a:effectRef>
+            <a:fontRef idx="minor">
+              <a:schemeClr val="lt1"/>
+            </a:fontRef>
+          </p:style>
+          <p:txBody>
+            <a:bodyPr rtlCol="0" anchor="ctr"/>
+            <a:lstStyle/>
+            <a:p>
+              <a:pPr algn="ctr"/>
+              <a:r>
+                <a:rPr lang="en-US" sz="900" dirty="0"/>
+                <a:t>Container</a:t>
+              </a:r>
+            </a:p>
+            <a:p>
+              <a:pPr algn="ctr"/>
+              <a:r>
+                <a:rPr lang="en-US" sz="900" dirty="0"/>
+                <a:t>Service B Agent</a:t>
+              </a:r>
+            </a:p>
+          </p:txBody>
+        </p:sp>
+        <p:sp>
+          <p:nvSpPr>
+            <p:cNvPr id="55" name="Freeform: Shape 54">
+              <a:extLst>
+                <a:ext uri="{FF2B5EF4-FFF2-40B4-BE49-F238E27FC236}">
+                  <a16:creationId xmlns:a16="http://schemas.microsoft.com/office/drawing/2014/main" id="{B4F2151C-63BC-44C8-A0CB-C836ECEB66E4}"/>
+                </a:ext>
+              </a:extLst>
+            </p:cNvPr>
+            <p:cNvSpPr/>
+            <p:nvPr/>
+          </p:nvSpPr>
+          <p:spPr>
+            <a:xfrm>
+              <a:off x="7391452" y="3216427"/>
+              <a:ext cx="3108909" cy="2426991"/>
+            </a:xfrm>
+            <a:custGeom>
+              <a:avLst/>
+              <a:gdLst>
+                <a:gd name="connsiteX0" fmla="*/ 0 w 3108909"/>
+                <a:gd name="connsiteY0" fmla="*/ 0 h 2426991"/>
+                <a:gd name="connsiteX1" fmla="*/ 2155300 w 3108909"/>
+                <a:gd name="connsiteY1" fmla="*/ 0 h 2426991"/>
+                <a:gd name="connsiteX2" fmla="*/ 2155300 w 3108909"/>
+                <a:gd name="connsiteY2" fmla="*/ 808098 h 2426991"/>
+                <a:gd name="connsiteX3" fmla="*/ 3108909 w 3108909"/>
+                <a:gd name="connsiteY3" fmla="*/ 808098 h 2426991"/>
+                <a:gd name="connsiteX4" fmla="*/ 3108909 w 3108909"/>
+                <a:gd name="connsiteY4" fmla="*/ 2426991 h 2426991"/>
+                <a:gd name="connsiteX5" fmla="*/ 1152185 w 3108909"/>
+                <a:gd name="connsiteY5" fmla="*/ 2426991 h 2426991"/>
+                <a:gd name="connsiteX6" fmla="*/ 1152185 w 3108909"/>
+                <a:gd name="connsiteY6" fmla="*/ 838386 h 2426991"/>
+                <a:gd name="connsiteX7" fmla="*/ 0 w 3108909"/>
+                <a:gd name="connsiteY7" fmla="*/ 838386 h 2426991"/>
+              </a:gdLst>
+              <a:ahLst/>
+              <a:cxnLst>
+                <a:cxn ang="0">
+                  <a:pos x="connsiteX0" y="connsiteY0"/>
+                </a:cxn>
+                <a:cxn ang="0">
+                  <a:pos x="connsiteX1" y="connsiteY1"/>
+                </a:cxn>
+                <a:cxn ang="0">
+                  <a:pos x="connsiteX2" y="connsiteY2"/>
+                </a:cxn>
+                <a:cxn ang="0">
+                  <a:pos x="connsiteX3" y="connsiteY3"/>
+                </a:cxn>
+                <a:cxn ang="0">
+                  <a:pos x="connsiteX4" y="connsiteY4"/>
+                </a:cxn>
+                <a:cxn ang="0">
+                  <a:pos x="connsiteX5" y="connsiteY5"/>
+                </a:cxn>
+                <a:cxn ang="0">
+                  <a:pos x="connsiteX6" y="connsiteY6"/>
+                </a:cxn>
+                <a:cxn ang="0">
+                  <a:pos x="connsiteX7" y="connsiteY7"/>
+                </a:cxn>
+              </a:cxnLst>
+              <a:rect l="l" t="t" r="r" b="b"/>
+              <a:pathLst>
+                <a:path w="3108909" h="2426991">
+                  <a:moveTo>
+                    <a:pt x="0" y="0"/>
+                  </a:moveTo>
+                  <a:lnTo>
+                    <a:pt x="2155300" y="0"/>
+                  </a:lnTo>
+                  <a:lnTo>
+                    <a:pt x="2155300" y="808098"/>
+                  </a:lnTo>
+                  <a:lnTo>
+                    <a:pt x="3108909" y="808098"/>
+                  </a:lnTo>
+                  <a:lnTo>
+                    <a:pt x="3108909" y="2426991"/>
+                  </a:lnTo>
+                  <a:lnTo>
+                    <a:pt x="1152185" y="2426991"/>
+                  </a:lnTo>
+                  <a:lnTo>
+                    <a:pt x="1152185" y="838386"/>
+                  </a:lnTo>
+                  <a:lnTo>
+                    <a:pt x="0" y="838386"/>
+                  </a:lnTo>
+                  <a:close/>
+                </a:path>
+              </a:pathLst>
+            </a:custGeom>
+            <a:noFill/>
+            <a:ln w="38100">
+              <a:solidFill>
+                <a:schemeClr val="accent5">
+                  <a:lumMod val="40000"/>
+                  <a:lumOff val="60000"/>
+                </a:schemeClr>
+              </a:solidFill>
+              <a:prstDash val="lgDashDot"/>
+            </a:ln>
+          </p:spPr>
+          <p:style>
+            <a:lnRef idx="2">
+              <a:schemeClr val="accent1">
+                <a:shade val="50000"/>
+              </a:schemeClr>
+            </a:lnRef>
+            <a:fillRef idx="1">
+              <a:schemeClr val="accent1"/>
+            </a:fillRef>
+            <a:effectRef idx="0">
+              <a:schemeClr val="accent1"/>
+            </a:effectRef>
+            <a:fontRef idx="minor">
+              <a:schemeClr val="lt1"/>
+            </a:fontRef>
+          </p:style>
+          <p:txBody>
+            <a:bodyPr rtlCol="0" anchor="ctr"/>
+            <a:lstStyle/>
+            <a:p>
+              <a:pPr algn="ctr"/>
+              <a:endParaRPr lang="en-US"/>
+            </a:p>
+          </p:txBody>
+        </p:sp>
+        <p:sp>
+          <p:nvSpPr>
+            <p:cNvPr id="56" name="TextBox 55">
+              <a:extLst>
+                <a:ext uri="{FF2B5EF4-FFF2-40B4-BE49-F238E27FC236}">
+                  <a16:creationId xmlns:a16="http://schemas.microsoft.com/office/drawing/2014/main" id="{C72D7292-D2F9-4D63-84BA-3520DA887065}"/>
+                </a:ext>
+              </a:extLst>
+            </p:cNvPr>
+            <p:cNvSpPr txBox="1"/>
+            <p:nvPr/>
+          </p:nvSpPr>
+          <p:spPr>
+            <a:xfrm>
+              <a:off x="8709663" y="4076481"/>
+              <a:ext cx="1309013" cy="307777"/>
+            </a:xfrm>
+            <a:prstGeom prst="rect">
+              <a:avLst/>
+            </a:prstGeom>
+            <a:noFill/>
+          </p:spPr>
+          <p:txBody>
+            <a:bodyPr wrap="none" rtlCol="0">
+              <a:spAutoFit/>
+            </a:bodyPr>
+            <a:lstStyle/>
+            <a:p>
+              <a:r>
+                <a:rPr lang="en-US" sz="1400" b="1" dirty="0">
+                  <a:solidFill>
+                    <a:schemeClr val="accent5">
+                      <a:lumMod val="40000"/>
+                      <a:lumOff val="60000"/>
+                    </a:schemeClr>
+                  </a:solidFill>
+                </a:rPr>
+                <a:t>Svc B Run Time</a:t>
+              </a:r>
+            </a:p>
+          </p:txBody>
+        </p:sp>
+      </p:grpSp>
+    </p:spTree>
+    <p:extLst>
+      <p:ext uri="{BB962C8B-B14F-4D97-AF65-F5344CB8AC3E}">
+        <p14:creationId xmlns:p14="http://schemas.microsoft.com/office/powerpoint/2010/main" val="3455186568"/>
+      </p:ext>
+    </p:extLst>
+  </p:cSld>
+  <p:clrMapOvr>
+    <a:masterClrMapping/>
+  </p:clrMapOvr>
+  <p:timing>
+    <p:tnLst>
+      <p:par>
+        <p:cTn id="1" dur="indefinite" restart="never" nodeType="tmRoot">
+          <p:childTnLst>
+            <p:seq concurrent="1" nextAc="seek">
+              <p:cTn id="2" dur="indefinite" nodeType="mainSeq">
+                <p:childTnLst>
+                  <p:par>
+                    <p:cTn id="3" fill="hold">
+                      <p:stCondLst>
+                        <p:cond delay="indefinite"/>
+                      </p:stCondLst>
+                      <p:childTnLst>
+                        <p:par>
+                          <p:cTn id="4" fill="hold">
+                            <p:stCondLst>
+                              <p:cond delay="0"/>
+                            </p:stCondLst>
+                            <p:childTnLst>
+                              <p:par>
+                                <p:cTn id="5" presetID="1" presetClass="entr" presetSubtype="0" fill="hold" grpId="1" nodeType="clickEffect">
+                                  <p:stCondLst>
+                                    <p:cond delay="0"/>
+                                  </p:stCondLst>
+                                  <p:childTnLst>
+                                    <p:set>
+                                      <p:cBhvr>
+                                        <p:cTn id="6" dur="1" fill="hold">
+                                          <p:stCondLst>
+                                            <p:cond delay="0"/>
+                                          </p:stCondLst>
+                                        </p:cTn>
+                                        <p:tgtEl>
+                                          <p:spTgt spid="34"/>
+                                        </p:tgtEl>
+                                        <p:attrNameLst>
+                                          <p:attrName>style.visibility</p:attrName>
+                                        </p:attrNameLst>
+                                      </p:cBhvr>
+                                      <p:to>
+                                        <p:strVal val="visible"/>
+                                      </p:to>
+                                    </p:set>
+                                  </p:childTnLst>
+                                </p:cTn>
+                              </p:par>
+                              <p:par>
+                                <p:cTn id="7" presetID="42" presetClass="path" presetSubtype="0" accel="50000" decel="50000" fill="hold" grpId="0" nodeType="withEffect">
+                                  <p:stCondLst>
+                                    <p:cond delay="0"/>
+                                  </p:stCondLst>
+                                  <p:childTnLst>
+                                    <p:animMotion origin="layout" path="M -3.125E-6 2.59259E-6 L -0.37669 -0.20972 " pathEditMode="relative" rAng="0" ptsTypes="AA">
+                                      <p:cBhvr>
+                                        <p:cTn id="8" dur="2000" spd="-100000" fill="hold"/>
+                                        <p:tgtEl>
+                                          <p:spTgt spid="34"/>
+                                        </p:tgtEl>
+                                        <p:attrNameLst>
+                                          <p:attrName>ppt_x</p:attrName>
+                                          <p:attrName>ppt_y</p:attrName>
+                                        </p:attrNameLst>
+                                      </p:cBhvr>
+                                      <p:rCtr x="-18841" y="-10486"/>
+                                    </p:animMotion>
+                                  </p:childTnLst>
+                                </p:cTn>
+                              </p:par>
+                            </p:childTnLst>
+                          </p:cTn>
+                        </p:par>
+                      </p:childTnLst>
+                    </p:cTn>
+                  </p:par>
+                  <p:par>
+                    <p:cTn id="9" fill="hold">
+                      <p:stCondLst>
+                        <p:cond delay="indefinite"/>
+                      </p:stCondLst>
+                      <p:childTnLst>
+                        <p:par>
+                          <p:cTn id="10" fill="hold">
+                            <p:stCondLst>
+                              <p:cond delay="0"/>
+                            </p:stCondLst>
+                            <p:childTnLst>
+                              <p:par>
+                                <p:cTn id="11" presetID="1" presetClass="entr" presetSubtype="0" fill="hold" grpId="1" nodeType="clickEffect">
+                                  <p:stCondLst>
+                                    <p:cond delay="0"/>
+                                  </p:stCondLst>
+                                  <p:childTnLst>
+                                    <p:set>
+                                      <p:cBhvr>
+                                        <p:cTn id="12" dur="1" fill="hold">
+                                          <p:stCondLst>
+                                            <p:cond delay="0"/>
+                                          </p:stCondLst>
+                                        </p:cTn>
+                                        <p:tgtEl>
+                                          <p:spTgt spid="25"/>
+                                        </p:tgtEl>
+                                        <p:attrNameLst>
+                                          <p:attrName>style.visibility</p:attrName>
+                                        </p:attrNameLst>
+                                      </p:cBhvr>
+                                      <p:to>
+                                        <p:strVal val="visible"/>
+                                      </p:to>
+                                    </p:set>
+                                  </p:childTnLst>
+                                </p:cTn>
+                              </p:par>
+                            </p:childTnLst>
+                          </p:cTn>
+                        </p:par>
+                        <p:par>
+                          <p:cTn id="13" fill="hold">
+                            <p:stCondLst>
+                              <p:cond delay="0"/>
+                            </p:stCondLst>
+                            <p:childTnLst>
+                              <p:par>
+                                <p:cTn id="14" presetID="42" presetClass="path" presetSubtype="0" accel="50000" decel="50000" fill="hold" grpId="0" nodeType="afterEffect">
+                                  <p:stCondLst>
+                                    <p:cond delay="0"/>
+                                  </p:stCondLst>
+                                  <p:childTnLst>
+                                    <p:animMotion origin="layout" path="M 3.33333E-6 -2.59259E-6 L -0.29922 -0.02106 " pathEditMode="relative" rAng="0" ptsTypes="AA">
+                                      <p:cBhvr>
+                                        <p:cTn id="15" dur="2000" spd="-100000" fill="hold"/>
+                                        <p:tgtEl>
+                                          <p:spTgt spid="25"/>
+                                        </p:tgtEl>
+                                        <p:attrNameLst>
+                                          <p:attrName>ppt_x</p:attrName>
+                                          <p:attrName>ppt_y</p:attrName>
+                                        </p:attrNameLst>
+                                      </p:cBhvr>
+                                      <p:rCtr x="-14961" y="-1065"/>
+                                    </p:animMotion>
+                                  </p:childTnLst>
+                                </p:cTn>
+                              </p:par>
+                            </p:childTnLst>
+                          </p:cTn>
+                        </p:par>
+                      </p:childTnLst>
+                    </p:cTn>
+                  </p:par>
+                  <p:par>
+                    <p:cTn id="16" fill="hold">
+                      <p:stCondLst>
+                        <p:cond delay="indefinite"/>
+                      </p:stCondLst>
+                      <p:childTnLst>
+                        <p:par>
+                          <p:cTn id="17" fill="hold">
+                            <p:stCondLst>
+                              <p:cond delay="0"/>
+                            </p:stCondLst>
+                            <p:childTnLst>
+                              <p:par>
+                                <p:cTn id="18" presetID="1" presetClass="entr" presetSubtype="0" fill="hold" grpId="0" nodeType="clickEffect">
+                                  <p:stCondLst>
+                                    <p:cond delay="0"/>
+                                  </p:stCondLst>
+                                  <p:childTnLst>
+                                    <p:set>
+                                      <p:cBhvr>
+                                        <p:cTn id="19" dur="1" fill="hold">
+                                          <p:stCondLst>
+                                            <p:cond delay="0"/>
+                                          </p:stCondLst>
+                                        </p:cTn>
+                                        <p:tgtEl>
+                                          <p:spTgt spid="26"/>
+                                        </p:tgtEl>
+                                        <p:attrNameLst>
+                                          <p:attrName>style.visibility</p:attrName>
+                                        </p:attrNameLst>
+                                      </p:cBhvr>
+                                      <p:to>
+                                        <p:strVal val="visible"/>
+                                      </p:to>
+                                    </p:set>
+                                  </p:childTnLst>
+                                </p:cTn>
+                              </p:par>
+                            </p:childTnLst>
+                          </p:cTn>
+                        </p:par>
+                        <p:par>
+                          <p:cTn id="20" fill="hold">
+                            <p:stCondLst>
+                              <p:cond delay="0"/>
+                            </p:stCondLst>
+                            <p:childTnLst>
+                              <p:par>
+                                <p:cTn id="21" presetID="37" presetClass="path" presetSubtype="0" accel="50000" decel="50000" fill="hold" grpId="1" nodeType="afterEffect">
+                                  <p:stCondLst>
+                                    <p:cond delay="0"/>
+                                  </p:stCondLst>
+                                  <p:childTnLst>
+                                    <p:animMotion origin="layout" path="M -2.29167E-6 3.33333E-6 L -0.07578 0.04467 C -0.0914 0.05532 -0.11471 0.06041 -0.13919 0.05879 C -0.16719 0.05717 -0.18945 0.0493 -0.20469 0.0368 L -0.27786 -0.01713 " pathEditMode="relative" rAng="120000" ptsTypes="AAAAA">
+                                      <p:cBhvr>
+                                        <p:cTn id="22" dur="2000" spd="-100000" fill="hold"/>
+                                        <p:tgtEl>
+                                          <p:spTgt spid="26"/>
+                                        </p:tgtEl>
+                                        <p:attrNameLst>
+                                          <p:attrName>ppt_x</p:attrName>
+                                          <p:attrName>ppt_y</p:attrName>
+                                        </p:attrNameLst>
+                                      </p:cBhvr>
+                                      <p:rCtr x="-13958" y="2500"/>
+                                    </p:animMotion>
+                                  </p:childTnLst>
+                                </p:cTn>
+                              </p:par>
+                            </p:childTnLst>
+                          </p:cTn>
+                        </p:par>
+                      </p:childTnLst>
+                    </p:cTn>
+                  </p:par>
+                  <p:par>
+                    <p:cTn id="23" fill="hold">
+                      <p:stCondLst>
+                        <p:cond delay="indefinite"/>
+                      </p:stCondLst>
+                      <p:childTnLst>
+                        <p:par>
+                          <p:cTn id="24" fill="hold">
+                            <p:stCondLst>
+                              <p:cond delay="0"/>
+                            </p:stCondLst>
+                            <p:childTnLst>
+                              <p:par>
+                                <p:cTn id="25" presetID="42" presetClass="path" presetSubtype="0" accel="50000" decel="50000" autoRev="1" fill="hold" grpId="0" nodeType="clickEffect">
+                                  <p:stCondLst>
+                                    <p:cond delay="0"/>
+                                  </p:stCondLst>
+                                  <p:childTnLst>
+                                    <p:animMotion origin="layout" path="M 2.08333E-6 3.7037E-7 L 0.25573 0.04097 " pathEditMode="relative" rAng="0" ptsTypes="AA">
+                                      <p:cBhvr>
+                                        <p:cTn id="26" dur="2000" fill="hold"/>
+                                        <p:tgtEl>
+                                          <p:spTgt spid="20"/>
+                                        </p:tgtEl>
+                                        <p:attrNameLst>
+                                          <p:attrName>ppt_x</p:attrName>
+                                          <p:attrName>ppt_y</p:attrName>
+                                        </p:attrNameLst>
+                                      </p:cBhvr>
+                                      <p:rCtr x="12786" y="2037"/>
+                                    </p:animMotion>
+                                  </p:childTnLst>
+                                </p:cTn>
+                              </p:par>
+                            </p:childTnLst>
+                          </p:cTn>
+                        </p:par>
+                      </p:childTnLst>
+                    </p:cTn>
+                  </p:par>
+                  <p:par>
+                    <p:cTn id="27" fill="hold">
+                      <p:stCondLst>
+                        <p:cond delay="indefinite"/>
+                      </p:stCondLst>
+                      <p:childTnLst>
+                        <p:par>
+                          <p:cTn id="28" fill="hold">
+                            <p:stCondLst>
+                              <p:cond delay="0"/>
+                            </p:stCondLst>
+                            <p:childTnLst>
+                              <p:par>
+                                <p:cTn id="29" presetID="42" presetClass="path" presetSubtype="0" accel="50000" decel="50000" autoRev="1" fill="hold" grpId="0" nodeType="clickEffect">
+                                  <p:stCondLst>
+                                    <p:cond delay="0"/>
+                                  </p:stCondLst>
+                                  <p:childTnLst>
+                                    <p:animMotion origin="layout" path="M -2.91667E-6 -3.33333E-6 L 0.00977 -0.2125 " pathEditMode="relative" rAng="0" ptsTypes="AA">
+                                      <p:cBhvr>
+                                        <p:cTn id="30" dur="2000" fill="hold"/>
+                                        <p:tgtEl>
+                                          <p:spTgt spid="46"/>
+                                        </p:tgtEl>
+                                        <p:attrNameLst>
+                                          <p:attrName>ppt_x</p:attrName>
+                                          <p:attrName>ppt_y</p:attrName>
+                                        </p:attrNameLst>
+                                      </p:cBhvr>
+                                      <p:rCtr x="482" y="-10625"/>
+                                    </p:animMotion>
+                                  </p:childTnLst>
+                                </p:cTn>
+                              </p:par>
+                            </p:childTnLst>
+                          </p:cTn>
+                        </p:par>
+                        <p:par>
+                          <p:cTn id="31" fill="hold">
+                            <p:stCondLst>
+                              <p:cond delay="4000"/>
+                            </p:stCondLst>
+                            <p:childTnLst>
+                              <p:par>
+                                <p:cTn id="32" presetID="42" presetClass="path" presetSubtype="0" accel="50000" decel="50000" autoRev="1" fill="hold" grpId="0" nodeType="afterEffect">
+                                  <p:stCondLst>
+                                    <p:cond delay="0"/>
+                                  </p:stCondLst>
+                                  <p:childTnLst>
+                                    <p:animMotion origin="layout" path="M 3.33333E-6 3.33333E-6 L 0.26979 0.16875 " pathEditMode="relative" rAng="0" ptsTypes="AA">
+                                      <p:cBhvr>
+                                        <p:cTn id="33" dur="3000" fill="hold"/>
+                                        <p:tgtEl>
+                                          <p:spTgt spid="45"/>
+                                        </p:tgtEl>
+                                        <p:attrNameLst>
+                                          <p:attrName>ppt_x</p:attrName>
+                                          <p:attrName>ppt_y</p:attrName>
+                                        </p:attrNameLst>
+                                      </p:cBhvr>
+                                      <p:rCtr x="13490" y="8426"/>
+                                    </p:animMotion>
+                                  </p:childTnLst>
+                                </p:cTn>
+                              </p:par>
+                            </p:childTnLst>
+                          </p:cTn>
+                        </p:par>
+                      </p:childTnLst>
+                    </p:cTn>
+                  </p:par>
+                  <p:par>
+                    <p:cTn id="34" fill="hold">
+                      <p:stCondLst>
+                        <p:cond delay="indefinite"/>
+                      </p:stCondLst>
+                      <p:childTnLst>
+                        <p:par>
+                          <p:cTn id="35" fill="hold">
+                            <p:stCondLst>
+                              <p:cond delay="0"/>
+                            </p:stCondLst>
+                            <p:childTnLst>
+                              <p:par>
+                                <p:cTn id="36" presetID="10" presetClass="entr" presetSubtype="0" fill="hold" nodeType="clickEffect">
+                                  <p:stCondLst>
+                                    <p:cond delay="0"/>
+                                  </p:stCondLst>
+                                  <p:childTnLst>
+                                    <p:set>
+                                      <p:cBhvr>
+                                        <p:cTn id="37" dur="1" fill="hold">
+                                          <p:stCondLst>
+                                            <p:cond delay="0"/>
+                                          </p:stCondLst>
+                                        </p:cTn>
+                                        <p:tgtEl>
+                                          <p:spTgt spid="16"/>
+                                        </p:tgtEl>
+                                        <p:attrNameLst>
+                                          <p:attrName>style.visibility</p:attrName>
+                                        </p:attrNameLst>
+                                      </p:cBhvr>
+                                      <p:to>
+                                        <p:strVal val="visible"/>
+                                      </p:to>
+                                    </p:set>
+                                    <p:animEffect transition="in" filter="fade">
+                                      <p:cBhvr>
+                                        <p:cTn id="38" dur="500"/>
+                                        <p:tgtEl>
+                                          <p:spTgt spid="16"/>
+                                        </p:tgtEl>
+                                      </p:cBhvr>
+                                    </p:animEffect>
+                                  </p:childTnLst>
+                                </p:cTn>
+                              </p:par>
+                            </p:childTnLst>
+                          </p:cTn>
+                        </p:par>
+                      </p:childTnLst>
+                    </p:cTn>
+                  </p:par>
+                  <p:par>
+                    <p:cTn id="39" fill="hold">
+                      <p:stCondLst>
+                        <p:cond delay="indefinite"/>
+                      </p:stCondLst>
+                      <p:childTnLst>
+                        <p:par>
+                          <p:cTn id="40" fill="hold">
+                            <p:stCondLst>
+                              <p:cond delay="0"/>
+                            </p:stCondLst>
+                            <p:childTnLst>
+                              <p:par>
+                                <p:cTn id="41" presetID="2" presetClass="entr" presetSubtype="6" fill="hold" nodeType="clickEffect">
+                                  <p:stCondLst>
+                                    <p:cond delay="0"/>
+                                  </p:stCondLst>
+                                  <p:childTnLst>
+                                    <p:set>
+                                      <p:cBhvr>
+                                        <p:cTn id="42" dur="1" fill="hold">
+                                          <p:stCondLst>
+                                            <p:cond delay="0"/>
+                                          </p:stCondLst>
+                                        </p:cTn>
+                                        <p:tgtEl>
+                                          <p:spTgt spid="19"/>
+                                        </p:tgtEl>
+                                        <p:attrNameLst>
+                                          <p:attrName>style.visibility</p:attrName>
+                                        </p:attrNameLst>
+                                      </p:cBhvr>
+                                      <p:to>
+                                        <p:strVal val="visible"/>
+                                      </p:to>
+                                    </p:set>
+                                    <p:anim calcmode="lin" valueType="num">
+                                      <p:cBhvr additive="base">
+                                        <p:cTn id="43" dur="1000" fill="hold"/>
+                                        <p:tgtEl>
+                                          <p:spTgt spid="19"/>
+                                        </p:tgtEl>
+                                        <p:attrNameLst>
+                                          <p:attrName>ppt_x</p:attrName>
+                                        </p:attrNameLst>
+                                      </p:cBhvr>
+                                      <p:tavLst>
+                                        <p:tav tm="0">
+                                          <p:val>
+                                            <p:strVal val="1+#ppt_w/2"/>
+                                          </p:val>
+                                        </p:tav>
+                                        <p:tav tm="100000">
+                                          <p:val>
+                                            <p:strVal val="#ppt_x"/>
+                                          </p:val>
+                                        </p:tav>
+                                      </p:tavLst>
+                                    </p:anim>
+                                    <p:anim calcmode="lin" valueType="num">
+                                      <p:cBhvr additive="base">
+                                        <p:cTn id="44" dur="1000" fill="hold"/>
+                                        <p:tgtEl>
+                                          <p:spTgt spid="19"/>
+                                        </p:tgtEl>
+                                        <p:attrNameLst>
+                                          <p:attrName>ppt_y</p:attrName>
+                                        </p:attrNameLst>
+                                      </p:cBhvr>
+                                      <p:tavLst>
+                                        <p:tav tm="0">
+                                          <p:val>
+                                            <p:strVal val="1+#ppt_h/2"/>
+                                          </p:val>
+                                        </p:tav>
+                                        <p:tav tm="100000">
+                                          <p:val>
+                                            <p:strVal val="#ppt_y"/>
+                                          </p:val>
+                                        </p:tav>
+                                      </p:tavLst>
+                                    </p:anim>
+                                  </p:childTnLst>
+                                </p:cTn>
+                              </p:par>
+                            </p:childTnLst>
+                          </p:cTn>
+                        </p:par>
+                      </p:childTnLst>
+                    </p:cTn>
+                  </p:par>
+                </p:childTnLst>
+              </p:cTn>
+              <p:prevCondLst>
+                <p:cond evt="onPrev" delay="0">
+                  <p:tgtEl>
+                    <p:sldTgt/>
+                  </p:tgtEl>
+                </p:cond>
+              </p:prevCondLst>
+              <p:nextCondLst>
+                <p:cond evt="onNext" delay="0">
+                  <p:tgtEl>
+                    <p:sldTgt/>
+                  </p:tgtEl>
+                </p:cond>
+              </p:nextCondLst>
+            </p:seq>
+          </p:childTnLst>
+        </p:cTn>
+      </p:par>
+    </p:tnLst>
+    <p:bldLst>
+      <p:bldP spid="34" grpId="0" animBg="1"/>
+      <p:bldP spid="34" grpId="1" animBg="1"/>
+      <p:bldP spid="45" grpId="0" animBg="1"/>
+      <p:bldP spid="25" grpId="0" animBg="1"/>
+      <p:bldP spid="25" grpId="1" animBg="1"/>
+      <p:bldP spid="26" grpId="0" animBg="1"/>
+      <p:bldP spid="26" grpId="1" animBg="1"/>
+      <p:bldP spid="46" grpId="0" animBg="1"/>
+      <p:bldP spid="20" grpId="0" animBg="1"/>
+    </p:bldLst>
+  </p:timing>
+</p:sld>
+</file>
+
+<file path=ppt/slides/slide11.xml><?xml version="1.0" encoding="utf-8"?>
 <p:sld xmlns:a="http://schemas.openxmlformats.org/drawingml/2006/main" xmlns:r="http://schemas.openxmlformats.org/officeDocument/2006/relationships" xmlns:p="http://schemas.openxmlformats.org/presentationml/2006/main">
   <p:cSld>
     <p:spTree>
@@ -11899,7 +14694,7 @@
 </p:sld>
 </file>
 
-<file path=ppt/slides/slide11.xml><?xml version="1.0" encoding="utf-8"?>
+<file path=ppt/slides/slide12.xml><?xml version="1.0" encoding="utf-8"?>
 <p:sld xmlns:a="http://schemas.openxmlformats.org/drawingml/2006/main" xmlns:r="http://schemas.openxmlformats.org/officeDocument/2006/relationships" xmlns:p="http://schemas.openxmlformats.org/presentationml/2006/main">
   <p:cSld>
     <p:spTree>
@@ -12060,7 +14855,7 @@
 </p:sld>
 </file>
 
-<file path=ppt/slides/slide12.xml><?xml version="1.0" encoding="utf-8"?>
+<file path=ppt/slides/slide13.xml><?xml version="1.0" encoding="utf-8"?>
 <p:sld xmlns:a="http://schemas.openxmlformats.org/drawingml/2006/main" xmlns:r="http://schemas.openxmlformats.org/officeDocument/2006/relationships" xmlns:p="http://schemas.openxmlformats.org/presentationml/2006/main">
   <p:cSld>
     <p:bg>
@@ -12363,7 +15158,7 @@
 </p:sld>
 </file>
 
-<file path=ppt/slides/slide13.xml><?xml version="1.0" encoding="utf-8"?>
+<file path=ppt/slides/slide14.xml><?xml version="1.0" encoding="utf-8"?>
 <p:sld xmlns:a="http://schemas.openxmlformats.org/drawingml/2006/main" xmlns:r="http://schemas.openxmlformats.org/officeDocument/2006/relationships" xmlns:p="http://schemas.openxmlformats.org/presentationml/2006/main">
   <p:cSld>
     <p:spTree>
@@ -18278,7 +21073,7 @@
 </p:sld>
 </file>
 
-<file path=ppt/slides/slide14.xml><?xml version="1.0" encoding="utf-8"?>
+<file path=ppt/slides/slide15.xml><?xml version="1.0" encoding="utf-8"?>
 <p:sld xmlns:a="http://schemas.openxmlformats.org/drawingml/2006/main" xmlns:r="http://schemas.openxmlformats.org/officeDocument/2006/relationships" xmlns:p="http://schemas.openxmlformats.org/presentationml/2006/main">
   <p:cSld>
     <p:spTree>
@@ -18592,7 +21387,7 @@
 </p:sld>
 </file>
 
-<file path=ppt/slides/slide15.xml><?xml version="1.0" encoding="utf-8"?>
+<file path=ppt/slides/slide16.xml><?xml version="1.0" encoding="utf-8"?>
 <p:sld xmlns:a="http://schemas.openxmlformats.org/drawingml/2006/main" xmlns:r="http://schemas.openxmlformats.org/officeDocument/2006/relationships" xmlns:p="http://schemas.openxmlformats.org/presentationml/2006/main">
   <p:cSld>
     <p:spTree>
@@ -18942,7 +21737,7 @@
 </p:sld>
 </file>
 
-<file path=ppt/slides/slide16.xml><?xml version="1.0" encoding="utf-8"?>
+<file path=ppt/slides/slide17.xml><?xml version="1.0" encoding="utf-8"?>
 <p:sld xmlns:a="http://schemas.openxmlformats.org/drawingml/2006/main" xmlns:r="http://schemas.openxmlformats.org/officeDocument/2006/relationships" xmlns:p="http://schemas.openxmlformats.org/presentationml/2006/main">
   <p:cSld>
     <p:spTree>
@@ -19311,7 +22106,7 @@
 </p:sld>
 </file>
 
-<file path=ppt/slides/slide17.xml><?xml version="1.0" encoding="utf-8"?>
+<file path=ppt/slides/slide18.xml><?xml version="1.0" encoding="utf-8"?>
 <p:sld xmlns:a="http://schemas.openxmlformats.org/drawingml/2006/main" xmlns:r="http://schemas.openxmlformats.org/officeDocument/2006/relationships" xmlns:p="http://schemas.openxmlformats.org/presentationml/2006/main">
   <p:cSld>
     <p:spTree>
@@ -19540,7 +22335,7 @@
 </p:sld>
 </file>
 
-<file path=ppt/slides/slide18.xml><?xml version="1.0" encoding="utf-8"?>
+<file path=ppt/slides/slide19.xml><?xml version="1.0" encoding="utf-8"?>
 <p:sld xmlns:a="http://schemas.openxmlformats.org/drawingml/2006/main" xmlns:r="http://schemas.openxmlformats.org/officeDocument/2006/relationships" xmlns:p="http://schemas.openxmlformats.org/presentationml/2006/main">
   <p:cSld>
     <p:spTree>
@@ -21003,6 +23798,191 @@
           <a:p>
             <a:r>
               <a:rPr lang="en-US" dirty="0"/>
+              <a:t>Vision</a:t>
+            </a:r>
+          </a:p>
+        </p:txBody>
+      </p:sp>
+      <p:sp>
+        <p:nvSpPr>
+          <p:cNvPr id="3" name="TextBox 2">
+            <a:extLst>
+              <a:ext uri="{FF2B5EF4-FFF2-40B4-BE49-F238E27FC236}">
+                <a16:creationId xmlns:a16="http://schemas.microsoft.com/office/drawing/2014/main" id="{DF32ECA3-056B-4FAD-9B5D-16BD89F20C35}"/>
+              </a:ext>
+            </a:extLst>
+          </p:cNvPr>
+          <p:cNvSpPr txBox="1"/>
+          <p:nvPr/>
+        </p:nvSpPr>
+        <p:spPr>
+          <a:xfrm>
+            <a:off x="484529" y="1063998"/>
+            <a:ext cx="10827451" cy="4893647"/>
+          </a:xfrm>
+          <a:prstGeom prst="rect">
+            <a:avLst/>
+          </a:prstGeom>
+          <a:noFill/>
+        </p:spPr>
+        <p:txBody>
+          <a:bodyPr wrap="square" rtlCol="0">
+            <a:spAutoFit/>
+          </a:bodyPr>
+          <a:lstStyle/>
+          <a:p>
+            <a:pPr marL="342900" indent="-342900">
+              <a:buFont typeface="Arial" panose="020B0604020202020204" pitchFamily="34" charset="0"/>
+              <a:buChar char="•"/>
+            </a:pPr>
+            <a:r>
+              <a:rPr lang="en-US" sz="2400" b="1" dirty="0"/>
+              <a:t>As a deployer</a:t>
+            </a:r>
+            <a:r>
+              <a:rPr lang="en-US" sz="2400" dirty="0"/>
+              <a:t>: Able to deploy a specific Sterling API with its own configuration and codebase as a microservice</a:t>
+            </a:r>
+          </a:p>
+          <a:p>
+            <a:pPr marL="342900" indent="-342900">
+              <a:buFont typeface="Arial" panose="020B0604020202020204" pitchFamily="34" charset="0"/>
+              <a:buChar char="•"/>
+            </a:pPr>
+            <a:endParaRPr lang="en-US" sz="2400" b="1" dirty="0"/>
+          </a:p>
+          <a:p>
+            <a:pPr marL="342900" indent="-342900">
+              <a:buFont typeface="Arial" panose="020B0604020202020204" pitchFamily="34" charset="0"/>
+              <a:buChar char="•"/>
+            </a:pPr>
+            <a:r>
+              <a:rPr lang="en-US" sz="2400" b="1" dirty="0"/>
+              <a:t>As a deployer</a:t>
+            </a:r>
+            <a:r>
+              <a:rPr lang="en-US" sz="2400" dirty="0"/>
+              <a:t>: Able to deploy a specific Sterling API(functionality) as a microservice</a:t>
+            </a:r>
+          </a:p>
+          <a:p>
+            <a:pPr marL="342900" indent="-342900">
+              <a:buFont typeface="Arial" panose="020B0604020202020204" pitchFamily="34" charset="0"/>
+              <a:buChar char="•"/>
+            </a:pPr>
+            <a:endParaRPr lang="en-US" sz="2400" b="1" dirty="0"/>
+          </a:p>
+          <a:p>
+            <a:pPr marL="342900" indent="-342900">
+              <a:buFont typeface="Arial" panose="020B0604020202020204" pitchFamily="34" charset="0"/>
+              <a:buChar char="•"/>
+            </a:pPr>
+            <a:r>
+              <a:rPr lang="en-US" sz="2400" b="1" dirty="0"/>
+              <a:t>As a service consumer</a:t>
+            </a:r>
+            <a:r>
+              <a:rPr lang="en-US" sz="2400" dirty="0"/>
+              <a:t>: Need not be aware of the exact physical (number of containers) location of the microservices</a:t>
+            </a:r>
+          </a:p>
+          <a:p>
+            <a:pPr marL="342900" indent="-342900">
+              <a:buFont typeface="Arial" panose="020B0604020202020204" pitchFamily="34" charset="0"/>
+              <a:buChar char="•"/>
+            </a:pPr>
+            <a:endParaRPr lang="en-US" sz="2400" b="1" dirty="0"/>
+          </a:p>
+          <a:p>
+            <a:pPr marL="342900" indent="-342900">
+              <a:buFont typeface="Arial" panose="020B0604020202020204" pitchFamily="34" charset="0"/>
+              <a:buChar char="•"/>
+            </a:pPr>
+            <a:r>
+              <a:rPr lang="en-US" sz="2400" b="1" dirty="0"/>
+              <a:t>As an infrastructure owner </a:t>
+            </a:r>
+            <a:r>
+              <a:rPr lang="en-US" sz="2400" dirty="0"/>
+              <a:t>: Minimize operations cost by optimizing the number of containers for the given load for each service.</a:t>
+            </a:r>
+          </a:p>
+          <a:p>
+            <a:pPr marL="342900" indent="-342900">
+              <a:buFont typeface="Arial" panose="020B0604020202020204" pitchFamily="34" charset="0"/>
+              <a:buChar char="•"/>
+            </a:pPr>
+            <a:endParaRPr lang="en-US" sz="2400" dirty="0"/>
+          </a:p>
+          <a:p>
+            <a:pPr marL="342900" indent="-342900">
+              <a:buFont typeface="Arial" panose="020B0604020202020204" pitchFamily="34" charset="0"/>
+              <a:buChar char="•"/>
+            </a:pPr>
+            <a:r>
+              <a:rPr lang="en-US" sz="2400" b="1" dirty="0"/>
+              <a:t>Ability to auto scale</a:t>
+            </a:r>
+            <a:r>
+              <a:rPr lang="en-US" sz="2400" dirty="0"/>
+              <a:t> real time services and asynchronous processes/services based or load</a:t>
+            </a:r>
+          </a:p>
+        </p:txBody>
+      </p:sp>
+    </p:spTree>
+    <p:extLst>
+      <p:ext uri="{BB962C8B-B14F-4D97-AF65-F5344CB8AC3E}">
+        <p14:creationId xmlns:p14="http://schemas.microsoft.com/office/powerpoint/2010/main" val="1795910237"/>
+      </p:ext>
+    </p:extLst>
+  </p:cSld>
+  <p:clrMapOvr>
+    <a:masterClrMapping/>
+  </p:clrMapOvr>
+</p:sld>
+</file>
+
+<file path=ppt/slides/slide5.xml><?xml version="1.0" encoding="utf-8"?>
+<p:sld xmlns:a="http://schemas.openxmlformats.org/drawingml/2006/main" xmlns:r="http://schemas.openxmlformats.org/officeDocument/2006/relationships" xmlns:p="http://schemas.openxmlformats.org/presentationml/2006/main">
+  <p:cSld>
+    <p:spTree>
+      <p:nvGrpSpPr>
+        <p:cNvPr id="1" name=""/>
+        <p:cNvGrpSpPr/>
+        <p:nvPr/>
+      </p:nvGrpSpPr>
+      <p:grpSpPr>
+        <a:xfrm>
+          <a:off x="0" y="0"/>
+          <a:ext cx="0" cy="0"/>
+          <a:chOff x="0" y="0"/>
+          <a:chExt cx="0" cy="0"/>
+        </a:xfrm>
+      </p:grpSpPr>
+      <p:sp>
+        <p:nvSpPr>
+          <p:cNvPr id="2" name="Title 1">
+            <a:extLst>
+              <a:ext uri="{FF2B5EF4-FFF2-40B4-BE49-F238E27FC236}">
+                <a16:creationId xmlns:a16="http://schemas.microsoft.com/office/drawing/2014/main" id="{DFB02394-9405-43A4-BB6A-AF72622BBE2E}"/>
+              </a:ext>
+            </a:extLst>
+          </p:cNvPr>
+          <p:cNvSpPr>
+            <a:spLocks noGrp="1"/>
+          </p:cNvSpPr>
+          <p:nvPr>
+            <p:ph type="title"/>
+          </p:nvPr>
+        </p:nvSpPr>
+        <p:spPr/>
+        <p:txBody>
+          <a:bodyPr/>
+          <a:lstStyle/>
+          <a:p>
+            <a:r>
+              <a:rPr lang="en-US" dirty="0"/>
               <a:t>Team Structure</a:t>
             </a:r>
           </a:p>
@@ -21140,7 +24120,7 @@
     </p:spTree>
     <p:extLst>
       <p:ext uri="{BB962C8B-B14F-4D97-AF65-F5344CB8AC3E}">
-        <p14:creationId xmlns:p14="http://schemas.microsoft.com/office/powerpoint/2010/main" val="1795910237"/>
+        <p14:creationId xmlns:p14="http://schemas.microsoft.com/office/powerpoint/2010/main" val="1357960829"/>
       </p:ext>
     </p:extLst>
   </p:cSld>
@@ -21150,7 +24130,7 @@
 </p:sld>
 </file>
 
-<file path=ppt/slides/slide5.xml><?xml version="1.0" encoding="utf-8"?>
+<file path=ppt/slides/slide6.xml><?xml version="1.0" encoding="utf-8"?>
 <p:sld xmlns:a="http://schemas.openxmlformats.org/drawingml/2006/main" xmlns:r="http://schemas.openxmlformats.org/officeDocument/2006/relationships" xmlns:p="http://schemas.openxmlformats.org/presentationml/2006/main">
   <p:cSld>
     <p:spTree>
@@ -26427,7 +29407,7 @@
 </p:sld>
 </file>
 
-<file path=ppt/slides/slide6.xml><?xml version="1.0" encoding="utf-8"?>
+<file path=ppt/slides/slide7.xml><?xml version="1.0" encoding="utf-8"?>
 <p:sld xmlns:a="http://schemas.openxmlformats.org/drawingml/2006/main" xmlns:r="http://schemas.openxmlformats.org/officeDocument/2006/relationships" xmlns:p="http://schemas.openxmlformats.org/presentationml/2006/main">
   <p:cSld>
     <p:spTree>
@@ -28757,7 +31737,7 @@
 </p:sld>
 </file>
 
-<file path=ppt/slides/slide7.xml><?xml version="1.0" encoding="utf-8"?>
+<file path=ppt/slides/slide8.xml><?xml version="1.0" encoding="utf-8"?>
 <p:sld xmlns:a="http://schemas.openxmlformats.org/drawingml/2006/main" xmlns:r="http://schemas.openxmlformats.org/officeDocument/2006/relationships" xmlns:p="http://schemas.openxmlformats.org/presentationml/2006/main">
   <p:cSld>
     <p:spTree>
@@ -30889,7 +33869,7 @@
 </p:sld>
 </file>
 
-<file path=ppt/slides/slide8.xml><?xml version="1.0" encoding="utf-8"?>
+<file path=ppt/slides/slide9.xml><?xml version="1.0" encoding="utf-8"?>
 <p:sld xmlns:a="http://schemas.openxmlformats.org/drawingml/2006/main" xmlns:r="http://schemas.openxmlformats.org/officeDocument/2006/relationships" xmlns:p="http://schemas.openxmlformats.org/presentationml/2006/main">
   <p:cSld>
     <p:spTree>
@@ -34009,2800 +36989,6 @@
 </p:sld>
 </file>
 
-<file path=ppt/slides/slide9.xml><?xml version="1.0" encoding="utf-8"?>
-<p:sld xmlns:a="http://schemas.openxmlformats.org/drawingml/2006/main" xmlns:r="http://schemas.openxmlformats.org/officeDocument/2006/relationships" xmlns:p="http://schemas.openxmlformats.org/presentationml/2006/main">
-  <p:cSld>
-    <p:spTree>
-      <p:nvGrpSpPr>
-        <p:cNvPr id="1" name=""/>
-        <p:cNvGrpSpPr/>
-        <p:nvPr/>
-      </p:nvGrpSpPr>
-      <p:grpSpPr>
-        <a:xfrm>
-          <a:off x="0" y="0"/>
-          <a:ext cx="0" cy="0"/>
-          <a:chOff x="0" y="0"/>
-          <a:chExt cx="0" cy="0"/>
-        </a:xfrm>
-      </p:grpSpPr>
-      <p:sp>
-        <p:nvSpPr>
-          <p:cNvPr id="2" name="Title 1">
-            <a:extLst>
-              <a:ext uri="{FF2B5EF4-FFF2-40B4-BE49-F238E27FC236}">
-                <a16:creationId xmlns:a16="http://schemas.microsoft.com/office/drawing/2014/main" id="{BDFD3F3F-AF75-4C88-A814-75BF3011B88B}"/>
-              </a:ext>
-            </a:extLst>
-          </p:cNvPr>
-          <p:cNvSpPr>
-            <a:spLocks noGrp="1"/>
-          </p:cNvSpPr>
-          <p:nvPr>
-            <p:ph type="title"/>
-          </p:nvPr>
-        </p:nvSpPr>
-        <p:spPr/>
-        <p:txBody>
-          <a:bodyPr/>
-          <a:lstStyle/>
-          <a:p>
-            <a:r>
-              <a:rPr lang="en-US" dirty="0"/>
-              <a:t>Validate Service A in Group Environment</a:t>
-            </a:r>
-          </a:p>
-        </p:txBody>
-      </p:sp>
-      <p:sp>
-        <p:nvSpPr>
-          <p:cNvPr id="3" name="Rectangle 2">
-            <a:extLst>
-              <a:ext uri="{FF2B5EF4-FFF2-40B4-BE49-F238E27FC236}">
-                <a16:creationId xmlns:a16="http://schemas.microsoft.com/office/drawing/2014/main" id="{C662BC5F-3B49-4675-8541-ADF98EB865CD}"/>
-              </a:ext>
-            </a:extLst>
-          </p:cNvPr>
-          <p:cNvSpPr/>
-          <p:nvPr/>
-        </p:nvSpPr>
-        <p:spPr>
-          <a:xfrm>
-            <a:off x="3469786" y="965395"/>
-            <a:ext cx="1428983" cy="4826942"/>
-          </a:xfrm>
-          <a:prstGeom prst="rect">
-            <a:avLst/>
-          </a:prstGeom>
-          <a:gradFill flip="none" rotWithShape="1">
-            <a:gsLst>
-              <a:gs pos="0">
-                <a:schemeClr val="accent4">
-                  <a:lumMod val="67000"/>
-                </a:schemeClr>
-              </a:gs>
-              <a:gs pos="48000">
-                <a:schemeClr val="accent4">
-                  <a:lumMod val="97000"/>
-                  <a:lumOff val="3000"/>
-                </a:schemeClr>
-              </a:gs>
-              <a:gs pos="100000">
-                <a:schemeClr val="accent4">
-                  <a:lumMod val="60000"/>
-                  <a:lumOff val="40000"/>
-                </a:schemeClr>
-              </a:gs>
-            </a:gsLst>
-            <a:lin ang="16200000" scaled="1"/>
-            <a:tileRect/>
-          </a:gradFill>
-          <a:ln>
-            <a:noFill/>
-          </a:ln>
-        </p:spPr>
-        <p:style>
-          <a:lnRef idx="0">
-            <a:scrgbClr r="0" g="0" b="0"/>
-          </a:lnRef>
-          <a:fillRef idx="0">
-            <a:scrgbClr r="0" g="0" b="0"/>
-          </a:fillRef>
-          <a:effectRef idx="0">
-            <a:scrgbClr r="0" g="0" b="0"/>
-          </a:effectRef>
-          <a:fontRef idx="minor">
-            <a:schemeClr val="lt1"/>
-          </a:fontRef>
-        </p:style>
-        <p:txBody>
-          <a:bodyPr rtlCol="0" anchor="t"/>
-          <a:lstStyle/>
-          <a:p>
-            <a:pPr algn="ctr"/>
-            <a:r>
-              <a:rPr lang="en-US" dirty="0"/>
-              <a:t>Git</a:t>
-            </a:r>
-          </a:p>
-        </p:txBody>
-      </p:sp>
-      <p:sp>
-        <p:nvSpPr>
-          <p:cNvPr id="5" name="Rectangle 4">
-            <a:extLst>
-              <a:ext uri="{FF2B5EF4-FFF2-40B4-BE49-F238E27FC236}">
-                <a16:creationId xmlns:a16="http://schemas.microsoft.com/office/drawing/2014/main" id="{627E70CB-77C6-4F53-BA98-BBDF3A079C9B}"/>
-              </a:ext>
-            </a:extLst>
-          </p:cNvPr>
-          <p:cNvSpPr/>
-          <p:nvPr/>
-        </p:nvSpPr>
-        <p:spPr>
-          <a:xfrm>
-            <a:off x="1101147" y="959219"/>
-            <a:ext cx="2274765" cy="4513291"/>
-          </a:xfrm>
-          <a:prstGeom prst="rect">
-            <a:avLst/>
-          </a:prstGeom>
-          <a:solidFill>
-            <a:srgbClr val="C00000"/>
-          </a:solidFill>
-        </p:spPr>
-        <p:style>
-          <a:lnRef idx="2">
-            <a:schemeClr val="accent1">
-              <a:shade val="50000"/>
-            </a:schemeClr>
-          </a:lnRef>
-          <a:fillRef idx="1">
-            <a:schemeClr val="accent1"/>
-          </a:fillRef>
-          <a:effectRef idx="0">
-            <a:schemeClr val="accent1"/>
-          </a:effectRef>
-          <a:fontRef idx="minor">
-            <a:schemeClr val="lt1"/>
-          </a:fontRef>
-        </p:style>
-        <p:txBody>
-          <a:bodyPr rtlCol="0" anchor="t"/>
-          <a:lstStyle/>
-          <a:p>
-            <a:pPr algn="ctr"/>
-            <a:r>
-              <a:rPr lang="en-US" dirty="0"/>
-              <a:t>OpenShift Registry</a:t>
-            </a:r>
-          </a:p>
-        </p:txBody>
-      </p:sp>
-      <p:sp>
-        <p:nvSpPr>
-          <p:cNvPr id="6" name="Rectangle: Rounded Corners 5">
-            <a:extLst>
-              <a:ext uri="{FF2B5EF4-FFF2-40B4-BE49-F238E27FC236}">
-                <a16:creationId xmlns:a16="http://schemas.microsoft.com/office/drawing/2014/main" id="{E7A8A31C-4E1C-4DA7-81CF-9C8F57A31607}"/>
-              </a:ext>
-            </a:extLst>
-          </p:cNvPr>
-          <p:cNvSpPr/>
-          <p:nvPr/>
-        </p:nvSpPr>
-        <p:spPr>
-          <a:xfrm>
-            <a:off x="1380692" y="2551066"/>
-            <a:ext cx="1027032" cy="336626"/>
-          </a:xfrm>
-          <a:prstGeom prst="roundRect">
-            <a:avLst/>
-          </a:prstGeom>
-        </p:spPr>
-        <p:style>
-          <a:lnRef idx="2">
-            <a:schemeClr val="accent1">
-              <a:shade val="50000"/>
-            </a:schemeClr>
-          </a:lnRef>
-          <a:fillRef idx="1">
-            <a:schemeClr val="accent1"/>
-          </a:fillRef>
-          <a:effectRef idx="0">
-            <a:schemeClr val="accent1"/>
-          </a:effectRef>
-          <a:fontRef idx="minor">
-            <a:schemeClr val="lt1"/>
-          </a:fontRef>
-        </p:style>
-        <p:txBody>
-          <a:bodyPr rtlCol="0" anchor="ctr"/>
-          <a:lstStyle/>
-          <a:p>
-            <a:pPr algn="ctr"/>
-            <a:r>
-              <a:rPr lang="en-US" sz="900" dirty="0"/>
-              <a:t>Image</a:t>
-            </a:r>
-          </a:p>
-          <a:p>
-            <a:pPr algn="ctr"/>
-            <a:r>
-              <a:rPr lang="en-US" sz="900" dirty="0"/>
-              <a:t>OOB Agent</a:t>
-            </a:r>
-          </a:p>
-        </p:txBody>
-      </p:sp>
-      <p:sp>
-        <p:nvSpPr>
-          <p:cNvPr id="7" name="Rectangle: Rounded Corners 6">
-            <a:extLst>
-              <a:ext uri="{FF2B5EF4-FFF2-40B4-BE49-F238E27FC236}">
-                <a16:creationId xmlns:a16="http://schemas.microsoft.com/office/drawing/2014/main" id="{77DCA46F-ADFC-432B-BA5F-A776601F7021}"/>
-              </a:ext>
-            </a:extLst>
-          </p:cNvPr>
-          <p:cNvSpPr/>
-          <p:nvPr/>
-        </p:nvSpPr>
-        <p:spPr>
-          <a:xfrm>
-            <a:off x="1380692" y="2094919"/>
-            <a:ext cx="1027032" cy="336626"/>
-          </a:xfrm>
-          <a:prstGeom prst="roundRect">
-            <a:avLst/>
-          </a:prstGeom>
-        </p:spPr>
-        <p:style>
-          <a:lnRef idx="2">
-            <a:schemeClr val="accent1">
-              <a:shade val="50000"/>
-            </a:schemeClr>
-          </a:lnRef>
-          <a:fillRef idx="1">
-            <a:schemeClr val="accent1"/>
-          </a:fillRef>
-          <a:effectRef idx="0">
-            <a:schemeClr val="accent1"/>
-          </a:effectRef>
-          <a:fontRef idx="minor">
-            <a:schemeClr val="lt1"/>
-          </a:fontRef>
-        </p:style>
-        <p:txBody>
-          <a:bodyPr rtlCol="0" anchor="ctr"/>
-          <a:lstStyle/>
-          <a:p>
-            <a:pPr algn="ctr"/>
-            <a:r>
-              <a:rPr lang="en-US" sz="900" dirty="0"/>
-              <a:t>Image</a:t>
-            </a:r>
-          </a:p>
-          <a:p>
-            <a:pPr algn="ctr"/>
-            <a:r>
-              <a:rPr lang="en-US" sz="900" dirty="0"/>
-              <a:t>OOB App</a:t>
-            </a:r>
-          </a:p>
-        </p:txBody>
-      </p:sp>
-      <p:sp>
-        <p:nvSpPr>
-          <p:cNvPr id="8" name="Rectangle: Rounded Corners 7">
-            <a:extLst>
-              <a:ext uri="{FF2B5EF4-FFF2-40B4-BE49-F238E27FC236}">
-                <a16:creationId xmlns:a16="http://schemas.microsoft.com/office/drawing/2014/main" id="{3410811C-7345-4FA0-9C97-C8703953AF99}"/>
-              </a:ext>
-            </a:extLst>
-          </p:cNvPr>
-          <p:cNvSpPr/>
-          <p:nvPr/>
-        </p:nvSpPr>
-        <p:spPr>
-          <a:xfrm>
-            <a:off x="1380692" y="1638772"/>
-            <a:ext cx="1027032" cy="336626"/>
-          </a:xfrm>
-          <a:prstGeom prst="roundRect">
-            <a:avLst/>
-          </a:prstGeom>
-        </p:spPr>
-        <p:style>
-          <a:lnRef idx="2">
-            <a:schemeClr val="accent1">
-              <a:shade val="50000"/>
-            </a:schemeClr>
-          </a:lnRef>
-          <a:fillRef idx="1">
-            <a:schemeClr val="accent1"/>
-          </a:fillRef>
-          <a:effectRef idx="0">
-            <a:schemeClr val="accent1"/>
-          </a:effectRef>
-          <a:fontRef idx="minor">
-            <a:schemeClr val="lt1"/>
-          </a:fontRef>
-        </p:style>
-        <p:txBody>
-          <a:bodyPr rtlCol="0" anchor="ctr"/>
-          <a:lstStyle/>
-          <a:p>
-            <a:pPr algn="ctr"/>
-            <a:r>
-              <a:rPr lang="en-US" sz="900" dirty="0"/>
-              <a:t>Image</a:t>
-            </a:r>
-          </a:p>
-          <a:p>
-            <a:pPr algn="ctr"/>
-            <a:r>
-              <a:rPr lang="en-US" sz="900" dirty="0"/>
-              <a:t>OOB Foundation</a:t>
-            </a:r>
-          </a:p>
-        </p:txBody>
-      </p:sp>
-      <p:sp>
-        <p:nvSpPr>
-          <p:cNvPr id="9" name="Rectangle 8">
-            <a:extLst>
-              <a:ext uri="{FF2B5EF4-FFF2-40B4-BE49-F238E27FC236}">
-                <a16:creationId xmlns:a16="http://schemas.microsoft.com/office/drawing/2014/main" id="{658D5B1D-6C39-4945-B928-666A7A5708B6}"/>
-              </a:ext>
-            </a:extLst>
-          </p:cNvPr>
-          <p:cNvSpPr/>
-          <p:nvPr/>
-        </p:nvSpPr>
-        <p:spPr>
-          <a:xfrm>
-            <a:off x="5027558" y="959219"/>
-            <a:ext cx="5782054" cy="1086606"/>
-          </a:xfrm>
-          <a:prstGeom prst="rect">
-            <a:avLst/>
-          </a:prstGeom>
-          <a:solidFill>
-            <a:srgbClr val="C00000"/>
-          </a:solidFill>
-        </p:spPr>
-        <p:style>
-          <a:lnRef idx="2">
-            <a:schemeClr val="accent1">
-              <a:shade val="50000"/>
-            </a:schemeClr>
-          </a:lnRef>
-          <a:fillRef idx="1">
-            <a:schemeClr val="accent1"/>
-          </a:fillRef>
-          <a:effectRef idx="0">
-            <a:schemeClr val="accent1"/>
-          </a:effectRef>
-          <a:fontRef idx="minor">
-            <a:schemeClr val="lt1"/>
-          </a:fontRef>
-        </p:style>
-        <p:txBody>
-          <a:bodyPr rtlCol="0" anchor="ctr"/>
-          <a:lstStyle/>
-          <a:p>
-            <a:pPr algn="ctr"/>
-            <a:r>
-              <a:rPr lang="en-US" dirty="0"/>
-              <a:t>OpenShift Cluster</a:t>
-            </a:r>
-          </a:p>
-        </p:txBody>
-      </p:sp>
-      <p:sp>
-        <p:nvSpPr>
-          <p:cNvPr id="10" name="Rectangle: Rounded Corners 9">
-            <a:extLst>
-              <a:ext uri="{FF2B5EF4-FFF2-40B4-BE49-F238E27FC236}">
-                <a16:creationId xmlns:a16="http://schemas.microsoft.com/office/drawing/2014/main" id="{580CA604-6520-41AF-A104-ACDA0D0B5EB9}"/>
-              </a:ext>
-            </a:extLst>
-          </p:cNvPr>
-          <p:cNvSpPr/>
-          <p:nvPr/>
-        </p:nvSpPr>
-        <p:spPr>
-          <a:xfrm>
-            <a:off x="1380692" y="3463360"/>
-            <a:ext cx="1027032" cy="336626"/>
-          </a:xfrm>
-          <a:prstGeom prst="roundRect">
-            <a:avLst/>
-          </a:prstGeom>
-          <a:solidFill>
-            <a:schemeClr val="accent6">
-              <a:lumMod val="75000"/>
-            </a:schemeClr>
-          </a:solidFill>
-        </p:spPr>
-        <p:style>
-          <a:lnRef idx="2">
-            <a:schemeClr val="accent1">
-              <a:shade val="50000"/>
-            </a:schemeClr>
-          </a:lnRef>
-          <a:fillRef idx="1">
-            <a:schemeClr val="accent1"/>
-          </a:fillRef>
-          <a:effectRef idx="0">
-            <a:schemeClr val="accent1"/>
-          </a:effectRef>
-          <a:fontRef idx="minor">
-            <a:schemeClr val="lt1"/>
-          </a:fontRef>
-        </p:style>
-        <p:txBody>
-          <a:bodyPr rtlCol="0" anchor="ctr"/>
-          <a:lstStyle/>
-          <a:p>
-            <a:pPr algn="ctr"/>
-            <a:r>
-              <a:rPr lang="en-US" sz="900" dirty="0"/>
-              <a:t>Image</a:t>
-            </a:r>
-          </a:p>
-          <a:p>
-            <a:pPr algn="ctr"/>
-            <a:r>
-              <a:rPr lang="en-US" sz="900" dirty="0"/>
-              <a:t>ActiveMQ</a:t>
-            </a:r>
-          </a:p>
-        </p:txBody>
-      </p:sp>
-      <p:sp>
-        <p:nvSpPr>
-          <p:cNvPr id="11" name="Rectangle: Rounded Corners 10">
-            <a:extLst>
-              <a:ext uri="{FF2B5EF4-FFF2-40B4-BE49-F238E27FC236}">
-                <a16:creationId xmlns:a16="http://schemas.microsoft.com/office/drawing/2014/main" id="{56EDDB0E-90C2-4A2C-B53A-1F5952038C40}"/>
-              </a:ext>
-            </a:extLst>
-          </p:cNvPr>
-          <p:cNvSpPr/>
-          <p:nvPr/>
-        </p:nvSpPr>
-        <p:spPr>
-          <a:xfrm>
-            <a:off x="1380692" y="3007213"/>
-            <a:ext cx="1027032" cy="336626"/>
-          </a:xfrm>
-          <a:prstGeom prst="roundRect">
-            <a:avLst/>
-          </a:prstGeom>
-          <a:solidFill>
-            <a:schemeClr val="accent6">
-              <a:lumMod val="75000"/>
-            </a:schemeClr>
-          </a:solidFill>
-        </p:spPr>
-        <p:style>
-          <a:lnRef idx="2">
-            <a:schemeClr val="accent1">
-              <a:shade val="50000"/>
-            </a:schemeClr>
-          </a:lnRef>
-          <a:fillRef idx="1">
-            <a:schemeClr val="accent1"/>
-          </a:fillRef>
-          <a:effectRef idx="0">
-            <a:schemeClr val="accent1"/>
-          </a:effectRef>
-          <a:fontRef idx="minor">
-            <a:schemeClr val="lt1"/>
-          </a:fontRef>
-        </p:style>
-        <p:txBody>
-          <a:bodyPr rtlCol="0" anchor="ctr"/>
-          <a:lstStyle/>
-          <a:p>
-            <a:pPr algn="ctr"/>
-            <a:r>
-              <a:rPr lang="en-US" sz="900" dirty="0"/>
-              <a:t>Image</a:t>
-            </a:r>
-          </a:p>
-          <a:p>
-            <a:pPr algn="ctr"/>
-            <a:r>
-              <a:rPr lang="en-US" sz="900" dirty="0"/>
-              <a:t>DB2</a:t>
-            </a:r>
-          </a:p>
-        </p:txBody>
-      </p:sp>
-      <p:sp>
-        <p:nvSpPr>
-          <p:cNvPr id="15" name="Rectangle 14">
-            <a:extLst>
-              <a:ext uri="{FF2B5EF4-FFF2-40B4-BE49-F238E27FC236}">
-                <a16:creationId xmlns:a16="http://schemas.microsoft.com/office/drawing/2014/main" id="{A8C6E649-69D2-49C5-86B9-AB309C90AD84}"/>
-              </a:ext>
-            </a:extLst>
-          </p:cNvPr>
-          <p:cNvSpPr/>
-          <p:nvPr/>
-        </p:nvSpPr>
-        <p:spPr>
-          <a:xfrm>
-            <a:off x="5027557" y="2078496"/>
-            <a:ext cx="5782053" cy="336626"/>
-          </a:xfrm>
-          <a:prstGeom prst="rect">
-            <a:avLst/>
-          </a:prstGeom>
-          <a:solidFill>
-            <a:srgbClr val="002060"/>
-          </a:solidFill>
-        </p:spPr>
-        <p:style>
-          <a:lnRef idx="2">
-            <a:schemeClr val="accent1">
-              <a:shade val="50000"/>
-            </a:schemeClr>
-          </a:lnRef>
-          <a:fillRef idx="1">
-            <a:schemeClr val="accent1"/>
-          </a:fillRef>
-          <a:effectRef idx="0">
-            <a:schemeClr val="accent1"/>
-          </a:effectRef>
-          <a:fontRef idx="minor">
-            <a:schemeClr val="lt1"/>
-          </a:fontRef>
-        </p:style>
-        <p:txBody>
-          <a:bodyPr rtlCol="0" anchor="ctr"/>
-          <a:lstStyle/>
-          <a:p>
-            <a:pPr algn="ctr"/>
-            <a:r>
-              <a:rPr lang="en-US" dirty="0"/>
-              <a:t>IBM Common Service</a:t>
-            </a:r>
-          </a:p>
-        </p:txBody>
-      </p:sp>
-      <p:sp>
-        <p:nvSpPr>
-          <p:cNvPr id="18" name="Rectangle 17">
-            <a:extLst>
-              <a:ext uri="{FF2B5EF4-FFF2-40B4-BE49-F238E27FC236}">
-                <a16:creationId xmlns:a16="http://schemas.microsoft.com/office/drawing/2014/main" id="{0EB48C62-2372-49A1-A36F-FD92B7DFE2FF}"/>
-              </a:ext>
-            </a:extLst>
-          </p:cNvPr>
-          <p:cNvSpPr/>
-          <p:nvPr/>
-        </p:nvSpPr>
-        <p:spPr>
-          <a:xfrm>
-            <a:off x="5253316" y="2478941"/>
-            <a:ext cx="5440681" cy="3317915"/>
-          </a:xfrm>
-          <a:prstGeom prst="rect">
-            <a:avLst/>
-          </a:prstGeom>
-          <a:solidFill>
-            <a:srgbClr val="C00000"/>
-          </a:solidFill>
-        </p:spPr>
-        <p:style>
-          <a:lnRef idx="2">
-            <a:schemeClr val="accent1">
-              <a:shade val="50000"/>
-            </a:schemeClr>
-          </a:lnRef>
-          <a:fillRef idx="1">
-            <a:schemeClr val="accent1"/>
-          </a:fillRef>
-          <a:effectRef idx="0">
-            <a:schemeClr val="accent1"/>
-          </a:effectRef>
-          <a:fontRef idx="minor">
-            <a:schemeClr val="lt1"/>
-          </a:fontRef>
-        </p:style>
-        <p:txBody>
-          <a:bodyPr rtlCol="0" anchor="t"/>
-          <a:lstStyle/>
-          <a:p>
-            <a:pPr algn="ctr"/>
-            <a:r>
-              <a:rPr lang="en-US" dirty="0"/>
-              <a:t>Group Environment</a:t>
-            </a:r>
-          </a:p>
-        </p:txBody>
-      </p:sp>
-      <p:sp>
-        <p:nvSpPr>
-          <p:cNvPr id="22" name="Oval 21">
-            <a:extLst>
-              <a:ext uri="{FF2B5EF4-FFF2-40B4-BE49-F238E27FC236}">
-                <a16:creationId xmlns:a16="http://schemas.microsoft.com/office/drawing/2014/main" id="{C52CC768-E412-4890-A899-785F066881E1}"/>
-              </a:ext>
-            </a:extLst>
-          </p:cNvPr>
-          <p:cNvSpPr/>
-          <p:nvPr/>
-        </p:nvSpPr>
-        <p:spPr>
-          <a:xfrm>
-            <a:off x="7455393" y="3253244"/>
-            <a:ext cx="914400" cy="504939"/>
-          </a:xfrm>
-          <a:prstGeom prst="ellipse">
-            <a:avLst/>
-          </a:prstGeom>
-          <a:solidFill>
-            <a:schemeClr val="accent6">
-              <a:lumMod val="75000"/>
-            </a:schemeClr>
-          </a:solidFill>
-        </p:spPr>
-        <p:style>
-          <a:lnRef idx="2">
-            <a:schemeClr val="accent1">
-              <a:shade val="50000"/>
-            </a:schemeClr>
-          </a:lnRef>
-          <a:fillRef idx="1">
-            <a:schemeClr val="accent1"/>
-          </a:fillRef>
-          <a:effectRef idx="0">
-            <a:schemeClr val="accent1"/>
-          </a:effectRef>
-          <a:fontRef idx="minor">
-            <a:schemeClr val="lt1"/>
-          </a:fontRef>
-        </p:style>
-        <p:txBody>
-          <a:bodyPr rtlCol="0" anchor="ctr"/>
-          <a:lstStyle/>
-          <a:p>
-            <a:pPr algn="ctr"/>
-            <a:r>
-              <a:rPr lang="en-US" sz="800" dirty="0"/>
-              <a:t>Container</a:t>
-            </a:r>
-          </a:p>
-          <a:p>
-            <a:pPr algn="ctr"/>
-            <a:r>
-              <a:rPr lang="en-US" sz="800" dirty="0"/>
-              <a:t>DB2 </a:t>
-            </a:r>
-            <a:r>
-              <a:rPr lang="en-US" sz="800" dirty="0" err="1"/>
-              <a:t>NonConfig</a:t>
-            </a:r>
-            <a:endParaRPr lang="en-US" sz="800" dirty="0"/>
-          </a:p>
-        </p:txBody>
-      </p:sp>
-      <p:sp>
-        <p:nvSpPr>
-          <p:cNvPr id="23" name="Rectangle 22">
-            <a:extLst>
-              <a:ext uri="{FF2B5EF4-FFF2-40B4-BE49-F238E27FC236}">
-                <a16:creationId xmlns:a16="http://schemas.microsoft.com/office/drawing/2014/main" id="{8448B24D-02A4-4D8D-9218-59633BFAF6AB}"/>
-              </a:ext>
-            </a:extLst>
-          </p:cNvPr>
-          <p:cNvSpPr/>
-          <p:nvPr/>
-        </p:nvSpPr>
-        <p:spPr>
-          <a:xfrm>
-            <a:off x="5576436" y="2838900"/>
-            <a:ext cx="4831587" cy="336626"/>
-          </a:xfrm>
-          <a:prstGeom prst="rect">
-            <a:avLst/>
-          </a:prstGeom>
-          <a:solidFill>
-            <a:srgbClr val="002060"/>
-          </a:solidFill>
-        </p:spPr>
-        <p:style>
-          <a:lnRef idx="2">
-            <a:schemeClr val="accent1">
-              <a:shade val="50000"/>
-            </a:schemeClr>
-          </a:lnRef>
-          <a:fillRef idx="1">
-            <a:schemeClr val="accent1"/>
-          </a:fillRef>
-          <a:effectRef idx="0">
-            <a:schemeClr val="accent1"/>
-          </a:effectRef>
-          <a:fontRef idx="minor">
-            <a:schemeClr val="lt1"/>
-          </a:fontRef>
-        </p:style>
-        <p:txBody>
-          <a:bodyPr rtlCol="0" anchor="ctr"/>
-          <a:lstStyle/>
-          <a:p>
-            <a:pPr algn="ctr"/>
-            <a:r>
-              <a:rPr lang="en-US" dirty="0"/>
-              <a:t>Project Setup for OMS</a:t>
-            </a:r>
-          </a:p>
-        </p:txBody>
-      </p:sp>
-      <p:sp>
-        <p:nvSpPr>
-          <p:cNvPr id="24" name="Oval 23">
-            <a:extLst>
-              <a:ext uri="{FF2B5EF4-FFF2-40B4-BE49-F238E27FC236}">
-                <a16:creationId xmlns:a16="http://schemas.microsoft.com/office/drawing/2014/main" id="{20CCDCA1-5DFB-4EC4-96B9-1369FABAE4A6}"/>
-              </a:ext>
-            </a:extLst>
-          </p:cNvPr>
-          <p:cNvSpPr/>
-          <p:nvPr/>
-        </p:nvSpPr>
-        <p:spPr>
-          <a:xfrm>
-            <a:off x="6451616" y="3264891"/>
-            <a:ext cx="914400" cy="504939"/>
-          </a:xfrm>
-          <a:prstGeom prst="ellipse">
-            <a:avLst/>
-          </a:prstGeom>
-        </p:spPr>
-        <p:style>
-          <a:lnRef idx="2">
-            <a:schemeClr val="accent1">
-              <a:shade val="50000"/>
-            </a:schemeClr>
-          </a:lnRef>
-          <a:fillRef idx="1">
-            <a:schemeClr val="accent1"/>
-          </a:fillRef>
-          <a:effectRef idx="0">
-            <a:schemeClr val="accent1"/>
-          </a:effectRef>
-          <a:fontRef idx="minor">
-            <a:schemeClr val="lt1"/>
-          </a:fontRef>
-        </p:style>
-        <p:txBody>
-          <a:bodyPr rtlCol="0" anchor="ctr"/>
-          <a:lstStyle/>
-          <a:p>
-            <a:pPr algn="ctr"/>
-            <a:r>
-              <a:rPr lang="en-US" sz="800" dirty="0"/>
-              <a:t>Container</a:t>
-            </a:r>
-          </a:p>
-          <a:p>
-            <a:pPr algn="ctr"/>
-            <a:r>
-              <a:rPr lang="en-US" sz="800" dirty="0"/>
-              <a:t>Foundation</a:t>
-            </a:r>
-          </a:p>
-        </p:txBody>
-      </p:sp>
-      <p:sp>
-        <p:nvSpPr>
-          <p:cNvPr id="27" name="Oval 26">
-            <a:extLst>
-              <a:ext uri="{FF2B5EF4-FFF2-40B4-BE49-F238E27FC236}">
-                <a16:creationId xmlns:a16="http://schemas.microsoft.com/office/drawing/2014/main" id="{00BEB5C7-3E82-496E-A9E5-42E04C2CC432}"/>
-              </a:ext>
-            </a:extLst>
-          </p:cNvPr>
-          <p:cNvSpPr/>
-          <p:nvPr/>
-        </p:nvSpPr>
-        <p:spPr>
-          <a:xfrm>
-            <a:off x="8459170" y="3239345"/>
-            <a:ext cx="914400" cy="504939"/>
-          </a:xfrm>
-          <a:prstGeom prst="ellipse">
-            <a:avLst/>
-          </a:prstGeom>
-          <a:solidFill>
-            <a:schemeClr val="accent6">
-              <a:lumMod val="75000"/>
-            </a:schemeClr>
-          </a:solidFill>
-        </p:spPr>
-        <p:style>
-          <a:lnRef idx="2">
-            <a:schemeClr val="accent1">
-              <a:shade val="50000"/>
-            </a:schemeClr>
-          </a:lnRef>
-          <a:fillRef idx="1">
-            <a:schemeClr val="accent1"/>
-          </a:fillRef>
-          <a:effectRef idx="0">
-            <a:schemeClr val="accent1"/>
-          </a:effectRef>
-          <a:fontRef idx="minor">
-            <a:schemeClr val="lt1"/>
-          </a:fontRef>
-        </p:style>
-        <p:txBody>
-          <a:bodyPr rtlCol="0" anchor="ctr"/>
-          <a:lstStyle/>
-          <a:p>
-            <a:pPr algn="ctr"/>
-            <a:r>
-              <a:rPr lang="en-US" sz="800" dirty="0"/>
-              <a:t>Container</a:t>
-            </a:r>
-          </a:p>
-          <a:p>
-            <a:pPr algn="ctr"/>
-            <a:r>
-              <a:rPr lang="en-US" sz="800" dirty="0"/>
-              <a:t>ActiveMQ</a:t>
-            </a:r>
-          </a:p>
-        </p:txBody>
-      </p:sp>
-      <p:sp>
-        <p:nvSpPr>
-          <p:cNvPr id="38" name="Rectangle 37">
-            <a:extLst>
-              <a:ext uri="{FF2B5EF4-FFF2-40B4-BE49-F238E27FC236}">
-                <a16:creationId xmlns:a16="http://schemas.microsoft.com/office/drawing/2014/main" id="{141A9696-2499-43F5-BBC6-533E1CF139E4}"/>
-              </a:ext>
-            </a:extLst>
-          </p:cNvPr>
-          <p:cNvSpPr/>
-          <p:nvPr/>
-        </p:nvSpPr>
-        <p:spPr>
-          <a:xfrm>
-            <a:off x="3493626" y="3007213"/>
-            <a:ext cx="1364619" cy="2528418"/>
-          </a:xfrm>
-          <a:prstGeom prst="rect">
-            <a:avLst/>
-          </a:prstGeom>
-          <a:gradFill flip="none" rotWithShape="1">
-            <a:gsLst>
-              <a:gs pos="0">
-                <a:schemeClr val="dk1">
-                  <a:lumMod val="67000"/>
-                </a:schemeClr>
-              </a:gs>
-              <a:gs pos="48000">
-                <a:schemeClr val="dk1">
-                  <a:lumMod val="97000"/>
-                  <a:lumOff val="3000"/>
-                </a:schemeClr>
-              </a:gs>
-              <a:gs pos="100000">
-                <a:schemeClr val="dk1">
-                  <a:lumMod val="60000"/>
-                  <a:lumOff val="40000"/>
-                </a:schemeClr>
-              </a:gs>
-            </a:gsLst>
-            <a:lin ang="16200000" scaled="1"/>
-            <a:tileRect/>
-          </a:gradFill>
-          <a:ln>
-            <a:noFill/>
-          </a:ln>
-        </p:spPr>
-        <p:style>
-          <a:lnRef idx="0">
-            <a:scrgbClr r="0" g="0" b="0"/>
-          </a:lnRef>
-          <a:fillRef idx="0">
-            <a:scrgbClr r="0" g="0" b="0"/>
-          </a:fillRef>
-          <a:effectRef idx="0">
-            <a:scrgbClr r="0" g="0" b="0"/>
-          </a:effectRef>
-          <a:fontRef idx="minor">
-            <a:schemeClr val="lt1"/>
-          </a:fontRef>
-        </p:style>
-        <p:txBody>
-          <a:bodyPr rtlCol="0" anchor="t"/>
-          <a:lstStyle/>
-          <a:p>
-            <a:pPr algn="ctr"/>
-            <a:r>
-              <a:rPr lang="en-US" dirty="0" err="1"/>
-              <a:t>Srvc</a:t>
-            </a:r>
-            <a:r>
-              <a:rPr lang="en-US" dirty="0"/>
-              <a:t> A</a:t>
-            </a:r>
-          </a:p>
-        </p:txBody>
-      </p:sp>
-      <p:sp>
-        <p:nvSpPr>
-          <p:cNvPr id="34" name="Oval 33">
-            <a:extLst>
-              <a:ext uri="{FF2B5EF4-FFF2-40B4-BE49-F238E27FC236}">
-                <a16:creationId xmlns:a16="http://schemas.microsoft.com/office/drawing/2014/main" id="{E9EA4076-5BC6-455E-B940-C70DACE8AFFD}"/>
-              </a:ext>
-            </a:extLst>
-          </p:cNvPr>
-          <p:cNvSpPr/>
-          <p:nvPr/>
-        </p:nvSpPr>
-        <p:spPr>
-          <a:xfrm>
-            <a:off x="6806163" y="4384258"/>
-            <a:ext cx="914400" cy="504939"/>
-          </a:xfrm>
-          <a:prstGeom prst="ellipse">
-            <a:avLst/>
-          </a:prstGeom>
-          <a:gradFill flip="none" rotWithShape="1">
-            <a:gsLst>
-              <a:gs pos="0">
-                <a:schemeClr val="dk1">
-                  <a:lumMod val="67000"/>
-                </a:schemeClr>
-              </a:gs>
-              <a:gs pos="48000">
-                <a:schemeClr val="dk1">
-                  <a:lumMod val="97000"/>
-                  <a:lumOff val="3000"/>
-                </a:schemeClr>
-              </a:gs>
-              <a:gs pos="100000">
-                <a:schemeClr val="dk1">
-                  <a:lumMod val="60000"/>
-                  <a:lumOff val="40000"/>
-                </a:schemeClr>
-              </a:gs>
-            </a:gsLst>
-            <a:lin ang="16200000" scaled="1"/>
-            <a:tileRect/>
-          </a:gradFill>
-          <a:ln>
-            <a:noFill/>
-          </a:ln>
-        </p:spPr>
-        <p:style>
-          <a:lnRef idx="0">
-            <a:scrgbClr r="0" g="0" b="0"/>
-          </a:lnRef>
-          <a:fillRef idx="0">
-            <a:scrgbClr r="0" g="0" b="0"/>
-          </a:fillRef>
-          <a:effectRef idx="0">
-            <a:scrgbClr r="0" g="0" b="0"/>
-          </a:effectRef>
-          <a:fontRef idx="minor">
-            <a:schemeClr val="lt1"/>
-          </a:fontRef>
-        </p:style>
-        <p:txBody>
-          <a:bodyPr rtlCol="0" anchor="ctr"/>
-          <a:lstStyle/>
-          <a:p>
-            <a:pPr algn="ctr"/>
-            <a:r>
-              <a:rPr lang="en-US" sz="900" dirty="0"/>
-              <a:t>Container</a:t>
-            </a:r>
-          </a:p>
-          <a:p>
-            <a:pPr algn="ctr"/>
-            <a:r>
-              <a:rPr lang="en-US" sz="900" dirty="0"/>
-              <a:t>Service A Config</a:t>
-            </a:r>
-          </a:p>
-        </p:txBody>
-      </p:sp>
-      <p:sp>
-        <p:nvSpPr>
-          <p:cNvPr id="42" name="Rectangle: Rounded Corners 41">
-            <a:extLst>
-              <a:ext uri="{FF2B5EF4-FFF2-40B4-BE49-F238E27FC236}">
-                <a16:creationId xmlns:a16="http://schemas.microsoft.com/office/drawing/2014/main" id="{90C36B77-720A-4533-8586-534B42688379}"/>
-              </a:ext>
-            </a:extLst>
-          </p:cNvPr>
-          <p:cNvSpPr/>
-          <p:nvPr/>
-        </p:nvSpPr>
-        <p:spPr>
-          <a:xfrm>
-            <a:off x="1372475" y="4426456"/>
-            <a:ext cx="1027032" cy="336626"/>
-          </a:xfrm>
-          <a:prstGeom prst="roundRect">
-            <a:avLst/>
-          </a:prstGeom>
-          <a:gradFill flip="none" rotWithShape="1">
-            <a:gsLst>
-              <a:gs pos="0">
-                <a:schemeClr val="dk1">
-                  <a:lumMod val="67000"/>
-                </a:schemeClr>
-              </a:gs>
-              <a:gs pos="48000">
-                <a:schemeClr val="dk1">
-                  <a:lumMod val="97000"/>
-                  <a:lumOff val="3000"/>
-                </a:schemeClr>
-              </a:gs>
-              <a:gs pos="100000">
-                <a:schemeClr val="dk1">
-                  <a:lumMod val="60000"/>
-                  <a:lumOff val="40000"/>
-                </a:schemeClr>
-              </a:gs>
-            </a:gsLst>
-            <a:lin ang="16200000" scaled="1"/>
-            <a:tileRect/>
-          </a:gradFill>
-          <a:ln>
-            <a:noFill/>
-          </a:ln>
-        </p:spPr>
-        <p:style>
-          <a:lnRef idx="0">
-            <a:scrgbClr r="0" g="0" b="0"/>
-          </a:lnRef>
-          <a:fillRef idx="0">
-            <a:scrgbClr r="0" g="0" b="0"/>
-          </a:fillRef>
-          <a:effectRef idx="0">
-            <a:scrgbClr r="0" g="0" b="0"/>
-          </a:effectRef>
-          <a:fontRef idx="minor">
-            <a:schemeClr val="lt1"/>
-          </a:fontRef>
-        </p:style>
-        <p:txBody>
-          <a:bodyPr rtlCol="0" anchor="ctr"/>
-          <a:lstStyle/>
-          <a:p>
-            <a:pPr algn="ctr"/>
-            <a:r>
-              <a:rPr lang="en-US" sz="900" dirty="0"/>
-              <a:t>Image</a:t>
-            </a:r>
-          </a:p>
-          <a:p>
-            <a:pPr algn="ctr"/>
-            <a:r>
-              <a:rPr lang="en-US" sz="900" dirty="0"/>
-              <a:t>Service A Agent</a:t>
-            </a:r>
-          </a:p>
-        </p:txBody>
-      </p:sp>
-      <p:sp>
-        <p:nvSpPr>
-          <p:cNvPr id="43" name="Rectangle: Rounded Corners 42">
-            <a:extLst>
-              <a:ext uri="{FF2B5EF4-FFF2-40B4-BE49-F238E27FC236}">
-                <a16:creationId xmlns:a16="http://schemas.microsoft.com/office/drawing/2014/main" id="{D908A264-91E7-4657-9E53-ABAD9AF343A2}"/>
-              </a:ext>
-            </a:extLst>
-          </p:cNvPr>
-          <p:cNvSpPr/>
-          <p:nvPr/>
-        </p:nvSpPr>
-        <p:spPr>
-          <a:xfrm>
-            <a:off x="1372475" y="3970309"/>
-            <a:ext cx="1027032" cy="336626"/>
-          </a:xfrm>
-          <a:prstGeom prst="roundRect">
-            <a:avLst/>
-          </a:prstGeom>
-          <a:gradFill flip="none" rotWithShape="1">
-            <a:gsLst>
-              <a:gs pos="0">
-                <a:schemeClr val="dk1">
-                  <a:lumMod val="67000"/>
-                </a:schemeClr>
-              </a:gs>
-              <a:gs pos="48000">
-                <a:schemeClr val="dk1">
-                  <a:lumMod val="97000"/>
-                  <a:lumOff val="3000"/>
-                </a:schemeClr>
-              </a:gs>
-              <a:gs pos="100000">
-                <a:schemeClr val="dk1">
-                  <a:lumMod val="60000"/>
-                  <a:lumOff val="40000"/>
-                </a:schemeClr>
-              </a:gs>
-            </a:gsLst>
-            <a:lin ang="16200000" scaled="1"/>
-            <a:tileRect/>
-          </a:gradFill>
-          <a:ln>
-            <a:noFill/>
-          </a:ln>
-        </p:spPr>
-        <p:style>
-          <a:lnRef idx="0">
-            <a:scrgbClr r="0" g="0" b="0"/>
-          </a:lnRef>
-          <a:fillRef idx="0">
-            <a:scrgbClr r="0" g="0" b="0"/>
-          </a:fillRef>
-          <a:effectRef idx="0">
-            <a:scrgbClr r="0" g="0" b="0"/>
-          </a:effectRef>
-          <a:fontRef idx="minor">
-            <a:schemeClr val="lt1"/>
-          </a:fontRef>
-        </p:style>
-        <p:txBody>
-          <a:bodyPr rtlCol="0" anchor="ctr"/>
-          <a:lstStyle/>
-          <a:p>
-            <a:pPr algn="ctr"/>
-            <a:r>
-              <a:rPr lang="en-US" sz="900" dirty="0"/>
-              <a:t>Image</a:t>
-            </a:r>
-          </a:p>
-          <a:p>
-            <a:pPr algn="ctr"/>
-            <a:r>
-              <a:rPr lang="en-US" sz="900" dirty="0"/>
-              <a:t>Service A App</a:t>
-            </a:r>
-          </a:p>
-        </p:txBody>
-      </p:sp>
-      <p:sp>
-        <p:nvSpPr>
-          <p:cNvPr id="44" name="Rectangle 43">
-            <a:extLst>
-              <a:ext uri="{FF2B5EF4-FFF2-40B4-BE49-F238E27FC236}">
-                <a16:creationId xmlns:a16="http://schemas.microsoft.com/office/drawing/2014/main" id="{E854220E-7334-4E87-ADF8-20447D8793FD}"/>
-              </a:ext>
-            </a:extLst>
-          </p:cNvPr>
-          <p:cNvSpPr/>
-          <p:nvPr/>
-        </p:nvSpPr>
-        <p:spPr>
-          <a:xfrm>
-            <a:off x="3498924" y="1440336"/>
-            <a:ext cx="1364619" cy="1398564"/>
-          </a:xfrm>
-          <a:prstGeom prst="rect">
-            <a:avLst/>
-          </a:prstGeom>
-          <a:gradFill flip="none" rotWithShape="1">
-            <a:gsLst>
-              <a:gs pos="0">
-                <a:schemeClr val="accent2">
-                  <a:lumMod val="67000"/>
-                </a:schemeClr>
-              </a:gs>
-              <a:gs pos="48000">
-                <a:schemeClr val="accent2">
-                  <a:lumMod val="97000"/>
-                  <a:lumOff val="3000"/>
-                </a:schemeClr>
-              </a:gs>
-              <a:gs pos="100000">
-                <a:schemeClr val="accent2">
-                  <a:lumMod val="60000"/>
-                  <a:lumOff val="40000"/>
-                </a:schemeClr>
-              </a:gs>
-            </a:gsLst>
-            <a:lin ang="16200000" scaled="1"/>
-            <a:tileRect/>
-          </a:gradFill>
-          <a:ln>
-            <a:noFill/>
-          </a:ln>
-        </p:spPr>
-        <p:style>
-          <a:lnRef idx="0">
-            <a:scrgbClr r="0" g="0" b="0"/>
-          </a:lnRef>
-          <a:fillRef idx="0">
-            <a:scrgbClr r="0" g="0" b="0"/>
-          </a:fillRef>
-          <a:effectRef idx="0">
-            <a:scrgbClr r="0" g="0" b="0"/>
-          </a:effectRef>
-          <a:fontRef idx="minor">
-            <a:schemeClr val="lt1"/>
-          </a:fontRef>
-        </p:style>
-        <p:txBody>
-          <a:bodyPr rtlCol="0" anchor="t"/>
-          <a:lstStyle/>
-          <a:p>
-            <a:pPr algn="ctr"/>
-            <a:r>
-              <a:rPr lang="en-US" dirty="0"/>
-              <a:t>Group</a:t>
-            </a:r>
-          </a:p>
-        </p:txBody>
-      </p:sp>
-      <p:sp>
-        <p:nvSpPr>
-          <p:cNvPr id="45" name="Rectangle: Top Corners One Rounded and One Snipped 44">
-            <a:extLst>
-              <a:ext uri="{FF2B5EF4-FFF2-40B4-BE49-F238E27FC236}">
-                <a16:creationId xmlns:a16="http://schemas.microsoft.com/office/drawing/2014/main" id="{1FA02430-74C9-42CD-979B-269B46A12438}"/>
-              </a:ext>
-            </a:extLst>
-          </p:cNvPr>
-          <p:cNvSpPr/>
-          <p:nvPr/>
-        </p:nvSpPr>
-        <p:spPr>
-          <a:xfrm>
-            <a:off x="3867985" y="2045825"/>
-            <a:ext cx="596347" cy="336627"/>
-          </a:xfrm>
-          <a:prstGeom prst="snipRoundRect">
-            <a:avLst/>
-          </a:prstGeom>
-        </p:spPr>
-        <p:style>
-          <a:lnRef idx="2">
-            <a:schemeClr val="accent1">
-              <a:shade val="50000"/>
-            </a:schemeClr>
-          </a:lnRef>
-          <a:fillRef idx="1">
-            <a:schemeClr val="accent1"/>
-          </a:fillRef>
-          <a:effectRef idx="0">
-            <a:schemeClr val="accent1"/>
-          </a:effectRef>
-          <a:fontRef idx="minor">
-            <a:schemeClr val="lt1"/>
-          </a:fontRef>
-        </p:style>
-        <p:txBody>
-          <a:bodyPr rtlCol="0" anchor="ctr"/>
-          <a:lstStyle/>
-          <a:p>
-            <a:pPr algn="ctr"/>
-            <a:r>
-              <a:rPr lang="en-US" sz="800" dirty="0"/>
-              <a:t>Group Entities</a:t>
-            </a:r>
-          </a:p>
-        </p:txBody>
-      </p:sp>
-      <p:sp>
-        <p:nvSpPr>
-          <p:cNvPr id="25" name="Oval 24">
-            <a:extLst>
-              <a:ext uri="{FF2B5EF4-FFF2-40B4-BE49-F238E27FC236}">
-                <a16:creationId xmlns:a16="http://schemas.microsoft.com/office/drawing/2014/main" id="{11600F30-8475-4B7E-BAAF-8E0714DDCECD}"/>
-              </a:ext>
-            </a:extLst>
-          </p:cNvPr>
-          <p:cNvSpPr/>
-          <p:nvPr/>
-        </p:nvSpPr>
-        <p:spPr>
-          <a:xfrm>
-            <a:off x="5994416" y="4067970"/>
-            <a:ext cx="914400" cy="504939"/>
-          </a:xfrm>
-          <a:prstGeom prst="ellipse">
-            <a:avLst/>
-          </a:prstGeom>
-          <a:gradFill flip="none" rotWithShape="1">
-            <a:gsLst>
-              <a:gs pos="0">
-                <a:schemeClr val="dk1">
-                  <a:lumMod val="67000"/>
-                </a:schemeClr>
-              </a:gs>
-              <a:gs pos="48000">
-                <a:schemeClr val="dk1">
-                  <a:lumMod val="97000"/>
-                  <a:lumOff val="3000"/>
-                </a:schemeClr>
-              </a:gs>
-              <a:gs pos="100000">
-                <a:schemeClr val="dk1">
-                  <a:lumMod val="60000"/>
-                  <a:lumOff val="40000"/>
-                </a:schemeClr>
-              </a:gs>
-            </a:gsLst>
-            <a:lin ang="16200000" scaled="1"/>
-            <a:tileRect/>
-          </a:gradFill>
-          <a:ln>
-            <a:noFill/>
-          </a:ln>
-        </p:spPr>
-        <p:style>
-          <a:lnRef idx="0">
-            <a:scrgbClr r="0" g="0" b="0"/>
-          </a:lnRef>
-          <a:fillRef idx="0">
-            <a:scrgbClr r="0" g="0" b="0"/>
-          </a:fillRef>
-          <a:effectRef idx="0">
-            <a:scrgbClr r="0" g="0" b="0"/>
-          </a:effectRef>
-          <a:fontRef idx="minor">
-            <a:schemeClr val="lt1"/>
-          </a:fontRef>
-        </p:style>
-        <p:txBody>
-          <a:bodyPr rtlCol="0" anchor="ctr"/>
-          <a:lstStyle/>
-          <a:p>
-            <a:pPr algn="ctr"/>
-            <a:r>
-              <a:rPr lang="en-US" sz="900" dirty="0"/>
-              <a:t>Container</a:t>
-            </a:r>
-          </a:p>
-          <a:p>
-            <a:pPr algn="ctr"/>
-            <a:r>
-              <a:rPr lang="en-US" sz="900" dirty="0"/>
-              <a:t>Service A App</a:t>
-            </a:r>
-          </a:p>
-        </p:txBody>
-      </p:sp>
-      <p:sp>
-        <p:nvSpPr>
-          <p:cNvPr id="26" name="Oval 25">
-            <a:extLst>
-              <a:ext uri="{FF2B5EF4-FFF2-40B4-BE49-F238E27FC236}">
-                <a16:creationId xmlns:a16="http://schemas.microsoft.com/office/drawing/2014/main" id="{11D941F9-5E80-45C3-A062-FC0F5D88C65E}"/>
-              </a:ext>
-            </a:extLst>
-          </p:cNvPr>
-          <p:cNvSpPr/>
-          <p:nvPr/>
-        </p:nvSpPr>
-        <p:spPr>
-          <a:xfrm>
-            <a:off x="5994416" y="4713703"/>
-            <a:ext cx="914400" cy="504939"/>
-          </a:xfrm>
-          <a:prstGeom prst="ellipse">
-            <a:avLst/>
-          </a:prstGeom>
-          <a:gradFill flip="none" rotWithShape="1">
-            <a:gsLst>
-              <a:gs pos="0">
-                <a:schemeClr val="dk1">
-                  <a:lumMod val="67000"/>
-                </a:schemeClr>
-              </a:gs>
-              <a:gs pos="48000">
-                <a:schemeClr val="dk1">
-                  <a:lumMod val="97000"/>
-                  <a:lumOff val="3000"/>
-                </a:schemeClr>
-              </a:gs>
-              <a:gs pos="100000">
-                <a:schemeClr val="dk1">
-                  <a:lumMod val="60000"/>
-                  <a:lumOff val="40000"/>
-                </a:schemeClr>
-              </a:gs>
-            </a:gsLst>
-            <a:lin ang="16200000" scaled="1"/>
-            <a:tileRect/>
-          </a:gradFill>
-          <a:ln>
-            <a:noFill/>
-          </a:ln>
-        </p:spPr>
-        <p:style>
-          <a:lnRef idx="0">
-            <a:scrgbClr r="0" g="0" b="0"/>
-          </a:lnRef>
-          <a:fillRef idx="0">
-            <a:scrgbClr r="0" g="0" b="0"/>
-          </a:fillRef>
-          <a:effectRef idx="0">
-            <a:scrgbClr r="0" g="0" b="0"/>
-          </a:effectRef>
-          <a:fontRef idx="minor">
-            <a:schemeClr val="lt1"/>
-          </a:fontRef>
-        </p:style>
-        <p:txBody>
-          <a:bodyPr rtlCol="0" anchor="ctr"/>
-          <a:lstStyle/>
-          <a:p>
-            <a:pPr algn="ctr"/>
-            <a:r>
-              <a:rPr lang="en-US" sz="900" dirty="0"/>
-              <a:t>Container</a:t>
-            </a:r>
-          </a:p>
-          <a:p>
-            <a:pPr algn="ctr"/>
-            <a:r>
-              <a:rPr lang="en-US" sz="900" dirty="0"/>
-              <a:t>Service A Agent</a:t>
-            </a:r>
-          </a:p>
-        </p:txBody>
-      </p:sp>
-      <p:sp>
-        <p:nvSpPr>
-          <p:cNvPr id="46" name="Rectangle: Top Corners One Rounded and One Snipped 45">
-            <a:extLst>
-              <a:ext uri="{FF2B5EF4-FFF2-40B4-BE49-F238E27FC236}">
-                <a16:creationId xmlns:a16="http://schemas.microsoft.com/office/drawing/2014/main" id="{A0BD90FA-D79C-44A3-82AB-3478C86B6C0E}"/>
-              </a:ext>
-            </a:extLst>
-          </p:cNvPr>
-          <p:cNvSpPr/>
-          <p:nvPr/>
-        </p:nvSpPr>
-        <p:spPr>
-          <a:xfrm>
-            <a:off x="3862836" y="3707412"/>
-            <a:ext cx="548640" cy="329184"/>
-          </a:xfrm>
-          <a:prstGeom prst="snipRoundRect">
-            <a:avLst/>
-          </a:prstGeom>
-          <a:solidFill>
-            <a:schemeClr val="accent3">
-              <a:lumMod val="50000"/>
-            </a:schemeClr>
-          </a:solidFill>
-          <a:ln>
-            <a:noFill/>
-          </a:ln>
-        </p:spPr>
-        <p:style>
-          <a:lnRef idx="0">
-            <a:scrgbClr r="0" g="0" b="0"/>
-          </a:lnRef>
-          <a:fillRef idx="0">
-            <a:scrgbClr r="0" g="0" b="0"/>
-          </a:fillRef>
-          <a:effectRef idx="0">
-            <a:scrgbClr r="0" g="0" b="0"/>
-          </a:effectRef>
-          <a:fontRef idx="minor">
-            <a:schemeClr val="lt1"/>
-          </a:fontRef>
-        </p:style>
-        <p:txBody>
-          <a:bodyPr rtlCol="0" anchor="ctr"/>
-          <a:lstStyle/>
-          <a:p>
-            <a:pPr algn="ctr"/>
-            <a:r>
-              <a:rPr lang="en-US" sz="800" dirty="0"/>
-              <a:t>DB </a:t>
-            </a:r>
-            <a:r>
-              <a:rPr lang="en-US" sz="800" dirty="0" err="1"/>
-              <a:t>Extens</a:t>
-            </a:r>
-            <a:endParaRPr lang="en-US" sz="800" dirty="0"/>
-          </a:p>
-        </p:txBody>
-      </p:sp>
-      <p:sp>
-        <p:nvSpPr>
-          <p:cNvPr id="40" name="Rectangle: Top Corners One Rounded and One Snipped 39">
-            <a:extLst>
-              <a:ext uri="{FF2B5EF4-FFF2-40B4-BE49-F238E27FC236}">
-                <a16:creationId xmlns:a16="http://schemas.microsoft.com/office/drawing/2014/main" id="{342CB059-56E3-416F-A0CE-5EAA544FBDF9}"/>
-              </a:ext>
-            </a:extLst>
-          </p:cNvPr>
-          <p:cNvSpPr/>
-          <p:nvPr/>
-        </p:nvSpPr>
-        <p:spPr>
-          <a:xfrm>
-            <a:off x="3856613" y="3707412"/>
-            <a:ext cx="548640" cy="329184"/>
-          </a:xfrm>
-          <a:prstGeom prst="snipRoundRect">
-            <a:avLst/>
-          </a:prstGeom>
-          <a:solidFill>
-            <a:schemeClr val="accent3">
-              <a:lumMod val="50000"/>
-            </a:schemeClr>
-          </a:solidFill>
-          <a:ln>
-            <a:noFill/>
-          </a:ln>
-        </p:spPr>
-        <p:style>
-          <a:lnRef idx="0">
-            <a:scrgbClr r="0" g="0" b="0"/>
-          </a:lnRef>
-          <a:fillRef idx="0">
-            <a:scrgbClr r="0" g="0" b="0"/>
-          </a:fillRef>
-          <a:effectRef idx="0">
-            <a:scrgbClr r="0" g="0" b="0"/>
-          </a:effectRef>
-          <a:fontRef idx="minor">
-            <a:schemeClr val="lt1"/>
-          </a:fontRef>
-        </p:style>
-        <p:txBody>
-          <a:bodyPr rtlCol="0" anchor="ctr"/>
-          <a:lstStyle/>
-          <a:p>
-            <a:pPr algn="ctr"/>
-            <a:r>
-              <a:rPr lang="en-US" sz="800" dirty="0" err="1"/>
-              <a:t>Srvc</a:t>
-            </a:r>
-            <a:r>
-              <a:rPr lang="en-US" sz="800" dirty="0"/>
-              <a:t> A Code</a:t>
-            </a:r>
-          </a:p>
-        </p:txBody>
-      </p:sp>
-      <p:grpSp>
-        <p:nvGrpSpPr>
-          <p:cNvPr id="16" name="Group 15">
-            <a:extLst>
-              <a:ext uri="{FF2B5EF4-FFF2-40B4-BE49-F238E27FC236}">
-                <a16:creationId xmlns:a16="http://schemas.microsoft.com/office/drawing/2014/main" id="{8B4184E8-51F3-4144-9176-31425F7C4579}"/>
-              </a:ext>
-            </a:extLst>
-          </p:cNvPr>
-          <p:cNvGrpSpPr/>
-          <p:nvPr/>
-        </p:nvGrpSpPr>
-        <p:grpSpPr>
-          <a:xfrm>
-            <a:off x="5511780" y="3239345"/>
-            <a:ext cx="4034972" cy="2262647"/>
-            <a:chOff x="5511780" y="3239345"/>
-            <a:chExt cx="4034972" cy="2262647"/>
-          </a:xfrm>
-        </p:grpSpPr>
-        <p:sp>
-          <p:nvSpPr>
-            <p:cNvPr id="50" name="Freeform: Shape 49">
-              <a:extLst>
-                <a:ext uri="{FF2B5EF4-FFF2-40B4-BE49-F238E27FC236}">
-                  <a16:creationId xmlns:a16="http://schemas.microsoft.com/office/drawing/2014/main" id="{56D8D987-FAE8-4401-8620-B5CE7CF1AD7E}"/>
-                </a:ext>
-              </a:extLst>
-            </p:cNvPr>
-            <p:cNvSpPr/>
-            <p:nvPr/>
-          </p:nvSpPr>
-          <p:spPr>
-            <a:xfrm>
-              <a:off x="5511780" y="3239345"/>
-              <a:ext cx="4034972" cy="2262647"/>
-            </a:xfrm>
-            <a:custGeom>
-              <a:avLst/>
-              <a:gdLst>
-                <a:gd name="connsiteX0" fmla="*/ 1943612 w 4034972"/>
-                <a:gd name="connsiteY0" fmla="*/ 0 h 2262647"/>
-                <a:gd name="connsiteX1" fmla="*/ 3950383 w 4034972"/>
-                <a:gd name="connsiteY1" fmla="*/ 0 h 2262647"/>
-                <a:gd name="connsiteX2" fmla="*/ 3950383 w 4034972"/>
-                <a:gd name="connsiteY2" fmla="*/ 604187 h 2262647"/>
-                <a:gd name="connsiteX3" fmla="*/ 4034972 w 4034972"/>
-                <a:gd name="connsiteY3" fmla="*/ 604187 h 2262647"/>
-                <a:gd name="connsiteX4" fmla="*/ 4034972 w 4034972"/>
-                <a:gd name="connsiteY4" fmla="*/ 696586 h 2262647"/>
-                <a:gd name="connsiteX5" fmla="*/ 2858013 w 4034972"/>
-                <a:gd name="connsiteY5" fmla="*/ 696586 h 2262647"/>
-                <a:gd name="connsiteX6" fmla="*/ 2858013 w 4034972"/>
-                <a:gd name="connsiteY6" fmla="*/ 2262647 h 2262647"/>
-                <a:gd name="connsiteX7" fmla="*/ 0 w 4034972"/>
-                <a:gd name="connsiteY7" fmla="*/ 2262647 h 2262647"/>
-                <a:gd name="connsiteX8" fmla="*/ 0 w 4034972"/>
-                <a:gd name="connsiteY8" fmla="*/ 604187 h 2262647"/>
-                <a:gd name="connsiteX9" fmla="*/ 1943612 w 4034972"/>
-                <a:gd name="connsiteY9" fmla="*/ 604187 h 2262647"/>
-              </a:gdLst>
-              <a:ahLst/>
-              <a:cxnLst>
-                <a:cxn ang="0">
-                  <a:pos x="connsiteX0" y="connsiteY0"/>
-                </a:cxn>
-                <a:cxn ang="0">
-                  <a:pos x="connsiteX1" y="connsiteY1"/>
-                </a:cxn>
-                <a:cxn ang="0">
-                  <a:pos x="connsiteX2" y="connsiteY2"/>
-                </a:cxn>
-                <a:cxn ang="0">
-                  <a:pos x="connsiteX3" y="connsiteY3"/>
-                </a:cxn>
-                <a:cxn ang="0">
-                  <a:pos x="connsiteX4" y="connsiteY4"/>
-                </a:cxn>
-                <a:cxn ang="0">
-                  <a:pos x="connsiteX5" y="connsiteY5"/>
-                </a:cxn>
-                <a:cxn ang="0">
-                  <a:pos x="connsiteX6" y="connsiteY6"/>
-                </a:cxn>
-                <a:cxn ang="0">
-                  <a:pos x="connsiteX7" y="connsiteY7"/>
-                </a:cxn>
-                <a:cxn ang="0">
-                  <a:pos x="connsiteX8" y="connsiteY8"/>
-                </a:cxn>
-                <a:cxn ang="0">
-                  <a:pos x="connsiteX9" y="connsiteY9"/>
-                </a:cxn>
-              </a:cxnLst>
-              <a:rect l="l" t="t" r="r" b="b"/>
-              <a:pathLst>
-                <a:path w="4034972" h="2262647">
-                  <a:moveTo>
-                    <a:pt x="1943612" y="0"/>
-                  </a:moveTo>
-                  <a:lnTo>
-                    <a:pt x="3950383" y="0"/>
-                  </a:lnTo>
-                  <a:lnTo>
-                    <a:pt x="3950383" y="604187"/>
-                  </a:lnTo>
-                  <a:lnTo>
-                    <a:pt x="4034972" y="604187"/>
-                  </a:lnTo>
-                  <a:lnTo>
-                    <a:pt x="4034972" y="696586"/>
-                  </a:lnTo>
-                  <a:lnTo>
-                    <a:pt x="2858013" y="696586"/>
-                  </a:lnTo>
-                  <a:lnTo>
-                    <a:pt x="2858013" y="2262647"/>
-                  </a:lnTo>
-                  <a:lnTo>
-                    <a:pt x="0" y="2262647"/>
-                  </a:lnTo>
-                  <a:lnTo>
-                    <a:pt x="0" y="604187"/>
-                  </a:lnTo>
-                  <a:lnTo>
-                    <a:pt x="1943612" y="604187"/>
-                  </a:lnTo>
-                  <a:close/>
-                </a:path>
-              </a:pathLst>
-            </a:custGeom>
-            <a:noFill/>
-            <a:ln w="38100">
-              <a:solidFill>
-                <a:schemeClr val="bg1">
-                  <a:lumMod val="95000"/>
-                  <a:lumOff val="5000"/>
-                </a:schemeClr>
-              </a:solidFill>
-              <a:prstDash val="lgDashDot"/>
-            </a:ln>
-          </p:spPr>
-          <p:style>
-            <a:lnRef idx="2">
-              <a:schemeClr val="accent1">
-                <a:shade val="50000"/>
-              </a:schemeClr>
-            </a:lnRef>
-            <a:fillRef idx="1">
-              <a:schemeClr val="accent1"/>
-            </a:fillRef>
-            <a:effectRef idx="0">
-              <a:schemeClr val="accent1"/>
-            </a:effectRef>
-            <a:fontRef idx="minor">
-              <a:schemeClr val="lt1"/>
-            </a:fontRef>
-          </p:style>
-          <p:txBody>
-            <a:bodyPr wrap="square" rtlCol="0" anchor="t">
-              <a:noAutofit/>
-            </a:bodyPr>
-            <a:lstStyle/>
-            <a:p>
-              <a:endParaRPr lang="en-US" sz="1100" dirty="0"/>
-            </a:p>
-          </p:txBody>
-        </p:sp>
-        <p:sp>
-          <p:nvSpPr>
-            <p:cNvPr id="14" name="TextBox 13">
-              <a:extLst>
-                <a:ext uri="{FF2B5EF4-FFF2-40B4-BE49-F238E27FC236}">
-                  <a16:creationId xmlns:a16="http://schemas.microsoft.com/office/drawing/2014/main" id="{498BD242-18AD-416D-AF32-866E4748C022}"/>
-                </a:ext>
-              </a:extLst>
-            </p:cNvPr>
-            <p:cNvSpPr txBox="1"/>
-            <p:nvPr/>
-          </p:nvSpPr>
-          <p:spPr>
-            <a:xfrm>
-              <a:off x="6847613" y="4087707"/>
-              <a:ext cx="1317027" cy="307777"/>
-            </a:xfrm>
-            <a:prstGeom prst="rect">
-              <a:avLst/>
-            </a:prstGeom>
-            <a:noFill/>
-          </p:spPr>
-          <p:txBody>
-            <a:bodyPr wrap="none" rtlCol="0">
-              <a:spAutoFit/>
-            </a:bodyPr>
-            <a:lstStyle/>
-            <a:p>
-              <a:r>
-                <a:rPr lang="en-US" sz="1400" b="1" dirty="0">
-                  <a:solidFill>
-                    <a:srgbClr val="0D0D0D"/>
-                  </a:solidFill>
-                </a:rPr>
-                <a:t>Svc A Run Time</a:t>
-              </a:r>
-            </a:p>
-          </p:txBody>
-        </p:sp>
-      </p:grpSp>
-      <p:sp>
-        <p:nvSpPr>
-          <p:cNvPr id="20" name="Rectangle: Top Corners One Rounded and One Snipped 19">
-            <a:extLst>
-              <a:ext uri="{FF2B5EF4-FFF2-40B4-BE49-F238E27FC236}">
-                <a16:creationId xmlns:a16="http://schemas.microsoft.com/office/drawing/2014/main" id="{6A5C490F-E6F7-44C3-8B87-EDE8D1419A49}"/>
-              </a:ext>
-            </a:extLst>
-          </p:cNvPr>
-          <p:cNvSpPr/>
-          <p:nvPr/>
-        </p:nvSpPr>
-        <p:spPr>
-          <a:xfrm>
-            <a:off x="3901853" y="4496765"/>
-            <a:ext cx="548640" cy="329184"/>
-          </a:xfrm>
-          <a:prstGeom prst="snipRoundRect">
-            <a:avLst/>
-          </a:prstGeom>
-          <a:solidFill>
-            <a:schemeClr val="accent3">
-              <a:lumMod val="50000"/>
-            </a:schemeClr>
-          </a:solidFill>
-          <a:ln>
-            <a:noFill/>
-          </a:ln>
-        </p:spPr>
-        <p:style>
-          <a:lnRef idx="0">
-            <a:scrgbClr r="0" g="0" b="0"/>
-          </a:lnRef>
-          <a:fillRef idx="0">
-            <a:scrgbClr r="0" g="0" b="0"/>
-          </a:fillRef>
-          <a:effectRef idx="0">
-            <a:scrgbClr r="0" g="0" b="0"/>
-          </a:effectRef>
-          <a:fontRef idx="minor">
-            <a:schemeClr val="lt1"/>
-          </a:fontRef>
-        </p:style>
-        <p:txBody>
-          <a:bodyPr rtlCol="0" anchor="ctr"/>
-          <a:lstStyle/>
-          <a:p>
-            <a:pPr algn="ctr"/>
-            <a:r>
-              <a:rPr lang="en-US" sz="800" dirty="0"/>
-              <a:t>Svc A CDT</a:t>
-            </a:r>
-          </a:p>
-        </p:txBody>
-      </p:sp>
-      <p:grpSp>
-        <p:nvGrpSpPr>
-          <p:cNvPr id="19" name="Group 18">
-            <a:extLst>
-              <a:ext uri="{FF2B5EF4-FFF2-40B4-BE49-F238E27FC236}">
-                <a16:creationId xmlns:a16="http://schemas.microsoft.com/office/drawing/2014/main" id="{9DAF8ADE-22CB-4F81-9188-C5F5E346A2F1}"/>
-              </a:ext>
-            </a:extLst>
-          </p:cNvPr>
-          <p:cNvGrpSpPr/>
-          <p:nvPr/>
-        </p:nvGrpSpPr>
-        <p:grpSpPr>
-          <a:xfrm>
-            <a:off x="7391452" y="3216427"/>
-            <a:ext cx="3108909" cy="2426991"/>
-            <a:chOff x="7391452" y="3216427"/>
-            <a:chExt cx="3108909" cy="2426991"/>
-          </a:xfrm>
-        </p:grpSpPr>
-        <p:sp>
-          <p:nvSpPr>
-            <p:cNvPr id="51" name="Oval 50">
-              <a:extLst>
-                <a:ext uri="{FF2B5EF4-FFF2-40B4-BE49-F238E27FC236}">
-                  <a16:creationId xmlns:a16="http://schemas.microsoft.com/office/drawing/2014/main" id="{D1BF8DC1-24C0-4FF1-B4B8-C129E587EAA7}"/>
-                </a:ext>
-              </a:extLst>
-            </p:cNvPr>
-            <p:cNvSpPr/>
-            <p:nvPr/>
-          </p:nvSpPr>
-          <p:spPr>
-            <a:xfrm>
-              <a:off x="8632352" y="4700417"/>
-              <a:ext cx="914400" cy="504939"/>
-            </a:xfrm>
-            <a:prstGeom prst="ellipse">
-              <a:avLst/>
-            </a:prstGeom>
-            <a:gradFill flip="none" rotWithShape="1">
-              <a:gsLst>
-                <a:gs pos="0">
-                  <a:schemeClr val="accent5">
-                    <a:lumMod val="67000"/>
-                  </a:schemeClr>
-                </a:gs>
-                <a:gs pos="48000">
-                  <a:schemeClr val="accent5">
-                    <a:lumMod val="97000"/>
-                    <a:lumOff val="3000"/>
-                  </a:schemeClr>
-                </a:gs>
-                <a:gs pos="100000">
-                  <a:schemeClr val="accent5">
-                    <a:lumMod val="60000"/>
-                    <a:lumOff val="40000"/>
-                  </a:schemeClr>
-                </a:gs>
-              </a:gsLst>
-              <a:lin ang="16200000" scaled="1"/>
-              <a:tileRect/>
-            </a:gradFill>
-            <a:ln>
-              <a:noFill/>
-            </a:ln>
-          </p:spPr>
-          <p:style>
-            <a:lnRef idx="0">
-              <a:scrgbClr r="0" g="0" b="0"/>
-            </a:lnRef>
-            <a:fillRef idx="0">
-              <a:scrgbClr r="0" g="0" b="0"/>
-            </a:fillRef>
-            <a:effectRef idx="0">
-              <a:scrgbClr r="0" g="0" b="0"/>
-            </a:effectRef>
-            <a:fontRef idx="minor">
-              <a:schemeClr val="lt1"/>
-            </a:fontRef>
-          </p:style>
-          <p:txBody>
-            <a:bodyPr rtlCol="0" anchor="ctr"/>
-            <a:lstStyle/>
-            <a:p>
-              <a:pPr algn="ctr"/>
-              <a:r>
-                <a:rPr lang="en-US" sz="900" dirty="0"/>
-                <a:t>Container</a:t>
-              </a:r>
-            </a:p>
-            <a:p>
-              <a:pPr algn="ctr"/>
-              <a:r>
-                <a:rPr lang="en-US" sz="900" dirty="0"/>
-                <a:t>Service B Config</a:t>
-              </a:r>
-            </a:p>
-          </p:txBody>
-        </p:sp>
-        <p:sp>
-          <p:nvSpPr>
-            <p:cNvPr id="52" name="Oval 51">
-              <a:extLst>
-                <a:ext uri="{FF2B5EF4-FFF2-40B4-BE49-F238E27FC236}">
-                  <a16:creationId xmlns:a16="http://schemas.microsoft.com/office/drawing/2014/main" id="{D37AB39E-33E2-4BD3-9EAF-18BD0A617AC4}"/>
-                </a:ext>
-              </a:extLst>
-            </p:cNvPr>
-            <p:cNvSpPr/>
-            <p:nvPr/>
-          </p:nvSpPr>
-          <p:spPr>
-            <a:xfrm>
-              <a:off x="9506975" y="4416038"/>
-              <a:ext cx="914400" cy="504939"/>
-            </a:xfrm>
-            <a:prstGeom prst="ellipse">
-              <a:avLst/>
-            </a:prstGeom>
-            <a:gradFill flip="none" rotWithShape="1">
-              <a:gsLst>
-                <a:gs pos="0">
-                  <a:schemeClr val="accent5">
-                    <a:lumMod val="67000"/>
-                  </a:schemeClr>
-                </a:gs>
-                <a:gs pos="48000">
-                  <a:schemeClr val="accent5">
-                    <a:lumMod val="97000"/>
-                    <a:lumOff val="3000"/>
-                  </a:schemeClr>
-                </a:gs>
-                <a:gs pos="100000">
-                  <a:schemeClr val="accent5">
-                    <a:lumMod val="60000"/>
-                    <a:lumOff val="40000"/>
-                  </a:schemeClr>
-                </a:gs>
-              </a:gsLst>
-              <a:lin ang="16200000" scaled="1"/>
-              <a:tileRect/>
-            </a:gradFill>
-            <a:ln>
-              <a:noFill/>
-            </a:ln>
-          </p:spPr>
-          <p:style>
-            <a:lnRef idx="0">
-              <a:scrgbClr r="0" g="0" b="0"/>
-            </a:lnRef>
-            <a:fillRef idx="0">
-              <a:scrgbClr r="0" g="0" b="0"/>
-            </a:fillRef>
-            <a:effectRef idx="0">
-              <a:scrgbClr r="0" g="0" b="0"/>
-            </a:effectRef>
-            <a:fontRef idx="minor">
-              <a:schemeClr val="lt1"/>
-            </a:fontRef>
-          </p:style>
-          <p:txBody>
-            <a:bodyPr rtlCol="0" anchor="ctr"/>
-            <a:lstStyle/>
-            <a:p>
-              <a:pPr algn="ctr"/>
-              <a:r>
-                <a:rPr lang="en-US" sz="900" dirty="0"/>
-                <a:t>Container</a:t>
-              </a:r>
-            </a:p>
-            <a:p>
-              <a:pPr algn="ctr"/>
-              <a:r>
-                <a:rPr lang="en-US" sz="900" dirty="0"/>
-                <a:t>Service B App</a:t>
-              </a:r>
-            </a:p>
-          </p:txBody>
-        </p:sp>
-        <p:sp>
-          <p:nvSpPr>
-            <p:cNvPr id="53" name="Oval 52">
-              <a:extLst>
-                <a:ext uri="{FF2B5EF4-FFF2-40B4-BE49-F238E27FC236}">
-                  <a16:creationId xmlns:a16="http://schemas.microsoft.com/office/drawing/2014/main" id="{D94A9E0F-B4B8-48B2-8497-89EB568A0264}"/>
-                </a:ext>
-              </a:extLst>
-            </p:cNvPr>
-            <p:cNvSpPr/>
-            <p:nvPr/>
-          </p:nvSpPr>
-          <p:spPr>
-            <a:xfrm>
-              <a:off x="9482575" y="5060872"/>
-              <a:ext cx="914400" cy="504939"/>
-            </a:xfrm>
-            <a:prstGeom prst="ellipse">
-              <a:avLst/>
-            </a:prstGeom>
-            <a:gradFill flip="none" rotWithShape="1">
-              <a:gsLst>
-                <a:gs pos="0">
-                  <a:schemeClr val="accent5">
-                    <a:lumMod val="67000"/>
-                  </a:schemeClr>
-                </a:gs>
-                <a:gs pos="48000">
-                  <a:schemeClr val="accent5">
-                    <a:lumMod val="97000"/>
-                    <a:lumOff val="3000"/>
-                  </a:schemeClr>
-                </a:gs>
-                <a:gs pos="100000">
-                  <a:schemeClr val="accent5">
-                    <a:lumMod val="60000"/>
-                    <a:lumOff val="40000"/>
-                  </a:schemeClr>
-                </a:gs>
-              </a:gsLst>
-              <a:lin ang="16200000" scaled="1"/>
-              <a:tileRect/>
-            </a:gradFill>
-            <a:ln>
-              <a:noFill/>
-            </a:ln>
-          </p:spPr>
-          <p:style>
-            <a:lnRef idx="0">
-              <a:scrgbClr r="0" g="0" b="0"/>
-            </a:lnRef>
-            <a:fillRef idx="0">
-              <a:scrgbClr r="0" g="0" b="0"/>
-            </a:fillRef>
-            <a:effectRef idx="0">
-              <a:scrgbClr r="0" g="0" b="0"/>
-            </a:effectRef>
-            <a:fontRef idx="minor">
-              <a:schemeClr val="lt1"/>
-            </a:fontRef>
-          </p:style>
-          <p:txBody>
-            <a:bodyPr rtlCol="0" anchor="ctr"/>
-            <a:lstStyle/>
-            <a:p>
-              <a:pPr algn="ctr"/>
-              <a:r>
-                <a:rPr lang="en-US" sz="900" dirty="0"/>
-                <a:t>Container</a:t>
-              </a:r>
-            </a:p>
-            <a:p>
-              <a:pPr algn="ctr"/>
-              <a:r>
-                <a:rPr lang="en-US" sz="900" dirty="0"/>
-                <a:t>Service B Agent</a:t>
-              </a:r>
-            </a:p>
-          </p:txBody>
-        </p:sp>
-        <p:sp>
-          <p:nvSpPr>
-            <p:cNvPr id="55" name="Freeform: Shape 54">
-              <a:extLst>
-                <a:ext uri="{FF2B5EF4-FFF2-40B4-BE49-F238E27FC236}">
-                  <a16:creationId xmlns:a16="http://schemas.microsoft.com/office/drawing/2014/main" id="{B4F2151C-63BC-44C8-A0CB-C836ECEB66E4}"/>
-                </a:ext>
-              </a:extLst>
-            </p:cNvPr>
-            <p:cNvSpPr/>
-            <p:nvPr/>
-          </p:nvSpPr>
-          <p:spPr>
-            <a:xfrm>
-              <a:off x="7391452" y="3216427"/>
-              <a:ext cx="3108909" cy="2426991"/>
-            </a:xfrm>
-            <a:custGeom>
-              <a:avLst/>
-              <a:gdLst>
-                <a:gd name="connsiteX0" fmla="*/ 0 w 3108909"/>
-                <a:gd name="connsiteY0" fmla="*/ 0 h 2426991"/>
-                <a:gd name="connsiteX1" fmla="*/ 2155300 w 3108909"/>
-                <a:gd name="connsiteY1" fmla="*/ 0 h 2426991"/>
-                <a:gd name="connsiteX2" fmla="*/ 2155300 w 3108909"/>
-                <a:gd name="connsiteY2" fmla="*/ 808098 h 2426991"/>
-                <a:gd name="connsiteX3" fmla="*/ 3108909 w 3108909"/>
-                <a:gd name="connsiteY3" fmla="*/ 808098 h 2426991"/>
-                <a:gd name="connsiteX4" fmla="*/ 3108909 w 3108909"/>
-                <a:gd name="connsiteY4" fmla="*/ 2426991 h 2426991"/>
-                <a:gd name="connsiteX5" fmla="*/ 1152185 w 3108909"/>
-                <a:gd name="connsiteY5" fmla="*/ 2426991 h 2426991"/>
-                <a:gd name="connsiteX6" fmla="*/ 1152185 w 3108909"/>
-                <a:gd name="connsiteY6" fmla="*/ 838386 h 2426991"/>
-                <a:gd name="connsiteX7" fmla="*/ 0 w 3108909"/>
-                <a:gd name="connsiteY7" fmla="*/ 838386 h 2426991"/>
-              </a:gdLst>
-              <a:ahLst/>
-              <a:cxnLst>
-                <a:cxn ang="0">
-                  <a:pos x="connsiteX0" y="connsiteY0"/>
-                </a:cxn>
-                <a:cxn ang="0">
-                  <a:pos x="connsiteX1" y="connsiteY1"/>
-                </a:cxn>
-                <a:cxn ang="0">
-                  <a:pos x="connsiteX2" y="connsiteY2"/>
-                </a:cxn>
-                <a:cxn ang="0">
-                  <a:pos x="connsiteX3" y="connsiteY3"/>
-                </a:cxn>
-                <a:cxn ang="0">
-                  <a:pos x="connsiteX4" y="connsiteY4"/>
-                </a:cxn>
-                <a:cxn ang="0">
-                  <a:pos x="connsiteX5" y="connsiteY5"/>
-                </a:cxn>
-                <a:cxn ang="0">
-                  <a:pos x="connsiteX6" y="connsiteY6"/>
-                </a:cxn>
-                <a:cxn ang="0">
-                  <a:pos x="connsiteX7" y="connsiteY7"/>
-                </a:cxn>
-              </a:cxnLst>
-              <a:rect l="l" t="t" r="r" b="b"/>
-              <a:pathLst>
-                <a:path w="3108909" h="2426991">
-                  <a:moveTo>
-                    <a:pt x="0" y="0"/>
-                  </a:moveTo>
-                  <a:lnTo>
-                    <a:pt x="2155300" y="0"/>
-                  </a:lnTo>
-                  <a:lnTo>
-                    <a:pt x="2155300" y="808098"/>
-                  </a:lnTo>
-                  <a:lnTo>
-                    <a:pt x="3108909" y="808098"/>
-                  </a:lnTo>
-                  <a:lnTo>
-                    <a:pt x="3108909" y="2426991"/>
-                  </a:lnTo>
-                  <a:lnTo>
-                    <a:pt x="1152185" y="2426991"/>
-                  </a:lnTo>
-                  <a:lnTo>
-                    <a:pt x="1152185" y="838386"/>
-                  </a:lnTo>
-                  <a:lnTo>
-                    <a:pt x="0" y="838386"/>
-                  </a:lnTo>
-                  <a:close/>
-                </a:path>
-              </a:pathLst>
-            </a:custGeom>
-            <a:noFill/>
-            <a:ln w="38100">
-              <a:solidFill>
-                <a:schemeClr val="accent5">
-                  <a:lumMod val="40000"/>
-                  <a:lumOff val="60000"/>
-                </a:schemeClr>
-              </a:solidFill>
-              <a:prstDash val="lgDashDot"/>
-            </a:ln>
-          </p:spPr>
-          <p:style>
-            <a:lnRef idx="2">
-              <a:schemeClr val="accent1">
-                <a:shade val="50000"/>
-              </a:schemeClr>
-            </a:lnRef>
-            <a:fillRef idx="1">
-              <a:schemeClr val="accent1"/>
-            </a:fillRef>
-            <a:effectRef idx="0">
-              <a:schemeClr val="accent1"/>
-            </a:effectRef>
-            <a:fontRef idx="minor">
-              <a:schemeClr val="lt1"/>
-            </a:fontRef>
-          </p:style>
-          <p:txBody>
-            <a:bodyPr rtlCol="0" anchor="ctr"/>
-            <a:lstStyle/>
-            <a:p>
-              <a:pPr algn="ctr"/>
-              <a:endParaRPr lang="en-US"/>
-            </a:p>
-          </p:txBody>
-        </p:sp>
-        <p:sp>
-          <p:nvSpPr>
-            <p:cNvPr id="56" name="TextBox 55">
-              <a:extLst>
-                <a:ext uri="{FF2B5EF4-FFF2-40B4-BE49-F238E27FC236}">
-                  <a16:creationId xmlns:a16="http://schemas.microsoft.com/office/drawing/2014/main" id="{C72D7292-D2F9-4D63-84BA-3520DA887065}"/>
-                </a:ext>
-              </a:extLst>
-            </p:cNvPr>
-            <p:cNvSpPr txBox="1"/>
-            <p:nvPr/>
-          </p:nvSpPr>
-          <p:spPr>
-            <a:xfrm>
-              <a:off x="8709663" y="4076481"/>
-              <a:ext cx="1309013" cy="307777"/>
-            </a:xfrm>
-            <a:prstGeom prst="rect">
-              <a:avLst/>
-            </a:prstGeom>
-            <a:noFill/>
-          </p:spPr>
-          <p:txBody>
-            <a:bodyPr wrap="none" rtlCol="0">
-              <a:spAutoFit/>
-            </a:bodyPr>
-            <a:lstStyle/>
-            <a:p>
-              <a:r>
-                <a:rPr lang="en-US" sz="1400" b="1" dirty="0">
-                  <a:solidFill>
-                    <a:schemeClr val="accent5">
-                      <a:lumMod val="40000"/>
-                      <a:lumOff val="60000"/>
-                    </a:schemeClr>
-                  </a:solidFill>
-                </a:rPr>
-                <a:t>Svc B Run Time</a:t>
-              </a:r>
-            </a:p>
-          </p:txBody>
-        </p:sp>
-      </p:grpSp>
-    </p:spTree>
-    <p:extLst>
-      <p:ext uri="{BB962C8B-B14F-4D97-AF65-F5344CB8AC3E}">
-        <p14:creationId xmlns:p14="http://schemas.microsoft.com/office/powerpoint/2010/main" val="3455186568"/>
-      </p:ext>
-    </p:extLst>
-  </p:cSld>
-  <p:clrMapOvr>
-    <a:masterClrMapping/>
-  </p:clrMapOvr>
-  <p:timing>
-    <p:tnLst>
-      <p:par>
-        <p:cTn id="1" dur="indefinite" restart="never" nodeType="tmRoot">
-          <p:childTnLst>
-            <p:seq concurrent="1" nextAc="seek">
-              <p:cTn id="2" dur="indefinite" nodeType="mainSeq">
-                <p:childTnLst>
-                  <p:par>
-                    <p:cTn id="3" fill="hold">
-                      <p:stCondLst>
-                        <p:cond delay="indefinite"/>
-                      </p:stCondLst>
-                      <p:childTnLst>
-                        <p:par>
-                          <p:cTn id="4" fill="hold">
-                            <p:stCondLst>
-                              <p:cond delay="0"/>
-                            </p:stCondLst>
-                            <p:childTnLst>
-                              <p:par>
-                                <p:cTn id="5" presetID="1" presetClass="entr" presetSubtype="0" fill="hold" grpId="1" nodeType="clickEffect">
-                                  <p:stCondLst>
-                                    <p:cond delay="0"/>
-                                  </p:stCondLst>
-                                  <p:childTnLst>
-                                    <p:set>
-                                      <p:cBhvr>
-                                        <p:cTn id="6" dur="1" fill="hold">
-                                          <p:stCondLst>
-                                            <p:cond delay="0"/>
-                                          </p:stCondLst>
-                                        </p:cTn>
-                                        <p:tgtEl>
-                                          <p:spTgt spid="34"/>
-                                        </p:tgtEl>
-                                        <p:attrNameLst>
-                                          <p:attrName>style.visibility</p:attrName>
-                                        </p:attrNameLst>
-                                      </p:cBhvr>
-                                      <p:to>
-                                        <p:strVal val="visible"/>
-                                      </p:to>
-                                    </p:set>
-                                  </p:childTnLst>
-                                </p:cTn>
-                              </p:par>
-                              <p:par>
-                                <p:cTn id="7" presetID="42" presetClass="path" presetSubtype="0" accel="50000" decel="50000" fill="hold" grpId="0" nodeType="withEffect">
-                                  <p:stCondLst>
-                                    <p:cond delay="0"/>
-                                  </p:stCondLst>
-                                  <p:childTnLst>
-                                    <p:animMotion origin="layout" path="M -3.125E-6 2.59259E-6 L -0.37669 -0.20972 " pathEditMode="relative" rAng="0" ptsTypes="AA">
-                                      <p:cBhvr>
-                                        <p:cTn id="8" dur="2000" spd="-100000" fill="hold"/>
-                                        <p:tgtEl>
-                                          <p:spTgt spid="34"/>
-                                        </p:tgtEl>
-                                        <p:attrNameLst>
-                                          <p:attrName>ppt_x</p:attrName>
-                                          <p:attrName>ppt_y</p:attrName>
-                                        </p:attrNameLst>
-                                      </p:cBhvr>
-                                      <p:rCtr x="-18841" y="-10486"/>
-                                    </p:animMotion>
-                                  </p:childTnLst>
-                                </p:cTn>
-                              </p:par>
-                            </p:childTnLst>
-                          </p:cTn>
-                        </p:par>
-                      </p:childTnLst>
-                    </p:cTn>
-                  </p:par>
-                  <p:par>
-                    <p:cTn id="9" fill="hold">
-                      <p:stCondLst>
-                        <p:cond delay="indefinite"/>
-                      </p:stCondLst>
-                      <p:childTnLst>
-                        <p:par>
-                          <p:cTn id="10" fill="hold">
-                            <p:stCondLst>
-                              <p:cond delay="0"/>
-                            </p:stCondLst>
-                            <p:childTnLst>
-                              <p:par>
-                                <p:cTn id="11" presetID="1" presetClass="entr" presetSubtype="0" fill="hold" grpId="1" nodeType="clickEffect">
-                                  <p:stCondLst>
-                                    <p:cond delay="0"/>
-                                  </p:stCondLst>
-                                  <p:childTnLst>
-                                    <p:set>
-                                      <p:cBhvr>
-                                        <p:cTn id="12" dur="1" fill="hold">
-                                          <p:stCondLst>
-                                            <p:cond delay="0"/>
-                                          </p:stCondLst>
-                                        </p:cTn>
-                                        <p:tgtEl>
-                                          <p:spTgt spid="25"/>
-                                        </p:tgtEl>
-                                        <p:attrNameLst>
-                                          <p:attrName>style.visibility</p:attrName>
-                                        </p:attrNameLst>
-                                      </p:cBhvr>
-                                      <p:to>
-                                        <p:strVal val="visible"/>
-                                      </p:to>
-                                    </p:set>
-                                  </p:childTnLst>
-                                </p:cTn>
-                              </p:par>
-                            </p:childTnLst>
-                          </p:cTn>
-                        </p:par>
-                        <p:par>
-                          <p:cTn id="13" fill="hold">
-                            <p:stCondLst>
-                              <p:cond delay="0"/>
-                            </p:stCondLst>
-                            <p:childTnLst>
-                              <p:par>
-                                <p:cTn id="14" presetID="42" presetClass="path" presetSubtype="0" accel="50000" decel="50000" fill="hold" grpId="0" nodeType="afterEffect">
-                                  <p:stCondLst>
-                                    <p:cond delay="0"/>
-                                  </p:stCondLst>
-                                  <p:childTnLst>
-                                    <p:animMotion origin="layout" path="M 3.33333E-6 -2.59259E-6 L -0.29922 -0.02106 " pathEditMode="relative" rAng="0" ptsTypes="AA">
-                                      <p:cBhvr>
-                                        <p:cTn id="15" dur="2000" spd="-100000" fill="hold"/>
-                                        <p:tgtEl>
-                                          <p:spTgt spid="25"/>
-                                        </p:tgtEl>
-                                        <p:attrNameLst>
-                                          <p:attrName>ppt_x</p:attrName>
-                                          <p:attrName>ppt_y</p:attrName>
-                                        </p:attrNameLst>
-                                      </p:cBhvr>
-                                      <p:rCtr x="-14961" y="-1065"/>
-                                    </p:animMotion>
-                                  </p:childTnLst>
-                                </p:cTn>
-                              </p:par>
-                            </p:childTnLst>
-                          </p:cTn>
-                        </p:par>
-                      </p:childTnLst>
-                    </p:cTn>
-                  </p:par>
-                  <p:par>
-                    <p:cTn id="16" fill="hold">
-                      <p:stCondLst>
-                        <p:cond delay="indefinite"/>
-                      </p:stCondLst>
-                      <p:childTnLst>
-                        <p:par>
-                          <p:cTn id="17" fill="hold">
-                            <p:stCondLst>
-                              <p:cond delay="0"/>
-                            </p:stCondLst>
-                            <p:childTnLst>
-                              <p:par>
-                                <p:cTn id="18" presetID="1" presetClass="entr" presetSubtype="0" fill="hold" grpId="0" nodeType="clickEffect">
-                                  <p:stCondLst>
-                                    <p:cond delay="0"/>
-                                  </p:stCondLst>
-                                  <p:childTnLst>
-                                    <p:set>
-                                      <p:cBhvr>
-                                        <p:cTn id="19" dur="1" fill="hold">
-                                          <p:stCondLst>
-                                            <p:cond delay="0"/>
-                                          </p:stCondLst>
-                                        </p:cTn>
-                                        <p:tgtEl>
-                                          <p:spTgt spid="26"/>
-                                        </p:tgtEl>
-                                        <p:attrNameLst>
-                                          <p:attrName>style.visibility</p:attrName>
-                                        </p:attrNameLst>
-                                      </p:cBhvr>
-                                      <p:to>
-                                        <p:strVal val="visible"/>
-                                      </p:to>
-                                    </p:set>
-                                  </p:childTnLst>
-                                </p:cTn>
-                              </p:par>
-                            </p:childTnLst>
-                          </p:cTn>
-                        </p:par>
-                        <p:par>
-                          <p:cTn id="20" fill="hold">
-                            <p:stCondLst>
-                              <p:cond delay="0"/>
-                            </p:stCondLst>
-                            <p:childTnLst>
-                              <p:par>
-                                <p:cTn id="21" presetID="37" presetClass="path" presetSubtype="0" accel="50000" decel="50000" fill="hold" grpId="1" nodeType="afterEffect">
-                                  <p:stCondLst>
-                                    <p:cond delay="0"/>
-                                  </p:stCondLst>
-                                  <p:childTnLst>
-                                    <p:animMotion origin="layout" path="M -2.29167E-6 3.33333E-6 L -0.07578 0.04467 C -0.0914 0.05532 -0.11471 0.06041 -0.13919 0.05879 C -0.16719 0.05717 -0.18945 0.0493 -0.20469 0.0368 L -0.27786 -0.01713 " pathEditMode="relative" rAng="120000" ptsTypes="AAAAA">
-                                      <p:cBhvr>
-                                        <p:cTn id="22" dur="2000" spd="-100000" fill="hold"/>
-                                        <p:tgtEl>
-                                          <p:spTgt spid="26"/>
-                                        </p:tgtEl>
-                                        <p:attrNameLst>
-                                          <p:attrName>ppt_x</p:attrName>
-                                          <p:attrName>ppt_y</p:attrName>
-                                        </p:attrNameLst>
-                                      </p:cBhvr>
-                                      <p:rCtr x="-13958" y="2500"/>
-                                    </p:animMotion>
-                                  </p:childTnLst>
-                                </p:cTn>
-                              </p:par>
-                            </p:childTnLst>
-                          </p:cTn>
-                        </p:par>
-                      </p:childTnLst>
-                    </p:cTn>
-                  </p:par>
-                  <p:par>
-                    <p:cTn id="23" fill="hold">
-                      <p:stCondLst>
-                        <p:cond delay="indefinite"/>
-                      </p:stCondLst>
-                      <p:childTnLst>
-                        <p:par>
-                          <p:cTn id="24" fill="hold">
-                            <p:stCondLst>
-                              <p:cond delay="0"/>
-                            </p:stCondLst>
-                            <p:childTnLst>
-                              <p:par>
-                                <p:cTn id="25" presetID="42" presetClass="path" presetSubtype="0" accel="50000" decel="50000" autoRev="1" fill="hold" grpId="0" nodeType="clickEffect">
-                                  <p:stCondLst>
-                                    <p:cond delay="0"/>
-                                  </p:stCondLst>
-                                  <p:childTnLst>
-                                    <p:animMotion origin="layout" path="M 2.08333E-6 3.7037E-7 L 0.25573 0.04097 " pathEditMode="relative" rAng="0" ptsTypes="AA">
-                                      <p:cBhvr>
-                                        <p:cTn id="26" dur="2000" fill="hold"/>
-                                        <p:tgtEl>
-                                          <p:spTgt spid="20"/>
-                                        </p:tgtEl>
-                                        <p:attrNameLst>
-                                          <p:attrName>ppt_x</p:attrName>
-                                          <p:attrName>ppt_y</p:attrName>
-                                        </p:attrNameLst>
-                                      </p:cBhvr>
-                                      <p:rCtr x="12786" y="2037"/>
-                                    </p:animMotion>
-                                  </p:childTnLst>
-                                </p:cTn>
-                              </p:par>
-                            </p:childTnLst>
-                          </p:cTn>
-                        </p:par>
-                      </p:childTnLst>
-                    </p:cTn>
-                  </p:par>
-                  <p:par>
-                    <p:cTn id="27" fill="hold">
-                      <p:stCondLst>
-                        <p:cond delay="indefinite"/>
-                      </p:stCondLst>
-                      <p:childTnLst>
-                        <p:par>
-                          <p:cTn id="28" fill="hold">
-                            <p:stCondLst>
-                              <p:cond delay="0"/>
-                            </p:stCondLst>
-                            <p:childTnLst>
-                              <p:par>
-                                <p:cTn id="29" presetID="42" presetClass="path" presetSubtype="0" accel="50000" decel="50000" autoRev="1" fill="hold" grpId="0" nodeType="clickEffect">
-                                  <p:stCondLst>
-                                    <p:cond delay="0"/>
-                                  </p:stCondLst>
-                                  <p:childTnLst>
-                                    <p:animMotion origin="layout" path="M -2.91667E-6 -3.33333E-6 L 0.00977 -0.2125 " pathEditMode="relative" rAng="0" ptsTypes="AA">
-                                      <p:cBhvr>
-                                        <p:cTn id="30" dur="2000" fill="hold"/>
-                                        <p:tgtEl>
-                                          <p:spTgt spid="46"/>
-                                        </p:tgtEl>
-                                        <p:attrNameLst>
-                                          <p:attrName>ppt_x</p:attrName>
-                                          <p:attrName>ppt_y</p:attrName>
-                                        </p:attrNameLst>
-                                      </p:cBhvr>
-                                      <p:rCtr x="482" y="-10625"/>
-                                    </p:animMotion>
-                                  </p:childTnLst>
-                                </p:cTn>
-                              </p:par>
-                            </p:childTnLst>
-                          </p:cTn>
-                        </p:par>
-                        <p:par>
-                          <p:cTn id="31" fill="hold">
-                            <p:stCondLst>
-                              <p:cond delay="4000"/>
-                            </p:stCondLst>
-                            <p:childTnLst>
-                              <p:par>
-                                <p:cTn id="32" presetID="42" presetClass="path" presetSubtype="0" accel="50000" decel="50000" autoRev="1" fill="hold" grpId="0" nodeType="afterEffect">
-                                  <p:stCondLst>
-                                    <p:cond delay="0"/>
-                                  </p:stCondLst>
-                                  <p:childTnLst>
-                                    <p:animMotion origin="layout" path="M 3.33333E-6 3.33333E-6 L 0.26979 0.16875 " pathEditMode="relative" rAng="0" ptsTypes="AA">
-                                      <p:cBhvr>
-                                        <p:cTn id="33" dur="3000" fill="hold"/>
-                                        <p:tgtEl>
-                                          <p:spTgt spid="45"/>
-                                        </p:tgtEl>
-                                        <p:attrNameLst>
-                                          <p:attrName>ppt_x</p:attrName>
-                                          <p:attrName>ppt_y</p:attrName>
-                                        </p:attrNameLst>
-                                      </p:cBhvr>
-                                      <p:rCtr x="13490" y="8426"/>
-                                    </p:animMotion>
-                                  </p:childTnLst>
-                                </p:cTn>
-                              </p:par>
-                            </p:childTnLst>
-                          </p:cTn>
-                        </p:par>
-                      </p:childTnLst>
-                    </p:cTn>
-                  </p:par>
-                  <p:par>
-                    <p:cTn id="34" fill="hold">
-                      <p:stCondLst>
-                        <p:cond delay="indefinite"/>
-                      </p:stCondLst>
-                      <p:childTnLst>
-                        <p:par>
-                          <p:cTn id="35" fill="hold">
-                            <p:stCondLst>
-                              <p:cond delay="0"/>
-                            </p:stCondLst>
-                            <p:childTnLst>
-                              <p:par>
-                                <p:cTn id="36" presetID="10" presetClass="entr" presetSubtype="0" fill="hold" nodeType="clickEffect">
-                                  <p:stCondLst>
-                                    <p:cond delay="0"/>
-                                  </p:stCondLst>
-                                  <p:childTnLst>
-                                    <p:set>
-                                      <p:cBhvr>
-                                        <p:cTn id="37" dur="1" fill="hold">
-                                          <p:stCondLst>
-                                            <p:cond delay="0"/>
-                                          </p:stCondLst>
-                                        </p:cTn>
-                                        <p:tgtEl>
-                                          <p:spTgt spid="16"/>
-                                        </p:tgtEl>
-                                        <p:attrNameLst>
-                                          <p:attrName>style.visibility</p:attrName>
-                                        </p:attrNameLst>
-                                      </p:cBhvr>
-                                      <p:to>
-                                        <p:strVal val="visible"/>
-                                      </p:to>
-                                    </p:set>
-                                    <p:animEffect transition="in" filter="fade">
-                                      <p:cBhvr>
-                                        <p:cTn id="38" dur="500"/>
-                                        <p:tgtEl>
-                                          <p:spTgt spid="16"/>
-                                        </p:tgtEl>
-                                      </p:cBhvr>
-                                    </p:animEffect>
-                                  </p:childTnLst>
-                                </p:cTn>
-                              </p:par>
-                            </p:childTnLst>
-                          </p:cTn>
-                        </p:par>
-                      </p:childTnLst>
-                    </p:cTn>
-                  </p:par>
-                  <p:par>
-                    <p:cTn id="39" fill="hold">
-                      <p:stCondLst>
-                        <p:cond delay="indefinite"/>
-                      </p:stCondLst>
-                      <p:childTnLst>
-                        <p:par>
-                          <p:cTn id="40" fill="hold">
-                            <p:stCondLst>
-                              <p:cond delay="0"/>
-                            </p:stCondLst>
-                            <p:childTnLst>
-                              <p:par>
-                                <p:cTn id="41" presetID="2" presetClass="entr" presetSubtype="6" fill="hold" nodeType="clickEffect">
-                                  <p:stCondLst>
-                                    <p:cond delay="0"/>
-                                  </p:stCondLst>
-                                  <p:childTnLst>
-                                    <p:set>
-                                      <p:cBhvr>
-                                        <p:cTn id="42" dur="1" fill="hold">
-                                          <p:stCondLst>
-                                            <p:cond delay="0"/>
-                                          </p:stCondLst>
-                                        </p:cTn>
-                                        <p:tgtEl>
-                                          <p:spTgt spid="19"/>
-                                        </p:tgtEl>
-                                        <p:attrNameLst>
-                                          <p:attrName>style.visibility</p:attrName>
-                                        </p:attrNameLst>
-                                      </p:cBhvr>
-                                      <p:to>
-                                        <p:strVal val="visible"/>
-                                      </p:to>
-                                    </p:set>
-                                    <p:anim calcmode="lin" valueType="num">
-                                      <p:cBhvr additive="base">
-                                        <p:cTn id="43" dur="1000" fill="hold"/>
-                                        <p:tgtEl>
-                                          <p:spTgt spid="19"/>
-                                        </p:tgtEl>
-                                        <p:attrNameLst>
-                                          <p:attrName>ppt_x</p:attrName>
-                                        </p:attrNameLst>
-                                      </p:cBhvr>
-                                      <p:tavLst>
-                                        <p:tav tm="0">
-                                          <p:val>
-                                            <p:strVal val="1+#ppt_w/2"/>
-                                          </p:val>
-                                        </p:tav>
-                                        <p:tav tm="100000">
-                                          <p:val>
-                                            <p:strVal val="#ppt_x"/>
-                                          </p:val>
-                                        </p:tav>
-                                      </p:tavLst>
-                                    </p:anim>
-                                    <p:anim calcmode="lin" valueType="num">
-                                      <p:cBhvr additive="base">
-                                        <p:cTn id="44" dur="1000" fill="hold"/>
-                                        <p:tgtEl>
-                                          <p:spTgt spid="19"/>
-                                        </p:tgtEl>
-                                        <p:attrNameLst>
-                                          <p:attrName>ppt_y</p:attrName>
-                                        </p:attrNameLst>
-                                      </p:cBhvr>
-                                      <p:tavLst>
-                                        <p:tav tm="0">
-                                          <p:val>
-                                            <p:strVal val="1+#ppt_h/2"/>
-                                          </p:val>
-                                        </p:tav>
-                                        <p:tav tm="100000">
-                                          <p:val>
-                                            <p:strVal val="#ppt_y"/>
-                                          </p:val>
-                                        </p:tav>
-                                      </p:tavLst>
-                                    </p:anim>
-                                  </p:childTnLst>
-                                </p:cTn>
-                              </p:par>
-                            </p:childTnLst>
-                          </p:cTn>
-                        </p:par>
-                      </p:childTnLst>
-                    </p:cTn>
-                  </p:par>
-                </p:childTnLst>
-              </p:cTn>
-              <p:prevCondLst>
-                <p:cond evt="onPrev" delay="0">
-                  <p:tgtEl>
-                    <p:sldTgt/>
-                  </p:tgtEl>
-                </p:cond>
-              </p:prevCondLst>
-              <p:nextCondLst>
-                <p:cond evt="onNext" delay="0">
-                  <p:tgtEl>
-                    <p:sldTgt/>
-                  </p:tgtEl>
-                </p:cond>
-              </p:nextCondLst>
-            </p:seq>
-          </p:childTnLst>
-        </p:cTn>
-      </p:par>
-    </p:tnLst>
-    <p:bldLst>
-      <p:bldP spid="34" grpId="0" animBg="1"/>
-      <p:bldP spid="34" grpId="1" animBg="1"/>
-      <p:bldP spid="45" grpId="0" animBg="1"/>
-      <p:bldP spid="25" grpId="0" animBg="1"/>
-      <p:bldP spid="25" grpId="1" animBg="1"/>
-      <p:bldP spid="26" grpId="0" animBg="1"/>
-      <p:bldP spid="26" grpId="1" animBg="1"/>
-      <p:bldP spid="46" grpId="0" animBg="1"/>
-      <p:bldP spid="20" grpId="0" animBg="1"/>
-    </p:bldLst>
-  </p:timing>
-</p:sld>
-</file>
-
 <file path=ppt/theme/theme1.xml><?xml version="1.0" encoding="utf-8"?>
 <a:theme xmlns:a="http://schemas.openxmlformats.org/drawingml/2006/main" name="Office Theme">
   <a:themeElements>
